--- a/대충 설계도.pptx
+++ b/대충 설계도.pptx
@@ -118,6 +118,9 @@
     <p:ext uri="{EFAFB233-063F-42B5-8137-9DF3F51BA10A}">
       <p15:sldGuideLst xmlns:p15="http://schemas.microsoft.com/office/powerpoint/2012/main"/>
     </p:ext>
+    <p:ext uri="{2D200454-40CA-4A62-9FC3-DE9A4176ACB9}">
+      <p15:notesGuideLst xmlns:p15="http://schemas.microsoft.com/office/powerpoint/2012/main"/>
+    </p:ext>
   </p:extLst>
 </p:presentation>
 </file>
@@ -204,7 +207,7 @@
           <a:p>
             <a:fld id="{74C9A701-BECF-4E66-B1A9-0DDE51DF3C32}" type="datetimeFigureOut">
               <a:rPr lang="ko-KR" altLang="en-US" smtClean="0"/>
-              <a:t>2024-03-19</a:t>
+              <a:t>2024-03-20</a:t>
             </a:fld>
             <a:endParaRPr lang="ko-KR" altLang="en-US"/>
           </a:p>
@@ -369,7 +372,7 @@
           <a:p>
             <a:fld id="{AFF4EA0E-EAAE-4D3F-AFB4-8B0347A13ED6}" type="datetimeFigureOut">
               <a:rPr lang="ko-KR" altLang="en-US" smtClean="0"/>
-              <a:t>2024-03-19</a:t>
+              <a:t>2024-03-20</a:t>
             </a:fld>
             <a:endParaRPr lang="ko-KR" altLang="en-US"/>
           </a:p>
@@ -768,7 +771,7 @@
           <a:p>
             <a:fld id="{DF3A7121-52D7-45D7-83AA-4372C345CB62}" type="datetime1">
               <a:rPr lang="ko-KR" altLang="en-US" smtClean="0"/>
-              <a:t>2024-03-19</a:t>
+              <a:t>2024-03-20</a:t>
             </a:fld>
             <a:endParaRPr lang="ko-KR" altLang="en-US" dirty="0"/>
           </a:p>
@@ -953,7 +956,7 @@
           <a:p>
             <a:fld id="{92AA6529-A132-4E5C-83A0-D1099610F41A}" type="datetime1">
               <a:rPr lang="ko-KR" altLang="en-US" smtClean="0"/>
-              <a:t>2024-03-19</a:t>
+              <a:t>2024-03-20</a:t>
             </a:fld>
             <a:endParaRPr lang="ko-KR" altLang="en-US"/>
           </a:p>
@@ -1148,7 +1151,7 @@
           <a:p>
             <a:fld id="{239936F7-CC86-4EBF-89EF-4F8C3793C16C}" type="datetime1">
               <a:rPr lang="ko-KR" altLang="en-US" smtClean="0"/>
-              <a:t>2024-03-19</a:t>
+              <a:t>2024-03-20</a:t>
             </a:fld>
             <a:endParaRPr lang="ko-KR" altLang="en-US"/>
           </a:p>
@@ -1267,15 +1270,7 @@
           <a:p>
             <a:r>
               <a:rPr lang="ko-KR" altLang="en-US" dirty="0" smtClean="0"/>
-              <a:t>마스터 </a:t>
-            </a:r>
-            <a:r>
-              <a:rPr lang="ko-KR" altLang="en-US" dirty="0" smtClean="0"/>
-              <a:t>제목 스타일 </a:t>
-            </a:r>
-            <a:r>
-              <a:rPr lang="ko-KR" altLang="en-US" dirty="0" smtClean="0"/>
-              <a:t>편집</a:t>
+              <a:t>마스터 제목 스타일 편집</a:t>
             </a:r>
             <a:endParaRPr lang="ko-KR" altLang="en-US" dirty="0"/>
           </a:p>
@@ -1306,11 +1301,7 @@
             <a:pPr lvl="1"/>
             <a:r>
               <a:rPr lang="ko-KR" altLang="en-US" dirty="0" smtClean="0"/>
-              <a:t>둘째 </a:t>
-            </a:r>
-            <a:r>
-              <a:rPr lang="ko-KR" altLang="en-US" dirty="0" smtClean="0"/>
-              <a:t>수준</a:t>
+              <a:t>둘째 수준</a:t>
             </a:r>
           </a:p>
           <a:p>
@@ -1354,7 +1345,7 @@
           <a:p>
             <a:fld id="{8324B3F8-367B-44E7-A104-2C7D7A6AB900}" type="datetime1">
               <a:rPr lang="ko-KR" altLang="en-US" smtClean="0"/>
-              <a:t>2024-03-19</a:t>
+              <a:t>2024-03-20</a:t>
             </a:fld>
             <a:endParaRPr lang="ko-KR" altLang="en-US"/>
           </a:p>
@@ -1625,7 +1616,7 @@
           <a:p>
             <a:fld id="{F089C6E7-2034-4B02-851D-36DFC26C3E9E}" type="datetime1">
               <a:rPr lang="ko-KR" altLang="en-US" smtClean="0"/>
-              <a:t>2024-03-19</a:t>
+              <a:t>2024-03-20</a:t>
             </a:fld>
             <a:endParaRPr lang="ko-KR" altLang="en-US"/>
           </a:p>
@@ -1872,7 +1863,7 @@
           <a:p>
             <a:fld id="{8C5694B5-1083-4023-B860-A7D6B60AECB0}" type="datetime1">
               <a:rPr lang="ko-KR" altLang="en-US" smtClean="0"/>
-              <a:t>2024-03-19</a:t>
+              <a:t>2024-03-20</a:t>
             </a:fld>
             <a:endParaRPr lang="ko-KR" altLang="en-US"/>
           </a:p>
@@ -2254,7 +2245,7 @@
           <a:p>
             <a:fld id="{86AE655F-91EA-4219-9715-7A7BD09C898E}" type="datetime1">
               <a:rPr lang="ko-KR" altLang="en-US" smtClean="0"/>
-              <a:t>2024-03-19</a:t>
+              <a:t>2024-03-20</a:t>
             </a:fld>
             <a:endParaRPr lang="ko-KR" altLang="en-US"/>
           </a:p>
@@ -2387,7 +2378,7 @@
           <a:p>
             <a:fld id="{66A73425-252E-4438-9174-228309ED25A6}" type="datetime1">
               <a:rPr lang="ko-KR" altLang="en-US" smtClean="0"/>
-              <a:t>2024-03-19</a:t>
+              <a:t>2024-03-20</a:t>
             </a:fld>
             <a:endParaRPr lang="ko-KR" altLang="en-US"/>
           </a:p>
@@ -2497,7 +2488,7 @@
           <a:p>
             <a:fld id="{96C653CF-8C6C-4115-A6B7-E92A27B09C35}" type="datetime1">
               <a:rPr lang="ko-KR" altLang="en-US" smtClean="0"/>
-              <a:t>2024-03-19</a:t>
+              <a:t>2024-03-20</a:t>
             </a:fld>
             <a:endParaRPr lang="ko-KR" altLang="en-US"/>
           </a:p>
@@ -2789,7 +2780,7 @@
           <a:p>
             <a:fld id="{FA2959EF-7AC9-40C5-B2E3-812567DC8B97}" type="datetime1">
               <a:rPr lang="ko-KR" altLang="en-US" smtClean="0"/>
-              <a:t>2024-03-19</a:t>
+              <a:t>2024-03-20</a:t>
             </a:fld>
             <a:endParaRPr lang="ko-KR" altLang="en-US"/>
           </a:p>
@@ -3057,7 +3048,7 @@
           <a:p>
             <a:fld id="{8E4358F6-550B-4AB7-B8E8-E889E97A6024}" type="datetime1">
               <a:rPr lang="ko-KR" altLang="en-US" smtClean="0"/>
-              <a:t>2024-03-19</a:t>
+              <a:t>2024-03-20</a:t>
             </a:fld>
             <a:endParaRPr lang="ko-KR" altLang="en-US"/>
           </a:p>
@@ -3285,7 +3276,7 @@
           <a:p>
             <a:fld id="{82796CD8-19CA-4A88-B539-DF9B58F792E5}" type="datetime1">
               <a:rPr lang="ko-KR" altLang="en-US" smtClean="0"/>
-              <a:t>2024-03-19</a:t>
+              <a:t>2024-03-20</a:t>
             </a:fld>
             <a:endParaRPr lang="ko-KR" altLang="en-US" dirty="0"/>
           </a:p>
@@ -3332,7 +3323,6 @@
               <a:rPr lang="ko-KR" altLang="en-US" dirty="0" smtClean="0"/>
               <a:t>최영수 앱 기획 자료</a:t>
             </a:r>
-            <a:endParaRPr lang="ko-KR" altLang="en-US" dirty="0" smtClean="0"/>
           </a:p>
         </p:txBody>
       </p:sp>
@@ -3854,6 +3844,39 @@
           <a:chExt cx="0" cy="0"/>
         </a:xfrm>
       </p:grpSpPr>
+      <p:pic>
+        <p:nvPicPr>
+          <p:cNvPr id="6" name="그림 5"/>
+          <p:cNvPicPr>
+            <a:picLocks noChangeAspect="1"/>
+          </p:cNvPicPr>
+          <p:nvPr/>
+        </p:nvPicPr>
+        <p:blipFill>
+          <a:blip r:embed="rId2" cstate="print">
+            <a:extLst>
+              <a:ext uri="{28A0092B-C50C-407E-A947-70E740481C1C}">
+                <a14:useLocalDpi xmlns:a14="http://schemas.microsoft.com/office/drawing/2010/main" val="0"/>
+              </a:ext>
+            </a:extLst>
+          </a:blip>
+          <a:stretch>
+            <a:fillRect/>
+          </a:stretch>
+        </p:blipFill>
+        <p:spPr>
+          <a:xfrm>
+            <a:off x="-692331" y="297225"/>
+            <a:ext cx="9841163" cy="6560775"/>
+          </a:xfrm>
+          <a:prstGeom prst="rect">
+            <a:avLst/>
+          </a:prstGeom>
+          <a:effectLst>
+            <a:softEdge rad="1270000"/>
+          </a:effectLst>
+        </p:spPr>
+      </p:pic>
       <p:sp>
         <p:nvSpPr>
           <p:cNvPr id="2" name="제목 1"/>
@@ -3864,7 +3887,12 @@
             <p:ph type="ctrTitle"/>
           </p:nvPr>
         </p:nvSpPr>
-        <p:spPr/>
+        <p:spPr>
+          <a:xfrm>
+            <a:off x="8153400" y="1043754"/>
+            <a:ext cx="4628606" cy="1171712"/>
+          </a:xfrm>
+        </p:spPr>
         <p:txBody>
           <a:bodyPr/>
           <a:lstStyle/>
@@ -3887,43 +3915,55 @@
             <p:ph type="subTitle" idx="1"/>
           </p:nvPr>
         </p:nvSpPr>
+        <p:spPr>
+          <a:xfrm>
+            <a:off x="7803762" y="3102381"/>
+            <a:ext cx="5327881" cy="1655762"/>
+          </a:xfrm>
+        </p:spPr>
+        <p:txBody>
+          <a:bodyPr/>
+          <a:lstStyle/>
+          <a:p>
+            <a:r>
+              <a:rPr lang="ko-KR" altLang="en-US" dirty="0" smtClean="0"/>
+              <a:t>개발 팀을 구하는</a:t>
+            </a:r>
+            <a:endParaRPr lang="en-US" altLang="ko-KR" dirty="0" smtClean="0"/>
+          </a:p>
+          <a:p>
+            <a:r>
+              <a:rPr lang="ko-KR" altLang="en-US" dirty="0" smtClean="0"/>
+              <a:t>가장 쉬운 방법</a:t>
+            </a:r>
+            <a:endParaRPr lang="ko-KR" altLang="en-US" dirty="0"/>
+          </a:p>
+        </p:txBody>
+      </p:sp>
+      <p:sp>
+        <p:nvSpPr>
+          <p:cNvPr id="4" name="바닥글 개체 틀 3"/>
+          <p:cNvSpPr>
+            <a:spLocks noGrp="1"/>
+          </p:cNvSpPr>
+          <p:nvPr>
+            <p:ph type="ftr" sz="quarter" idx="11"/>
+          </p:nvPr>
+        </p:nvSpPr>
         <p:spPr/>
         <p:txBody>
           <a:bodyPr/>
           <a:lstStyle/>
           <a:p>
             <a:r>
+              <a:rPr lang="en-US" altLang="ko-KR" dirty="0" smtClean="0"/>
+              <a:t>202034017 </a:t>
+            </a:r>
+            <a:r>
               <a:rPr lang="ko-KR" altLang="en-US" dirty="0" smtClean="0"/>
-              <a:t>컨셉을 한마디로 설명 할 수 있는 글</a:t>
+              <a:t>최영수 앱 기획 자료</a:t>
             </a:r>
             <a:endParaRPr lang="ko-KR" altLang="en-US" dirty="0"/>
-          </a:p>
-        </p:txBody>
-      </p:sp>
-      <p:sp>
-        <p:nvSpPr>
-          <p:cNvPr id="4" name="바닥글 개체 틀 3"/>
-          <p:cNvSpPr>
-            <a:spLocks noGrp="1"/>
-          </p:cNvSpPr>
-          <p:nvPr>
-            <p:ph type="ftr" sz="quarter" idx="11"/>
-          </p:nvPr>
-        </p:nvSpPr>
-        <p:spPr/>
-        <p:txBody>
-          <a:bodyPr/>
-          <a:lstStyle/>
-          <a:p>
-            <a:r>
-              <a:rPr lang="en-US" altLang="ko-KR" smtClean="0"/>
-              <a:t>202034017 </a:t>
-            </a:r>
-            <a:r>
-              <a:rPr lang="ko-KR" altLang="en-US" smtClean="0"/>
-              <a:t>최영수 앱 기획 자료</a:t>
-            </a:r>
-            <a:endParaRPr lang="ko-KR" altLang="en-US"/>
           </a:p>
         </p:txBody>
       </p:sp>
@@ -3973,6 +4013,17 @@
 <file path=ppt/slides/slide2.xml><?xml version="1.0" encoding="utf-8"?>
 <p:sld xmlns:a="http://schemas.openxmlformats.org/drawingml/2006/main" xmlns:r="http://schemas.openxmlformats.org/officeDocument/2006/relationships" xmlns:p="http://schemas.openxmlformats.org/presentationml/2006/main">
   <p:cSld>
+    <p:bg>
+      <p:bgPr>
+        <a:solidFill>
+          <a:schemeClr val="bg1">
+            <a:tint val="95000"/>
+            <a:satMod val="170000"/>
+          </a:schemeClr>
+        </a:solidFill>
+        <a:effectLst/>
+      </p:bgPr>
+    </p:bg>
     <p:spTree>
       <p:nvGrpSpPr>
         <p:cNvPr id="1" name=""/>
@@ -4313,18 +4364,7 @@
                   </a:schemeClr>
                 </a:solidFill>
               </a:rPr>
-              <a:t>앱 개발 </a:t>
-            </a:r>
-            <a:r>
-              <a:rPr lang="ko-KR" altLang="en-US" b="1" dirty="0" smtClean="0">
-                <a:solidFill>
-                  <a:schemeClr val="accent2">
-                    <a:lumMod val="20000"/>
-                    <a:lumOff val="80000"/>
-                  </a:schemeClr>
-                </a:solidFill>
-              </a:rPr>
-              <a:t>현황</a:t>
+              <a:t>앱 개발 현황</a:t>
             </a:r>
             <a:endParaRPr lang="en-US" altLang="ko-KR" b="1" dirty="0" smtClean="0">
               <a:solidFill>
@@ -4493,11 +4533,7 @@
           <a:p>
             <a:r>
               <a:rPr lang="ko-KR" altLang="en-US" dirty="0" smtClean="0"/>
-              <a:t>비즈니스 모델 </a:t>
-            </a:r>
-            <a:r>
-              <a:rPr lang="ko-KR" altLang="en-US" dirty="0" smtClean="0"/>
-              <a:t>캔버스 이미지</a:t>
+              <a:t>비즈니스 모델 캔버스 이미지</a:t>
             </a:r>
             <a:endParaRPr lang="en-US" altLang="ko-KR" dirty="0" smtClean="0"/>
           </a:p>

--- a/대충 설계도.pptx
+++ b/대충 설계도.pptx
@@ -5,17 +5,20 @@
     <p:sldMasterId id="2147483660" r:id="rId1"/>
   </p:sldMasterIdLst>
   <p:notesMasterIdLst>
-    <p:notesMasterId r:id="rId7"/>
+    <p:notesMasterId r:id="rId10"/>
   </p:notesMasterIdLst>
   <p:handoutMasterIdLst>
-    <p:handoutMasterId r:id="rId8"/>
+    <p:handoutMasterId r:id="rId11"/>
   </p:handoutMasterIdLst>
   <p:sldIdLst>
     <p:sldId id="256" r:id="rId2"/>
     <p:sldId id="257" r:id="rId3"/>
-    <p:sldId id="258" r:id="rId4"/>
-    <p:sldId id="260" r:id="rId5"/>
+    <p:sldId id="260" r:id="rId4"/>
+    <p:sldId id="258" r:id="rId5"/>
     <p:sldId id="259" r:id="rId6"/>
+    <p:sldId id="261" r:id="rId7"/>
+    <p:sldId id="263" r:id="rId8"/>
+    <p:sldId id="266" r:id="rId9"/>
   </p:sldIdLst>
   <p:sldSz cx="12192000" cy="6858000"/>
   <p:notesSz cx="6858000" cy="9144000"/>
@@ -174,7 +177,7 @@
             </a:lvl1pPr>
           </a:lstStyle>
           <a:p>
-            <a:endParaRPr lang="ko-KR" altLang="en-US"/>
+            <a:endParaRPr lang="ko-KR" altLang="en-US" dirty="0"/>
           </a:p>
         </p:txBody>
       </p:sp>
@@ -207,9 +210,9 @@
           <a:p>
             <a:fld id="{74C9A701-BECF-4E66-B1A9-0DDE51DF3C32}" type="datetimeFigureOut">
               <a:rPr lang="ko-KR" altLang="en-US" smtClean="0"/>
-              <a:t>2024-03-20</a:t>
+              <a:t>2024-03-26</a:t>
             </a:fld>
-            <a:endParaRPr lang="ko-KR" altLang="en-US"/>
+            <a:endParaRPr lang="ko-KR" altLang="en-US" dirty="0"/>
           </a:p>
         </p:txBody>
       </p:sp>
@@ -240,7 +243,7 @@
             </a:lvl1pPr>
           </a:lstStyle>
           <a:p>
-            <a:endParaRPr lang="ko-KR" altLang="en-US"/>
+            <a:endParaRPr lang="ko-KR" altLang="en-US" dirty="0"/>
           </a:p>
         </p:txBody>
       </p:sp>
@@ -275,7 +278,7 @@
               <a:rPr lang="ko-KR" altLang="en-US" smtClean="0"/>
               <a:t>‹#›</a:t>
             </a:fld>
-            <a:endParaRPr lang="ko-KR" altLang="en-US"/>
+            <a:endParaRPr lang="ko-KR" altLang="en-US" dirty="0"/>
           </a:p>
         </p:txBody>
       </p:sp>
@@ -339,7 +342,7 @@
             </a:lvl1pPr>
           </a:lstStyle>
           <a:p>
-            <a:endParaRPr lang="ko-KR" altLang="en-US"/>
+            <a:endParaRPr lang="ko-KR" altLang="en-US" dirty="0"/>
           </a:p>
         </p:txBody>
       </p:sp>
@@ -372,9 +375,9 @@
           <a:p>
             <a:fld id="{AFF4EA0E-EAAE-4D3F-AFB4-8B0347A13ED6}" type="datetimeFigureOut">
               <a:rPr lang="ko-KR" altLang="en-US" smtClean="0"/>
-              <a:t>2024-03-20</a:t>
+              <a:t>2024-03-26</a:t>
             </a:fld>
-            <a:endParaRPr lang="ko-KR" altLang="en-US"/>
+            <a:endParaRPr lang="ko-KR" altLang="en-US" dirty="0"/>
           </a:p>
         </p:txBody>
       </p:sp>
@@ -407,7 +410,7 @@
           <a:bodyPr vert="horz" lIns="91440" tIns="45720" rIns="91440" bIns="45720" rtlCol="0" anchor="ctr"/>
           <a:lstStyle/>
           <a:p>
-            <a:endParaRPr lang="ko-KR" altLang="en-US"/>
+            <a:endParaRPr lang="ko-KR" altLang="en-US" dirty="0"/>
           </a:p>
         </p:txBody>
       </p:sp>
@@ -498,7 +501,7 @@
             </a:lvl1pPr>
           </a:lstStyle>
           <a:p>
-            <a:endParaRPr lang="ko-KR" altLang="en-US"/>
+            <a:endParaRPr lang="ko-KR" altLang="en-US" dirty="0"/>
           </a:p>
         </p:txBody>
       </p:sp>
@@ -533,7 +536,7 @@
               <a:rPr lang="ko-KR" altLang="en-US" smtClean="0"/>
               <a:t>‹#›</a:t>
             </a:fld>
-            <a:endParaRPr lang="ko-KR" altLang="en-US"/>
+            <a:endParaRPr lang="ko-KR" altLang="en-US" dirty="0"/>
           </a:p>
         </p:txBody>
       </p:sp>
@@ -771,7 +774,7 @@
           <a:p>
             <a:fld id="{DF3A7121-52D7-45D7-83AA-4372C345CB62}" type="datetime1">
               <a:rPr lang="ko-KR" altLang="en-US" smtClean="0"/>
-              <a:t>2024-03-20</a:t>
+              <a:t>2024-03-26</a:t>
             </a:fld>
             <a:endParaRPr lang="ko-KR" altLang="en-US" dirty="0"/>
           </a:p>
@@ -793,14 +796,14 @@
           <a:lstStyle/>
           <a:p>
             <a:r>
-              <a:rPr lang="en-US" altLang="ko-KR" smtClean="0"/>
+              <a:rPr lang="en-US" altLang="ko-KR" dirty="0" smtClean="0"/>
               <a:t>202034017 </a:t>
             </a:r>
             <a:r>
-              <a:rPr lang="ko-KR" altLang="en-US" smtClean="0"/>
+              <a:rPr lang="ko-KR" altLang="en-US" dirty="0" smtClean="0"/>
               <a:t>최영수 앱 기획 자료</a:t>
             </a:r>
-            <a:endParaRPr lang="ko-KR" altLang="en-US"/>
+            <a:endParaRPr lang="ko-KR" altLang="en-US" dirty="0"/>
           </a:p>
         </p:txBody>
       </p:sp>
@@ -956,9 +959,9 @@
           <a:p>
             <a:fld id="{92AA6529-A132-4E5C-83A0-D1099610F41A}" type="datetime1">
               <a:rPr lang="ko-KR" altLang="en-US" smtClean="0"/>
-              <a:t>2024-03-20</a:t>
+              <a:t>2024-03-26</a:t>
             </a:fld>
-            <a:endParaRPr lang="ko-KR" altLang="en-US"/>
+            <a:endParaRPr lang="ko-KR" altLang="en-US" dirty="0"/>
           </a:p>
         </p:txBody>
       </p:sp>
@@ -978,14 +981,14 @@
           <a:lstStyle/>
           <a:p>
             <a:r>
-              <a:rPr lang="en-US" altLang="ko-KR" smtClean="0"/>
+              <a:rPr lang="en-US" altLang="ko-KR" dirty="0" smtClean="0"/>
               <a:t>202034017 </a:t>
             </a:r>
             <a:r>
-              <a:rPr lang="ko-KR" altLang="en-US" smtClean="0"/>
+              <a:rPr lang="ko-KR" altLang="en-US" dirty="0" smtClean="0"/>
               <a:t>최영수 앱 기획 자료</a:t>
             </a:r>
-            <a:endParaRPr lang="ko-KR" altLang="en-US"/>
+            <a:endParaRPr lang="ko-KR" altLang="en-US" dirty="0"/>
           </a:p>
         </p:txBody>
       </p:sp>
@@ -1008,7 +1011,7 @@
               <a:rPr lang="ko-KR" altLang="en-US" smtClean="0"/>
               <a:t>‹#›</a:t>
             </a:fld>
-            <a:endParaRPr lang="ko-KR" altLang="en-US"/>
+            <a:endParaRPr lang="ko-KR" altLang="en-US" dirty="0"/>
           </a:p>
         </p:txBody>
       </p:sp>
@@ -1151,9 +1154,9 @@
           <a:p>
             <a:fld id="{239936F7-CC86-4EBF-89EF-4F8C3793C16C}" type="datetime1">
               <a:rPr lang="ko-KR" altLang="en-US" smtClean="0"/>
-              <a:t>2024-03-20</a:t>
+              <a:t>2024-03-26</a:t>
             </a:fld>
-            <a:endParaRPr lang="ko-KR" altLang="en-US"/>
+            <a:endParaRPr lang="ko-KR" altLang="en-US" dirty="0"/>
           </a:p>
         </p:txBody>
       </p:sp>
@@ -1173,14 +1176,14 @@
           <a:lstStyle/>
           <a:p>
             <a:r>
-              <a:rPr lang="en-US" altLang="ko-KR" smtClean="0"/>
+              <a:rPr lang="en-US" altLang="ko-KR" dirty="0" smtClean="0"/>
               <a:t>202034017 </a:t>
             </a:r>
             <a:r>
-              <a:rPr lang="ko-KR" altLang="en-US" smtClean="0"/>
+              <a:rPr lang="ko-KR" altLang="en-US" dirty="0" smtClean="0"/>
               <a:t>최영수 앱 기획 자료</a:t>
             </a:r>
-            <a:endParaRPr lang="ko-KR" altLang="en-US"/>
+            <a:endParaRPr lang="ko-KR" altLang="en-US" dirty="0"/>
           </a:p>
         </p:txBody>
       </p:sp>
@@ -1203,7 +1206,7 @@
               <a:rPr lang="ko-KR" altLang="en-US" smtClean="0"/>
               <a:t>‹#›</a:t>
             </a:fld>
-            <a:endParaRPr lang="ko-KR" altLang="en-US"/>
+            <a:endParaRPr lang="ko-KR" altLang="en-US" dirty="0"/>
           </a:p>
         </p:txBody>
       </p:sp>
@@ -1345,9 +1348,9 @@
           <a:p>
             <a:fld id="{8324B3F8-367B-44E7-A104-2C7D7A6AB900}" type="datetime1">
               <a:rPr lang="ko-KR" altLang="en-US" smtClean="0"/>
-              <a:t>2024-03-20</a:t>
+              <a:t>2024-03-26</a:t>
             </a:fld>
-            <a:endParaRPr lang="ko-KR" altLang="en-US"/>
+            <a:endParaRPr lang="ko-KR" altLang="en-US" dirty="0"/>
           </a:p>
         </p:txBody>
       </p:sp>
@@ -1616,9 +1619,9 @@
           <a:p>
             <a:fld id="{F089C6E7-2034-4B02-851D-36DFC26C3E9E}" type="datetime1">
               <a:rPr lang="ko-KR" altLang="en-US" smtClean="0"/>
-              <a:t>2024-03-20</a:t>
+              <a:t>2024-03-26</a:t>
             </a:fld>
-            <a:endParaRPr lang="ko-KR" altLang="en-US"/>
+            <a:endParaRPr lang="ko-KR" altLang="en-US" dirty="0"/>
           </a:p>
         </p:txBody>
       </p:sp>
@@ -1638,14 +1641,14 @@
           <a:lstStyle/>
           <a:p>
             <a:r>
-              <a:rPr lang="en-US" altLang="ko-KR" smtClean="0"/>
+              <a:rPr lang="en-US" altLang="ko-KR" dirty="0" smtClean="0"/>
               <a:t>202034017 </a:t>
             </a:r>
             <a:r>
-              <a:rPr lang="ko-KR" altLang="en-US" smtClean="0"/>
+              <a:rPr lang="ko-KR" altLang="en-US" dirty="0" smtClean="0"/>
               <a:t>최영수 앱 기획 자료</a:t>
             </a:r>
-            <a:endParaRPr lang="ko-KR" altLang="en-US"/>
+            <a:endParaRPr lang="ko-KR" altLang="en-US" dirty="0"/>
           </a:p>
         </p:txBody>
       </p:sp>
@@ -1668,7 +1671,7 @@
               <a:rPr lang="ko-KR" altLang="en-US" smtClean="0"/>
               <a:t>‹#›</a:t>
             </a:fld>
-            <a:endParaRPr lang="ko-KR" altLang="en-US"/>
+            <a:endParaRPr lang="ko-KR" altLang="en-US" dirty="0"/>
           </a:p>
         </p:txBody>
       </p:sp>
@@ -1863,9 +1866,9 @@
           <a:p>
             <a:fld id="{8C5694B5-1083-4023-B860-A7D6B60AECB0}" type="datetime1">
               <a:rPr lang="ko-KR" altLang="en-US" smtClean="0"/>
-              <a:t>2024-03-20</a:t>
+              <a:t>2024-03-26</a:t>
             </a:fld>
-            <a:endParaRPr lang="ko-KR" altLang="en-US"/>
+            <a:endParaRPr lang="ko-KR" altLang="en-US" dirty="0"/>
           </a:p>
         </p:txBody>
       </p:sp>
@@ -1885,14 +1888,14 @@
           <a:lstStyle/>
           <a:p>
             <a:r>
-              <a:rPr lang="en-US" altLang="ko-KR" smtClean="0"/>
+              <a:rPr lang="en-US" altLang="ko-KR" dirty="0" smtClean="0"/>
               <a:t>202034017 </a:t>
             </a:r>
             <a:r>
-              <a:rPr lang="ko-KR" altLang="en-US" smtClean="0"/>
+              <a:rPr lang="ko-KR" altLang="en-US" dirty="0" smtClean="0"/>
               <a:t>최영수 앱 기획 자료</a:t>
             </a:r>
-            <a:endParaRPr lang="ko-KR" altLang="en-US"/>
+            <a:endParaRPr lang="ko-KR" altLang="en-US" dirty="0"/>
           </a:p>
         </p:txBody>
       </p:sp>
@@ -1915,7 +1918,7 @@
               <a:rPr lang="ko-KR" altLang="en-US" smtClean="0"/>
               <a:t>‹#›</a:t>
             </a:fld>
-            <a:endParaRPr lang="ko-KR" altLang="en-US"/>
+            <a:endParaRPr lang="ko-KR" altLang="en-US" dirty="0"/>
           </a:p>
         </p:txBody>
       </p:sp>
@@ -2245,9 +2248,9 @@
           <a:p>
             <a:fld id="{86AE655F-91EA-4219-9715-7A7BD09C898E}" type="datetime1">
               <a:rPr lang="ko-KR" altLang="en-US" smtClean="0"/>
-              <a:t>2024-03-20</a:t>
+              <a:t>2024-03-26</a:t>
             </a:fld>
-            <a:endParaRPr lang="ko-KR" altLang="en-US"/>
+            <a:endParaRPr lang="ko-KR" altLang="en-US" dirty="0"/>
           </a:p>
         </p:txBody>
       </p:sp>
@@ -2267,14 +2270,14 @@
           <a:lstStyle/>
           <a:p>
             <a:r>
-              <a:rPr lang="en-US" altLang="ko-KR" smtClean="0"/>
+              <a:rPr lang="en-US" altLang="ko-KR" dirty="0" smtClean="0"/>
               <a:t>202034017 </a:t>
             </a:r>
             <a:r>
-              <a:rPr lang="ko-KR" altLang="en-US" smtClean="0"/>
+              <a:rPr lang="ko-KR" altLang="en-US" dirty="0" smtClean="0"/>
               <a:t>최영수 앱 기획 자료</a:t>
             </a:r>
-            <a:endParaRPr lang="ko-KR" altLang="en-US"/>
+            <a:endParaRPr lang="ko-KR" altLang="en-US" dirty="0"/>
           </a:p>
         </p:txBody>
       </p:sp>
@@ -2297,7 +2300,7 @@
               <a:rPr lang="ko-KR" altLang="en-US" smtClean="0"/>
               <a:t>‹#›</a:t>
             </a:fld>
-            <a:endParaRPr lang="ko-KR" altLang="en-US"/>
+            <a:endParaRPr lang="ko-KR" altLang="en-US" dirty="0"/>
           </a:p>
         </p:txBody>
       </p:sp>
@@ -2378,9 +2381,9 @@
           <a:p>
             <a:fld id="{66A73425-252E-4438-9174-228309ED25A6}" type="datetime1">
               <a:rPr lang="ko-KR" altLang="en-US" smtClean="0"/>
-              <a:t>2024-03-20</a:t>
+              <a:t>2024-03-26</a:t>
             </a:fld>
-            <a:endParaRPr lang="ko-KR" altLang="en-US"/>
+            <a:endParaRPr lang="ko-KR" altLang="en-US" dirty="0"/>
           </a:p>
         </p:txBody>
       </p:sp>
@@ -2400,14 +2403,14 @@
           <a:lstStyle/>
           <a:p>
             <a:r>
-              <a:rPr lang="en-US" altLang="ko-KR" smtClean="0"/>
+              <a:rPr lang="en-US" altLang="ko-KR" dirty="0" smtClean="0"/>
               <a:t>202034017 </a:t>
             </a:r>
             <a:r>
-              <a:rPr lang="ko-KR" altLang="en-US" smtClean="0"/>
+              <a:rPr lang="ko-KR" altLang="en-US" dirty="0" smtClean="0"/>
               <a:t>최영수 앱 기획 자료</a:t>
             </a:r>
-            <a:endParaRPr lang="ko-KR" altLang="en-US"/>
+            <a:endParaRPr lang="ko-KR" altLang="en-US" dirty="0"/>
           </a:p>
         </p:txBody>
       </p:sp>
@@ -2430,7 +2433,7 @@
               <a:rPr lang="ko-KR" altLang="en-US" smtClean="0"/>
               <a:t>‹#›</a:t>
             </a:fld>
-            <a:endParaRPr lang="ko-KR" altLang="en-US"/>
+            <a:endParaRPr lang="ko-KR" altLang="en-US" dirty="0"/>
           </a:p>
         </p:txBody>
       </p:sp>
@@ -2488,9 +2491,9 @@
           <a:p>
             <a:fld id="{96C653CF-8C6C-4115-A6B7-E92A27B09C35}" type="datetime1">
               <a:rPr lang="ko-KR" altLang="en-US" smtClean="0"/>
-              <a:t>2024-03-20</a:t>
+              <a:t>2024-03-26</a:t>
             </a:fld>
-            <a:endParaRPr lang="ko-KR" altLang="en-US"/>
+            <a:endParaRPr lang="ko-KR" altLang="en-US" dirty="0"/>
           </a:p>
         </p:txBody>
       </p:sp>
@@ -2510,14 +2513,14 @@
           <a:lstStyle/>
           <a:p>
             <a:r>
-              <a:rPr lang="en-US" altLang="ko-KR" smtClean="0"/>
+              <a:rPr lang="en-US" altLang="ko-KR" dirty="0" smtClean="0"/>
               <a:t>202034017 </a:t>
             </a:r>
             <a:r>
-              <a:rPr lang="ko-KR" altLang="en-US" smtClean="0"/>
+              <a:rPr lang="ko-KR" altLang="en-US" dirty="0" smtClean="0"/>
               <a:t>최영수 앱 기획 자료</a:t>
             </a:r>
-            <a:endParaRPr lang="ko-KR" altLang="en-US"/>
+            <a:endParaRPr lang="ko-KR" altLang="en-US" dirty="0"/>
           </a:p>
         </p:txBody>
       </p:sp>
@@ -2540,7 +2543,7 @@
               <a:rPr lang="ko-KR" altLang="en-US" smtClean="0"/>
               <a:t>‹#›</a:t>
             </a:fld>
-            <a:endParaRPr lang="ko-KR" altLang="en-US"/>
+            <a:endParaRPr lang="ko-KR" altLang="en-US" dirty="0"/>
           </a:p>
         </p:txBody>
       </p:sp>
@@ -2780,9 +2783,9 @@
           <a:p>
             <a:fld id="{FA2959EF-7AC9-40C5-B2E3-812567DC8B97}" type="datetime1">
               <a:rPr lang="ko-KR" altLang="en-US" smtClean="0"/>
-              <a:t>2024-03-20</a:t>
+              <a:t>2024-03-26</a:t>
             </a:fld>
-            <a:endParaRPr lang="ko-KR" altLang="en-US"/>
+            <a:endParaRPr lang="ko-KR" altLang="en-US" dirty="0"/>
           </a:p>
         </p:txBody>
       </p:sp>
@@ -2802,14 +2805,14 @@
           <a:lstStyle/>
           <a:p>
             <a:r>
-              <a:rPr lang="en-US" altLang="ko-KR" smtClean="0"/>
+              <a:rPr lang="en-US" altLang="ko-KR" dirty="0" smtClean="0"/>
               <a:t>202034017 </a:t>
             </a:r>
             <a:r>
-              <a:rPr lang="ko-KR" altLang="en-US" smtClean="0"/>
+              <a:rPr lang="ko-KR" altLang="en-US" dirty="0" smtClean="0"/>
               <a:t>최영수 앱 기획 자료</a:t>
             </a:r>
-            <a:endParaRPr lang="ko-KR" altLang="en-US"/>
+            <a:endParaRPr lang="ko-KR" altLang="en-US" dirty="0"/>
           </a:p>
         </p:txBody>
       </p:sp>
@@ -2832,7 +2835,7 @@
               <a:rPr lang="ko-KR" altLang="en-US" smtClean="0"/>
               <a:t>‹#›</a:t>
             </a:fld>
-            <a:endParaRPr lang="ko-KR" altLang="en-US"/>
+            <a:endParaRPr lang="ko-KR" altLang="en-US" dirty="0"/>
           </a:p>
         </p:txBody>
       </p:sp>
@@ -2962,7 +2965,7 @@
             </a:lvl9pPr>
           </a:lstStyle>
           <a:p>
-            <a:endParaRPr lang="ko-KR" altLang="en-US"/>
+            <a:endParaRPr lang="ko-KR" altLang="en-US" dirty="0"/>
           </a:p>
         </p:txBody>
       </p:sp>
@@ -3048,9 +3051,9 @@
           <a:p>
             <a:fld id="{8E4358F6-550B-4AB7-B8E8-E889E97A6024}" type="datetime1">
               <a:rPr lang="ko-KR" altLang="en-US" smtClean="0"/>
-              <a:t>2024-03-20</a:t>
+              <a:t>2024-03-26</a:t>
             </a:fld>
-            <a:endParaRPr lang="ko-KR" altLang="en-US"/>
+            <a:endParaRPr lang="ko-KR" altLang="en-US" dirty="0"/>
           </a:p>
         </p:txBody>
       </p:sp>
@@ -3070,14 +3073,14 @@
           <a:lstStyle/>
           <a:p>
             <a:r>
-              <a:rPr lang="en-US" altLang="ko-KR" smtClean="0"/>
+              <a:rPr lang="en-US" altLang="ko-KR" dirty="0" smtClean="0"/>
               <a:t>202034017 </a:t>
             </a:r>
             <a:r>
-              <a:rPr lang="ko-KR" altLang="en-US" smtClean="0"/>
+              <a:rPr lang="ko-KR" altLang="en-US" dirty="0" smtClean="0"/>
               <a:t>최영수 앱 기획 자료</a:t>
             </a:r>
-            <a:endParaRPr lang="ko-KR" altLang="en-US"/>
+            <a:endParaRPr lang="ko-KR" altLang="en-US" dirty="0"/>
           </a:p>
         </p:txBody>
       </p:sp>
@@ -3100,7 +3103,7 @@
               <a:rPr lang="ko-KR" altLang="en-US" smtClean="0"/>
               <a:t>‹#›</a:t>
             </a:fld>
-            <a:endParaRPr lang="ko-KR" altLang="en-US"/>
+            <a:endParaRPr lang="ko-KR" altLang="en-US" dirty="0"/>
           </a:p>
         </p:txBody>
       </p:sp>
@@ -3276,7 +3279,7 @@
           <a:p>
             <a:fld id="{82796CD8-19CA-4A88-B539-DF9B58F792E5}" type="datetime1">
               <a:rPr lang="ko-KR" altLang="en-US" smtClean="0"/>
-              <a:t>2024-03-20</a:t>
+              <a:t>2024-03-26</a:t>
             </a:fld>
             <a:endParaRPr lang="ko-KR" altLang="en-US" dirty="0"/>
           </a:p>
@@ -3986,7 +3989,7 @@
               <a:rPr lang="ko-KR" altLang="en-US" smtClean="0"/>
               <a:t>1</a:t>
             </a:fld>
-            <a:endParaRPr lang="ko-KR" altLang="en-US"/>
+            <a:endParaRPr lang="ko-KR" altLang="en-US" dirty="0"/>
           </a:p>
         </p:txBody>
       </p:sp>
@@ -4170,11 +4173,11 @@
           <a:lstStyle/>
           <a:p>
             <a:r>
-              <a:rPr lang="en-US" altLang="ko-KR" smtClean="0"/>
+              <a:rPr lang="en-US" altLang="ko-KR" dirty="0" smtClean="0"/>
               <a:t>202034017 </a:t>
             </a:r>
             <a:r>
-              <a:rPr lang="ko-KR" altLang="en-US" smtClean="0"/>
+              <a:rPr lang="ko-KR" altLang="en-US" dirty="0" smtClean="0"/>
               <a:t>최영수 앱 기획 자료</a:t>
             </a:r>
             <a:endParaRPr lang="ko-KR" altLang="en-US" dirty="0"/>
@@ -4225,6 +4228,377 @@
 </file>
 
 <file path=ppt/slides/slide3.xml><?xml version="1.0" encoding="utf-8"?>
+<p:sld xmlns:a="http://schemas.openxmlformats.org/drawingml/2006/main" xmlns:r="http://schemas.openxmlformats.org/officeDocument/2006/relationships" xmlns:p="http://schemas.openxmlformats.org/presentationml/2006/main">
+  <p:cSld>
+    <p:spTree>
+      <p:nvGrpSpPr>
+        <p:cNvPr id="1" name=""/>
+        <p:cNvGrpSpPr/>
+        <p:nvPr/>
+      </p:nvGrpSpPr>
+      <p:grpSpPr>
+        <a:xfrm>
+          <a:off x="0" y="0"/>
+          <a:ext cx="0" cy="0"/>
+          <a:chOff x="0" y="0"/>
+          <a:chExt cx="0" cy="0"/>
+        </a:xfrm>
+      </p:grpSpPr>
+      <p:sp>
+        <p:nvSpPr>
+          <p:cNvPr id="2" name="제목 1"/>
+          <p:cNvSpPr>
+            <a:spLocks noGrp="1"/>
+          </p:cNvSpPr>
+          <p:nvPr>
+            <p:ph type="title"/>
+          </p:nvPr>
+        </p:nvSpPr>
+        <p:spPr/>
+        <p:txBody>
+          <a:bodyPr/>
+          <a:lstStyle/>
+          <a:p>
+            <a:r>
+              <a:rPr lang="ko-KR" altLang="en-US" dirty="0" smtClean="0"/>
+              <a:t>챕터 제목</a:t>
+            </a:r>
+            <a:r>
+              <a:rPr lang="en-US" altLang="ko-KR" sz="2800" dirty="0" smtClean="0"/>
+              <a:t>_</a:t>
+            </a:r>
+            <a:r>
+              <a:rPr lang="ko-KR" altLang="en-US" sz="2800" dirty="0"/>
+              <a:t>소</a:t>
+            </a:r>
+            <a:r>
+              <a:rPr lang="ko-KR" altLang="en-US" sz="2800" dirty="0" smtClean="0"/>
+              <a:t>제목</a:t>
+            </a:r>
+            <a:endParaRPr lang="ko-KR" altLang="en-US" sz="2800" dirty="0"/>
+          </a:p>
+        </p:txBody>
+      </p:sp>
+      <p:sp>
+        <p:nvSpPr>
+          <p:cNvPr id="3" name="내용 개체 틀 2"/>
+          <p:cNvSpPr>
+            <a:spLocks noGrp="1"/>
+          </p:cNvSpPr>
+          <p:nvPr>
+            <p:ph idx="1"/>
+          </p:nvPr>
+        </p:nvSpPr>
+        <p:spPr/>
+        <p:txBody>
+          <a:bodyPr/>
+          <a:lstStyle/>
+          <a:p>
+            <a:r>
+              <a:rPr lang="ko-KR" altLang="en-US" dirty="0" smtClean="0"/>
+              <a:t>강조 </a:t>
+            </a:r>
+            <a:r>
+              <a:rPr lang="en-US" altLang="ko-KR" dirty="0" smtClean="0"/>
+              <a:t>X, </a:t>
+            </a:r>
+            <a:r>
+              <a:rPr lang="ko-KR" altLang="en-US" dirty="0" smtClean="0"/>
+              <a:t>주황 강조</a:t>
+            </a:r>
+            <a:r>
+              <a:rPr lang="en-US" altLang="ko-KR" dirty="0" smtClean="0"/>
+              <a:t>2 80% </a:t>
+            </a:r>
+            <a:r>
+              <a:rPr lang="ko-KR" altLang="en-US" dirty="0" smtClean="0"/>
+              <a:t>더 밝게</a:t>
+            </a:r>
+            <a:endParaRPr lang="en-US" altLang="ko-KR" dirty="0" smtClean="0"/>
+          </a:p>
+          <a:p>
+            <a:r>
+              <a:rPr lang="ko-KR" altLang="en-US" dirty="0" smtClean="0">
+                <a:solidFill>
+                  <a:schemeClr val="tx1"/>
+                </a:solidFill>
+              </a:rPr>
+              <a:t>강조 </a:t>
+            </a:r>
+            <a:r>
+              <a:rPr lang="en-US" altLang="ko-KR" dirty="0" smtClean="0">
+                <a:solidFill>
+                  <a:schemeClr val="tx1"/>
+                </a:solidFill>
+              </a:rPr>
+              <a:t>O, </a:t>
+            </a:r>
+            <a:r>
+              <a:rPr lang="ko-KR" altLang="en-US" dirty="0" smtClean="0">
+                <a:solidFill>
+                  <a:schemeClr val="tx1"/>
+                </a:solidFill>
+              </a:rPr>
+              <a:t>흰 색 텍스트 </a:t>
+            </a:r>
+            <a:r>
+              <a:rPr lang="en-US" altLang="ko-KR" dirty="0" smtClean="0">
+                <a:solidFill>
+                  <a:schemeClr val="tx1"/>
+                </a:solidFill>
+              </a:rPr>
+              <a:t>1</a:t>
+            </a:r>
+          </a:p>
+          <a:p>
+            <a:r>
+              <a:rPr lang="ko-KR" altLang="en-US" dirty="0" smtClean="0">
+                <a:solidFill>
+                  <a:srgbClr val="00B0F0"/>
+                </a:solidFill>
+              </a:rPr>
+              <a:t>기업 사용자</a:t>
+            </a:r>
+            <a:r>
+              <a:rPr lang="en-US" altLang="ko-KR" dirty="0" smtClean="0">
+                <a:solidFill>
+                  <a:srgbClr val="00B0F0"/>
+                </a:solidFill>
+              </a:rPr>
+              <a:t>, </a:t>
+            </a:r>
+            <a:r>
+              <a:rPr lang="ko-KR" altLang="en-US" dirty="0" smtClean="0">
+                <a:solidFill>
+                  <a:srgbClr val="00B0F0"/>
+                </a:solidFill>
+              </a:rPr>
+              <a:t>표준 색 연한 파랑</a:t>
+            </a:r>
+            <a:endParaRPr lang="en-US" altLang="ko-KR" dirty="0" smtClean="0">
+              <a:solidFill>
+                <a:srgbClr val="00B0F0"/>
+              </a:solidFill>
+            </a:endParaRPr>
+          </a:p>
+          <a:p>
+            <a:r>
+              <a:rPr lang="ko-KR" altLang="en-US" dirty="0" smtClean="0">
+                <a:solidFill>
+                  <a:srgbClr val="71DB29"/>
+                </a:solidFill>
+              </a:rPr>
+              <a:t>개인 사용자</a:t>
+            </a:r>
+            <a:r>
+              <a:rPr lang="en-US" altLang="ko-KR" dirty="0" smtClean="0">
+                <a:solidFill>
+                  <a:srgbClr val="71DB29"/>
+                </a:solidFill>
+              </a:rPr>
+              <a:t>-</a:t>
+            </a:r>
+            <a:r>
+              <a:rPr lang="ko-KR" altLang="en-US" dirty="0" smtClean="0">
+                <a:solidFill>
+                  <a:srgbClr val="71DB29"/>
+                </a:solidFill>
+              </a:rPr>
+              <a:t>팀장</a:t>
+            </a:r>
+            <a:r>
+              <a:rPr lang="en-US" altLang="ko-KR" dirty="0" smtClean="0">
+                <a:solidFill>
+                  <a:srgbClr val="71DB29"/>
+                </a:solidFill>
+              </a:rPr>
+              <a:t>, 113/219/41</a:t>
+            </a:r>
+            <a:endParaRPr lang="en-US" altLang="ko-KR" dirty="0" smtClean="0">
+              <a:solidFill>
+                <a:srgbClr val="71DB29"/>
+              </a:solidFill>
+            </a:endParaRPr>
+          </a:p>
+          <a:p>
+            <a:r>
+              <a:rPr lang="ko-KR" altLang="en-US" dirty="0" smtClean="0">
+                <a:solidFill>
+                  <a:schemeClr val="accent6">
+                    <a:lumMod val="60000"/>
+                    <a:lumOff val="40000"/>
+                  </a:schemeClr>
+                </a:solidFill>
+              </a:rPr>
+              <a:t>개인 사용자</a:t>
+            </a:r>
+            <a:r>
+              <a:rPr lang="en-US" altLang="ko-KR" dirty="0" smtClean="0">
+                <a:solidFill>
+                  <a:schemeClr val="accent6">
+                    <a:lumMod val="60000"/>
+                    <a:lumOff val="40000"/>
+                  </a:schemeClr>
+                </a:solidFill>
+              </a:rPr>
+              <a:t>-</a:t>
+            </a:r>
+            <a:r>
+              <a:rPr lang="ko-KR" altLang="en-US" dirty="0" smtClean="0">
+                <a:solidFill>
+                  <a:schemeClr val="accent6">
+                    <a:lumMod val="60000"/>
+                    <a:lumOff val="40000"/>
+                  </a:schemeClr>
+                </a:solidFill>
+              </a:rPr>
+              <a:t>팀원</a:t>
+            </a:r>
+            <a:r>
+              <a:rPr lang="en-US" altLang="ko-KR" dirty="0" smtClean="0">
+                <a:solidFill>
+                  <a:schemeClr val="accent6">
+                    <a:lumMod val="60000"/>
+                    <a:lumOff val="40000"/>
+                  </a:schemeClr>
+                </a:solidFill>
+              </a:rPr>
+              <a:t>, </a:t>
+            </a:r>
+            <a:r>
+              <a:rPr lang="ko-KR" altLang="en-US" dirty="0" smtClean="0">
+                <a:solidFill>
+                  <a:schemeClr val="accent6">
+                    <a:lumMod val="60000"/>
+                    <a:lumOff val="40000"/>
+                  </a:schemeClr>
+                </a:solidFill>
+              </a:rPr>
+              <a:t>녹색 강조</a:t>
+            </a:r>
+            <a:r>
+              <a:rPr lang="en-US" altLang="ko-KR" dirty="0" smtClean="0">
+                <a:solidFill>
+                  <a:schemeClr val="accent6">
+                    <a:lumMod val="60000"/>
+                    <a:lumOff val="40000"/>
+                  </a:schemeClr>
+                </a:solidFill>
+              </a:rPr>
+              <a:t>6 40% </a:t>
+            </a:r>
+            <a:r>
+              <a:rPr lang="ko-KR" altLang="en-US" dirty="0" smtClean="0">
+                <a:solidFill>
+                  <a:schemeClr val="accent6">
+                    <a:lumMod val="60000"/>
+                    <a:lumOff val="40000"/>
+                  </a:schemeClr>
+                </a:solidFill>
+              </a:rPr>
+              <a:t>더 밝게</a:t>
+            </a:r>
+            <a:endParaRPr lang="en-US" altLang="ko-KR" dirty="0" smtClean="0">
+              <a:solidFill>
+                <a:schemeClr val="accent6">
+                  <a:lumMod val="60000"/>
+                  <a:lumOff val="40000"/>
+                </a:schemeClr>
+              </a:solidFill>
+            </a:endParaRPr>
+          </a:p>
+          <a:p>
+            <a:pPr marL="0" indent="0">
+              <a:buNone/>
+            </a:pPr>
+            <a:endParaRPr lang="en-US" altLang="ko-KR" dirty="0" smtClean="0">
+              <a:solidFill>
+                <a:schemeClr val="accent6">
+                  <a:lumMod val="60000"/>
+                  <a:lumOff val="40000"/>
+                </a:schemeClr>
+              </a:solidFill>
+            </a:endParaRPr>
+          </a:p>
+          <a:p>
+            <a:endParaRPr lang="en-US" altLang="ko-KR" dirty="0" smtClean="0"/>
+          </a:p>
+          <a:p>
+            <a:endParaRPr lang="ko-KR" altLang="en-US" dirty="0"/>
+          </a:p>
+        </p:txBody>
+      </p:sp>
+      <p:sp>
+        <p:nvSpPr>
+          <p:cNvPr id="5" name="바닥글 개체 틀 4"/>
+          <p:cNvSpPr>
+            <a:spLocks noGrp="1"/>
+          </p:cNvSpPr>
+          <p:nvPr>
+            <p:ph type="ftr" sz="quarter" idx="11"/>
+          </p:nvPr>
+        </p:nvSpPr>
+        <p:spPr/>
+        <p:txBody>
+          <a:bodyPr/>
+          <a:lstStyle/>
+          <a:p>
+            <a:r>
+              <a:rPr lang="en-US" altLang="ko-KR" dirty="0" smtClean="0"/>
+              <a:t>202034017 </a:t>
+            </a:r>
+            <a:r>
+              <a:rPr lang="ko-KR" altLang="en-US" dirty="0" smtClean="0"/>
+              <a:t>최영수 앱 기획 자료</a:t>
+            </a:r>
+            <a:endParaRPr lang="ko-KR" altLang="en-US" dirty="0"/>
+          </a:p>
+        </p:txBody>
+      </p:sp>
+      <p:sp>
+        <p:nvSpPr>
+          <p:cNvPr id="4" name="슬라이드 번호 개체 틀 3"/>
+          <p:cNvSpPr>
+            <a:spLocks noGrp="1"/>
+          </p:cNvSpPr>
+          <p:nvPr>
+            <p:ph type="sldNum" sz="quarter" idx="12"/>
+          </p:nvPr>
+        </p:nvSpPr>
+        <p:spPr/>
+        <p:txBody>
+          <a:bodyPr/>
+          <a:lstStyle/>
+          <a:p>
+            <a:fld id="{88450DA5-2674-45C9-A461-EAD2254577B9}" type="slidenum">
+              <a:rPr lang="ko-KR" altLang="en-US" smtClean="0"/>
+              <a:t>3</a:t>
+            </a:fld>
+            <a:endParaRPr lang="ko-KR" altLang="en-US" dirty="0"/>
+          </a:p>
+        </p:txBody>
+      </p:sp>
+    </p:spTree>
+    <p:extLst>
+      <p:ext uri="{BB962C8B-B14F-4D97-AF65-F5344CB8AC3E}">
+        <p14:creationId xmlns:p14="http://schemas.microsoft.com/office/powerpoint/2010/main" val="1001178248"/>
+      </p:ext>
+    </p:extLst>
+  </p:cSld>
+  <p:clrMapOvr>
+    <a:masterClrMapping/>
+  </p:clrMapOvr>
+  <p:timing>
+    <p:tnLst>
+      <p:par>
+        <p:cTn id="1" dur="indefinite" restart="never" nodeType="tmRoot"/>
+      </p:par>
+    </p:tnLst>
+  </p:timing>
+</p:sld>
+</file>
+
+<file path=ppt/slides/slide4.xml><?xml version="1.0" encoding="utf-8"?>
 <p:sld xmlns:a="http://schemas.openxmlformats.org/drawingml/2006/main" xmlns:r="http://schemas.openxmlformats.org/officeDocument/2006/relationships" xmlns:p="http://schemas.openxmlformats.org/presentationml/2006/main">
   <p:cSld>
     <p:spTree>
@@ -4414,11 +4788,11 @@
           <a:lstStyle/>
           <a:p>
             <a:r>
-              <a:rPr lang="en-US" altLang="ko-KR" smtClean="0"/>
+              <a:rPr lang="en-US" altLang="ko-KR" dirty="0" smtClean="0"/>
               <a:t>202034017 </a:t>
             </a:r>
             <a:r>
-              <a:rPr lang="ko-KR" altLang="en-US" smtClean="0"/>
+              <a:rPr lang="ko-KR" altLang="en-US" dirty="0" smtClean="0"/>
               <a:t>최영수 앱 기획 자료</a:t>
             </a:r>
             <a:endParaRPr lang="ko-KR" altLang="en-US" dirty="0"/>
@@ -4442,7 +4816,7 @@
           <a:p>
             <a:fld id="{88450DA5-2674-45C9-A461-EAD2254577B9}" type="slidenum">
               <a:rPr lang="ko-KR" altLang="en-US" smtClean="0"/>
-              <a:t>3</a:t>
+              <a:t>4</a:t>
             </a:fld>
             <a:endParaRPr lang="ko-KR" altLang="en-US" dirty="0"/>
           </a:p>
@@ -4452,159 +4826,6 @@
     <p:extLst>
       <p:ext uri="{BB962C8B-B14F-4D97-AF65-F5344CB8AC3E}">
         <p14:creationId xmlns:p14="http://schemas.microsoft.com/office/powerpoint/2010/main" val="1873782481"/>
-      </p:ext>
-    </p:extLst>
-  </p:cSld>
-  <p:clrMapOvr>
-    <a:masterClrMapping/>
-  </p:clrMapOvr>
-  <p:timing>
-    <p:tnLst>
-      <p:par>
-        <p:cTn id="1" dur="indefinite" restart="never" nodeType="tmRoot"/>
-      </p:par>
-    </p:tnLst>
-  </p:timing>
-</p:sld>
-</file>
-
-<file path=ppt/slides/slide4.xml><?xml version="1.0" encoding="utf-8"?>
-<p:sld xmlns:a="http://schemas.openxmlformats.org/drawingml/2006/main" xmlns:r="http://schemas.openxmlformats.org/officeDocument/2006/relationships" xmlns:p="http://schemas.openxmlformats.org/presentationml/2006/main">
-  <p:cSld>
-    <p:spTree>
-      <p:nvGrpSpPr>
-        <p:cNvPr id="1" name=""/>
-        <p:cNvGrpSpPr/>
-        <p:nvPr/>
-      </p:nvGrpSpPr>
-      <p:grpSpPr>
-        <a:xfrm>
-          <a:off x="0" y="0"/>
-          <a:ext cx="0" cy="0"/>
-          <a:chOff x="0" y="0"/>
-          <a:chExt cx="0" cy="0"/>
-        </a:xfrm>
-      </p:grpSpPr>
-      <p:sp>
-        <p:nvSpPr>
-          <p:cNvPr id="2" name="제목 1"/>
-          <p:cNvSpPr>
-            <a:spLocks noGrp="1"/>
-          </p:cNvSpPr>
-          <p:nvPr>
-            <p:ph type="title"/>
-          </p:nvPr>
-        </p:nvSpPr>
-        <p:spPr/>
-        <p:txBody>
-          <a:bodyPr/>
-          <a:lstStyle/>
-          <a:p>
-            <a:r>
-              <a:rPr lang="ko-KR" altLang="en-US" dirty="0" smtClean="0"/>
-              <a:t>현황분석</a:t>
-            </a:r>
-            <a:r>
-              <a:rPr lang="en-US" altLang="ko-KR" sz="2800" dirty="0" smtClean="0"/>
-              <a:t>_</a:t>
-            </a:r>
-            <a:r>
-              <a:rPr lang="ko-KR" altLang="en-US" sz="2800" dirty="0" smtClean="0"/>
-              <a:t>비즈니스 모델 캔버스</a:t>
-            </a:r>
-            <a:endParaRPr lang="ko-KR" altLang="en-US" sz="2800" dirty="0"/>
-          </a:p>
-        </p:txBody>
-      </p:sp>
-      <p:sp>
-        <p:nvSpPr>
-          <p:cNvPr id="3" name="내용 개체 틀 2"/>
-          <p:cNvSpPr>
-            <a:spLocks noGrp="1"/>
-          </p:cNvSpPr>
-          <p:nvPr>
-            <p:ph idx="1"/>
-          </p:nvPr>
-        </p:nvSpPr>
-        <p:spPr/>
-        <p:txBody>
-          <a:bodyPr/>
-          <a:lstStyle/>
-          <a:p>
-            <a:r>
-              <a:rPr lang="ko-KR" altLang="en-US" dirty="0" smtClean="0"/>
-              <a:t>비즈니스 모델 캔버스 이미지</a:t>
-            </a:r>
-            <a:endParaRPr lang="en-US" altLang="ko-KR" dirty="0" smtClean="0"/>
-          </a:p>
-          <a:p>
-            <a:pPr marL="0" indent="0">
-              <a:buNone/>
-            </a:pPr>
-            <a:endParaRPr lang="en-US" altLang="ko-KR" dirty="0" smtClean="0"/>
-          </a:p>
-          <a:p>
-            <a:endParaRPr lang="en-US" altLang="ko-KR" dirty="0" smtClean="0"/>
-          </a:p>
-          <a:p>
-            <a:endParaRPr lang="ko-KR" altLang="en-US" dirty="0"/>
-          </a:p>
-        </p:txBody>
-      </p:sp>
-      <p:sp>
-        <p:nvSpPr>
-          <p:cNvPr id="5" name="바닥글 개체 틀 4"/>
-          <p:cNvSpPr>
-            <a:spLocks noGrp="1"/>
-          </p:cNvSpPr>
-          <p:nvPr>
-            <p:ph type="ftr" sz="quarter" idx="11"/>
-          </p:nvPr>
-        </p:nvSpPr>
-        <p:spPr/>
-        <p:txBody>
-          <a:bodyPr/>
-          <a:lstStyle/>
-          <a:p>
-            <a:r>
-              <a:rPr lang="en-US" altLang="ko-KR" smtClean="0"/>
-              <a:t>202034017 </a:t>
-            </a:r>
-            <a:r>
-              <a:rPr lang="ko-KR" altLang="en-US" smtClean="0"/>
-              <a:t>최영수 앱 기획 자료</a:t>
-            </a:r>
-            <a:endParaRPr lang="ko-KR" altLang="en-US" dirty="0"/>
-          </a:p>
-        </p:txBody>
-      </p:sp>
-      <p:sp>
-        <p:nvSpPr>
-          <p:cNvPr id="4" name="슬라이드 번호 개체 틀 3"/>
-          <p:cNvSpPr>
-            <a:spLocks noGrp="1"/>
-          </p:cNvSpPr>
-          <p:nvPr>
-            <p:ph type="sldNum" sz="quarter" idx="12"/>
-          </p:nvPr>
-        </p:nvSpPr>
-        <p:spPr/>
-        <p:txBody>
-          <a:bodyPr/>
-          <a:lstStyle/>
-          <a:p>
-            <a:fld id="{88450DA5-2674-45C9-A461-EAD2254577B9}" type="slidenum">
-              <a:rPr lang="ko-KR" altLang="en-US" smtClean="0"/>
-              <a:t>4</a:t>
-            </a:fld>
-            <a:endParaRPr lang="ko-KR" altLang="en-US" dirty="0"/>
-          </a:p>
-        </p:txBody>
-      </p:sp>
-    </p:spTree>
-    <p:extLst>
-      <p:ext uri="{BB962C8B-B14F-4D97-AF65-F5344CB8AC3E}">
-        <p14:creationId xmlns:p14="http://schemas.microsoft.com/office/powerpoint/2010/main" val="1001178248"/>
       </p:ext>
     </p:extLst>
   </p:cSld>
@@ -4661,10 +4882,6 @@
               <a:rPr lang="en-US" altLang="ko-KR" sz="2800" dirty="0" smtClean="0"/>
               <a:t>_</a:t>
             </a:r>
-            <a:r>
-              <a:rPr lang="ko-KR" altLang="en-US" sz="2800" dirty="0" smtClean="0"/>
-              <a:t>비즈니스 모델 캔버스</a:t>
-            </a:r>
             <a:endParaRPr lang="ko-KR" altLang="en-US" dirty="0"/>
           </a:p>
         </p:txBody>
@@ -4805,6 +5022,5431 @@
     <p:extLst>
       <p:ext uri="{BB962C8B-B14F-4D97-AF65-F5344CB8AC3E}">
         <p14:creationId xmlns:p14="http://schemas.microsoft.com/office/powerpoint/2010/main" val="4133685650"/>
+      </p:ext>
+    </p:extLst>
+  </p:cSld>
+  <p:clrMapOvr>
+    <a:masterClrMapping/>
+  </p:clrMapOvr>
+  <p:timing>
+    <p:tnLst>
+      <p:par>
+        <p:cTn id="1" dur="indefinite" restart="never" nodeType="tmRoot"/>
+      </p:par>
+    </p:tnLst>
+  </p:timing>
+</p:sld>
+</file>
+
+<file path=ppt/slides/slide6.xml><?xml version="1.0" encoding="utf-8"?>
+<p:sld xmlns:a="http://schemas.openxmlformats.org/drawingml/2006/main" xmlns:r="http://schemas.openxmlformats.org/officeDocument/2006/relationships" xmlns:p="http://schemas.openxmlformats.org/presentationml/2006/main">
+  <p:cSld>
+    <p:spTree>
+      <p:nvGrpSpPr>
+        <p:cNvPr id="1" name=""/>
+        <p:cNvGrpSpPr/>
+        <p:nvPr/>
+      </p:nvGrpSpPr>
+      <p:grpSpPr>
+        <a:xfrm>
+          <a:off x="0" y="0"/>
+          <a:ext cx="0" cy="0"/>
+          <a:chOff x="0" y="0"/>
+          <a:chExt cx="0" cy="0"/>
+        </a:xfrm>
+      </p:grpSpPr>
+      <p:graphicFrame>
+        <p:nvGraphicFramePr>
+          <p:cNvPr id="4" name="Content Placeholder 3"/>
+          <p:cNvGraphicFramePr>
+            <a:graphicFrameLocks noGrp="1"/>
+          </p:cNvGraphicFramePr>
+          <p:nvPr>
+            <p:ph idx="1"/>
+            <p:extLst>
+              <p:ext uri="{D42A27DB-BD31-4B8C-83A1-F6EECF244321}">
+                <p14:modId xmlns:p14="http://schemas.microsoft.com/office/powerpoint/2010/main" val="3957635485"/>
+              </p:ext>
+            </p:extLst>
+          </p:nvPr>
+        </p:nvGraphicFramePr>
+        <p:xfrm>
+          <a:off x="1676400" y="1209678"/>
+          <a:ext cx="8839200" cy="5570067"/>
+        </p:xfrm>
+        <a:graphic>
+          <a:graphicData uri="http://schemas.openxmlformats.org/drawingml/2006/table">
+            <a:tbl>
+              <a:tblPr>
+                <a:tableStyleId>{616DA210-FB5B-4158-B5E0-FEB733F419BA}</a:tableStyleId>
+              </a:tblPr>
+              <a:tblGrid>
+                <a:gridCol w="1767840">
+                  <a:extLst>
+                    <a:ext uri="{9D8B030D-6E8A-4147-A177-3AD203B41FA5}">
+                      <a16:colId xmlns:a16="http://schemas.microsoft.com/office/drawing/2014/main" val="20000"/>
+                    </a:ext>
+                  </a:extLst>
+                </a:gridCol>
+                <a:gridCol w="1767840">
+                  <a:extLst>
+                    <a:ext uri="{9D8B030D-6E8A-4147-A177-3AD203B41FA5}">
+                      <a16:colId xmlns:a16="http://schemas.microsoft.com/office/drawing/2014/main" val="20001"/>
+                    </a:ext>
+                  </a:extLst>
+                </a:gridCol>
+                <a:gridCol w="883920">
+                  <a:extLst>
+                    <a:ext uri="{9D8B030D-6E8A-4147-A177-3AD203B41FA5}">
+                      <a16:colId xmlns:a16="http://schemas.microsoft.com/office/drawing/2014/main" val="20002"/>
+                    </a:ext>
+                  </a:extLst>
+                </a:gridCol>
+                <a:gridCol w="883920">
+                  <a:extLst>
+                    <a:ext uri="{9D8B030D-6E8A-4147-A177-3AD203B41FA5}">
+                      <a16:colId xmlns:a16="http://schemas.microsoft.com/office/drawing/2014/main" val="20003"/>
+                    </a:ext>
+                  </a:extLst>
+                </a:gridCol>
+                <a:gridCol w="1767840">
+                  <a:extLst>
+                    <a:ext uri="{9D8B030D-6E8A-4147-A177-3AD203B41FA5}">
+                      <a16:colId xmlns:a16="http://schemas.microsoft.com/office/drawing/2014/main" val="20004"/>
+                    </a:ext>
+                  </a:extLst>
+                </a:gridCol>
+                <a:gridCol w="1767840">
+                  <a:extLst>
+                    <a:ext uri="{9D8B030D-6E8A-4147-A177-3AD203B41FA5}">
+                      <a16:colId xmlns:a16="http://schemas.microsoft.com/office/drawing/2014/main" val="20005"/>
+                    </a:ext>
+                  </a:extLst>
+                </a:gridCol>
+              </a:tblGrid>
+              <a:tr h="1714497">
+                <a:tc rowSpan="2">
+                  <a:txBody>
+                    <a:bodyPr/>
+                    <a:lstStyle/>
+                    <a:p>
+                      <a:r>
+                        <a:rPr lang="en-AU" sz="1200" b="1" dirty="0">
+                          <a:latin typeface="D2Coding" panose="020B0609020101020101" pitchFamily="49" charset="-127"/>
+                          <a:ea typeface="D2Coding" panose="020B0609020101020101" pitchFamily="49" charset="-127"/>
+                        </a:rPr>
+                        <a:t>     </a:t>
+                      </a:r>
+                      <a:r>
+                        <a:rPr lang="en-AU" sz="1200" b="1" dirty="0" smtClean="0">
+                          <a:latin typeface="D2Coding" panose="020B0609020101020101" pitchFamily="49" charset="-127"/>
+                          <a:ea typeface="D2Coding" panose="020B0609020101020101" pitchFamily="49" charset="-127"/>
+                        </a:rPr>
+                        <a:t>   </a:t>
+                      </a:r>
+                      <a:r>
+                        <a:rPr lang="ko-KR" altLang="en-US" sz="1200" b="1" dirty="0" smtClean="0">
+                          <a:solidFill>
+                            <a:srgbClr val="92D050"/>
+                          </a:solidFill>
+                          <a:latin typeface="D2Coding" panose="020B0609020101020101" pitchFamily="49" charset="-127"/>
+                          <a:ea typeface="D2Coding" panose="020B0609020101020101" pitchFamily="49" charset="-127"/>
+                        </a:rPr>
+                        <a:t>핵심 파트너십</a:t>
+                      </a:r>
+                      <a:endParaRPr lang="en-AU" sz="1200" b="0" baseline="0" dirty="0">
+                        <a:solidFill>
+                          <a:srgbClr val="92D050"/>
+                        </a:solidFill>
+                        <a:latin typeface="D2Coding" panose="020B0609020101020101" pitchFamily="49" charset="-127"/>
+                        <a:ea typeface="D2Coding" panose="020B0609020101020101" pitchFamily="49" charset="-127"/>
+                      </a:endParaRPr>
+                    </a:p>
+                    <a:p>
+                      <a:endParaRPr lang="en-AU" sz="1050" b="0" baseline="0" dirty="0" smtClean="0">
+                        <a:latin typeface="D2Coding" panose="020B0609020101020101" pitchFamily="49" charset="-127"/>
+                        <a:ea typeface="D2Coding" panose="020B0609020101020101" pitchFamily="49" charset="-127"/>
+                      </a:endParaRPr>
+                    </a:p>
+                    <a:p>
+                      <a:endParaRPr lang="en-AU" sz="1050" b="0" baseline="0" dirty="0" smtClean="0">
+                        <a:latin typeface="D2Coding" panose="020B0609020101020101" pitchFamily="49" charset="-127"/>
+                        <a:ea typeface="D2Coding" panose="020B0609020101020101" pitchFamily="49" charset="-127"/>
+                      </a:endParaRPr>
+                    </a:p>
+                    <a:p>
+                      <a:endParaRPr lang="en-AU" sz="1050" b="0" baseline="0" dirty="0">
+                        <a:latin typeface="D2Coding" panose="020B0609020101020101" pitchFamily="49" charset="-127"/>
+                        <a:ea typeface="D2Coding" panose="020B0609020101020101" pitchFamily="49" charset="-127"/>
+                      </a:endParaRPr>
+                    </a:p>
+                    <a:p>
+                      <a:r>
+                        <a:rPr lang="ko-KR" altLang="en-US" sz="1050" b="0" dirty="0" smtClean="0">
+                          <a:latin typeface="D2Coding" panose="020B0609020101020101" pitchFamily="49" charset="-127"/>
+                          <a:ea typeface="D2Coding" panose="020B0609020101020101" pitchFamily="49" charset="-127"/>
+                        </a:rPr>
+                        <a:t>중</a:t>
+                      </a:r>
+                      <a:r>
+                        <a:rPr lang="en-US" altLang="ko-KR" sz="1050" b="0" dirty="0" smtClean="0">
+                          <a:latin typeface="D2Coding" panose="020B0609020101020101" pitchFamily="49" charset="-127"/>
+                          <a:ea typeface="D2Coding" panose="020B0609020101020101" pitchFamily="49" charset="-127"/>
+                        </a:rPr>
+                        <a:t>,</a:t>
+                      </a:r>
+                      <a:r>
+                        <a:rPr lang="ko-KR" altLang="en-US" sz="1050" b="0" dirty="0" smtClean="0">
+                          <a:latin typeface="D2Coding" panose="020B0609020101020101" pitchFamily="49" charset="-127"/>
+                          <a:ea typeface="D2Coding" panose="020B0609020101020101" pitchFamily="49" charset="-127"/>
+                        </a:rPr>
+                        <a:t>고등학교 교사</a:t>
+                      </a:r>
+                      <a:r>
+                        <a:rPr lang="en-US" altLang="ko-KR" sz="1050" b="0" dirty="0" smtClean="0">
+                          <a:latin typeface="D2Coding" panose="020B0609020101020101" pitchFamily="49" charset="-127"/>
+                          <a:ea typeface="D2Coding" panose="020B0609020101020101" pitchFamily="49" charset="-127"/>
+                        </a:rPr>
+                        <a:t>, </a:t>
+                      </a:r>
+                      <a:r>
+                        <a:rPr lang="ko-KR" altLang="en-US" sz="1050" b="0" dirty="0" smtClean="0">
+                          <a:latin typeface="D2Coding" panose="020B0609020101020101" pitchFamily="49" charset="-127"/>
+                          <a:ea typeface="D2Coding" panose="020B0609020101020101" pitchFamily="49" charset="-127"/>
+                        </a:rPr>
+                        <a:t>학생</a:t>
+                      </a:r>
+                      <a:endParaRPr lang="en-US" altLang="ko-KR" sz="1050" b="0" dirty="0" smtClean="0">
+                        <a:latin typeface="D2Coding" panose="020B0609020101020101" pitchFamily="49" charset="-127"/>
+                        <a:ea typeface="D2Coding" panose="020B0609020101020101" pitchFamily="49" charset="-127"/>
+                      </a:endParaRPr>
+                    </a:p>
+                    <a:p>
+                      <a:endParaRPr lang="en-US" altLang="ko-KR" sz="1050" b="0" dirty="0" smtClean="0">
+                        <a:latin typeface="D2Coding" panose="020B0609020101020101" pitchFamily="49" charset="-127"/>
+                        <a:ea typeface="D2Coding" panose="020B0609020101020101" pitchFamily="49" charset="-127"/>
+                      </a:endParaRPr>
+                    </a:p>
+                    <a:p>
+                      <a:r>
+                        <a:rPr lang="en-US" altLang="ko-KR" sz="1050" b="0" dirty="0" smtClean="0">
+                          <a:latin typeface="D2Coding" panose="020B0609020101020101" pitchFamily="49" charset="-127"/>
+                          <a:ea typeface="D2Coding" panose="020B0609020101020101" pitchFamily="49" charset="-127"/>
+                        </a:rPr>
+                        <a:t>IT/</a:t>
+                      </a:r>
+                      <a:r>
+                        <a:rPr lang="ko-KR" altLang="en-US" sz="1050" b="0" dirty="0" smtClean="0">
+                          <a:latin typeface="D2Coding" panose="020B0609020101020101" pitchFamily="49" charset="-127"/>
+                          <a:ea typeface="D2Coding" panose="020B0609020101020101" pitchFamily="49" charset="-127"/>
+                        </a:rPr>
+                        <a:t>디자인</a:t>
+                      </a:r>
+                      <a:r>
+                        <a:rPr lang="en-US" altLang="ko-KR" sz="1050" b="0" dirty="0" smtClean="0">
+                          <a:latin typeface="D2Coding" panose="020B0609020101020101" pitchFamily="49" charset="-127"/>
+                          <a:ea typeface="D2Coding" panose="020B0609020101020101" pitchFamily="49" charset="-127"/>
+                        </a:rPr>
+                        <a:t> </a:t>
+                      </a:r>
+                      <a:r>
+                        <a:rPr lang="ko-KR" altLang="en-US" sz="1050" b="0" dirty="0" smtClean="0">
+                          <a:latin typeface="D2Coding" panose="020B0609020101020101" pitchFamily="49" charset="-127"/>
+                          <a:ea typeface="D2Coding" panose="020B0609020101020101" pitchFamily="49" charset="-127"/>
+                        </a:rPr>
+                        <a:t>관련 학과</a:t>
+                      </a:r>
+                      <a:endParaRPr lang="en-US" altLang="ko-KR" sz="1050" b="0" dirty="0" smtClean="0">
+                        <a:latin typeface="D2Coding" panose="020B0609020101020101" pitchFamily="49" charset="-127"/>
+                        <a:ea typeface="D2Coding" panose="020B0609020101020101" pitchFamily="49" charset="-127"/>
+                      </a:endParaRPr>
+                    </a:p>
+                    <a:p>
+                      <a:endParaRPr lang="en-US" sz="1050" b="0" dirty="0" smtClean="0">
+                        <a:latin typeface="D2Coding" panose="020B0609020101020101" pitchFamily="49" charset="-127"/>
+                        <a:ea typeface="D2Coding" panose="020B0609020101020101" pitchFamily="49" charset="-127"/>
+                      </a:endParaRPr>
+                    </a:p>
+                    <a:p>
+                      <a:r>
+                        <a:rPr lang="ko-KR" altLang="en-US" sz="1050" b="0" dirty="0" smtClean="0">
+                          <a:latin typeface="D2Coding" panose="020B0609020101020101" pitchFamily="49" charset="-127"/>
+                          <a:ea typeface="D2Coding" panose="020B0609020101020101" pitchFamily="49" charset="-127"/>
+                        </a:rPr>
+                        <a:t>코딩 문제 사이트</a:t>
+                      </a:r>
+                      <a:endParaRPr lang="en-AU" sz="1050" b="0" dirty="0" smtClean="0">
+                        <a:latin typeface="D2Coding" panose="020B0609020101020101" pitchFamily="49" charset="-127"/>
+                        <a:ea typeface="D2Coding" panose="020B0609020101020101" pitchFamily="49" charset="-127"/>
+                      </a:endParaRPr>
+                    </a:p>
+                    <a:p>
+                      <a:endParaRPr lang="en-AU" sz="1050" b="0" dirty="0" smtClean="0">
+                        <a:latin typeface="D2Coding" panose="020B0609020101020101" pitchFamily="49" charset="-127"/>
+                        <a:ea typeface="D2Coding" panose="020B0609020101020101" pitchFamily="49" charset="-127"/>
+                      </a:endParaRPr>
+                    </a:p>
+                    <a:p>
+                      <a:r>
+                        <a:rPr lang="ko-KR" altLang="en-US" sz="1050" b="0" dirty="0" smtClean="0">
+                          <a:latin typeface="D2Coding" panose="020B0609020101020101" pitchFamily="49" charset="-127"/>
+                          <a:ea typeface="D2Coding" panose="020B0609020101020101" pitchFamily="49" charset="-127"/>
+                        </a:rPr>
+                        <a:t>공모전을 개최하는</a:t>
+                      </a:r>
+                      <a:r>
+                        <a:rPr lang="en-US" altLang="ko-KR" sz="1050" b="0" baseline="0" dirty="0" smtClean="0">
+                          <a:latin typeface="D2Coding" panose="020B0609020101020101" pitchFamily="49" charset="-127"/>
+                          <a:ea typeface="D2Coding" panose="020B0609020101020101" pitchFamily="49" charset="-127"/>
+                        </a:rPr>
+                        <a:t> </a:t>
+                      </a:r>
+                      <a:r>
+                        <a:rPr lang="ko-KR" altLang="en-US" sz="1050" b="0" dirty="0" smtClean="0">
+                          <a:latin typeface="D2Coding" panose="020B0609020101020101" pitchFamily="49" charset="-127"/>
+                          <a:ea typeface="D2Coding" panose="020B0609020101020101" pitchFamily="49" charset="-127"/>
+                        </a:rPr>
+                        <a:t>기업</a:t>
+                      </a:r>
+                      <a:r>
+                        <a:rPr lang="en-US" altLang="ko-KR" sz="1050" b="0" baseline="0" dirty="0" smtClean="0">
+                          <a:latin typeface="D2Coding" panose="020B0609020101020101" pitchFamily="49" charset="-127"/>
+                          <a:ea typeface="D2Coding" panose="020B0609020101020101" pitchFamily="49" charset="-127"/>
+                        </a:rPr>
+                        <a:t> </a:t>
+                      </a:r>
+                      <a:r>
+                        <a:rPr lang="ko-KR" altLang="en-US" sz="1050" b="0" baseline="0" dirty="0" smtClean="0">
+                          <a:latin typeface="D2Coding" panose="020B0609020101020101" pitchFamily="49" charset="-127"/>
+                          <a:ea typeface="D2Coding" panose="020B0609020101020101" pitchFamily="49" charset="-127"/>
+                        </a:rPr>
+                        <a:t>또는 </a:t>
+                      </a:r>
+                      <a:r>
+                        <a:rPr lang="ko-KR" altLang="en-US" sz="1050" b="0" dirty="0" smtClean="0">
+                          <a:latin typeface="D2Coding" panose="020B0609020101020101" pitchFamily="49" charset="-127"/>
+                          <a:ea typeface="D2Coding" panose="020B0609020101020101" pitchFamily="49" charset="-127"/>
+                        </a:rPr>
+                        <a:t>정부기관</a:t>
+                      </a:r>
+                      <a:endParaRPr lang="en-AU" sz="1050" b="0" dirty="0">
+                        <a:latin typeface="D2Coding" panose="020B0609020101020101" pitchFamily="49" charset="-127"/>
+                        <a:ea typeface="D2Coding" panose="020B0609020101020101" pitchFamily="49" charset="-127"/>
+                      </a:endParaRPr>
+                    </a:p>
+                  </a:txBody>
+                  <a:tcPr marL="82296" marR="82296">
+                    <a:lnL w="28575" cap="flat" cmpd="sng" algn="ctr">
+                      <a:solidFill>
+                        <a:schemeClr val="tx1"/>
+                      </a:solidFill>
+                      <a:prstDash val="solid"/>
+                      <a:round/>
+                      <a:headEnd type="none" w="med" len="med"/>
+                      <a:tailEnd type="none" w="med" len="med"/>
+                    </a:lnL>
+                    <a:lnR w="28575" cap="flat" cmpd="sng" algn="ctr">
+                      <a:solidFill>
+                        <a:schemeClr val="tx1"/>
+                      </a:solidFill>
+                      <a:prstDash val="solid"/>
+                      <a:round/>
+                      <a:headEnd type="none" w="med" len="med"/>
+                      <a:tailEnd type="none" w="med" len="med"/>
+                    </a:lnR>
+                    <a:lnT w="28575" cap="flat" cmpd="sng" algn="ctr">
+                      <a:solidFill>
+                        <a:schemeClr val="tx1"/>
+                      </a:solidFill>
+                      <a:prstDash val="solid"/>
+                      <a:round/>
+                      <a:headEnd type="none" w="med" len="med"/>
+                      <a:tailEnd type="none" w="med" len="med"/>
+                    </a:lnT>
+                    <a:lnB w="28575" cap="flat" cmpd="sng" algn="ctr">
+                      <a:solidFill>
+                        <a:schemeClr val="tx1"/>
+                      </a:solidFill>
+                      <a:prstDash val="solid"/>
+                      <a:round/>
+                      <a:headEnd type="none" w="med" len="med"/>
+                      <a:tailEnd type="none" w="med" len="med"/>
+                    </a:lnB>
+                  </a:tcPr>
+                </a:tc>
+                <a:tc>
+                  <a:txBody>
+                    <a:bodyPr/>
+                    <a:lstStyle/>
+                    <a:p>
+                      <a:pPr algn="r"/>
+                      <a:r>
+                        <a:rPr lang="en-AU" sz="1200" b="1" dirty="0">
+                          <a:solidFill>
+                            <a:srgbClr val="92D050"/>
+                          </a:solidFill>
+                          <a:latin typeface="D2Coding" panose="020B0609020101020101" pitchFamily="49" charset="-127"/>
+                          <a:ea typeface="D2Coding" panose="020B0609020101020101" pitchFamily="49" charset="-127"/>
+                        </a:rPr>
+                        <a:t>        </a:t>
+                      </a:r>
+                      <a:r>
+                        <a:rPr lang="en-AU" sz="1200" b="1" dirty="0" smtClean="0">
+                          <a:solidFill>
+                            <a:srgbClr val="92D050"/>
+                          </a:solidFill>
+                          <a:latin typeface="D2Coding" panose="020B0609020101020101" pitchFamily="49" charset="-127"/>
+                          <a:ea typeface="D2Coding" panose="020B0609020101020101" pitchFamily="49" charset="-127"/>
+                        </a:rPr>
+                        <a:t>    </a:t>
+                      </a:r>
+                      <a:r>
+                        <a:rPr lang="ko-KR" altLang="en-US" sz="1200" b="1" dirty="0" smtClean="0">
+                          <a:solidFill>
+                            <a:srgbClr val="92D050"/>
+                          </a:solidFill>
+                          <a:latin typeface="D2Coding" panose="020B0609020101020101" pitchFamily="49" charset="-127"/>
+                          <a:ea typeface="D2Coding" panose="020B0609020101020101" pitchFamily="49" charset="-127"/>
+                        </a:rPr>
+                        <a:t>핵심 활동</a:t>
+                      </a:r>
+                      <a:endParaRPr lang="en-US" altLang="ko-KR" sz="1200" b="1" baseline="0" dirty="0" smtClean="0">
+                        <a:solidFill>
+                          <a:srgbClr val="92D050"/>
+                        </a:solidFill>
+                        <a:latin typeface="D2Coding" panose="020B0609020101020101" pitchFamily="49" charset="-127"/>
+                        <a:ea typeface="D2Coding" panose="020B0609020101020101" pitchFamily="49" charset="-127"/>
+                      </a:endParaRPr>
+                    </a:p>
+                    <a:p>
+                      <a:pPr algn="r"/>
+                      <a:endParaRPr lang="en-US" altLang="ko-KR" sz="1050" b="0" baseline="0" dirty="0" smtClean="0">
+                        <a:solidFill>
+                          <a:srgbClr val="92D050"/>
+                        </a:solidFill>
+                        <a:latin typeface="D2Coding" panose="020B0609020101020101" pitchFamily="49" charset="-127"/>
+                        <a:ea typeface="D2Coding" panose="020B0609020101020101" pitchFamily="49" charset="-127"/>
+                      </a:endParaRPr>
+                    </a:p>
+                    <a:p>
+                      <a:pPr algn="r"/>
+                      <a:r>
+                        <a:rPr lang="en-US" altLang="ko-KR" sz="1050" b="0" baseline="0" dirty="0" smtClean="0">
+                          <a:solidFill>
+                            <a:schemeClr val="tx1"/>
+                          </a:solidFill>
+                          <a:latin typeface="D2Coding" panose="020B0609020101020101" pitchFamily="49" charset="-127"/>
+                          <a:ea typeface="D2Coding" panose="020B0609020101020101" pitchFamily="49" charset="-127"/>
+                        </a:rPr>
+                        <a:t>               </a:t>
+                      </a:r>
+                      <a:r>
+                        <a:rPr lang="ko-KR" altLang="en-US" sz="1050" b="0" baseline="0" dirty="0" smtClean="0">
+                          <a:solidFill>
+                            <a:schemeClr val="tx1"/>
+                          </a:solidFill>
+                          <a:latin typeface="D2Coding" panose="020B0609020101020101" pitchFamily="49" charset="-127"/>
+                          <a:ea typeface="D2Coding" panose="020B0609020101020101" pitchFamily="49" charset="-127"/>
+                        </a:rPr>
+                        <a:t>서버 운영</a:t>
+                      </a:r>
+                      <a:endParaRPr lang="en-US" altLang="ko-KR" sz="1050" b="0" baseline="0" dirty="0" smtClean="0">
+                        <a:solidFill>
+                          <a:schemeClr val="tx1"/>
+                        </a:solidFill>
+                        <a:latin typeface="D2Coding" panose="020B0609020101020101" pitchFamily="49" charset="-127"/>
+                        <a:ea typeface="D2Coding" panose="020B0609020101020101" pitchFamily="49" charset="-127"/>
+                      </a:endParaRPr>
+                    </a:p>
+                    <a:p>
+                      <a:pPr algn="r"/>
+                      <a:endParaRPr lang="en-US" altLang="ko-KR" sz="1050" b="0" baseline="0" dirty="0" smtClean="0">
+                        <a:solidFill>
+                          <a:schemeClr val="tx1"/>
+                        </a:solidFill>
+                        <a:latin typeface="D2Coding" panose="020B0609020101020101" pitchFamily="49" charset="-127"/>
+                        <a:ea typeface="D2Coding" panose="020B0609020101020101" pitchFamily="49" charset="-127"/>
+                      </a:endParaRPr>
+                    </a:p>
+                    <a:p>
+                      <a:pPr algn="r"/>
+                      <a:r>
+                        <a:rPr lang="ko-KR" altLang="en-US" sz="1050" b="0" baseline="0" dirty="0" smtClean="0">
+                          <a:solidFill>
+                            <a:schemeClr val="tx1"/>
+                          </a:solidFill>
+                          <a:latin typeface="D2Coding" panose="020B0609020101020101" pitchFamily="49" charset="-127"/>
+                          <a:ea typeface="D2Coding" panose="020B0609020101020101" pitchFamily="49" charset="-127"/>
+                        </a:rPr>
+                        <a:t>공모전 소개 글 게시</a:t>
+                      </a:r>
+                      <a:endParaRPr lang="en-US" altLang="ko-KR" sz="1050" b="0" baseline="0" dirty="0" smtClean="0">
+                        <a:solidFill>
+                          <a:schemeClr val="tx1"/>
+                        </a:solidFill>
+                        <a:latin typeface="D2Coding" panose="020B0609020101020101" pitchFamily="49" charset="-127"/>
+                        <a:ea typeface="D2Coding" panose="020B0609020101020101" pitchFamily="49" charset="-127"/>
+                      </a:endParaRPr>
+                    </a:p>
+                    <a:p>
+                      <a:pPr algn="r"/>
+                      <a:endParaRPr lang="en-US" altLang="ko-KR" sz="1050" b="0" baseline="0" dirty="0" smtClean="0">
+                        <a:solidFill>
+                          <a:schemeClr val="tx1"/>
+                        </a:solidFill>
+                        <a:latin typeface="D2Coding" panose="020B0609020101020101" pitchFamily="49" charset="-127"/>
+                        <a:ea typeface="D2Coding" panose="020B0609020101020101" pitchFamily="49" charset="-127"/>
+                      </a:endParaRPr>
+                    </a:p>
+                    <a:p>
+                      <a:pPr algn="r"/>
+                      <a:r>
+                        <a:rPr lang="ko-KR" altLang="en-US" sz="1050" b="0" baseline="0" dirty="0" smtClean="0">
+                          <a:solidFill>
+                            <a:schemeClr val="tx1"/>
+                          </a:solidFill>
+                          <a:latin typeface="D2Coding" panose="020B0609020101020101" pitchFamily="49" charset="-127"/>
+                          <a:ea typeface="D2Coding" panose="020B0609020101020101" pitchFamily="49" charset="-127"/>
+                        </a:rPr>
+                        <a:t>                 앱 홍보</a:t>
+                      </a:r>
+                      <a:endParaRPr lang="en-US" altLang="ko-KR" sz="1050" b="0" dirty="0" smtClean="0">
+                        <a:solidFill>
+                          <a:schemeClr val="tx1"/>
+                        </a:solidFill>
+                        <a:latin typeface="D2Coding" panose="020B0609020101020101" pitchFamily="49" charset="-127"/>
+                        <a:ea typeface="D2Coding" panose="020B0609020101020101" pitchFamily="49" charset="-127"/>
+                      </a:endParaRPr>
+                    </a:p>
+                  </a:txBody>
+                  <a:tcPr marL="82296" marR="82296">
+                    <a:lnL w="28575" cap="flat" cmpd="sng" algn="ctr">
+                      <a:solidFill>
+                        <a:schemeClr val="tx1"/>
+                      </a:solidFill>
+                      <a:prstDash val="solid"/>
+                      <a:round/>
+                      <a:headEnd type="none" w="med" len="med"/>
+                      <a:tailEnd type="none" w="med" len="med"/>
+                    </a:lnL>
+                    <a:lnR w="28575" cap="flat" cmpd="sng" algn="ctr">
+                      <a:solidFill>
+                        <a:schemeClr val="tx1"/>
+                      </a:solidFill>
+                      <a:prstDash val="solid"/>
+                      <a:round/>
+                      <a:headEnd type="none" w="med" len="med"/>
+                      <a:tailEnd type="none" w="med" len="med"/>
+                    </a:lnR>
+                    <a:lnT w="28575" cap="flat" cmpd="sng" algn="ctr">
+                      <a:solidFill>
+                        <a:schemeClr val="tx1"/>
+                      </a:solidFill>
+                      <a:prstDash val="solid"/>
+                      <a:round/>
+                      <a:headEnd type="none" w="med" len="med"/>
+                      <a:tailEnd type="none" w="med" len="med"/>
+                    </a:lnT>
+                    <a:lnB w="28575" cap="flat" cmpd="sng" algn="ctr">
+                      <a:solidFill>
+                        <a:schemeClr val="tx1"/>
+                      </a:solidFill>
+                      <a:prstDash val="solid"/>
+                      <a:round/>
+                      <a:headEnd type="none" w="med" len="med"/>
+                      <a:tailEnd type="none" w="med" len="med"/>
+                    </a:lnB>
+                  </a:tcPr>
+                </a:tc>
+                <a:tc rowSpan="2" gridSpan="2">
+                  <a:txBody>
+                    <a:bodyPr/>
+                    <a:lstStyle/>
+                    <a:p>
+                      <a:pPr marL="0" marR="0" lvl="0" indent="0" algn="l" defTabSz="914400" rtl="0" eaLnBrk="1" fontAlgn="auto" latinLnBrk="1" hangingPunct="1">
+                        <a:lnSpc>
+                          <a:spcPct val="100000"/>
+                        </a:lnSpc>
+                        <a:spcBef>
+                          <a:spcPts val="0"/>
+                        </a:spcBef>
+                        <a:spcAft>
+                          <a:spcPts val="0"/>
+                        </a:spcAft>
+                        <a:buClrTx/>
+                        <a:buSzTx/>
+                        <a:buFontTx/>
+                        <a:buNone/>
+                        <a:tabLst/>
+                        <a:defRPr/>
+                      </a:pPr>
+                      <a:r>
+                        <a:rPr kumimoji="0" lang="ko-KR" altLang="en-US" sz="1200" b="1" i="0" u="none" strike="noStrike" kern="1200" cap="none" spc="0" normalizeH="0" baseline="0" noProof="0" dirty="0" smtClean="0">
+                          <a:ln>
+                            <a:noFill/>
+                          </a:ln>
+                          <a:solidFill>
+                            <a:srgbClr val="92D050"/>
+                          </a:solidFill>
+                          <a:effectLst/>
+                          <a:uLnTx/>
+                          <a:uFillTx/>
+                          <a:latin typeface="D2Coding" panose="020B0609020101020101" pitchFamily="49" charset="-127"/>
+                          <a:ea typeface="D2Coding" panose="020B0609020101020101" pitchFamily="49" charset="-127"/>
+                          <a:cs typeface="+mn-cs"/>
+                        </a:rPr>
+                        <a:t>            가치 제안</a:t>
+                      </a:r>
+                      <a:endParaRPr kumimoji="0" lang="en-US" altLang="ko-KR" sz="1200" b="1" i="0" u="none" strike="noStrike" kern="1200" cap="none" spc="0" normalizeH="0" baseline="0" noProof="0" dirty="0" smtClean="0">
+                        <a:ln>
+                          <a:noFill/>
+                        </a:ln>
+                        <a:solidFill>
+                          <a:srgbClr val="92D050"/>
+                        </a:solidFill>
+                        <a:effectLst/>
+                        <a:uLnTx/>
+                        <a:uFillTx/>
+                        <a:latin typeface="D2Coding" panose="020B0609020101020101" pitchFamily="49" charset="-127"/>
+                        <a:ea typeface="D2Coding" panose="020B0609020101020101" pitchFamily="49" charset="-127"/>
+                        <a:cs typeface="+mn-cs"/>
+                      </a:endParaRPr>
+                    </a:p>
+                    <a:p>
+                      <a:pPr marL="0" marR="0" lvl="0" indent="0" algn="ctr" defTabSz="914400" rtl="0" eaLnBrk="1" fontAlgn="auto" latinLnBrk="1" hangingPunct="1">
+                        <a:lnSpc>
+                          <a:spcPct val="100000"/>
+                        </a:lnSpc>
+                        <a:spcBef>
+                          <a:spcPts val="0"/>
+                        </a:spcBef>
+                        <a:spcAft>
+                          <a:spcPts val="0"/>
+                        </a:spcAft>
+                        <a:buClrTx/>
+                        <a:buSzTx/>
+                        <a:buFontTx/>
+                        <a:buNone/>
+                        <a:tabLst/>
+                        <a:defRPr/>
+                      </a:pPr>
+                      <a:endParaRPr kumimoji="0" lang="en-US" altLang="ko-KR" sz="1050" b="0" i="0" u="none" strike="noStrike" kern="1200" cap="none" spc="0" normalizeH="0" baseline="0" noProof="0" dirty="0" smtClean="0">
+                        <a:ln>
+                          <a:noFill/>
+                        </a:ln>
+                        <a:solidFill>
+                          <a:schemeClr val="tx1"/>
+                        </a:solidFill>
+                        <a:effectLst/>
+                        <a:uLnTx/>
+                        <a:uFillTx/>
+                        <a:latin typeface="D2Coding" panose="020B0609020101020101" pitchFamily="49" charset="-127"/>
+                        <a:ea typeface="D2Coding" panose="020B0609020101020101" pitchFamily="49" charset="-127"/>
+                        <a:cs typeface="+mn-cs"/>
+                      </a:endParaRPr>
+                    </a:p>
+                    <a:p>
+                      <a:pPr marL="0" marR="0" lvl="0" indent="0" algn="ctr" defTabSz="914400" rtl="0" eaLnBrk="1" fontAlgn="auto" latinLnBrk="1" hangingPunct="1">
+                        <a:lnSpc>
+                          <a:spcPct val="100000"/>
+                        </a:lnSpc>
+                        <a:spcBef>
+                          <a:spcPts val="0"/>
+                        </a:spcBef>
+                        <a:spcAft>
+                          <a:spcPts val="0"/>
+                        </a:spcAft>
+                        <a:buClrTx/>
+                        <a:buSzTx/>
+                        <a:buFontTx/>
+                        <a:buNone/>
+                        <a:tabLst/>
+                        <a:defRPr/>
+                      </a:pPr>
+                      <a:endParaRPr kumimoji="0" lang="en-US" altLang="ko-KR" sz="1050" b="0" i="0" u="none" strike="noStrike" kern="1200" cap="none" spc="0" normalizeH="0" baseline="0" noProof="0" dirty="0" smtClean="0">
+                        <a:ln>
+                          <a:noFill/>
+                        </a:ln>
+                        <a:solidFill>
+                          <a:schemeClr val="tx1"/>
+                        </a:solidFill>
+                        <a:effectLst/>
+                        <a:uLnTx/>
+                        <a:uFillTx/>
+                        <a:latin typeface="D2Coding" panose="020B0609020101020101" pitchFamily="49" charset="-127"/>
+                        <a:ea typeface="D2Coding" panose="020B0609020101020101" pitchFamily="49" charset="-127"/>
+                        <a:cs typeface="+mn-cs"/>
+                      </a:endParaRPr>
+                    </a:p>
+                    <a:p>
+                      <a:pPr marL="0" marR="0" lvl="0" indent="0" algn="ctr" defTabSz="914400" rtl="0" eaLnBrk="1" fontAlgn="auto" latinLnBrk="1" hangingPunct="1">
+                        <a:lnSpc>
+                          <a:spcPct val="100000"/>
+                        </a:lnSpc>
+                        <a:spcBef>
+                          <a:spcPts val="0"/>
+                        </a:spcBef>
+                        <a:spcAft>
+                          <a:spcPts val="0"/>
+                        </a:spcAft>
+                        <a:buClrTx/>
+                        <a:buSzTx/>
+                        <a:buFontTx/>
+                        <a:buNone/>
+                        <a:tabLst/>
+                        <a:defRPr/>
+                      </a:pPr>
+                      <a:r>
+                        <a:rPr kumimoji="0" lang="en-US" altLang="ko-KR" sz="1050" b="0" i="0" u="none" strike="noStrike" kern="1200" cap="none" spc="0" normalizeH="0" baseline="0" noProof="0" dirty="0" smtClean="0">
+                          <a:ln>
+                            <a:noFill/>
+                          </a:ln>
+                          <a:solidFill>
+                            <a:srgbClr val="71DB29"/>
+                          </a:solidFill>
+                          <a:effectLst/>
+                          <a:uLnTx/>
+                          <a:uFillTx/>
+                          <a:latin typeface="D2Coding" panose="020B0609020101020101" pitchFamily="49" charset="-127"/>
+                          <a:ea typeface="D2Coding" panose="020B0609020101020101" pitchFamily="49" charset="-127"/>
+                          <a:cs typeface="+mn-cs"/>
+                        </a:rPr>
+                        <a:t>-</a:t>
+                      </a:r>
+                      <a:r>
+                        <a:rPr lang="ko-KR" altLang="en-US" sz="1050" kern="1200" noProof="0" dirty="0" smtClean="0">
+                          <a:solidFill>
+                            <a:srgbClr val="71DB29"/>
+                          </a:solidFill>
+                          <a:latin typeface="D2Coding" panose="020B0609020101020101" pitchFamily="49" charset="-127"/>
+                          <a:ea typeface="D2Coding" panose="020B0609020101020101" pitchFamily="49" charset="-127"/>
+                          <a:cs typeface="+mn-cs"/>
+                        </a:rPr>
+                        <a:t>개인 사용자</a:t>
+                      </a:r>
+                      <a:r>
+                        <a:rPr kumimoji="0" lang="en-US" altLang="ko-KR" sz="1050" b="0" i="0" u="none" strike="noStrike" kern="1200" cap="none" spc="0" normalizeH="0" baseline="0" noProof="0" dirty="0" smtClean="0">
+                          <a:ln>
+                            <a:noFill/>
+                          </a:ln>
+                          <a:solidFill>
+                            <a:srgbClr val="71DB29"/>
+                          </a:solidFill>
+                          <a:effectLst/>
+                          <a:uLnTx/>
+                          <a:uFillTx/>
+                          <a:latin typeface="D2Coding" panose="020B0609020101020101" pitchFamily="49" charset="-127"/>
+                          <a:ea typeface="D2Coding" panose="020B0609020101020101" pitchFamily="49" charset="-127"/>
+                          <a:cs typeface="+mn-cs"/>
+                        </a:rPr>
+                        <a:t>-</a:t>
+                      </a:r>
+                    </a:p>
+                    <a:p>
+                      <a:pPr marL="0" marR="0" lvl="0" indent="0" algn="ctr" defTabSz="914400" rtl="0" eaLnBrk="1" fontAlgn="auto" latinLnBrk="1" hangingPunct="1">
+                        <a:lnSpc>
+                          <a:spcPct val="100000"/>
+                        </a:lnSpc>
+                        <a:spcBef>
+                          <a:spcPts val="0"/>
+                        </a:spcBef>
+                        <a:spcAft>
+                          <a:spcPts val="0"/>
+                        </a:spcAft>
+                        <a:buClrTx/>
+                        <a:buSzTx/>
+                        <a:buFontTx/>
+                        <a:buNone/>
+                        <a:tabLst/>
+                        <a:defRPr/>
+                      </a:pPr>
+                      <a:endParaRPr kumimoji="0" lang="en-US" altLang="ko-KR" sz="1050" b="0" i="0" u="none" strike="noStrike" kern="1200" cap="none" spc="0" normalizeH="0" baseline="0" noProof="0" dirty="0" smtClean="0">
+                        <a:ln>
+                          <a:noFill/>
+                        </a:ln>
+                        <a:solidFill>
+                          <a:schemeClr val="tx1"/>
+                        </a:solidFill>
+                        <a:effectLst/>
+                        <a:uLnTx/>
+                        <a:uFillTx/>
+                        <a:latin typeface="D2Coding" panose="020B0609020101020101" pitchFamily="49" charset="-127"/>
+                        <a:ea typeface="D2Coding" panose="020B0609020101020101" pitchFamily="49" charset="-127"/>
+                        <a:cs typeface="+mn-cs"/>
+                      </a:endParaRPr>
+                    </a:p>
+                    <a:p>
+                      <a:pPr marL="0" marR="0" lvl="0" indent="0" algn="ctr" defTabSz="914400" rtl="0" eaLnBrk="1" fontAlgn="auto" latinLnBrk="1" hangingPunct="1">
+                        <a:lnSpc>
+                          <a:spcPct val="100000"/>
+                        </a:lnSpc>
+                        <a:spcBef>
+                          <a:spcPts val="0"/>
+                        </a:spcBef>
+                        <a:spcAft>
+                          <a:spcPts val="0"/>
+                        </a:spcAft>
+                        <a:buClrTx/>
+                        <a:buSzTx/>
+                        <a:buFontTx/>
+                        <a:buNone/>
+                        <a:tabLst/>
+                        <a:defRPr/>
+                      </a:pPr>
+                      <a:r>
+                        <a:rPr kumimoji="0" lang="ko-KR" altLang="en-US" sz="1050" b="0" i="0" u="none" strike="noStrike" kern="1200" cap="none" spc="0" normalizeH="0" baseline="0" noProof="0" dirty="0" smtClean="0">
+                          <a:ln>
+                            <a:noFill/>
+                          </a:ln>
+                          <a:solidFill>
+                            <a:schemeClr val="tx1"/>
+                          </a:solidFill>
+                          <a:effectLst/>
+                          <a:uLnTx/>
+                          <a:uFillTx/>
+                          <a:latin typeface="D2Coding" panose="020B0609020101020101" pitchFamily="49" charset="-127"/>
+                          <a:ea typeface="D2Coding" panose="020B0609020101020101" pitchFamily="49" charset="-127"/>
+                          <a:cs typeface="+mn-cs"/>
+                        </a:rPr>
+                        <a:t>공모전 관련 정보 획득 </a:t>
+                      </a:r>
+                      <a:endParaRPr kumimoji="0" lang="en-US" altLang="ko-KR" sz="1050" b="0" i="0" u="none" strike="noStrike" kern="1200" cap="none" spc="0" normalizeH="0" baseline="0" noProof="0" dirty="0" smtClean="0">
+                        <a:ln>
+                          <a:noFill/>
+                        </a:ln>
+                        <a:solidFill>
+                          <a:schemeClr val="tx1"/>
+                        </a:solidFill>
+                        <a:effectLst/>
+                        <a:uLnTx/>
+                        <a:uFillTx/>
+                        <a:latin typeface="D2Coding" panose="020B0609020101020101" pitchFamily="49" charset="-127"/>
+                        <a:ea typeface="D2Coding" panose="020B0609020101020101" pitchFamily="49" charset="-127"/>
+                        <a:cs typeface="+mn-cs"/>
+                      </a:endParaRPr>
+                    </a:p>
+                    <a:p>
+                      <a:pPr marL="0" marR="0" lvl="0" indent="0" algn="ctr" defTabSz="914400" rtl="0" eaLnBrk="1" fontAlgn="auto" latinLnBrk="1" hangingPunct="1">
+                        <a:lnSpc>
+                          <a:spcPct val="100000"/>
+                        </a:lnSpc>
+                        <a:spcBef>
+                          <a:spcPts val="0"/>
+                        </a:spcBef>
+                        <a:spcAft>
+                          <a:spcPts val="0"/>
+                        </a:spcAft>
+                        <a:buClrTx/>
+                        <a:buSzTx/>
+                        <a:buFontTx/>
+                        <a:buNone/>
+                        <a:tabLst/>
+                        <a:defRPr/>
+                      </a:pPr>
+                      <a:endParaRPr kumimoji="0" lang="en-US" altLang="ko-KR" sz="1050" b="0" i="0" u="none" strike="noStrike" kern="1200" cap="none" spc="0" normalizeH="0" baseline="0" noProof="0" dirty="0" smtClean="0">
+                        <a:ln>
+                          <a:noFill/>
+                        </a:ln>
+                        <a:solidFill>
+                          <a:schemeClr val="tx1"/>
+                        </a:solidFill>
+                        <a:effectLst/>
+                        <a:uLnTx/>
+                        <a:uFillTx/>
+                        <a:latin typeface="D2Coding" panose="020B0609020101020101" pitchFamily="49" charset="-127"/>
+                        <a:ea typeface="D2Coding" panose="020B0609020101020101" pitchFamily="49" charset="-127"/>
+                        <a:cs typeface="+mn-cs"/>
+                      </a:endParaRPr>
+                    </a:p>
+                    <a:p>
+                      <a:pPr marL="0" marR="0" lvl="0" indent="0" algn="ctr" defTabSz="914400" rtl="0" eaLnBrk="1" fontAlgn="auto" latinLnBrk="1" hangingPunct="1">
+                        <a:lnSpc>
+                          <a:spcPct val="100000"/>
+                        </a:lnSpc>
+                        <a:spcBef>
+                          <a:spcPts val="0"/>
+                        </a:spcBef>
+                        <a:spcAft>
+                          <a:spcPts val="0"/>
+                        </a:spcAft>
+                        <a:buClrTx/>
+                        <a:buSzTx/>
+                        <a:buFontTx/>
+                        <a:buNone/>
+                        <a:tabLst/>
+                        <a:defRPr/>
+                      </a:pPr>
+                      <a:r>
+                        <a:rPr kumimoji="0" lang="ko-KR" altLang="en-US" sz="1050" b="0" i="0" u="none" strike="noStrike" kern="1200" cap="none" spc="0" normalizeH="0" baseline="0" noProof="0" dirty="0" smtClean="0">
+                          <a:ln>
+                            <a:noFill/>
+                          </a:ln>
+                          <a:solidFill>
+                            <a:schemeClr val="tx1"/>
+                          </a:solidFill>
+                          <a:effectLst/>
+                          <a:uLnTx/>
+                          <a:uFillTx/>
+                          <a:latin typeface="D2Coding" panose="020B0609020101020101" pitchFamily="49" charset="-127"/>
+                          <a:ea typeface="D2Coding" panose="020B0609020101020101" pitchFamily="49" charset="-127"/>
+                          <a:cs typeface="+mn-cs"/>
+                        </a:rPr>
+                        <a:t>팀 참가 인원 모집</a:t>
+                      </a:r>
+                      <a:endParaRPr kumimoji="0" lang="en-US" altLang="ko-KR" sz="1050" b="0" i="0" u="none" strike="noStrike" kern="1200" cap="none" spc="0" normalizeH="0" baseline="0" noProof="0" dirty="0" smtClean="0">
+                        <a:ln>
+                          <a:noFill/>
+                        </a:ln>
+                        <a:solidFill>
+                          <a:schemeClr val="tx1"/>
+                        </a:solidFill>
+                        <a:effectLst/>
+                        <a:uLnTx/>
+                        <a:uFillTx/>
+                        <a:latin typeface="D2Coding" panose="020B0609020101020101" pitchFamily="49" charset="-127"/>
+                        <a:ea typeface="D2Coding" panose="020B0609020101020101" pitchFamily="49" charset="-127"/>
+                        <a:cs typeface="+mn-cs"/>
+                      </a:endParaRPr>
+                    </a:p>
+                    <a:p>
+                      <a:pPr marL="0" marR="0" lvl="0" indent="0" algn="ctr" defTabSz="914400" rtl="0" eaLnBrk="1" fontAlgn="auto" latinLnBrk="1" hangingPunct="1">
+                        <a:lnSpc>
+                          <a:spcPct val="100000"/>
+                        </a:lnSpc>
+                        <a:spcBef>
+                          <a:spcPts val="0"/>
+                        </a:spcBef>
+                        <a:spcAft>
+                          <a:spcPts val="0"/>
+                        </a:spcAft>
+                        <a:buClrTx/>
+                        <a:buSzTx/>
+                        <a:buFontTx/>
+                        <a:buNone/>
+                        <a:tabLst/>
+                        <a:defRPr/>
+                      </a:pPr>
+                      <a:endParaRPr kumimoji="0" lang="en-US" altLang="ko-KR" sz="1050" b="0" i="0" u="none" strike="noStrike" kern="1200" cap="none" spc="0" normalizeH="0" baseline="0" noProof="0" dirty="0" smtClean="0">
+                        <a:ln>
+                          <a:noFill/>
+                        </a:ln>
+                        <a:solidFill>
+                          <a:schemeClr val="tx1"/>
+                        </a:solidFill>
+                        <a:effectLst/>
+                        <a:uLnTx/>
+                        <a:uFillTx/>
+                        <a:latin typeface="D2Coding" panose="020B0609020101020101" pitchFamily="49" charset="-127"/>
+                        <a:ea typeface="D2Coding" panose="020B0609020101020101" pitchFamily="49" charset="-127"/>
+                        <a:cs typeface="+mn-cs"/>
+                      </a:endParaRPr>
+                    </a:p>
+                    <a:p>
+                      <a:pPr marL="0" marR="0" lvl="0" indent="0" algn="ctr" defTabSz="914400" rtl="0" eaLnBrk="1" fontAlgn="auto" latinLnBrk="1" hangingPunct="1">
+                        <a:lnSpc>
+                          <a:spcPct val="100000"/>
+                        </a:lnSpc>
+                        <a:spcBef>
+                          <a:spcPts val="0"/>
+                        </a:spcBef>
+                        <a:spcAft>
+                          <a:spcPts val="0"/>
+                        </a:spcAft>
+                        <a:buClrTx/>
+                        <a:buSzTx/>
+                        <a:buFontTx/>
+                        <a:buNone/>
+                        <a:tabLst/>
+                        <a:defRPr/>
+                      </a:pPr>
+                      <a:r>
+                        <a:rPr kumimoji="0" lang="ko-KR" altLang="en-US" sz="1050" b="0" i="0" u="none" strike="noStrike" kern="1200" cap="none" spc="0" normalizeH="0" baseline="0" noProof="0" dirty="0" smtClean="0">
+                          <a:ln>
+                            <a:noFill/>
+                          </a:ln>
+                          <a:solidFill>
+                            <a:schemeClr val="tx1"/>
+                          </a:solidFill>
+                          <a:effectLst/>
+                          <a:uLnTx/>
+                          <a:uFillTx/>
+                          <a:latin typeface="D2Coding" panose="020B0609020101020101" pitchFamily="49" charset="-127"/>
+                          <a:ea typeface="D2Coding" panose="020B0609020101020101" pitchFamily="49" charset="-127"/>
+                          <a:cs typeface="+mn-cs"/>
+                        </a:rPr>
+                        <a:t>손쉬운 공모전 신청</a:t>
+                      </a:r>
+                      <a:endParaRPr kumimoji="0" lang="en-US" altLang="ko-KR" sz="1050" b="0" i="0" u="none" strike="noStrike" kern="1200" cap="none" spc="0" normalizeH="0" baseline="0" noProof="0" dirty="0" smtClean="0">
+                        <a:ln>
+                          <a:noFill/>
+                        </a:ln>
+                        <a:solidFill>
+                          <a:schemeClr val="tx1"/>
+                        </a:solidFill>
+                        <a:effectLst/>
+                        <a:uLnTx/>
+                        <a:uFillTx/>
+                        <a:latin typeface="D2Coding" panose="020B0609020101020101" pitchFamily="49" charset="-127"/>
+                        <a:ea typeface="D2Coding" panose="020B0609020101020101" pitchFamily="49" charset="-127"/>
+                        <a:cs typeface="+mn-cs"/>
+                      </a:endParaRPr>
+                    </a:p>
+                    <a:p>
+                      <a:pPr marL="0" marR="0" lvl="0" indent="0" algn="ctr" defTabSz="914400" rtl="0" eaLnBrk="1" fontAlgn="auto" latinLnBrk="1" hangingPunct="1">
+                        <a:lnSpc>
+                          <a:spcPct val="100000"/>
+                        </a:lnSpc>
+                        <a:spcBef>
+                          <a:spcPts val="0"/>
+                        </a:spcBef>
+                        <a:spcAft>
+                          <a:spcPts val="0"/>
+                        </a:spcAft>
+                        <a:buClrTx/>
+                        <a:buSzTx/>
+                        <a:buFontTx/>
+                        <a:buNone/>
+                        <a:tabLst/>
+                        <a:defRPr/>
+                      </a:pPr>
+                      <a:endParaRPr kumimoji="0" lang="en-US" altLang="ko-KR" sz="1050" b="0" i="0" u="none" strike="noStrike" kern="1200" cap="none" spc="0" normalizeH="0" baseline="0" noProof="0" dirty="0" smtClean="0">
+                        <a:ln>
+                          <a:noFill/>
+                        </a:ln>
+                        <a:solidFill>
+                          <a:schemeClr val="tx1"/>
+                        </a:solidFill>
+                        <a:effectLst/>
+                        <a:uLnTx/>
+                        <a:uFillTx/>
+                        <a:latin typeface="D2Coding" panose="020B0609020101020101" pitchFamily="49" charset="-127"/>
+                        <a:ea typeface="D2Coding" panose="020B0609020101020101" pitchFamily="49" charset="-127"/>
+                        <a:cs typeface="+mn-cs"/>
+                      </a:endParaRPr>
+                    </a:p>
+                    <a:p>
+                      <a:pPr marL="0" marR="0" lvl="0" indent="0" algn="ctr" defTabSz="914400" rtl="0" eaLnBrk="1" fontAlgn="auto" latinLnBrk="1" hangingPunct="1">
+                        <a:lnSpc>
+                          <a:spcPct val="100000"/>
+                        </a:lnSpc>
+                        <a:spcBef>
+                          <a:spcPts val="0"/>
+                        </a:spcBef>
+                        <a:spcAft>
+                          <a:spcPts val="0"/>
+                        </a:spcAft>
+                        <a:buClrTx/>
+                        <a:buSzTx/>
+                        <a:buFontTx/>
+                        <a:buNone/>
+                        <a:tabLst/>
+                        <a:defRPr/>
+                      </a:pPr>
+                      <a:endParaRPr kumimoji="0" lang="en-US" altLang="ko-KR" sz="1050" b="0" i="0" u="none" strike="noStrike" kern="1200" cap="none" spc="0" normalizeH="0" baseline="0" noProof="0" dirty="0" smtClean="0">
+                        <a:ln>
+                          <a:noFill/>
+                        </a:ln>
+                        <a:solidFill>
+                          <a:schemeClr val="tx1"/>
+                        </a:solidFill>
+                        <a:effectLst/>
+                        <a:uLnTx/>
+                        <a:uFillTx/>
+                        <a:latin typeface="D2Coding" panose="020B0609020101020101" pitchFamily="49" charset="-127"/>
+                        <a:ea typeface="D2Coding" panose="020B0609020101020101" pitchFamily="49" charset="-127"/>
+                        <a:cs typeface="+mn-cs"/>
+                      </a:endParaRPr>
+                    </a:p>
+                    <a:p>
+                      <a:pPr marL="0" marR="0" lvl="0" indent="0" algn="ctr" defTabSz="914400" rtl="0" eaLnBrk="1" fontAlgn="auto" latinLnBrk="1" hangingPunct="1">
+                        <a:lnSpc>
+                          <a:spcPct val="100000"/>
+                        </a:lnSpc>
+                        <a:spcBef>
+                          <a:spcPts val="0"/>
+                        </a:spcBef>
+                        <a:spcAft>
+                          <a:spcPts val="0"/>
+                        </a:spcAft>
+                        <a:buClrTx/>
+                        <a:buSzTx/>
+                        <a:buFontTx/>
+                        <a:buNone/>
+                        <a:tabLst/>
+                        <a:defRPr/>
+                      </a:pPr>
+                      <a:r>
+                        <a:rPr kumimoji="0" lang="en-US" altLang="ko-KR" sz="1050" b="0" i="0" u="none" strike="noStrike" kern="1200" cap="none" spc="0" normalizeH="0" baseline="0" noProof="0" dirty="0" smtClean="0">
+                          <a:ln>
+                            <a:noFill/>
+                          </a:ln>
+                          <a:solidFill>
+                            <a:srgbClr val="00B0F0"/>
+                          </a:solidFill>
+                          <a:effectLst/>
+                          <a:uLnTx/>
+                          <a:uFillTx/>
+                          <a:latin typeface="D2Coding" panose="020B0609020101020101" pitchFamily="49" charset="-127"/>
+                          <a:ea typeface="D2Coding" panose="020B0609020101020101" pitchFamily="49" charset="-127"/>
+                          <a:cs typeface="+mn-cs"/>
+                        </a:rPr>
+                        <a:t>-</a:t>
+                      </a:r>
+                      <a:r>
+                        <a:rPr kumimoji="0" lang="ko-KR" altLang="en-US" sz="1050" b="0" i="0" u="none" strike="noStrike" kern="1200" cap="none" spc="0" normalizeH="0" baseline="0" noProof="0" dirty="0" smtClean="0">
+                          <a:ln>
+                            <a:noFill/>
+                          </a:ln>
+                          <a:solidFill>
+                            <a:srgbClr val="00B0F0"/>
+                          </a:solidFill>
+                          <a:effectLst/>
+                          <a:uLnTx/>
+                          <a:uFillTx/>
+                          <a:latin typeface="D2Coding" panose="020B0609020101020101" pitchFamily="49" charset="-127"/>
+                          <a:ea typeface="D2Coding" panose="020B0609020101020101" pitchFamily="49" charset="-127"/>
+                          <a:cs typeface="+mn-cs"/>
+                        </a:rPr>
+                        <a:t>기업 사용자</a:t>
+                      </a:r>
+                      <a:r>
+                        <a:rPr kumimoji="0" lang="en-US" altLang="ko-KR" sz="1050" b="0" i="0" u="none" strike="noStrike" kern="1200" cap="none" spc="0" normalizeH="0" baseline="0" noProof="0" dirty="0" smtClean="0">
+                          <a:ln>
+                            <a:noFill/>
+                          </a:ln>
+                          <a:solidFill>
+                            <a:srgbClr val="00B0F0"/>
+                          </a:solidFill>
+                          <a:effectLst/>
+                          <a:uLnTx/>
+                          <a:uFillTx/>
+                          <a:latin typeface="D2Coding" panose="020B0609020101020101" pitchFamily="49" charset="-127"/>
+                          <a:ea typeface="D2Coding" panose="020B0609020101020101" pitchFamily="49" charset="-127"/>
+                          <a:cs typeface="+mn-cs"/>
+                        </a:rPr>
+                        <a:t>-</a:t>
+                      </a:r>
+                    </a:p>
+                    <a:p>
+                      <a:pPr marL="0" marR="0" lvl="0" indent="0" algn="ctr" defTabSz="914400" rtl="0" eaLnBrk="1" fontAlgn="auto" latinLnBrk="1" hangingPunct="1">
+                        <a:lnSpc>
+                          <a:spcPct val="100000"/>
+                        </a:lnSpc>
+                        <a:spcBef>
+                          <a:spcPts val="0"/>
+                        </a:spcBef>
+                        <a:spcAft>
+                          <a:spcPts val="0"/>
+                        </a:spcAft>
+                        <a:buClrTx/>
+                        <a:buSzTx/>
+                        <a:buFontTx/>
+                        <a:buNone/>
+                        <a:tabLst/>
+                        <a:defRPr/>
+                      </a:pPr>
+                      <a:endParaRPr kumimoji="0" lang="en-US" altLang="ko-KR" sz="1050" b="0" i="0" u="none" strike="noStrike" kern="1200" cap="none" spc="0" normalizeH="0" baseline="0" noProof="0" dirty="0" smtClean="0">
+                        <a:ln>
+                          <a:noFill/>
+                        </a:ln>
+                        <a:solidFill>
+                          <a:schemeClr val="tx1"/>
+                        </a:solidFill>
+                        <a:effectLst/>
+                        <a:uLnTx/>
+                        <a:uFillTx/>
+                        <a:latin typeface="D2Coding" panose="020B0609020101020101" pitchFamily="49" charset="-127"/>
+                        <a:ea typeface="D2Coding" panose="020B0609020101020101" pitchFamily="49" charset="-127"/>
+                        <a:cs typeface="+mn-cs"/>
+                      </a:endParaRPr>
+                    </a:p>
+                    <a:p>
+                      <a:pPr marL="0" marR="0" lvl="0" indent="0" algn="ctr" defTabSz="914400" rtl="0" eaLnBrk="1" fontAlgn="auto" latinLnBrk="1" hangingPunct="1">
+                        <a:lnSpc>
+                          <a:spcPct val="100000"/>
+                        </a:lnSpc>
+                        <a:spcBef>
+                          <a:spcPts val="0"/>
+                        </a:spcBef>
+                        <a:spcAft>
+                          <a:spcPts val="0"/>
+                        </a:spcAft>
+                        <a:buClrTx/>
+                        <a:buSzTx/>
+                        <a:buFontTx/>
+                        <a:buNone/>
+                        <a:tabLst/>
+                        <a:defRPr/>
+                      </a:pPr>
+                      <a:r>
+                        <a:rPr kumimoji="0" lang="ko-KR" altLang="en-US" sz="1050" b="0" i="0" u="none" strike="noStrike" kern="1200" cap="none" spc="0" normalizeH="0" baseline="0" noProof="0" dirty="0" smtClean="0">
+                          <a:ln>
+                            <a:noFill/>
+                          </a:ln>
+                          <a:solidFill>
+                            <a:schemeClr val="tx1"/>
+                          </a:solidFill>
+                          <a:effectLst/>
+                          <a:uLnTx/>
+                          <a:uFillTx/>
+                          <a:latin typeface="D2Coding" panose="020B0609020101020101" pitchFamily="49" charset="-127"/>
+                          <a:ea typeface="D2Coding" panose="020B0609020101020101" pitchFamily="49" charset="-127"/>
+                          <a:cs typeface="+mn-cs"/>
+                        </a:rPr>
+                        <a:t> 공모전 홍보</a:t>
+                      </a:r>
+                      <a:endParaRPr kumimoji="0" lang="en-US" altLang="ko-KR" sz="1050" b="0" i="0" u="none" strike="noStrike" kern="1200" cap="none" spc="0" normalizeH="0" baseline="0" noProof="0" dirty="0" smtClean="0">
+                        <a:ln>
+                          <a:noFill/>
+                        </a:ln>
+                        <a:solidFill>
+                          <a:schemeClr val="tx1"/>
+                        </a:solidFill>
+                        <a:effectLst/>
+                        <a:uLnTx/>
+                        <a:uFillTx/>
+                        <a:latin typeface="D2Coding" panose="020B0609020101020101" pitchFamily="49" charset="-127"/>
+                        <a:ea typeface="D2Coding" panose="020B0609020101020101" pitchFamily="49" charset="-127"/>
+                        <a:cs typeface="+mn-cs"/>
+                      </a:endParaRPr>
+                    </a:p>
+                    <a:p>
+                      <a:pPr marL="0" marR="0" lvl="0" indent="0" algn="l" defTabSz="914400" rtl="0" eaLnBrk="1" fontAlgn="auto" latinLnBrk="1" hangingPunct="1">
+                        <a:lnSpc>
+                          <a:spcPct val="100000"/>
+                        </a:lnSpc>
+                        <a:spcBef>
+                          <a:spcPts val="0"/>
+                        </a:spcBef>
+                        <a:spcAft>
+                          <a:spcPts val="0"/>
+                        </a:spcAft>
+                        <a:buClrTx/>
+                        <a:buSzTx/>
+                        <a:buFontTx/>
+                        <a:buNone/>
+                        <a:tabLst/>
+                        <a:defRPr/>
+                      </a:pPr>
+                      <a:endParaRPr kumimoji="0" lang="en-US" altLang="ko-KR" sz="1050" b="0" i="0" u="none" strike="noStrike" kern="1200" cap="none" spc="0" normalizeH="0" baseline="0" noProof="0" dirty="0" smtClean="0">
+                        <a:ln>
+                          <a:noFill/>
+                        </a:ln>
+                        <a:solidFill>
+                          <a:schemeClr val="tx1"/>
+                        </a:solidFill>
+                        <a:effectLst/>
+                        <a:uLnTx/>
+                        <a:uFillTx/>
+                        <a:latin typeface="D2Coding" panose="020B0609020101020101" pitchFamily="49" charset="-127"/>
+                        <a:ea typeface="D2Coding" panose="020B0609020101020101" pitchFamily="49" charset="-127"/>
+                        <a:cs typeface="+mn-cs"/>
+                      </a:endParaRPr>
+                    </a:p>
+                    <a:p>
+                      <a:pPr marL="0" marR="0" lvl="0" indent="0" algn="l" defTabSz="914400" rtl="0" eaLnBrk="1" fontAlgn="auto" latinLnBrk="1" hangingPunct="1">
+                        <a:lnSpc>
+                          <a:spcPct val="100000"/>
+                        </a:lnSpc>
+                        <a:spcBef>
+                          <a:spcPts val="0"/>
+                        </a:spcBef>
+                        <a:spcAft>
+                          <a:spcPts val="0"/>
+                        </a:spcAft>
+                        <a:buClrTx/>
+                        <a:buSzTx/>
+                        <a:buFontTx/>
+                        <a:buNone/>
+                        <a:tabLst/>
+                        <a:defRPr/>
+                      </a:pPr>
+                      <a:endParaRPr kumimoji="0" lang="en-US" altLang="ko-KR" sz="1050" b="0" i="0" u="none" strike="noStrike" kern="1200" cap="none" spc="0" normalizeH="0" baseline="0" noProof="0" dirty="0" smtClean="0">
+                        <a:ln>
+                          <a:noFill/>
+                        </a:ln>
+                        <a:solidFill>
+                          <a:schemeClr val="tx1"/>
+                        </a:solidFill>
+                        <a:effectLst/>
+                        <a:uLnTx/>
+                        <a:uFillTx/>
+                        <a:latin typeface="D2Coding" panose="020B0609020101020101" pitchFamily="49" charset="-127"/>
+                        <a:ea typeface="D2Coding" panose="020B0609020101020101" pitchFamily="49" charset="-127"/>
+                        <a:cs typeface="+mn-cs"/>
+                      </a:endParaRPr>
+                    </a:p>
+                  </a:txBody>
+                  <a:tcPr marL="82296" marR="82296">
+                    <a:lnL w="28575" cap="flat" cmpd="sng" algn="ctr">
+                      <a:solidFill>
+                        <a:schemeClr val="tx1"/>
+                      </a:solidFill>
+                      <a:prstDash val="solid"/>
+                      <a:round/>
+                      <a:headEnd type="none" w="med" len="med"/>
+                      <a:tailEnd type="none" w="med" len="med"/>
+                    </a:lnL>
+                    <a:lnR w="28575" cap="flat" cmpd="sng" algn="ctr">
+                      <a:solidFill>
+                        <a:schemeClr val="tx1"/>
+                      </a:solidFill>
+                      <a:prstDash val="solid"/>
+                      <a:round/>
+                      <a:headEnd type="none" w="med" len="med"/>
+                      <a:tailEnd type="none" w="med" len="med"/>
+                    </a:lnR>
+                    <a:lnT w="28575" cap="flat" cmpd="sng" algn="ctr">
+                      <a:solidFill>
+                        <a:schemeClr val="tx1"/>
+                      </a:solidFill>
+                      <a:prstDash val="solid"/>
+                      <a:round/>
+                      <a:headEnd type="none" w="med" len="med"/>
+                      <a:tailEnd type="none" w="med" len="med"/>
+                    </a:lnT>
+                    <a:lnB w="28575" cap="flat" cmpd="sng" algn="ctr">
+                      <a:solidFill>
+                        <a:schemeClr val="tx1"/>
+                      </a:solidFill>
+                      <a:prstDash val="solid"/>
+                      <a:round/>
+                      <a:headEnd type="none" w="med" len="med"/>
+                      <a:tailEnd type="none" w="med" len="med"/>
+                    </a:lnB>
+                  </a:tcPr>
+                </a:tc>
+                <a:tc rowSpan="2" hMerge="1">
+                  <a:txBody>
+                    <a:bodyPr/>
+                    <a:lstStyle/>
+                    <a:p>
+                      <a:endParaRPr lang="en-AU" dirty="0"/>
+                    </a:p>
+                  </a:txBody>
+                  <a:tcPr/>
+                </a:tc>
+                <a:tc>
+                  <a:txBody>
+                    <a:bodyPr/>
+                    <a:lstStyle/>
+                    <a:p>
+                      <a:pPr marL="0" marR="0" lvl="0" indent="0" algn="r" defTabSz="914400" rtl="0" eaLnBrk="1" fontAlgn="auto" latinLnBrk="1" hangingPunct="1">
+                        <a:lnSpc>
+                          <a:spcPct val="100000"/>
+                        </a:lnSpc>
+                        <a:spcBef>
+                          <a:spcPts val="0"/>
+                        </a:spcBef>
+                        <a:spcAft>
+                          <a:spcPts val="0"/>
+                        </a:spcAft>
+                        <a:buClrTx/>
+                        <a:buSzTx/>
+                        <a:buFontTx/>
+                        <a:buNone/>
+                        <a:tabLst/>
+                        <a:defRPr/>
+                      </a:pPr>
+                      <a:r>
+                        <a:rPr kumimoji="0" lang="ko-KR" altLang="en-US" sz="1200" b="1" i="0" u="none" strike="noStrike" kern="1200" cap="none" spc="0" normalizeH="0" baseline="0" noProof="0" dirty="0" smtClean="0">
+                          <a:ln>
+                            <a:noFill/>
+                          </a:ln>
+                          <a:solidFill>
+                            <a:srgbClr val="92D050"/>
+                          </a:solidFill>
+                          <a:effectLst/>
+                          <a:uLnTx/>
+                          <a:uFillTx/>
+                          <a:latin typeface="D2Coding" panose="020B0609020101020101" pitchFamily="49" charset="-127"/>
+                          <a:ea typeface="D2Coding" panose="020B0609020101020101" pitchFamily="49" charset="-127"/>
+                          <a:cs typeface="+mn-cs"/>
+                        </a:rPr>
+                        <a:t>            고객 관계</a:t>
+                      </a:r>
+                      <a:endParaRPr kumimoji="0" lang="en-US" altLang="ko-KR" sz="1200" b="1" i="0" u="none" strike="noStrike" kern="1200" cap="none" spc="0" normalizeH="0" baseline="0" noProof="0" dirty="0" smtClean="0">
+                        <a:ln>
+                          <a:noFill/>
+                        </a:ln>
+                        <a:solidFill>
+                          <a:srgbClr val="92D050"/>
+                        </a:solidFill>
+                        <a:effectLst/>
+                        <a:uLnTx/>
+                        <a:uFillTx/>
+                        <a:latin typeface="D2Coding" panose="020B0609020101020101" pitchFamily="49" charset="-127"/>
+                        <a:ea typeface="D2Coding" panose="020B0609020101020101" pitchFamily="49" charset="-127"/>
+                        <a:cs typeface="+mn-cs"/>
+                      </a:endParaRPr>
+                    </a:p>
+                    <a:p>
+                      <a:pPr marL="0" marR="0" lvl="0" indent="0" algn="r" defTabSz="914400" rtl="0" eaLnBrk="1" fontAlgn="auto" latinLnBrk="1" hangingPunct="1">
+                        <a:lnSpc>
+                          <a:spcPct val="100000"/>
+                        </a:lnSpc>
+                        <a:spcBef>
+                          <a:spcPts val="0"/>
+                        </a:spcBef>
+                        <a:spcAft>
+                          <a:spcPts val="0"/>
+                        </a:spcAft>
+                        <a:buClrTx/>
+                        <a:buSzTx/>
+                        <a:buFontTx/>
+                        <a:buNone/>
+                        <a:tabLst/>
+                        <a:defRPr/>
+                      </a:pPr>
+                      <a:endParaRPr kumimoji="0" lang="en-US" altLang="ko-KR" sz="1050" b="0" i="0" u="none" strike="noStrike" kern="1200" cap="none" spc="0" normalizeH="0" baseline="0" noProof="0" dirty="0" smtClean="0">
+                        <a:ln>
+                          <a:noFill/>
+                        </a:ln>
+                        <a:solidFill>
+                          <a:schemeClr val="tx1"/>
+                        </a:solidFill>
+                        <a:effectLst/>
+                        <a:uLnTx/>
+                        <a:uFillTx/>
+                        <a:latin typeface="D2Coding" panose="020B0609020101020101" pitchFamily="49" charset="-127"/>
+                        <a:ea typeface="D2Coding" panose="020B0609020101020101" pitchFamily="49" charset="-127"/>
+                        <a:cs typeface="+mn-cs"/>
+                      </a:endParaRPr>
+                    </a:p>
+                    <a:p>
+                      <a:pPr marL="0" marR="0" lvl="0" indent="0" algn="r" defTabSz="914400" rtl="0" eaLnBrk="1" fontAlgn="auto" latinLnBrk="1" hangingPunct="1">
+                        <a:lnSpc>
+                          <a:spcPct val="100000"/>
+                        </a:lnSpc>
+                        <a:spcBef>
+                          <a:spcPts val="0"/>
+                        </a:spcBef>
+                        <a:spcAft>
+                          <a:spcPts val="0"/>
+                        </a:spcAft>
+                        <a:buClrTx/>
+                        <a:buSzTx/>
+                        <a:buFontTx/>
+                        <a:buNone/>
+                        <a:tabLst/>
+                        <a:defRPr/>
+                      </a:pPr>
+                      <a:r>
+                        <a:rPr kumimoji="0" lang="en-US" altLang="ko-KR" sz="1050" b="0" i="0" u="none" strike="noStrike" kern="1200" cap="none" spc="0" normalizeH="0" baseline="0" noProof="0" dirty="0" smtClean="0">
+                          <a:ln>
+                            <a:noFill/>
+                          </a:ln>
+                          <a:solidFill>
+                            <a:schemeClr val="tx1"/>
+                          </a:solidFill>
+                          <a:effectLst/>
+                          <a:uLnTx/>
+                          <a:uFillTx/>
+                          <a:latin typeface="D2Coding" panose="020B0609020101020101" pitchFamily="49" charset="-127"/>
+                          <a:ea typeface="D2Coding" panose="020B0609020101020101" pitchFamily="49" charset="-127"/>
+                          <a:cs typeface="+mn-cs"/>
+                        </a:rPr>
+                        <a:t>        </a:t>
+                      </a:r>
+                      <a:r>
+                        <a:rPr kumimoji="0" lang="ko-KR" altLang="en-US" sz="1050" b="0" i="0" u="none" strike="noStrike" kern="1200" cap="none" spc="0" normalizeH="0" baseline="0" noProof="0" dirty="0" smtClean="0">
+                          <a:ln>
+                            <a:noFill/>
+                          </a:ln>
+                          <a:solidFill>
+                            <a:schemeClr val="tx1"/>
+                          </a:solidFill>
+                          <a:effectLst/>
+                          <a:uLnTx/>
+                          <a:uFillTx/>
+                          <a:latin typeface="D2Coding" panose="020B0609020101020101" pitchFamily="49" charset="-127"/>
+                          <a:ea typeface="D2Coding" panose="020B0609020101020101" pitchFamily="49" charset="-127"/>
+                          <a:cs typeface="+mn-cs"/>
+                        </a:rPr>
+                        <a:t>공모전 소식 공지</a:t>
+                      </a:r>
+                      <a:endParaRPr kumimoji="0" lang="en-US" altLang="ko-KR" sz="1050" b="0" i="0" u="none" strike="noStrike" kern="1200" cap="none" spc="0" normalizeH="0" baseline="0" noProof="0" dirty="0" smtClean="0">
+                        <a:ln>
+                          <a:noFill/>
+                        </a:ln>
+                        <a:solidFill>
+                          <a:schemeClr val="tx1"/>
+                        </a:solidFill>
+                        <a:effectLst/>
+                        <a:uLnTx/>
+                        <a:uFillTx/>
+                        <a:latin typeface="D2Coding" panose="020B0609020101020101" pitchFamily="49" charset="-127"/>
+                        <a:ea typeface="D2Coding" panose="020B0609020101020101" pitchFamily="49" charset="-127"/>
+                        <a:cs typeface="+mn-cs"/>
+                      </a:endParaRPr>
+                    </a:p>
+                  </a:txBody>
+                  <a:tcPr marL="82296" marR="82296">
+                    <a:lnL w="28575" cap="flat" cmpd="sng" algn="ctr">
+                      <a:solidFill>
+                        <a:schemeClr val="tx1"/>
+                      </a:solidFill>
+                      <a:prstDash val="solid"/>
+                      <a:round/>
+                      <a:headEnd type="none" w="med" len="med"/>
+                      <a:tailEnd type="none" w="med" len="med"/>
+                    </a:lnL>
+                    <a:lnR w="28575" cap="flat" cmpd="sng" algn="ctr">
+                      <a:solidFill>
+                        <a:schemeClr val="tx1"/>
+                      </a:solidFill>
+                      <a:prstDash val="solid"/>
+                      <a:round/>
+                      <a:headEnd type="none" w="med" len="med"/>
+                      <a:tailEnd type="none" w="med" len="med"/>
+                    </a:lnR>
+                    <a:lnT w="28575" cap="flat" cmpd="sng" algn="ctr">
+                      <a:solidFill>
+                        <a:schemeClr val="tx1"/>
+                      </a:solidFill>
+                      <a:prstDash val="solid"/>
+                      <a:round/>
+                      <a:headEnd type="none" w="med" len="med"/>
+                      <a:tailEnd type="none" w="med" len="med"/>
+                    </a:lnT>
+                    <a:lnB w="28575" cap="flat" cmpd="sng" algn="ctr">
+                      <a:solidFill>
+                        <a:schemeClr val="tx1"/>
+                      </a:solidFill>
+                      <a:prstDash val="solid"/>
+                      <a:round/>
+                      <a:headEnd type="none" w="med" len="med"/>
+                      <a:tailEnd type="none" w="med" len="med"/>
+                    </a:lnB>
+                  </a:tcPr>
+                </a:tc>
+                <a:tc rowSpan="2">
+                  <a:txBody>
+                    <a:bodyPr/>
+                    <a:lstStyle/>
+                    <a:p>
+                      <a:pPr marL="0" marR="0" lvl="0" indent="0" algn="r" defTabSz="914400" rtl="0" eaLnBrk="1" fontAlgn="auto" latinLnBrk="1" hangingPunct="1">
+                        <a:lnSpc>
+                          <a:spcPct val="100000"/>
+                        </a:lnSpc>
+                        <a:spcBef>
+                          <a:spcPts val="0"/>
+                        </a:spcBef>
+                        <a:spcAft>
+                          <a:spcPts val="0"/>
+                        </a:spcAft>
+                        <a:buClrTx/>
+                        <a:buSzTx/>
+                        <a:buFontTx/>
+                        <a:buNone/>
+                        <a:tabLst/>
+                        <a:defRPr/>
+                      </a:pPr>
+                      <a:r>
+                        <a:rPr kumimoji="0" lang="ko-KR" altLang="en-US" sz="1200" b="1" i="0" u="none" strike="noStrike" kern="1200" cap="none" spc="0" normalizeH="0" baseline="0" noProof="0" dirty="0" smtClean="0">
+                          <a:ln>
+                            <a:noFill/>
+                          </a:ln>
+                          <a:solidFill>
+                            <a:srgbClr val="92D050"/>
+                          </a:solidFill>
+                          <a:effectLst/>
+                          <a:uLnTx/>
+                          <a:uFillTx/>
+                          <a:latin typeface="D2Coding" panose="020B0609020101020101" pitchFamily="49" charset="-127"/>
+                          <a:ea typeface="D2Coding" panose="020B0609020101020101" pitchFamily="49" charset="-127"/>
+                          <a:cs typeface="+mn-cs"/>
+                        </a:rPr>
+                        <a:t>        고객 세그먼트</a:t>
+                      </a:r>
+                      <a:endParaRPr kumimoji="0" lang="en-US" altLang="ko-KR" sz="1200" b="1" i="0" u="none" strike="noStrike" kern="1200" cap="none" spc="0" normalizeH="0" baseline="0" noProof="0" dirty="0" smtClean="0">
+                        <a:ln>
+                          <a:noFill/>
+                        </a:ln>
+                        <a:solidFill>
+                          <a:srgbClr val="92D050"/>
+                        </a:solidFill>
+                        <a:effectLst/>
+                        <a:uLnTx/>
+                        <a:uFillTx/>
+                        <a:latin typeface="D2Coding" panose="020B0609020101020101" pitchFamily="49" charset="-127"/>
+                        <a:ea typeface="D2Coding" panose="020B0609020101020101" pitchFamily="49" charset="-127"/>
+                        <a:cs typeface="+mn-cs"/>
+                      </a:endParaRPr>
+                    </a:p>
+                    <a:p>
+                      <a:pPr marL="0" marR="0" lvl="0" indent="0" algn="r" defTabSz="914400" rtl="0" eaLnBrk="1" fontAlgn="auto" latinLnBrk="1" hangingPunct="1">
+                        <a:lnSpc>
+                          <a:spcPct val="100000"/>
+                        </a:lnSpc>
+                        <a:spcBef>
+                          <a:spcPts val="0"/>
+                        </a:spcBef>
+                        <a:spcAft>
+                          <a:spcPts val="0"/>
+                        </a:spcAft>
+                        <a:buClrTx/>
+                        <a:buSzTx/>
+                        <a:buFontTx/>
+                        <a:buNone/>
+                        <a:tabLst/>
+                        <a:defRPr/>
+                      </a:pPr>
+                      <a:endParaRPr kumimoji="0" lang="en-US" altLang="ko-KR" sz="1050" b="0" i="0" u="none" strike="noStrike" kern="1200" cap="none" spc="0" normalizeH="0" baseline="0" noProof="0" dirty="0" smtClean="0">
+                        <a:ln>
+                          <a:noFill/>
+                        </a:ln>
+                        <a:solidFill>
+                          <a:schemeClr val="tx1"/>
+                        </a:solidFill>
+                        <a:effectLst/>
+                        <a:uLnTx/>
+                        <a:uFillTx/>
+                        <a:latin typeface="D2Coding" panose="020B0609020101020101" pitchFamily="49" charset="-127"/>
+                        <a:ea typeface="D2Coding" panose="020B0609020101020101" pitchFamily="49" charset="-127"/>
+                        <a:cs typeface="+mn-cs"/>
+                      </a:endParaRPr>
+                    </a:p>
+                    <a:p>
+                      <a:pPr marL="0" marR="0" lvl="0" indent="0" algn="r" defTabSz="914400" rtl="0" eaLnBrk="1" fontAlgn="auto" latinLnBrk="1" hangingPunct="1">
+                        <a:lnSpc>
+                          <a:spcPct val="100000"/>
+                        </a:lnSpc>
+                        <a:spcBef>
+                          <a:spcPts val="0"/>
+                        </a:spcBef>
+                        <a:spcAft>
+                          <a:spcPts val="0"/>
+                        </a:spcAft>
+                        <a:buClrTx/>
+                        <a:buSzTx/>
+                        <a:buFontTx/>
+                        <a:buNone/>
+                        <a:tabLst/>
+                        <a:defRPr/>
+                      </a:pPr>
+                      <a:endParaRPr kumimoji="0" lang="en-US" altLang="ko-KR" sz="1050" b="0" i="0" u="none" strike="noStrike" kern="1200" cap="none" spc="0" normalizeH="0" baseline="0" noProof="0" dirty="0" smtClean="0">
+                        <a:ln>
+                          <a:noFill/>
+                        </a:ln>
+                        <a:solidFill>
+                          <a:schemeClr val="tx1"/>
+                        </a:solidFill>
+                        <a:effectLst/>
+                        <a:uLnTx/>
+                        <a:uFillTx/>
+                        <a:latin typeface="D2Coding" panose="020B0609020101020101" pitchFamily="49" charset="-127"/>
+                        <a:ea typeface="D2Coding" panose="020B0609020101020101" pitchFamily="49" charset="-127"/>
+                        <a:cs typeface="+mn-cs"/>
+                      </a:endParaRPr>
+                    </a:p>
+                    <a:p>
+                      <a:pPr marL="0" marR="0" lvl="0" indent="0" algn="r" defTabSz="914400" rtl="0" eaLnBrk="1" fontAlgn="auto" latinLnBrk="1" hangingPunct="1">
+                        <a:lnSpc>
+                          <a:spcPct val="100000"/>
+                        </a:lnSpc>
+                        <a:spcBef>
+                          <a:spcPts val="0"/>
+                        </a:spcBef>
+                        <a:spcAft>
+                          <a:spcPts val="0"/>
+                        </a:spcAft>
+                        <a:buClrTx/>
+                        <a:buSzTx/>
+                        <a:buFontTx/>
+                        <a:buNone/>
+                        <a:tabLst/>
+                        <a:defRPr/>
+                      </a:pPr>
+                      <a:r>
+                        <a:rPr kumimoji="0" lang="ko-KR" altLang="en-US" sz="1050" b="0" i="0" u="none" strike="noStrike" kern="1200" cap="none" spc="0" normalizeH="0" baseline="0" noProof="0" dirty="0" smtClean="0">
+                          <a:ln>
+                            <a:noFill/>
+                          </a:ln>
+                          <a:solidFill>
+                            <a:schemeClr val="tx1"/>
+                          </a:solidFill>
+                          <a:effectLst/>
+                          <a:uLnTx/>
+                          <a:uFillTx/>
+                          <a:latin typeface="D2Coding" panose="020B0609020101020101" pitchFamily="49" charset="-127"/>
+                          <a:ea typeface="D2Coding" panose="020B0609020101020101" pitchFamily="49" charset="-127"/>
+                          <a:cs typeface="+mn-cs"/>
+                        </a:rPr>
+                        <a:t>게임</a:t>
+                      </a:r>
+                      <a:r>
+                        <a:rPr kumimoji="0" lang="en-US" altLang="ko-KR" sz="1050" b="0" i="0" u="none" strike="noStrike" kern="1200" cap="none" spc="0" normalizeH="0" baseline="0" noProof="0" dirty="0" smtClean="0">
+                          <a:ln>
+                            <a:noFill/>
+                          </a:ln>
+                          <a:solidFill>
+                            <a:schemeClr val="tx1"/>
+                          </a:solidFill>
+                          <a:effectLst/>
+                          <a:uLnTx/>
+                          <a:uFillTx/>
+                          <a:latin typeface="D2Coding" panose="020B0609020101020101" pitchFamily="49" charset="-127"/>
+                          <a:ea typeface="D2Coding" panose="020B0609020101020101" pitchFamily="49" charset="-127"/>
+                          <a:cs typeface="+mn-cs"/>
+                        </a:rPr>
+                        <a:t>/IT</a:t>
+                      </a:r>
+                      <a:r>
+                        <a:rPr kumimoji="0" lang="ko-KR" altLang="en-US" sz="1050" b="0" i="0" u="none" strike="noStrike" kern="1200" cap="none" spc="0" normalizeH="0" baseline="0" noProof="0" dirty="0" smtClean="0">
+                          <a:ln>
+                            <a:noFill/>
+                          </a:ln>
+                          <a:solidFill>
+                            <a:schemeClr val="tx1"/>
+                          </a:solidFill>
+                          <a:effectLst/>
+                          <a:uLnTx/>
+                          <a:uFillTx/>
+                          <a:latin typeface="D2Coding" panose="020B0609020101020101" pitchFamily="49" charset="-127"/>
+                          <a:ea typeface="D2Coding" panose="020B0609020101020101" pitchFamily="49" charset="-127"/>
+                          <a:cs typeface="+mn-cs"/>
+                        </a:rPr>
+                        <a:t> 공모전에</a:t>
+                      </a:r>
+                      <a:endParaRPr kumimoji="0" lang="en-US" altLang="ko-KR" sz="1050" b="0" i="0" u="none" strike="noStrike" kern="1200" cap="none" spc="0" normalizeH="0" baseline="0" noProof="0" dirty="0" smtClean="0">
+                        <a:ln>
+                          <a:noFill/>
+                        </a:ln>
+                        <a:solidFill>
+                          <a:schemeClr val="tx1"/>
+                        </a:solidFill>
+                        <a:effectLst/>
+                        <a:uLnTx/>
+                        <a:uFillTx/>
+                        <a:latin typeface="D2Coding" panose="020B0609020101020101" pitchFamily="49" charset="-127"/>
+                        <a:ea typeface="D2Coding" panose="020B0609020101020101" pitchFamily="49" charset="-127"/>
+                        <a:cs typeface="+mn-cs"/>
+                      </a:endParaRPr>
+                    </a:p>
+                    <a:p>
+                      <a:pPr marL="0" marR="0" lvl="0" indent="0" algn="r" defTabSz="914400" rtl="0" eaLnBrk="1" fontAlgn="auto" latinLnBrk="1" hangingPunct="1">
+                        <a:lnSpc>
+                          <a:spcPct val="100000"/>
+                        </a:lnSpc>
+                        <a:spcBef>
+                          <a:spcPts val="0"/>
+                        </a:spcBef>
+                        <a:spcAft>
+                          <a:spcPts val="0"/>
+                        </a:spcAft>
+                        <a:buClrTx/>
+                        <a:buSzTx/>
+                        <a:buFontTx/>
+                        <a:buNone/>
+                        <a:tabLst/>
+                        <a:defRPr/>
+                      </a:pPr>
+                      <a:endParaRPr kumimoji="0" lang="en-US" altLang="ko-KR" sz="1050" b="0" i="0" u="none" strike="noStrike" kern="1200" cap="none" spc="0" normalizeH="0" baseline="0" noProof="0" dirty="0" smtClean="0">
+                        <a:ln>
+                          <a:noFill/>
+                        </a:ln>
+                        <a:solidFill>
+                          <a:schemeClr val="tx1"/>
+                        </a:solidFill>
+                        <a:effectLst/>
+                        <a:uLnTx/>
+                        <a:uFillTx/>
+                        <a:latin typeface="D2Coding" panose="020B0609020101020101" pitchFamily="49" charset="-127"/>
+                        <a:ea typeface="D2Coding" panose="020B0609020101020101" pitchFamily="49" charset="-127"/>
+                        <a:cs typeface="+mn-cs"/>
+                      </a:endParaRPr>
+                    </a:p>
+                    <a:p>
+                      <a:pPr marL="0" marR="0" lvl="0" indent="0" algn="r" defTabSz="914400" rtl="0" eaLnBrk="1" fontAlgn="auto" latinLnBrk="1" hangingPunct="1">
+                        <a:lnSpc>
+                          <a:spcPct val="100000"/>
+                        </a:lnSpc>
+                        <a:spcBef>
+                          <a:spcPts val="0"/>
+                        </a:spcBef>
+                        <a:spcAft>
+                          <a:spcPts val="0"/>
+                        </a:spcAft>
+                        <a:buClrTx/>
+                        <a:buSzTx/>
+                        <a:buFontTx/>
+                        <a:buNone/>
+                        <a:tabLst/>
+                        <a:defRPr/>
+                      </a:pPr>
+                      <a:r>
+                        <a:rPr kumimoji="0" lang="ko-KR" altLang="en-US" sz="1050" b="0" i="0" u="none" strike="noStrike" kern="1200" cap="none" spc="0" normalizeH="0" baseline="0" noProof="0" dirty="0" smtClean="0">
+                          <a:ln>
+                            <a:noFill/>
+                          </a:ln>
+                          <a:solidFill>
+                            <a:schemeClr val="tx1"/>
+                          </a:solidFill>
+                          <a:effectLst/>
+                          <a:uLnTx/>
+                          <a:uFillTx/>
+                          <a:latin typeface="D2Coding" panose="020B0609020101020101" pitchFamily="49" charset="-127"/>
+                          <a:ea typeface="D2Coding" panose="020B0609020101020101" pitchFamily="49" charset="-127"/>
+                          <a:cs typeface="+mn-cs"/>
+                        </a:rPr>
+                        <a:t>참가할 의향이 있는</a:t>
+                      </a:r>
+                      <a:endParaRPr kumimoji="0" lang="en-US" altLang="ko-KR" sz="1050" b="0" i="0" u="none" strike="noStrike" kern="1200" cap="none" spc="0" normalizeH="0" baseline="0" noProof="0" dirty="0" smtClean="0">
+                        <a:ln>
+                          <a:noFill/>
+                        </a:ln>
+                        <a:solidFill>
+                          <a:schemeClr val="tx1"/>
+                        </a:solidFill>
+                        <a:effectLst/>
+                        <a:uLnTx/>
+                        <a:uFillTx/>
+                        <a:latin typeface="D2Coding" panose="020B0609020101020101" pitchFamily="49" charset="-127"/>
+                        <a:ea typeface="D2Coding" panose="020B0609020101020101" pitchFamily="49" charset="-127"/>
+                        <a:cs typeface="+mn-cs"/>
+                      </a:endParaRPr>
+                    </a:p>
+                    <a:p>
+                      <a:pPr marL="0" marR="0" lvl="0" indent="0" algn="r" defTabSz="914400" rtl="0" eaLnBrk="1" fontAlgn="auto" latinLnBrk="1" hangingPunct="1">
+                        <a:lnSpc>
+                          <a:spcPct val="100000"/>
+                        </a:lnSpc>
+                        <a:spcBef>
+                          <a:spcPts val="0"/>
+                        </a:spcBef>
+                        <a:spcAft>
+                          <a:spcPts val="0"/>
+                        </a:spcAft>
+                        <a:buClrTx/>
+                        <a:buSzTx/>
+                        <a:buFontTx/>
+                        <a:buNone/>
+                        <a:tabLst/>
+                        <a:defRPr/>
+                      </a:pPr>
+                      <a:endParaRPr kumimoji="0" lang="en-US" altLang="ko-KR" sz="1050" b="0" i="0" u="none" strike="noStrike" kern="1200" cap="none" spc="0" normalizeH="0" baseline="0" noProof="0" dirty="0" smtClean="0">
+                        <a:ln>
+                          <a:noFill/>
+                        </a:ln>
+                        <a:solidFill>
+                          <a:schemeClr val="tx1"/>
+                        </a:solidFill>
+                        <a:effectLst/>
+                        <a:uLnTx/>
+                        <a:uFillTx/>
+                        <a:latin typeface="D2Coding" panose="020B0609020101020101" pitchFamily="49" charset="-127"/>
+                        <a:ea typeface="D2Coding" panose="020B0609020101020101" pitchFamily="49" charset="-127"/>
+                        <a:cs typeface="+mn-cs"/>
+                      </a:endParaRPr>
+                    </a:p>
+                    <a:p>
+                      <a:pPr marL="0" marR="0" lvl="0" indent="0" algn="r" defTabSz="914400" rtl="0" eaLnBrk="1" fontAlgn="auto" latinLnBrk="1" hangingPunct="1">
+                        <a:lnSpc>
+                          <a:spcPct val="100000"/>
+                        </a:lnSpc>
+                        <a:spcBef>
+                          <a:spcPts val="0"/>
+                        </a:spcBef>
+                        <a:spcAft>
+                          <a:spcPts val="0"/>
+                        </a:spcAft>
+                        <a:buClrTx/>
+                        <a:buSzTx/>
+                        <a:buFontTx/>
+                        <a:buNone/>
+                        <a:tabLst/>
+                        <a:defRPr/>
+                      </a:pPr>
+                      <a:r>
+                        <a:rPr kumimoji="0" lang="en-US" altLang="ko-KR" sz="1050" b="0" i="0" u="none" strike="noStrike" kern="1200" cap="none" spc="0" normalizeH="0" baseline="0" noProof="0" dirty="0" smtClean="0">
+                          <a:ln>
+                            <a:noFill/>
+                          </a:ln>
+                          <a:solidFill>
+                            <a:schemeClr val="tx1"/>
+                          </a:solidFill>
+                          <a:effectLst/>
+                          <a:uLnTx/>
+                          <a:uFillTx/>
+                          <a:latin typeface="D2Coding" panose="020B0609020101020101" pitchFamily="49" charset="-127"/>
+                          <a:ea typeface="D2Coding" panose="020B0609020101020101" pitchFamily="49" charset="-127"/>
+                          <a:cs typeface="+mn-cs"/>
+                        </a:rPr>
+                        <a:t>10</a:t>
+                      </a:r>
+                      <a:r>
+                        <a:rPr kumimoji="0" lang="ko-KR" altLang="en-US" sz="1050" b="0" i="0" u="none" strike="noStrike" kern="1200" cap="none" spc="0" normalizeH="0" baseline="0" noProof="0" dirty="0" smtClean="0">
+                          <a:ln>
+                            <a:noFill/>
+                          </a:ln>
+                          <a:solidFill>
+                            <a:schemeClr val="tx1"/>
+                          </a:solidFill>
+                          <a:effectLst/>
+                          <a:uLnTx/>
+                          <a:uFillTx/>
+                          <a:latin typeface="D2Coding" panose="020B0609020101020101" pitchFamily="49" charset="-127"/>
+                          <a:ea typeface="D2Coding" panose="020B0609020101020101" pitchFamily="49" charset="-127"/>
+                          <a:cs typeface="+mn-cs"/>
+                        </a:rPr>
+                        <a:t>대 중반</a:t>
+                      </a:r>
+                      <a:r>
+                        <a:rPr kumimoji="0" lang="en-US" altLang="ko-KR" sz="1050" b="0" i="0" u="none" strike="noStrike" kern="1200" cap="none" spc="0" normalizeH="0" baseline="0" noProof="0" dirty="0" smtClean="0">
+                          <a:ln>
+                            <a:noFill/>
+                          </a:ln>
+                          <a:solidFill>
+                            <a:schemeClr val="tx1"/>
+                          </a:solidFill>
+                          <a:effectLst/>
+                          <a:uLnTx/>
+                          <a:uFillTx/>
+                          <a:latin typeface="D2Coding" panose="020B0609020101020101" pitchFamily="49" charset="-127"/>
+                          <a:ea typeface="D2Coding" panose="020B0609020101020101" pitchFamily="49" charset="-127"/>
+                          <a:cs typeface="+mn-cs"/>
+                        </a:rPr>
+                        <a:t>~20</a:t>
+                      </a:r>
+                      <a:r>
+                        <a:rPr kumimoji="0" lang="ko-KR" altLang="en-US" sz="1050" b="0" i="0" u="none" strike="noStrike" kern="1200" cap="none" spc="0" normalizeH="0" baseline="0" noProof="0" dirty="0" smtClean="0">
+                          <a:ln>
+                            <a:noFill/>
+                          </a:ln>
+                          <a:solidFill>
+                            <a:schemeClr val="tx1"/>
+                          </a:solidFill>
+                          <a:effectLst/>
+                          <a:uLnTx/>
+                          <a:uFillTx/>
+                          <a:latin typeface="D2Coding" panose="020B0609020101020101" pitchFamily="49" charset="-127"/>
+                          <a:ea typeface="D2Coding" panose="020B0609020101020101" pitchFamily="49" charset="-127"/>
+                          <a:cs typeface="+mn-cs"/>
+                        </a:rPr>
+                        <a:t>대</a:t>
+                      </a:r>
+                      <a:r>
+                        <a:rPr kumimoji="0" lang="en-US" altLang="ko-KR" sz="1050" b="0" i="0" u="none" strike="noStrike" kern="1200" cap="none" spc="0" normalizeH="0" baseline="0" noProof="0" dirty="0" smtClean="0">
+                          <a:ln>
+                            <a:noFill/>
+                          </a:ln>
+                          <a:solidFill>
+                            <a:schemeClr val="tx1"/>
+                          </a:solidFill>
+                          <a:effectLst/>
+                          <a:uLnTx/>
+                          <a:uFillTx/>
+                          <a:latin typeface="D2Coding" panose="020B0609020101020101" pitchFamily="49" charset="-127"/>
+                          <a:ea typeface="D2Coding" panose="020B0609020101020101" pitchFamily="49" charset="-127"/>
+                          <a:cs typeface="+mn-cs"/>
+                        </a:rPr>
+                        <a:t> </a:t>
+                      </a:r>
+                      <a:r>
+                        <a:rPr kumimoji="0" lang="ko-KR" altLang="en-US" sz="1050" b="0" i="0" u="none" strike="noStrike" kern="1200" cap="none" spc="0" normalizeH="0" baseline="0" noProof="0" dirty="0" smtClean="0">
+                          <a:ln>
+                            <a:noFill/>
+                          </a:ln>
+                          <a:solidFill>
+                            <a:schemeClr val="tx1"/>
+                          </a:solidFill>
+                          <a:effectLst/>
+                          <a:uLnTx/>
+                          <a:uFillTx/>
+                          <a:latin typeface="D2Coding" panose="020B0609020101020101" pitchFamily="49" charset="-127"/>
+                          <a:ea typeface="D2Coding" panose="020B0609020101020101" pitchFamily="49" charset="-127"/>
+                          <a:cs typeface="+mn-cs"/>
+                        </a:rPr>
+                        <a:t>중반</a:t>
+                      </a:r>
+                      <a:endParaRPr kumimoji="0" lang="en-US" altLang="ko-KR" sz="1050" b="0" i="0" u="none" strike="noStrike" kern="1200" cap="none" spc="0" normalizeH="0" baseline="0" noProof="0" dirty="0" smtClean="0">
+                        <a:ln>
+                          <a:noFill/>
+                        </a:ln>
+                        <a:solidFill>
+                          <a:schemeClr val="tx1"/>
+                        </a:solidFill>
+                        <a:effectLst/>
+                        <a:uLnTx/>
+                        <a:uFillTx/>
+                        <a:latin typeface="D2Coding" panose="020B0609020101020101" pitchFamily="49" charset="-127"/>
+                        <a:ea typeface="D2Coding" panose="020B0609020101020101" pitchFamily="49" charset="-127"/>
+                        <a:cs typeface="+mn-cs"/>
+                      </a:endParaRPr>
+                    </a:p>
+                    <a:p>
+                      <a:pPr marL="0" marR="0" lvl="0" indent="0" algn="r" defTabSz="914400" rtl="0" eaLnBrk="1" fontAlgn="auto" latinLnBrk="1" hangingPunct="1">
+                        <a:lnSpc>
+                          <a:spcPct val="100000"/>
+                        </a:lnSpc>
+                        <a:spcBef>
+                          <a:spcPts val="0"/>
+                        </a:spcBef>
+                        <a:spcAft>
+                          <a:spcPts val="0"/>
+                        </a:spcAft>
+                        <a:buClrTx/>
+                        <a:buSzTx/>
+                        <a:buFontTx/>
+                        <a:buNone/>
+                        <a:tabLst/>
+                        <a:defRPr/>
+                      </a:pPr>
+                      <a:endParaRPr kumimoji="0" lang="en-US" altLang="ko-KR" sz="1050" b="0" i="0" u="none" strike="noStrike" kern="1200" cap="none" spc="0" normalizeH="0" baseline="0" noProof="0" dirty="0" smtClean="0">
+                        <a:ln>
+                          <a:noFill/>
+                        </a:ln>
+                        <a:solidFill>
+                          <a:schemeClr val="tx1"/>
+                        </a:solidFill>
+                        <a:effectLst/>
+                        <a:uLnTx/>
+                        <a:uFillTx/>
+                        <a:latin typeface="D2Coding" panose="020B0609020101020101" pitchFamily="49" charset="-127"/>
+                        <a:ea typeface="D2Coding" panose="020B0609020101020101" pitchFamily="49" charset="-127"/>
+                        <a:cs typeface="+mn-cs"/>
+                      </a:endParaRPr>
+                    </a:p>
+                    <a:p>
+                      <a:pPr marL="0" marR="0" lvl="0" indent="0" algn="r" defTabSz="914400" rtl="0" eaLnBrk="1" fontAlgn="auto" latinLnBrk="1" hangingPunct="1">
+                        <a:lnSpc>
+                          <a:spcPct val="100000"/>
+                        </a:lnSpc>
+                        <a:spcBef>
+                          <a:spcPts val="0"/>
+                        </a:spcBef>
+                        <a:spcAft>
+                          <a:spcPts val="0"/>
+                        </a:spcAft>
+                        <a:buClrTx/>
+                        <a:buSzTx/>
+                        <a:buFontTx/>
+                        <a:buNone/>
+                        <a:tabLst/>
+                        <a:defRPr/>
+                      </a:pPr>
+                      <a:r>
+                        <a:rPr kumimoji="0" lang="ko-KR" altLang="en-US" sz="1050" b="0" i="0" u="none" strike="noStrike" kern="1200" cap="none" spc="0" normalizeH="0" baseline="0" noProof="0" dirty="0" smtClean="0">
+                          <a:ln>
+                            <a:noFill/>
+                          </a:ln>
+                          <a:solidFill>
+                            <a:schemeClr val="tx1"/>
+                          </a:solidFill>
+                          <a:effectLst/>
+                          <a:uLnTx/>
+                          <a:uFillTx/>
+                          <a:latin typeface="D2Coding" panose="020B0609020101020101" pitchFamily="49" charset="-127"/>
+                          <a:ea typeface="D2Coding" panose="020B0609020101020101" pitchFamily="49" charset="-127"/>
+                          <a:cs typeface="+mn-cs"/>
+                        </a:rPr>
+                        <a:t>프로그래머</a:t>
+                      </a:r>
+                      <a:r>
+                        <a:rPr kumimoji="0" lang="en-US" altLang="ko-KR" sz="1050" b="0" i="0" u="none" strike="noStrike" kern="1200" cap="none" spc="0" normalizeH="0" baseline="0" noProof="0" dirty="0" smtClean="0">
+                          <a:ln>
+                            <a:noFill/>
+                          </a:ln>
+                          <a:solidFill>
+                            <a:schemeClr val="tx1"/>
+                          </a:solidFill>
+                          <a:effectLst/>
+                          <a:uLnTx/>
+                          <a:uFillTx/>
+                          <a:latin typeface="D2Coding" panose="020B0609020101020101" pitchFamily="49" charset="-127"/>
+                          <a:ea typeface="D2Coding" panose="020B0609020101020101" pitchFamily="49" charset="-127"/>
+                          <a:cs typeface="+mn-cs"/>
+                        </a:rPr>
+                        <a:t>/</a:t>
+                      </a:r>
+                      <a:r>
+                        <a:rPr kumimoji="0" lang="ko-KR" altLang="en-US" sz="1050" b="0" i="0" u="none" strike="noStrike" kern="1200" cap="none" spc="0" normalizeH="0" baseline="0" noProof="0" dirty="0" smtClean="0">
+                          <a:ln>
+                            <a:noFill/>
+                          </a:ln>
+                          <a:solidFill>
+                            <a:schemeClr val="tx1"/>
+                          </a:solidFill>
+                          <a:effectLst/>
+                          <a:uLnTx/>
+                          <a:uFillTx/>
+                          <a:latin typeface="D2Coding" panose="020B0609020101020101" pitchFamily="49" charset="-127"/>
+                          <a:ea typeface="D2Coding" panose="020B0609020101020101" pitchFamily="49" charset="-127"/>
+                          <a:cs typeface="+mn-cs"/>
+                        </a:rPr>
+                        <a:t>디자이너</a:t>
+                      </a:r>
+                      <a:endParaRPr kumimoji="0" lang="en-US" altLang="ko-KR" sz="1050" b="0" i="0" u="none" strike="noStrike" kern="1200" cap="none" spc="0" normalizeH="0" baseline="0" noProof="0" dirty="0" smtClean="0">
+                        <a:ln>
+                          <a:noFill/>
+                        </a:ln>
+                        <a:solidFill>
+                          <a:schemeClr val="tx1"/>
+                        </a:solidFill>
+                        <a:effectLst/>
+                        <a:uLnTx/>
+                        <a:uFillTx/>
+                        <a:latin typeface="D2Coding" panose="020B0609020101020101" pitchFamily="49" charset="-127"/>
+                        <a:ea typeface="D2Coding" panose="020B0609020101020101" pitchFamily="49" charset="-127"/>
+                        <a:cs typeface="+mn-cs"/>
+                      </a:endParaRPr>
+                    </a:p>
+                    <a:p>
+                      <a:pPr marL="0" marR="0" lvl="0" indent="0" algn="r" defTabSz="914400" rtl="0" eaLnBrk="1" fontAlgn="auto" latinLnBrk="1" hangingPunct="1">
+                        <a:lnSpc>
+                          <a:spcPct val="100000"/>
+                        </a:lnSpc>
+                        <a:spcBef>
+                          <a:spcPts val="0"/>
+                        </a:spcBef>
+                        <a:spcAft>
+                          <a:spcPts val="0"/>
+                        </a:spcAft>
+                        <a:buClrTx/>
+                        <a:buSzTx/>
+                        <a:buFontTx/>
+                        <a:buNone/>
+                        <a:tabLst/>
+                        <a:defRPr/>
+                      </a:pPr>
+                      <a:endParaRPr kumimoji="0" lang="en-US" altLang="ko-KR" sz="1050" b="0" i="0" u="none" strike="noStrike" kern="1200" cap="none" spc="0" normalizeH="0" baseline="0" noProof="0" dirty="0" smtClean="0">
+                        <a:ln>
+                          <a:noFill/>
+                        </a:ln>
+                        <a:solidFill>
+                          <a:schemeClr val="tx1"/>
+                        </a:solidFill>
+                        <a:effectLst/>
+                        <a:uLnTx/>
+                        <a:uFillTx/>
+                        <a:latin typeface="D2Coding" panose="020B0609020101020101" pitchFamily="49" charset="-127"/>
+                        <a:ea typeface="D2Coding" panose="020B0609020101020101" pitchFamily="49" charset="-127"/>
+                        <a:cs typeface="+mn-cs"/>
+                      </a:endParaRPr>
+                    </a:p>
+                    <a:p>
+                      <a:pPr marL="0" marR="0" lvl="0" indent="0" algn="r" defTabSz="914400" rtl="0" eaLnBrk="1" fontAlgn="auto" latinLnBrk="1" hangingPunct="1">
+                        <a:lnSpc>
+                          <a:spcPct val="100000"/>
+                        </a:lnSpc>
+                        <a:spcBef>
+                          <a:spcPts val="0"/>
+                        </a:spcBef>
+                        <a:spcAft>
+                          <a:spcPts val="0"/>
+                        </a:spcAft>
+                        <a:buClrTx/>
+                        <a:buSzTx/>
+                        <a:buFontTx/>
+                        <a:buNone/>
+                        <a:tabLst/>
+                        <a:defRPr/>
+                      </a:pPr>
+                      <a:endParaRPr kumimoji="0" lang="en-US" altLang="ko-KR" sz="1050" b="0" i="0" u="none" strike="noStrike" kern="1200" cap="none" spc="0" normalizeH="0" baseline="0" noProof="0" dirty="0" smtClean="0">
+                        <a:ln>
+                          <a:noFill/>
+                        </a:ln>
+                        <a:solidFill>
+                          <a:schemeClr val="tx1"/>
+                        </a:solidFill>
+                        <a:effectLst/>
+                        <a:uLnTx/>
+                        <a:uFillTx/>
+                        <a:latin typeface="D2Coding" panose="020B0609020101020101" pitchFamily="49" charset="-127"/>
+                        <a:ea typeface="D2Coding" panose="020B0609020101020101" pitchFamily="49" charset="-127"/>
+                        <a:cs typeface="+mn-cs"/>
+                      </a:endParaRPr>
+                    </a:p>
+                    <a:p>
+                      <a:pPr marL="0" marR="0" lvl="0" indent="0" algn="r" defTabSz="914400" rtl="0" eaLnBrk="1" fontAlgn="auto" latinLnBrk="1" hangingPunct="1">
+                        <a:lnSpc>
+                          <a:spcPct val="100000"/>
+                        </a:lnSpc>
+                        <a:spcBef>
+                          <a:spcPts val="0"/>
+                        </a:spcBef>
+                        <a:spcAft>
+                          <a:spcPts val="0"/>
+                        </a:spcAft>
+                        <a:buClrTx/>
+                        <a:buSzTx/>
+                        <a:buFontTx/>
+                        <a:buNone/>
+                        <a:tabLst/>
+                        <a:defRPr/>
+                      </a:pPr>
+                      <a:r>
+                        <a:rPr kumimoji="0" lang="ko-KR" altLang="en-US" sz="1050" b="0" i="0" u="none" strike="noStrike" kern="1200" cap="none" spc="0" normalizeH="0" baseline="0" noProof="0" dirty="0" smtClean="0">
+                          <a:ln>
+                            <a:noFill/>
+                          </a:ln>
+                          <a:solidFill>
+                            <a:schemeClr val="tx1"/>
+                          </a:solidFill>
+                          <a:effectLst/>
+                          <a:uLnTx/>
+                          <a:uFillTx/>
+                          <a:latin typeface="D2Coding" panose="020B0609020101020101" pitchFamily="49" charset="-127"/>
+                          <a:ea typeface="D2Coding" panose="020B0609020101020101" pitchFamily="49" charset="-127"/>
+                          <a:cs typeface="+mn-cs"/>
+                        </a:rPr>
+                        <a:t> </a:t>
+                      </a:r>
+                      <a:endParaRPr kumimoji="0" lang="en-AU" altLang="ko-KR" sz="1050" b="0" i="0" u="none" strike="noStrike" kern="1200" cap="none" spc="0" normalizeH="0" baseline="0" noProof="0" dirty="0">
+                        <a:ln>
+                          <a:noFill/>
+                        </a:ln>
+                        <a:solidFill>
+                          <a:schemeClr val="tx1"/>
+                        </a:solidFill>
+                        <a:effectLst/>
+                        <a:uLnTx/>
+                        <a:uFillTx/>
+                        <a:latin typeface="D2Coding" panose="020B0609020101020101" pitchFamily="49" charset="-127"/>
+                        <a:ea typeface="D2Coding" panose="020B0609020101020101" pitchFamily="49" charset="-127"/>
+                        <a:cs typeface="+mn-cs"/>
+                      </a:endParaRPr>
+                    </a:p>
+                  </a:txBody>
+                  <a:tcPr marL="82296" marR="82296">
+                    <a:lnL w="28575" cap="flat" cmpd="sng" algn="ctr">
+                      <a:solidFill>
+                        <a:schemeClr val="tx1"/>
+                      </a:solidFill>
+                      <a:prstDash val="solid"/>
+                      <a:round/>
+                      <a:headEnd type="none" w="med" len="med"/>
+                      <a:tailEnd type="none" w="med" len="med"/>
+                    </a:lnL>
+                    <a:lnR w="28575" cap="flat" cmpd="sng" algn="ctr">
+                      <a:solidFill>
+                        <a:schemeClr val="tx1"/>
+                      </a:solidFill>
+                      <a:prstDash val="solid"/>
+                      <a:round/>
+                      <a:headEnd type="none" w="med" len="med"/>
+                      <a:tailEnd type="none" w="med" len="med"/>
+                    </a:lnR>
+                    <a:lnT w="28575" cap="flat" cmpd="sng" algn="ctr">
+                      <a:solidFill>
+                        <a:schemeClr val="tx1"/>
+                      </a:solidFill>
+                      <a:prstDash val="solid"/>
+                      <a:round/>
+                      <a:headEnd type="none" w="med" len="med"/>
+                      <a:tailEnd type="none" w="med" len="med"/>
+                    </a:lnT>
+                    <a:lnB w="28575" cap="flat" cmpd="sng" algn="ctr">
+                      <a:solidFill>
+                        <a:schemeClr val="tx1"/>
+                      </a:solidFill>
+                      <a:prstDash val="solid"/>
+                      <a:round/>
+                      <a:headEnd type="none" w="med" len="med"/>
+                      <a:tailEnd type="none" w="med" len="med"/>
+                    </a:lnB>
+                  </a:tcPr>
+                </a:tc>
+                <a:extLst>
+                  <a:ext uri="{0D108BD9-81ED-4DB2-BD59-A6C34878D82A}">
+                    <a16:rowId xmlns:a16="http://schemas.microsoft.com/office/drawing/2014/main" val="10000"/>
+                  </a:ext>
+                </a:extLst>
+              </a:tr>
+              <a:tr h="2009775">
+                <a:tc vMerge="1">
+                  <a:txBody>
+                    <a:bodyPr/>
+                    <a:lstStyle/>
+                    <a:p>
+                      <a:pPr latinLnBrk="1"/>
+                      <a:endParaRPr lang="ko-KR" altLang="en-US"/>
+                    </a:p>
+                  </a:txBody>
+                  <a:tcPr/>
+                </a:tc>
+                <a:tc>
+                  <a:txBody>
+                    <a:bodyPr/>
+                    <a:lstStyle/>
+                    <a:p>
+                      <a:pPr algn="r"/>
+                      <a:r>
+                        <a:rPr lang="en-AU" sz="1200" b="1" dirty="0">
+                          <a:latin typeface="D2Coding" panose="020B0609020101020101" pitchFamily="49" charset="-127"/>
+                          <a:ea typeface="D2Coding" panose="020B0609020101020101" pitchFamily="49" charset="-127"/>
+                        </a:rPr>
+                        <a:t>           </a:t>
+                      </a:r>
+                      <a:r>
+                        <a:rPr lang="en-AU" sz="1200" b="1" dirty="0" smtClean="0">
+                          <a:latin typeface="D2Coding" panose="020B0609020101020101" pitchFamily="49" charset="-127"/>
+                          <a:ea typeface="D2Coding" panose="020B0609020101020101" pitchFamily="49" charset="-127"/>
+                        </a:rPr>
+                        <a:t> </a:t>
+                      </a:r>
+                      <a:r>
+                        <a:rPr lang="ko-KR" altLang="en-US" sz="1200" b="1" dirty="0" smtClean="0">
+                          <a:solidFill>
+                            <a:srgbClr val="92D050"/>
+                          </a:solidFill>
+                          <a:latin typeface="D2Coding" panose="020B0609020101020101" pitchFamily="49" charset="-127"/>
+                          <a:ea typeface="D2Coding" panose="020B0609020101020101" pitchFamily="49" charset="-127"/>
+                        </a:rPr>
+                        <a:t>핵심 자원</a:t>
+                      </a:r>
+                      <a:endParaRPr lang="en-AU" altLang="ko-KR" sz="1200" b="0" baseline="0" dirty="0" smtClean="0">
+                        <a:solidFill>
+                          <a:srgbClr val="92D050"/>
+                        </a:solidFill>
+                        <a:latin typeface="D2Coding" panose="020B0609020101020101" pitchFamily="49" charset="-127"/>
+                        <a:ea typeface="D2Coding" panose="020B0609020101020101" pitchFamily="49" charset="-127"/>
+                      </a:endParaRPr>
+                    </a:p>
+                    <a:p>
+                      <a:pPr algn="r"/>
+                      <a:endParaRPr lang="en-AU" sz="1100" b="0" baseline="0" dirty="0">
+                        <a:latin typeface="D2Coding" panose="020B0609020101020101" pitchFamily="49" charset="-127"/>
+                        <a:ea typeface="D2Coding" panose="020B0609020101020101" pitchFamily="49" charset="-127"/>
+                      </a:endParaRPr>
+                    </a:p>
+                    <a:p>
+                      <a:pPr algn="r"/>
+                      <a:r>
+                        <a:rPr lang="en-AU" sz="1100" b="0" dirty="0" smtClean="0">
+                          <a:latin typeface="D2Coding" panose="020B0609020101020101" pitchFamily="49" charset="-127"/>
+                          <a:ea typeface="D2Coding" panose="020B0609020101020101" pitchFamily="49" charset="-127"/>
+                        </a:rPr>
+                        <a:t>     </a:t>
+                      </a:r>
+                      <a:r>
+                        <a:rPr lang="ko-KR" altLang="en-US" sz="1100" b="0" dirty="0" smtClean="0">
+                          <a:latin typeface="D2Coding" panose="020B0609020101020101" pitchFamily="49" charset="-127"/>
+                          <a:ea typeface="D2Coding" panose="020B0609020101020101" pitchFamily="49" charset="-127"/>
+                        </a:rPr>
+                        <a:t>서비스</a:t>
+                      </a:r>
+                      <a:r>
+                        <a:rPr lang="en-AU" sz="1100" b="0" dirty="0" smtClean="0">
+                          <a:latin typeface="D2Coding" panose="020B0609020101020101" pitchFamily="49" charset="-127"/>
+                          <a:ea typeface="D2Coding" panose="020B0609020101020101" pitchFamily="49" charset="-127"/>
+                        </a:rPr>
+                        <a:t> </a:t>
+                      </a:r>
+                      <a:r>
+                        <a:rPr lang="ko-KR" altLang="en-US" sz="1050" b="0" dirty="0" smtClean="0">
+                          <a:latin typeface="D2Coding" panose="020B0609020101020101" pitchFamily="49" charset="-127"/>
+                          <a:ea typeface="D2Coding" panose="020B0609020101020101" pitchFamily="49" charset="-127"/>
+                        </a:rPr>
+                        <a:t>이용자 수</a:t>
+                      </a:r>
+                      <a:endParaRPr lang="en-US" altLang="ko-KR" sz="1050" b="0" dirty="0" smtClean="0">
+                        <a:latin typeface="D2Coding" panose="020B0609020101020101" pitchFamily="49" charset="-127"/>
+                        <a:ea typeface="D2Coding" panose="020B0609020101020101" pitchFamily="49" charset="-127"/>
+                      </a:endParaRPr>
+                    </a:p>
+                    <a:p>
+                      <a:pPr algn="r"/>
+                      <a:endParaRPr lang="en-US" altLang="ko-KR" sz="1050" b="0" dirty="0" smtClean="0">
+                        <a:latin typeface="D2Coding" panose="020B0609020101020101" pitchFamily="49" charset="-127"/>
+                        <a:ea typeface="D2Coding" panose="020B0609020101020101" pitchFamily="49" charset="-127"/>
+                      </a:endParaRPr>
+                    </a:p>
+                    <a:p>
+                      <a:pPr algn="r"/>
+                      <a:r>
+                        <a:rPr lang="ko-KR" altLang="en-US" sz="1050" b="0" dirty="0" smtClean="0">
+                          <a:latin typeface="D2Coding" panose="020B0609020101020101" pitchFamily="49" charset="-127"/>
+                          <a:ea typeface="D2Coding" panose="020B0609020101020101" pitchFamily="49" charset="-127"/>
+                        </a:rPr>
+                        <a:t>  제휴 공모전 기업</a:t>
+                      </a:r>
+                      <a:r>
+                        <a:rPr lang="en-US" altLang="ko-KR" sz="1050" b="0" dirty="0" smtClean="0">
+                          <a:latin typeface="D2Coding" panose="020B0609020101020101" pitchFamily="49" charset="-127"/>
+                          <a:ea typeface="D2Coding" panose="020B0609020101020101" pitchFamily="49" charset="-127"/>
+                        </a:rPr>
+                        <a:t>,</a:t>
+                      </a:r>
+                      <a:r>
+                        <a:rPr lang="en-US" altLang="ko-KR" sz="1050" b="0" baseline="0" dirty="0" smtClean="0">
+                          <a:latin typeface="D2Coding" panose="020B0609020101020101" pitchFamily="49" charset="-127"/>
+                          <a:ea typeface="D2Coding" panose="020B0609020101020101" pitchFamily="49" charset="-127"/>
+                        </a:rPr>
+                        <a:t> </a:t>
+                      </a:r>
+                      <a:r>
+                        <a:rPr lang="ko-KR" altLang="en-US" sz="1050" b="0" baseline="0" dirty="0" smtClean="0">
+                          <a:latin typeface="D2Coding" panose="020B0609020101020101" pitchFamily="49" charset="-127"/>
+                          <a:ea typeface="D2Coding" panose="020B0609020101020101" pitchFamily="49" charset="-127"/>
+                        </a:rPr>
+                        <a:t>기관</a:t>
+                      </a:r>
+                      <a:endParaRPr lang="en-US" altLang="ko-KR" sz="1050" b="0" baseline="0" dirty="0" smtClean="0">
+                        <a:latin typeface="D2Coding" panose="020B0609020101020101" pitchFamily="49" charset="-127"/>
+                        <a:ea typeface="D2Coding" panose="020B0609020101020101" pitchFamily="49" charset="-127"/>
+                      </a:endParaRPr>
+                    </a:p>
+                    <a:p>
+                      <a:pPr algn="r"/>
+                      <a:r>
+                        <a:rPr lang="ko-KR" altLang="en-US" sz="1050" b="0" dirty="0" smtClean="0">
+                          <a:latin typeface="D2Coding" panose="020B0609020101020101" pitchFamily="49" charset="-127"/>
+                          <a:ea typeface="D2Coding" panose="020B0609020101020101" pitchFamily="49" charset="-127"/>
+                        </a:rPr>
+                        <a:t> </a:t>
+                      </a:r>
+                      <a:endParaRPr lang="en-AU" sz="1050" b="0" dirty="0">
+                        <a:latin typeface="D2Coding" panose="020B0609020101020101" pitchFamily="49" charset="-127"/>
+                        <a:ea typeface="D2Coding" panose="020B0609020101020101" pitchFamily="49" charset="-127"/>
+                      </a:endParaRPr>
+                    </a:p>
+                  </a:txBody>
+                  <a:tcPr marL="82296" marR="82296">
+                    <a:lnL w="28575" cap="flat" cmpd="sng" algn="ctr">
+                      <a:solidFill>
+                        <a:schemeClr val="tx1"/>
+                      </a:solidFill>
+                      <a:prstDash val="solid"/>
+                      <a:round/>
+                      <a:headEnd type="none" w="med" len="med"/>
+                      <a:tailEnd type="none" w="med" len="med"/>
+                    </a:lnL>
+                    <a:lnR w="28575" cap="flat" cmpd="sng" algn="ctr">
+                      <a:solidFill>
+                        <a:schemeClr val="tx1"/>
+                      </a:solidFill>
+                      <a:prstDash val="solid"/>
+                      <a:round/>
+                      <a:headEnd type="none" w="med" len="med"/>
+                      <a:tailEnd type="none" w="med" len="med"/>
+                    </a:lnR>
+                    <a:lnT w="28575" cap="flat" cmpd="sng" algn="ctr">
+                      <a:solidFill>
+                        <a:schemeClr val="tx1"/>
+                      </a:solidFill>
+                      <a:prstDash val="solid"/>
+                      <a:round/>
+                      <a:headEnd type="none" w="med" len="med"/>
+                      <a:tailEnd type="none" w="med" len="med"/>
+                    </a:lnT>
+                    <a:lnB w="28575" cap="flat" cmpd="sng" algn="ctr">
+                      <a:solidFill>
+                        <a:schemeClr val="tx1"/>
+                      </a:solidFill>
+                      <a:prstDash val="solid"/>
+                      <a:round/>
+                      <a:headEnd type="none" w="med" len="med"/>
+                      <a:tailEnd type="none" w="med" len="med"/>
+                    </a:lnB>
+                  </a:tcPr>
+                </a:tc>
+                <a:tc gridSpan="2" vMerge="1">
+                  <a:txBody>
+                    <a:bodyPr/>
+                    <a:lstStyle/>
+                    <a:p>
+                      <a:pPr latinLnBrk="1"/>
+                      <a:endParaRPr lang="ko-KR" altLang="en-US"/>
+                    </a:p>
+                  </a:txBody>
+                  <a:tcPr/>
+                </a:tc>
+                <a:tc hMerge="1" vMerge="1">
+                  <a:txBody>
+                    <a:bodyPr/>
+                    <a:lstStyle/>
+                    <a:p>
+                      <a:pPr latinLnBrk="1"/>
+                      <a:endParaRPr lang="ko-KR" altLang="en-US"/>
+                    </a:p>
+                  </a:txBody>
+                  <a:tcPr/>
+                </a:tc>
+                <a:tc>
+                  <a:txBody>
+                    <a:bodyPr/>
+                    <a:lstStyle/>
+                    <a:p>
+                      <a:pPr marL="0" marR="0" lvl="0" indent="0" algn="r" defTabSz="914400" rtl="0" eaLnBrk="1" fontAlgn="auto" latinLnBrk="1" hangingPunct="1">
+                        <a:lnSpc>
+                          <a:spcPct val="100000"/>
+                        </a:lnSpc>
+                        <a:spcBef>
+                          <a:spcPts val="0"/>
+                        </a:spcBef>
+                        <a:spcAft>
+                          <a:spcPts val="0"/>
+                        </a:spcAft>
+                        <a:buClrTx/>
+                        <a:buSzTx/>
+                        <a:buFontTx/>
+                        <a:buNone/>
+                        <a:tabLst/>
+                        <a:defRPr/>
+                      </a:pPr>
+                      <a:r>
+                        <a:rPr kumimoji="0" lang="ko-KR" altLang="en-US" sz="1200" b="1" i="0" u="none" strike="noStrike" kern="1200" cap="none" spc="0" normalizeH="0" baseline="0" noProof="0" dirty="0" smtClean="0">
+                          <a:ln>
+                            <a:noFill/>
+                          </a:ln>
+                          <a:solidFill>
+                            <a:srgbClr val="92D050"/>
+                          </a:solidFill>
+                          <a:effectLst/>
+                          <a:uLnTx/>
+                          <a:uFillTx/>
+                          <a:latin typeface="D2Coding" panose="020B0609020101020101" pitchFamily="49" charset="-127"/>
+                          <a:ea typeface="D2Coding" panose="020B0609020101020101" pitchFamily="49" charset="-127"/>
+                          <a:cs typeface="+mn-cs"/>
+                        </a:rPr>
+                        <a:t>채널</a:t>
+                      </a:r>
+                      <a:endParaRPr kumimoji="0" lang="en-US" altLang="ko-KR" sz="1200" b="1" i="0" u="none" strike="noStrike" kern="1200" cap="none" spc="0" normalizeH="0" baseline="0" noProof="0" dirty="0" smtClean="0">
+                        <a:ln>
+                          <a:noFill/>
+                        </a:ln>
+                        <a:solidFill>
+                          <a:srgbClr val="92D050"/>
+                        </a:solidFill>
+                        <a:effectLst/>
+                        <a:uLnTx/>
+                        <a:uFillTx/>
+                        <a:latin typeface="D2Coding" panose="020B0609020101020101" pitchFamily="49" charset="-127"/>
+                        <a:ea typeface="D2Coding" panose="020B0609020101020101" pitchFamily="49" charset="-127"/>
+                        <a:cs typeface="+mn-cs"/>
+                      </a:endParaRPr>
+                    </a:p>
+                    <a:p>
+                      <a:pPr marL="0" marR="0" lvl="0" indent="0" algn="r" defTabSz="914400" rtl="0" eaLnBrk="1" fontAlgn="auto" latinLnBrk="1" hangingPunct="1">
+                        <a:lnSpc>
+                          <a:spcPct val="100000"/>
+                        </a:lnSpc>
+                        <a:spcBef>
+                          <a:spcPts val="0"/>
+                        </a:spcBef>
+                        <a:spcAft>
+                          <a:spcPts val="0"/>
+                        </a:spcAft>
+                        <a:buClrTx/>
+                        <a:buSzTx/>
+                        <a:buFontTx/>
+                        <a:buNone/>
+                        <a:tabLst/>
+                        <a:defRPr/>
+                      </a:pPr>
+                      <a:endParaRPr kumimoji="0" lang="en-US" altLang="ko-KR" sz="1200" b="1" i="0" u="none" strike="noStrike" kern="1200" cap="none" spc="0" normalizeH="0" baseline="0" noProof="0" dirty="0" smtClean="0">
+                        <a:ln>
+                          <a:noFill/>
+                        </a:ln>
+                        <a:solidFill>
+                          <a:srgbClr val="92D050"/>
+                        </a:solidFill>
+                        <a:effectLst/>
+                        <a:uLnTx/>
+                        <a:uFillTx/>
+                        <a:latin typeface="D2Coding" panose="020B0609020101020101" pitchFamily="49" charset="-127"/>
+                        <a:ea typeface="D2Coding" panose="020B0609020101020101" pitchFamily="49" charset="-127"/>
+                        <a:cs typeface="+mn-cs"/>
+                      </a:endParaRPr>
+                    </a:p>
+                    <a:p>
+                      <a:pPr marL="0" marR="0" lvl="0" indent="0" algn="r" defTabSz="914400" rtl="0" eaLnBrk="1" fontAlgn="auto" latinLnBrk="1" hangingPunct="1">
+                        <a:lnSpc>
+                          <a:spcPct val="100000"/>
+                        </a:lnSpc>
+                        <a:spcBef>
+                          <a:spcPts val="0"/>
+                        </a:spcBef>
+                        <a:spcAft>
+                          <a:spcPts val="0"/>
+                        </a:spcAft>
+                        <a:buClrTx/>
+                        <a:buSzTx/>
+                        <a:buFontTx/>
+                        <a:buNone/>
+                        <a:tabLst/>
+                        <a:defRPr/>
+                      </a:pPr>
+                      <a:r>
+                        <a:rPr kumimoji="0" lang="ko-KR" altLang="en-US" sz="1050" b="0" i="0" u="none" strike="noStrike" kern="1200" cap="none" spc="0" normalizeH="0" baseline="0" noProof="0" dirty="0" smtClean="0">
+                          <a:ln>
+                            <a:noFill/>
+                          </a:ln>
+                          <a:solidFill>
+                            <a:schemeClr val="tx1"/>
+                          </a:solidFill>
+                          <a:effectLst/>
+                          <a:uLnTx/>
+                          <a:uFillTx/>
+                          <a:latin typeface="D2Coding" panose="020B0609020101020101" pitchFamily="49" charset="-127"/>
+                          <a:ea typeface="D2Coding" panose="020B0609020101020101" pitchFamily="49" charset="-127"/>
+                          <a:cs typeface="+mn-cs"/>
+                        </a:rPr>
+                        <a:t>앱 또는 사이트</a:t>
+                      </a:r>
+                      <a:endParaRPr kumimoji="0" lang="en-AU" altLang="ko-KR" sz="1050" b="0" i="0" u="none" strike="noStrike" kern="1200" cap="none" spc="0" normalizeH="0" baseline="0" noProof="0" dirty="0">
+                        <a:ln>
+                          <a:noFill/>
+                        </a:ln>
+                        <a:solidFill>
+                          <a:schemeClr val="tx1"/>
+                        </a:solidFill>
+                        <a:effectLst/>
+                        <a:uLnTx/>
+                        <a:uFillTx/>
+                        <a:latin typeface="D2Coding" panose="020B0609020101020101" pitchFamily="49" charset="-127"/>
+                        <a:ea typeface="D2Coding" panose="020B0609020101020101" pitchFamily="49" charset="-127"/>
+                        <a:cs typeface="+mn-cs"/>
+                      </a:endParaRPr>
+                    </a:p>
+                  </a:txBody>
+                  <a:tcPr marL="82296" marR="82296">
+                    <a:lnL w="28575" cap="flat" cmpd="sng" algn="ctr">
+                      <a:solidFill>
+                        <a:schemeClr val="tx1"/>
+                      </a:solidFill>
+                      <a:prstDash val="solid"/>
+                      <a:round/>
+                      <a:headEnd type="none" w="med" len="med"/>
+                      <a:tailEnd type="none" w="med" len="med"/>
+                    </a:lnL>
+                    <a:lnR w="28575" cap="flat" cmpd="sng" algn="ctr">
+                      <a:solidFill>
+                        <a:schemeClr val="tx1"/>
+                      </a:solidFill>
+                      <a:prstDash val="solid"/>
+                      <a:round/>
+                      <a:headEnd type="none" w="med" len="med"/>
+                      <a:tailEnd type="none" w="med" len="med"/>
+                    </a:lnR>
+                    <a:lnT w="28575" cap="flat" cmpd="sng" algn="ctr">
+                      <a:solidFill>
+                        <a:schemeClr val="tx1"/>
+                      </a:solidFill>
+                      <a:prstDash val="solid"/>
+                      <a:round/>
+                      <a:headEnd type="none" w="med" len="med"/>
+                      <a:tailEnd type="none" w="med" len="med"/>
+                    </a:lnT>
+                    <a:lnB w="28575" cap="flat" cmpd="sng" algn="ctr">
+                      <a:solidFill>
+                        <a:schemeClr val="tx1"/>
+                      </a:solidFill>
+                      <a:prstDash val="solid"/>
+                      <a:round/>
+                      <a:headEnd type="none" w="med" len="med"/>
+                      <a:tailEnd type="none" w="med" len="med"/>
+                    </a:lnB>
+                  </a:tcPr>
+                </a:tc>
+                <a:tc vMerge="1">
+                  <a:txBody>
+                    <a:bodyPr/>
+                    <a:lstStyle/>
+                    <a:p>
+                      <a:pPr latinLnBrk="1"/>
+                      <a:endParaRPr lang="ko-KR" altLang="en-US"/>
+                    </a:p>
+                  </a:txBody>
+                  <a:tcPr/>
+                </a:tc>
+                <a:extLst>
+                  <a:ext uri="{0D108BD9-81ED-4DB2-BD59-A6C34878D82A}">
+                    <a16:rowId xmlns:a16="http://schemas.microsoft.com/office/drawing/2014/main" val="61036436"/>
+                  </a:ext>
+                </a:extLst>
+              </a:tr>
+              <a:tr h="1417784">
+                <a:tc gridSpan="3">
+                  <a:txBody>
+                    <a:bodyPr/>
+                    <a:lstStyle/>
+                    <a:p>
+                      <a:pPr algn="ctr"/>
+                      <a:r>
+                        <a:rPr lang="ko-KR" altLang="en-US" sz="1200" b="1" kern="1200" dirty="0" smtClean="0">
+                          <a:solidFill>
+                            <a:srgbClr val="92D050"/>
+                          </a:solidFill>
+                          <a:latin typeface="D2Coding" panose="020B0609020101020101" pitchFamily="49" charset="-127"/>
+                          <a:ea typeface="D2Coding" panose="020B0609020101020101" pitchFamily="49" charset="-127"/>
+                          <a:cs typeface="+mn-cs"/>
+                        </a:rPr>
+                        <a:t>비용</a:t>
+                      </a:r>
+                      <a:endParaRPr lang="en-US" altLang="ko-KR" sz="1200" b="1" kern="1200" dirty="0" smtClean="0">
+                        <a:solidFill>
+                          <a:srgbClr val="92D050"/>
+                        </a:solidFill>
+                        <a:latin typeface="D2Coding" panose="020B0609020101020101" pitchFamily="49" charset="-127"/>
+                        <a:ea typeface="D2Coding" panose="020B0609020101020101" pitchFamily="49" charset="-127"/>
+                        <a:cs typeface="+mn-cs"/>
+                      </a:endParaRPr>
+                    </a:p>
+                    <a:p>
+                      <a:pPr algn="ctr"/>
+                      <a:r>
+                        <a:rPr lang="en-US" sz="1200" b="1" baseline="0" dirty="0" smtClean="0">
+                          <a:latin typeface="D2Coding" panose="020B0609020101020101" pitchFamily="49" charset="-127"/>
+                          <a:ea typeface="D2Coding" panose="020B0609020101020101" pitchFamily="49" charset="-127"/>
+                        </a:rPr>
+                        <a:t>               </a:t>
+                      </a:r>
+                    </a:p>
+                    <a:p>
+                      <a:pPr algn="ctr"/>
+                      <a:r>
+                        <a:rPr lang="ko-KR" altLang="en-US" sz="1050" b="0" baseline="0" dirty="0" smtClean="0">
+                          <a:solidFill>
+                            <a:schemeClr val="tx1"/>
+                          </a:solidFill>
+                          <a:latin typeface="D2Coding" panose="020B0609020101020101" pitchFamily="49" charset="-127"/>
+                          <a:ea typeface="D2Coding" panose="020B0609020101020101" pitchFamily="49" charset="-127"/>
+                        </a:rPr>
+                        <a:t>서버 유지비</a:t>
+                      </a:r>
+                      <a:endParaRPr lang="en-US" altLang="ko-KR" sz="1050" b="0" baseline="0" dirty="0" smtClean="0">
+                        <a:solidFill>
+                          <a:schemeClr val="tx1"/>
+                        </a:solidFill>
+                        <a:latin typeface="D2Coding" panose="020B0609020101020101" pitchFamily="49" charset="-127"/>
+                        <a:ea typeface="D2Coding" panose="020B0609020101020101" pitchFamily="49" charset="-127"/>
+                      </a:endParaRPr>
+                    </a:p>
+                    <a:p>
+                      <a:pPr algn="ctr"/>
+                      <a:endParaRPr lang="en-US" sz="1050" b="0" baseline="0" dirty="0" smtClean="0">
+                        <a:solidFill>
+                          <a:schemeClr val="tx1"/>
+                        </a:solidFill>
+                        <a:latin typeface="D2Coding" panose="020B0609020101020101" pitchFamily="49" charset="-127"/>
+                        <a:ea typeface="D2Coding" panose="020B0609020101020101" pitchFamily="49" charset="-127"/>
+                      </a:endParaRPr>
+                    </a:p>
+                    <a:p>
+                      <a:pPr algn="ctr"/>
+                      <a:r>
+                        <a:rPr lang="ko-KR" altLang="en-US" sz="1050" b="0" baseline="0" dirty="0" smtClean="0">
+                          <a:solidFill>
+                            <a:schemeClr val="tx1"/>
+                          </a:solidFill>
+                          <a:latin typeface="D2Coding" panose="020B0609020101020101" pitchFamily="49" charset="-127"/>
+                          <a:ea typeface="D2Coding" panose="020B0609020101020101" pitchFamily="49" charset="-127"/>
+                        </a:rPr>
+                        <a:t>마케팅 비</a:t>
+                      </a:r>
+                      <a:endParaRPr lang="en-AU" sz="1050" b="0" baseline="0" dirty="0">
+                        <a:solidFill>
+                          <a:schemeClr val="tx1"/>
+                        </a:solidFill>
+                        <a:latin typeface="D2Coding" panose="020B0609020101020101" pitchFamily="49" charset="-127"/>
+                        <a:ea typeface="D2Coding" panose="020B0609020101020101" pitchFamily="49" charset="-127"/>
+                      </a:endParaRPr>
+                    </a:p>
+                    <a:p>
+                      <a:pPr algn="ctr"/>
+                      <a:endParaRPr lang="en-AU" sz="1050" b="0" baseline="0" dirty="0">
+                        <a:solidFill>
+                          <a:schemeClr val="tx1"/>
+                        </a:solidFill>
+                        <a:latin typeface="D2Coding" panose="020B0609020101020101" pitchFamily="49" charset="-127"/>
+                        <a:ea typeface="D2Coding" panose="020B0609020101020101" pitchFamily="49" charset="-127"/>
+                      </a:endParaRPr>
+                    </a:p>
+                    <a:p>
+                      <a:pPr algn="ctr"/>
+                      <a:r>
+                        <a:rPr lang="ko-KR" altLang="en-US" sz="1050" b="0" dirty="0" smtClean="0">
+                          <a:solidFill>
+                            <a:schemeClr val="tx1"/>
+                          </a:solidFill>
+                          <a:latin typeface="D2Coding" panose="020B0609020101020101" pitchFamily="49" charset="-127"/>
+                          <a:ea typeface="D2Coding" panose="020B0609020101020101" pitchFamily="49" charset="-127"/>
+                        </a:rPr>
+                        <a:t>커뮤니티 관리자 인건비</a:t>
+                      </a:r>
+                      <a:endParaRPr lang="en-AU" sz="1050" b="0" dirty="0">
+                        <a:solidFill>
+                          <a:schemeClr val="tx1"/>
+                        </a:solidFill>
+                        <a:latin typeface="D2Coding" panose="020B0609020101020101" pitchFamily="49" charset="-127"/>
+                        <a:ea typeface="D2Coding" panose="020B0609020101020101" pitchFamily="49" charset="-127"/>
+                      </a:endParaRPr>
+                    </a:p>
+                  </a:txBody>
+                  <a:tcPr marL="82296" marR="82296">
+                    <a:lnL w="28575" cap="flat" cmpd="sng" algn="ctr">
+                      <a:solidFill>
+                        <a:schemeClr val="tx1"/>
+                      </a:solidFill>
+                      <a:prstDash val="solid"/>
+                      <a:round/>
+                      <a:headEnd type="none" w="med" len="med"/>
+                      <a:tailEnd type="none" w="med" len="med"/>
+                    </a:lnL>
+                    <a:lnR w="28575" cap="flat" cmpd="sng" algn="ctr">
+                      <a:solidFill>
+                        <a:schemeClr val="tx1"/>
+                      </a:solidFill>
+                      <a:prstDash val="solid"/>
+                      <a:round/>
+                      <a:headEnd type="none" w="med" len="med"/>
+                      <a:tailEnd type="none" w="med" len="med"/>
+                    </a:lnR>
+                    <a:lnT w="28575" cap="flat" cmpd="sng" algn="ctr">
+                      <a:solidFill>
+                        <a:schemeClr val="tx1"/>
+                      </a:solidFill>
+                      <a:prstDash val="solid"/>
+                      <a:round/>
+                      <a:headEnd type="none" w="med" len="med"/>
+                      <a:tailEnd type="none" w="med" len="med"/>
+                    </a:lnT>
+                    <a:lnB w="28575" cap="flat" cmpd="sng" algn="ctr">
+                      <a:solidFill>
+                        <a:schemeClr val="tx1"/>
+                      </a:solidFill>
+                      <a:prstDash val="solid"/>
+                      <a:round/>
+                      <a:headEnd type="none" w="med" len="med"/>
+                      <a:tailEnd type="none" w="med" len="med"/>
+                    </a:lnB>
+                  </a:tcPr>
+                </a:tc>
+                <a:tc hMerge="1">
+                  <a:txBody>
+                    <a:bodyPr/>
+                    <a:lstStyle/>
+                    <a:p>
+                      <a:endParaRPr lang="en-AU" dirty="0"/>
+                    </a:p>
+                  </a:txBody>
+                  <a:tcPr/>
+                </a:tc>
+                <a:tc hMerge="1">
+                  <a:txBody>
+                    <a:bodyPr/>
+                    <a:lstStyle/>
+                    <a:p>
+                      <a:endParaRPr lang="en-AU" dirty="0"/>
+                    </a:p>
+                  </a:txBody>
+                  <a:tcPr/>
+                </a:tc>
+                <a:tc gridSpan="3">
+                  <a:txBody>
+                    <a:bodyPr/>
+                    <a:lstStyle/>
+                    <a:p>
+                      <a:pPr algn="ctr"/>
+                      <a:r>
+                        <a:rPr kumimoji="0" lang="ko-KR" altLang="en-US" sz="1200" b="1" i="0" u="none" strike="noStrike" kern="1200" cap="none" spc="0" normalizeH="0" baseline="0" dirty="0" smtClean="0">
+                          <a:ln>
+                            <a:noFill/>
+                          </a:ln>
+                          <a:solidFill>
+                            <a:srgbClr val="92D050"/>
+                          </a:solidFill>
+                          <a:effectLst/>
+                          <a:uLnTx/>
+                          <a:uFillTx/>
+                          <a:latin typeface="D2Coding" panose="020B0609020101020101" pitchFamily="49" charset="-127"/>
+                          <a:ea typeface="D2Coding" panose="020B0609020101020101" pitchFamily="49" charset="-127"/>
+                          <a:cs typeface="+mn-cs"/>
+                        </a:rPr>
+                        <a:t>수익</a:t>
+                      </a:r>
+                      <a:endParaRPr kumimoji="0" lang="en-US" altLang="ko-KR" sz="1200" b="1" i="0" u="none" strike="noStrike" kern="1200" cap="none" spc="0" normalizeH="0" baseline="0" dirty="0" smtClean="0">
+                        <a:ln>
+                          <a:noFill/>
+                        </a:ln>
+                        <a:solidFill>
+                          <a:srgbClr val="92D050"/>
+                        </a:solidFill>
+                        <a:effectLst/>
+                        <a:uLnTx/>
+                        <a:uFillTx/>
+                        <a:latin typeface="D2Coding" panose="020B0609020101020101" pitchFamily="49" charset="-127"/>
+                        <a:ea typeface="D2Coding" panose="020B0609020101020101" pitchFamily="49" charset="-127"/>
+                        <a:cs typeface="+mn-cs"/>
+                      </a:endParaRPr>
+                    </a:p>
+                    <a:p>
+                      <a:pPr marL="0" marR="0" lvl="0" indent="0" algn="ctr" defTabSz="914400" rtl="0" eaLnBrk="1" fontAlgn="auto" latinLnBrk="1" hangingPunct="1">
+                        <a:lnSpc>
+                          <a:spcPct val="100000"/>
+                        </a:lnSpc>
+                        <a:spcBef>
+                          <a:spcPts val="0"/>
+                        </a:spcBef>
+                        <a:spcAft>
+                          <a:spcPts val="0"/>
+                        </a:spcAft>
+                        <a:buClrTx/>
+                        <a:buSzTx/>
+                        <a:buFontTx/>
+                        <a:buNone/>
+                        <a:tabLst/>
+                        <a:defRPr/>
+                      </a:pPr>
+                      <a:endParaRPr kumimoji="0" lang="en-US" altLang="ko-KR" sz="1050" b="0" i="0" u="none" strike="noStrike" kern="1200" cap="none" spc="0" normalizeH="0" baseline="0" noProof="0" dirty="0" smtClean="0">
+                        <a:ln>
+                          <a:noFill/>
+                        </a:ln>
+                        <a:solidFill>
+                          <a:schemeClr val="tx1"/>
+                        </a:solidFill>
+                        <a:effectLst/>
+                        <a:uLnTx/>
+                        <a:uFillTx/>
+                        <a:latin typeface="D2Coding" panose="020B0609020101020101" pitchFamily="49" charset="-127"/>
+                        <a:ea typeface="D2Coding" panose="020B0609020101020101" pitchFamily="49" charset="-127"/>
+                        <a:cs typeface="+mn-cs"/>
+                      </a:endParaRPr>
+                    </a:p>
+                    <a:p>
+                      <a:pPr marL="0" marR="0" lvl="0" indent="0" algn="ctr" defTabSz="914400" rtl="0" eaLnBrk="1" fontAlgn="auto" latinLnBrk="1" hangingPunct="1">
+                        <a:lnSpc>
+                          <a:spcPct val="100000"/>
+                        </a:lnSpc>
+                        <a:spcBef>
+                          <a:spcPts val="0"/>
+                        </a:spcBef>
+                        <a:spcAft>
+                          <a:spcPts val="0"/>
+                        </a:spcAft>
+                        <a:buClrTx/>
+                        <a:buSzTx/>
+                        <a:buFontTx/>
+                        <a:buNone/>
+                        <a:tabLst/>
+                        <a:defRPr/>
+                      </a:pPr>
+                      <a:r>
+                        <a:rPr kumimoji="0" lang="ko-KR" altLang="en-US" sz="1050" b="0" i="0" u="none" strike="noStrike" kern="1200" cap="none" spc="0" normalizeH="0" baseline="0" noProof="0" dirty="0" smtClean="0">
+                          <a:ln>
+                            <a:noFill/>
+                          </a:ln>
+                          <a:solidFill>
+                            <a:schemeClr val="tx1"/>
+                          </a:solidFill>
+                          <a:effectLst/>
+                          <a:uLnTx/>
+                          <a:uFillTx/>
+                          <a:latin typeface="D2Coding" panose="020B0609020101020101" pitchFamily="49" charset="-127"/>
+                          <a:ea typeface="D2Coding" panose="020B0609020101020101" pitchFamily="49" charset="-127"/>
+                          <a:cs typeface="+mn-cs"/>
+                        </a:rPr>
+                        <a:t>앱 </a:t>
+                      </a:r>
+                      <a:r>
+                        <a:rPr kumimoji="0" lang="ko-KR" altLang="en-US" sz="1050" b="0" i="0" u="none" strike="noStrike" kern="1200" cap="none" spc="0" normalizeH="0" baseline="0" noProof="0" dirty="0" smtClean="0">
+                          <a:ln>
+                            <a:noFill/>
+                          </a:ln>
+                          <a:solidFill>
+                            <a:schemeClr val="tx1"/>
+                          </a:solidFill>
+                          <a:effectLst/>
+                          <a:uLnTx/>
+                          <a:uFillTx/>
+                          <a:latin typeface="D2Coding" panose="020B0609020101020101" pitchFamily="49" charset="-127"/>
+                          <a:ea typeface="D2Coding" panose="020B0609020101020101" pitchFamily="49" charset="-127"/>
+                          <a:cs typeface="+mn-cs"/>
+                        </a:rPr>
+                        <a:t>또는 사이트의 배너 광고</a:t>
+                      </a:r>
+                      <a:endParaRPr kumimoji="0" lang="en-US" altLang="ko-KR" sz="1050" b="0" i="0" u="none" strike="noStrike" kern="1200" cap="none" spc="0" normalizeH="0" baseline="0" noProof="0" dirty="0" smtClean="0">
+                        <a:ln>
+                          <a:noFill/>
+                        </a:ln>
+                        <a:solidFill>
+                          <a:schemeClr val="tx1"/>
+                        </a:solidFill>
+                        <a:effectLst/>
+                        <a:uLnTx/>
+                        <a:uFillTx/>
+                        <a:latin typeface="D2Coding" panose="020B0609020101020101" pitchFamily="49" charset="-127"/>
+                        <a:ea typeface="D2Coding" panose="020B0609020101020101" pitchFamily="49" charset="-127"/>
+                        <a:cs typeface="+mn-cs"/>
+                      </a:endParaRPr>
+                    </a:p>
+                    <a:p>
+                      <a:pPr marL="0" marR="0" lvl="0" indent="0" algn="ctr" defTabSz="914400" rtl="0" eaLnBrk="1" fontAlgn="auto" latinLnBrk="1" hangingPunct="1">
+                        <a:lnSpc>
+                          <a:spcPct val="100000"/>
+                        </a:lnSpc>
+                        <a:spcBef>
+                          <a:spcPts val="0"/>
+                        </a:spcBef>
+                        <a:spcAft>
+                          <a:spcPts val="0"/>
+                        </a:spcAft>
+                        <a:buClrTx/>
+                        <a:buSzTx/>
+                        <a:buFontTx/>
+                        <a:buNone/>
+                        <a:tabLst/>
+                        <a:defRPr/>
+                      </a:pPr>
+                      <a:endParaRPr kumimoji="0" lang="en-US" altLang="ko-KR" sz="1050" b="0" i="0" u="none" strike="noStrike" kern="1200" cap="none" spc="0" normalizeH="0" baseline="0" noProof="0" dirty="0" smtClean="0">
+                        <a:ln>
+                          <a:noFill/>
+                        </a:ln>
+                        <a:solidFill>
+                          <a:schemeClr val="tx1"/>
+                        </a:solidFill>
+                        <a:effectLst/>
+                        <a:uLnTx/>
+                        <a:uFillTx/>
+                        <a:latin typeface="D2Coding" panose="020B0609020101020101" pitchFamily="49" charset="-127"/>
+                        <a:ea typeface="D2Coding" panose="020B0609020101020101" pitchFamily="49" charset="-127"/>
+                        <a:cs typeface="+mn-cs"/>
+                      </a:endParaRPr>
+                    </a:p>
+                  </a:txBody>
+                  <a:tcPr marL="82296" marR="82296">
+                    <a:lnL w="28575" cap="flat" cmpd="sng" algn="ctr">
+                      <a:solidFill>
+                        <a:schemeClr val="tx1"/>
+                      </a:solidFill>
+                      <a:prstDash val="solid"/>
+                      <a:round/>
+                      <a:headEnd type="none" w="med" len="med"/>
+                      <a:tailEnd type="none" w="med" len="med"/>
+                    </a:lnL>
+                    <a:lnR w="28575" cap="flat" cmpd="sng" algn="ctr">
+                      <a:solidFill>
+                        <a:schemeClr val="tx1"/>
+                      </a:solidFill>
+                      <a:prstDash val="solid"/>
+                      <a:round/>
+                      <a:headEnd type="none" w="med" len="med"/>
+                      <a:tailEnd type="none" w="med" len="med"/>
+                    </a:lnR>
+                    <a:lnT w="28575" cap="flat" cmpd="sng" algn="ctr">
+                      <a:solidFill>
+                        <a:schemeClr val="tx1"/>
+                      </a:solidFill>
+                      <a:prstDash val="solid"/>
+                      <a:round/>
+                      <a:headEnd type="none" w="med" len="med"/>
+                      <a:tailEnd type="none" w="med" len="med"/>
+                    </a:lnT>
+                    <a:lnB w="28575" cap="flat" cmpd="sng" algn="ctr">
+                      <a:solidFill>
+                        <a:schemeClr val="tx1"/>
+                      </a:solidFill>
+                      <a:prstDash val="solid"/>
+                      <a:round/>
+                      <a:headEnd type="none" w="med" len="med"/>
+                      <a:tailEnd type="none" w="med" len="med"/>
+                    </a:lnB>
+                  </a:tcPr>
+                </a:tc>
+                <a:tc hMerge="1">
+                  <a:txBody>
+                    <a:bodyPr/>
+                    <a:lstStyle/>
+                    <a:p>
+                      <a:endParaRPr lang="en-AU" dirty="0"/>
+                    </a:p>
+                  </a:txBody>
+                  <a:tcPr/>
+                </a:tc>
+                <a:tc hMerge="1">
+                  <a:txBody>
+                    <a:bodyPr/>
+                    <a:lstStyle/>
+                    <a:p>
+                      <a:endParaRPr lang="en-AU" dirty="0"/>
+                    </a:p>
+                  </a:txBody>
+                  <a:tcPr/>
+                </a:tc>
+                <a:extLst>
+                  <a:ext uri="{0D108BD9-81ED-4DB2-BD59-A6C34878D82A}">
+                    <a16:rowId xmlns:a16="http://schemas.microsoft.com/office/drawing/2014/main" val="10002"/>
+                  </a:ext>
+                </a:extLst>
+              </a:tr>
+              <a:tr h="428011">
+                <a:tc gridSpan="6">
+                  <a:txBody>
+                    <a:bodyPr/>
+                    <a:lstStyle/>
+                    <a:p>
+                      <a:pPr marL="0" marR="0" indent="0" algn="r" defTabSz="914400" rtl="0" eaLnBrk="1" fontAlgn="auto" latinLnBrk="0" hangingPunct="1">
+                        <a:lnSpc>
+                          <a:spcPct val="100000"/>
+                        </a:lnSpc>
+                        <a:spcBef>
+                          <a:spcPts val="0"/>
+                        </a:spcBef>
+                        <a:spcAft>
+                          <a:spcPts val="0"/>
+                        </a:spcAft>
+                        <a:buClrTx/>
+                        <a:buSzTx/>
+                        <a:buFontTx/>
+                        <a:buNone/>
+                        <a:tabLst/>
+                        <a:defRPr/>
+                      </a:pPr>
+                      <a:endParaRPr lang="en-AU" sz="700" dirty="0">
+                        <a:latin typeface="D2Coding" panose="020B0609020101020101" pitchFamily="49" charset="-127"/>
+                        <a:ea typeface="D2Coding" panose="020B0609020101020101" pitchFamily="49" charset="-127"/>
+                      </a:endParaRPr>
+                    </a:p>
+                  </a:txBody>
+                  <a:tcPr marL="82296" marR="82296">
+                    <a:lnL w="12700" cmpd="sng">
+                      <a:noFill/>
+                    </a:lnL>
+                    <a:lnR w="12700" cmpd="sng">
+                      <a:noFill/>
+                    </a:lnR>
+                    <a:lnT w="28575" cap="flat" cmpd="sng" algn="ctr">
+                      <a:solidFill>
+                        <a:schemeClr val="tx1"/>
+                      </a:solidFill>
+                      <a:prstDash val="solid"/>
+                      <a:round/>
+                      <a:headEnd type="none" w="med" len="med"/>
+                      <a:tailEnd type="none" w="med" len="med"/>
+                    </a:lnT>
+                    <a:lnB w="12700" cmpd="sng">
+                      <a:noFill/>
+                    </a:lnB>
+                    <a:lnTlToBr w="12700" cmpd="sng">
+                      <a:noFill/>
+                      <a:prstDash val="solid"/>
+                    </a:lnTlToBr>
+                    <a:lnBlToTr w="12700" cmpd="sng">
+                      <a:noFill/>
+                      <a:prstDash val="solid"/>
+                    </a:lnBlToTr>
+                  </a:tcPr>
+                </a:tc>
+                <a:tc hMerge="1">
+                  <a:txBody>
+                    <a:bodyPr/>
+                    <a:lstStyle/>
+                    <a:p>
+                      <a:endParaRPr lang="en-AU" sz="1050" dirty="0"/>
+                    </a:p>
+                  </a:txBody>
+                  <a:tcPr/>
+                </a:tc>
+                <a:tc hMerge="1">
+                  <a:txBody>
+                    <a:bodyPr/>
+                    <a:lstStyle/>
+                    <a:p>
+                      <a:endParaRPr lang="en-AU" sz="1050" dirty="0"/>
+                    </a:p>
+                  </a:txBody>
+                  <a:tcPr/>
+                </a:tc>
+                <a:tc hMerge="1">
+                  <a:txBody>
+                    <a:bodyPr/>
+                    <a:lstStyle/>
+                    <a:p>
+                      <a:endParaRPr lang="en-AU" sz="1050" dirty="0"/>
+                    </a:p>
+                  </a:txBody>
+                  <a:tcPr/>
+                </a:tc>
+                <a:tc hMerge="1">
+                  <a:txBody>
+                    <a:bodyPr/>
+                    <a:lstStyle/>
+                    <a:p>
+                      <a:endParaRPr lang="en-AU" sz="1050" dirty="0"/>
+                    </a:p>
+                  </a:txBody>
+                  <a:tcPr/>
+                </a:tc>
+                <a:tc hMerge="1">
+                  <a:txBody>
+                    <a:bodyPr/>
+                    <a:lstStyle/>
+                    <a:p>
+                      <a:endParaRPr lang="en-AU" sz="1050" dirty="0"/>
+                    </a:p>
+                  </a:txBody>
+                  <a:tcPr/>
+                </a:tc>
+                <a:extLst>
+                  <a:ext uri="{0D108BD9-81ED-4DB2-BD59-A6C34878D82A}">
+                    <a16:rowId xmlns:a16="http://schemas.microsoft.com/office/drawing/2014/main" val="10003"/>
+                  </a:ext>
+                </a:extLst>
+              </a:tr>
+            </a:tbl>
+          </a:graphicData>
+        </a:graphic>
+      </p:graphicFrame>
+      <p:pic>
+        <p:nvPicPr>
+          <p:cNvPr id="15" name="Picture 13"/>
+          <p:cNvPicPr>
+            <a:picLocks noChangeAspect="1"/>
+          </p:cNvPicPr>
+          <p:nvPr/>
+        </p:nvPicPr>
+        <p:blipFill>
+          <a:blip r:embed="rId2" cstate="print"/>
+          <a:srcRect/>
+          <a:stretch>
+            <a:fillRect/>
+          </a:stretch>
+        </p:blipFill>
+        <p:spPr bwMode="auto">
+          <a:xfrm>
+            <a:off x="8841638" y="1304168"/>
+            <a:ext cx="561975" cy="673100"/>
+          </a:xfrm>
+          <a:prstGeom prst="rect">
+            <a:avLst/>
+          </a:prstGeom>
+          <a:noFill/>
+          <a:ln w="9525">
+            <a:noFill/>
+            <a:miter lim="800000"/>
+            <a:headEnd/>
+            <a:tailEnd/>
+          </a:ln>
+        </p:spPr>
+      </p:pic>
+      <p:pic>
+        <p:nvPicPr>
+          <p:cNvPr id="16" name="Picture 14"/>
+          <p:cNvPicPr>
+            <a:picLocks noChangeAspect="1"/>
+          </p:cNvPicPr>
+          <p:nvPr/>
+        </p:nvPicPr>
+        <p:blipFill>
+          <a:blip r:embed="rId3" cstate="print"/>
+          <a:srcRect/>
+          <a:stretch>
+            <a:fillRect/>
+          </a:stretch>
+        </p:blipFill>
+        <p:spPr bwMode="auto">
+          <a:xfrm>
+            <a:off x="5321300" y="1218562"/>
+            <a:ext cx="508000" cy="530225"/>
+          </a:xfrm>
+          <a:prstGeom prst="rect">
+            <a:avLst/>
+          </a:prstGeom>
+          <a:noFill/>
+          <a:ln w="9525">
+            <a:noFill/>
+            <a:miter lim="800000"/>
+            <a:headEnd/>
+            <a:tailEnd/>
+          </a:ln>
+        </p:spPr>
+      </p:pic>
+      <p:pic>
+        <p:nvPicPr>
+          <p:cNvPr id="18" name="Picture 16"/>
+          <p:cNvPicPr>
+            <a:picLocks noChangeAspect="1"/>
+          </p:cNvPicPr>
+          <p:nvPr/>
+        </p:nvPicPr>
+        <p:blipFill>
+          <a:blip r:embed="rId4" cstate="print"/>
+          <a:srcRect/>
+          <a:stretch>
+            <a:fillRect/>
+          </a:stretch>
+        </p:blipFill>
+        <p:spPr bwMode="auto">
+          <a:xfrm>
+            <a:off x="7027636" y="1184586"/>
+            <a:ext cx="558800" cy="573087"/>
+          </a:xfrm>
+          <a:prstGeom prst="rect">
+            <a:avLst/>
+          </a:prstGeom>
+          <a:noFill/>
+          <a:ln w="9525">
+            <a:noFill/>
+            <a:miter lim="800000"/>
+            <a:headEnd/>
+            <a:tailEnd/>
+          </a:ln>
+        </p:spPr>
+      </p:pic>
+      <p:pic>
+        <p:nvPicPr>
+          <p:cNvPr id="19" name="Picture 17"/>
+          <p:cNvPicPr>
+            <a:picLocks noChangeAspect="1"/>
+          </p:cNvPicPr>
+          <p:nvPr/>
+        </p:nvPicPr>
+        <p:blipFill>
+          <a:blip r:embed="rId5" cstate="print"/>
+          <a:srcRect l="11171"/>
+          <a:stretch>
+            <a:fillRect/>
+          </a:stretch>
+        </p:blipFill>
+        <p:spPr bwMode="auto">
+          <a:xfrm>
+            <a:off x="6258834" y="4986906"/>
+            <a:ext cx="452438" cy="573087"/>
+          </a:xfrm>
+          <a:prstGeom prst="rect">
+            <a:avLst/>
+          </a:prstGeom>
+          <a:noFill/>
+          <a:ln w="9525">
+            <a:noFill/>
+            <a:miter lim="800000"/>
+            <a:headEnd/>
+            <a:tailEnd/>
+          </a:ln>
+        </p:spPr>
+      </p:pic>
+      <p:pic>
+        <p:nvPicPr>
+          <p:cNvPr id="21" name="Picture 19"/>
+          <p:cNvPicPr>
+            <a:picLocks noChangeAspect="1"/>
+          </p:cNvPicPr>
+          <p:nvPr/>
+        </p:nvPicPr>
+        <p:blipFill>
+          <a:blip r:embed="rId6" cstate="print"/>
+          <a:srcRect/>
+          <a:stretch>
+            <a:fillRect/>
+          </a:stretch>
+        </p:blipFill>
+        <p:spPr bwMode="auto">
+          <a:xfrm>
+            <a:off x="3386249" y="1184586"/>
+            <a:ext cx="766652" cy="719910"/>
+          </a:xfrm>
+          <a:prstGeom prst="rect">
+            <a:avLst/>
+          </a:prstGeom>
+          <a:noFill/>
+          <a:ln w="9525">
+            <a:noFill/>
+            <a:miter lim="800000"/>
+            <a:headEnd/>
+            <a:tailEnd/>
+          </a:ln>
+        </p:spPr>
+      </p:pic>
+      <p:pic>
+        <p:nvPicPr>
+          <p:cNvPr id="22" name="Picture 20"/>
+          <p:cNvPicPr>
+            <a:picLocks noChangeAspect="1"/>
+          </p:cNvPicPr>
+          <p:nvPr/>
+        </p:nvPicPr>
+        <p:blipFill>
+          <a:blip r:embed="rId7" cstate="print"/>
+          <a:srcRect/>
+          <a:stretch>
+            <a:fillRect/>
+          </a:stretch>
+        </p:blipFill>
+        <p:spPr bwMode="auto">
+          <a:xfrm>
+            <a:off x="1789794" y="1283030"/>
+            <a:ext cx="479425" cy="493712"/>
+          </a:xfrm>
+          <a:prstGeom prst="rect">
+            <a:avLst/>
+          </a:prstGeom>
+          <a:noFill/>
+          <a:ln w="9525">
+            <a:noFill/>
+            <a:miter lim="800000"/>
+            <a:headEnd/>
+            <a:tailEnd/>
+          </a:ln>
+        </p:spPr>
+      </p:pic>
+      <p:pic>
+        <p:nvPicPr>
+          <p:cNvPr id="23" name="Picture 21"/>
+          <p:cNvPicPr>
+            <a:picLocks noChangeAspect="1"/>
+          </p:cNvPicPr>
+          <p:nvPr/>
+        </p:nvPicPr>
+        <p:blipFill>
+          <a:blip r:embed="rId8" cstate="print"/>
+          <a:srcRect t="8025" r="6839"/>
+          <a:stretch>
+            <a:fillRect/>
+          </a:stretch>
+        </p:blipFill>
+        <p:spPr bwMode="auto">
+          <a:xfrm>
+            <a:off x="1819050" y="5044056"/>
+            <a:ext cx="534988" cy="515937"/>
+          </a:xfrm>
+          <a:prstGeom prst="rect">
+            <a:avLst/>
+          </a:prstGeom>
+          <a:noFill/>
+          <a:ln w="9525">
+            <a:noFill/>
+            <a:miter lim="800000"/>
+            <a:headEnd/>
+            <a:tailEnd/>
+          </a:ln>
+        </p:spPr>
+      </p:pic>
+      <p:sp>
+        <p:nvSpPr>
+          <p:cNvPr id="27" name="제목 1"/>
+          <p:cNvSpPr>
+            <a:spLocks noGrp="1"/>
+          </p:cNvSpPr>
+          <p:nvPr>
+            <p:ph type="title"/>
+          </p:nvPr>
+        </p:nvSpPr>
+        <p:spPr/>
+        <p:txBody>
+          <a:bodyPr/>
+          <a:lstStyle/>
+          <a:p>
+            <a:r>
+              <a:rPr lang="ko-KR" altLang="en-US" dirty="0" smtClean="0"/>
+              <a:t>현황분석</a:t>
+            </a:r>
+            <a:r>
+              <a:rPr lang="en-US" altLang="ko-KR" sz="2800" dirty="0" smtClean="0"/>
+              <a:t>_</a:t>
+            </a:r>
+            <a:r>
+              <a:rPr lang="ko-KR" altLang="en-US" sz="2800" dirty="0" smtClean="0"/>
+              <a:t>비즈니스 모델 캔버스</a:t>
+            </a:r>
+            <a:endParaRPr lang="ko-KR" altLang="en-US" sz="2800" dirty="0"/>
+          </a:p>
+        </p:txBody>
+      </p:sp>
+      <p:pic>
+        <p:nvPicPr>
+          <p:cNvPr id="20" name="Picture 18"/>
+          <p:cNvPicPr>
+            <a:picLocks noChangeAspect="1"/>
+          </p:cNvPicPr>
+          <p:nvPr/>
+        </p:nvPicPr>
+        <p:blipFill>
+          <a:blip r:embed="rId9" cstate="print"/>
+          <a:srcRect b="6728"/>
+          <a:stretch>
+            <a:fillRect/>
+          </a:stretch>
+        </p:blipFill>
+        <p:spPr bwMode="auto">
+          <a:xfrm>
+            <a:off x="3481096" y="2951127"/>
+            <a:ext cx="671805" cy="593725"/>
+          </a:xfrm>
+          <a:prstGeom prst="rect">
+            <a:avLst/>
+          </a:prstGeom>
+          <a:noFill/>
+          <a:ln w="9525">
+            <a:noFill/>
+            <a:miter lim="800000"/>
+            <a:headEnd/>
+            <a:tailEnd/>
+          </a:ln>
+        </p:spPr>
+      </p:pic>
+      <p:pic>
+        <p:nvPicPr>
+          <p:cNvPr id="17" name="Picture 15"/>
+          <p:cNvPicPr>
+            <a:picLocks noChangeAspect="1"/>
+          </p:cNvPicPr>
+          <p:nvPr/>
+        </p:nvPicPr>
+        <p:blipFill>
+          <a:blip r:embed="rId10" cstate="print"/>
+          <a:srcRect/>
+          <a:stretch>
+            <a:fillRect/>
+          </a:stretch>
+        </p:blipFill>
+        <p:spPr bwMode="auto">
+          <a:xfrm>
+            <a:off x="7050768" y="2897152"/>
+            <a:ext cx="498475" cy="514350"/>
+          </a:xfrm>
+          <a:prstGeom prst="rect">
+            <a:avLst/>
+          </a:prstGeom>
+          <a:noFill/>
+          <a:ln w="9525">
+            <a:noFill/>
+            <a:miter lim="800000"/>
+            <a:headEnd/>
+            <a:tailEnd/>
+          </a:ln>
+        </p:spPr>
+      </p:pic>
+    </p:spTree>
+    <p:extLst>
+      <p:ext uri="{BB962C8B-B14F-4D97-AF65-F5344CB8AC3E}">
+        <p14:creationId xmlns:p14="http://schemas.microsoft.com/office/powerpoint/2010/main" val="2215563325"/>
+      </p:ext>
+    </p:extLst>
+  </p:cSld>
+  <p:clrMapOvr>
+    <a:masterClrMapping/>
+  </p:clrMapOvr>
+  <p:timing>
+    <p:tnLst>
+      <p:par>
+        <p:cTn id="1" dur="indefinite" restart="never" nodeType="tmRoot"/>
+      </p:par>
+    </p:tnLst>
+  </p:timing>
+</p:sld>
+</file>
+
+<file path=ppt/slides/slide7.xml><?xml version="1.0" encoding="utf-8"?>
+<p:sld xmlns:a="http://schemas.openxmlformats.org/drawingml/2006/main" xmlns:r="http://schemas.openxmlformats.org/officeDocument/2006/relationships" xmlns:p="http://schemas.openxmlformats.org/presentationml/2006/main">
+  <p:cSld>
+    <p:spTree>
+      <p:nvGrpSpPr>
+        <p:cNvPr id="1" name=""/>
+        <p:cNvGrpSpPr/>
+        <p:nvPr/>
+      </p:nvGrpSpPr>
+      <p:grpSpPr>
+        <a:xfrm>
+          <a:off x="0" y="0"/>
+          <a:ext cx="0" cy="0"/>
+          <a:chOff x="0" y="0"/>
+          <a:chExt cx="0" cy="0"/>
+        </a:xfrm>
+      </p:grpSpPr>
+      <p:sp>
+        <p:nvSpPr>
+          <p:cNvPr id="2" name="제목 1"/>
+          <p:cNvSpPr>
+            <a:spLocks noGrp="1"/>
+          </p:cNvSpPr>
+          <p:nvPr>
+            <p:ph type="title"/>
+          </p:nvPr>
+        </p:nvSpPr>
+        <p:spPr/>
+        <p:txBody>
+          <a:bodyPr/>
+          <a:lstStyle/>
+          <a:p>
+            <a:r>
+              <a:rPr lang="ko-KR" altLang="en-US" dirty="0" smtClean="0"/>
+              <a:t>현황분석</a:t>
+            </a:r>
+            <a:r>
+              <a:rPr lang="en-US" altLang="ko-KR" sz="2800" dirty="0" smtClean="0"/>
+              <a:t>_SWOT </a:t>
+            </a:r>
+            <a:r>
+              <a:rPr lang="ko-KR" altLang="en-US" sz="2800" dirty="0" smtClean="0"/>
+              <a:t>분석</a:t>
+            </a:r>
+            <a:endParaRPr lang="ko-KR" altLang="en-US" dirty="0"/>
+          </a:p>
+        </p:txBody>
+      </p:sp>
+      <p:sp>
+        <p:nvSpPr>
+          <p:cNvPr id="3" name="내용 개체 틀 2"/>
+          <p:cNvSpPr>
+            <a:spLocks noGrp="1"/>
+          </p:cNvSpPr>
+          <p:nvPr>
+            <p:ph idx="1"/>
+          </p:nvPr>
+        </p:nvSpPr>
+        <p:spPr/>
+        <p:txBody>
+          <a:bodyPr/>
+          <a:lstStyle/>
+          <a:p>
+            <a:r>
+              <a:rPr lang="ko-KR" altLang="en-US" dirty="0" smtClean="0"/>
+              <a:t>내 팀</a:t>
+            </a:r>
+            <a:r>
+              <a:rPr lang="en-US" altLang="ko-KR" dirty="0" smtClean="0"/>
+              <a:t>/</a:t>
+            </a:r>
+            <a:r>
+              <a:rPr lang="ko-KR" altLang="en-US" dirty="0" smtClean="0"/>
+              <a:t>프로젝트의 강점</a:t>
+            </a:r>
+            <a:r>
+              <a:rPr lang="en-US" altLang="ko-KR" dirty="0" smtClean="0"/>
+              <a:t>, </a:t>
+            </a:r>
+            <a:r>
+              <a:rPr lang="ko-KR" altLang="en-US" dirty="0" smtClean="0"/>
+              <a:t>약점</a:t>
+            </a:r>
+            <a:r>
+              <a:rPr lang="en-US" altLang="ko-KR" dirty="0" smtClean="0"/>
+              <a:t>, </a:t>
+            </a:r>
+            <a:r>
+              <a:rPr lang="ko-KR" altLang="en-US" dirty="0" smtClean="0"/>
+              <a:t>기회</a:t>
+            </a:r>
+            <a:r>
+              <a:rPr lang="en-US" altLang="ko-KR" dirty="0" smtClean="0"/>
+              <a:t>, </a:t>
+            </a:r>
+            <a:r>
+              <a:rPr lang="ko-KR" altLang="en-US" dirty="0" smtClean="0"/>
+              <a:t>위협을 분석</a:t>
+            </a:r>
+            <a:endParaRPr lang="en-US" altLang="ko-KR" dirty="0" smtClean="0"/>
+          </a:p>
+          <a:p>
+            <a:r>
+              <a:rPr lang="ko-KR" altLang="en-US" dirty="0" smtClean="0"/>
+              <a:t>현재 상황을 분석하는 기법</a:t>
+            </a:r>
+            <a:endParaRPr lang="en-US" altLang="ko-KR" dirty="0" smtClean="0"/>
+          </a:p>
+          <a:p>
+            <a:r>
+              <a:rPr lang="ko-KR" altLang="en-US" dirty="0" smtClean="0"/>
+              <a:t>강점</a:t>
+            </a:r>
+            <a:r>
+              <a:rPr lang="en-US" altLang="ko-KR" dirty="0" smtClean="0"/>
+              <a:t>: </a:t>
+            </a:r>
+            <a:r>
+              <a:rPr lang="ko-KR" altLang="en-US" dirty="0" smtClean="0"/>
+              <a:t>경쟁우위를 제공하는 요소</a:t>
+            </a:r>
+            <a:endParaRPr lang="en-US" altLang="ko-KR" dirty="0" smtClean="0"/>
+          </a:p>
+          <a:p>
+            <a:r>
+              <a:rPr lang="ko-KR" altLang="en-US" dirty="0" smtClean="0"/>
+              <a:t>약점</a:t>
+            </a:r>
+            <a:r>
+              <a:rPr lang="en-US" altLang="ko-KR" dirty="0" smtClean="0"/>
+              <a:t>: </a:t>
+            </a:r>
+            <a:r>
+              <a:rPr lang="ko-KR" altLang="en-US" dirty="0" smtClean="0"/>
+              <a:t>경쟁력을 </a:t>
+            </a:r>
+            <a:r>
+              <a:rPr lang="ko-KR" altLang="en-US" dirty="0" smtClean="0"/>
+              <a:t>약화시키는 요소</a:t>
+            </a:r>
+            <a:endParaRPr lang="en-US" altLang="ko-KR" dirty="0" smtClean="0"/>
+          </a:p>
+          <a:p>
+            <a:r>
+              <a:rPr lang="ko-KR" altLang="en-US" dirty="0" smtClean="0"/>
+              <a:t>기회</a:t>
+            </a:r>
+            <a:r>
+              <a:rPr lang="en-US" altLang="ko-KR" dirty="0" smtClean="0"/>
+              <a:t>: </a:t>
+            </a:r>
+            <a:r>
+              <a:rPr lang="ko-KR" altLang="en-US" dirty="0" smtClean="0"/>
+              <a:t>긍정적인 외부 환경 변화</a:t>
+            </a:r>
+            <a:endParaRPr lang="en-US" altLang="ko-KR" dirty="0" smtClean="0"/>
+          </a:p>
+          <a:p>
+            <a:r>
+              <a:rPr lang="ko-KR" altLang="en-US" dirty="0" smtClean="0"/>
+              <a:t>위협</a:t>
+            </a:r>
+            <a:r>
+              <a:rPr lang="en-US" altLang="ko-KR" dirty="0" smtClean="0"/>
+              <a:t>: </a:t>
+            </a:r>
+            <a:r>
+              <a:rPr lang="ko-KR" altLang="en-US" dirty="0" smtClean="0"/>
+              <a:t>부정적인 외부 환경 변화</a:t>
+            </a:r>
+            <a:endParaRPr lang="en-US" altLang="ko-KR" dirty="0" smtClean="0"/>
+          </a:p>
+          <a:p>
+            <a:endParaRPr lang="ko-KR" altLang="en-US" dirty="0"/>
+          </a:p>
+        </p:txBody>
+      </p:sp>
+      <p:sp>
+        <p:nvSpPr>
+          <p:cNvPr id="5" name="바닥글 개체 틀 4"/>
+          <p:cNvSpPr>
+            <a:spLocks noGrp="1"/>
+          </p:cNvSpPr>
+          <p:nvPr>
+            <p:ph type="ftr" sz="quarter" idx="11"/>
+          </p:nvPr>
+        </p:nvSpPr>
+        <p:spPr/>
+        <p:txBody>
+          <a:bodyPr/>
+          <a:lstStyle/>
+          <a:p>
+            <a:r>
+              <a:rPr lang="en-US" altLang="ko-KR" dirty="0" smtClean="0"/>
+              <a:t>202034017 </a:t>
+            </a:r>
+            <a:r>
+              <a:rPr lang="ko-KR" altLang="en-US" dirty="0" smtClean="0"/>
+              <a:t>최영수 앱 기획 자료</a:t>
+            </a:r>
+            <a:endParaRPr lang="ko-KR" altLang="en-US" dirty="0"/>
+          </a:p>
+        </p:txBody>
+      </p:sp>
+      <p:sp>
+        <p:nvSpPr>
+          <p:cNvPr id="4" name="슬라이드 번호 개체 틀 3"/>
+          <p:cNvSpPr>
+            <a:spLocks noGrp="1"/>
+          </p:cNvSpPr>
+          <p:nvPr>
+            <p:ph type="sldNum" sz="quarter" idx="12"/>
+          </p:nvPr>
+        </p:nvSpPr>
+        <p:spPr/>
+        <p:txBody>
+          <a:bodyPr/>
+          <a:lstStyle/>
+          <a:p>
+            <a:fld id="{88450DA5-2674-45C9-A461-EAD2254577B9}" type="slidenum">
+              <a:rPr lang="ko-KR" altLang="en-US" smtClean="0"/>
+              <a:t>7</a:t>
+            </a:fld>
+            <a:endParaRPr lang="ko-KR" altLang="en-US" dirty="0"/>
+          </a:p>
+        </p:txBody>
+      </p:sp>
+    </p:spTree>
+    <p:extLst>
+      <p:ext uri="{BB962C8B-B14F-4D97-AF65-F5344CB8AC3E}">
+        <p14:creationId xmlns:p14="http://schemas.microsoft.com/office/powerpoint/2010/main" val="3284439031"/>
+      </p:ext>
+    </p:extLst>
+  </p:cSld>
+  <p:clrMapOvr>
+    <a:masterClrMapping/>
+  </p:clrMapOvr>
+  <p:timing>
+    <p:tnLst>
+      <p:par>
+        <p:cTn id="1" dur="indefinite" restart="never" nodeType="tmRoot"/>
+      </p:par>
+    </p:tnLst>
+  </p:timing>
+</p:sld>
+</file>
+
+<file path=ppt/slides/slide8.xml><?xml version="1.0" encoding="utf-8"?>
+<p:sld xmlns:a="http://schemas.openxmlformats.org/drawingml/2006/main" xmlns:r="http://schemas.openxmlformats.org/officeDocument/2006/relationships" xmlns:p="http://schemas.openxmlformats.org/presentationml/2006/main">
+  <p:cSld>
+    <p:spTree>
+      <p:nvGrpSpPr>
+        <p:cNvPr id="1" name=""/>
+        <p:cNvGrpSpPr/>
+        <p:nvPr/>
+      </p:nvGrpSpPr>
+      <p:grpSpPr>
+        <a:xfrm>
+          <a:off x="0" y="0"/>
+          <a:ext cx="0" cy="0"/>
+          <a:chOff x="0" y="0"/>
+          <a:chExt cx="0" cy="0"/>
+        </a:xfrm>
+      </p:grpSpPr>
+      <p:sp>
+        <p:nvSpPr>
+          <p:cNvPr id="27" name="직사각형 26"/>
+          <p:cNvSpPr/>
+          <p:nvPr/>
+        </p:nvSpPr>
+        <p:spPr>
+          <a:xfrm>
+            <a:off x="4601183" y="3083668"/>
+            <a:ext cx="2986391" cy="1333879"/>
+          </a:xfrm>
+          <a:prstGeom prst="rect">
+            <a:avLst/>
+          </a:prstGeom>
+          <a:solidFill>
+            <a:schemeClr val="accent3">
+              <a:lumMod val="50000"/>
+            </a:schemeClr>
+          </a:solidFill>
+          <a:ln>
+            <a:solidFill>
+              <a:schemeClr val="accent6">
+                <a:lumMod val="60000"/>
+                <a:lumOff val="40000"/>
+              </a:schemeClr>
+            </a:solidFill>
+          </a:ln>
+        </p:spPr>
+        <p:style>
+          <a:lnRef idx="2">
+            <a:schemeClr val="accent1">
+              <a:shade val="50000"/>
+            </a:schemeClr>
+          </a:lnRef>
+          <a:fillRef idx="1">
+            <a:schemeClr val="accent1"/>
+          </a:fillRef>
+          <a:effectRef idx="0">
+            <a:schemeClr val="accent1"/>
+          </a:effectRef>
+          <a:fontRef idx="minor">
+            <a:schemeClr val="lt1"/>
+          </a:fontRef>
+        </p:style>
+        <p:txBody>
+          <a:bodyPr rtlCol="0" anchor="ctr"/>
+          <a:lstStyle/>
+          <a:p>
+            <a:endParaRPr lang="ko-KR" altLang="en-US" sz="1600" dirty="0">
+              <a:latin typeface="+mn-ea"/>
+            </a:endParaRPr>
+          </a:p>
+        </p:txBody>
+      </p:sp>
+      <p:sp>
+        <p:nvSpPr>
+          <p:cNvPr id="28" name="직사각형 27"/>
+          <p:cNvSpPr/>
+          <p:nvPr/>
+        </p:nvSpPr>
+        <p:spPr>
+          <a:xfrm>
+            <a:off x="7807525" y="3083668"/>
+            <a:ext cx="2986391" cy="1329601"/>
+          </a:xfrm>
+          <a:prstGeom prst="rect">
+            <a:avLst/>
+          </a:prstGeom>
+          <a:solidFill>
+            <a:schemeClr val="accent3">
+              <a:lumMod val="50000"/>
+            </a:schemeClr>
+          </a:solidFill>
+          <a:ln>
+            <a:solidFill>
+              <a:schemeClr val="accent6">
+                <a:lumMod val="60000"/>
+                <a:lumOff val="40000"/>
+              </a:schemeClr>
+            </a:solidFill>
+          </a:ln>
+        </p:spPr>
+        <p:style>
+          <a:lnRef idx="2">
+            <a:schemeClr val="accent1">
+              <a:shade val="50000"/>
+            </a:schemeClr>
+          </a:lnRef>
+          <a:fillRef idx="1">
+            <a:schemeClr val="accent1"/>
+          </a:fillRef>
+          <a:effectRef idx="0">
+            <a:schemeClr val="accent1"/>
+          </a:effectRef>
+          <a:fontRef idx="minor">
+            <a:schemeClr val="lt1"/>
+          </a:fontRef>
+        </p:style>
+        <p:txBody>
+          <a:bodyPr rtlCol="0" anchor="ctr"/>
+          <a:lstStyle/>
+          <a:p>
+            <a:endParaRPr lang="ko-KR" altLang="en-US" sz="1600">
+              <a:latin typeface="+mn-ea"/>
+            </a:endParaRPr>
+          </a:p>
+        </p:txBody>
+      </p:sp>
+      <p:sp>
+        <p:nvSpPr>
+          <p:cNvPr id="29" name="직사각형 28"/>
+          <p:cNvSpPr/>
+          <p:nvPr/>
+        </p:nvSpPr>
+        <p:spPr>
+          <a:xfrm>
+            <a:off x="4601183" y="4706049"/>
+            <a:ext cx="2986391" cy="1361066"/>
+          </a:xfrm>
+          <a:prstGeom prst="rect">
+            <a:avLst/>
+          </a:prstGeom>
+          <a:solidFill>
+            <a:schemeClr val="accent3">
+              <a:lumMod val="50000"/>
+            </a:schemeClr>
+          </a:solidFill>
+          <a:ln>
+            <a:solidFill>
+              <a:schemeClr val="accent6">
+                <a:lumMod val="60000"/>
+                <a:lumOff val="40000"/>
+              </a:schemeClr>
+            </a:solidFill>
+          </a:ln>
+        </p:spPr>
+        <p:style>
+          <a:lnRef idx="2">
+            <a:schemeClr val="accent1">
+              <a:shade val="50000"/>
+            </a:schemeClr>
+          </a:lnRef>
+          <a:fillRef idx="1">
+            <a:schemeClr val="accent1"/>
+          </a:fillRef>
+          <a:effectRef idx="0">
+            <a:schemeClr val="accent1"/>
+          </a:effectRef>
+          <a:fontRef idx="minor">
+            <a:schemeClr val="lt1"/>
+          </a:fontRef>
+        </p:style>
+        <p:txBody>
+          <a:bodyPr rtlCol="0" anchor="ctr"/>
+          <a:lstStyle/>
+          <a:p>
+            <a:endParaRPr lang="ko-KR" altLang="en-US" sz="1600">
+              <a:latin typeface="+mn-ea"/>
+            </a:endParaRPr>
+          </a:p>
+        </p:txBody>
+      </p:sp>
+      <p:sp>
+        <p:nvSpPr>
+          <p:cNvPr id="30" name="직사각형 29"/>
+          <p:cNvSpPr/>
+          <p:nvPr/>
+        </p:nvSpPr>
+        <p:spPr>
+          <a:xfrm>
+            <a:off x="7807525" y="4706049"/>
+            <a:ext cx="2986391" cy="1361066"/>
+          </a:xfrm>
+          <a:prstGeom prst="rect">
+            <a:avLst/>
+          </a:prstGeom>
+          <a:solidFill>
+            <a:schemeClr val="accent3">
+              <a:lumMod val="50000"/>
+            </a:schemeClr>
+          </a:solidFill>
+          <a:ln>
+            <a:solidFill>
+              <a:schemeClr val="accent6">
+                <a:lumMod val="60000"/>
+                <a:lumOff val="40000"/>
+              </a:schemeClr>
+            </a:solidFill>
+          </a:ln>
+        </p:spPr>
+        <p:style>
+          <a:lnRef idx="2">
+            <a:schemeClr val="accent1">
+              <a:shade val="50000"/>
+            </a:schemeClr>
+          </a:lnRef>
+          <a:fillRef idx="1">
+            <a:schemeClr val="accent1"/>
+          </a:fillRef>
+          <a:effectRef idx="0">
+            <a:schemeClr val="accent1"/>
+          </a:effectRef>
+          <a:fontRef idx="minor">
+            <a:schemeClr val="lt1"/>
+          </a:fontRef>
+        </p:style>
+        <p:txBody>
+          <a:bodyPr rtlCol="0" anchor="ctr"/>
+          <a:lstStyle/>
+          <a:p>
+            <a:endParaRPr lang="ko-KR" altLang="en-US" sz="1600">
+              <a:latin typeface="+mn-ea"/>
+            </a:endParaRPr>
+          </a:p>
+        </p:txBody>
+      </p:sp>
+      <p:sp>
+        <p:nvSpPr>
+          <p:cNvPr id="2" name="제목 1"/>
+          <p:cNvSpPr>
+            <a:spLocks noGrp="1"/>
+          </p:cNvSpPr>
+          <p:nvPr>
+            <p:ph type="title"/>
+          </p:nvPr>
+        </p:nvSpPr>
+        <p:spPr/>
+        <p:txBody>
+          <a:bodyPr/>
+          <a:lstStyle/>
+          <a:p>
+            <a:r>
+              <a:rPr lang="ko-KR" altLang="en-US" dirty="0" smtClean="0"/>
+              <a:t>현황분석</a:t>
+            </a:r>
+            <a:r>
+              <a:rPr lang="en-US" altLang="ko-KR" sz="2800" dirty="0" smtClean="0"/>
+              <a:t>_</a:t>
+            </a:r>
+            <a:r>
+              <a:rPr lang="ko-KR" altLang="en-US" sz="2800" dirty="0" smtClean="0"/>
+              <a:t>교차 </a:t>
+            </a:r>
+            <a:r>
+              <a:rPr lang="en-US" altLang="ko-KR" sz="2800" dirty="0" smtClean="0"/>
+              <a:t>SWOT </a:t>
+            </a:r>
+            <a:r>
+              <a:rPr lang="ko-KR" altLang="en-US" sz="2800" dirty="0" smtClean="0"/>
+              <a:t>분석</a:t>
+            </a:r>
+            <a:endParaRPr lang="ko-KR" altLang="en-US" dirty="0"/>
+          </a:p>
+        </p:txBody>
+      </p:sp>
+      <p:sp>
+        <p:nvSpPr>
+          <p:cNvPr id="5" name="바닥글 개체 틀 4"/>
+          <p:cNvSpPr>
+            <a:spLocks noGrp="1"/>
+          </p:cNvSpPr>
+          <p:nvPr>
+            <p:ph type="ftr" sz="quarter" idx="11"/>
+          </p:nvPr>
+        </p:nvSpPr>
+        <p:spPr/>
+        <p:txBody>
+          <a:bodyPr/>
+          <a:lstStyle/>
+          <a:p>
+            <a:r>
+              <a:rPr lang="en-US" altLang="ko-KR" dirty="0" smtClean="0"/>
+              <a:t>202034017 </a:t>
+            </a:r>
+            <a:r>
+              <a:rPr lang="ko-KR" altLang="en-US" dirty="0" smtClean="0"/>
+              <a:t>최영수 앱 기획 자료</a:t>
+            </a:r>
+            <a:endParaRPr lang="ko-KR" altLang="en-US" dirty="0"/>
+          </a:p>
+        </p:txBody>
+      </p:sp>
+      <p:sp>
+        <p:nvSpPr>
+          <p:cNvPr id="4" name="슬라이드 번호 개체 틀 3"/>
+          <p:cNvSpPr>
+            <a:spLocks noGrp="1"/>
+          </p:cNvSpPr>
+          <p:nvPr>
+            <p:ph type="sldNum" sz="quarter" idx="12"/>
+          </p:nvPr>
+        </p:nvSpPr>
+        <p:spPr/>
+        <p:txBody>
+          <a:bodyPr/>
+          <a:lstStyle/>
+          <a:p>
+            <a:fld id="{88450DA5-2674-45C9-A461-EAD2254577B9}" type="slidenum">
+              <a:rPr lang="ko-KR" altLang="en-US" smtClean="0"/>
+              <a:t>8</a:t>
+            </a:fld>
+            <a:endParaRPr lang="ko-KR" altLang="en-US" dirty="0"/>
+          </a:p>
+        </p:txBody>
+      </p:sp>
+      <p:cxnSp>
+        <p:nvCxnSpPr>
+          <p:cNvPr id="8" name="直線コネクタ 6">
+            <a:extLst>
+              <a:ext uri="{FF2B5EF4-FFF2-40B4-BE49-F238E27FC236}">
+                <a16:creationId xmlns:a16="http://schemas.microsoft.com/office/drawing/2014/main" id="{B3997D23-7F68-9A16-98DD-233CFED69A7E}"/>
+              </a:ext>
+            </a:extLst>
+          </p:cNvPr>
+          <p:cNvCxnSpPr/>
+          <p:nvPr/>
+        </p:nvCxnSpPr>
+        <p:spPr>
+          <a:xfrm>
+            <a:off x="1239316" y="4562730"/>
+            <a:ext cx="9735347" cy="0"/>
+          </a:xfrm>
+          <a:prstGeom prst="line">
+            <a:avLst/>
+          </a:prstGeom>
+          <a:ln w="12700" cmpd="sng">
+            <a:solidFill>
+              <a:srgbClr val="71DB29"/>
+            </a:solidFill>
+          </a:ln>
+          <a:effectLst/>
+        </p:spPr>
+        <p:style>
+          <a:lnRef idx="2">
+            <a:schemeClr val="accent1"/>
+          </a:lnRef>
+          <a:fillRef idx="0">
+            <a:schemeClr val="accent1"/>
+          </a:fillRef>
+          <a:effectRef idx="1">
+            <a:schemeClr val="accent1"/>
+          </a:effectRef>
+          <a:fontRef idx="minor">
+            <a:schemeClr val="tx1"/>
+          </a:fontRef>
+        </p:style>
+      </p:cxnSp>
+      <p:cxnSp>
+        <p:nvCxnSpPr>
+          <p:cNvPr id="9" name="直線コネクタ 3">
+            <a:extLst>
+              <a:ext uri="{FF2B5EF4-FFF2-40B4-BE49-F238E27FC236}">
+                <a16:creationId xmlns:a16="http://schemas.microsoft.com/office/drawing/2014/main" id="{A29FD1F6-7972-1F36-BAF9-33B5511E0FCE}"/>
+              </a:ext>
+            </a:extLst>
+          </p:cNvPr>
+          <p:cNvCxnSpPr/>
+          <p:nvPr/>
+        </p:nvCxnSpPr>
+        <p:spPr>
+          <a:xfrm>
+            <a:off x="7707559" y="1277770"/>
+            <a:ext cx="1" cy="4948709"/>
+          </a:xfrm>
+          <a:prstGeom prst="line">
+            <a:avLst/>
+          </a:prstGeom>
+          <a:ln w="12700" cmpd="sng">
+            <a:solidFill>
+              <a:srgbClr val="00B0F0"/>
+            </a:solidFill>
+          </a:ln>
+          <a:effectLst/>
+        </p:spPr>
+        <p:style>
+          <a:lnRef idx="2">
+            <a:schemeClr val="accent1"/>
+          </a:lnRef>
+          <a:fillRef idx="0">
+            <a:schemeClr val="accent1"/>
+          </a:fillRef>
+          <a:effectRef idx="1">
+            <a:schemeClr val="accent1"/>
+          </a:effectRef>
+          <a:fontRef idx="minor">
+            <a:schemeClr val="tx1"/>
+          </a:fontRef>
+        </p:style>
+      </p:cxnSp>
+      <p:sp>
+        <p:nvSpPr>
+          <p:cNvPr id="10" name="正方形/長方形 22">
+            <a:extLst>
+              <a:ext uri="{FF2B5EF4-FFF2-40B4-BE49-F238E27FC236}">
+                <a16:creationId xmlns:a16="http://schemas.microsoft.com/office/drawing/2014/main" id="{3470E617-D5E1-6F76-A881-F0752B7F0071}"/>
+              </a:ext>
+            </a:extLst>
+          </p:cNvPr>
+          <p:cNvSpPr/>
+          <p:nvPr/>
+        </p:nvSpPr>
+        <p:spPr>
+          <a:xfrm>
+            <a:off x="4495635" y="1277770"/>
+            <a:ext cx="6468198" cy="4948707"/>
+          </a:xfrm>
+          <a:prstGeom prst="rect">
+            <a:avLst/>
+          </a:prstGeom>
+          <a:noFill/>
+          <a:ln w="19050" cmpd="sng">
+            <a:solidFill>
+              <a:srgbClr val="00B0F0"/>
+            </a:solidFill>
+          </a:ln>
+          <a:effectLst/>
+        </p:spPr>
+        <p:style>
+          <a:lnRef idx="1">
+            <a:schemeClr val="accent1"/>
+          </a:lnRef>
+          <a:fillRef idx="3">
+            <a:schemeClr val="accent1"/>
+          </a:fillRef>
+          <a:effectRef idx="2">
+            <a:schemeClr val="accent1"/>
+          </a:effectRef>
+          <a:fontRef idx="minor">
+            <a:schemeClr val="lt1"/>
+          </a:fontRef>
+        </p:style>
+        <p:txBody>
+          <a:bodyPr rtlCol="0" anchor="ctr"/>
+          <a:lstStyle/>
+          <a:p>
+            <a:pPr algn="ctr"/>
+            <a:endParaRPr kumimoji="1" lang="ja-JP" altLang="en-US" dirty="0">
+              <a:latin typeface="Noto Sans KR" panose="020B0500000000000000" pitchFamily="34" charset="-127"/>
+              <a:ea typeface="Noto Sans KR" panose="020B0500000000000000" pitchFamily="34" charset="-127"/>
+            </a:endParaRPr>
+          </a:p>
+        </p:txBody>
+      </p:sp>
+      <p:sp>
+        <p:nvSpPr>
+          <p:cNvPr id="11" name="正方形/長方形 23">
+            <a:extLst>
+              <a:ext uri="{FF2B5EF4-FFF2-40B4-BE49-F238E27FC236}">
+                <a16:creationId xmlns:a16="http://schemas.microsoft.com/office/drawing/2014/main" id="{C12ED016-8BFD-F36F-CACC-E454F80081DB}"/>
+              </a:ext>
+            </a:extLst>
+          </p:cNvPr>
+          <p:cNvSpPr/>
+          <p:nvPr/>
+        </p:nvSpPr>
+        <p:spPr>
+          <a:xfrm>
+            <a:off x="1239315" y="2927338"/>
+            <a:ext cx="9724518" cy="3299138"/>
+          </a:xfrm>
+          <a:prstGeom prst="rect">
+            <a:avLst/>
+          </a:prstGeom>
+          <a:noFill/>
+          <a:ln w="19050" cmpd="sng">
+            <a:solidFill>
+              <a:srgbClr val="71DB29"/>
+            </a:solidFill>
+          </a:ln>
+          <a:effectLst/>
+        </p:spPr>
+        <p:style>
+          <a:lnRef idx="1">
+            <a:schemeClr val="accent1"/>
+          </a:lnRef>
+          <a:fillRef idx="3">
+            <a:schemeClr val="accent1"/>
+          </a:fillRef>
+          <a:effectRef idx="2">
+            <a:schemeClr val="accent1"/>
+          </a:effectRef>
+          <a:fontRef idx="minor">
+            <a:schemeClr val="lt1"/>
+          </a:fontRef>
+        </p:style>
+        <p:txBody>
+          <a:bodyPr rtlCol="0" anchor="ctr"/>
+          <a:lstStyle/>
+          <a:p>
+            <a:pPr algn="ctr"/>
+            <a:endParaRPr kumimoji="1" lang="ja-JP" altLang="en-US" dirty="0">
+              <a:latin typeface="Noto Sans KR" panose="020B0500000000000000" pitchFamily="34" charset="-127"/>
+              <a:ea typeface="Noto Sans KR" panose="020B0500000000000000" pitchFamily="34" charset="-127"/>
+            </a:endParaRPr>
+          </a:p>
+        </p:txBody>
+      </p:sp>
+      <p:sp>
+        <p:nvSpPr>
+          <p:cNvPr id="12" name="직사각형 11">
+            <a:extLst>
+              <a:ext uri="{FF2B5EF4-FFF2-40B4-BE49-F238E27FC236}">
+                <a16:creationId xmlns:a16="http://schemas.microsoft.com/office/drawing/2014/main" id="{1680D675-6385-CA56-26DA-444EEDD94B39}"/>
+              </a:ext>
+            </a:extLst>
+          </p:cNvPr>
+          <p:cNvSpPr/>
+          <p:nvPr/>
+        </p:nvSpPr>
+        <p:spPr>
+          <a:xfrm>
+            <a:off x="1217336" y="1285191"/>
+            <a:ext cx="3128901" cy="1498829"/>
+          </a:xfrm>
+          <a:prstGeom prst="rect">
+            <a:avLst/>
+          </a:prstGeom>
+          <a:noFill/>
+          <a:ln w="12700">
+            <a:solidFill>
+              <a:schemeClr val="tx1">
+                <a:lumMod val="65000"/>
+                <a:lumOff val="35000"/>
+                <a:alpha val="98000"/>
+              </a:schemeClr>
+            </a:solidFill>
+          </a:ln>
+          <a:effectLst/>
+        </p:spPr>
+        <p:style>
+          <a:lnRef idx="1">
+            <a:schemeClr val="accent1"/>
+          </a:lnRef>
+          <a:fillRef idx="3">
+            <a:schemeClr val="accent1"/>
+          </a:fillRef>
+          <a:effectRef idx="2">
+            <a:schemeClr val="accent1"/>
+          </a:effectRef>
+          <a:fontRef idx="minor">
+            <a:schemeClr val="lt1"/>
+          </a:fontRef>
+        </p:style>
+        <p:txBody>
+          <a:bodyPr rtlCol="0" anchor="ctr"/>
+          <a:lstStyle/>
+          <a:p>
+            <a:pPr>
+              <a:lnSpc>
+                <a:spcPct val="150000"/>
+              </a:lnSpc>
+            </a:pPr>
+            <a:r>
+              <a:rPr kumimoji="1" lang="en-US" altLang="ko-KR" sz="1200" dirty="0">
+                <a:solidFill>
+                  <a:schemeClr val="tx1">
+                    <a:lumMod val="75000"/>
+                    <a:lumOff val="25000"/>
+                  </a:schemeClr>
+                </a:solidFill>
+                <a:latin typeface="Noto Sans KR" panose="020B0500000000000000" pitchFamily="34" charset="-127"/>
+                <a:ea typeface="Noto Sans KR" panose="020B0500000000000000" pitchFamily="34" charset="-127"/>
+              </a:rPr>
+              <a:t>※ </a:t>
+            </a:r>
+            <a:r>
+              <a:rPr kumimoji="1" lang="ko-KR" altLang="en-US" sz="1200" dirty="0">
+                <a:solidFill>
+                  <a:schemeClr val="tx1">
+                    <a:lumMod val="75000"/>
+                    <a:lumOff val="25000"/>
+                  </a:schemeClr>
+                </a:solidFill>
+                <a:latin typeface="Noto Sans KR" panose="020B0500000000000000" pitchFamily="34" charset="-127"/>
+                <a:ea typeface="Noto Sans KR" panose="020B0500000000000000" pitchFamily="34" charset="-127"/>
+              </a:rPr>
+              <a:t>작성 순서</a:t>
+            </a:r>
+            <a:endParaRPr kumimoji="1" lang="en-US" altLang="ko-KR" sz="1200" dirty="0">
+              <a:solidFill>
+                <a:schemeClr val="tx1">
+                  <a:lumMod val="75000"/>
+                  <a:lumOff val="25000"/>
+                </a:schemeClr>
+              </a:solidFill>
+              <a:latin typeface="Noto Sans KR" panose="020B0500000000000000" pitchFamily="34" charset="-127"/>
+              <a:ea typeface="Noto Sans KR" panose="020B0500000000000000" pitchFamily="34" charset="-127"/>
+            </a:endParaRPr>
+          </a:p>
+          <a:p>
+            <a:pPr>
+              <a:lnSpc>
+                <a:spcPct val="150000"/>
+              </a:lnSpc>
+            </a:pPr>
+            <a:r>
+              <a:rPr kumimoji="1" lang="ko-KR" altLang="en-US" sz="1200" dirty="0">
+                <a:solidFill>
+                  <a:schemeClr val="tx1">
+                    <a:lumMod val="75000"/>
+                    <a:lumOff val="25000"/>
+                  </a:schemeClr>
+                </a:solidFill>
+                <a:latin typeface="Noto Sans KR" panose="020B0500000000000000" pitchFamily="34" charset="-127"/>
+                <a:ea typeface="Noto Sans KR" panose="020B0500000000000000" pitchFamily="34" charset="-127"/>
+              </a:rPr>
+              <a:t>① 목적 및 목표 설정</a:t>
+            </a:r>
+            <a:endParaRPr kumimoji="1" lang="en-US" altLang="ko-KR" sz="1200" dirty="0">
+              <a:solidFill>
+                <a:schemeClr val="tx1">
+                  <a:lumMod val="75000"/>
+                  <a:lumOff val="25000"/>
+                </a:schemeClr>
+              </a:solidFill>
+              <a:latin typeface="Noto Sans KR" panose="020B0500000000000000" pitchFamily="34" charset="-127"/>
+              <a:ea typeface="Noto Sans KR" panose="020B0500000000000000" pitchFamily="34" charset="-127"/>
+            </a:endParaRPr>
+          </a:p>
+          <a:p>
+            <a:pPr>
+              <a:lnSpc>
+                <a:spcPct val="150000"/>
+              </a:lnSpc>
+            </a:pPr>
+            <a:r>
+              <a:rPr kumimoji="1" lang="ko-KR" altLang="en-US" sz="1200" dirty="0">
+                <a:solidFill>
+                  <a:schemeClr val="tx1">
+                    <a:lumMod val="75000"/>
+                    <a:lumOff val="25000"/>
+                  </a:schemeClr>
+                </a:solidFill>
+                <a:latin typeface="Noto Sans KR" panose="020B0500000000000000" pitchFamily="34" charset="-127"/>
+                <a:ea typeface="Noto Sans KR" panose="020B0500000000000000" pitchFamily="34" charset="-127"/>
+              </a:rPr>
+              <a:t>② 데이터 및 정보 수집</a:t>
+            </a:r>
+            <a:endParaRPr kumimoji="1" lang="en-US" altLang="ko-KR" sz="1200" dirty="0">
+              <a:solidFill>
+                <a:schemeClr val="tx1">
+                  <a:lumMod val="75000"/>
+                  <a:lumOff val="25000"/>
+                </a:schemeClr>
+              </a:solidFill>
+              <a:latin typeface="Noto Sans KR" panose="020B0500000000000000" pitchFamily="34" charset="-127"/>
+              <a:ea typeface="Noto Sans KR" panose="020B0500000000000000" pitchFamily="34" charset="-127"/>
+            </a:endParaRPr>
+          </a:p>
+          <a:p>
+            <a:pPr>
+              <a:lnSpc>
+                <a:spcPct val="150000"/>
+              </a:lnSpc>
+            </a:pPr>
+            <a:r>
+              <a:rPr kumimoji="1" lang="ko-KR" altLang="en-US" sz="1200" dirty="0">
+                <a:solidFill>
+                  <a:schemeClr val="tx1">
+                    <a:lumMod val="75000"/>
+                    <a:lumOff val="25000"/>
+                  </a:schemeClr>
+                </a:solidFill>
+                <a:latin typeface="Noto Sans KR" panose="020B0500000000000000" pitchFamily="34" charset="-127"/>
+                <a:ea typeface="Noto Sans KR" panose="020B0500000000000000" pitchFamily="34" charset="-127"/>
+              </a:rPr>
+              <a:t>③ 강점</a:t>
+            </a:r>
+            <a:r>
+              <a:rPr kumimoji="1" lang="en-US" altLang="ko-KR" sz="1200" dirty="0">
+                <a:solidFill>
+                  <a:schemeClr val="tx1">
+                    <a:lumMod val="75000"/>
+                    <a:lumOff val="25000"/>
+                  </a:schemeClr>
+                </a:solidFill>
+                <a:latin typeface="Noto Sans KR" panose="020B0500000000000000" pitchFamily="34" charset="-127"/>
+                <a:ea typeface="Noto Sans KR" panose="020B0500000000000000" pitchFamily="34" charset="-127"/>
+              </a:rPr>
+              <a:t>, </a:t>
+            </a:r>
+            <a:r>
+              <a:rPr kumimoji="1" lang="ko-KR" altLang="en-US" sz="1200" dirty="0">
+                <a:solidFill>
+                  <a:schemeClr val="tx1">
+                    <a:lumMod val="75000"/>
+                    <a:lumOff val="25000"/>
+                  </a:schemeClr>
+                </a:solidFill>
+                <a:latin typeface="Noto Sans KR" panose="020B0500000000000000" pitchFamily="34" charset="-127"/>
+                <a:ea typeface="Noto Sans KR" panose="020B0500000000000000" pitchFamily="34" charset="-127"/>
+              </a:rPr>
+              <a:t>약점</a:t>
+            </a:r>
+            <a:r>
+              <a:rPr kumimoji="1" lang="en-US" altLang="ko-KR" sz="1200" dirty="0">
+                <a:solidFill>
+                  <a:schemeClr val="tx1">
+                    <a:lumMod val="75000"/>
+                    <a:lumOff val="25000"/>
+                  </a:schemeClr>
+                </a:solidFill>
+                <a:latin typeface="Noto Sans KR" panose="020B0500000000000000" pitchFamily="34" charset="-127"/>
+                <a:ea typeface="Noto Sans KR" panose="020B0500000000000000" pitchFamily="34" charset="-127"/>
+              </a:rPr>
+              <a:t>, </a:t>
+            </a:r>
+            <a:r>
+              <a:rPr kumimoji="1" lang="ko-KR" altLang="en-US" sz="1200" dirty="0">
+                <a:solidFill>
+                  <a:schemeClr val="tx1">
+                    <a:lumMod val="75000"/>
+                    <a:lumOff val="25000"/>
+                  </a:schemeClr>
+                </a:solidFill>
+                <a:latin typeface="Noto Sans KR" panose="020B0500000000000000" pitchFamily="34" charset="-127"/>
+                <a:ea typeface="Noto Sans KR" panose="020B0500000000000000" pitchFamily="34" charset="-127"/>
+              </a:rPr>
+              <a:t>기회 및 위협 식별 </a:t>
+            </a:r>
+            <a:r>
+              <a:rPr kumimoji="1" lang="en-US" altLang="ko-KR" sz="1200" dirty="0">
+                <a:solidFill>
+                  <a:schemeClr val="tx1">
+                    <a:lumMod val="75000"/>
+                    <a:lumOff val="25000"/>
+                  </a:schemeClr>
+                </a:solidFill>
+                <a:latin typeface="Noto Sans KR" panose="020B0500000000000000" pitchFamily="34" charset="-127"/>
+                <a:ea typeface="Noto Sans KR" panose="020B0500000000000000" pitchFamily="34" charset="-127"/>
+              </a:rPr>
+              <a:t>-&gt; SWOT</a:t>
+            </a:r>
+          </a:p>
+          <a:p>
+            <a:pPr>
+              <a:lnSpc>
+                <a:spcPct val="150000"/>
+              </a:lnSpc>
+            </a:pPr>
+            <a:r>
+              <a:rPr kumimoji="1" lang="ko-KR" altLang="en-US" sz="1200" dirty="0">
+                <a:solidFill>
+                  <a:schemeClr val="tx1">
+                    <a:lumMod val="75000"/>
+                    <a:lumOff val="25000"/>
+                  </a:schemeClr>
+                </a:solidFill>
+                <a:latin typeface="Noto Sans KR" panose="020B0500000000000000" pitchFamily="34" charset="-127"/>
+                <a:ea typeface="Noto Sans KR" panose="020B0500000000000000" pitchFamily="34" charset="-127"/>
+              </a:rPr>
+              <a:t>④ 실행 전략 수립</a:t>
+            </a:r>
+            <a:endParaRPr kumimoji="1" lang="en-US" altLang="ko-KR" sz="1200" dirty="0">
+              <a:solidFill>
+                <a:schemeClr val="tx1">
+                  <a:lumMod val="75000"/>
+                  <a:lumOff val="25000"/>
+                </a:schemeClr>
+              </a:solidFill>
+              <a:latin typeface="Noto Sans KR" panose="020B0500000000000000" pitchFamily="34" charset="-127"/>
+              <a:ea typeface="Noto Sans KR" panose="020B0500000000000000" pitchFamily="34" charset="-127"/>
+            </a:endParaRPr>
+          </a:p>
+        </p:txBody>
+      </p:sp>
+      <p:sp>
+        <p:nvSpPr>
+          <p:cNvPr id="13" name="正方形/長方形 79">
+            <a:extLst>
+              <a:ext uri="{FF2B5EF4-FFF2-40B4-BE49-F238E27FC236}">
+                <a16:creationId xmlns:a16="http://schemas.microsoft.com/office/drawing/2014/main" id="{25B9692D-E766-6816-4130-3EECEF235EA3}"/>
+              </a:ext>
+            </a:extLst>
+          </p:cNvPr>
+          <p:cNvSpPr/>
+          <p:nvPr/>
+        </p:nvSpPr>
+        <p:spPr>
+          <a:xfrm>
+            <a:off x="1241599" y="2933481"/>
+            <a:ext cx="391075" cy="1649567"/>
+          </a:xfrm>
+          <a:prstGeom prst="rect">
+            <a:avLst/>
+          </a:prstGeom>
+          <a:solidFill>
+            <a:srgbClr val="0BC58B"/>
+          </a:solidFill>
+        </p:spPr>
+        <p:txBody>
+          <a:bodyPr vert="eaVert" wrap="square" rtlCol="0" anchor="ctr">
+            <a:spAutoFit/>
+          </a:bodyPr>
+          <a:lstStyle/>
+          <a:p>
+            <a:pPr algn="ctr"/>
+            <a:r>
+              <a:rPr lang="ko-KR" altLang="en-US" sz="1200" b="1" dirty="0">
+                <a:solidFill>
+                  <a:schemeClr val="bg1"/>
+                </a:solidFill>
+                <a:latin typeface="Noto Sans KR" panose="020B0500000000000000" pitchFamily="34" charset="-127"/>
+                <a:ea typeface="Noto Sans KR" panose="020B0500000000000000" pitchFamily="34" charset="-127"/>
+              </a:rPr>
+              <a:t>기회 </a:t>
+            </a:r>
+            <a:r>
+              <a:rPr lang="en-US" altLang="ja-JP" sz="1200" b="1" dirty="0">
+                <a:solidFill>
+                  <a:schemeClr val="bg1"/>
+                </a:solidFill>
+                <a:latin typeface="Noto Sans KR" panose="020B0500000000000000" pitchFamily="34" charset="-127"/>
+                <a:ea typeface="Noto Sans KR" panose="020B0500000000000000" pitchFamily="34" charset="-127"/>
+              </a:rPr>
+              <a:t>(</a:t>
+            </a:r>
+            <a:r>
+              <a:rPr lang="en-US" altLang="ja-JP" sz="1200" b="1" dirty="0">
+                <a:solidFill>
+                  <a:srgbClr val="9952E0"/>
+                </a:solidFill>
+                <a:latin typeface="Noto Sans KR" panose="020B0500000000000000" pitchFamily="34" charset="-127"/>
+                <a:ea typeface="Noto Sans KR" panose="020B0500000000000000" pitchFamily="34" charset="-127"/>
+              </a:rPr>
+              <a:t>O</a:t>
+            </a:r>
+            <a:r>
+              <a:rPr lang="en-US" altLang="ja-JP" sz="1200" b="1" dirty="0">
+                <a:solidFill>
+                  <a:schemeClr val="bg1"/>
+                </a:solidFill>
+                <a:latin typeface="Noto Sans KR" panose="020B0500000000000000" pitchFamily="34" charset="-127"/>
+                <a:ea typeface="Noto Sans KR" panose="020B0500000000000000" pitchFamily="34" charset="-127"/>
+              </a:rPr>
+              <a:t>pportunity)</a:t>
+            </a:r>
+            <a:endParaRPr lang="ja-JP" altLang="en-US" sz="1200" b="1" dirty="0">
+              <a:solidFill>
+                <a:schemeClr val="bg1"/>
+              </a:solidFill>
+              <a:latin typeface="Noto Sans KR" panose="020B0500000000000000" pitchFamily="34" charset="-127"/>
+              <a:ea typeface="Noto Sans KR" panose="020B0500000000000000" pitchFamily="34" charset="-127"/>
+            </a:endParaRPr>
+          </a:p>
+        </p:txBody>
+      </p:sp>
+      <p:sp>
+        <p:nvSpPr>
+          <p:cNvPr id="14" name="正方形/長方形 84">
+            <a:extLst>
+              <a:ext uri="{FF2B5EF4-FFF2-40B4-BE49-F238E27FC236}">
+                <a16:creationId xmlns:a16="http://schemas.microsoft.com/office/drawing/2014/main" id="{F1C3F6AC-1E42-EB65-E308-0CC90FE2E69C}"/>
+              </a:ext>
+            </a:extLst>
+          </p:cNvPr>
+          <p:cNvSpPr/>
+          <p:nvPr/>
+        </p:nvSpPr>
+        <p:spPr>
+          <a:xfrm>
+            <a:off x="1241599" y="4569819"/>
+            <a:ext cx="391075" cy="1649567"/>
+          </a:xfrm>
+          <a:prstGeom prst="rect">
+            <a:avLst/>
+          </a:prstGeom>
+          <a:solidFill>
+            <a:srgbClr val="FF8181"/>
+          </a:solidFill>
+        </p:spPr>
+        <p:txBody>
+          <a:bodyPr vert="eaVert" wrap="square" rtlCol="0" anchor="ctr">
+            <a:spAutoFit/>
+          </a:bodyPr>
+          <a:lstStyle/>
+          <a:p>
+            <a:pPr algn="ctr"/>
+            <a:r>
+              <a:rPr lang="ko-KR" altLang="en-US" sz="1200" b="1" dirty="0">
+                <a:solidFill>
+                  <a:schemeClr val="bg1"/>
+                </a:solidFill>
+                <a:latin typeface="Noto Sans KR" panose="020B0500000000000000" pitchFamily="34" charset="-127"/>
+                <a:ea typeface="Noto Sans KR" panose="020B0500000000000000" pitchFamily="34" charset="-127"/>
+              </a:rPr>
+              <a:t>위협 </a:t>
+            </a:r>
+            <a:r>
+              <a:rPr lang="en-US" altLang="ko-KR" sz="1200" b="1" dirty="0">
+                <a:solidFill>
+                  <a:schemeClr val="bg1"/>
+                </a:solidFill>
+                <a:latin typeface="Noto Sans KR" panose="020B0500000000000000" pitchFamily="34" charset="-127"/>
+                <a:ea typeface="Noto Sans KR" panose="020B0500000000000000" pitchFamily="34" charset="-127"/>
+              </a:rPr>
+              <a:t>(</a:t>
+            </a:r>
+            <a:r>
+              <a:rPr lang="en-US" altLang="ja-JP" sz="1200" b="1" dirty="0">
+                <a:solidFill>
+                  <a:srgbClr val="9952E0"/>
+                </a:solidFill>
+                <a:latin typeface="Noto Sans KR" panose="020B0500000000000000" pitchFamily="34" charset="-127"/>
+                <a:ea typeface="Noto Sans KR" panose="020B0500000000000000" pitchFamily="34" charset="-127"/>
+              </a:rPr>
+              <a:t>T</a:t>
+            </a:r>
+            <a:r>
+              <a:rPr lang="en-US" altLang="ja-JP" sz="1200" b="1" dirty="0">
+                <a:solidFill>
+                  <a:schemeClr val="bg1"/>
+                </a:solidFill>
+                <a:latin typeface="Noto Sans KR" panose="020B0500000000000000" pitchFamily="34" charset="-127"/>
+                <a:ea typeface="Noto Sans KR" panose="020B0500000000000000" pitchFamily="34" charset="-127"/>
+              </a:rPr>
+              <a:t>hreat)</a:t>
+            </a:r>
+          </a:p>
+        </p:txBody>
+      </p:sp>
+      <p:sp>
+        <p:nvSpPr>
+          <p:cNvPr id="15" name="직사각형 14">
+            <a:extLst>
+              <a:ext uri="{FF2B5EF4-FFF2-40B4-BE49-F238E27FC236}">
+                <a16:creationId xmlns:a16="http://schemas.microsoft.com/office/drawing/2014/main" id="{EBA3D14D-6756-CDE7-494C-FA5028071ECD}"/>
+              </a:ext>
+            </a:extLst>
+          </p:cNvPr>
+          <p:cNvSpPr/>
+          <p:nvPr/>
+        </p:nvSpPr>
+        <p:spPr>
+          <a:xfrm>
+            <a:off x="4502410" y="1287380"/>
+            <a:ext cx="3201093" cy="276999"/>
+          </a:xfrm>
+          <a:prstGeom prst="rect">
+            <a:avLst/>
+          </a:prstGeom>
+          <a:solidFill>
+            <a:schemeClr val="accent4">
+              <a:lumMod val="60000"/>
+              <a:lumOff val="40000"/>
+            </a:schemeClr>
+          </a:solidFill>
+        </p:spPr>
+        <p:txBody>
+          <a:bodyPr vert="horz" wrap="square" rtlCol="0" anchor="ctr">
+            <a:spAutoFit/>
+          </a:bodyPr>
+          <a:lstStyle/>
+          <a:p>
+            <a:pPr algn="ctr"/>
+            <a:r>
+              <a:rPr lang="ko-KR" altLang="en-US" sz="1200" b="1" dirty="0">
+                <a:solidFill>
+                  <a:schemeClr val="bg1"/>
+                </a:solidFill>
+                <a:latin typeface="Noto Sans KR" panose="020B0500000000000000" pitchFamily="34" charset="-127"/>
+                <a:ea typeface="Noto Sans KR" panose="020B0500000000000000" pitchFamily="34" charset="-127"/>
+              </a:rPr>
+              <a:t>강점 </a:t>
+            </a:r>
+            <a:r>
+              <a:rPr lang="en-US" altLang="ko-KR" sz="1200" b="1" dirty="0">
+                <a:solidFill>
+                  <a:schemeClr val="bg1"/>
+                </a:solidFill>
+                <a:latin typeface="Noto Sans KR" panose="020B0500000000000000" pitchFamily="34" charset="-127"/>
+                <a:ea typeface="Noto Sans KR" panose="020B0500000000000000" pitchFamily="34" charset="-127"/>
+              </a:rPr>
+              <a:t>(</a:t>
+            </a:r>
+            <a:r>
+              <a:rPr lang="en-US" altLang="ja-JP" sz="1200" b="1" dirty="0">
+                <a:solidFill>
+                  <a:srgbClr val="9952E0"/>
+                </a:solidFill>
+                <a:latin typeface="Noto Sans KR" panose="020B0500000000000000" pitchFamily="34" charset="-127"/>
+                <a:ea typeface="Noto Sans KR" panose="020B0500000000000000" pitchFamily="34" charset="-127"/>
+              </a:rPr>
+              <a:t>S</a:t>
+            </a:r>
+            <a:r>
+              <a:rPr lang="en-US" altLang="ja-JP" sz="1200" b="1" dirty="0">
+                <a:solidFill>
+                  <a:schemeClr val="bg1"/>
+                </a:solidFill>
+                <a:latin typeface="Noto Sans KR" panose="020B0500000000000000" pitchFamily="34" charset="-127"/>
+                <a:ea typeface="Noto Sans KR" panose="020B0500000000000000" pitchFamily="34" charset="-127"/>
+              </a:rPr>
+              <a:t>trength)</a:t>
+            </a:r>
+            <a:endParaRPr lang="ja-JP" altLang="en-US" sz="1200" b="1" dirty="0">
+              <a:solidFill>
+                <a:schemeClr val="bg1"/>
+              </a:solidFill>
+              <a:latin typeface="Noto Sans KR" panose="020B0500000000000000" pitchFamily="34" charset="-127"/>
+              <a:ea typeface="Noto Sans KR" panose="020B0500000000000000" pitchFamily="34" charset="-127"/>
+            </a:endParaRPr>
+          </a:p>
+        </p:txBody>
+      </p:sp>
+      <p:sp>
+        <p:nvSpPr>
+          <p:cNvPr id="16" name="직사각형 15">
+            <a:extLst>
+              <a:ext uri="{FF2B5EF4-FFF2-40B4-BE49-F238E27FC236}">
+                <a16:creationId xmlns:a16="http://schemas.microsoft.com/office/drawing/2014/main" id="{1DD69E6E-11DF-A637-4C04-461A738F01C6}"/>
+              </a:ext>
+            </a:extLst>
+          </p:cNvPr>
+          <p:cNvSpPr/>
+          <p:nvPr/>
+        </p:nvSpPr>
+        <p:spPr>
+          <a:xfrm>
+            <a:off x="7714333" y="1284241"/>
+            <a:ext cx="3238715" cy="276999"/>
+          </a:xfrm>
+          <a:prstGeom prst="rect">
+            <a:avLst/>
+          </a:prstGeom>
+          <a:solidFill>
+            <a:schemeClr val="accent1">
+              <a:lumMod val="60000"/>
+              <a:lumOff val="40000"/>
+            </a:schemeClr>
+          </a:solidFill>
+        </p:spPr>
+        <p:txBody>
+          <a:bodyPr vert="horz" wrap="square" rtlCol="0" anchor="ctr">
+            <a:spAutoFit/>
+          </a:bodyPr>
+          <a:lstStyle/>
+          <a:p>
+            <a:pPr algn="ctr"/>
+            <a:r>
+              <a:rPr lang="ko-KR" altLang="en-US" sz="1200" b="1" dirty="0">
+                <a:solidFill>
+                  <a:schemeClr val="bg1"/>
+                </a:solidFill>
+                <a:latin typeface="Noto Sans KR" panose="020B0500000000000000" pitchFamily="34" charset="-127"/>
+                <a:ea typeface="Noto Sans KR" panose="020B0500000000000000" pitchFamily="34" charset="-127"/>
+              </a:rPr>
+              <a:t>약점</a:t>
+            </a:r>
+            <a:r>
+              <a:rPr lang="ja-JP" altLang="en-US" sz="1200" b="1" dirty="0">
+                <a:solidFill>
+                  <a:schemeClr val="bg1"/>
+                </a:solidFill>
+                <a:latin typeface="Noto Sans KR" panose="020B0500000000000000" pitchFamily="34" charset="-127"/>
+                <a:ea typeface="Noto Sans KR" panose="020B0500000000000000" pitchFamily="34" charset="-127"/>
+              </a:rPr>
+              <a:t> </a:t>
+            </a:r>
+            <a:r>
+              <a:rPr lang="en-US" altLang="ja-JP" sz="1200" b="1" dirty="0">
+                <a:solidFill>
+                  <a:schemeClr val="bg1"/>
+                </a:solidFill>
+                <a:latin typeface="Noto Sans KR" panose="020B0500000000000000" pitchFamily="34" charset="-127"/>
+                <a:ea typeface="Noto Sans KR" panose="020B0500000000000000" pitchFamily="34" charset="-127"/>
+              </a:rPr>
+              <a:t>(</a:t>
+            </a:r>
+            <a:r>
+              <a:rPr lang="en-US" altLang="ja-JP" sz="1200" b="1" dirty="0">
+                <a:solidFill>
+                  <a:srgbClr val="9952E0"/>
+                </a:solidFill>
+                <a:latin typeface="Noto Sans KR" panose="020B0500000000000000" pitchFamily="34" charset="-127"/>
+                <a:ea typeface="Noto Sans KR" panose="020B0500000000000000" pitchFamily="34" charset="-127"/>
+              </a:rPr>
+              <a:t>W</a:t>
+            </a:r>
+            <a:r>
+              <a:rPr lang="en-US" altLang="ja-JP" sz="1200" b="1" dirty="0">
+                <a:solidFill>
+                  <a:schemeClr val="bg1"/>
+                </a:solidFill>
+                <a:latin typeface="Noto Sans KR" panose="020B0500000000000000" pitchFamily="34" charset="-127"/>
+                <a:ea typeface="Noto Sans KR" panose="020B0500000000000000" pitchFamily="34" charset="-127"/>
+              </a:rPr>
+              <a:t>eakness)</a:t>
+            </a:r>
+            <a:endParaRPr lang="ko-KR" altLang="en-US" sz="1200" b="1" dirty="0">
+              <a:solidFill>
+                <a:schemeClr val="bg1"/>
+              </a:solidFill>
+              <a:latin typeface="Noto Sans KR" panose="020B0500000000000000" pitchFamily="34" charset="-127"/>
+              <a:ea typeface="Noto Sans KR" panose="020B0500000000000000" pitchFamily="34" charset="-127"/>
+            </a:endParaRPr>
+          </a:p>
+        </p:txBody>
+      </p:sp>
+      <p:sp>
+        <p:nvSpPr>
+          <p:cNvPr id="17" name="사각형: 둥근 모서리 24">
+            <a:extLst>
+              <a:ext uri="{FF2B5EF4-FFF2-40B4-BE49-F238E27FC236}">
+                <a16:creationId xmlns:a16="http://schemas.microsoft.com/office/drawing/2014/main" id="{B0A2E6B5-71B2-F7C7-608C-97F54180A959}"/>
+              </a:ext>
+            </a:extLst>
+          </p:cNvPr>
+          <p:cNvSpPr/>
+          <p:nvPr/>
+        </p:nvSpPr>
+        <p:spPr>
+          <a:xfrm>
+            <a:off x="4701700" y="3005889"/>
+            <a:ext cx="2799796" cy="184513"/>
+          </a:xfrm>
+          <a:prstGeom prst="roundRect">
+            <a:avLst>
+              <a:gd name="adj" fmla="val 50000"/>
+            </a:avLst>
+          </a:prstGeom>
+          <a:solidFill>
+            <a:schemeClr val="tx1">
+              <a:lumMod val="65000"/>
+              <a:lumOff val="35000"/>
+            </a:schemeClr>
+          </a:solidFill>
+        </p:spPr>
+        <p:txBody>
+          <a:bodyPr vert="horz" wrap="square" lIns="0" tIns="0" rIns="0" bIns="0" rtlCol="0" anchor="ctr">
+            <a:spAutoFit/>
+          </a:bodyPr>
+          <a:lstStyle/>
+          <a:p>
+            <a:pPr algn="ctr"/>
+            <a:r>
+              <a:rPr lang="en-US" altLang="ko-KR" sz="1000" b="1" dirty="0" smtClean="0">
+                <a:solidFill>
+                  <a:srgbClr val="9952E0"/>
+                </a:solidFill>
+                <a:latin typeface="Noto Sans KR" panose="020B0500000000000000" pitchFamily="34" charset="-127"/>
+                <a:ea typeface="Noto Sans KR" panose="020B0500000000000000" pitchFamily="34" charset="-127"/>
+              </a:rPr>
+              <a:t>SO</a:t>
+            </a:r>
+            <a:r>
+              <a:rPr lang="en-US" altLang="ko-KR" sz="1000" b="1" dirty="0" smtClean="0">
+                <a:solidFill>
+                  <a:srgbClr val="FF60A6"/>
+                </a:solidFill>
+                <a:latin typeface="Noto Sans KR" panose="020B0500000000000000" pitchFamily="34" charset="-127"/>
+                <a:ea typeface="Noto Sans KR" panose="020B0500000000000000" pitchFamily="34" charset="-127"/>
+              </a:rPr>
+              <a:t> </a:t>
+            </a:r>
+            <a:r>
+              <a:rPr lang="ko-KR" altLang="en-US" sz="1000" b="1" dirty="0" smtClean="0">
+                <a:solidFill>
+                  <a:schemeClr val="accent2">
+                    <a:lumMod val="50000"/>
+                  </a:schemeClr>
+                </a:solidFill>
+                <a:latin typeface="Noto Sans KR" panose="020B0500000000000000" pitchFamily="34" charset="-127"/>
+                <a:ea typeface="Noto Sans KR" panose="020B0500000000000000" pitchFamily="34" charset="-127"/>
+              </a:rPr>
+              <a:t>전략</a:t>
+            </a:r>
+            <a:endParaRPr lang="ja-JP" altLang="en-US" sz="1000" dirty="0">
+              <a:solidFill>
+                <a:schemeClr val="accent2">
+                  <a:lumMod val="50000"/>
+                </a:schemeClr>
+              </a:solidFill>
+              <a:latin typeface="Noto Sans KR" panose="020B0500000000000000" pitchFamily="34" charset="-127"/>
+              <a:ea typeface="Noto Sans KR" panose="020B0500000000000000" pitchFamily="34" charset="-127"/>
+            </a:endParaRPr>
+          </a:p>
+        </p:txBody>
+      </p:sp>
+      <p:sp>
+        <p:nvSpPr>
+          <p:cNvPr id="18" name="사각형: 둥근 모서리 26">
+            <a:extLst>
+              <a:ext uri="{FF2B5EF4-FFF2-40B4-BE49-F238E27FC236}">
+                <a16:creationId xmlns:a16="http://schemas.microsoft.com/office/drawing/2014/main" id="{14850C54-8147-AB79-4EA3-25A1900E7419}"/>
+              </a:ext>
+            </a:extLst>
+          </p:cNvPr>
+          <p:cNvSpPr/>
+          <p:nvPr/>
+        </p:nvSpPr>
+        <p:spPr>
+          <a:xfrm>
+            <a:off x="7913624" y="3005889"/>
+            <a:ext cx="2799796" cy="184513"/>
+          </a:xfrm>
+          <a:prstGeom prst="roundRect">
+            <a:avLst>
+              <a:gd name="adj" fmla="val 50000"/>
+            </a:avLst>
+          </a:prstGeom>
+          <a:solidFill>
+            <a:schemeClr val="tx1">
+              <a:lumMod val="65000"/>
+              <a:lumOff val="35000"/>
+            </a:schemeClr>
+          </a:solidFill>
+        </p:spPr>
+        <p:txBody>
+          <a:bodyPr vert="horz" wrap="square" lIns="0" tIns="0" rIns="0" bIns="0" rtlCol="0" anchor="ctr">
+            <a:spAutoFit/>
+          </a:bodyPr>
+          <a:lstStyle/>
+          <a:p>
+            <a:pPr algn="ctr"/>
+            <a:r>
+              <a:rPr lang="en-US" altLang="ko-KR" sz="1000" b="1" dirty="0" smtClean="0">
+                <a:solidFill>
+                  <a:srgbClr val="9952E0"/>
+                </a:solidFill>
+                <a:latin typeface="Noto Sans KR" panose="020B0500000000000000" pitchFamily="34" charset="-127"/>
+                <a:ea typeface="Noto Sans KR" panose="020B0500000000000000" pitchFamily="34" charset="-127"/>
+              </a:rPr>
+              <a:t>WO</a:t>
+            </a:r>
+            <a:r>
+              <a:rPr lang="en-US" altLang="ko-KR" sz="1000" b="1" dirty="0" smtClean="0">
+                <a:solidFill>
+                  <a:srgbClr val="FF60A6"/>
+                </a:solidFill>
+                <a:latin typeface="Noto Sans KR" panose="020B0500000000000000" pitchFamily="34" charset="-127"/>
+                <a:ea typeface="Noto Sans KR" panose="020B0500000000000000" pitchFamily="34" charset="-127"/>
+              </a:rPr>
+              <a:t> </a:t>
+            </a:r>
+            <a:r>
+              <a:rPr lang="ko-KR" altLang="en-US" sz="1000" b="1" dirty="0" smtClean="0">
+                <a:solidFill>
+                  <a:schemeClr val="accent2">
+                    <a:lumMod val="50000"/>
+                  </a:schemeClr>
+                </a:solidFill>
+                <a:latin typeface="Noto Sans KR" panose="020B0500000000000000" pitchFamily="34" charset="-127"/>
+                <a:ea typeface="Noto Sans KR" panose="020B0500000000000000" pitchFamily="34" charset="-127"/>
+              </a:rPr>
+              <a:t>전략</a:t>
+            </a:r>
+            <a:endParaRPr lang="ja-JP" altLang="en-US" sz="1000" dirty="0">
+              <a:solidFill>
+                <a:schemeClr val="accent2">
+                  <a:lumMod val="50000"/>
+                </a:schemeClr>
+              </a:solidFill>
+              <a:latin typeface="Noto Sans KR" panose="020B0500000000000000" pitchFamily="34" charset="-127"/>
+              <a:ea typeface="Noto Sans KR" panose="020B0500000000000000" pitchFamily="34" charset="-127"/>
+            </a:endParaRPr>
+          </a:p>
+        </p:txBody>
+      </p:sp>
+      <p:sp>
+        <p:nvSpPr>
+          <p:cNvPr id="19" name="사각형: 둥근 모서리 27">
+            <a:extLst>
+              <a:ext uri="{FF2B5EF4-FFF2-40B4-BE49-F238E27FC236}">
+                <a16:creationId xmlns:a16="http://schemas.microsoft.com/office/drawing/2014/main" id="{8891634D-5894-5EED-843A-FD2C1F506A8C}"/>
+              </a:ext>
+            </a:extLst>
+          </p:cNvPr>
+          <p:cNvSpPr/>
+          <p:nvPr/>
+        </p:nvSpPr>
+        <p:spPr>
+          <a:xfrm>
+            <a:off x="7913624" y="4661736"/>
+            <a:ext cx="2799796" cy="184513"/>
+          </a:xfrm>
+          <a:prstGeom prst="roundRect">
+            <a:avLst>
+              <a:gd name="adj" fmla="val 50000"/>
+            </a:avLst>
+          </a:prstGeom>
+          <a:solidFill>
+            <a:schemeClr val="tx1">
+              <a:lumMod val="65000"/>
+              <a:lumOff val="35000"/>
+            </a:schemeClr>
+          </a:solidFill>
+        </p:spPr>
+        <p:txBody>
+          <a:bodyPr vert="horz" wrap="square" lIns="0" tIns="0" rIns="0" bIns="0" rtlCol="0" anchor="ctr">
+            <a:spAutoFit/>
+          </a:bodyPr>
+          <a:lstStyle/>
+          <a:p>
+            <a:pPr algn="ctr"/>
+            <a:r>
+              <a:rPr lang="en-US" altLang="ko-KR" sz="1000" b="1" dirty="0" smtClean="0">
+                <a:solidFill>
+                  <a:srgbClr val="9952E0"/>
+                </a:solidFill>
+                <a:latin typeface="Noto Sans KR" panose="020B0500000000000000" pitchFamily="34" charset="-127"/>
+                <a:ea typeface="Noto Sans KR" panose="020B0500000000000000" pitchFamily="34" charset="-127"/>
+              </a:rPr>
+              <a:t>WT</a:t>
+            </a:r>
+            <a:r>
+              <a:rPr lang="en-US" altLang="ko-KR" sz="1000" b="1" dirty="0" smtClean="0">
+                <a:solidFill>
+                  <a:srgbClr val="FF60A6"/>
+                </a:solidFill>
+                <a:latin typeface="Noto Sans KR" panose="020B0500000000000000" pitchFamily="34" charset="-127"/>
+                <a:ea typeface="Noto Sans KR" panose="020B0500000000000000" pitchFamily="34" charset="-127"/>
+              </a:rPr>
+              <a:t> </a:t>
+            </a:r>
+            <a:r>
+              <a:rPr lang="ko-KR" altLang="en-US" sz="1000" b="1" dirty="0" smtClean="0">
+                <a:solidFill>
+                  <a:schemeClr val="accent2">
+                    <a:lumMod val="50000"/>
+                  </a:schemeClr>
+                </a:solidFill>
+                <a:latin typeface="Noto Sans KR" panose="020B0500000000000000" pitchFamily="34" charset="-127"/>
+                <a:ea typeface="Noto Sans KR" panose="020B0500000000000000" pitchFamily="34" charset="-127"/>
+              </a:rPr>
+              <a:t>전략</a:t>
+            </a:r>
+            <a:endParaRPr lang="ja-JP" altLang="en-US" sz="1000" b="1" dirty="0">
+              <a:solidFill>
+                <a:schemeClr val="accent2">
+                  <a:lumMod val="50000"/>
+                </a:schemeClr>
+              </a:solidFill>
+              <a:latin typeface="Noto Sans KR" panose="020B0500000000000000" pitchFamily="34" charset="-127"/>
+              <a:ea typeface="Noto Sans KR" panose="020B0500000000000000" pitchFamily="34" charset="-127"/>
+            </a:endParaRPr>
+          </a:p>
+        </p:txBody>
+      </p:sp>
+      <p:sp>
+        <p:nvSpPr>
+          <p:cNvPr id="20" name="사각형: 둥근 모서리 28">
+            <a:extLst>
+              <a:ext uri="{FF2B5EF4-FFF2-40B4-BE49-F238E27FC236}">
+                <a16:creationId xmlns:a16="http://schemas.microsoft.com/office/drawing/2014/main" id="{63FF2AC3-1C47-0B2A-E69A-6BD8A9D99325}"/>
+              </a:ext>
+            </a:extLst>
+          </p:cNvPr>
+          <p:cNvSpPr/>
+          <p:nvPr/>
+        </p:nvSpPr>
+        <p:spPr>
+          <a:xfrm>
+            <a:off x="4701700" y="4661736"/>
+            <a:ext cx="2799796" cy="184513"/>
+          </a:xfrm>
+          <a:prstGeom prst="roundRect">
+            <a:avLst>
+              <a:gd name="adj" fmla="val 50000"/>
+            </a:avLst>
+          </a:prstGeom>
+          <a:solidFill>
+            <a:schemeClr val="tx1">
+              <a:lumMod val="65000"/>
+              <a:lumOff val="35000"/>
+            </a:schemeClr>
+          </a:solidFill>
+        </p:spPr>
+        <p:txBody>
+          <a:bodyPr vert="horz" wrap="square" lIns="0" tIns="0" rIns="0" bIns="0" rtlCol="0" anchor="ctr">
+            <a:spAutoFit/>
+          </a:bodyPr>
+          <a:lstStyle/>
+          <a:p>
+            <a:pPr algn="ctr"/>
+            <a:r>
+              <a:rPr lang="en-US" altLang="ko-KR" sz="1000" b="1" dirty="0" smtClean="0">
+                <a:solidFill>
+                  <a:srgbClr val="9952E0"/>
+                </a:solidFill>
+                <a:latin typeface="Noto Sans KR" panose="020B0500000000000000" pitchFamily="34" charset="-127"/>
+                <a:ea typeface="Noto Sans KR" panose="020B0500000000000000" pitchFamily="34" charset="-127"/>
+              </a:rPr>
+              <a:t>ST</a:t>
+            </a:r>
+            <a:r>
+              <a:rPr lang="ko-KR" altLang="en-US" sz="1000" dirty="0" smtClean="0">
+                <a:solidFill>
+                  <a:schemeClr val="bg1"/>
+                </a:solidFill>
+                <a:latin typeface="Noto Sans KR" panose="020B0500000000000000" pitchFamily="34" charset="-127"/>
+                <a:ea typeface="Noto Sans KR" panose="020B0500000000000000" pitchFamily="34" charset="-127"/>
+              </a:rPr>
+              <a:t> </a:t>
+            </a:r>
+            <a:r>
+              <a:rPr lang="ko-KR" altLang="en-US" sz="1000" b="1" dirty="0" smtClean="0">
+                <a:solidFill>
+                  <a:schemeClr val="accent2">
+                    <a:lumMod val="50000"/>
+                  </a:schemeClr>
+                </a:solidFill>
+                <a:latin typeface="Noto Sans KR" panose="020B0500000000000000" pitchFamily="34" charset="-127"/>
+                <a:ea typeface="Noto Sans KR" panose="020B0500000000000000" pitchFamily="34" charset="-127"/>
+              </a:rPr>
+              <a:t>전략</a:t>
+            </a:r>
+            <a:endParaRPr lang="ja-JP" altLang="en-US" sz="1000" b="1" dirty="0">
+              <a:solidFill>
+                <a:schemeClr val="accent2">
+                  <a:lumMod val="50000"/>
+                </a:schemeClr>
+              </a:solidFill>
+              <a:latin typeface="Noto Sans KR" panose="020B0500000000000000" pitchFamily="34" charset="-127"/>
+              <a:ea typeface="Noto Sans KR" panose="020B0500000000000000" pitchFamily="34" charset="-127"/>
+            </a:endParaRPr>
+          </a:p>
+        </p:txBody>
+      </p:sp>
+      <p:sp>
+        <p:nvSpPr>
+          <p:cNvPr id="24" name="직사각형 23"/>
+          <p:cNvSpPr/>
+          <p:nvPr/>
+        </p:nvSpPr>
+        <p:spPr>
+          <a:xfrm>
+            <a:off x="4601183" y="1663430"/>
+            <a:ext cx="2986391" cy="1120590"/>
+          </a:xfrm>
+          <a:prstGeom prst="rect">
+            <a:avLst/>
+          </a:prstGeom>
+          <a:solidFill>
+            <a:schemeClr val="accent3">
+              <a:lumMod val="50000"/>
+            </a:schemeClr>
+          </a:solidFill>
+          <a:ln>
+            <a:solidFill>
+              <a:schemeClr val="accent6">
+                <a:lumMod val="60000"/>
+                <a:lumOff val="40000"/>
+              </a:schemeClr>
+            </a:solidFill>
+          </a:ln>
+        </p:spPr>
+        <p:style>
+          <a:lnRef idx="2">
+            <a:schemeClr val="accent1">
+              <a:shade val="50000"/>
+            </a:schemeClr>
+          </a:lnRef>
+          <a:fillRef idx="1">
+            <a:schemeClr val="accent1"/>
+          </a:fillRef>
+          <a:effectRef idx="0">
+            <a:schemeClr val="accent1"/>
+          </a:effectRef>
+          <a:fontRef idx="minor">
+            <a:schemeClr val="lt1"/>
+          </a:fontRef>
+        </p:style>
+        <p:txBody>
+          <a:bodyPr rtlCol="0" anchor="ctr"/>
+          <a:lstStyle/>
+          <a:p>
+            <a:pPr marL="342900" indent="-342900">
+              <a:buAutoNum type="arabicPeriod"/>
+            </a:pPr>
+            <a:r>
+              <a:rPr lang="ko-KR" altLang="en-US" sz="1600" dirty="0" smtClean="0">
+                <a:latin typeface="+mn-ea"/>
+              </a:rPr>
+              <a:t>앱 </a:t>
+            </a:r>
+            <a:r>
+              <a:rPr lang="ko-KR" altLang="en-US" sz="1600" smtClean="0">
+                <a:latin typeface="+mn-ea"/>
+              </a:rPr>
+              <a:t>기획 능력</a:t>
+            </a:r>
+            <a:endParaRPr lang="ko-KR" altLang="en-US" sz="1600" dirty="0">
+              <a:latin typeface="+mn-ea"/>
+            </a:endParaRPr>
+          </a:p>
+        </p:txBody>
+      </p:sp>
+      <p:sp>
+        <p:nvSpPr>
+          <p:cNvPr id="26" name="직사각형 25"/>
+          <p:cNvSpPr/>
+          <p:nvPr/>
+        </p:nvSpPr>
+        <p:spPr>
+          <a:xfrm>
+            <a:off x="7807525" y="1663430"/>
+            <a:ext cx="2986391" cy="1120590"/>
+          </a:xfrm>
+          <a:prstGeom prst="rect">
+            <a:avLst/>
+          </a:prstGeom>
+          <a:solidFill>
+            <a:schemeClr val="accent3">
+              <a:lumMod val="50000"/>
+            </a:schemeClr>
+          </a:solidFill>
+          <a:ln>
+            <a:solidFill>
+              <a:schemeClr val="accent6">
+                <a:lumMod val="60000"/>
+                <a:lumOff val="40000"/>
+              </a:schemeClr>
+            </a:solidFill>
+          </a:ln>
+        </p:spPr>
+        <p:style>
+          <a:lnRef idx="2">
+            <a:schemeClr val="accent1">
+              <a:shade val="50000"/>
+            </a:schemeClr>
+          </a:lnRef>
+          <a:fillRef idx="1">
+            <a:schemeClr val="accent1"/>
+          </a:fillRef>
+          <a:effectRef idx="0">
+            <a:schemeClr val="accent1"/>
+          </a:effectRef>
+          <a:fontRef idx="minor">
+            <a:schemeClr val="lt1"/>
+          </a:fontRef>
+        </p:style>
+        <p:txBody>
+          <a:bodyPr rtlCol="0" anchor="ctr"/>
+          <a:lstStyle/>
+          <a:p>
+            <a:endParaRPr lang="ko-KR" altLang="en-US" sz="1600">
+              <a:latin typeface="+mn-ea"/>
+            </a:endParaRPr>
+          </a:p>
+        </p:txBody>
+      </p:sp>
+      <p:sp>
+        <p:nvSpPr>
+          <p:cNvPr id="31" name="직사각형 30"/>
+          <p:cNvSpPr/>
+          <p:nvPr/>
+        </p:nvSpPr>
+        <p:spPr>
+          <a:xfrm>
+            <a:off x="1722911" y="3083668"/>
+            <a:ext cx="2662480" cy="1333879"/>
+          </a:xfrm>
+          <a:prstGeom prst="rect">
+            <a:avLst/>
+          </a:prstGeom>
+          <a:solidFill>
+            <a:schemeClr val="accent3">
+              <a:lumMod val="50000"/>
+            </a:schemeClr>
+          </a:solidFill>
+          <a:ln>
+            <a:solidFill>
+              <a:schemeClr val="accent6">
+                <a:lumMod val="60000"/>
+                <a:lumOff val="40000"/>
+              </a:schemeClr>
+            </a:solidFill>
+          </a:ln>
+        </p:spPr>
+        <p:style>
+          <a:lnRef idx="2">
+            <a:schemeClr val="accent1">
+              <a:shade val="50000"/>
+            </a:schemeClr>
+          </a:lnRef>
+          <a:fillRef idx="1">
+            <a:schemeClr val="accent1"/>
+          </a:fillRef>
+          <a:effectRef idx="0">
+            <a:schemeClr val="accent1"/>
+          </a:effectRef>
+          <a:fontRef idx="minor">
+            <a:schemeClr val="lt1"/>
+          </a:fontRef>
+        </p:style>
+        <p:txBody>
+          <a:bodyPr rtlCol="0" anchor="ctr"/>
+          <a:lstStyle/>
+          <a:p>
+            <a:endParaRPr lang="ko-KR" altLang="en-US" sz="1600">
+              <a:latin typeface="+mn-ea"/>
+            </a:endParaRPr>
+          </a:p>
+        </p:txBody>
+      </p:sp>
+      <p:sp>
+        <p:nvSpPr>
+          <p:cNvPr id="32" name="직사각형 31"/>
+          <p:cNvSpPr/>
+          <p:nvPr/>
+        </p:nvSpPr>
+        <p:spPr>
+          <a:xfrm>
+            <a:off x="1722911" y="4706049"/>
+            <a:ext cx="2662480" cy="1361066"/>
+          </a:xfrm>
+          <a:prstGeom prst="rect">
+            <a:avLst/>
+          </a:prstGeom>
+          <a:solidFill>
+            <a:schemeClr val="accent3">
+              <a:lumMod val="50000"/>
+            </a:schemeClr>
+          </a:solidFill>
+          <a:ln>
+            <a:solidFill>
+              <a:schemeClr val="accent6">
+                <a:lumMod val="60000"/>
+                <a:lumOff val="40000"/>
+              </a:schemeClr>
+            </a:solidFill>
+          </a:ln>
+        </p:spPr>
+        <p:style>
+          <a:lnRef idx="2">
+            <a:schemeClr val="accent1">
+              <a:shade val="50000"/>
+            </a:schemeClr>
+          </a:lnRef>
+          <a:fillRef idx="1">
+            <a:schemeClr val="accent1"/>
+          </a:fillRef>
+          <a:effectRef idx="0">
+            <a:schemeClr val="accent1"/>
+          </a:effectRef>
+          <a:fontRef idx="minor">
+            <a:schemeClr val="lt1"/>
+          </a:fontRef>
+        </p:style>
+        <p:txBody>
+          <a:bodyPr rtlCol="0" anchor="ctr"/>
+          <a:lstStyle/>
+          <a:p>
+            <a:endParaRPr lang="ko-KR" altLang="en-US" sz="1600">
+              <a:latin typeface="+mn-ea"/>
+            </a:endParaRPr>
+          </a:p>
+        </p:txBody>
+      </p:sp>
+    </p:spTree>
+    <p:extLst>
+      <p:ext uri="{BB962C8B-B14F-4D97-AF65-F5344CB8AC3E}">
+        <p14:creationId xmlns:p14="http://schemas.microsoft.com/office/powerpoint/2010/main" val="2671037020"/>
       </p:ext>
     </p:extLst>
   </p:cSld>

--- a/대충 설계도.pptx
+++ b/대충 설계도.pptx
@@ -5,10 +5,10 @@
     <p:sldMasterId id="2147483660" r:id="rId1"/>
   </p:sldMasterIdLst>
   <p:notesMasterIdLst>
-    <p:notesMasterId r:id="rId10"/>
+    <p:notesMasterId r:id="rId20"/>
   </p:notesMasterIdLst>
   <p:handoutMasterIdLst>
-    <p:handoutMasterId r:id="rId11"/>
+    <p:handoutMasterId r:id="rId21"/>
   </p:handoutMasterIdLst>
   <p:sldIdLst>
     <p:sldId id="256" r:id="rId2"/>
@@ -16,9 +16,19 @@
     <p:sldId id="260" r:id="rId4"/>
     <p:sldId id="258" r:id="rId5"/>
     <p:sldId id="259" r:id="rId6"/>
-    <p:sldId id="261" r:id="rId7"/>
-    <p:sldId id="263" r:id="rId8"/>
-    <p:sldId id="266" r:id="rId9"/>
+    <p:sldId id="268" r:id="rId7"/>
+    <p:sldId id="269" r:id="rId8"/>
+    <p:sldId id="271" r:id="rId9"/>
+    <p:sldId id="272" r:id="rId10"/>
+    <p:sldId id="273" r:id="rId11"/>
+    <p:sldId id="267" r:id="rId12"/>
+    <p:sldId id="274" r:id="rId13"/>
+    <p:sldId id="277" r:id="rId14"/>
+    <p:sldId id="275" r:id="rId15"/>
+    <p:sldId id="279" r:id="rId16"/>
+    <p:sldId id="278" r:id="rId17"/>
+    <p:sldId id="280" r:id="rId18"/>
+    <p:sldId id="266" r:id="rId19"/>
   </p:sldIdLst>
   <p:sldSz cx="12192000" cy="6858000"/>
   <p:notesSz cx="6858000" cy="9144000"/>
@@ -128,6 +138,18 @@
 </p:presentation>
 </file>
 
+<file path=ppt/commentAuthors.xml><?xml version="1.0" encoding="utf-8"?>
+<p:cmAuthorLst xmlns:a="http://schemas.openxmlformats.org/drawingml/2006/main" xmlns:r="http://schemas.openxmlformats.org/officeDocument/2006/relationships" xmlns:p="http://schemas.openxmlformats.org/presentationml/2006/main">
+  <p:cmAuthor id="1" name="YUHAN" initials="Y" lastIdx="1" clrIdx="0">
+    <p:extLst>
+      <p:ext uri="{19B8F6BF-5375-455C-9EA6-DF929625EA0E}">
+        <p15:presenceInfo xmlns:p15="http://schemas.microsoft.com/office/powerpoint/2012/main" userId="YUHAN" providerId="None"/>
+      </p:ext>
+    </p:extLst>
+  </p:cmAuthor>
+</p:cmAuthorLst>
+</file>
+
 <file path=ppt/handoutMasters/handoutMaster1.xml><?xml version="1.0" encoding="utf-8"?>
 <p:handoutMaster xmlns:a="http://schemas.openxmlformats.org/drawingml/2006/main" xmlns:r="http://schemas.openxmlformats.org/officeDocument/2006/relationships" xmlns:p="http://schemas.openxmlformats.org/presentationml/2006/main">
   <p:cSld>
@@ -210,7 +232,7 @@
           <a:p>
             <a:fld id="{74C9A701-BECF-4E66-B1A9-0DDE51DF3C32}" type="datetimeFigureOut">
               <a:rPr lang="ko-KR" altLang="en-US" smtClean="0"/>
-              <a:t>2024-03-26</a:t>
+              <a:t>2024-04-02</a:t>
             </a:fld>
             <a:endParaRPr lang="ko-KR" altLang="en-US" dirty="0"/>
           </a:p>
@@ -375,7 +397,7 @@
           <a:p>
             <a:fld id="{AFF4EA0E-EAAE-4D3F-AFB4-8B0347A13ED6}" type="datetimeFigureOut">
               <a:rPr lang="ko-KR" altLang="en-US" smtClean="0"/>
-              <a:t>2024-03-26</a:t>
+              <a:t>2024-04-02</a:t>
             </a:fld>
             <a:endParaRPr lang="ko-KR" altLang="en-US" dirty="0"/>
           </a:p>
@@ -643,6 +665,1849 @@
 </p:notesMaster>
 </file>
 
+<file path=ppt/notesSlides/notesSlide1.xml><?xml version="1.0" encoding="utf-8"?>
+<p:notes xmlns:a="http://schemas.openxmlformats.org/drawingml/2006/main" xmlns:r="http://schemas.openxmlformats.org/officeDocument/2006/relationships" xmlns:p="http://schemas.openxmlformats.org/presentationml/2006/main">
+  <p:cSld>
+    <p:spTree>
+      <p:nvGrpSpPr>
+        <p:cNvPr id="1" name=""/>
+        <p:cNvGrpSpPr/>
+        <p:nvPr/>
+      </p:nvGrpSpPr>
+      <p:grpSpPr>
+        <a:xfrm>
+          <a:off x="0" y="0"/>
+          <a:ext cx="0" cy="0"/>
+          <a:chOff x="0" y="0"/>
+          <a:chExt cx="0" cy="0"/>
+        </a:xfrm>
+      </p:grpSpPr>
+      <p:sp>
+        <p:nvSpPr>
+          <p:cNvPr id="2" name="슬라이드 이미지 개체 틀 1"/>
+          <p:cNvSpPr>
+            <a:spLocks noGrp="1" noRot="1" noChangeAspect="1"/>
+          </p:cNvSpPr>
+          <p:nvPr>
+            <p:ph type="sldImg"/>
+          </p:nvPr>
+        </p:nvSpPr>
+        <p:spPr/>
+      </p:sp>
+      <p:sp>
+        <p:nvSpPr>
+          <p:cNvPr id="3" name="슬라이드 노트 개체 틀 2"/>
+          <p:cNvSpPr>
+            <a:spLocks noGrp="1"/>
+          </p:cNvSpPr>
+          <p:nvPr>
+            <p:ph type="body" idx="1"/>
+          </p:nvPr>
+        </p:nvSpPr>
+        <p:spPr/>
+        <p:txBody>
+          <a:bodyPr/>
+          <a:lstStyle/>
+          <a:p>
+            <a:r>
+              <a:rPr lang="ko-KR" altLang="en-US" dirty="0" smtClean="0"/>
+              <a:t>안녕하세요</a:t>
+            </a:r>
+            <a:endParaRPr lang="ko-KR" altLang="en-US" dirty="0"/>
+          </a:p>
+        </p:txBody>
+      </p:sp>
+      <p:sp>
+        <p:nvSpPr>
+          <p:cNvPr id="4" name="슬라이드 번호 개체 틀 3"/>
+          <p:cNvSpPr>
+            <a:spLocks noGrp="1"/>
+          </p:cNvSpPr>
+          <p:nvPr>
+            <p:ph type="sldNum" sz="quarter" idx="10"/>
+          </p:nvPr>
+        </p:nvSpPr>
+        <p:spPr/>
+        <p:txBody>
+          <a:bodyPr/>
+          <a:lstStyle/>
+          <a:p>
+            <a:fld id="{5F42799C-6C35-42D0-BBEF-EEDB7E05DD84}" type="slidenum">
+              <a:rPr lang="ko-KR" altLang="en-US" smtClean="0"/>
+              <a:t>1</a:t>
+            </a:fld>
+            <a:endParaRPr lang="ko-KR" altLang="en-US" dirty="0"/>
+          </a:p>
+        </p:txBody>
+      </p:sp>
+    </p:spTree>
+    <p:extLst>
+      <p:ext uri="{BB962C8B-B14F-4D97-AF65-F5344CB8AC3E}">
+        <p14:creationId xmlns:p14="http://schemas.microsoft.com/office/powerpoint/2010/main" val="4082165133"/>
+      </p:ext>
+    </p:extLst>
+  </p:cSld>
+  <p:clrMapOvr>
+    <a:masterClrMapping/>
+  </p:clrMapOvr>
+</p:notes>
+</file>
+
+<file path=ppt/notesSlides/notesSlide10.xml><?xml version="1.0" encoding="utf-8"?>
+<p:notes xmlns:a="http://schemas.openxmlformats.org/drawingml/2006/main" xmlns:r="http://schemas.openxmlformats.org/officeDocument/2006/relationships" xmlns:p="http://schemas.openxmlformats.org/presentationml/2006/main">
+  <p:cSld>
+    <p:spTree>
+      <p:nvGrpSpPr>
+        <p:cNvPr id="1" name=""/>
+        <p:cNvGrpSpPr/>
+        <p:nvPr/>
+      </p:nvGrpSpPr>
+      <p:grpSpPr>
+        <a:xfrm>
+          <a:off x="0" y="0"/>
+          <a:ext cx="0" cy="0"/>
+          <a:chOff x="0" y="0"/>
+          <a:chExt cx="0" cy="0"/>
+        </a:xfrm>
+      </p:grpSpPr>
+      <p:sp>
+        <p:nvSpPr>
+          <p:cNvPr id="2" name="슬라이드 이미지 개체 틀 1"/>
+          <p:cNvSpPr>
+            <a:spLocks noGrp="1" noRot="1" noChangeAspect="1"/>
+          </p:cNvSpPr>
+          <p:nvPr>
+            <p:ph type="sldImg"/>
+          </p:nvPr>
+        </p:nvSpPr>
+        <p:spPr/>
+      </p:sp>
+      <p:sp>
+        <p:nvSpPr>
+          <p:cNvPr id="3" name="슬라이드 노트 개체 틀 2"/>
+          <p:cNvSpPr>
+            <a:spLocks noGrp="1"/>
+          </p:cNvSpPr>
+          <p:nvPr>
+            <p:ph type="body" idx="1"/>
+          </p:nvPr>
+        </p:nvSpPr>
+        <p:spPr/>
+        <p:txBody>
+          <a:bodyPr/>
+          <a:lstStyle/>
+          <a:p>
+            <a:r>
+              <a:rPr lang="ko-KR" altLang="en-US" dirty="0" smtClean="0"/>
+              <a:t>상세한 정보는 뒤에 나올 비즈니스 모델 캔버스에서 다루고 여기선 한 줄로 정리되는 슬로건으로 임팩트 주기</a:t>
+            </a:r>
+            <a:endParaRPr lang="ko-KR" altLang="en-US" dirty="0"/>
+          </a:p>
+        </p:txBody>
+      </p:sp>
+      <p:sp>
+        <p:nvSpPr>
+          <p:cNvPr id="4" name="슬라이드 번호 개체 틀 3"/>
+          <p:cNvSpPr>
+            <a:spLocks noGrp="1"/>
+          </p:cNvSpPr>
+          <p:nvPr>
+            <p:ph type="sldNum" sz="quarter" idx="10"/>
+          </p:nvPr>
+        </p:nvSpPr>
+        <p:spPr/>
+        <p:txBody>
+          <a:bodyPr/>
+          <a:lstStyle/>
+          <a:p>
+            <a:fld id="{5F42799C-6C35-42D0-BBEF-EEDB7E05DD84}" type="slidenum">
+              <a:rPr lang="ko-KR" altLang="en-US" smtClean="0"/>
+              <a:t>10</a:t>
+            </a:fld>
+            <a:endParaRPr lang="ko-KR" altLang="en-US" dirty="0"/>
+          </a:p>
+        </p:txBody>
+      </p:sp>
+    </p:spTree>
+    <p:extLst>
+      <p:ext uri="{BB962C8B-B14F-4D97-AF65-F5344CB8AC3E}">
+        <p14:creationId xmlns:p14="http://schemas.microsoft.com/office/powerpoint/2010/main" val="2345952717"/>
+      </p:ext>
+    </p:extLst>
+  </p:cSld>
+  <p:clrMapOvr>
+    <a:masterClrMapping/>
+  </p:clrMapOvr>
+</p:notes>
+</file>
+
+<file path=ppt/notesSlides/notesSlide11.xml><?xml version="1.0" encoding="utf-8"?>
+<p:notes xmlns:a="http://schemas.openxmlformats.org/drawingml/2006/main" xmlns:r="http://schemas.openxmlformats.org/officeDocument/2006/relationships" xmlns:p="http://schemas.openxmlformats.org/presentationml/2006/main">
+  <p:cSld>
+    <p:spTree>
+      <p:nvGrpSpPr>
+        <p:cNvPr id="1" name=""/>
+        <p:cNvGrpSpPr/>
+        <p:nvPr/>
+      </p:nvGrpSpPr>
+      <p:grpSpPr>
+        <a:xfrm>
+          <a:off x="0" y="0"/>
+          <a:ext cx="0" cy="0"/>
+          <a:chOff x="0" y="0"/>
+          <a:chExt cx="0" cy="0"/>
+        </a:xfrm>
+      </p:grpSpPr>
+      <p:sp>
+        <p:nvSpPr>
+          <p:cNvPr id="2" name="슬라이드 이미지 개체 틀 1"/>
+          <p:cNvSpPr>
+            <a:spLocks noGrp="1" noRot="1" noChangeAspect="1"/>
+          </p:cNvSpPr>
+          <p:nvPr>
+            <p:ph type="sldImg"/>
+          </p:nvPr>
+        </p:nvSpPr>
+        <p:spPr/>
+      </p:sp>
+      <p:sp>
+        <p:nvSpPr>
+          <p:cNvPr id="3" name="슬라이드 노트 개체 틀 2"/>
+          <p:cNvSpPr>
+            <a:spLocks noGrp="1"/>
+          </p:cNvSpPr>
+          <p:nvPr>
+            <p:ph type="body" idx="1"/>
+          </p:nvPr>
+        </p:nvSpPr>
+        <p:spPr/>
+        <p:txBody>
+          <a:bodyPr/>
+          <a:lstStyle/>
+          <a:p>
+            <a:r>
+              <a:rPr lang="ko-KR" altLang="en-US" dirty="0" smtClean="0"/>
+              <a:t>전부 중요한 내용이라 차라리 빠르게 넘기기</a:t>
+            </a:r>
+            <a:endParaRPr lang="en-US" altLang="ko-KR" dirty="0" smtClean="0"/>
+          </a:p>
+          <a:p>
+            <a:r>
+              <a:rPr lang="ko-KR" altLang="en-US" smtClean="0"/>
+              <a:t>아예 없애버릴 생각도 할 만함</a:t>
+            </a:r>
+            <a:r>
+              <a:rPr lang="en-US" altLang="ko-KR" dirty="0" smtClean="0"/>
+              <a:t>.</a:t>
+            </a:r>
+            <a:endParaRPr lang="ko-KR" altLang="en-US" dirty="0"/>
+          </a:p>
+        </p:txBody>
+      </p:sp>
+      <p:sp>
+        <p:nvSpPr>
+          <p:cNvPr id="4" name="슬라이드 번호 개체 틀 3"/>
+          <p:cNvSpPr>
+            <a:spLocks noGrp="1"/>
+          </p:cNvSpPr>
+          <p:nvPr>
+            <p:ph type="sldNum" sz="quarter" idx="10"/>
+          </p:nvPr>
+        </p:nvSpPr>
+        <p:spPr/>
+        <p:txBody>
+          <a:bodyPr/>
+          <a:lstStyle/>
+          <a:p>
+            <a:fld id="{5F42799C-6C35-42D0-BBEF-EEDB7E05DD84}" type="slidenum">
+              <a:rPr lang="ko-KR" altLang="en-US" smtClean="0"/>
+              <a:t>11</a:t>
+            </a:fld>
+            <a:endParaRPr lang="ko-KR" altLang="en-US" dirty="0"/>
+          </a:p>
+        </p:txBody>
+      </p:sp>
+    </p:spTree>
+    <p:extLst>
+      <p:ext uri="{BB962C8B-B14F-4D97-AF65-F5344CB8AC3E}">
+        <p14:creationId xmlns:p14="http://schemas.microsoft.com/office/powerpoint/2010/main" val="3365444863"/>
+      </p:ext>
+    </p:extLst>
+  </p:cSld>
+  <p:clrMapOvr>
+    <a:masterClrMapping/>
+  </p:clrMapOvr>
+</p:notes>
+</file>
+
+<file path=ppt/notesSlides/notesSlide12.xml><?xml version="1.0" encoding="utf-8"?>
+<p:notes xmlns:a="http://schemas.openxmlformats.org/drawingml/2006/main" xmlns:r="http://schemas.openxmlformats.org/officeDocument/2006/relationships" xmlns:p="http://schemas.openxmlformats.org/presentationml/2006/main">
+  <p:cSld>
+    <p:spTree>
+      <p:nvGrpSpPr>
+        <p:cNvPr id="1" name=""/>
+        <p:cNvGrpSpPr/>
+        <p:nvPr/>
+      </p:nvGrpSpPr>
+      <p:grpSpPr>
+        <a:xfrm>
+          <a:off x="0" y="0"/>
+          <a:ext cx="0" cy="0"/>
+          <a:chOff x="0" y="0"/>
+          <a:chExt cx="0" cy="0"/>
+        </a:xfrm>
+      </p:grpSpPr>
+      <p:sp>
+        <p:nvSpPr>
+          <p:cNvPr id="2" name="슬라이드 이미지 개체 틀 1"/>
+          <p:cNvSpPr>
+            <a:spLocks noGrp="1" noRot="1" noChangeAspect="1"/>
+          </p:cNvSpPr>
+          <p:nvPr>
+            <p:ph type="sldImg"/>
+          </p:nvPr>
+        </p:nvSpPr>
+        <p:spPr/>
+      </p:sp>
+      <p:sp>
+        <p:nvSpPr>
+          <p:cNvPr id="3" name="슬라이드 노트 개체 틀 2"/>
+          <p:cNvSpPr>
+            <a:spLocks noGrp="1"/>
+          </p:cNvSpPr>
+          <p:nvPr>
+            <p:ph type="body" idx="1"/>
+          </p:nvPr>
+        </p:nvSpPr>
+        <p:spPr/>
+        <p:txBody>
+          <a:bodyPr/>
+          <a:lstStyle/>
+          <a:p>
+            <a:r>
+              <a:rPr lang="ko-KR" altLang="en-US" dirty="0" smtClean="0"/>
+              <a:t>스토리보드는 앱의 </a:t>
+            </a:r>
+            <a:r>
+              <a:rPr lang="ko-KR" altLang="en-US" dirty="0" err="1" smtClean="0"/>
+              <a:t>플로우를</a:t>
+            </a:r>
+            <a:r>
+              <a:rPr lang="ko-KR" altLang="en-US" dirty="0" smtClean="0"/>
+              <a:t> 설명하는 느낌으로 만든다</a:t>
+            </a:r>
+            <a:r>
+              <a:rPr lang="en-US" altLang="ko-KR" dirty="0" smtClean="0"/>
+              <a:t>.</a:t>
+            </a:r>
+          </a:p>
+          <a:p>
+            <a:r>
+              <a:rPr lang="ko-KR" altLang="en-US" dirty="0" smtClean="0"/>
+              <a:t>사용자의 관점에서 예시를 들어가며 설명</a:t>
+            </a:r>
+            <a:endParaRPr lang="ko-KR" altLang="en-US" dirty="0"/>
+          </a:p>
+        </p:txBody>
+      </p:sp>
+      <p:sp>
+        <p:nvSpPr>
+          <p:cNvPr id="4" name="슬라이드 번호 개체 틀 3"/>
+          <p:cNvSpPr>
+            <a:spLocks noGrp="1"/>
+          </p:cNvSpPr>
+          <p:nvPr>
+            <p:ph type="sldNum" sz="quarter" idx="10"/>
+          </p:nvPr>
+        </p:nvSpPr>
+        <p:spPr/>
+        <p:txBody>
+          <a:bodyPr/>
+          <a:lstStyle/>
+          <a:p>
+            <a:fld id="{5F42799C-6C35-42D0-BBEF-EEDB7E05DD84}" type="slidenum">
+              <a:rPr lang="ko-KR" altLang="en-US" smtClean="0"/>
+              <a:t>12</a:t>
+            </a:fld>
+            <a:endParaRPr lang="ko-KR" altLang="en-US" dirty="0"/>
+          </a:p>
+        </p:txBody>
+      </p:sp>
+    </p:spTree>
+    <p:extLst>
+      <p:ext uri="{BB962C8B-B14F-4D97-AF65-F5344CB8AC3E}">
+        <p14:creationId xmlns:p14="http://schemas.microsoft.com/office/powerpoint/2010/main" val="3347057765"/>
+      </p:ext>
+    </p:extLst>
+  </p:cSld>
+  <p:clrMapOvr>
+    <a:masterClrMapping/>
+  </p:clrMapOvr>
+</p:notes>
+</file>
+
+<file path=ppt/notesSlides/notesSlide13.xml><?xml version="1.0" encoding="utf-8"?>
+<p:notes xmlns:a="http://schemas.openxmlformats.org/drawingml/2006/main" xmlns:r="http://schemas.openxmlformats.org/officeDocument/2006/relationships" xmlns:p="http://schemas.openxmlformats.org/presentationml/2006/main">
+  <p:cSld>
+    <p:spTree>
+      <p:nvGrpSpPr>
+        <p:cNvPr id="1" name=""/>
+        <p:cNvGrpSpPr/>
+        <p:nvPr/>
+      </p:nvGrpSpPr>
+      <p:grpSpPr>
+        <a:xfrm>
+          <a:off x="0" y="0"/>
+          <a:ext cx="0" cy="0"/>
+          <a:chOff x="0" y="0"/>
+          <a:chExt cx="0" cy="0"/>
+        </a:xfrm>
+      </p:grpSpPr>
+      <p:sp>
+        <p:nvSpPr>
+          <p:cNvPr id="2" name="슬라이드 이미지 개체 틀 1"/>
+          <p:cNvSpPr>
+            <a:spLocks noGrp="1" noRot="1" noChangeAspect="1"/>
+          </p:cNvSpPr>
+          <p:nvPr>
+            <p:ph type="sldImg"/>
+          </p:nvPr>
+        </p:nvSpPr>
+        <p:spPr/>
+      </p:sp>
+      <p:sp>
+        <p:nvSpPr>
+          <p:cNvPr id="3" name="슬라이드 노트 개체 틀 2"/>
+          <p:cNvSpPr>
+            <a:spLocks noGrp="1"/>
+          </p:cNvSpPr>
+          <p:nvPr>
+            <p:ph type="body" idx="1"/>
+          </p:nvPr>
+        </p:nvSpPr>
+        <p:spPr/>
+        <p:txBody>
+          <a:bodyPr/>
+          <a:lstStyle/>
+          <a:p>
+            <a:r>
+              <a:rPr lang="ko-KR" altLang="en-US" dirty="0" smtClean="0"/>
+              <a:t>팀장 </a:t>
+            </a:r>
+            <a:r>
+              <a:rPr lang="en-US" altLang="ko-KR" dirty="0" smtClean="0"/>
+              <a:t>A</a:t>
+            </a:r>
+            <a:r>
+              <a:rPr lang="ko-KR" altLang="en-US" dirty="0" smtClean="0"/>
+              <a:t>가 공모전 정보를 보고 파티를 만드는 </a:t>
+            </a:r>
+            <a:r>
+              <a:rPr lang="ko-KR" altLang="en-US" dirty="0" err="1" smtClean="0"/>
+              <a:t>플로우</a:t>
+            </a:r>
+            <a:endParaRPr lang="en-US" altLang="ko-KR" dirty="0" smtClean="0"/>
+          </a:p>
+          <a:p>
+            <a:endParaRPr lang="ko-KR" altLang="en-US" dirty="0"/>
+          </a:p>
+        </p:txBody>
+      </p:sp>
+      <p:sp>
+        <p:nvSpPr>
+          <p:cNvPr id="4" name="슬라이드 번호 개체 틀 3"/>
+          <p:cNvSpPr>
+            <a:spLocks noGrp="1"/>
+          </p:cNvSpPr>
+          <p:nvPr>
+            <p:ph type="sldNum" sz="quarter" idx="10"/>
+          </p:nvPr>
+        </p:nvSpPr>
+        <p:spPr/>
+        <p:txBody>
+          <a:bodyPr/>
+          <a:lstStyle/>
+          <a:p>
+            <a:fld id="{5F42799C-6C35-42D0-BBEF-EEDB7E05DD84}" type="slidenum">
+              <a:rPr lang="ko-KR" altLang="en-US" smtClean="0"/>
+              <a:t>13</a:t>
+            </a:fld>
+            <a:endParaRPr lang="ko-KR" altLang="en-US" dirty="0"/>
+          </a:p>
+        </p:txBody>
+      </p:sp>
+    </p:spTree>
+    <p:extLst>
+      <p:ext uri="{BB962C8B-B14F-4D97-AF65-F5344CB8AC3E}">
+        <p14:creationId xmlns:p14="http://schemas.microsoft.com/office/powerpoint/2010/main" val="735957957"/>
+      </p:ext>
+    </p:extLst>
+  </p:cSld>
+  <p:clrMapOvr>
+    <a:masterClrMapping/>
+  </p:clrMapOvr>
+</p:notes>
+</file>
+
+<file path=ppt/notesSlides/notesSlide14.xml><?xml version="1.0" encoding="utf-8"?>
+<p:notes xmlns:a="http://schemas.openxmlformats.org/drawingml/2006/main" xmlns:r="http://schemas.openxmlformats.org/officeDocument/2006/relationships" xmlns:p="http://schemas.openxmlformats.org/presentationml/2006/main">
+  <p:cSld>
+    <p:spTree>
+      <p:nvGrpSpPr>
+        <p:cNvPr id="1" name=""/>
+        <p:cNvGrpSpPr/>
+        <p:nvPr/>
+      </p:nvGrpSpPr>
+      <p:grpSpPr>
+        <a:xfrm>
+          <a:off x="0" y="0"/>
+          <a:ext cx="0" cy="0"/>
+          <a:chOff x="0" y="0"/>
+          <a:chExt cx="0" cy="0"/>
+        </a:xfrm>
+      </p:grpSpPr>
+      <p:sp>
+        <p:nvSpPr>
+          <p:cNvPr id="2" name="슬라이드 이미지 개체 틀 1"/>
+          <p:cNvSpPr>
+            <a:spLocks noGrp="1" noRot="1" noChangeAspect="1"/>
+          </p:cNvSpPr>
+          <p:nvPr>
+            <p:ph type="sldImg"/>
+          </p:nvPr>
+        </p:nvSpPr>
+        <p:spPr/>
+      </p:sp>
+      <p:sp>
+        <p:nvSpPr>
+          <p:cNvPr id="3" name="슬라이드 노트 개체 틀 2"/>
+          <p:cNvSpPr>
+            <a:spLocks noGrp="1"/>
+          </p:cNvSpPr>
+          <p:nvPr>
+            <p:ph type="body" idx="1"/>
+          </p:nvPr>
+        </p:nvSpPr>
+        <p:spPr/>
+        <p:txBody>
+          <a:bodyPr/>
+          <a:lstStyle/>
+          <a:p>
+            <a:r>
+              <a:rPr lang="ko-KR" altLang="en-US" dirty="0" smtClean="0"/>
+              <a:t>팀원 </a:t>
+            </a:r>
+            <a:r>
+              <a:rPr lang="en-US" altLang="ko-KR" dirty="0" smtClean="0"/>
+              <a:t>B</a:t>
+            </a:r>
+            <a:r>
+              <a:rPr lang="ko-KR" altLang="en-US" dirty="0" smtClean="0"/>
+              <a:t>가 팀장 </a:t>
+            </a:r>
+            <a:r>
+              <a:rPr lang="en-US" altLang="ko-KR" dirty="0" smtClean="0"/>
+              <a:t>A</a:t>
+            </a:r>
+            <a:r>
+              <a:rPr lang="ko-KR" altLang="en-US" dirty="0" smtClean="0"/>
+              <a:t>가 만든 파티에 들어가는 </a:t>
+            </a:r>
+            <a:r>
+              <a:rPr lang="ko-KR" altLang="en-US" dirty="0" err="1" smtClean="0"/>
+              <a:t>플로우</a:t>
+            </a:r>
+            <a:endParaRPr lang="ko-KR" altLang="en-US" dirty="0"/>
+          </a:p>
+        </p:txBody>
+      </p:sp>
+      <p:sp>
+        <p:nvSpPr>
+          <p:cNvPr id="4" name="슬라이드 번호 개체 틀 3"/>
+          <p:cNvSpPr>
+            <a:spLocks noGrp="1"/>
+          </p:cNvSpPr>
+          <p:nvPr>
+            <p:ph type="sldNum" sz="quarter" idx="10"/>
+          </p:nvPr>
+        </p:nvSpPr>
+        <p:spPr/>
+        <p:txBody>
+          <a:bodyPr/>
+          <a:lstStyle/>
+          <a:p>
+            <a:fld id="{5F42799C-6C35-42D0-BBEF-EEDB7E05DD84}" type="slidenum">
+              <a:rPr lang="ko-KR" altLang="en-US" smtClean="0"/>
+              <a:t>14</a:t>
+            </a:fld>
+            <a:endParaRPr lang="ko-KR" altLang="en-US" dirty="0"/>
+          </a:p>
+        </p:txBody>
+      </p:sp>
+    </p:spTree>
+    <p:extLst>
+      <p:ext uri="{BB962C8B-B14F-4D97-AF65-F5344CB8AC3E}">
+        <p14:creationId xmlns:p14="http://schemas.microsoft.com/office/powerpoint/2010/main" val="1528019374"/>
+      </p:ext>
+    </p:extLst>
+  </p:cSld>
+  <p:clrMapOvr>
+    <a:masterClrMapping/>
+  </p:clrMapOvr>
+</p:notes>
+</file>
+
+<file path=ppt/notesSlides/notesSlide15.xml><?xml version="1.0" encoding="utf-8"?>
+<p:notes xmlns:a="http://schemas.openxmlformats.org/drawingml/2006/main" xmlns:r="http://schemas.openxmlformats.org/officeDocument/2006/relationships" xmlns:p="http://schemas.openxmlformats.org/presentationml/2006/main">
+  <p:cSld>
+    <p:spTree>
+      <p:nvGrpSpPr>
+        <p:cNvPr id="1" name=""/>
+        <p:cNvGrpSpPr/>
+        <p:nvPr/>
+      </p:nvGrpSpPr>
+      <p:grpSpPr>
+        <a:xfrm>
+          <a:off x="0" y="0"/>
+          <a:ext cx="0" cy="0"/>
+          <a:chOff x="0" y="0"/>
+          <a:chExt cx="0" cy="0"/>
+        </a:xfrm>
+      </p:grpSpPr>
+      <p:sp>
+        <p:nvSpPr>
+          <p:cNvPr id="2" name="슬라이드 이미지 개체 틀 1"/>
+          <p:cNvSpPr>
+            <a:spLocks noGrp="1" noRot="1" noChangeAspect="1"/>
+          </p:cNvSpPr>
+          <p:nvPr>
+            <p:ph type="sldImg"/>
+          </p:nvPr>
+        </p:nvSpPr>
+        <p:spPr/>
+      </p:sp>
+      <p:sp>
+        <p:nvSpPr>
+          <p:cNvPr id="3" name="슬라이드 노트 개체 틀 2"/>
+          <p:cNvSpPr>
+            <a:spLocks noGrp="1"/>
+          </p:cNvSpPr>
+          <p:nvPr>
+            <p:ph type="body" idx="1"/>
+          </p:nvPr>
+        </p:nvSpPr>
+        <p:spPr/>
+        <p:txBody>
+          <a:bodyPr/>
+          <a:lstStyle/>
+          <a:p>
+            <a:r>
+              <a:rPr lang="ko-KR" altLang="en-US" dirty="0" smtClean="0"/>
+              <a:t>위에서 팀원을 찾고</a:t>
+            </a:r>
+            <a:r>
+              <a:rPr lang="en-US" altLang="ko-KR" dirty="0" smtClean="0"/>
+              <a:t>, </a:t>
+            </a:r>
+            <a:r>
+              <a:rPr lang="ko-KR" altLang="en-US" dirty="0" smtClean="0"/>
+              <a:t>팀에 들어가는 방식으로 만들어진 파티를 활용</a:t>
+            </a:r>
+            <a:r>
+              <a:rPr lang="en-US" altLang="ko-KR" dirty="0" smtClean="0"/>
+              <a:t>, </a:t>
+            </a:r>
+            <a:r>
+              <a:rPr lang="ko-KR" altLang="en-US" dirty="0" smtClean="0"/>
+              <a:t>공모전에 신청하는 </a:t>
+            </a:r>
+            <a:r>
+              <a:rPr lang="ko-KR" altLang="en-US" dirty="0" err="1" smtClean="0"/>
+              <a:t>플로우</a:t>
+            </a:r>
+            <a:endParaRPr lang="ko-KR" altLang="en-US" dirty="0"/>
+          </a:p>
+        </p:txBody>
+      </p:sp>
+      <p:sp>
+        <p:nvSpPr>
+          <p:cNvPr id="4" name="슬라이드 번호 개체 틀 3"/>
+          <p:cNvSpPr>
+            <a:spLocks noGrp="1"/>
+          </p:cNvSpPr>
+          <p:nvPr>
+            <p:ph type="sldNum" sz="quarter" idx="10"/>
+          </p:nvPr>
+        </p:nvSpPr>
+        <p:spPr/>
+        <p:txBody>
+          <a:bodyPr/>
+          <a:lstStyle/>
+          <a:p>
+            <a:fld id="{5F42799C-6C35-42D0-BBEF-EEDB7E05DD84}" type="slidenum">
+              <a:rPr lang="ko-KR" altLang="en-US" smtClean="0"/>
+              <a:t>15</a:t>
+            </a:fld>
+            <a:endParaRPr lang="ko-KR" altLang="en-US" dirty="0"/>
+          </a:p>
+        </p:txBody>
+      </p:sp>
+    </p:spTree>
+    <p:extLst>
+      <p:ext uri="{BB962C8B-B14F-4D97-AF65-F5344CB8AC3E}">
+        <p14:creationId xmlns:p14="http://schemas.microsoft.com/office/powerpoint/2010/main" val="4081930972"/>
+      </p:ext>
+    </p:extLst>
+  </p:cSld>
+  <p:clrMapOvr>
+    <a:masterClrMapping/>
+  </p:clrMapOvr>
+</p:notes>
+</file>
+
+<file path=ppt/notesSlides/notesSlide16.xml><?xml version="1.0" encoding="utf-8"?>
+<p:notes xmlns:a="http://schemas.openxmlformats.org/drawingml/2006/main" xmlns:r="http://schemas.openxmlformats.org/officeDocument/2006/relationships" xmlns:p="http://schemas.openxmlformats.org/presentationml/2006/main">
+  <p:cSld>
+    <p:spTree>
+      <p:nvGrpSpPr>
+        <p:cNvPr id="1" name=""/>
+        <p:cNvGrpSpPr/>
+        <p:nvPr/>
+      </p:nvGrpSpPr>
+      <p:grpSpPr>
+        <a:xfrm>
+          <a:off x="0" y="0"/>
+          <a:ext cx="0" cy="0"/>
+          <a:chOff x="0" y="0"/>
+          <a:chExt cx="0" cy="0"/>
+        </a:xfrm>
+      </p:grpSpPr>
+      <p:sp>
+        <p:nvSpPr>
+          <p:cNvPr id="2" name="슬라이드 이미지 개체 틀 1"/>
+          <p:cNvSpPr>
+            <a:spLocks noGrp="1" noRot="1" noChangeAspect="1"/>
+          </p:cNvSpPr>
+          <p:nvPr>
+            <p:ph type="sldImg"/>
+          </p:nvPr>
+        </p:nvSpPr>
+        <p:spPr/>
+      </p:sp>
+      <p:sp>
+        <p:nvSpPr>
+          <p:cNvPr id="3" name="슬라이드 노트 개체 틀 2"/>
+          <p:cNvSpPr>
+            <a:spLocks noGrp="1"/>
+          </p:cNvSpPr>
+          <p:nvPr>
+            <p:ph type="body" idx="1"/>
+          </p:nvPr>
+        </p:nvSpPr>
+        <p:spPr/>
+        <p:txBody>
+          <a:bodyPr/>
+          <a:lstStyle/>
+          <a:p>
+            <a:r>
+              <a:rPr lang="ko-KR" altLang="en-US" dirty="0" smtClean="0"/>
+              <a:t>신청한 파티로 공모전을 성공적으로 마친 상황</a:t>
+            </a:r>
+            <a:r>
+              <a:rPr lang="en-US" altLang="ko-KR" dirty="0" smtClean="0"/>
+              <a:t>,</a:t>
+            </a:r>
+          </a:p>
+          <a:p>
+            <a:r>
+              <a:rPr lang="ko-KR" altLang="en-US" dirty="0" smtClean="0"/>
+              <a:t>상호 평가</a:t>
+            </a:r>
+            <a:r>
+              <a:rPr lang="en-US" altLang="ko-KR" dirty="0" smtClean="0"/>
+              <a:t>, </a:t>
+            </a:r>
+            <a:r>
+              <a:rPr lang="ko-KR" altLang="en-US" dirty="0" smtClean="0"/>
+              <a:t>상금 분배와 같은 </a:t>
+            </a:r>
+            <a:r>
+              <a:rPr lang="en-US" altLang="ko-KR" dirty="0" smtClean="0"/>
+              <a:t>“</a:t>
+            </a:r>
+            <a:r>
+              <a:rPr lang="ko-KR" altLang="en-US" dirty="0" smtClean="0"/>
+              <a:t>사용자의 앱 사용 종료 단계</a:t>
+            </a:r>
+            <a:r>
+              <a:rPr lang="en-US" altLang="ko-KR" dirty="0" smtClean="0"/>
+              <a:t>”</a:t>
+            </a:r>
+            <a:r>
+              <a:rPr lang="ko-KR" altLang="en-US" dirty="0" smtClean="0"/>
+              <a:t>의</a:t>
+            </a:r>
+            <a:r>
+              <a:rPr lang="ko-KR" altLang="en-US" dirty="0" smtClean="0"/>
+              <a:t> </a:t>
+            </a:r>
+            <a:r>
+              <a:rPr lang="ko-KR" altLang="en-US" dirty="0" err="1" smtClean="0"/>
+              <a:t>플로우</a:t>
+            </a:r>
+            <a:endParaRPr lang="ko-KR" altLang="en-US" dirty="0"/>
+          </a:p>
+        </p:txBody>
+      </p:sp>
+      <p:sp>
+        <p:nvSpPr>
+          <p:cNvPr id="4" name="슬라이드 번호 개체 틀 3"/>
+          <p:cNvSpPr>
+            <a:spLocks noGrp="1"/>
+          </p:cNvSpPr>
+          <p:nvPr>
+            <p:ph type="sldNum" sz="quarter" idx="10"/>
+          </p:nvPr>
+        </p:nvSpPr>
+        <p:spPr/>
+        <p:txBody>
+          <a:bodyPr/>
+          <a:lstStyle/>
+          <a:p>
+            <a:fld id="{5F42799C-6C35-42D0-BBEF-EEDB7E05DD84}" type="slidenum">
+              <a:rPr lang="ko-KR" altLang="en-US" smtClean="0"/>
+              <a:t>16</a:t>
+            </a:fld>
+            <a:endParaRPr lang="ko-KR" altLang="en-US" dirty="0"/>
+          </a:p>
+        </p:txBody>
+      </p:sp>
+    </p:spTree>
+    <p:extLst>
+      <p:ext uri="{BB962C8B-B14F-4D97-AF65-F5344CB8AC3E}">
+        <p14:creationId xmlns:p14="http://schemas.microsoft.com/office/powerpoint/2010/main" val="3179220002"/>
+      </p:ext>
+    </p:extLst>
+  </p:cSld>
+  <p:clrMapOvr>
+    <a:masterClrMapping/>
+  </p:clrMapOvr>
+</p:notes>
+</file>
+
+<file path=ppt/notesSlides/notesSlide17.xml><?xml version="1.0" encoding="utf-8"?>
+<p:notes xmlns:a="http://schemas.openxmlformats.org/drawingml/2006/main" xmlns:r="http://schemas.openxmlformats.org/officeDocument/2006/relationships" xmlns:p="http://schemas.openxmlformats.org/presentationml/2006/main">
+  <p:cSld>
+    <p:spTree>
+      <p:nvGrpSpPr>
+        <p:cNvPr id="1" name=""/>
+        <p:cNvGrpSpPr/>
+        <p:nvPr/>
+      </p:nvGrpSpPr>
+      <p:grpSpPr>
+        <a:xfrm>
+          <a:off x="0" y="0"/>
+          <a:ext cx="0" cy="0"/>
+          <a:chOff x="0" y="0"/>
+          <a:chExt cx="0" cy="0"/>
+        </a:xfrm>
+      </p:grpSpPr>
+      <p:sp>
+        <p:nvSpPr>
+          <p:cNvPr id="2" name="슬라이드 이미지 개체 틀 1"/>
+          <p:cNvSpPr>
+            <a:spLocks noGrp="1" noRot="1" noChangeAspect="1"/>
+          </p:cNvSpPr>
+          <p:nvPr>
+            <p:ph type="sldImg"/>
+          </p:nvPr>
+        </p:nvSpPr>
+        <p:spPr/>
+      </p:sp>
+      <p:sp>
+        <p:nvSpPr>
+          <p:cNvPr id="3" name="슬라이드 노트 개체 틀 2"/>
+          <p:cNvSpPr>
+            <a:spLocks noGrp="1"/>
+          </p:cNvSpPr>
+          <p:nvPr>
+            <p:ph type="body" idx="1"/>
+          </p:nvPr>
+        </p:nvSpPr>
+        <p:spPr/>
+        <p:txBody>
+          <a:bodyPr/>
+          <a:lstStyle/>
+          <a:p>
+            <a:r>
+              <a:rPr lang="en-US" altLang="ko-KR" dirty="0" smtClean="0"/>
+              <a:t>SWOT </a:t>
+            </a:r>
+            <a:r>
+              <a:rPr lang="ko-KR" altLang="en-US" dirty="0" smtClean="0"/>
+              <a:t>전략을 위한 분석한 포인트들의 정리</a:t>
+            </a:r>
+            <a:endParaRPr lang="en-US" altLang="ko-KR" dirty="0" smtClean="0"/>
+          </a:p>
+          <a:p>
+            <a:r>
+              <a:rPr lang="ko-KR" altLang="en-US" dirty="0" smtClean="0"/>
+              <a:t>출처 포함하고</a:t>
+            </a:r>
+            <a:r>
+              <a:rPr lang="en-US" altLang="ko-KR" dirty="0" smtClean="0"/>
+              <a:t>, </a:t>
+            </a:r>
+            <a:r>
+              <a:rPr lang="ko-KR" altLang="en-US" dirty="0" smtClean="0"/>
+              <a:t>다음 페이지에 나오는</a:t>
+            </a:r>
+            <a:r>
+              <a:rPr lang="en-US" altLang="ko-KR" dirty="0" smtClean="0"/>
+              <a:t> </a:t>
+            </a:r>
+            <a:r>
+              <a:rPr lang="ko-KR" altLang="en-US" dirty="0" smtClean="0"/>
+              <a:t>중점 내용을 짧게</a:t>
+            </a:r>
+            <a:r>
+              <a:rPr lang="en-US" altLang="ko-KR" dirty="0" smtClean="0"/>
+              <a:t>,</a:t>
+            </a:r>
+            <a:r>
+              <a:rPr lang="ko-KR" altLang="en-US" dirty="0" smtClean="0"/>
+              <a:t> 잘 보이게 강조할 것</a:t>
+            </a:r>
+            <a:endParaRPr lang="en-US" altLang="ko-KR" dirty="0" smtClean="0"/>
+          </a:p>
+          <a:p>
+            <a:r>
+              <a:rPr lang="ko-KR" altLang="en-US" dirty="0" smtClean="0"/>
+              <a:t>페이지가 좀 모자라면 기회</a:t>
+            </a:r>
+            <a:r>
+              <a:rPr lang="en-US" altLang="ko-KR" dirty="0" smtClean="0"/>
+              <a:t>,</a:t>
+            </a:r>
+            <a:r>
+              <a:rPr lang="ko-KR" altLang="en-US" dirty="0" smtClean="0"/>
+              <a:t>위기</a:t>
+            </a:r>
+            <a:r>
+              <a:rPr lang="en-US" altLang="ko-KR" dirty="0" smtClean="0"/>
+              <a:t>/ </a:t>
+            </a:r>
+            <a:r>
+              <a:rPr lang="ko-KR" altLang="en-US" dirty="0" smtClean="0"/>
+              <a:t>강점</a:t>
+            </a:r>
+            <a:r>
+              <a:rPr lang="en-US" altLang="ko-KR" dirty="0" smtClean="0"/>
+              <a:t>,</a:t>
+            </a:r>
+            <a:r>
+              <a:rPr lang="ko-KR" altLang="en-US" dirty="0" smtClean="0"/>
+              <a:t>약점 순서로 </a:t>
+            </a:r>
+            <a:r>
+              <a:rPr lang="en-US" altLang="ko-KR" dirty="0" smtClean="0"/>
+              <a:t>2</a:t>
+            </a:r>
+            <a:r>
+              <a:rPr lang="ko-KR" altLang="en-US" dirty="0" smtClean="0"/>
+              <a:t>페이지로 나눠서 진행</a:t>
+            </a:r>
+          </a:p>
+        </p:txBody>
+      </p:sp>
+      <p:sp>
+        <p:nvSpPr>
+          <p:cNvPr id="4" name="슬라이드 번호 개체 틀 3"/>
+          <p:cNvSpPr>
+            <a:spLocks noGrp="1"/>
+          </p:cNvSpPr>
+          <p:nvPr>
+            <p:ph type="sldNum" sz="quarter" idx="10"/>
+          </p:nvPr>
+        </p:nvSpPr>
+        <p:spPr/>
+        <p:txBody>
+          <a:bodyPr/>
+          <a:lstStyle/>
+          <a:p>
+            <a:fld id="{5F42799C-6C35-42D0-BBEF-EEDB7E05DD84}" type="slidenum">
+              <a:rPr lang="ko-KR" altLang="en-US" smtClean="0"/>
+              <a:t>17</a:t>
+            </a:fld>
+            <a:endParaRPr lang="ko-KR" altLang="en-US" dirty="0"/>
+          </a:p>
+        </p:txBody>
+      </p:sp>
+    </p:spTree>
+    <p:extLst>
+      <p:ext uri="{BB962C8B-B14F-4D97-AF65-F5344CB8AC3E}">
+        <p14:creationId xmlns:p14="http://schemas.microsoft.com/office/powerpoint/2010/main" val="3029541515"/>
+      </p:ext>
+    </p:extLst>
+  </p:cSld>
+  <p:clrMapOvr>
+    <a:masterClrMapping/>
+  </p:clrMapOvr>
+</p:notes>
+</file>
+
+<file path=ppt/notesSlides/notesSlide18.xml><?xml version="1.0" encoding="utf-8"?>
+<p:notes xmlns:a="http://schemas.openxmlformats.org/drawingml/2006/main" xmlns:r="http://schemas.openxmlformats.org/officeDocument/2006/relationships" xmlns:p="http://schemas.openxmlformats.org/presentationml/2006/main">
+  <p:cSld>
+    <p:spTree>
+      <p:nvGrpSpPr>
+        <p:cNvPr id="1" name=""/>
+        <p:cNvGrpSpPr/>
+        <p:nvPr/>
+      </p:nvGrpSpPr>
+      <p:grpSpPr>
+        <a:xfrm>
+          <a:off x="0" y="0"/>
+          <a:ext cx="0" cy="0"/>
+          <a:chOff x="0" y="0"/>
+          <a:chExt cx="0" cy="0"/>
+        </a:xfrm>
+      </p:grpSpPr>
+      <p:sp>
+        <p:nvSpPr>
+          <p:cNvPr id="2" name="슬라이드 이미지 개체 틀 1"/>
+          <p:cNvSpPr>
+            <a:spLocks noGrp="1" noRot="1" noChangeAspect="1"/>
+          </p:cNvSpPr>
+          <p:nvPr>
+            <p:ph type="sldImg"/>
+          </p:nvPr>
+        </p:nvSpPr>
+        <p:spPr/>
+      </p:sp>
+      <p:sp>
+        <p:nvSpPr>
+          <p:cNvPr id="3" name="슬라이드 노트 개체 틀 2"/>
+          <p:cNvSpPr>
+            <a:spLocks noGrp="1"/>
+          </p:cNvSpPr>
+          <p:nvPr>
+            <p:ph type="body" idx="1"/>
+          </p:nvPr>
+        </p:nvSpPr>
+        <p:spPr/>
+        <p:txBody>
+          <a:bodyPr/>
+          <a:lstStyle/>
+          <a:p>
+            <a:r>
+              <a:rPr lang="ko-KR" altLang="en-US" dirty="0" smtClean="0"/>
+              <a:t>이 앱이 정말 실현 가능성이 있을까</a:t>
+            </a:r>
+            <a:r>
+              <a:rPr lang="en-US" altLang="ko-KR" dirty="0" smtClean="0"/>
+              <a:t>? </a:t>
+            </a:r>
+            <a:r>
+              <a:rPr lang="ko-KR" altLang="en-US" dirty="0" smtClean="0"/>
+              <a:t>에 대한 분석이라고 발표 할 것</a:t>
+            </a:r>
+            <a:endParaRPr lang="ko-KR" altLang="en-US" dirty="0"/>
+          </a:p>
+        </p:txBody>
+      </p:sp>
+      <p:sp>
+        <p:nvSpPr>
+          <p:cNvPr id="4" name="슬라이드 번호 개체 틀 3"/>
+          <p:cNvSpPr>
+            <a:spLocks noGrp="1"/>
+          </p:cNvSpPr>
+          <p:nvPr>
+            <p:ph type="sldNum" sz="quarter" idx="10"/>
+          </p:nvPr>
+        </p:nvSpPr>
+        <p:spPr/>
+        <p:txBody>
+          <a:bodyPr/>
+          <a:lstStyle/>
+          <a:p>
+            <a:fld id="{5F42799C-6C35-42D0-BBEF-EEDB7E05DD84}" type="slidenum">
+              <a:rPr lang="ko-KR" altLang="en-US" smtClean="0"/>
+              <a:t>18</a:t>
+            </a:fld>
+            <a:endParaRPr lang="ko-KR" altLang="en-US" dirty="0"/>
+          </a:p>
+        </p:txBody>
+      </p:sp>
+    </p:spTree>
+    <p:extLst>
+      <p:ext uri="{BB962C8B-B14F-4D97-AF65-F5344CB8AC3E}">
+        <p14:creationId xmlns:p14="http://schemas.microsoft.com/office/powerpoint/2010/main" val="1952401774"/>
+      </p:ext>
+    </p:extLst>
+  </p:cSld>
+  <p:clrMapOvr>
+    <a:masterClrMapping/>
+  </p:clrMapOvr>
+</p:notes>
+</file>
+
+<file path=ppt/notesSlides/notesSlide2.xml><?xml version="1.0" encoding="utf-8"?>
+<p:notes xmlns:a="http://schemas.openxmlformats.org/drawingml/2006/main" xmlns:r="http://schemas.openxmlformats.org/officeDocument/2006/relationships" xmlns:p="http://schemas.openxmlformats.org/presentationml/2006/main">
+  <p:cSld>
+    <p:spTree>
+      <p:nvGrpSpPr>
+        <p:cNvPr id="1" name=""/>
+        <p:cNvGrpSpPr/>
+        <p:nvPr/>
+      </p:nvGrpSpPr>
+      <p:grpSpPr>
+        <a:xfrm>
+          <a:off x="0" y="0"/>
+          <a:ext cx="0" cy="0"/>
+          <a:chOff x="0" y="0"/>
+          <a:chExt cx="0" cy="0"/>
+        </a:xfrm>
+      </p:grpSpPr>
+      <p:sp>
+        <p:nvSpPr>
+          <p:cNvPr id="2" name="슬라이드 이미지 개체 틀 1"/>
+          <p:cNvSpPr>
+            <a:spLocks noGrp="1" noRot="1" noChangeAspect="1"/>
+          </p:cNvSpPr>
+          <p:nvPr>
+            <p:ph type="sldImg"/>
+          </p:nvPr>
+        </p:nvSpPr>
+        <p:spPr/>
+      </p:sp>
+      <p:sp>
+        <p:nvSpPr>
+          <p:cNvPr id="3" name="슬라이드 노트 개체 틀 2"/>
+          <p:cNvSpPr>
+            <a:spLocks noGrp="1"/>
+          </p:cNvSpPr>
+          <p:nvPr>
+            <p:ph type="body" idx="1"/>
+          </p:nvPr>
+        </p:nvSpPr>
+        <p:spPr/>
+        <p:txBody>
+          <a:bodyPr/>
+          <a:lstStyle/>
+          <a:p>
+            <a:r>
+              <a:rPr lang="ko-KR" altLang="en-US" dirty="0" smtClean="0"/>
+              <a:t>간략하게 넘어가기</a:t>
+            </a:r>
+            <a:endParaRPr lang="ko-KR" altLang="en-US" dirty="0"/>
+          </a:p>
+        </p:txBody>
+      </p:sp>
+      <p:sp>
+        <p:nvSpPr>
+          <p:cNvPr id="4" name="슬라이드 번호 개체 틀 3"/>
+          <p:cNvSpPr>
+            <a:spLocks noGrp="1"/>
+          </p:cNvSpPr>
+          <p:nvPr>
+            <p:ph type="sldNum" sz="quarter" idx="10"/>
+          </p:nvPr>
+        </p:nvSpPr>
+        <p:spPr/>
+        <p:txBody>
+          <a:bodyPr/>
+          <a:lstStyle/>
+          <a:p>
+            <a:fld id="{5F42799C-6C35-42D0-BBEF-EEDB7E05DD84}" type="slidenum">
+              <a:rPr lang="ko-KR" altLang="en-US" smtClean="0"/>
+              <a:t>2</a:t>
+            </a:fld>
+            <a:endParaRPr lang="ko-KR" altLang="en-US" dirty="0"/>
+          </a:p>
+        </p:txBody>
+      </p:sp>
+    </p:spTree>
+    <p:extLst>
+      <p:ext uri="{BB962C8B-B14F-4D97-AF65-F5344CB8AC3E}">
+        <p14:creationId xmlns:p14="http://schemas.microsoft.com/office/powerpoint/2010/main" val="2942899616"/>
+      </p:ext>
+    </p:extLst>
+  </p:cSld>
+  <p:clrMapOvr>
+    <a:masterClrMapping/>
+  </p:clrMapOvr>
+</p:notes>
+</file>
+
+<file path=ppt/notesSlides/notesSlide3.xml><?xml version="1.0" encoding="utf-8"?>
+<p:notes xmlns:a="http://schemas.openxmlformats.org/drawingml/2006/main" xmlns:r="http://schemas.openxmlformats.org/officeDocument/2006/relationships" xmlns:p="http://schemas.openxmlformats.org/presentationml/2006/main">
+  <p:cSld>
+    <p:spTree>
+      <p:nvGrpSpPr>
+        <p:cNvPr id="1" name=""/>
+        <p:cNvGrpSpPr/>
+        <p:nvPr/>
+      </p:nvGrpSpPr>
+      <p:grpSpPr>
+        <a:xfrm>
+          <a:off x="0" y="0"/>
+          <a:ext cx="0" cy="0"/>
+          <a:chOff x="0" y="0"/>
+          <a:chExt cx="0" cy="0"/>
+        </a:xfrm>
+      </p:grpSpPr>
+      <p:sp>
+        <p:nvSpPr>
+          <p:cNvPr id="2" name="슬라이드 이미지 개체 틀 1"/>
+          <p:cNvSpPr>
+            <a:spLocks noGrp="1" noRot="1" noChangeAspect="1"/>
+          </p:cNvSpPr>
+          <p:nvPr>
+            <p:ph type="sldImg"/>
+          </p:nvPr>
+        </p:nvSpPr>
+        <p:spPr/>
+      </p:sp>
+      <p:sp>
+        <p:nvSpPr>
+          <p:cNvPr id="3" name="슬라이드 노트 개체 틀 2"/>
+          <p:cNvSpPr>
+            <a:spLocks noGrp="1"/>
+          </p:cNvSpPr>
+          <p:nvPr>
+            <p:ph type="body" idx="1"/>
+          </p:nvPr>
+        </p:nvSpPr>
+        <p:spPr/>
+        <p:txBody>
+          <a:bodyPr/>
+          <a:lstStyle/>
+          <a:p>
+            <a:r>
+              <a:rPr lang="ko-KR" altLang="en-US" dirty="0" smtClean="0"/>
+              <a:t>완성되면 삭제할 것</a:t>
+            </a:r>
+            <a:endParaRPr lang="ko-KR" altLang="en-US" dirty="0"/>
+          </a:p>
+        </p:txBody>
+      </p:sp>
+      <p:sp>
+        <p:nvSpPr>
+          <p:cNvPr id="4" name="슬라이드 번호 개체 틀 3"/>
+          <p:cNvSpPr>
+            <a:spLocks noGrp="1"/>
+          </p:cNvSpPr>
+          <p:nvPr>
+            <p:ph type="sldNum" sz="quarter" idx="10"/>
+          </p:nvPr>
+        </p:nvSpPr>
+        <p:spPr/>
+        <p:txBody>
+          <a:bodyPr/>
+          <a:lstStyle/>
+          <a:p>
+            <a:fld id="{5F42799C-6C35-42D0-BBEF-EEDB7E05DD84}" type="slidenum">
+              <a:rPr lang="ko-KR" altLang="en-US" smtClean="0"/>
+              <a:t>3</a:t>
+            </a:fld>
+            <a:endParaRPr lang="ko-KR" altLang="en-US" dirty="0"/>
+          </a:p>
+        </p:txBody>
+      </p:sp>
+    </p:spTree>
+    <p:extLst>
+      <p:ext uri="{BB962C8B-B14F-4D97-AF65-F5344CB8AC3E}">
+        <p14:creationId xmlns:p14="http://schemas.microsoft.com/office/powerpoint/2010/main" val="1975639580"/>
+      </p:ext>
+    </p:extLst>
+  </p:cSld>
+  <p:clrMapOvr>
+    <a:masterClrMapping/>
+  </p:clrMapOvr>
+</p:notes>
+</file>
+
+<file path=ppt/notesSlides/notesSlide4.xml><?xml version="1.0" encoding="utf-8"?>
+<p:notes xmlns:a="http://schemas.openxmlformats.org/drawingml/2006/main" xmlns:r="http://schemas.openxmlformats.org/officeDocument/2006/relationships" xmlns:p="http://schemas.openxmlformats.org/presentationml/2006/main">
+  <p:cSld>
+    <p:spTree>
+      <p:nvGrpSpPr>
+        <p:cNvPr id="1" name=""/>
+        <p:cNvGrpSpPr/>
+        <p:nvPr/>
+      </p:nvGrpSpPr>
+      <p:grpSpPr>
+        <a:xfrm>
+          <a:off x="0" y="0"/>
+          <a:ext cx="0" cy="0"/>
+          <a:chOff x="0" y="0"/>
+          <a:chExt cx="0" cy="0"/>
+        </a:xfrm>
+      </p:grpSpPr>
+      <p:sp>
+        <p:nvSpPr>
+          <p:cNvPr id="2" name="슬라이드 이미지 개체 틀 1"/>
+          <p:cNvSpPr>
+            <a:spLocks noGrp="1" noRot="1" noChangeAspect="1"/>
+          </p:cNvSpPr>
+          <p:nvPr>
+            <p:ph type="sldImg"/>
+          </p:nvPr>
+        </p:nvSpPr>
+        <p:spPr/>
+      </p:sp>
+      <p:sp>
+        <p:nvSpPr>
+          <p:cNvPr id="3" name="슬라이드 노트 개체 틀 2"/>
+          <p:cNvSpPr>
+            <a:spLocks noGrp="1"/>
+          </p:cNvSpPr>
+          <p:nvPr>
+            <p:ph type="body" idx="1"/>
+          </p:nvPr>
+        </p:nvSpPr>
+        <p:spPr/>
+        <p:txBody>
+          <a:bodyPr/>
+          <a:lstStyle/>
+          <a:p>
+            <a:r>
+              <a:rPr lang="ko-KR" altLang="en-US" dirty="0" smtClean="0"/>
+              <a:t>공모전이라는 시장의 현황을 파악한 내용 정리</a:t>
+            </a:r>
+            <a:r>
+              <a:rPr lang="en-US" altLang="ko-KR" dirty="0" smtClean="0"/>
+              <a:t>,</a:t>
+            </a:r>
+          </a:p>
+          <a:p>
+            <a:r>
+              <a:rPr lang="ko-KR" altLang="en-US" dirty="0" smtClean="0"/>
+              <a:t>소설의 줄거리에 들어가기 전에 이 소설의 설정을 먼저 설명하는 느낌으로</a:t>
+            </a:r>
+            <a:endParaRPr lang="ko-KR" altLang="en-US" dirty="0"/>
+          </a:p>
+        </p:txBody>
+      </p:sp>
+      <p:sp>
+        <p:nvSpPr>
+          <p:cNvPr id="4" name="슬라이드 번호 개체 틀 3"/>
+          <p:cNvSpPr>
+            <a:spLocks noGrp="1"/>
+          </p:cNvSpPr>
+          <p:nvPr>
+            <p:ph type="sldNum" sz="quarter" idx="10"/>
+          </p:nvPr>
+        </p:nvSpPr>
+        <p:spPr/>
+        <p:txBody>
+          <a:bodyPr/>
+          <a:lstStyle/>
+          <a:p>
+            <a:fld id="{5F42799C-6C35-42D0-BBEF-EEDB7E05DD84}" type="slidenum">
+              <a:rPr lang="ko-KR" altLang="en-US" smtClean="0"/>
+              <a:t>4</a:t>
+            </a:fld>
+            <a:endParaRPr lang="ko-KR" altLang="en-US" dirty="0"/>
+          </a:p>
+        </p:txBody>
+      </p:sp>
+    </p:spTree>
+    <p:extLst>
+      <p:ext uri="{BB962C8B-B14F-4D97-AF65-F5344CB8AC3E}">
+        <p14:creationId xmlns:p14="http://schemas.microsoft.com/office/powerpoint/2010/main" val="3178484712"/>
+      </p:ext>
+    </p:extLst>
+  </p:cSld>
+  <p:clrMapOvr>
+    <a:masterClrMapping/>
+  </p:clrMapOvr>
+</p:notes>
+</file>
+
+<file path=ppt/notesSlides/notesSlide5.xml><?xml version="1.0" encoding="utf-8"?>
+<p:notes xmlns:a="http://schemas.openxmlformats.org/drawingml/2006/main" xmlns:r="http://schemas.openxmlformats.org/officeDocument/2006/relationships" xmlns:p="http://schemas.openxmlformats.org/presentationml/2006/main">
+  <p:cSld>
+    <p:spTree>
+      <p:nvGrpSpPr>
+        <p:cNvPr id="1" name=""/>
+        <p:cNvGrpSpPr/>
+        <p:nvPr/>
+      </p:nvGrpSpPr>
+      <p:grpSpPr>
+        <a:xfrm>
+          <a:off x="0" y="0"/>
+          <a:ext cx="0" cy="0"/>
+          <a:chOff x="0" y="0"/>
+          <a:chExt cx="0" cy="0"/>
+        </a:xfrm>
+      </p:grpSpPr>
+      <p:sp>
+        <p:nvSpPr>
+          <p:cNvPr id="2" name="슬라이드 이미지 개체 틀 1"/>
+          <p:cNvSpPr>
+            <a:spLocks noGrp="1" noRot="1" noChangeAspect="1"/>
+          </p:cNvSpPr>
+          <p:nvPr>
+            <p:ph type="sldImg"/>
+          </p:nvPr>
+        </p:nvSpPr>
+        <p:spPr/>
+      </p:sp>
+      <p:sp>
+        <p:nvSpPr>
+          <p:cNvPr id="3" name="슬라이드 노트 개체 틀 2"/>
+          <p:cNvSpPr>
+            <a:spLocks noGrp="1"/>
+          </p:cNvSpPr>
+          <p:nvPr>
+            <p:ph type="body" idx="1"/>
+          </p:nvPr>
+        </p:nvSpPr>
+        <p:spPr/>
+        <p:txBody>
+          <a:bodyPr/>
+          <a:lstStyle/>
+          <a:p>
+            <a:r>
+              <a:rPr lang="ko-KR" altLang="en-US" dirty="0" smtClean="0"/>
+              <a:t>기존에 불편했던 점</a:t>
+            </a:r>
+            <a:endParaRPr lang="ko-KR" altLang="en-US" dirty="0"/>
+          </a:p>
+        </p:txBody>
+      </p:sp>
+      <p:sp>
+        <p:nvSpPr>
+          <p:cNvPr id="4" name="슬라이드 번호 개체 틀 3"/>
+          <p:cNvSpPr>
+            <a:spLocks noGrp="1"/>
+          </p:cNvSpPr>
+          <p:nvPr>
+            <p:ph type="sldNum" sz="quarter" idx="10"/>
+          </p:nvPr>
+        </p:nvSpPr>
+        <p:spPr/>
+        <p:txBody>
+          <a:bodyPr/>
+          <a:lstStyle/>
+          <a:p>
+            <a:fld id="{5F42799C-6C35-42D0-BBEF-EEDB7E05DD84}" type="slidenum">
+              <a:rPr lang="ko-KR" altLang="en-US" smtClean="0"/>
+              <a:t>5</a:t>
+            </a:fld>
+            <a:endParaRPr lang="ko-KR" altLang="en-US" dirty="0"/>
+          </a:p>
+        </p:txBody>
+      </p:sp>
+    </p:spTree>
+    <p:extLst>
+      <p:ext uri="{BB962C8B-B14F-4D97-AF65-F5344CB8AC3E}">
+        <p14:creationId xmlns:p14="http://schemas.microsoft.com/office/powerpoint/2010/main" val="2220725905"/>
+      </p:ext>
+    </p:extLst>
+  </p:cSld>
+  <p:clrMapOvr>
+    <a:masterClrMapping/>
+  </p:clrMapOvr>
+</p:notes>
+</file>
+
+<file path=ppt/notesSlides/notesSlide6.xml><?xml version="1.0" encoding="utf-8"?>
+<p:notes xmlns:a="http://schemas.openxmlformats.org/drawingml/2006/main" xmlns:r="http://schemas.openxmlformats.org/officeDocument/2006/relationships" xmlns:p="http://schemas.openxmlformats.org/presentationml/2006/main">
+  <p:cSld>
+    <p:spTree>
+      <p:nvGrpSpPr>
+        <p:cNvPr id="1" name=""/>
+        <p:cNvGrpSpPr/>
+        <p:nvPr/>
+      </p:nvGrpSpPr>
+      <p:grpSpPr>
+        <a:xfrm>
+          <a:off x="0" y="0"/>
+          <a:ext cx="0" cy="0"/>
+          <a:chOff x="0" y="0"/>
+          <a:chExt cx="0" cy="0"/>
+        </a:xfrm>
+      </p:grpSpPr>
+      <p:sp>
+        <p:nvSpPr>
+          <p:cNvPr id="2" name="슬라이드 이미지 개체 틀 1"/>
+          <p:cNvSpPr>
+            <a:spLocks noGrp="1" noRot="1" noChangeAspect="1"/>
+          </p:cNvSpPr>
+          <p:nvPr>
+            <p:ph type="sldImg"/>
+          </p:nvPr>
+        </p:nvSpPr>
+        <p:spPr/>
+      </p:sp>
+      <p:sp>
+        <p:nvSpPr>
+          <p:cNvPr id="3" name="슬라이드 노트 개체 틀 2"/>
+          <p:cNvSpPr>
+            <a:spLocks noGrp="1"/>
+          </p:cNvSpPr>
+          <p:nvPr>
+            <p:ph type="body" idx="1"/>
+          </p:nvPr>
+        </p:nvSpPr>
+        <p:spPr/>
+        <p:txBody>
+          <a:bodyPr/>
+          <a:lstStyle/>
+          <a:p>
+            <a:r>
+              <a:rPr lang="ko-KR" altLang="en-US" dirty="0" smtClean="0"/>
+              <a:t>문제점의 원인을 나열</a:t>
+            </a:r>
+            <a:endParaRPr lang="ko-KR" altLang="en-US" dirty="0"/>
+          </a:p>
+        </p:txBody>
+      </p:sp>
+      <p:sp>
+        <p:nvSpPr>
+          <p:cNvPr id="4" name="슬라이드 번호 개체 틀 3"/>
+          <p:cNvSpPr>
+            <a:spLocks noGrp="1"/>
+          </p:cNvSpPr>
+          <p:nvPr>
+            <p:ph type="sldNum" sz="quarter" idx="10"/>
+          </p:nvPr>
+        </p:nvSpPr>
+        <p:spPr/>
+        <p:txBody>
+          <a:bodyPr/>
+          <a:lstStyle/>
+          <a:p>
+            <a:fld id="{5F42799C-6C35-42D0-BBEF-EEDB7E05DD84}" type="slidenum">
+              <a:rPr lang="ko-KR" altLang="en-US" smtClean="0"/>
+              <a:t>6</a:t>
+            </a:fld>
+            <a:endParaRPr lang="ko-KR" altLang="en-US" dirty="0"/>
+          </a:p>
+        </p:txBody>
+      </p:sp>
+    </p:spTree>
+    <p:extLst>
+      <p:ext uri="{BB962C8B-B14F-4D97-AF65-F5344CB8AC3E}">
+        <p14:creationId xmlns:p14="http://schemas.microsoft.com/office/powerpoint/2010/main" val="3705945136"/>
+      </p:ext>
+    </p:extLst>
+  </p:cSld>
+  <p:clrMapOvr>
+    <a:masterClrMapping/>
+  </p:clrMapOvr>
+</p:notes>
+</file>
+
+<file path=ppt/notesSlides/notesSlide7.xml><?xml version="1.0" encoding="utf-8"?>
+<p:notes xmlns:a="http://schemas.openxmlformats.org/drawingml/2006/main" xmlns:r="http://schemas.openxmlformats.org/officeDocument/2006/relationships" xmlns:p="http://schemas.openxmlformats.org/presentationml/2006/main">
+  <p:cSld>
+    <p:spTree>
+      <p:nvGrpSpPr>
+        <p:cNvPr id="1" name=""/>
+        <p:cNvGrpSpPr/>
+        <p:nvPr/>
+      </p:nvGrpSpPr>
+      <p:grpSpPr>
+        <a:xfrm>
+          <a:off x="0" y="0"/>
+          <a:ext cx="0" cy="0"/>
+          <a:chOff x="0" y="0"/>
+          <a:chExt cx="0" cy="0"/>
+        </a:xfrm>
+      </p:grpSpPr>
+      <p:sp>
+        <p:nvSpPr>
+          <p:cNvPr id="2" name="슬라이드 이미지 개체 틀 1"/>
+          <p:cNvSpPr>
+            <a:spLocks noGrp="1" noRot="1" noChangeAspect="1"/>
+          </p:cNvSpPr>
+          <p:nvPr>
+            <p:ph type="sldImg"/>
+          </p:nvPr>
+        </p:nvSpPr>
+        <p:spPr/>
+      </p:sp>
+      <p:sp>
+        <p:nvSpPr>
+          <p:cNvPr id="3" name="슬라이드 노트 개체 틀 2"/>
+          <p:cNvSpPr>
+            <a:spLocks noGrp="1"/>
+          </p:cNvSpPr>
+          <p:nvPr>
+            <p:ph type="body" idx="1"/>
+          </p:nvPr>
+        </p:nvSpPr>
+        <p:spPr/>
+        <p:txBody>
+          <a:bodyPr/>
+          <a:lstStyle/>
+          <a:p>
+            <a:r>
+              <a:rPr lang="ko-KR" altLang="en-US" dirty="0" smtClean="0"/>
+              <a:t>나열된 문제점</a:t>
+            </a:r>
+            <a:r>
+              <a:rPr lang="en-US" altLang="ko-KR" dirty="0" smtClean="0"/>
+              <a:t>,</a:t>
+            </a:r>
+            <a:r>
+              <a:rPr lang="en-US" altLang="ko-KR" baseline="0" dirty="0" smtClean="0"/>
+              <a:t> </a:t>
+            </a:r>
+            <a:r>
+              <a:rPr lang="ko-KR" altLang="en-US" baseline="0" dirty="0" smtClean="0"/>
+              <a:t>원인을 가지고 있는 </a:t>
+            </a:r>
+            <a:r>
+              <a:rPr lang="en-US" altLang="ko-KR" baseline="0" dirty="0" smtClean="0"/>
+              <a:t>(</a:t>
+            </a:r>
+            <a:r>
+              <a:rPr lang="ko-KR" altLang="en-US" baseline="0" dirty="0" smtClean="0"/>
+              <a:t>문제를 해결하지 못 한</a:t>
+            </a:r>
+            <a:r>
+              <a:rPr lang="en-US" altLang="ko-KR" baseline="0" dirty="0" smtClean="0"/>
+              <a:t>)</a:t>
+            </a:r>
+            <a:r>
+              <a:rPr lang="ko-KR" altLang="en-US" baseline="0" dirty="0" smtClean="0"/>
+              <a:t> 유사 콘텐츠 목록이다</a:t>
+            </a:r>
+            <a:r>
+              <a:rPr lang="en-US" altLang="ko-KR" baseline="0" dirty="0" smtClean="0"/>
+              <a:t>.</a:t>
+            </a:r>
+          </a:p>
+          <a:p>
+            <a:r>
+              <a:rPr lang="ko-KR" altLang="en-US" baseline="0" dirty="0" smtClean="0"/>
+              <a:t>해결 방안은 다음페이지에</a:t>
+            </a:r>
+            <a:endParaRPr lang="ko-KR" altLang="en-US" dirty="0"/>
+          </a:p>
+        </p:txBody>
+      </p:sp>
+      <p:sp>
+        <p:nvSpPr>
+          <p:cNvPr id="4" name="슬라이드 번호 개체 틀 3"/>
+          <p:cNvSpPr>
+            <a:spLocks noGrp="1"/>
+          </p:cNvSpPr>
+          <p:nvPr>
+            <p:ph type="sldNum" sz="quarter" idx="10"/>
+          </p:nvPr>
+        </p:nvSpPr>
+        <p:spPr/>
+        <p:txBody>
+          <a:bodyPr/>
+          <a:lstStyle/>
+          <a:p>
+            <a:fld id="{5F42799C-6C35-42D0-BBEF-EEDB7E05DD84}" type="slidenum">
+              <a:rPr lang="ko-KR" altLang="en-US" smtClean="0"/>
+              <a:t>7</a:t>
+            </a:fld>
+            <a:endParaRPr lang="ko-KR" altLang="en-US" dirty="0"/>
+          </a:p>
+        </p:txBody>
+      </p:sp>
+    </p:spTree>
+    <p:extLst>
+      <p:ext uri="{BB962C8B-B14F-4D97-AF65-F5344CB8AC3E}">
+        <p14:creationId xmlns:p14="http://schemas.microsoft.com/office/powerpoint/2010/main" val="3997102067"/>
+      </p:ext>
+    </p:extLst>
+  </p:cSld>
+  <p:clrMapOvr>
+    <a:masterClrMapping/>
+  </p:clrMapOvr>
+</p:notes>
+</file>
+
+<file path=ppt/notesSlides/notesSlide8.xml><?xml version="1.0" encoding="utf-8"?>
+<p:notes xmlns:a="http://schemas.openxmlformats.org/drawingml/2006/main" xmlns:r="http://schemas.openxmlformats.org/officeDocument/2006/relationships" xmlns:p="http://schemas.openxmlformats.org/presentationml/2006/main">
+  <p:cSld>
+    <p:spTree>
+      <p:nvGrpSpPr>
+        <p:cNvPr id="1" name=""/>
+        <p:cNvGrpSpPr/>
+        <p:nvPr/>
+      </p:nvGrpSpPr>
+      <p:grpSpPr>
+        <a:xfrm>
+          <a:off x="0" y="0"/>
+          <a:ext cx="0" cy="0"/>
+          <a:chOff x="0" y="0"/>
+          <a:chExt cx="0" cy="0"/>
+        </a:xfrm>
+      </p:grpSpPr>
+      <p:sp>
+        <p:nvSpPr>
+          <p:cNvPr id="2" name="슬라이드 이미지 개체 틀 1"/>
+          <p:cNvSpPr>
+            <a:spLocks noGrp="1" noRot="1" noChangeAspect="1"/>
+          </p:cNvSpPr>
+          <p:nvPr>
+            <p:ph type="sldImg"/>
+          </p:nvPr>
+        </p:nvSpPr>
+        <p:spPr/>
+      </p:sp>
+      <p:sp>
+        <p:nvSpPr>
+          <p:cNvPr id="3" name="슬라이드 노트 개체 틀 2"/>
+          <p:cNvSpPr>
+            <a:spLocks noGrp="1"/>
+          </p:cNvSpPr>
+          <p:nvPr>
+            <p:ph type="body" idx="1"/>
+          </p:nvPr>
+        </p:nvSpPr>
+        <p:spPr/>
+        <p:txBody>
+          <a:bodyPr/>
+          <a:lstStyle/>
+          <a:p>
+            <a:r>
+              <a:rPr lang="ko-KR" altLang="en-US" dirty="0" smtClean="0"/>
+              <a:t>현존하는 앱의 문제점과 원인을 어떻게 고칠 건지 서술한다</a:t>
+            </a:r>
+            <a:r>
+              <a:rPr lang="en-US" altLang="ko-KR" dirty="0" smtClean="0"/>
+              <a:t>.</a:t>
+            </a:r>
+            <a:endParaRPr lang="ko-KR" altLang="en-US" dirty="0"/>
+          </a:p>
+        </p:txBody>
+      </p:sp>
+      <p:sp>
+        <p:nvSpPr>
+          <p:cNvPr id="4" name="슬라이드 번호 개체 틀 3"/>
+          <p:cNvSpPr>
+            <a:spLocks noGrp="1"/>
+          </p:cNvSpPr>
+          <p:nvPr>
+            <p:ph type="sldNum" sz="quarter" idx="10"/>
+          </p:nvPr>
+        </p:nvSpPr>
+        <p:spPr/>
+        <p:txBody>
+          <a:bodyPr/>
+          <a:lstStyle/>
+          <a:p>
+            <a:fld id="{5F42799C-6C35-42D0-BBEF-EEDB7E05DD84}" type="slidenum">
+              <a:rPr lang="ko-KR" altLang="en-US" smtClean="0"/>
+              <a:t>8</a:t>
+            </a:fld>
+            <a:endParaRPr lang="ko-KR" altLang="en-US" dirty="0"/>
+          </a:p>
+        </p:txBody>
+      </p:sp>
+    </p:spTree>
+    <p:extLst>
+      <p:ext uri="{BB962C8B-B14F-4D97-AF65-F5344CB8AC3E}">
+        <p14:creationId xmlns:p14="http://schemas.microsoft.com/office/powerpoint/2010/main" val="210104281"/>
+      </p:ext>
+    </p:extLst>
+  </p:cSld>
+  <p:clrMapOvr>
+    <a:masterClrMapping/>
+  </p:clrMapOvr>
+</p:notes>
+</file>
+
+<file path=ppt/notesSlides/notesSlide9.xml><?xml version="1.0" encoding="utf-8"?>
+<p:notes xmlns:a="http://schemas.openxmlformats.org/drawingml/2006/main" xmlns:r="http://schemas.openxmlformats.org/officeDocument/2006/relationships" xmlns:p="http://schemas.openxmlformats.org/presentationml/2006/main">
+  <p:cSld>
+    <p:spTree>
+      <p:nvGrpSpPr>
+        <p:cNvPr id="1" name=""/>
+        <p:cNvGrpSpPr/>
+        <p:nvPr/>
+      </p:nvGrpSpPr>
+      <p:grpSpPr>
+        <a:xfrm>
+          <a:off x="0" y="0"/>
+          <a:ext cx="0" cy="0"/>
+          <a:chOff x="0" y="0"/>
+          <a:chExt cx="0" cy="0"/>
+        </a:xfrm>
+      </p:grpSpPr>
+      <p:sp>
+        <p:nvSpPr>
+          <p:cNvPr id="2" name="슬라이드 이미지 개체 틀 1"/>
+          <p:cNvSpPr>
+            <a:spLocks noGrp="1" noRot="1" noChangeAspect="1"/>
+          </p:cNvSpPr>
+          <p:nvPr>
+            <p:ph type="sldImg"/>
+          </p:nvPr>
+        </p:nvSpPr>
+        <p:spPr/>
+      </p:sp>
+      <p:sp>
+        <p:nvSpPr>
+          <p:cNvPr id="3" name="슬라이드 노트 개체 틀 2"/>
+          <p:cNvSpPr>
+            <a:spLocks noGrp="1"/>
+          </p:cNvSpPr>
+          <p:nvPr>
+            <p:ph type="body" idx="1"/>
+          </p:nvPr>
+        </p:nvSpPr>
+        <p:spPr/>
+        <p:txBody>
+          <a:bodyPr/>
+          <a:lstStyle/>
+          <a:p>
+            <a:r>
+              <a:rPr lang="ko-KR" altLang="en-US" dirty="0" smtClean="0"/>
+              <a:t>주 타겟의 설명 시간을 늘리고 서브 타겟은 간결하게 설명</a:t>
+            </a:r>
+            <a:endParaRPr lang="ko-KR" altLang="en-US" dirty="0"/>
+          </a:p>
+        </p:txBody>
+      </p:sp>
+      <p:sp>
+        <p:nvSpPr>
+          <p:cNvPr id="4" name="슬라이드 번호 개체 틀 3"/>
+          <p:cNvSpPr>
+            <a:spLocks noGrp="1"/>
+          </p:cNvSpPr>
+          <p:nvPr>
+            <p:ph type="sldNum" sz="quarter" idx="10"/>
+          </p:nvPr>
+        </p:nvSpPr>
+        <p:spPr/>
+        <p:txBody>
+          <a:bodyPr/>
+          <a:lstStyle/>
+          <a:p>
+            <a:fld id="{5F42799C-6C35-42D0-BBEF-EEDB7E05DD84}" type="slidenum">
+              <a:rPr lang="ko-KR" altLang="en-US" smtClean="0"/>
+              <a:t>9</a:t>
+            </a:fld>
+            <a:endParaRPr lang="ko-KR" altLang="en-US" dirty="0"/>
+          </a:p>
+        </p:txBody>
+      </p:sp>
+    </p:spTree>
+    <p:extLst>
+      <p:ext uri="{BB962C8B-B14F-4D97-AF65-F5344CB8AC3E}">
+        <p14:creationId xmlns:p14="http://schemas.microsoft.com/office/powerpoint/2010/main" val="910109858"/>
+      </p:ext>
+    </p:extLst>
+  </p:cSld>
+  <p:clrMapOvr>
+    <a:masterClrMapping/>
+  </p:clrMapOvr>
+</p:notes>
+</file>
+
 <file path=ppt/slideLayouts/slideLayout1.xml><?xml version="1.0" encoding="utf-8"?>
 <p:sldLayout xmlns:a="http://schemas.openxmlformats.org/drawingml/2006/main" xmlns:r="http://schemas.openxmlformats.org/officeDocument/2006/relationships" xmlns:p="http://schemas.openxmlformats.org/presentationml/2006/main" type="title" preserve="1">
   <p:cSld name="제목 슬라이드">
@@ -774,7 +2639,7 @@
           <a:p>
             <a:fld id="{DF3A7121-52D7-45D7-83AA-4372C345CB62}" type="datetime1">
               <a:rPr lang="ko-KR" altLang="en-US" smtClean="0"/>
-              <a:t>2024-03-26</a:t>
+              <a:t>2024-04-02</a:t>
             </a:fld>
             <a:endParaRPr lang="ko-KR" altLang="en-US" dirty="0"/>
           </a:p>
@@ -959,7 +2824,7 @@
           <a:p>
             <a:fld id="{92AA6529-A132-4E5C-83A0-D1099610F41A}" type="datetime1">
               <a:rPr lang="ko-KR" altLang="en-US" smtClean="0"/>
-              <a:t>2024-03-26</a:t>
+              <a:t>2024-04-02</a:t>
             </a:fld>
             <a:endParaRPr lang="ko-KR" altLang="en-US" dirty="0"/>
           </a:p>
@@ -1154,7 +3019,7 @@
           <a:p>
             <a:fld id="{239936F7-CC86-4EBF-89EF-4F8C3793C16C}" type="datetime1">
               <a:rPr lang="ko-KR" altLang="en-US" smtClean="0"/>
-              <a:t>2024-03-26</a:t>
+              <a:t>2024-04-02</a:t>
             </a:fld>
             <a:endParaRPr lang="ko-KR" altLang="en-US" dirty="0"/>
           </a:p>
@@ -1348,7 +3213,7 @@
           <a:p>
             <a:fld id="{8324B3F8-367B-44E7-A104-2C7D7A6AB900}" type="datetime1">
               <a:rPr lang="ko-KR" altLang="en-US" smtClean="0"/>
-              <a:t>2024-03-26</a:t>
+              <a:t>2024-04-02</a:t>
             </a:fld>
             <a:endParaRPr lang="ko-KR" altLang="en-US" dirty="0"/>
           </a:p>
@@ -1619,7 +3484,7 @@
           <a:p>
             <a:fld id="{F089C6E7-2034-4B02-851D-36DFC26C3E9E}" type="datetime1">
               <a:rPr lang="ko-KR" altLang="en-US" smtClean="0"/>
-              <a:t>2024-03-26</a:t>
+              <a:t>2024-04-02</a:t>
             </a:fld>
             <a:endParaRPr lang="ko-KR" altLang="en-US" dirty="0"/>
           </a:p>
@@ -1866,7 +3731,7 @@
           <a:p>
             <a:fld id="{8C5694B5-1083-4023-B860-A7D6B60AECB0}" type="datetime1">
               <a:rPr lang="ko-KR" altLang="en-US" smtClean="0"/>
-              <a:t>2024-03-26</a:t>
+              <a:t>2024-04-02</a:t>
             </a:fld>
             <a:endParaRPr lang="ko-KR" altLang="en-US" dirty="0"/>
           </a:p>
@@ -2248,7 +4113,7 @@
           <a:p>
             <a:fld id="{86AE655F-91EA-4219-9715-7A7BD09C898E}" type="datetime1">
               <a:rPr lang="ko-KR" altLang="en-US" smtClean="0"/>
-              <a:t>2024-03-26</a:t>
+              <a:t>2024-04-02</a:t>
             </a:fld>
             <a:endParaRPr lang="ko-KR" altLang="en-US" dirty="0"/>
           </a:p>
@@ -2381,7 +4246,7 @@
           <a:p>
             <a:fld id="{66A73425-252E-4438-9174-228309ED25A6}" type="datetime1">
               <a:rPr lang="ko-KR" altLang="en-US" smtClean="0"/>
-              <a:t>2024-03-26</a:t>
+              <a:t>2024-04-02</a:t>
             </a:fld>
             <a:endParaRPr lang="ko-KR" altLang="en-US" dirty="0"/>
           </a:p>
@@ -2491,7 +4356,7 @@
           <a:p>
             <a:fld id="{96C653CF-8C6C-4115-A6B7-E92A27B09C35}" type="datetime1">
               <a:rPr lang="ko-KR" altLang="en-US" smtClean="0"/>
-              <a:t>2024-03-26</a:t>
+              <a:t>2024-04-02</a:t>
             </a:fld>
             <a:endParaRPr lang="ko-KR" altLang="en-US" dirty="0"/>
           </a:p>
@@ -2783,7 +4648,7 @@
           <a:p>
             <a:fld id="{FA2959EF-7AC9-40C5-B2E3-812567DC8B97}" type="datetime1">
               <a:rPr lang="ko-KR" altLang="en-US" smtClean="0"/>
-              <a:t>2024-03-26</a:t>
+              <a:t>2024-04-02</a:t>
             </a:fld>
             <a:endParaRPr lang="ko-KR" altLang="en-US" dirty="0"/>
           </a:p>
@@ -3051,7 +4916,7 @@
           <a:p>
             <a:fld id="{8E4358F6-550B-4AB7-B8E8-E889E97A6024}" type="datetime1">
               <a:rPr lang="ko-KR" altLang="en-US" smtClean="0"/>
-              <a:t>2024-03-26</a:t>
+              <a:t>2024-04-02</a:t>
             </a:fld>
             <a:endParaRPr lang="ko-KR" altLang="en-US" dirty="0"/>
           </a:p>
@@ -3279,7 +5144,7 @@
           <a:p>
             <a:fld id="{82796CD8-19CA-4A88-B539-DF9B58F792E5}" type="datetime1">
               <a:rPr lang="ko-KR" altLang="en-US" smtClean="0"/>
-              <a:t>2024-03-26</a:t>
+              <a:t>2024-04-02</a:t>
             </a:fld>
             <a:endParaRPr lang="ko-KR" altLang="en-US" dirty="0"/>
           </a:p>
@@ -3382,7 +5247,7 @@
         </p:nvSpPr>
         <p:spPr>
           <a:xfrm>
-            <a:off x="9010135" y="6352489"/>
+            <a:off x="9158415" y="6352489"/>
             <a:ext cx="2403389" cy="365125"/>
           </a:xfrm>
           <a:prstGeom prst="rect">
@@ -3498,7 +5363,7 @@
                   </a:schemeClr>
                 </a:solidFill>
               </a:rPr>
-              <a:t>/37</a:t>
+              <a:t>/ 99</a:t>
             </a:r>
           </a:p>
         </p:txBody>
@@ -3856,7 +5721,7 @@
           <p:nvPr/>
         </p:nvPicPr>
         <p:blipFill>
-          <a:blip r:embed="rId2" cstate="print">
+          <a:blip r:embed="rId3" cstate="print">
             <a:extLst>
               <a:ext uri="{28A0092B-C50C-407E-A947-70E740481C1C}">
                 <a14:useLocalDpi xmlns:a14="http://schemas.microsoft.com/office/drawing/2010/main" val="0"/>
@@ -4013,20 +5878,9 @@
 </p:sld>
 </file>
 
-<file path=ppt/slides/slide2.xml><?xml version="1.0" encoding="utf-8"?>
+<file path=ppt/slides/slide10.xml><?xml version="1.0" encoding="utf-8"?>
 <p:sld xmlns:a="http://schemas.openxmlformats.org/drawingml/2006/main" xmlns:r="http://schemas.openxmlformats.org/officeDocument/2006/relationships" xmlns:p="http://schemas.openxmlformats.org/presentationml/2006/main">
   <p:cSld>
-    <p:bg>
-      <p:bgPr>
-        <a:solidFill>
-          <a:schemeClr val="bg1">
-            <a:tint val="95000"/>
-            <a:satMod val="170000"/>
-          </a:schemeClr>
-        </a:solidFill>
-        <a:effectLst/>
-      </p:bgPr>
-    </p:bg>
     <p:spTree>
       <p:nvGrpSpPr>
         <p:cNvPr id="1" name=""/>
@@ -4058,7 +5912,15 @@
           <a:p>
             <a:r>
               <a:rPr lang="ko-KR" altLang="en-US" dirty="0" smtClean="0"/>
-              <a:t>목차</a:t>
+              <a:t>컨셉 도출</a:t>
+            </a:r>
+            <a:r>
+              <a:rPr lang="en-US" altLang="ko-KR" sz="2800" dirty="0" smtClean="0"/>
+              <a:t>_</a:t>
+            </a:r>
+            <a:r>
+              <a:rPr lang="ko-KR" altLang="en-US" sz="2800" dirty="0" smtClean="0"/>
+              <a:t>앱 이름</a:t>
             </a:r>
             <a:endParaRPr lang="ko-KR" altLang="en-US" dirty="0"/>
           </a:p>
@@ -4079,79 +5941,16 @@
           <a:bodyPr/>
           <a:lstStyle/>
           <a:p>
-            <a:pPr marL="514350" indent="-514350">
-              <a:buFont typeface="+mj-lt"/>
-              <a:buAutoNum type="arabicPeriod"/>
-            </a:pPr>
-            <a:r>
-              <a:rPr lang="ko-KR" altLang="en-US" dirty="0" smtClean="0"/>
-              <a:t>현황분석</a:t>
+            <a:r>
+              <a:rPr lang="ko-KR" altLang="en-US" dirty="0" smtClean="0"/>
+              <a:t>앱의 슬로건</a:t>
             </a:r>
             <a:endParaRPr lang="en-US" altLang="ko-KR" dirty="0" smtClean="0"/>
           </a:p>
           <a:p>
-            <a:pPr marL="514350" indent="-514350">
-              <a:buFont typeface="+mj-lt"/>
-              <a:buAutoNum type="arabicPeriod"/>
-            </a:pPr>
-            <a:r>
-              <a:rPr lang="ko-KR" altLang="en-US" dirty="0" smtClean="0"/>
-              <a:t>타겟 설정</a:t>
-            </a:r>
-            <a:endParaRPr lang="en-US" altLang="ko-KR" dirty="0" smtClean="0"/>
-          </a:p>
-          <a:p>
-            <a:pPr marL="514350" indent="-514350">
-              <a:buFont typeface="+mj-lt"/>
-              <a:buAutoNum type="arabicPeriod"/>
-            </a:pPr>
-            <a:r>
-              <a:rPr lang="ko-KR" altLang="en-US" dirty="0" smtClean="0"/>
-              <a:t>컨셉 도출</a:t>
-            </a:r>
-            <a:endParaRPr lang="en-US" altLang="ko-KR" dirty="0" smtClean="0"/>
-          </a:p>
-          <a:p>
-            <a:pPr marL="514350" indent="-514350">
-              <a:buFont typeface="+mj-lt"/>
-              <a:buAutoNum type="arabicPeriod"/>
-            </a:pPr>
-            <a:r>
-              <a:rPr lang="ko-KR" altLang="en-US" dirty="0" smtClean="0"/>
-              <a:t>스토리보드</a:t>
-            </a:r>
-            <a:endParaRPr lang="en-US" altLang="ko-KR" dirty="0" smtClean="0"/>
-          </a:p>
-          <a:p>
-            <a:pPr marL="514350" indent="-514350">
-              <a:buFont typeface="+mj-lt"/>
-              <a:buAutoNum type="arabicPeriod"/>
-            </a:pPr>
-            <a:r>
-              <a:rPr lang="ko-KR" altLang="en-US" dirty="0" smtClean="0"/>
-              <a:t>구현</a:t>
-            </a:r>
-            <a:endParaRPr lang="en-US" altLang="ko-KR" dirty="0" smtClean="0"/>
-          </a:p>
-          <a:p>
-            <a:pPr marL="514350" indent="-514350">
-              <a:buFont typeface="+mj-lt"/>
-              <a:buAutoNum type="arabicPeriod"/>
-            </a:pPr>
-            <a:r>
-              <a:rPr lang="ko-KR" altLang="en-US" dirty="0" smtClean="0"/>
-              <a:t>프로모션 계획</a:t>
-            </a:r>
-            <a:endParaRPr lang="en-US" altLang="ko-KR" dirty="0" smtClean="0"/>
-          </a:p>
-          <a:p>
-            <a:pPr marL="514350" indent="-514350">
-              <a:buFont typeface="+mj-lt"/>
-              <a:buAutoNum type="arabicPeriod"/>
-            </a:pPr>
-            <a:r>
-              <a:rPr lang="ko-KR" altLang="en-US" dirty="0" smtClean="0"/>
-              <a:t>향후 계획</a:t>
+            <a:r>
+              <a:rPr lang="ko-KR" altLang="en-US" dirty="0" smtClean="0"/>
+              <a:t>어떤 컨셉으로 만들지 간결하게 나타내기</a:t>
             </a:r>
             <a:endParaRPr lang="ko-KR" altLang="en-US" dirty="0"/>
           </a:p>
@@ -4201,7 +6000,7 @@
           <a:p>
             <a:fld id="{88450DA5-2674-45C9-A461-EAD2254577B9}" type="slidenum">
               <a:rPr lang="ko-KR" altLang="en-US" smtClean="0"/>
-              <a:t>2</a:t>
+              <a:t>10</a:t>
             </a:fld>
             <a:endParaRPr lang="ko-KR" altLang="en-US" dirty="0"/>
           </a:p>
@@ -4210,7 +6009,7 @@
     </p:spTree>
     <p:extLst>
       <p:ext uri="{BB962C8B-B14F-4D97-AF65-F5344CB8AC3E}">
-        <p14:creationId xmlns:p14="http://schemas.microsoft.com/office/powerpoint/2010/main" val="2657829037"/>
+        <p14:creationId xmlns:p14="http://schemas.microsoft.com/office/powerpoint/2010/main" val="1341084613"/>
       </p:ext>
     </p:extLst>
   </p:cSld>
@@ -4227,818 +6026,7 @@
 </p:sld>
 </file>
 
-<file path=ppt/slides/slide3.xml><?xml version="1.0" encoding="utf-8"?>
-<p:sld xmlns:a="http://schemas.openxmlformats.org/drawingml/2006/main" xmlns:r="http://schemas.openxmlformats.org/officeDocument/2006/relationships" xmlns:p="http://schemas.openxmlformats.org/presentationml/2006/main">
-  <p:cSld>
-    <p:spTree>
-      <p:nvGrpSpPr>
-        <p:cNvPr id="1" name=""/>
-        <p:cNvGrpSpPr/>
-        <p:nvPr/>
-      </p:nvGrpSpPr>
-      <p:grpSpPr>
-        <a:xfrm>
-          <a:off x="0" y="0"/>
-          <a:ext cx="0" cy="0"/>
-          <a:chOff x="0" y="0"/>
-          <a:chExt cx="0" cy="0"/>
-        </a:xfrm>
-      </p:grpSpPr>
-      <p:sp>
-        <p:nvSpPr>
-          <p:cNvPr id="2" name="제목 1"/>
-          <p:cNvSpPr>
-            <a:spLocks noGrp="1"/>
-          </p:cNvSpPr>
-          <p:nvPr>
-            <p:ph type="title"/>
-          </p:nvPr>
-        </p:nvSpPr>
-        <p:spPr/>
-        <p:txBody>
-          <a:bodyPr/>
-          <a:lstStyle/>
-          <a:p>
-            <a:r>
-              <a:rPr lang="ko-KR" altLang="en-US" dirty="0" smtClean="0"/>
-              <a:t>챕터 제목</a:t>
-            </a:r>
-            <a:r>
-              <a:rPr lang="en-US" altLang="ko-KR" sz="2800" dirty="0" smtClean="0"/>
-              <a:t>_</a:t>
-            </a:r>
-            <a:r>
-              <a:rPr lang="ko-KR" altLang="en-US" sz="2800" dirty="0"/>
-              <a:t>소</a:t>
-            </a:r>
-            <a:r>
-              <a:rPr lang="ko-KR" altLang="en-US" sz="2800" dirty="0" smtClean="0"/>
-              <a:t>제목</a:t>
-            </a:r>
-            <a:endParaRPr lang="ko-KR" altLang="en-US" sz="2800" dirty="0"/>
-          </a:p>
-        </p:txBody>
-      </p:sp>
-      <p:sp>
-        <p:nvSpPr>
-          <p:cNvPr id="3" name="내용 개체 틀 2"/>
-          <p:cNvSpPr>
-            <a:spLocks noGrp="1"/>
-          </p:cNvSpPr>
-          <p:nvPr>
-            <p:ph idx="1"/>
-          </p:nvPr>
-        </p:nvSpPr>
-        <p:spPr/>
-        <p:txBody>
-          <a:bodyPr/>
-          <a:lstStyle/>
-          <a:p>
-            <a:r>
-              <a:rPr lang="ko-KR" altLang="en-US" dirty="0" smtClean="0"/>
-              <a:t>강조 </a:t>
-            </a:r>
-            <a:r>
-              <a:rPr lang="en-US" altLang="ko-KR" dirty="0" smtClean="0"/>
-              <a:t>X, </a:t>
-            </a:r>
-            <a:r>
-              <a:rPr lang="ko-KR" altLang="en-US" dirty="0" smtClean="0"/>
-              <a:t>주황 강조</a:t>
-            </a:r>
-            <a:r>
-              <a:rPr lang="en-US" altLang="ko-KR" dirty="0" smtClean="0"/>
-              <a:t>2 80% </a:t>
-            </a:r>
-            <a:r>
-              <a:rPr lang="ko-KR" altLang="en-US" dirty="0" smtClean="0"/>
-              <a:t>더 밝게</a:t>
-            </a:r>
-            <a:endParaRPr lang="en-US" altLang="ko-KR" dirty="0" smtClean="0"/>
-          </a:p>
-          <a:p>
-            <a:r>
-              <a:rPr lang="ko-KR" altLang="en-US" dirty="0" smtClean="0">
-                <a:solidFill>
-                  <a:schemeClr val="tx1"/>
-                </a:solidFill>
-              </a:rPr>
-              <a:t>강조 </a:t>
-            </a:r>
-            <a:r>
-              <a:rPr lang="en-US" altLang="ko-KR" dirty="0" smtClean="0">
-                <a:solidFill>
-                  <a:schemeClr val="tx1"/>
-                </a:solidFill>
-              </a:rPr>
-              <a:t>O, </a:t>
-            </a:r>
-            <a:r>
-              <a:rPr lang="ko-KR" altLang="en-US" dirty="0" smtClean="0">
-                <a:solidFill>
-                  <a:schemeClr val="tx1"/>
-                </a:solidFill>
-              </a:rPr>
-              <a:t>흰 색 텍스트 </a:t>
-            </a:r>
-            <a:r>
-              <a:rPr lang="en-US" altLang="ko-KR" dirty="0" smtClean="0">
-                <a:solidFill>
-                  <a:schemeClr val="tx1"/>
-                </a:solidFill>
-              </a:rPr>
-              <a:t>1</a:t>
-            </a:r>
-          </a:p>
-          <a:p>
-            <a:r>
-              <a:rPr lang="ko-KR" altLang="en-US" dirty="0" smtClean="0">
-                <a:solidFill>
-                  <a:srgbClr val="00B0F0"/>
-                </a:solidFill>
-              </a:rPr>
-              <a:t>기업 사용자</a:t>
-            </a:r>
-            <a:r>
-              <a:rPr lang="en-US" altLang="ko-KR" dirty="0" smtClean="0">
-                <a:solidFill>
-                  <a:srgbClr val="00B0F0"/>
-                </a:solidFill>
-              </a:rPr>
-              <a:t>, </a:t>
-            </a:r>
-            <a:r>
-              <a:rPr lang="ko-KR" altLang="en-US" dirty="0" smtClean="0">
-                <a:solidFill>
-                  <a:srgbClr val="00B0F0"/>
-                </a:solidFill>
-              </a:rPr>
-              <a:t>표준 색 연한 파랑</a:t>
-            </a:r>
-            <a:endParaRPr lang="en-US" altLang="ko-KR" dirty="0" smtClean="0">
-              <a:solidFill>
-                <a:srgbClr val="00B0F0"/>
-              </a:solidFill>
-            </a:endParaRPr>
-          </a:p>
-          <a:p>
-            <a:r>
-              <a:rPr lang="ko-KR" altLang="en-US" dirty="0" smtClean="0">
-                <a:solidFill>
-                  <a:srgbClr val="71DB29"/>
-                </a:solidFill>
-              </a:rPr>
-              <a:t>개인 사용자</a:t>
-            </a:r>
-            <a:r>
-              <a:rPr lang="en-US" altLang="ko-KR" dirty="0" smtClean="0">
-                <a:solidFill>
-                  <a:srgbClr val="71DB29"/>
-                </a:solidFill>
-              </a:rPr>
-              <a:t>-</a:t>
-            </a:r>
-            <a:r>
-              <a:rPr lang="ko-KR" altLang="en-US" dirty="0" smtClean="0">
-                <a:solidFill>
-                  <a:srgbClr val="71DB29"/>
-                </a:solidFill>
-              </a:rPr>
-              <a:t>팀장</a:t>
-            </a:r>
-            <a:r>
-              <a:rPr lang="en-US" altLang="ko-KR" dirty="0" smtClean="0">
-                <a:solidFill>
-                  <a:srgbClr val="71DB29"/>
-                </a:solidFill>
-              </a:rPr>
-              <a:t>, 113/219/41</a:t>
-            </a:r>
-            <a:endParaRPr lang="en-US" altLang="ko-KR" dirty="0" smtClean="0">
-              <a:solidFill>
-                <a:srgbClr val="71DB29"/>
-              </a:solidFill>
-            </a:endParaRPr>
-          </a:p>
-          <a:p>
-            <a:r>
-              <a:rPr lang="ko-KR" altLang="en-US" dirty="0" smtClean="0">
-                <a:solidFill>
-                  <a:schemeClr val="accent6">
-                    <a:lumMod val="60000"/>
-                    <a:lumOff val="40000"/>
-                  </a:schemeClr>
-                </a:solidFill>
-              </a:rPr>
-              <a:t>개인 사용자</a:t>
-            </a:r>
-            <a:r>
-              <a:rPr lang="en-US" altLang="ko-KR" dirty="0" smtClean="0">
-                <a:solidFill>
-                  <a:schemeClr val="accent6">
-                    <a:lumMod val="60000"/>
-                    <a:lumOff val="40000"/>
-                  </a:schemeClr>
-                </a:solidFill>
-              </a:rPr>
-              <a:t>-</a:t>
-            </a:r>
-            <a:r>
-              <a:rPr lang="ko-KR" altLang="en-US" dirty="0" smtClean="0">
-                <a:solidFill>
-                  <a:schemeClr val="accent6">
-                    <a:lumMod val="60000"/>
-                    <a:lumOff val="40000"/>
-                  </a:schemeClr>
-                </a:solidFill>
-              </a:rPr>
-              <a:t>팀원</a:t>
-            </a:r>
-            <a:r>
-              <a:rPr lang="en-US" altLang="ko-KR" dirty="0" smtClean="0">
-                <a:solidFill>
-                  <a:schemeClr val="accent6">
-                    <a:lumMod val="60000"/>
-                    <a:lumOff val="40000"/>
-                  </a:schemeClr>
-                </a:solidFill>
-              </a:rPr>
-              <a:t>, </a:t>
-            </a:r>
-            <a:r>
-              <a:rPr lang="ko-KR" altLang="en-US" dirty="0" smtClean="0">
-                <a:solidFill>
-                  <a:schemeClr val="accent6">
-                    <a:lumMod val="60000"/>
-                    <a:lumOff val="40000"/>
-                  </a:schemeClr>
-                </a:solidFill>
-              </a:rPr>
-              <a:t>녹색 강조</a:t>
-            </a:r>
-            <a:r>
-              <a:rPr lang="en-US" altLang="ko-KR" dirty="0" smtClean="0">
-                <a:solidFill>
-                  <a:schemeClr val="accent6">
-                    <a:lumMod val="60000"/>
-                    <a:lumOff val="40000"/>
-                  </a:schemeClr>
-                </a:solidFill>
-              </a:rPr>
-              <a:t>6 40% </a:t>
-            </a:r>
-            <a:r>
-              <a:rPr lang="ko-KR" altLang="en-US" dirty="0" smtClean="0">
-                <a:solidFill>
-                  <a:schemeClr val="accent6">
-                    <a:lumMod val="60000"/>
-                    <a:lumOff val="40000"/>
-                  </a:schemeClr>
-                </a:solidFill>
-              </a:rPr>
-              <a:t>더 밝게</a:t>
-            </a:r>
-            <a:endParaRPr lang="en-US" altLang="ko-KR" dirty="0" smtClean="0">
-              <a:solidFill>
-                <a:schemeClr val="accent6">
-                  <a:lumMod val="60000"/>
-                  <a:lumOff val="40000"/>
-                </a:schemeClr>
-              </a:solidFill>
-            </a:endParaRPr>
-          </a:p>
-          <a:p>
-            <a:pPr marL="0" indent="0">
-              <a:buNone/>
-            </a:pPr>
-            <a:endParaRPr lang="en-US" altLang="ko-KR" dirty="0" smtClean="0">
-              <a:solidFill>
-                <a:schemeClr val="accent6">
-                  <a:lumMod val="60000"/>
-                  <a:lumOff val="40000"/>
-                </a:schemeClr>
-              </a:solidFill>
-            </a:endParaRPr>
-          </a:p>
-          <a:p>
-            <a:endParaRPr lang="en-US" altLang="ko-KR" dirty="0" smtClean="0"/>
-          </a:p>
-          <a:p>
-            <a:endParaRPr lang="ko-KR" altLang="en-US" dirty="0"/>
-          </a:p>
-        </p:txBody>
-      </p:sp>
-      <p:sp>
-        <p:nvSpPr>
-          <p:cNvPr id="5" name="바닥글 개체 틀 4"/>
-          <p:cNvSpPr>
-            <a:spLocks noGrp="1"/>
-          </p:cNvSpPr>
-          <p:nvPr>
-            <p:ph type="ftr" sz="quarter" idx="11"/>
-          </p:nvPr>
-        </p:nvSpPr>
-        <p:spPr/>
-        <p:txBody>
-          <a:bodyPr/>
-          <a:lstStyle/>
-          <a:p>
-            <a:r>
-              <a:rPr lang="en-US" altLang="ko-KR" dirty="0" smtClean="0"/>
-              <a:t>202034017 </a:t>
-            </a:r>
-            <a:r>
-              <a:rPr lang="ko-KR" altLang="en-US" dirty="0" smtClean="0"/>
-              <a:t>최영수 앱 기획 자료</a:t>
-            </a:r>
-            <a:endParaRPr lang="ko-KR" altLang="en-US" dirty="0"/>
-          </a:p>
-        </p:txBody>
-      </p:sp>
-      <p:sp>
-        <p:nvSpPr>
-          <p:cNvPr id="4" name="슬라이드 번호 개체 틀 3"/>
-          <p:cNvSpPr>
-            <a:spLocks noGrp="1"/>
-          </p:cNvSpPr>
-          <p:nvPr>
-            <p:ph type="sldNum" sz="quarter" idx="12"/>
-          </p:nvPr>
-        </p:nvSpPr>
-        <p:spPr/>
-        <p:txBody>
-          <a:bodyPr/>
-          <a:lstStyle/>
-          <a:p>
-            <a:fld id="{88450DA5-2674-45C9-A461-EAD2254577B9}" type="slidenum">
-              <a:rPr lang="ko-KR" altLang="en-US" smtClean="0"/>
-              <a:t>3</a:t>
-            </a:fld>
-            <a:endParaRPr lang="ko-KR" altLang="en-US" dirty="0"/>
-          </a:p>
-        </p:txBody>
-      </p:sp>
-    </p:spTree>
-    <p:extLst>
-      <p:ext uri="{BB962C8B-B14F-4D97-AF65-F5344CB8AC3E}">
-        <p14:creationId xmlns:p14="http://schemas.microsoft.com/office/powerpoint/2010/main" val="1001178248"/>
-      </p:ext>
-    </p:extLst>
-  </p:cSld>
-  <p:clrMapOvr>
-    <a:masterClrMapping/>
-  </p:clrMapOvr>
-  <p:timing>
-    <p:tnLst>
-      <p:par>
-        <p:cTn id="1" dur="indefinite" restart="never" nodeType="tmRoot"/>
-      </p:par>
-    </p:tnLst>
-  </p:timing>
-</p:sld>
-</file>
-
-<file path=ppt/slides/slide4.xml><?xml version="1.0" encoding="utf-8"?>
-<p:sld xmlns:a="http://schemas.openxmlformats.org/drawingml/2006/main" xmlns:r="http://schemas.openxmlformats.org/officeDocument/2006/relationships" xmlns:p="http://schemas.openxmlformats.org/presentationml/2006/main">
-  <p:cSld>
-    <p:spTree>
-      <p:nvGrpSpPr>
-        <p:cNvPr id="1" name=""/>
-        <p:cNvGrpSpPr/>
-        <p:nvPr/>
-      </p:nvGrpSpPr>
-      <p:grpSpPr>
-        <a:xfrm>
-          <a:off x="0" y="0"/>
-          <a:ext cx="0" cy="0"/>
-          <a:chOff x="0" y="0"/>
-          <a:chExt cx="0" cy="0"/>
-        </a:xfrm>
-      </p:grpSpPr>
-      <p:pic>
-        <p:nvPicPr>
-          <p:cNvPr id="6" name="그림 5"/>
-          <p:cNvPicPr>
-            <a:picLocks noChangeAspect="1"/>
-          </p:cNvPicPr>
-          <p:nvPr/>
-        </p:nvPicPr>
-        <p:blipFill>
-          <a:blip r:embed="rId2">
-            <a:extLst>
-              <a:ext uri="{BEBA8EAE-BF5A-486C-A8C5-ECC9F3942E4B}">
-                <a14:imgProps xmlns:a14="http://schemas.microsoft.com/office/drawing/2010/main">
-                  <a14:imgLayer r:embed="rId3">
-                    <a14:imgEffect>
-                      <a14:artisticBlur/>
-                    </a14:imgEffect>
-                    <a14:imgEffect>
-                      <a14:brightnessContrast bright="-70000"/>
-                    </a14:imgEffect>
-                  </a14:imgLayer>
-                </a14:imgProps>
-              </a:ext>
-              <a:ext uri="{28A0092B-C50C-407E-A947-70E740481C1C}">
-                <a14:useLocalDpi xmlns:a14="http://schemas.microsoft.com/office/drawing/2010/main" val="0"/>
-              </a:ext>
-            </a:extLst>
-          </a:blip>
-          <a:stretch>
-            <a:fillRect/>
-          </a:stretch>
-        </p:blipFill>
-        <p:spPr>
-          <a:xfrm>
-            <a:off x="952500" y="0"/>
-            <a:ext cx="10287000" cy="6858000"/>
-          </a:xfrm>
-          <a:prstGeom prst="rect">
-            <a:avLst/>
-          </a:prstGeom>
-          <a:noFill/>
-          <a:effectLst>
-            <a:softEdge rad="1270000"/>
-          </a:effectLst>
-        </p:spPr>
-      </p:pic>
-      <p:sp>
-        <p:nvSpPr>
-          <p:cNvPr id="2" name="제목 1"/>
-          <p:cNvSpPr>
-            <a:spLocks noGrp="1"/>
-          </p:cNvSpPr>
-          <p:nvPr>
-            <p:ph type="title"/>
-          </p:nvPr>
-        </p:nvSpPr>
-        <p:spPr/>
-        <p:txBody>
-          <a:bodyPr/>
-          <a:lstStyle/>
-          <a:p>
-            <a:r>
-              <a:rPr lang="ko-KR" altLang="en-US" dirty="0" smtClean="0">
-                <a:solidFill>
-                  <a:schemeClr val="accent4"/>
-                </a:solidFill>
-              </a:rPr>
-              <a:t>현황분석</a:t>
-            </a:r>
-            <a:endParaRPr lang="ko-KR" altLang="en-US" dirty="0">
-              <a:solidFill>
-                <a:schemeClr val="accent4"/>
-              </a:solidFill>
-            </a:endParaRPr>
-          </a:p>
-        </p:txBody>
-      </p:sp>
-      <p:sp>
-        <p:nvSpPr>
-          <p:cNvPr id="3" name="내용 개체 틀 2"/>
-          <p:cNvSpPr>
-            <a:spLocks noGrp="1"/>
-          </p:cNvSpPr>
-          <p:nvPr>
-            <p:ph idx="1"/>
-          </p:nvPr>
-        </p:nvSpPr>
-        <p:spPr/>
-        <p:txBody>
-          <a:bodyPr/>
-          <a:lstStyle/>
-          <a:p>
-            <a:r>
-              <a:rPr lang="ko-KR" altLang="en-US" b="1" dirty="0" smtClean="0">
-                <a:solidFill>
-                  <a:schemeClr val="accent2">
-                    <a:lumMod val="20000"/>
-                    <a:lumOff val="80000"/>
-                  </a:schemeClr>
-                </a:solidFill>
-              </a:rPr>
-              <a:t>게임</a:t>
-            </a:r>
-            <a:r>
-              <a:rPr lang="en-US" altLang="ko-KR" b="1" dirty="0" smtClean="0">
-                <a:solidFill>
-                  <a:schemeClr val="accent2">
-                    <a:lumMod val="20000"/>
-                    <a:lumOff val="80000"/>
-                  </a:schemeClr>
-                </a:solidFill>
-              </a:rPr>
-              <a:t>, </a:t>
-            </a:r>
-            <a:r>
-              <a:rPr lang="ko-KR" altLang="en-US" b="1" dirty="0" smtClean="0">
-                <a:solidFill>
-                  <a:schemeClr val="accent2">
-                    <a:lumMod val="20000"/>
-                    <a:lumOff val="80000"/>
-                  </a:schemeClr>
-                </a:solidFill>
-              </a:rPr>
-              <a:t>앱 개발 현황</a:t>
-            </a:r>
-            <a:endParaRPr lang="en-US" altLang="ko-KR" b="1" dirty="0" smtClean="0">
-              <a:solidFill>
-                <a:schemeClr val="accent2">
-                  <a:lumMod val="20000"/>
-                  <a:lumOff val="80000"/>
-                </a:schemeClr>
-              </a:solidFill>
-            </a:endParaRPr>
-          </a:p>
-          <a:p>
-            <a:r>
-              <a:rPr lang="ko-KR" altLang="en-US" b="1" dirty="0" smtClean="0">
-                <a:solidFill>
-                  <a:schemeClr val="accent2">
-                    <a:lumMod val="20000"/>
-                    <a:lumOff val="80000"/>
-                  </a:schemeClr>
-                </a:solidFill>
-              </a:rPr>
-              <a:t>공모전 팀 구하기 힘들다</a:t>
-            </a:r>
-            <a:endParaRPr lang="en-US" altLang="ko-KR" b="1" dirty="0" smtClean="0">
-              <a:solidFill>
-                <a:schemeClr val="accent2">
-                  <a:lumMod val="20000"/>
-                  <a:lumOff val="80000"/>
-                </a:schemeClr>
-              </a:solidFill>
-            </a:endParaRPr>
-          </a:p>
-        </p:txBody>
-      </p:sp>
-      <p:sp>
-        <p:nvSpPr>
-          <p:cNvPr id="5" name="바닥글 개체 틀 4"/>
-          <p:cNvSpPr>
-            <a:spLocks noGrp="1"/>
-          </p:cNvSpPr>
-          <p:nvPr>
-            <p:ph type="ftr" sz="quarter" idx="11"/>
-          </p:nvPr>
-        </p:nvSpPr>
-        <p:spPr/>
-        <p:txBody>
-          <a:bodyPr/>
-          <a:lstStyle/>
-          <a:p>
-            <a:r>
-              <a:rPr lang="en-US" altLang="ko-KR" dirty="0" smtClean="0"/>
-              <a:t>202034017 </a:t>
-            </a:r>
-            <a:r>
-              <a:rPr lang="ko-KR" altLang="en-US" dirty="0" smtClean="0"/>
-              <a:t>최영수 앱 기획 자료</a:t>
-            </a:r>
-            <a:endParaRPr lang="ko-KR" altLang="en-US" dirty="0"/>
-          </a:p>
-        </p:txBody>
-      </p:sp>
-      <p:sp>
-        <p:nvSpPr>
-          <p:cNvPr id="4" name="슬라이드 번호 개체 틀 3"/>
-          <p:cNvSpPr>
-            <a:spLocks noGrp="1"/>
-          </p:cNvSpPr>
-          <p:nvPr>
-            <p:ph type="sldNum" sz="quarter" idx="12"/>
-          </p:nvPr>
-        </p:nvSpPr>
-        <p:spPr/>
-        <p:txBody>
-          <a:bodyPr/>
-          <a:lstStyle/>
-          <a:p>
-            <a:fld id="{88450DA5-2674-45C9-A461-EAD2254577B9}" type="slidenum">
-              <a:rPr lang="ko-KR" altLang="en-US" smtClean="0"/>
-              <a:t>4</a:t>
-            </a:fld>
-            <a:endParaRPr lang="ko-KR" altLang="en-US" dirty="0"/>
-          </a:p>
-        </p:txBody>
-      </p:sp>
-    </p:spTree>
-    <p:extLst>
-      <p:ext uri="{BB962C8B-B14F-4D97-AF65-F5344CB8AC3E}">
-        <p14:creationId xmlns:p14="http://schemas.microsoft.com/office/powerpoint/2010/main" val="1873782481"/>
-      </p:ext>
-    </p:extLst>
-  </p:cSld>
-  <p:clrMapOvr>
-    <a:masterClrMapping/>
-  </p:clrMapOvr>
-  <p:timing>
-    <p:tnLst>
-      <p:par>
-        <p:cTn id="1" dur="indefinite" restart="never" nodeType="tmRoot"/>
-      </p:par>
-    </p:tnLst>
-  </p:timing>
-</p:sld>
-</file>
-
-<file path=ppt/slides/slide5.xml><?xml version="1.0" encoding="utf-8"?>
-<p:sld xmlns:a="http://schemas.openxmlformats.org/drawingml/2006/main" xmlns:r="http://schemas.openxmlformats.org/officeDocument/2006/relationships" xmlns:p="http://schemas.openxmlformats.org/presentationml/2006/main">
-  <p:cSld>
-    <p:spTree>
-      <p:nvGrpSpPr>
-        <p:cNvPr id="1" name=""/>
-        <p:cNvGrpSpPr/>
-        <p:nvPr/>
-      </p:nvGrpSpPr>
-      <p:grpSpPr>
-        <a:xfrm>
-          <a:off x="0" y="0"/>
-          <a:ext cx="0" cy="0"/>
-          <a:chOff x="0" y="0"/>
-          <a:chExt cx="0" cy="0"/>
-        </a:xfrm>
-      </p:grpSpPr>
-      <p:sp>
-        <p:nvSpPr>
-          <p:cNvPr id="2" name="제목 1"/>
-          <p:cNvSpPr>
-            <a:spLocks noGrp="1"/>
-          </p:cNvSpPr>
-          <p:nvPr>
-            <p:ph type="title"/>
-          </p:nvPr>
-        </p:nvSpPr>
-        <p:spPr/>
-        <p:txBody>
-          <a:bodyPr/>
-          <a:lstStyle/>
-          <a:p>
-            <a:r>
-              <a:rPr lang="ko-KR" altLang="en-US" dirty="0" smtClean="0"/>
-              <a:t>현황분석</a:t>
-            </a:r>
-            <a:r>
-              <a:rPr lang="en-US" altLang="ko-KR" sz="2800" dirty="0" smtClean="0"/>
-              <a:t>_</a:t>
-            </a:r>
-            <a:endParaRPr lang="ko-KR" altLang="en-US" dirty="0"/>
-          </a:p>
-        </p:txBody>
-      </p:sp>
-      <p:sp>
-        <p:nvSpPr>
-          <p:cNvPr id="3" name="내용 개체 틀 2"/>
-          <p:cNvSpPr>
-            <a:spLocks noGrp="1"/>
-          </p:cNvSpPr>
-          <p:nvPr>
-            <p:ph idx="1"/>
-          </p:nvPr>
-        </p:nvSpPr>
-        <p:spPr/>
-        <p:txBody>
-          <a:bodyPr/>
-          <a:lstStyle/>
-          <a:p>
-            <a:r>
-              <a:rPr lang="ko-KR" altLang="en-US" dirty="0" smtClean="0"/>
-              <a:t>공모전 관련 자료 </a:t>
-            </a:r>
-            <a:r>
-              <a:rPr lang="en-US" altLang="ko-KR" dirty="0" smtClean="0"/>
-              <a:t>/ </a:t>
-            </a:r>
-            <a:r>
-              <a:rPr lang="ko-KR" altLang="en-US" dirty="0" smtClean="0"/>
-              <a:t>이미지</a:t>
-            </a:r>
-            <a:endParaRPr lang="en-US" altLang="ko-KR" dirty="0"/>
-          </a:p>
-          <a:p>
-            <a:r>
-              <a:rPr lang="ko-KR" altLang="en-US" dirty="0" smtClean="0"/>
-              <a:t>내용은 팀으로 참가하는 경우 팀원 구성 설문</a:t>
-            </a:r>
-            <a:r>
-              <a:rPr lang="en-US" altLang="ko-KR" dirty="0" smtClean="0"/>
-              <a:t>? </a:t>
-            </a:r>
-            <a:r>
-              <a:rPr lang="ko-KR" altLang="en-US" dirty="0" smtClean="0"/>
-              <a:t>있으면 좋겠는데</a:t>
-            </a:r>
-            <a:r>
-              <a:rPr lang="en-US" altLang="ko-KR" dirty="0" smtClean="0"/>
-              <a:t>(</a:t>
-            </a:r>
-            <a:r>
-              <a:rPr lang="ko-KR" altLang="en-US" dirty="0" smtClean="0"/>
-              <a:t>기존 팀 구성의 문제점</a:t>
-            </a:r>
-            <a:r>
-              <a:rPr lang="en-US" altLang="ko-KR" dirty="0" smtClean="0"/>
-              <a:t>)</a:t>
-            </a:r>
-            <a:endParaRPr lang="en-US" altLang="ko-KR" dirty="0"/>
-          </a:p>
-          <a:p>
-            <a:r>
-              <a:rPr lang="ko-KR" altLang="en-US" dirty="0" smtClean="0"/>
-              <a:t>공모전 참가 조건 여러가지 예시</a:t>
-            </a:r>
-            <a:r>
-              <a:rPr lang="en-US" altLang="ko-KR" dirty="0" smtClean="0"/>
-              <a:t>(</a:t>
-            </a:r>
-            <a:r>
-              <a:rPr lang="ko-KR" altLang="en-US" dirty="0" smtClean="0"/>
-              <a:t>팀 구성에 대한 필요성을 주장</a:t>
-            </a:r>
-            <a:r>
-              <a:rPr lang="en-US" altLang="ko-KR" dirty="0" smtClean="0"/>
-              <a:t>)</a:t>
-            </a:r>
-          </a:p>
-          <a:p>
-            <a:endParaRPr lang="en-US" altLang="ko-KR" dirty="0" smtClean="0"/>
-          </a:p>
-          <a:p>
-            <a:endParaRPr lang="ko-KR" altLang="en-US" dirty="0"/>
-          </a:p>
-        </p:txBody>
-      </p:sp>
-      <p:sp>
-        <p:nvSpPr>
-          <p:cNvPr id="5" name="바닥글 개체 틀 4"/>
-          <p:cNvSpPr>
-            <a:spLocks noGrp="1"/>
-          </p:cNvSpPr>
-          <p:nvPr>
-            <p:ph type="ftr" sz="quarter" idx="11"/>
-          </p:nvPr>
-        </p:nvSpPr>
-        <p:spPr/>
-        <p:txBody>
-          <a:bodyPr/>
-          <a:lstStyle/>
-          <a:p>
-            <a:r>
-              <a:rPr lang="en-US" altLang="ko-KR" dirty="0" smtClean="0"/>
-              <a:t>202034017 </a:t>
-            </a:r>
-            <a:r>
-              <a:rPr lang="ko-KR" altLang="en-US" dirty="0" smtClean="0"/>
-              <a:t>최영수 앱 기획 자료</a:t>
-            </a:r>
-            <a:endParaRPr lang="ko-KR" altLang="en-US" dirty="0"/>
-          </a:p>
-        </p:txBody>
-      </p:sp>
-      <p:sp>
-        <p:nvSpPr>
-          <p:cNvPr id="4" name="슬라이드 번호 개체 틀 3"/>
-          <p:cNvSpPr>
-            <a:spLocks noGrp="1"/>
-          </p:cNvSpPr>
-          <p:nvPr>
-            <p:ph type="sldNum" sz="quarter" idx="12"/>
-          </p:nvPr>
-        </p:nvSpPr>
-        <p:spPr/>
-        <p:txBody>
-          <a:bodyPr/>
-          <a:lstStyle/>
-          <a:p>
-            <a:fld id="{88450DA5-2674-45C9-A461-EAD2254577B9}" type="slidenum">
-              <a:rPr lang="ko-KR" altLang="en-US" smtClean="0"/>
-              <a:t>5</a:t>
-            </a:fld>
-            <a:endParaRPr lang="ko-KR" altLang="en-US" dirty="0"/>
-          </a:p>
-        </p:txBody>
-      </p:sp>
-    </p:spTree>
-    <p:extLst>
-      <p:ext uri="{BB962C8B-B14F-4D97-AF65-F5344CB8AC3E}">
-        <p14:creationId xmlns:p14="http://schemas.microsoft.com/office/powerpoint/2010/main" val="4133685650"/>
-      </p:ext>
-    </p:extLst>
-  </p:cSld>
-  <p:clrMapOvr>
-    <a:masterClrMapping/>
-  </p:clrMapOvr>
-  <p:timing>
-    <p:tnLst>
-      <p:par>
-        <p:cTn id="1" dur="indefinite" restart="never" nodeType="tmRoot"/>
-      </p:par>
-    </p:tnLst>
-  </p:timing>
-</p:sld>
-</file>
-
-<file path=ppt/slides/slide6.xml><?xml version="1.0" encoding="utf-8"?>
+<file path=ppt/slides/slide11.xml><?xml version="1.0" encoding="utf-8"?>
 <p:sld xmlns:a="http://schemas.openxmlformats.org/drawingml/2006/main" xmlns:r="http://schemas.openxmlformats.org/officeDocument/2006/relationships" xmlns:p="http://schemas.openxmlformats.org/presentationml/2006/main">
   <p:cSld>
     <p:spTree>
@@ -5065,20 +6053,20 @@
             <p:ph idx="1"/>
             <p:extLst>
               <p:ext uri="{D42A27DB-BD31-4B8C-83A1-F6EECF244321}">
-                <p14:modId xmlns:p14="http://schemas.microsoft.com/office/powerpoint/2010/main" val="3957635485"/>
+                <p14:modId xmlns:p14="http://schemas.microsoft.com/office/powerpoint/2010/main" val="2349248054"/>
               </p:ext>
             </p:extLst>
           </p:nvPr>
         </p:nvGraphicFramePr>
         <p:xfrm>
           <a:off x="1676400" y="1209678"/>
-          <a:ext cx="8839200" cy="5570067"/>
+          <a:ext cx="8839200" cy="5142056"/>
         </p:xfrm>
         <a:graphic>
           <a:graphicData uri="http://schemas.openxmlformats.org/drawingml/2006/table">
             <a:tbl>
               <a:tblPr>
-                <a:tableStyleId>{616DA210-FB5B-4158-B5E0-FEB733F419BA}</a:tableStyleId>
+                <a:tableStyleId>{BC89EF96-8CEA-46FF-86C4-4CE0E7609802}</a:tableStyleId>
               </a:tblPr>
               <a:tblGrid>
                 <a:gridCol w="1767840">
@@ -5169,12 +6157,6 @@
                       </a:endParaRPr>
                     </a:p>
                     <a:p>
-                      <a:endParaRPr lang="en-AU" sz="1050" b="0" baseline="0" dirty="0" smtClean="0">
-                        <a:latin typeface="D2Coding" panose="020B0609020101020101" pitchFamily="49" charset="-127"/>
-                        <a:ea typeface="D2Coding" panose="020B0609020101020101" pitchFamily="49" charset="-127"/>
-                      </a:endParaRPr>
-                    </a:p>
-                    <a:p>
                       <a:endParaRPr lang="en-AU" sz="1050" b="0" baseline="0" dirty="0">
                         <a:latin typeface="D2Coding" panose="020B0609020101020101" pitchFamily="49" charset="-127"/>
                         <a:ea typeface="D2Coding" panose="020B0609020101020101" pitchFamily="49" charset="-127"/>
@@ -5183,6 +6165,12 @@
                     <a:p>
                       <a:r>
                         <a:rPr lang="ko-KR" altLang="en-US" sz="1050" b="0" dirty="0" smtClean="0">
+                          <a:solidFill>
+                            <a:schemeClr val="accent2">
+                              <a:lumMod val="20000"/>
+                              <a:lumOff val="80000"/>
+                            </a:schemeClr>
+                          </a:solidFill>
                           <a:latin typeface="D2Coding" panose="020B0609020101020101" pitchFamily="49" charset="-127"/>
                           <a:ea typeface="D2Coding" panose="020B0609020101020101" pitchFamily="49" charset="-127"/>
                         </a:rPr>
@@ -5190,6 +6178,12 @@
                       </a:r>
                       <a:r>
                         <a:rPr lang="en-US" altLang="ko-KR" sz="1050" b="0" dirty="0" smtClean="0">
+                          <a:solidFill>
+                            <a:schemeClr val="accent2">
+                              <a:lumMod val="20000"/>
+                              <a:lumOff val="80000"/>
+                            </a:schemeClr>
+                          </a:solidFill>
                           <a:latin typeface="D2Coding" panose="020B0609020101020101" pitchFamily="49" charset="-127"/>
                           <a:ea typeface="D2Coding" panose="020B0609020101020101" pitchFamily="49" charset="-127"/>
                         </a:rPr>
@@ -5197,6 +6191,12 @@
                       </a:r>
                       <a:r>
                         <a:rPr lang="ko-KR" altLang="en-US" sz="1050" b="0" dirty="0" smtClean="0">
+                          <a:solidFill>
+                            <a:schemeClr val="accent2">
+                              <a:lumMod val="20000"/>
+                              <a:lumOff val="80000"/>
+                            </a:schemeClr>
+                          </a:solidFill>
                           <a:latin typeface="D2Coding" panose="020B0609020101020101" pitchFamily="49" charset="-127"/>
                           <a:ea typeface="D2Coding" panose="020B0609020101020101" pitchFamily="49" charset="-127"/>
                         </a:rPr>
@@ -5204,6 +6204,12 @@
                       </a:r>
                       <a:r>
                         <a:rPr lang="en-US" altLang="ko-KR" sz="1050" b="0" dirty="0" smtClean="0">
+                          <a:solidFill>
+                            <a:schemeClr val="accent2">
+                              <a:lumMod val="20000"/>
+                              <a:lumOff val="80000"/>
+                            </a:schemeClr>
+                          </a:solidFill>
                           <a:latin typeface="D2Coding" panose="020B0609020101020101" pitchFamily="49" charset="-127"/>
                           <a:ea typeface="D2Coding" panose="020B0609020101020101" pitchFamily="49" charset="-127"/>
                         </a:rPr>
@@ -5211,18 +6217,36 @@
                       </a:r>
                       <a:r>
                         <a:rPr lang="ko-KR" altLang="en-US" sz="1050" b="0" dirty="0" smtClean="0">
+                          <a:solidFill>
+                            <a:schemeClr val="accent2">
+                              <a:lumMod val="20000"/>
+                              <a:lumOff val="80000"/>
+                            </a:schemeClr>
+                          </a:solidFill>
                           <a:latin typeface="D2Coding" panose="020B0609020101020101" pitchFamily="49" charset="-127"/>
                           <a:ea typeface="D2Coding" panose="020B0609020101020101" pitchFamily="49" charset="-127"/>
                         </a:rPr>
                         <a:t>학생</a:t>
                       </a:r>
                       <a:endParaRPr lang="en-US" altLang="ko-KR" sz="1050" b="0" dirty="0" smtClean="0">
+                        <a:solidFill>
+                          <a:schemeClr val="accent2">
+                            <a:lumMod val="20000"/>
+                            <a:lumOff val="80000"/>
+                          </a:schemeClr>
+                        </a:solidFill>
                         <a:latin typeface="D2Coding" panose="020B0609020101020101" pitchFamily="49" charset="-127"/>
                         <a:ea typeface="D2Coding" panose="020B0609020101020101" pitchFamily="49" charset="-127"/>
                       </a:endParaRPr>
                     </a:p>
                     <a:p>
                       <a:endParaRPr lang="en-US" altLang="ko-KR" sz="1050" b="0" dirty="0" smtClean="0">
+                        <a:solidFill>
+                          <a:schemeClr val="accent2">
+                            <a:lumMod val="20000"/>
+                            <a:lumOff val="80000"/>
+                          </a:schemeClr>
+                        </a:solidFill>
                         <a:latin typeface="D2Coding" panose="020B0609020101020101" pitchFamily="49" charset="-127"/>
                         <a:ea typeface="D2Coding" panose="020B0609020101020101" pitchFamily="49" charset="-127"/>
                       </a:endParaRPr>
@@ -5230,6 +6254,12 @@
                     <a:p>
                       <a:r>
                         <a:rPr lang="en-US" altLang="ko-KR" sz="1050" b="0" dirty="0" smtClean="0">
+                          <a:solidFill>
+                            <a:schemeClr val="accent2">
+                              <a:lumMod val="20000"/>
+                              <a:lumOff val="80000"/>
+                            </a:schemeClr>
+                          </a:solidFill>
                           <a:latin typeface="D2Coding" panose="020B0609020101020101" pitchFamily="49" charset="-127"/>
                           <a:ea typeface="D2Coding" panose="020B0609020101020101" pitchFamily="49" charset="-127"/>
                         </a:rPr>
@@ -5237,6 +6267,12 @@
                       </a:r>
                       <a:r>
                         <a:rPr lang="ko-KR" altLang="en-US" sz="1050" b="0" dirty="0" smtClean="0">
+                          <a:solidFill>
+                            <a:schemeClr val="accent2">
+                              <a:lumMod val="20000"/>
+                              <a:lumOff val="80000"/>
+                            </a:schemeClr>
+                          </a:solidFill>
                           <a:latin typeface="D2Coding" panose="020B0609020101020101" pitchFamily="49" charset="-127"/>
                           <a:ea typeface="D2Coding" panose="020B0609020101020101" pitchFamily="49" charset="-127"/>
                         </a:rPr>
@@ -5244,6 +6280,12 @@
                       </a:r>
                       <a:r>
                         <a:rPr lang="en-US" altLang="ko-KR" sz="1050" b="0" dirty="0" smtClean="0">
+                          <a:solidFill>
+                            <a:schemeClr val="accent2">
+                              <a:lumMod val="20000"/>
+                              <a:lumOff val="80000"/>
+                            </a:schemeClr>
+                          </a:solidFill>
                           <a:latin typeface="D2Coding" panose="020B0609020101020101" pitchFamily="49" charset="-127"/>
                           <a:ea typeface="D2Coding" panose="020B0609020101020101" pitchFamily="49" charset="-127"/>
                         </a:rPr>
@@ -5251,18 +6293,36 @@
                       </a:r>
                       <a:r>
                         <a:rPr lang="ko-KR" altLang="en-US" sz="1050" b="0" dirty="0" smtClean="0">
+                          <a:solidFill>
+                            <a:schemeClr val="accent2">
+                              <a:lumMod val="20000"/>
+                              <a:lumOff val="80000"/>
+                            </a:schemeClr>
+                          </a:solidFill>
                           <a:latin typeface="D2Coding" panose="020B0609020101020101" pitchFamily="49" charset="-127"/>
                           <a:ea typeface="D2Coding" panose="020B0609020101020101" pitchFamily="49" charset="-127"/>
                         </a:rPr>
                         <a:t>관련 학과</a:t>
                       </a:r>
                       <a:endParaRPr lang="en-US" altLang="ko-KR" sz="1050" b="0" dirty="0" smtClean="0">
+                        <a:solidFill>
+                          <a:schemeClr val="accent2">
+                            <a:lumMod val="20000"/>
+                            <a:lumOff val="80000"/>
+                          </a:schemeClr>
+                        </a:solidFill>
                         <a:latin typeface="D2Coding" panose="020B0609020101020101" pitchFamily="49" charset="-127"/>
                         <a:ea typeface="D2Coding" panose="020B0609020101020101" pitchFamily="49" charset="-127"/>
                       </a:endParaRPr>
                     </a:p>
                     <a:p>
                       <a:endParaRPr lang="en-US" sz="1050" b="0" dirty="0" smtClean="0">
+                        <a:solidFill>
+                          <a:schemeClr val="accent2">
+                            <a:lumMod val="20000"/>
+                            <a:lumOff val="80000"/>
+                          </a:schemeClr>
+                        </a:solidFill>
                         <a:latin typeface="D2Coding" panose="020B0609020101020101" pitchFamily="49" charset="-127"/>
                         <a:ea typeface="D2Coding" panose="020B0609020101020101" pitchFamily="49" charset="-127"/>
                       </a:endParaRPr>
@@ -5270,18 +6330,36 @@
                     <a:p>
                       <a:r>
                         <a:rPr lang="ko-KR" altLang="en-US" sz="1050" b="0" dirty="0" smtClean="0">
+                          <a:solidFill>
+                            <a:schemeClr val="accent2">
+                              <a:lumMod val="20000"/>
+                              <a:lumOff val="80000"/>
+                            </a:schemeClr>
+                          </a:solidFill>
                           <a:latin typeface="D2Coding" panose="020B0609020101020101" pitchFamily="49" charset="-127"/>
                           <a:ea typeface="D2Coding" panose="020B0609020101020101" pitchFamily="49" charset="-127"/>
                         </a:rPr>
                         <a:t>코딩 문제 사이트</a:t>
                       </a:r>
                       <a:endParaRPr lang="en-AU" sz="1050" b="0" dirty="0" smtClean="0">
+                        <a:solidFill>
+                          <a:schemeClr val="accent2">
+                            <a:lumMod val="20000"/>
+                            <a:lumOff val="80000"/>
+                          </a:schemeClr>
+                        </a:solidFill>
                         <a:latin typeface="D2Coding" panose="020B0609020101020101" pitchFamily="49" charset="-127"/>
                         <a:ea typeface="D2Coding" panose="020B0609020101020101" pitchFamily="49" charset="-127"/>
                       </a:endParaRPr>
                     </a:p>
                     <a:p>
                       <a:endParaRPr lang="en-AU" sz="1050" b="0" dirty="0" smtClean="0">
+                        <a:solidFill>
+                          <a:schemeClr val="accent2">
+                            <a:lumMod val="20000"/>
+                            <a:lumOff val="80000"/>
+                          </a:schemeClr>
+                        </a:solidFill>
                         <a:latin typeface="D2Coding" panose="020B0609020101020101" pitchFamily="49" charset="-127"/>
                         <a:ea typeface="D2Coding" panose="020B0609020101020101" pitchFamily="49" charset="-127"/>
                       </a:endParaRPr>
@@ -5289,90 +6367,30 @@
                     <a:p>
                       <a:r>
                         <a:rPr lang="ko-KR" altLang="en-US" sz="1050" b="0" dirty="0" smtClean="0">
+                          <a:solidFill>
+                            <a:schemeClr val="accent2">
+                              <a:lumMod val="20000"/>
+                              <a:lumOff val="80000"/>
+                            </a:schemeClr>
+                          </a:solidFill>
                           <a:latin typeface="D2Coding" panose="020B0609020101020101" pitchFamily="49" charset="-127"/>
                           <a:ea typeface="D2Coding" panose="020B0609020101020101" pitchFamily="49" charset="-127"/>
                         </a:rPr>
-                        <a:t>공모전을 개최하는</a:t>
-                      </a:r>
-                      <a:r>
-                        <a:rPr lang="en-US" altLang="ko-KR" sz="1050" b="0" baseline="0" dirty="0" smtClean="0">
-                          <a:latin typeface="D2Coding" panose="020B0609020101020101" pitchFamily="49" charset="-127"/>
-                          <a:ea typeface="D2Coding" panose="020B0609020101020101" pitchFamily="49" charset="-127"/>
-                        </a:rPr>
-                        <a:t> </a:t>
-                      </a:r>
-                      <a:r>
-                        <a:rPr lang="ko-KR" altLang="en-US" sz="1050" b="0" dirty="0" smtClean="0">
-                          <a:latin typeface="D2Coding" panose="020B0609020101020101" pitchFamily="49" charset="-127"/>
-                          <a:ea typeface="D2Coding" panose="020B0609020101020101" pitchFamily="49" charset="-127"/>
-                        </a:rPr>
-                        <a:t>기업</a:t>
-                      </a:r>
-                      <a:r>
-                        <a:rPr lang="en-US" altLang="ko-KR" sz="1050" b="0" baseline="0" dirty="0" smtClean="0">
-                          <a:latin typeface="D2Coding" panose="020B0609020101020101" pitchFamily="49" charset="-127"/>
-                          <a:ea typeface="D2Coding" panose="020B0609020101020101" pitchFamily="49" charset="-127"/>
-                        </a:rPr>
-                        <a:t> </a:t>
-                      </a:r>
-                      <a:r>
-                        <a:rPr lang="ko-KR" altLang="en-US" sz="1050" b="0" baseline="0" dirty="0" smtClean="0">
-                          <a:latin typeface="D2Coding" panose="020B0609020101020101" pitchFamily="49" charset="-127"/>
-                          <a:ea typeface="D2Coding" panose="020B0609020101020101" pitchFamily="49" charset="-127"/>
-                        </a:rPr>
-                        <a:t>또는 </a:t>
-                      </a:r>
-                      <a:r>
-                        <a:rPr lang="ko-KR" altLang="en-US" sz="1050" b="0" dirty="0" smtClean="0">
-                          <a:latin typeface="D2Coding" panose="020B0609020101020101" pitchFamily="49" charset="-127"/>
-                          <a:ea typeface="D2Coding" panose="020B0609020101020101" pitchFamily="49" charset="-127"/>
-                        </a:rPr>
-                        <a:t>정부기관</a:t>
+                        <a:t>공모전 주최자</a:t>
                       </a:r>
                       <a:endParaRPr lang="en-AU" sz="1050" b="0" dirty="0">
+                        <a:solidFill>
+                          <a:schemeClr val="accent2">
+                            <a:lumMod val="20000"/>
+                            <a:lumOff val="80000"/>
+                          </a:schemeClr>
+                        </a:solidFill>
                         <a:latin typeface="D2Coding" panose="020B0609020101020101" pitchFamily="49" charset="-127"/>
                         <a:ea typeface="D2Coding" panose="020B0609020101020101" pitchFamily="49" charset="-127"/>
                       </a:endParaRPr>
                     </a:p>
                   </a:txBody>
-                  <a:tcPr marL="82296" marR="82296">
-                    <a:lnL w="28575" cap="flat" cmpd="sng" algn="ctr">
-                      <a:solidFill>
-                        <a:schemeClr val="tx1"/>
-                      </a:solidFill>
-                      <a:prstDash val="solid"/>
-                      <a:round/>
-                      <a:headEnd type="none" w="med" len="med"/>
-                      <a:tailEnd type="none" w="med" len="med"/>
-                    </a:lnL>
-                    <a:lnR w="28575" cap="flat" cmpd="sng" algn="ctr">
-                      <a:solidFill>
-                        <a:schemeClr val="tx1"/>
-                      </a:solidFill>
-                      <a:prstDash val="solid"/>
-                      <a:round/>
-                      <a:headEnd type="none" w="med" len="med"/>
-                      <a:tailEnd type="none" w="med" len="med"/>
-                    </a:lnR>
-                    <a:lnT w="28575" cap="flat" cmpd="sng" algn="ctr">
-                      <a:solidFill>
-                        <a:schemeClr val="tx1"/>
-                      </a:solidFill>
-                      <a:prstDash val="solid"/>
-                      <a:round/>
-                      <a:headEnd type="none" w="med" len="med"/>
-                      <a:tailEnd type="none" w="med" len="med"/>
-                    </a:lnT>
-                    <a:lnB w="28575" cap="flat" cmpd="sng" algn="ctr">
-                      <a:solidFill>
-                        <a:schemeClr val="tx1"/>
-                      </a:solidFill>
-                      <a:prstDash val="solid"/>
-                      <a:round/>
-                      <a:headEnd type="none" w="med" len="med"/>
-                      <a:tailEnd type="none" w="med" len="med"/>
-                    </a:lnB>
-                  </a:tcPr>
+                  <a:tcPr marL="82296" marR="82296"/>
                 </a:tc>
                 <a:tc>
                   <a:txBody>
@@ -5430,6 +6448,16 @@
                     </a:p>
                     <a:p>
                       <a:pPr algn="r"/>
+                      <a:endParaRPr lang="en-US" altLang="ko-KR" sz="1050" b="0" baseline="0" dirty="0" smtClean="0">
+                        <a:solidFill>
+                          <a:srgbClr val="92D050"/>
+                        </a:solidFill>
+                        <a:latin typeface="D2Coding" panose="020B0609020101020101" pitchFamily="49" charset="-127"/>
+                        <a:ea typeface="D2Coding" panose="020B0609020101020101" pitchFamily="49" charset="-127"/>
+                      </a:endParaRPr>
+                    </a:p>
+                    <a:p>
+                      <a:pPr algn="r"/>
                       <a:r>
                         <a:rPr lang="en-US" altLang="ko-KR" sz="1050" b="0" baseline="0" dirty="0" smtClean="0">
                           <a:solidFill>
@@ -5443,7 +6471,10 @@
                       <a:r>
                         <a:rPr lang="ko-KR" altLang="en-US" sz="1050" b="0" baseline="0" dirty="0" smtClean="0">
                           <a:solidFill>
-                            <a:schemeClr val="tx1"/>
+                            <a:schemeClr val="accent2">
+                              <a:lumMod val="20000"/>
+                              <a:lumOff val="80000"/>
+                            </a:schemeClr>
                           </a:solidFill>
                           <a:latin typeface="D2Coding" panose="020B0609020101020101" pitchFamily="49" charset="-127"/>
                           <a:ea typeface="D2Coding" panose="020B0609020101020101" pitchFamily="49" charset="-127"/>
@@ -5452,7 +6483,10 @@
                       </a:r>
                       <a:endParaRPr lang="en-US" altLang="ko-KR" sz="1050" b="0" baseline="0" dirty="0" smtClean="0">
                         <a:solidFill>
-                          <a:schemeClr val="tx1"/>
+                          <a:schemeClr val="accent2">
+                            <a:lumMod val="20000"/>
+                            <a:lumOff val="80000"/>
+                          </a:schemeClr>
                         </a:solidFill>
                         <a:latin typeface="D2Coding" panose="020B0609020101020101" pitchFamily="49" charset="-127"/>
                         <a:ea typeface="D2Coding" panose="020B0609020101020101" pitchFamily="49" charset="-127"/>
@@ -5462,7 +6496,10 @@
                       <a:pPr algn="r"/>
                       <a:endParaRPr lang="en-US" altLang="ko-KR" sz="1050" b="0" baseline="0" dirty="0" smtClean="0">
                         <a:solidFill>
-                          <a:schemeClr val="tx1"/>
+                          <a:schemeClr val="accent2">
+                            <a:lumMod val="20000"/>
+                            <a:lumOff val="80000"/>
+                          </a:schemeClr>
                         </a:solidFill>
                         <a:latin typeface="D2Coding" panose="020B0609020101020101" pitchFamily="49" charset="-127"/>
                         <a:ea typeface="D2Coding" panose="020B0609020101020101" pitchFamily="49" charset="-127"/>
@@ -5473,7 +6510,10 @@
                       <a:r>
                         <a:rPr lang="ko-KR" altLang="en-US" sz="1050" b="0" baseline="0" dirty="0" smtClean="0">
                           <a:solidFill>
-                            <a:schemeClr val="tx1"/>
+                            <a:schemeClr val="accent2">
+                              <a:lumMod val="20000"/>
+                              <a:lumOff val="80000"/>
+                            </a:schemeClr>
                           </a:solidFill>
                           <a:latin typeface="D2Coding" panose="020B0609020101020101" pitchFamily="49" charset="-127"/>
                           <a:ea typeface="D2Coding" panose="020B0609020101020101" pitchFamily="49" charset="-127"/>
@@ -5482,7 +6522,10 @@
                       </a:r>
                       <a:endParaRPr lang="en-US" altLang="ko-KR" sz="1050" b="0" baseline="0" dirty="0" smtClean="0">
                         <a:solidFill>
-                          <a:schemeClr val="tx1"/>
+                          <a:schemeClr val="accent2">
+                            <a:lumMod val="20000"/>
+                            <a:lumOff val="80000"/>
+                          </a:schemeClr>
                         </a:solidFill>
                         <a:latin typeface="D2Coding" panose="020B0609020101020101" pitchFamily="49" charset="-127"/>
                         <a:ea typeface="D2Coding" panose="020B0609020101020101" pitchFamily="49" charset="-127"/>
@@ -5492,7 +6535,10 @@
                       <a:pPr algn="r"/>
                       <a:endParaRPr lang="en-US" altLang="ko-KR" sz="1050" b="0" baseline="0" dirty="0" smtClean="0">
                         <a:solidFill>
-                          <a:schemeClr val="tx1"/>
+                          <a:schemeClr val="accent2">
+                            <a:lumMod val="20000"/>
+                            <a:lumOff val="80000"/>
+                          </a:schemeClr>
                         </a:solidFill>
                         <a:latin typeface="D2Coding" panose="020B0609020101020101" pitchFamily="49" charset="-127"/>
                         <a:ea typeface="D2Coding" panose="020B0609020101020101" pitchFamily="49" charset="-127"/>
@@ -5503,7 +6549,10 @@
                       <a:r>
                         <a:rPr lang="ko-KR" altLang="en-US" sz="1050" b="0" baseline="0" dirty="0" smtClean="0">
                           <a:solidFill>
-                            <a:schemeClr val="tx1"/>
+                            <a:schemeClr val="accent2">
+                              <a:lumMod val="20000"/>
+                              <a:lumOff val="80000"/>
+                            </a:schemeClr>
                           </a:solidFill>
                           <a:latin typeface="D2Coding" panose="020B0609020101020101" pitchFamily="49" charset="-127"/>
                           <a:ea typeface="D2Coding" panose="020B0609020101020101" pitchFamily="49" charset="-127"/>
@@ -5512,51 +6561,17 @@
                       </a:r>
                       <a:endParaRPr lang="en-US" altLang="ko-KR" sz="1050" b="0" dirty="0" smtClean="0">
                         <a:solidFill>
-                          <a:schemeClr val="tx1"/>
+                          <a:schemeClr val="accent2">
+                            <a:lumMod val="20000"/>
+                            <a:lumOff val="80000"/>
+                          </a:schemeClr>
                         </a:solidFill>
                         <a:latin typeface="D2Coding" panose="020B0609020101020101" pitchFamily="49" charset="-127"/>
                         <a:ea typeface="D2Coding" panose="020B0609020101020101" pitchFamily="49" charset="-127"/>
                       </a:endParaRPr>
                     </a:p>
                   </a:txBody>
-                  <a:tcPr marL="82296" marR="82296">
-                    <a:lnL w="28575" cap="flat" cmpd="sng" algn="ctr">
-                      <a:solidFill>
-                        <a:schemeClr val="tx1"/>
-                      </a:solidFill>
-                      <a:prstDash val="solid"/>
-                      <a:round/>
-                      <a:headEnd type="none" w="med" len="med"/>
-                      <a:tailEnd type="none" w="med" len="med"/>
-                    </a:lnL>
-                    <a:lnR w="28575" cap="flat" cmpd="sng" algn="ctr">
-                      <a:solidFill>
-                        <a:schemeClr val="tx1"/>
-                      </a:solidFill>
-                      <a:prstDash val="solid"/>
-                      <a:round/>
-                      <a:headEnd type="none" w="med" len="med"/>
-                      <a:tailEnd type="none" w="med" len="med"/>
-                    </a:lnR>
-                    <a:lnT w="28575" cap="flat" cmpd="sng" algn="ctr">
-                      <a:solidFill>
-                        <a:schemeClr val="tx1"/>
-                      </a:solidFill>
-                      <a:prstDash val="solid"/>
-                      <a:round/>
-                      <a:headEnd type="none" w="med" len="med"/>
-                      <a:tailEnd type="none" w="med" len="med"/>
-                    </a:lnT>
-                    <a:lnB w="28575" cap="flat" cmpd="sng" algn="ctr">
-                      <a:solidFill>
-                        <a:schemeClr val="tx1"/>
-                      </a:solidFill>
-                      <a:prstDash val="solid"/>
-                      <a:round/>
-                      <a:headEnd type="none" w="med" len="med"/>
-                      <a:tailEnd type="none" w="med" len="med"/>
-                    </a:lnB>
-                  </a:tcPr>
+                  <a:tcPr marL="82296" marR="82296"/>
                 </a:tc>
                 <a:tc rowSpan="2" gridSpan="2">
                   <a:txBody>
@@ -5799,7 +6814,10 @@
                             <a:noFill/>
                           </a:ln>
                           <a:solidFill>
-                            <a:schemeClr val="tx1"/>
+                            <a:schemeClr val="accent2">
+                              <a:lumMod val="20000"/>
+                              <a:lumOff val="80000"/>
+                            </a:schemeClr>
                           </a:solidFill>
                           <a:effectLst/>
                           <a:uLnTx/>
@@ -5815,7 +6833,10 @@
                           <a:noFill/>
                         </a:ln>
                         <a:solidFill>
-                          <a:schemeClr val="tx1"/>
+                          <a:schemeClr val="accent2">
+                            <a:lumMod val="20000"/>
+                            <a:lumOff val="80000"/>
+                          </a:schemeClr>
                         </a:solidFill>
                         <a:effectLst/>
                         <a:uLnTx/>
@@ -5848,7 +6869,10 @@
                           <a:noFill/>
                         </a:ln>
                         <a:solidFill>
-                          <a:schemeClr val="tx1"/>
+                          <a:schemeClr val="accent2">
+                            <a:lumMod val="20000"/>
+                            <a:lumOff val="80000"/>
+                          </a:schemeClr>
                         </a:solidFill>
                         <a:effectLst/>
                         <a:uLnTx/>
@@ -5882,7 +6906,10 @@
                             <a:noFill/>
                           </a:ln>
                           <a:solidFill>
-                            <a:schemeClr val="tx1"/>
+                            <a:schemeClr val="accent2">
+                              <a:lumMod val="20000"/>
+                              <a:lumOff val="80000"/>
+                            </a:schemeClr>
                           </a:solidFill>
                           <a:effectLst/>
                           <a:uLnTx/>
@@ -5898,7 +6925,10 @@
                           <a:noFill/>
                         </a:ln>
                         <a:solidFill>
-                          <a:schemeClr val="tx1"/>
+                          <a:schemeClr val="accent2">
+                            <a:lumMod val="20000"/>
+                            <a:lumOff val="80000"/>
+                          </a:schemeClr>
                         </a:solidFill>
                         <a:effectLst/>
                         <a:uLnTx/>
@@ -5931,7 +6961,10 @@
                           <a:noFill/>
                         </a:ln>
                         <a:solidFill>
-                          <a:schemeClr val="tx1"/>
+                          <a:schemeClr val="accent2">
+                            <a:lumMod val="20000"/>
+                            <a:lumOff val="80000"/>
+                          </a:schemeClr>
                         </a:solidFill>
                         <a:effectLst/>
                         <a:uLnTx/>
@@ -5965,7 +6998,10 @@
                             <a:noFill/>
                           </a:ln>
                           <a:solidFill>
-                            <a:schemeClr val="tx1"/>
+                            <a:schemeClr val="accent2">
+                              <a:lumMod val="20000"/>
+                              <a:lumOff val="80000"/>
+                            </a:schemeClr>
                           </a:solidFill>
                           <a:effectLst/>
                           <a:uLnTx/>
@@ -5981,7 +7017,10 @@
                           <a:noFill/>
                         </a:ln>
                         <a:solidFill>
-                          <a:schemeClr val="tx1"/>
+                          <a:schemeClr val="accent2">
+                            <a:lumMod val="20000"/>
+                            <a:lumOff val="80000"/>
+                          </a:schemeClr>
                         </a:solidFill>
                         <a:effectLst/>
                         <a:uLnTx/>
@@ -6184,7 +7223,10 @@
                             <a:noFill/>
                           </a:ln>
                           <a:solidFill>
-                            <a:schemeClr val="tx1"/>
+                            <a:schemeClr val="accent2">
+                              <a:lumMod val="20000"/>
+                              <a:lumOff val="80000"/>
+                            </a:schemeClr>
                           </a:solidFill>
                           <a:effectLst/>
                           <a:uLnTx/>
@@ -6193,47 +7235,37 @@
                           <a:ea typeface="D2Coding" panose="020B0609020101020101" pitchFamily="49" charset="-127"/>
                           <a:cs typeface="+mn-cs"/>
                         </a:rPr>
-                        <a:t> 공모전 홍보</a:t>
+                        <a:t>자사 공모전 </a:t>
+                      </a:r>
+                      <a:r>
+                        <a:rPr kumimoji="0" lang="ko-KR" altLang="en-US" sz="1050" b="0" i="0" u="none" strike="noStrike" kern="1200" cap="none" spc="0" normalizeH="0" baseline="0" noProof="0" dirty="0" smtClean="0">
+                          <a:ln>
+                            <a:noFill/>
+                          </a:ln>
+                          <a:solidFill>
+                            <a:schemeClr val="accent2">
+                              <a:lumMod val="20000"/>
+                              <a:lumOff val="80000"/>
+                            </a:schemeClr>
+                          </a:solidFill>
+                          <a:effectLst/>
+                          <a:uLnTx/>
+                          <a:uFillTx/>
+                          <a:latin typeface="D2Coding" panose="020B0609020101020101" pitchFamily="49" charset="-127"/>
+                          <a:ea typeface="D2Coding" panose="020B0609020101020101" pitchFamily="49" charset="-127"/>
+                          <a:cs typeface="+mn-cs"/>
+                        </a:rPr>
+                        <a:t>홍보</a:t>
                       </a:r>
                       <a:endParaRPr kumimoji="0" lang="en-US" altLang="ko-KR" sz="1050" b="0" i="0" u="none" strike="noStrike" kern="1200" cap="none" spc="0" normalizeH="0" baseline="0" noProof="0" dirty="0" smtClean="0">
                         <a:ln>
                           <a:noFill/>
                         </a:ln>
                         <a:solidFill>
-                          <a:schemeClr val="tx1"/>
-                        </a:solidFill>
-                        <a:effectLst/>
-                        <a:uLnTx/>
-                        <a:uFillTx/>
-                        <a:latin typeface="D2Coding" panose="020B0609020101020101" pitchFamily="49" charset="-127"/>
-                        <a:ea typeface="D2Coding" panose="020B0609020101020101" pitchFamily="49" charset="-127"/>
-                        <a:cs typeface="+mn-cs"/>
-                      </a:endParaRPr>
-                    </a:p>
-                    <a:p>
-                      <a:pPr marL="0" marR="0" lvl="0" indent="0" algn="l" defTabSz="914400" rtl="0" eaLnBrk="1" fontAlgn="auto" latinLnBrk="1" hangingPunct="1">
-                        <a:lnSpc>
-                          <a:spcPct val="100000"/>
-                        </a:lnSpc>
-                        <a:spcBef>
-                          <a:spcPts val="0"/>
-                        </a:spcBef>
-                        <a:spcAft>
-                          <a:spcPts val="0"/>
-                        </a:spcAft>
-                        <a:buClrTx/>
-                        <a:buSzTx/>
-                        <a:buFontTx/>
-                        <a:buNone/>
-                        <a:tabLst/>
-                        <a:defRPr/>
-                      </a:pPr>
-                      <a:endParaRPr kumimoji="0" lang="en-US" altLang="ko-KR" sz="1050" b="0" i="0" u="none" strike="noStrike" kern="1200" cap="none" spc="0" normalizeH="0" baseline="0" noProof="0" dirty="0" smtClean="0">
-                        <a:ln>
-                          <a:noFill/>
-                        </a:ln>
-                        <a:solidFill>
-                          <a:schemeClr val="tx1"/>
+                          <a:schemeClr val="accent2">
+                            <a:lumMod val="20000"/>
+                            <a:lumOff val="80000"/>
+                          </a:schemeClr>
                         </a:solidFill>
                         <a:effectLst/>
                         <a:uLnTx/>
@@ -6277,44 +7309,7 @@
                       </a:endParaRPr>
                     </a:p>
                   </a:txBody>
-                  <a:tcPr marL="82296" marR="82296">
-                    <a:lnL w="28575" cap="flat" cmpd="sng" algn="ctr">
-                      <a:solidFill>
-                        <a:schemeClr val="tx1"/>
-                      </a:solidFill>
-                      <a:prstDash val="solid"/>
-                      <a:round/>
-                      <a:headEnd type="none" w="med" len="med"/>
-                      <a:tailEnd type="none" w="med" len="med"/>
-                    </a:lnL>
-                    <a:lnR w="28575" cap="flat" cmpd="sng" algn="ctr">
-                      <a:solidFill>
-                        <a:schemeClr val="tx1"/>
-                      </a:solidFill>
-                      <a:prstDash val="solid"/>
-                      <a:round/>
-                      <a:headEnd type="none" w="med" len="med"/>
-                      <a:tailEnd type="none" w="med" len="med"/>
-                    </a:lnR>
-                    <a:lnT w="28575" cap="flat" cmpd="sng" algn="ctr">
-                      <a:solidFill>
-                        <a:schemeClr val="tx1"/>
-                      </a:solidFill>
-                      <a:prstDash val="solid"/>
-                      <a:round/>
-                      <a:headEnd type="none" w="med" len="med"/>
-                      <a:tailEnd type="none" w="med" len="med"/>
-                    </a:lnT>
-                    <a:lnB w="28575" cap="flat" cmpd="sng" algn="ctr">
-                      <a:solidFill>
-                        <a:schemeClr val="tx1"/>
-                      </a:solidFill>
-                      <a:prstDash val="solid"/>
-                      <a:round/>
-                      <a:headEnd type="none" w="med" len="med"/>
-                      <a:tailEnd type="none" w="med" len="med"/>
-                    </a:lnB>
-                  </a:tcPr>
+                  <a:tcPr marL="82296" marR="82296"/>
                 </a:tc>
                 <a:tc rowSpan="2" hMerge="1">
                   <a:txBody>
@@ -6431,6 +7426,39 @@
                         <a:tabLst/>
                         <a:defRPr/>
                       </a:pPr>
+                      <a:endParaRPr kumimoji="0" lang="en-US" altLang="ko-KR" sz="1050" b="0" i="0" u="none" strike="noStrike" kern="1200" cap="none" spc="0" normalizeH="0" baseline="0" noProof="0" dirty="0" smtClean="0">
+                        <a:ln>
+                          <a:noFill/>
+                        </a:ln>
+                        <a:solidFill>
+                          <a:schemeClr val="tx1"/>
+                        </a:solidFill>
+                        <a:effectLst/>
+                        <a:uLnTx/>
+                        <a:uFillTx/>
+                        <a:latin typeface="D2Coding" panose="020B0609020101020101" pitchFamily="49" charset="-127"/>
+                        <a:ea typeface="D2Coding" panose="020B0609020101020101" pitchFamily="49" charset="-127"/>
+                        <a:cs typeface="+mn-cs"/>
+                      </a:endParaRPr>
+                    </a:p>
+                    <a:p>
+                      <a:pPr marL="0" marR="0" lvl="0" indent="0" algn="r" defTabSz="914400" rtl="0" eaLnBrk="1" fontAlgn="auto" latinLnBrk="1" hangingPunct="1">
+                        <a:lnSpc>
+                          <a:spcPct val="100000"/>
+                        </a:lnSpc>
+                        <a:spcBef>
+                          <a:spcPts val="0"/>
+                        </a:spcBef>
+                        <a:spcAft>
+                          <a:spcPts val="0"/>
+                        </a:spcAft>
+                        <a:buClrTx/>
+                        <a:buSzTx/>
+                        <a:buFontTx/>
+                        <a:buNone/>
+                        <a:tabLst/>
+                        <a:defRPr/>
+                      </a:pPr>
                       <a:r>
                         <a:rPr kumimoji="0" lang="en-US" altLang="ko-KR" sz="1050" b="0" i="0" u="none" strike="noStrike" kern="1200" cap="none" spc="0" normalizeH="0" baseline="0" noProof="0" dirty="0" smtClean="0">
                           <a:ln>
@@ -6446,7 +7474,27 @@
                           <a:ea typeface="D2Coding" panose="020B0609020101020101" pitchFamily="49" charset="-127"/>
                           <a:cs typeface="+mn-cs"/>
                         </a:rPr>
-                        <a:t>        </a:t>
+                        <a:t>       </a:t>
+                      </a:r>
+                      <a:r>
+                        <a:rPr kumimoji="0" lang="en-US" altLang="ko-KR" sz="1050" b="0" i="0" u="none" strike="noStrike" kern="1200" cap="none" spc="0" normalizeH="0" baseline="0" noProof="0" dirty="0" smtClean="0">
+                          <a:ln>
+                            <a:noFill/>
+                          </a:ln>
+                          <a:solidFill>
+                            <a:schemeClr val="accent2">
+                              <a:lumMod val="20000"/>
+                              <a:lumOff val="80000"/>
+                            </a:schemeClr>
+                          </a:solidFill>
+                          <a:effectLst/>
+                          <a:uLnTx/>
+                          <a:uFillTx/>
+                          <a:latin typeface="D2Coding" panose="020B0609020101020101" pitchFamily="49" charset="-127"/>
+                          <a:ea typeface="D2Coding" panose="020B0609020101020101" pitchFamily="49" charset="-127"/>
+                          <a:cs typeface="+mn-cs"/>
+                        </a:rPr>
+                        <a:t> </a:t>
                       </a:r>
                       <a:r>
                         <a:rPr kumimoji="0" lang="ko-KR" altLang="en-US" sz="1050" b="0" i="0" u="none" strike="noStrike" kern="1200" cap="none" spc="0" normalizeH="0" baseline="0" noProof="0" dirty="0" smtClean="0">
@@ -6454,7 +7502,10 @@
                             <a:noFill/>
                           </a:ln>
                           <a:solidFill>
-                            <a:schemeClr val="tx1"/>
+                            <a:schemeClr val="accent2">
+                              <a:lumMod val="20000"/>
+                              <a:lumOff val="80000"/>
+                            </a:schemeClr>
                           </a:solidFill>
                           <a:effectLst/>
                           <a:uLnTx/>
@@ -6470,7 +7521,10 @@
                           <a:noFill/>
                         </a:ln>
                         <a:solidFill>
-                          <a:schemeClr val="tx1"/>
+                          <a:schemeClr val="accent2">
+                            <a:lumMod val="20000"/>
+                            <a:lumOff val="80000"/>
+                          </a:schemeClr>
                         </a:solidFill>
                         <a:effectLst/>
                         <a:uLnTx/>
@@ -6481,44 +7535,7 @@
                       </a:endParaRPr>
                     </a:p>
                   </a:txBody>
-                  <a:tcPr marL="82296" marR="82296">
-                    <a:lnL w="28575" cap="flat" cmpd="sng" algn="ctr">
-                      <a:solidFill>
-                        <a:schemeClr val="tx1"/>
-                      </a:solidFill>
-                      <a:prstDash val="solid"/>
-                      <a:round/>
-                      <a:headEnd type="none" w="med" len="med"/>
-                      <a:tailEnd type="none" w="med" len="med"/>
-                    </a:lnL>
-                    <a:lnR w="28575" cap="flat" cmpd="sng" algn="ctr">
-                      <a:solidFill>
-                        <a:schemeClr val="tx1"/>
-                      </a:solidFill>
-                      <a:prstDash val="solid"/>
-                      <a:round/>
-                      <a:headEnd type="none" w="med" len="med"/>
-                      <a:tailEnd type="none" w="med" len="med"/>
-                    </a:lnR>
-                    <a:lnT w="28575" cap="flat" cmpd="sng" algn="ctr">
-                      <a:solidFill>
-                        <a:schemeClr val="tx1"/>
-                      </a:solidFill>
-                      <a:prstDash val="solid"/>
-                      <a:round/>
-                      <a:headEnd type="none" w="med" len="med"/>
-                      <a:tailEnd type="none" w="med" len="med"/>
-                    </a:lnT>
-                    <a:lnB w="28575" cap="flat" cmpd="sng" algn="ctr">
-                      <a:solidFill>
-                        <a:schemeClr val="tx1"/>
-                      </a:solidFill>
-                      <a:prstDash val="solid"/>
-                      <a:round/>
-                      <a:headEnd type="none" w="med" len="med"/>
-                      <a:tailEnd type="none" w="med" len="med"/>
-                    </a:lnB>
-                  </a:tcPr>
+                  <a:tcPr marL="82296" marR="82296"/>
                 </a:tc>
                 <a:tc rowSpan="2">
                   <a:txBody>
@@ -6664,7 +7681,10 @@
                             <a:noFill/>
                           </a:ln>
                           <a:solidFill>
-                            <a:schemeClr val="tx1"/>
+                            <a:schemeClr val="accent2">
+                              <a:lumMod val="20000"/>
+                              <a:lumOff val="80000"/>
+                            </a:schemeClr>
                           </a:solidFill>
                           <a:effectLst/>
                           <a:uLnTx/>
@@ -6681,7 +7701,10 @@
                             <a:noFill/>
                           </a:ln>
                           <a:solidFill>
-                            <a:schemeClr val="tx1"/>
+                            <a:schemeClr val="accent2">
+                              <a:lumMod val="20000"/>
+                              <a:lumOff val="80000"/>
+                            </a:schemeClr>
                           </a:solidFill>
                           <a:effectLst/>
                           <a:uLnTx/>
@@ -6698,7 +7721,10 @@
                             <a:noFill/>
                           </a:ln>
                           <a:solidFill>
-                            <a:schemeClr val="tx1"/>
+                            <a:schemeClr val="accent2">
+                              <a:lumMod val="20000"/>
+                              <a:lumOff val="80000"/>
+                            </a:schemeClr>
                           </a:solidFill>
                           <a:effectLst/>
                           <a:uLnTx/>
@@ -6714,7 +7740,10 @@
                           <a:noFill/>
                         </a:ln>
                         <a:solidFill>
-                          <a:schemeClr val="tx1"/>
+                          <a:schemeClr val="accent2">
+                            <a:lumMod val="20000"/>
+                            <a:lumOff val="80000"/>
+                          </a:schemeClr>
                         </a:solidFill>
                         <a:effectLst/>
                         <a:uLnTx/>
@@ -6747,7 +7776,10 @@
                           <a:noFill/>
                         </a:ln>
                         <a:solidFill>
-                          <a:schemeClr val="tx1"/>
+                          <a:schemeClr val="accent2">
+                            <a:lumMod val="20000"/>
+                            <a:lumOff val="80000"/>
+                          </a:schemeClr>
                         </a:solidFill>
                         <a:effectLst/>
                         <a:uLnTx/>
@@ -6781,7 +7813,10 @@
                             <a:noFill/>
                           </a:ln>
                           <a:solidFill>
-                            <a:schemeClr val="tx1"/>
+                            <a:schemeClr val="accent2">
+                              <a:lumMod val="20000"/>
+                              <a:lumOff val="80000"/>
+                            </a:schemeClr>
                           </a:solidFill>
                           <a:effectLst/>
                           <a:uLnTx/>
@@ -6797,7 +7832,10 @@
                           <a:noFill/>
                         </a:ln>
                         <a:solidFill>
-                          <a:schemeClr val="tx1"/>
+                          <a:schemeClr val="accent2">
+                            <a:lumMod val="20000"/>
+                            <a:lumOff val="80000"/>
+                          </a:schemeClr>
                         </a:solidFill>
                         <a:effectLst/>
                         <a:uLnTx/>
@@ -6830,7 +7868,10 @@
                           <a:noFill/>
                         </a:ln>
                         <a:solidFill>
-                          <a:schemeClr val="tx1"/>
+                          <a:schemeClr val="accent2">
+                            <a:lumMod val="20000"/>
+                            <a:lumOff val="80000"/>
+                          </a:schemeClr>
                         </a:solidFill>
                         <a:effectLst/>
                         <a:uLnTx/>
@@ -6864,7 +7905,10 @@
                             <a:noFill/>
                           </a:ln>
                           <a:solidFill>
-                            <a:schemeClr val="tx1"/>
+                            <a:schemeClr val="accent2">
+                              <a:lumMod val="20000"/>
+                              <a:lumOff val="80000"/>
+                            </a:schemeClr>
                           </a:solidFill>
                           <a:effectLst/>
                           <a:uLnTx/>
@@ -6881,7 +7925,10 @@
                             <a:noFill/>
                           </a:ln>
                           <a:solidFill>
-                            <a:schemeClr val="tx1"/>
+                            <a:schemeClr val="accent2">
+                              <a:lumMod val="20000"/>
+                              <a:lumOff val="80000"/>
+                            </a:schemeClr>
                           </a:solidFill>
                           <a:effectLst/>
                           <a:uLnTx/>
@@ -6898,7 +7945,10 @@
                             <a:noFill/>
                           </a:ln>
                           <a:solidFill>
-                            <a:schemeClr val="tx1"/>
+                            <a:schemeClr val="accent2">
+                              <a:lumMod val="20000"/>
+                              <a:lumOff val="80000"/>
+                            </a:schemeClr>
                           </a:solidFill>
                           <a:effectLst/>
                           <a:uLnTx/>
@@ -6915,7 +7965,10 @@
                             <a:noFill/>
                           </a:ln>
                           <a:solidFill>
-                            <a:schemeClr val="tx1"/>
+                            <a:schemeClr val="accent2">
+                              <a:lumMod val="20000"/>
+                              <a:lumOff val="80000"/>
+                            </a:schemeClr>
                           </a:solidFill>
                           <a:effectLst/>
                           <a:uLnTx/>
@@ -6932,7 +7985,10 @@
                             <a:noFill/>
                           </a:ln>
                           <a:solidFill>
-                            <a:schemeClr val="tx1"/>
+                            <a:schemeClr val="accent2">
+                              <a:lumMod val="20000"/>
+                              <a:lumOff val="80000"/>
+                            </a:schemeClr>
                           </a:solidFill>
                           <a:effectLst/>
                           <a:uLnTx/>
@@ -6949,7 +8005,10 @@
                             <a:noFill/>
                           </a:ln>
                           <a:solidFill>
-                            <a:schemeClr val="tx1"/>
+                            <a:schemeClr val="accent2">
+                              <a:lumMod val="20000"/>
+                              <a:lumOff val="80000"/>
+                            </a:schemeClr>
                           </a:solidFill>
                           <a:effectLst/>
                           <a:uLnTx/>
@@ -6965,7 +8024,10 @@
                           <a:noFill/>
                         </a:ln>
                         <a:solidFill>
-                          <a:schemeClr val="tx1"/>
+                          <a:schemeClr val="accent2">
+                            <a:lumMod val="20000"/>
+                            <a:lumOff val="80000"/>
+                          </a:schemeClr>
                         </a:solidFill>
                         <a:effectLst/>
                         <a:uLnTx/>
@@ -6998,7 +8060,10 @@
                           <a:noFill/>
                         </a:ln>
                         <a:solidFill>
-                          <a:schemeClr val="tx1"/>
+                          <a:schemeClr val="accent2">
+                            <a:lumMod val="20000"/>
+                            <a:lumOff val="80000"/>
+                          </a:schemeClr>
                         </a:solidFill>
                         <a:effectLst/>
                         <a:uLnTx/>
@@ -7032,7 +8097,10 @@
                             <a:noFill/>
                           </a:ln>
                           <a:solidFill>
-                            <a:schemeClr val="tx1"/>
+                            <a:schemeClr val="accent2">
+                              <a:lumMod val="20000"/>
+                              <a:lumOff val="80000"/>
+                            </a:schemeClr>
                           </a:solidFill>
                           <a:effectLst/>
                           <a:uLnTx/>
@@ -7049,7 +8117,10 @@
                             <a:noFill/>
                           </a:ln>
                           <a:solidFill>
-                            <a:schemeClr val="tx1"/>
+                            <a:schemeClr val="accent2">
+                              <a:lumMod val="20000"/>
+                              <a:lumOff val="80000"/>
+                            </a:schemeClr>
                           </a:solidFill>
                           <a:effectLst/>
                           <a:uLnTx/>
@@ -7066,7 +8137,10 @@
                             <a:noFill/>
                           </a:ln>
                           <a:solidFill>
-                            <a:schemeClr val="tx1"/>
+                            <a:schemeClr val="accent2">
+                              <a:lumMod val="20000"/>
+                              <a:lumOff val="80000"/>
+                            </a:schemeClr>
                           </a:solidFill>
                           <a:effectLst/>
                           <a:uLnTx/>
@@ -7082,7 +8156,10 @@
                           <a:noFill/>
                         </a:ln>
                         <a:solidFill>
-                          <a:schemeClr val="tx1"/>
+                          <a:schemeClr val="accent2">
+                            <a:lumMod val="20000"/>
+                            <a:lumOff val="80000"/>
+                          </a:schemeClr>
                         </a:solidFill>
                         <a:effectLst/>
                         <a:uLnTx/>
@@ -7209,44 +8286,7 @@
                       </a:endParaRPr>
                     </a:p>
                   </a:txBody>
-                  <a:tcPr marL="82296" marR="82296">
-                    <a:lnL w="28575" cap="flat" cmpd="sng" algn="ctr">
-                      <a:solidFill>
-                        <a:schemeClr val="tx1"/>
-                      </a:solidFill>
-                      <a:prstDash val="solid"/>
-                      <a:round/>
-                      <a:headEnd type="none" w="med" len="med"/>
-                      <a:tailEnd type="none" w="med" len="med"/>
-                    </a:lnL>
-                    <a:lnR w="28575" cap="flat" cmpd="sng" algn="ctr">
-                      <a:solidFill>
-                        <a:schemeClr val="tx1"/>
-                      </a:solidFill>
-                      <a:prstDash val="solid"/>
-                      <a:round/>
-                      <a:headEnd type="none" w="med" len="med"/>
-                      <a:tailEnd type="none" w="med" len="med"/>
-                    </a:lnR>
-                    <a:lnT w="28575" cap="flat" cmpd="sng" algn="ctr">
-                      <a:solidFill>
-                        <a:schemeClr val="tx1"/>
-                      </a:solidFill>
-                      <a:prstDash val="solid"/>
-                      <a:round/>
-                      <a:headEnd type="none" w="med" len="med"/>
-                      <a:tailEnd type="none" w="med" len="med"/>
-                    </a:lnT>
-                    <a:lnB w="28575" cap="flat" cmpd="sng" algn="ctr">
-                      <a:solidFill>
-                        <a:schemeClr val="tx1"/>
-                      </a:solidFill>
-                      <a:prstDash val="solid"/>
-                      <a:round/>
-                      <a:headEnd type="none" w="med" len="med"/>
-                      <a:tailEnd type="none" w="med" len="med"/>
-                    </a:lnB>
-                  </a:tcPr>
+                  <a:tcPr marL="82296" marR="82296"/>
                 </a:tc>
                 <a:extLst>
                   <a:ext uri="{0D108BD9-81ED-4DB2-BD59-A6C34878D82A}">
@@ -7322,6 +8362,12 @@
                       </a:r>
                       <a:r>
                         <a:rPr lang="ko-KR" altLang="en-US" sz="1100" b="0" dirty="0" smtClean="0">
+                          <a:solidFill>
+                            <a:schemeClr val="accent2">
+                              <a:lumMod val="20000"/>
+                              <a:lumOff val="80000"/>
+                            </a:schemeClr>
+                          </a:solidFill>
                           <a:latin typeface="D2Coding" panose="020B0609020101020101" pitchFamily="49" charset="-127"/>
                           <a:ea typeface="D2Coding" panose="020B0609020101020101" pitchFamily="49" charset="-127"/>
                         </a:rPr>
@@ -7329,6 +8375,12 @@
                       </a:r>
                       <a:r>
                         <a:rPr lang="en-AU" sz="1100" b="0" dirty="0" smtClean="0">
+                          <a:solidFill>
+                            <a:schemeClr val="accent2">
+                              <a:lumMod val="20000"/>
+                              <a:lumOff val="80000"/>
+                            </a:schemeClr>
+                          </a:solidFill>
                           <a:latin typeface="D2Coding" panose="020B0609020101020101" pitchFamily="49" charset="-127"/>
                           <a:ea typeface="D2Coding" panose="020B0609020101020101" pitchFamily="49" charset="-127"/>
                         </a:rPr>
@@ -7336,12 +8388,24 @@
                       </a:r>
                       <a:r>
                         <a:rPr lang="ko-KR" altLang="en-US" sz="1050" b="0" dirty="0" smtClean="0">
+                          <a:solidFill>
+                            <a:schemeClr val="accent2">
+                              <a:lumMod val="20000"/>
+                              <a:lumOff val="80000"/>
+                            </a:schemeClr>
+                          </a:solidFill>
                           <a:latin typeface="D2Coding" panose="020B0609020101020101" pitchFamily="49" charset="-127"/>
                           <a:ea typeface="D2Coding" panose="020B0609020101020101" pitchFamily="49" charset="-127"/>
                         </a:rPr>
                         <a:t>이용자 수</a:t>
                       </a:r>
                       <a:endParaRPr lang="en-US" altLang="ko-KR" sz="1050" b="0" dirty="0" smtClean="0">
+                        <a:solidFill>
+                          <a:schemeClr val="accent2">
+                            <a:lumMod val="20000"/>
+                            <a:lumOff val="80000"/>
+                          </a:schemeClr>
+                        </a:solidFill>
                         <a:latin typeface="D2Coding" panose="020B0609020101020101" pitchFamily="49" charset="-127"/>
                         <a:ea typeface="D2Coding" panose="020B0609020101020101" pitchFamily="49" charset="-127"/>
                       </a:endParaRPr>
@@ -7349,6 +8413,12 @@
                     <a:p>
                       <a:pPr algn="r"/>
                       <a:endParaRPr lang="en-US" altLang="ko-KR" sz="1050" b="0" dirty="0" smtClean="0">
+                        <a:solidFill>
+                          <a:schemeClr val="accent2">
+                            <a:lumMod val="20000"/>
+                            <a:lumOff val="80000"/>
+                          </a:schemeClr>
+                        </a:solidFill>
                         <a:latin typeface="D2Coding" panose="020B0609020101020101" pitchFamily="49" charset="-127"/>
                         <a:ea typeface="D2Coding" panose="020B0609020101020101" pitchFamily="49" charset="-127"/>
                       </a:endParaRPr>
@@ -7357,6 +8427,12 @@
                       <a:pPr algn="r"/>
                       <a:r>
                         <a:rPr lang="ko-KR" altLang="en-US" sz="1050" b="0" dirty="0" smtClean="0">
+                          <a:solidFill>
+                            <a:schemeClr val="accent2">
+                              <a:lumMod val="20000"/>
+                              <a:lumOff val="80000"/>
+                            </a:schemeClr>
+                          </a:solidFill>
                           <a:latin typeface="D2Coding" panose="020B0609020101020101" pitchFamily="49" charset="-127"/>
                           <a:ea typeface="D2Coding" panose="020B0609020101020101" pitchFamily="49" charset="-127"/>
                         </a:rPr>
@@ -7364,6 +8440,12 @@
                       </a:r>
                       <a:r>
                         <a:rPr lang="en-US" altLang="ko-KR" sz="1050" b="0" dirty="0" smtClean="0">
+                          <a:solidFill>
+                            <a:schemeClr val="accent2">
+                              <a:lumMod val="20000"/>
+                              <a:lumOff val="80000"/>
+                            </a:schemeClr>
+                          </a:solidFill>
                           <a:latin typeface="D2Coding" panose="020B0609020101020101" pitchFamily="49" charset="-127"/>
                           <a:ea typeface="D2Coding" panose="020B0609020101020101" pitchFamily="49" charset="-127"/>
                         </a:rPr>
@@ -7371,6 +8453,12 @@
                       </a:r>
                       <a:r>
                         <a:rPr lang="en-US" altLang="ko-KR" sz="1050" b="0" baseline="0" dirty="0" smtClean="0">
+                          <a:solidFill>
+                            <a:schemeClr val="accent2">
+                              <a:lumMod val="20000"/>
+                              <a:lumOff val="80000"/>
+                            </a:schemeClr>
+                          </a:solidFill>
                           <a:latin typeface="D2Coding" panose="020B0609020101020101" pitchFamily="49" charset="-127"/>
                           <a:ea typeface="D2Coding" panose="020B0609020101020101" pitchFamily="49" charset="-127"/>
                         </a:rPr>
@@ -7378,12 +8466,24 @@
                       </a:r>
                       <a:r>
                         <a:rPr lang="ko-KR" altLang="en-US" sz="1050" b="0" baseline="0" dirty="0" smtClean="0">
+                          <a:solidFill>
+                            <a:schemeClr val="accent2">
+                              <a:lumMod val="20000"/>
+                              <a:lumOff val="80000"/>
+                            </a:schemeClr>
+                          </a:solidFill>
                           <a:latin typeface="D2Coding" panose="020B0609020101020101" pitchFamily="49" charset="-127"/>
                           <a:ea typeface="D2Coding" panose="020B0609020101020101" pitchFamily="49" charset="-127"/>
                         </a:rPr>
                         <a:t>기관</a:t>
                       </a:r>
                       <a:endParaRPr lang="en-US" altLang="ko-KR" sz="1050" b="0" baseline="0" dirty="0" smtClean="0">
+                        <a:solidFill>
+                          <a:schemeClr val="accent2">
+                            <a:lumMod val="20000"/>
+                            <a:lumOff val="80000"/>
+                          </a:schemeClr>
+                        </a:solidFill>
                         <a:latin typeface="D2Coding" panose="020B0609020101020101" pitchFamily="49" charset="-127"/>
                         <a:ea typeface="D2Coding" panose="020B0609020101020101" pitchFamily="49" charset="-127"/>
                       </a:endParaRPr>
@@ -7403,44 +8503,7 @@
                       </a:endParaRPr>
                     </a:p>
                   </a:txBody>
-                  <a:tcPr marL="82296" marR="82296">
-                    <a:lnL w="28575" cap="flat" cmpd="sng" algn="ctr">
-                      <a:solidFill>
-                        <a:schemeClr val="tx1"/>
-                      </a:solidFill>
-                      <a:prstDash val="solid"/>
-                      <a:round/>
-                      <a:headEnd type="none" w="med" len="med"/>
-                      <a:tailEnd type="none" w="med" len="med"/>
-                    </a:lnL>
-                    <a:lnR w="28575" cap="flat" cmpd="sng" algn="ctr">
-                      <a:solidFill>
-                        <a:schemeClr val="tx1"/>
-                      </a:solidFill>
-                      <a:prstDash val="solid"/>
-                      <a:round/>
-                      <a:headEnd type="none" w="med" len="med"/>
-                      <a:tailEnd type="none" w="med" len="med"/>
-                    </a:lnR>
-                    <a:lnT w="28575" cap="flat" cmpd="sng" algn="ctr">
-                      <a:solidFill>
-                        <a:schemeClr val="tx1"/>
-                      </a:solidFill>
-                      <a:prstDash val="solid"/>
-                      <a:round/>
-                      <a:headEnd type="none" w="med" len="med"/>
-                      <a:tailEnd type="none" w="med" len="med"/>
-                    </a:lnT>
-                    <a:lnB w="28575" cap="flat" cmpd="sng" algn="ctr">
-                      <a:solidFill>
-                        <a:schemeClr val="tx1"/>
-                      </a:solidFill>
-                      <a:prstDash val="solid"/>
-                      <a:round/>
-                      <a:headEnd type="none" w="med" len="med"/>
-                      <a:tailEnd type="none" w="med" len="med"/>
-                    </a:lnB>
-                  </a:tcPr>
+                  <a:tcPr marL="82296" marR="82296"/>
                 </a:tc>
                 <a:tc gridSpan="2" vMerge="1">
                   <a:txBody>
@@ -7575,7 +8638,10 @@
                             <a:noFill/>
                           </a:ln>
                           <a:solidFill>
-                            <a:schemeClr val="tx1"/>
+                            <a:schemeClr val="accent2">
+                              <a:lumMod val="20000"/>
+                              <a:lumOff val="80000"/>
+                            </a:schemeClr>
                           </a:solidFill>
                           <a:effectLst/>
                           <a:uLnTx/>
@@ -7591,7 +8657,10 @@
                           <a:noFill/>
                         </a:ln>
                         <a:solidFill>
-                          <a:schemeClr val="tx1"/>
+                          <a:schemeClr val="accent2">
+                            <a:lumMod val="20000"/>
+                            <a:lumOff val="80000"/>
+                          </a:schemeClr>
                         </a:solidFill>
                         <a:effectLst/>
                         <a:uLnTx/>
@@ -7602,44 +8671,7 @@
                       </a:endParaRPr>
                     </a:p>
                   </a:txBody>
-                  <a:tcPr marL="82296" marR="82296">
-                    <a:lnL w="28575" cap="flat" cmpd="sng" algn="ctr">
-                      <a:solidFill>
-                        <a:schemeClr val="tx1"/>
-                      </a:solidFill>
-                      <a:prstDash val="solid"/>
-                      <a:round/>
-                      <a:headEnd type="none" w="med" len="med"/>
-                      <a:tailEnd type="none" w="med" len="med"/>
-                    </a:lnL>
-                    <a:lnR w="28575" cap="flat" cmpd="sng" algn="ctr">
-                      <a:solidFill>
-                        <a:schemeClr val="tx1"/>
-                      </a:solidFill>
-                      <a:prstDash val="solid"/>
-                      <a:round/>
-                      <a:headEnd type="none" w="med" len="med"/>
-                      <a:tailEnd type="none" w="med" len="med"/>
-                    </a:lnR>
-                    <a:lnT w="28575" cap="flat" cmpd="sng" algn="ctr">
-                      <a:solidFill>
-                        <a:schemeClr val="tx1"/>
-                      </a:solidFill>
-                      <a:prstDash val="solid"/>
-                      <a:round/>
-                      <a:headEnd type="none" w="med" len="med"/>
-                      <a:tailEnd type="none" w="med" len="med"/>
-                    </a:lnT>
-                    <a:lnB w="28575" cap="flat" cmpd="sng" algn="ctr">
-                      <a:solidFill>
-                        <a:schemeClr val="tx1"/>
-                      </a:solidFill>
-                      <a:prstDash val="solid"/>
-                      <a:round/>
-                      <a:headEnd type="none" w="med" len="med"/>
-                      <a:tailEnd type="none" w="med" len="med"/>
-                    </a:lnB>
-                  </a:tcPr>
+                  <a:tcPr marL="82296" marR="82296"/>
                 </a:tc>
                 <a:tc vMerge="1">
                   <a:txBody>
@@ -7700,7 +8732,10 @@
                       <a:r>
                         <a:rPr lang="ko-KR" altLang="en-US" sz="1050" b="0" baseline="0" dirty="0" smtClean="0">
                           <a:solidFill>
-                            <a:schemeClr val="tx1"/>
+                            <a:schemeClr val="accent2">
+                              <a:lumMod val="20000"/>
+                              <a:lumOff val="80000"/>
+                            </a:schemeClr>
                           </a:solidFill>
                           <a:latin typeface="D2Coding" panose="020B0609020101020101" pitchFamily="49" charset="-127"/>
                           <a:ea typeface="D2Coding" panose="020B0609020101020101" pitchFamily="49" charset="-127"/>
@@ -7709,7 +8744,10 @@
                       </a:r>
                       <a:endParaRPr lang="en-US" altLang="ko-KR" sz="1050" b="0" baseline="0" dirty="0" smtClean="0">
                         <a:solidFill>
-                          <a:schemeClr val="tx1"/>
+                          <a:schemeClr val="accent2">
+                            <a:lumMod val="20000"/>
+                            <a:lumOff val="80000"/>
+                          </a:schemeClr>
                         </a:solidFill>
                         <a:latin typeface="D2Coding" panose="020B0609020101020101" pitchFamily="49" charset="-127"/>
                         <a:ea typeface="D2Coding" panose="020B0609020101020101" pitchFamily="49" charset="-127"/>
@@ -7719,7 +8757,10 @@
                       <a:pPr algn="ctr"/>
                       <a:endParaRPr lang="en-US" sz="1050" b="0" baseline="0" dirty="0" smtClean="0">
                         <a:solidFill>
-                          <a:schemeClr val="tx1"/>
+                          <a:schemeClr val="accent2">
+                            <a:lumMod val="20000"/>
+                            <a:lumOff val="80000"/>
+                          </a:schemeClr>
                         </a:solidFill>
                         <a:latin typeface="D2Coding" panose="020B0609020101020101" pitchFamily="49" charset="-127"/>
                         <a:ea typeface="D2Coding" panose="020B0609020101020101" pitchFamily="49" charset="-127"/>
@@ -7730,7 +8771,10 @@
                       <a:r>
                         <a:rPr lang="ko-KR" altLang="en-US" sz="1050" b="0" baseline="0" dirty="0" smtClean="0">
                           <a:solidFill>
-                            <a:schemeClr val="tx1"/>
+                            <a:schemeClr val="accent2">
+                              <a:lumMod val="20000"/>
+                              <a:lumOff val="80000"/>
+                            </a:schemeClr>
                           </a:solidFill>
                           <a:latin typeface="D2Coding" panose="020B0609020101020101" pitchFamily="49" charset="-127"/>
                           <a:ea typeface="D2Coding" panose="020B0609020101020101" pitchFamily="49" charset="-127"/>
@@ -7739,7 +8783,10 @@
                       </a:r>
                       <a:endParaRPr lang="en-AU" sz="1050" b="0" baseline="0" dirty="0">
                         <a:solidFill>
-                          <a:schemeClr val="tx1"/>
+                          <a:schemeClr val="accent2">
+                            <a:lumMod val="20000"/>
+                            <a:lumOff val="80000"/>
+                          </a:schemeClr>
                         </a:solidFill>
                         <a:latin typeface="D2Coding" panose="020B0609020101020101" pitchFamily="49" charset="-127"/>
                         <a:ea typeface="D2Coding" panose="020B0609020101020101" pitchFamily="49" charset="-127"/>
@@ -7749,7 +8796,10 @@
                       <a:pPr algn="ctr"/>
                       <a:endParaRPr lang="en-AU" sz="1050" b="0" baseline="0" dirty="0">
                         <a:solidFill>
-                          <a:schemeClr val="tx1"/>
+                          <a:schemeClr val="accent2">
+                            <a:lumMod val="20000"/>
+                            <a:lumOff val="80000"/>
+                          </a:schemeClr>
                         </a:solidFill>
                         <a:latin typeface="D2Coding" panose="020B0609020101020101" pitchFamily="49" charset="-127"/>
                         <a:ea typeface="D2Coding" panose="020B0609020101020101" pitchFamily="49" charset="-127"/>
@@ -7760,7 +8810,10 @@
                       <a:r>
                         <a:rPr lang="ko-KR" altLang="en-US" sz="1050" b="0" dirty="0" smtClean="0">
                           <a:solidFill>
-                            <a:schemeClr val="tx1"/>
+                            <a:schemeClr val="accent2">
+                              <a:lumMod val="20000"/>
+                              <a:lumOff val="80000"/>
+                            </a:schemeClr>
                           </a:solidFill>
                           <a:latin typeface="D2Coding" panose="020B0609020101020101" pitchFamily="49" charset="-127"/>
                           <a:ea typeface="D2Coding" panose="020B0609020101020101" pitchFamily="49" charset="-127"/>
@@ -7769,51 +8822,17 @@
                       </a:r>
                       <a:endParaRPr lang="en-AU" sz="1050" b="0" dirty="0">
                         <a:solidFill>
-                          <a:schemeClr val="tx1"/>
+                          <a:schemeClr val="accent2">
+                            <a:lumMod val="20000"/>
+                            <a:lumOff val="80000"/>
+                          </a:schemeClr>
                         </a:solidFill>
                         <a:latin typeface="D2Coding" panose="020B0609020101020101" pitchFamily="49" charset="-127"/>
                         <a:ea typeface="D2Coding" panose="020B0609020101020101" pitchFamily="49" charset="-127"/>
                       </a:endParaRPr>
                     </a:p>
                   </a:txBody>
-                  <a:tcPr marL="82296" marR="82296">
-                    <a:lnL w="28575" cap="flat" cmpd="sng" algn="ctr">
-                      <a:solidFill>
-                        <a:schemeClr val="tx1"/>
-                      </a:solidFill>
-                      <a:prstDash val="solid"/>
-                      <a:round/>
-                      <a:headEnd type="none" w="med" len="med"/>
-                      <a:tailEnd type="none" w="med" len="med"/>
-                    </a:lnL>
-                    <a:lnR w="28575" cap="flat" cmpd="sng" algn="ctr">
-                      <a:solidFill>
-                        <a:schemeClr val="tx1"/>
-                      </a:solidFill>
-                      <a:prstDash val="solid"/>
-                      <a:round/>
-                      <a:headEnd type="none" w="med" len="med"/>
-                      <a:tailEnd type="none" w="med" len="med"/>
-                    </a:lnR>
-                    <a:lnT w="28575" cap="flat" cmpd="sng" algn="ctr">
-                      <a:solidFill>
-                        <a:schemeClr val="tx1"/>
-                      </a:solidFill>
-                      <a:prstDash val="solid"/>
-                      <a:round/>
-                      <a:headEnd type="none" w="med" len="med"/>
-                      <a:tailEnd type="none" w="med" len="med"/>
-                    </a:lnT>
-                    <a:lnB w="28575" cap="flat" cmpd="sng" algn="ctr">
-                      <a:solidFill>
-                        <a:schemeClr val="tx1"/>
-                      </a:solidFill>
-                      <a:prstDash val="solid"/>
-                      <a:round/>
-                      <a:headEnd type="none" w="med" len="med"/>
-                      <a:tailEnd type="none" w="med" len="med"/>
-                    </a:lnB>
-                  </a:tcPr>
+                  <a:tcPr marL="82296" marR="82296"/>
                 </a:tc>
                 <a:tc hMerge="1">
                   <a:txBody>
@@ -7930,7 +8949,10 @@
                             <a:noFill/>
                           </a:ln>
                           <a:solidFill>
-                            <a:schemeClr val="tx1"/>
+                            <a:schemeClr val="accent2">
+                              <a:lumMod val="20000"/>
+                              <a:lumOff val="80000"/>
+                            </a:schemeClr>
                           </a:solidFill>
                           <a:effectLst/>
                           <a:uLnTx/>
@@ -7939,64 +8961,17 @@
                           <a:ea typeface="D2Coding" panose="020B0609020101020101" pitchFamily="49" charset="-127"/>
                           <a:cs typeface="+mn-cs"/>
                         </a:rPr>
-                        <a:t>앱 </a:t>
-                      </a:r>
-                      <a:r>
-                        <a:rPr kumimoji="0" lang="ko-KR" altLang="en-US" sz="1050" b="0" i="0" u="none" strike="noStrike" kern="1200" cap="none" spc="0" normalizeH="0" baseline="0" noProof="0" dirty="0" smtClean="0">
-                          <a:ln>
-                            <a:noFill/>
-                          </a:ln>
-                          <a:solidFill>
-                            <a:schemeClr val="tx1"/>
-                          </a:solidFill>
-                          <a:effectLst/>
-                          <a:uLnTx/>
-                          <a:uFillTx/>
-                          <a:latin typeface="D2Coding" panose="020B0609020101020101" pitchFamily="49" charset="-127"/>
-                          <a:ea typeface="D2Coding" panose="020B0609020101020101" pitchFamily="49" charset="-127"/>
-                          <a:cs typeface="+mn-cs"/>
-                        </a:rPr>
-                        <a:t>또는 사이트의 배너 광고</a:t>
+                        <a:t>앱 또는 사이트의 배너 광고</a:t>
                       </a:r>
                       <a:endParaRPr kumimoji="0" lang="en-US" altLang="ko-KR" sz="1050" b="0" i="0" u="none" strike="noStrike" kern="1200" cap="none" spc="0" normalizeH="0" baseline="0" noProof="0" dirty="0" smtClean="0">
                         <a:ln>
                           <a:noFill/>
                         </a:ln>
                         <a:solidFill>
-                          <a:schemeClr val="tx1"/>
-                        </a:solidFill>
-                        <a:effectLst/>
-                        <a:uLnTx/>
-                        <a:uFillTx/>
-                        <a:latin typeface="D2Coding" panose="020B0609020101020101" pitchFamily="49" charset="-127"/>
-                        <a:ea typeface="D2Coding" panose="020B0609020101020101" pitchFamily="49" charset="-127"/>
-                        <a:cs typeface="+mn-cs"/>
-                      </a:endParaRPr>
-                    </a:p>
-                    <a:p>
-                      <a:pPr marL="0" marR="0" lvl="0" indent="0" algn="ctr" defTabSz="914400" rtl="0" eaLnBrk="1" fontAlgn="auto" latinLnBrk="1" hangingPunct="1">
-                        <a:lnSpc>
-                          <a:spcPct val="100000"/>
-                        </a:lnSpc>
-                        <a:spcBef>
-                          <a:spcPts val="0"/>
-                        </a:spcBef>
-                        <a:spcAft>
-                          <a:spcPts val="0"/>
-                        </a:spcAft>
-                        <a:buClrTx/>
-                        <a:buSzTx/>
-                        <a:buFontTx/>
-                        <a:buNone/>
-                        <a:tabLst/>
-                        <a:defRPr/>
-                      </a:pPr>
-                      <a:endParaRPr kumimoji="0" lang="en-US" altLang="ko-KR" sz="1050" b="0" i="0" u="none" strike="noStrike" kern="1200" cap="none" spc="0" normalizeH="0" baseline="0" noProof="0" dirty="0" smtClean="0">
-                        <a:ln>
-                          <a:noFill/>
-                        </a:ln>
-                        <a:solidFill>
-                          <a:schemeClr val="tx1"/>
+                          <a:schemeClr val="accent2">
+                            <a:lumMod val="20000"/>
+                            <a:lumOff val="80000"/>
+                          </a:schemeClr>
                         </a:solidFill>
                         <a:effectLst/>
                         <a:uLnTx/>
@@ -8007,44 +8982,7 @@
                       </a:endParaRPr>
                     </a:p>
                   </a:txBody>
-                  <a:tcPr marL="82296" marR="82296">
-                    <a:lnL w="28575" cap="flat" cmpd="sng" algn="ctr">
-                      <a:solidFill>
-                        <a:schemeClr val="tx1"/>
-                      </a:solidFill>
-                      <a:prstDash val="solid"/>
-                      <a:round/>
-                      <a:headEnd type="none" w="med" len="med"/>
-                      <a:tailEnd type="none" w="med" len="med"/>
-                    </a:lnL>
-                    <a:lnR w="28575" cap="flat" cmpd="sng" algn="ctr">
-                      <a:solidFill>
-                        <a:schemeClr val="tx1"/>
-                      </a:solidFill>
-                      <a:prstDash val="solid"/>
-                      <a:round/>
-                      <a:headEnd type="none" w="med" len="med"/>
-                      <a:tailEnd type="none" w="med" len="med"/>
-                    </a:lnR>
-                    <a:lnT w="28575" cap="flat" cmpd="sng" algn="ctr">
-                      <a:solidFill>
-                        <a:schemeClr val="tx1"/>
-                      </a:solidFill>
-                      <a:prstDash val="solid"/>
-                      <a:round/>
-                      <a:headEnd type="none" w="med" len="med"/>
-                      <a:tailEnd type="none" w="med" len="med"/>
-                    </a:lnT>
-                    <a:lnB w="28575" cap="flat" cmpd="sng" algn="ctr">
-                      <a:solidFill>
-                        <a:schemeClr val="tx1"/>
-                      </a:solidFill>
-                      <a:prstDash val="solid"/>
-                      <a:round/>
-                      <a:headEnd type="none" w="med" len="med"/>
-                      <a:tailEnd type="none" w="med" len="med"/>
-                    </a:lnB>
-                  </a:tcPr>
+                  <a:tcPr marL="82296" marR="82296"/>
                 </a:tc>
                 <a:tc hMerge="1">
                   <a:txBody>
@@ -8072,120 +9010,6 @@
                   </a:ext>
                 </a:extLst>
               </a:tr>
-              <a:tr h="428011">
-                <a:tc gridSpan="6">
-                  <a:txBody>
-                    <a:bodyPr/>
-                    <a:lstStyle/>
-                    <a:p>
-                      <a:pPr marL="0" marR="0" indent="0" algn="r" defTabSz="914400" rtl="0" eaLnBrk="1" fontAlgn="auto" latinLnBrk="0" hangingPunct="1">
-                        <a:lnSpc>
-                          <a:spcPct val="100000"/>
-                        </a:lnSpc>
-                        <a:spcBef>
-                          <a:spcPts val="0"/>
-                        </a:spcBef>
-                        <a:spcAft>
-                          <a:spcPts val="0"/>
-                        </a:spcAft>
-                        <a:buClrTx/>
-                        <a:buSzTx/>
-                        <a:buFontTx/>
-                        <a:buNone/>
-                        <a:tabLst/>
-                        <a:defRPr/>
-                      </a:pPr>
-                      <a:endParaRPr lang="en-AU" sz="700" dirty="0">
-                        <a:latin typeface="D2Coding" panose="020B0609020101020101" pitchFamily="49" charset="-127"/>
-                        <a:ea typeface="D2Coding" panose="020B0609020101020101" pitchFamily="49" charset="-127"/>
-                      </a:endParaRPr>
-                    </a:p>
-                  </a:txBody>
-                  <a:tcPr marL="82296" marR="82296">
-                    <a:lnL w="12700" cmpd="sng">
-                      <a:noFill/>
-                    </a:lnL>
-                    <a:lnR w="12700" cmpd="sng">
-                      <a:noFill/>
-                    </a:lnR>
-                    <a:lnT w="28575" cap="flat" cmpd="sng" algn="ctr">
-                      <a:solidFill>
-                        <a:schemeClr val="tx1"/>
-                      </a:solidFill>
-                      <a:prstDash val="solid"/>
-                      <a:round/>
-                      <a:headEnd type="none" w="med" len="med"/>
-                      <a:tailEnd type="none" w="med" len="med"/>
-                    </a:lnT>
-                    <a:lnB w="12700" cmpd="sng">
-                      <a:noFill/>
-                    </a:lnB>
-                    <a:lnTlToBr w="12700" cmpd="sng">
-                      <a:noFill/>
-                      <a:prstDash val="solid"/>
-                    </a:lnTlToBr>
-                    <a:lnBlToTr w="12700" cmpd="sng">
-                      <a:noFill/>
-                      <a:prstDash val="solid"/>
-                    </a:lnBlToTr>
-                  </a:tcPr>
-                </a:tc>
-                <a:tc hMerge="1">
-                  <a:txBody>
-                    <a:bodyPr/>
-                    <a:lstStyle/>
-                    <a:p>
-                      <a:endParaRPr lang="en-AU" sz="1050" dirty="0"/>
-                    </a:p>
-                  </a:txBody>
-                  <a:tcPr/>
-                </a:tc>
-                <a:tc hMerge="1">
-                  <a:txBody>
-                    <a:bodyPr/>
-                    <a:lstStyle/>
-                    <a:p>
-                      <a:endParaRPr lang="en-AU" sz="1050" dirty="0"/>
-                    </a:p>
-                  </a:txBody>
-                  <a:tcPr/>
-                </a:tc>
-                <a:tc hMerge="1">
-                  <a:txBody>
-                    <a:bodyPr/>
-                    <a:lstStyle/>
-                    <a:p>
-                      <a:endParaRPr lang="en-AU" sz="1050" dirty="0"/>
-                    </a:p>
-                  </a:txBody>
-                  <a:tcPr/>
-                </a:tc>
-                <a:tc hMerge="1">
-                  <a:txBody>
-                    <a:bodyPr/>
-                    <a:lstStyle/>
-                    <a:p>
-                      <a:endParaRPr lang="en-AU" sz="1050" dirty="0"/>
-                    </a:p>
-                  </a:txBody>
-                  <a:tcPr/>
-                </a:tc>
-                <a:tc hMerge="1">
-                  <a:txBody>
-                    <a:bodyPr/>
-                    <a:lstStyle/>
-                    <a:p>
-                      <a:endParaRPr lang="en-AU" sz="1050" dirty="0"/>
-                    </a:p>
-                  </a:txBody>
-                  <a:tcPr/>
-                </a:tc>
-                <a:extLst>
-                  <a:ext uri="{0D108BD9-81ED-4DB2-BD59-A6C34878D82A}">
-                    <a16:rowId xmlns:a16="http://schemas.microsoft.com/office/drawing/2014/main" val="10003"/>
-                  </a:ext>
-                </a:extLst>
-              </a:tr>
             </a:tbl>
           </a:graphicData>
         </a:graphic>
@@ -8199,7 +9023,7 @@
           <p:nvPr/>
         </p:nvPicPr>
         <p:blipFill>
-          <a:blip r:embed="rId2" cstate="print"/>
+          <a:blip r:embed="rId3" cstate="print"/>
           <a:srcRect/>
           <a:stretch>
             <a:fillRect/>
@@ -8231,7 +9055,7 @@
           <p:nvPr/>
         </p:nvPicPr>
         <p:blipFill>
-          <a:blip r:embed="rId3" cstate="print"/>
+          <a:blip r:embed="rId4" cstate="print"/>
           <a:srcRect/>
           <a:stretch>
             <a:fillRect/>
@@ -8263,7 +9087,7 @@
           <p:nvPr/>
         </p:nvPicPr>
         <p:blipFill>
-          <a:blip r:embed="rId4" cstate="print"/>
+          <a:blip r:embed="rId5" cstate="print"/>
           <a:srcRect/>
           <a:stretch>
             <a:fillRect/>
@@ -8295,7 +9119,7 @@
           <p:nvPr/>
         </p:nvPicPr>
         <p:blipFill>
-          <a:blip r:embed="rId5" cstate="print"/>
+          <a:blip r:embed="rId6" cstate="print"/>
           <a:srcRect l="11171"/>
           <a:stretch>
             <a:fillRect/>
@@ -8327,7 +9151,7 @@
           <p:nvPr/>
         </p:nvPicPr>
         <p:blipFill>
-          <a:blip r:embed="rId6" cstate="print"/>
+          <a:blip r:embed="rId7" cstate="print"/>
           <a:srcRect/>
           <a:stretch>
             <a:fillRect/>
@@ -8335,7 +9159,7 @@
         </p:blipFill>
         <p:spPr bwMode="auto">
           <a:xfrm>
-            <a:off x="3386249" y="1184586"/>
+            <a:off x="3452753" y="1192899"/>
             <a:ext cx="766652" cy="719910"/>
           </a:xfrm>
           <a:prstGeom prst="rect">
@@ -8359,7 +9183,7 @@
           <p:nvPr/>
         </p:nvPicPr>
         <p:blipFill>
-          <a:blip r:embed="rId7" cstate="print"/>
+          <a:blip r:embed="rId8" cstate="print"/>
           <a:srcRect/>
           <a:stretch>
             <a:fillRect/>
@@ -8367,7 +9191,7 @@
         </p:blipFill>
         <p:spPr bwMode="auto">
           <a:xfrm>
-            <a:off x="1789794" y="1283030"/>
+            <a:off x="1734627" y="1218562"/>
             <a:ext cx="479425" cy="493712"/>
           </a:xfrm>
           <a:prstGeom prst="rect">
@@ -8391,7 +9215,7 @@
           <p:nvPr/>
         </p:nvPicPr>
         <p:blipFill>
-          <a:blip r:embed="rId8" cstate="print"/>
+          <a:blip r:embed="rId9" cstate="print"/>
           <a:srcRect t="8025" r="6839"/>
           <a:stretch>
             <a:fillRect/>
@@ -8431,7 +9255,7 @@
           <a:p>
             <a:r>
               <a:rPr lang="ko-KR" altLang="en-US" dirty="0" smtClean="0"/>
-              <a:t>현황분석</a:t>
+              <a:t>컨셉 도출</a:t>
             </a:r>
             <a:r>
               <a:rPr lang="en-US" altLang="ko-KR" sz="2800" dirty="0" smtClean="0"/>
@@ -8454,7 +9278,7 @@
           <p:nvPr/>
         </p:nvPicPr>
         <p:blipFill>
-          <a:blip r:embed="rId9" cstate="print"/>
+          <a:blip r:embed="rId10" cstate="print"/>
           <a:srcRect b="6728"/>
           <a:stretch>
             <a:fillRect/>
@@ -8486,7 +9310,7 @@
           <p:nvPr/>
         </p:nvPicPr>
         <p:blipFill>
-          <a:blip r:embed="rId10" cstate="print"/>
+          <a:blip r:embed="rId11" cstate="print"/>
           <a:srcRect/>
           <a:stretch>
             <a:fillRect/>
@@ -8509,10 +9333,70 @@
           </a:ln>
         </p:spPr>
       </p:pic>
+      <p:sp>
+        <p:nvSpPr>
+          <p:cNvPr id="14" name="슬라이드 번호 개체 틀 3"/>
+          <p:cNvSpPr>
+            <a:spLocks noGrp="1"/>
+          </p:cNvSpPr>
+          <p:nvPr>
+            <p:ph type="sldNum" sz="quarter" idx="12"/>
+          </p:nvPr>
+        </p:nvSpPr>
+        <p:spPr>
+          <a:xfrm>
+            <a:off x="8767119" y="6352488"/>
+            <a:ext cx="2403389" cy="365125"/>
+          </a:xfrm>
+        </p:spPr>
+        <p:txBody>
+          <a:bodyPr/>
+          <a:lstStyle/>
+          <a:p>
+            <a:fld id="{88450DA5-2674-45C9-A461-EAD2254577B9}" type="slidenum">
+              <a:rPr lang="ko-KR" altLang="en-US" smtClean="0"/>
+              <a:t>11</a:t>
+            </a:fld>
+            <a:endParaRPr lang="ko-KR" altLang="en-US" dirty="0"/>
+          </a:p>
+        </p:txBody>
+      </p:sp>
+      <p:sp>
+        <p:nvSpPr>
+          <p:cNvPr id="24" name="바닥글 개체 틀 4"/>
+          <p:cNvSpPr>
+            <a:spLocks noGrp="1"/>
+          </p:cNvSpPr>
+          <p:nvPr>
+            <p:ph type="ftr" sz="quarter" idx="11"/>
+          </p:nvPr>
+        </p:nvSpPr>
+        <p:spPr>
+          <a:xfrm>
+            <a:off x="4038600" y="6356350"/>
+            <a:ext cx="4114800" cy="365125"/>
+          </a:xfrm>
+        </p:spPr>
+        <p:txBody>
+          <a:bodyPr/>
+          <a:lstStyle/>
+          <a:p>
+            <a:r>
+              <a:rPr lang="en-US" altLang="ko-KR" dirty="0" smtClean="0"/>
+              <a:t>202034017 </a:t>
+            </a:r>
+            <a:r>
+              <a:rPr lang="ko-KR" altLang="en-US" dirty="0" smtClean="0"/>
+              <a:t>최영수 앱 기획 자료</a:t>
+            </a:r>
+            <a:endParaRPr lang="ko-KR" altLang="en-US" dirty="0"/>
+          </a:p>
+        </p:txBody>
+      </p:sp>
     </p:spTree>
     <p:extLst>
       <p:ext uri="{BB962C8B-B14F-4D97-AF65-F5344CB8AC3E}">
-        <p14:creationId xmlns:p14="http://schemas.microsoft.com/office/powerpoint/2010/main" val="2215563325"/>
+        <p14:creationId xmlns:p14="http://schemas.microsoft.com/office/powerpoint/2010/main" val="1413177722"/>
       </p:ext>
     </p:extLst>
   </p:cSld>
@@ -8529,7 +9413,7 @@
 </p:sld>
 </file>
 
-<file path=ppt/slides/slide7.xml><?xml version="1.0" encoding="utf-8"?>
+<file path=ppt/slides/slide12.xml><?xml version="1.0" encoding="utf-8"?>
 <p:sld xmlns:a="http://schemas.openxmlformats.org/drawingml/2006/main" xmlns:r="http://schemas.openxmlformats.org/officeDocument/2006/relationships" xmlns:p="http://schemas.openxmlformats.org/presentationml/2006/main">
   <p:cSld>
     <p:spTree>
@@ -8563,15 +9447,15 @@
           <a:p>
             <a:r>
               <a:rPr lang="ko-KR" altLang="en-US" dirty="0" smtClean="0"/>
-              <a:t>현황분석</a:t>
+              <a:t>스토리보드</a:t>
             </a:r>
             <a:r>
               <a:rPr lang="en-US" altLang="ko-KR" sz="2800" dirty="0" smtClean="0"/>
-              <a:t>_SWOT </a:t>
+              <a:t>_</a:t>
             </a:r>
             <a:r>
               <a:rPr lang="ko-KR" altLang="en-US" sz="2800" dirty="0" smtClean="0"/>
-              <a:t>분석</a:t>
+              <a:t>메인 화면</a:t>
             </a:r>
             <a:endParaRPr lang="ko-KR" altLang="en-US" dirty="0"/>
           </a:p>
@@ -8594,114 +9478,19 @@
           <a:p>
             <a:r>
               <a:rPr lang="ko-KR" altLang="en-US" dirty="0" smtClean="0"/>
-              <a:t>내 팀</a:t>
-            </a:r>
-            <a:r>
-              <a:rPr lang="en-US" altLang="ko-KR" dirty="0" smtClean="0"/>
-              <a:t>/</a:t>
-            </a:r>
-            <a:r>
-              <a:rPr lang="ko-KR" altLang="en-US" dirty="0" smtClean="0"/>
-              <a:t>프로젝트의 강점</a:t>
-            </a:r>
-            <a:r>
-              <a:rPr lang="en-US" altLang="ko-KR" dirty="0" smtClean="0"/>
-              <a:t>, </a:t>
-            </a:r>
-            <a:r>
-              <a:rPr lang="ko-KR" altLang="en-US" dirty="0" smtClean="0"/>
-              <a:t>약점</a:t>
-            </a:r>
-            <a:r>
-              <a:rPr lang="en-US" altLang="ko-KR" dirty="0" smtClean="0"/>
-              <a:t>, </a:t>
-            </a:r>
-            <a:r>
-              <a:rPr lang="ko-KR" altLang="en-US" dirty="0" smtClean="0"/>
-              <a:t>기회</a:t>
-            </a:r>
-            <a:r>
-              <a:rPr lang="en-US" altLang="ko-KR" dirty="0" smtClean="0"/>
-              <a:t>, </a:t>
-            </a:r>
-            <a:r>
-              <a:rPr lang="ko-KR" altLang="en-US" dirty="0" smtClean="0"/>
-              <a:t>위협을 분석</a:t>
+              <a:t>메인 화면 이미지</a:t>
             </a:r>
             <a:endParaRPr lang="en-US" altLang="ko-KR" dirty="0" smtClean="0"/>
           </a:p>
           <a:p>
             <a:r>
               <a:rPr lang="ko-KR" altLang="en-US" dirty="0" smtClean="0"/>
-              <a:t>현재 상황을 분석하는 기법</a:t>
-            </a:r>
-            <a:endParaRPr lang="en-US" altLang="ko-KR" dirty="0" smtClean="0"/>
-          </a:p>
-          <a:p>
-            <a:r>
-              <a:rPr lang="ko-KR" altLang="en-US" dirty="0" smtClean="0"/>
-              <a:t>강점</a:t>
-            </a:r>
-            <a:r>
-              <a:rPr lang="en-US" altLang="ko-KR" dirty="0" smtClean="0"/>
-              <a:t>: </a:t>
-            </a:r>
-            <a:r>
-              <a:rPr lang="ko-KR" altLang="en-US" dirty="0" smtClean="0"/>
-              <a:t>경쟁우위를 제공하는 요소</a:t>
-            </a:r>
-            <a:endParaRPr lang="en-US" altLang="ko-KR" dirty="0" smtClean="0"/>
-          </a:p>
-          <a:p>
-            <a:r>
-              <a:rPr lang="ko-KR" altLang="en-US" dirty="0" smtClean="0"/>
-              <a:t>약점</a:t>
-            </a:r>
-            <a:r>
-              <a:rPr lang="en-US" altLang="ko-KR" dirty="0" smtClean="0"/>
-              <a:t>: </a:t>
-            </a:r>
-            <a:r>
-              <a:rPr lang="ko-KR" altLang="en-US" dirty="0" smtClean="0"/>
-              <a:t>경쟁력을 </a:t>
-            </a:r>
-            <a:r>
-              <a:rPr lang="ko-KR" altLang="en-US" dirty="0" smtClean="0"/>
-              <a:t>약화시키는 요소</a:t>
-            </a:r>
-            <a:endParaRPr lang="en-US" altLang="ko-KR" dirty="0" smtClean="0"/>
-          </a:p>
-          <a:p>
-            <a:r>
-              <a:rPr lang="ko-KR" altLang="en-US" dirty="0" smtClean="0"/>
-              <a:t>기회</a:t>
-            </a:r>
-            <a:r>
-              <a:rPr lang="en-US" altLang="ko-KR" dirty="0" smtClean="0"/>
-              <a:t>: </a:t>
-            </a:r>
-            <a:r>
-              <a:rPr lang="ko-KR" altLang="en-US" dirty="0" smtClean="0"/>
-              <a:t>긍정적인 외부 환경 변화</a:t>
-            </a:r>
-            <a:endParaRPr lang="en-US" altLang="ko-KR" dirty="0" smtClean="0"/>
-          </a:p>
-          <a:p>
-            <a:r>
-              <a:rPr lang="ko-KR" altLang="en-US" dirty="0" smtClean="0"/>
-              <a:t>위협</a:t>
-            </a:r>
-            <a:r>
-              <a:rPr lang="en-US" altLang="ko-KR" dirty="0" smtClean="0"/>
-              <a:t>: </a:t>
-            </a:r>
-            <a:r>
-              <a:rPr lang="ko-KR" altLang="en-US" dirty="0" smtClean="0"/>
-              <a:t>부정적인 외부 환경 변화</a:t>
-            </a:r>
-            <a:endParaRPr lang="en-US" altLang="ko-KR" dirty="0" smtClean="0"/>
-          </a:p>
-          <a:p>
+              <a:t>회원가입으로 내 정보 기입하는 </a:t>
+            </a:r>
+            <a:r>
+              <a:rPr lang="ko-KR" altLang="en-US" dirty="0" err="1" smtClean="0"/>
+              <a:t>플로우</a:t>
+            </a:r>
             <a:endParaRPr lang="ko-KR" altLang="en-US" dirty="0"/>
           </a:p>
         </p:txBody>
@@ -8750,7 +9539,7 @@
           <a:p>
             <a:fld id="{88450DA5-2674-45C9-A461-EAD2254577B9}" type="slidenum">
               <a:rPr lang="ko-KR" altLang="en-US" smtClean="0"/>
-              <a:t>7</a:t>
+              <a:t>12</a:t>
             </a:fld>
             <a:endParaRPr lang="ko-KR" altLang="en-US" dirty="0"/>
           </a:p>
@@ -8759,7 +9548,7 @@
     </p:spTree>
     <p:extLst>
       <p:ext uri="{BB962C8B-B14F-4D97-AF65-F5344CB8AC3E}">
-        <p14:creationId xmlns:p14="http://schemas.microsoft.com/office/powerpoint/2010/main" val="3284439031"/>
+        <p14:creationId xmlns:p14="http://schemas.microsoft.com/office/powerpoint/2010/main" val="397860425"/>
       </p:ext>
     </p:extLst>
   </p:cSld>
@@ -8776,7 +9565,855 @@
 </p:sld>
 </file>
 
-<file path=ppt/slides/slide8.xml><?xml version="1.0" encoding="utf-8"?>
+<file path=ppt/slides/slide13.xml><?xml version="1.0" encoding="utf-8"?>
+<p:sld xmlns:a="http://schemas.openxmlformats.org/drawingml/2006/main" xmlns:r="http://schemas.openxmlformats.org/officeDocument/2006/relationships" xmlns:p="http://schemas.openxmlformats.org/presentationml/2006/main">
+  <p:cSld>
+    <p:spTree>
+      <p:nvGrpSpPr>
+        <p:cNvPr id="1" name=""/>
+        <p:cNvGrpSpPr/>
+        <p:nvPr/>
+      </p:nvGrpSpPr>
+      <p:grpSpPr>
+        <a:xfrm>
+          <a:off x="0" y="0"/>
+          <a:ext cx="0" cy="0"/>
+          <a:chOff x="0" y="0"/>
+          <a:chExt cx="0" cy="0"/>
+        </a:xfrm>
+      </p:grpSpPr>
+      <p:sp>
+        <p:nvSpPr>
+          <p:cNvPr id="2" name="제목 1"/>
+          <p:cNvSpPr>
+            <a:spLocks noGrp="1"/>
+          </p:cNvSpPr>
+          <p:nvPr>
+            <p:ph type="title"/>
+          </p:nvPr>
+        </p:nvSpPr>
+        <p:spPr/>
+        <p:txBody>
+          <a:bodyPr/>
+          <a:lstStyle/>
+          <a:p>
+            <a:r>
+              <a:rPr lang="ko-KR" altLang="en-US" dirty="0" smtClean="0"/>
+              <a:t>스토리보드</a:t>
+            </a:r>
+            <a:r>
+              <a:rPr lang="en-US" altLang="ko-KR" sz="2800" dirty="0" smtClean="0"/>
+              <a:t>_</a:t>
+            </a:r>
+            <a:r>
+              <a:rPr lang="ko-KR" altLang="en-US" sz="2800" dirty="0" smtClean="0"/>
+              <a:t>팀원 구인</a:t>
+            </a:r>
+            <a:endParaRPr lang="ko-KR" altLang="en-US" dirty="0"/>
+          </a:p>
+        </p:txBody>
+      </p:sp>
+      <p:sp>
+        <p:nvSpPr>
+          <p:cNvPr id="3" name="내용 개체 틀 2"/>
+          <p:cNvSpPr>
+            <a:spLocks noGrp="1"/>
+          </p:cNvSpPr>
+          <p:nvPr>
+            <p:ph idx="1"/>
+          </p:nvPr>
+        </p:nvSpPr>
+        <p:spPr/>
+        <p:txBody>
+          <a:bodyPr/>
+          <a:lstStyle/>
+          <a:p>
+            <a:r>
+              <a:rPr lang="ko-KR" altLang="en-US" dirty="0" smtClean="0"/>
+              <a:t>팀장 </a:t>
+            </a:r>
+            <a:r>
+              <a:rPr lang="en-US" altLang="ko-KR" dirty="0" smtClean="0"/>
+              <a:t>A</a:t>
+            </a:r>
+            <a:r>
+              <a:rPr lang="ko-KR" altLang="en-US" dirty="0" smtClean="0"/>
+              <a:t>는 </a:t>
+            </a:r>
+            <a:r>
+              <a:rPr lang="ko-KR" altLang="en-US" dirty="0" err="1" smtClean="0"/>
+              <a:t>유한대</a:t>
+            </a:r>
+            <a:r>
+              <a:rPr lang="ko-KR" altLang="en-US" dirty="0" smtClean="0"/>
+              <a:t> 게임 개발 공모전에 나가고 싶었어요</a:t>
+            </a:r>
+            <a:endParaRPr lang="ko-KR" altLang="en-US" dirty="0"/>
+          </a:p>
+        </p:txBody>
+      </p:sp>
+      <p:sp>
+        <p:nvSpPr>
+          <p:cNvPr id="5" name="바닥글 개체 틀 4"/>
+          <p:cNvSpPr>
+            <a:spLocks noGrp="1"/>
+          </p:cNvSpPr>
+          <p:nvPr>
+            <p:ph type="ftr" sz="quarter" idx="11"/>
+          </p:nvPr>
+        </p:nvSpPr>
+        <p:spPr/>
+        <p:txBody>
+          <a:bodyPr/>
+          <a:lstStyle/>
+          <a:p>
+            <a:r>
+              <a:rPr lang="en-US" altLang="ko-KR" dirty="0" smtClean="0"/>
+              <a:t>202034017 </a:t>
+            </a:r>
+            <a:r>
+              <a:rPr lang="ko-KR" altLang="en-US" dirty="0" smtClean="0"/>
+              <a:t>최영수 앱 기획 자료</a:t>
+            </a:r>
+            <a:endParaRPr lang="ko-KR" altLang="en-US" dirty="0"/>
+          </a:p>
+        </p:txBody>
+      </p:sp>
+      <p:sp>
+        <p:nvSpPr>
+          <p:cNvPr id="4" name="슬라이드 번호 개체 틀 3"/>
+          <p:cNvSpPr>
+            <a:spLocks noGrp="1"/>
+          </p:cNvSpPr>
+          <p:nvPr>
+            <p:ph type="sldNum" sz="quarter" idx="12"/>
+          </p:nvPr>
+        </p:nvSpPr>
+        <p:spPr/>
+        <p:txBody>
+          <a:bodyPr/>
+          <a:lstStyle/>
+          <a:p>
+            <a:fld id="{88450DA5-2674-45C9-A461-EAD2254577B9}" type="slidenum">
+              <a:rPr lang="ko-KR" altLang="en-US" smtClean="0"/>
+              <a:t>13</a:t>
+            </a:fld>
+            <a:endParaRPr lang="ko-KR" altLang="en-US" dirty="0"/>
+          </a:p>
+        </p:txBody>
+      </p:sp>
+    </p:spTree>
+    <p:extLst>
+      <p:ext uri="{BB962C8B-B14F-4D97-AF65-F5344CB8AC3E}">
+        <p14:creationId xmlns:p14="http://schemas.microsoft.com/office/powerpoint/2010/main" val="343577809"/>
+      </p:ext>
+    </p:extLst>
+  </p:cSld>
+  <p:clrMapOvr>
+    <a:masterClrMapping/>
+  </p:clrMapOvr>
+  <p:timing>
+    <p:tnLst>
+      <p:par>
+        <p:cTn id="1" dur="indefinite" restart="never" nodeType="tmRoot"/>
+      </p:par>
+    </p:tnLst>
+  </p:timing>
+</p:sld>
+</file>
+
+<file path=ppt/slides/slide14.xml><?xml version="1.0" encoding="utf-8"?>
+<p:sld xmlns:a="http://schemas.openxmlformats.org/drawingml/2006/main" xmlns:r="http://schemas.openxmlformats.org/officeDocument/2006/relationships" xmlns:p="http://schemas.openxmlformats.org/presentationml/2006/main">
+  <p:cSld>
+    <p:spTree>
+      <p:nvGrpSpPr>
+        <p:cNvPr id="1" name=""/>
+        <p:cNvGrpSpPr/>
+        <p:nvPr/>
+      </p:nvGrpSpPr>
+      <p:grpSpPr>
+        <a:xfrm>
+          <a:off x="0" y="0"/>
+          <a:ext cx="0" cy="0"/>
+          <a:chOff x="0" y="0"/>
+          <a:chExt cx="0" cy="0"/>
+        </a:xfrm>
+      </p:grpSpPr>
+      <p:sp>
+        <p:nvSpPr>
+          <p:cNvPr id="2" name="제목 1"/>
+          <p:cNvSpPr>
+            <a:spLocks noGrp="1"/>
+          </p:cNvSpPr>
+          <p:nvPr>
+            <p:ph type="title"/>
+          </p:nvPr>
+        </p:nvSpPr>
+        <p:spPr/>
+        <p:txBody>
+          <a:bodyPr/>
+          <a:lstStyle/>
+          <a:p>
+            <a:r>
+              <a:rPr lang="ko-KR" altLang="en-US" dirty="0" smtClean="0"/>
+              <a:t>스토리보드</a:t>
+            </a:r>
+            <a:r>
+              <a:rPr lang="en-US" altLang="ko-KR" sz="2800" dirty="0" smtClean="0"/>
+              <a:t>_</a:t>
+            </a:r>
+            <a:r>
+              <a:rPr lang="ko-KR" altLang="en-US" sz="2800" dirty="0" smtClean="0"/>
+              <a:t>파티 참가</a:t>
+            </a:r>
+            <a:endParaRPr lang="ko-KR" altLang="en-US" dirty="0"/>
+          </a:p>
+        </p:txBody>
+      </p:sp>
+      <p:sp>
+        <p:nvSpPr>
+          <p:cNvPr id="3" name="내용 개체 틀 2"/>
+          <p:cNvSpPr>
+            <a:spLocks noGrp="1"/>
+          </p:cNvSpPr>
+          <p:nvPr>
+            <p:ph idx="1"/>
+          </p:nvPr>
+        </p:nvSpPr>
+        <p:spPr/>
+        <p:txBody>
+          <a:bodyPr/>
+          <a:lstStyle/>
+          <a:p>
+            <a:r>
+              <a:rPr lang="ko-KR" altLang="en-US" dirty="0" smtClean="0"/>
+              <a:t>파티 찾기</a:t>
+            </a:r>
+            <a:r>
+              <a:rPr lang="en-US" altLang="ko-KR" dirty="0" smtClean="0"/>
+              <a:t>(</a:t>
+            </a:r>
+            <a:r>
+              <a:rPr lang="ko-KR" altLang="en-US" dirty="0" smtClean="0"/>
+              <a:t>내가 팀원일 때</a:t>
+            </a:r>
+            <a:r>
+              <a:rPr lang="en-US" altLang="ko-KR" dirty="0" smtClean="0"/>
+              <a:t>) </a:t>
+            </a:r>
+            <a:r>
+              <a:rPr lang="ko-KR" altLang="en-US" dirty="0" err="1" smtClean="0"/>
+              <a:t>플로우</a:t>
+            </a:r>
+            <a:endParaRPr lang="ko-KR" altLang="en-US" dirty="0"/>
+          </a:p>
+        </p:txBody>
+      </p:sp>
+      <p:sp>
+        <p:nvSpPr>
+          <p:cNvPr id="5" name="바닥글 개체 틀 4"/>
+          <p:cNvSpPr>
+            <a:spLocks noGrp="1"/>
+          </p:cNvSpPr>
+          <p:nvPr>
+            <p:ph type="ftr" sz="quarter" idx="11"/>
+          </p:nvPr>
+        </p:nvSpPr>
+        <p:spPr/>
+        <p:txBody>
+          <a:bodyPr/>
+          <a:lstStyle/>
+          <a:p>
+            <a:r>
+              <a:rPr lang="en-US" altLang="ko-KR" dirty="0" smtClean="0"/>
+              <a:t>202034017 </a:t>
+            </a:r>
+            <a:r>
+              <a:rPr lang="ko-KR" altLang="en-US" dirty="0" smtClean="0"/>
+              <a:t>최영수 앱 기획 자료</a:t>
+            </a:r>
+            <a:endParaRPr lang="ko-KR" altLang="en-US" dirty="0"/>
+          </a:p>
+        </p:txBody>
+      </p:sp>
+      <p:sp>
+        <p:nvSpPr>
+          <p:cNvPr id="4" name="슬라이드 번호 개체 틀 3"/>
+          <p:cNvSpPr>
+            <a:spLocks noGrp="1"/>
+          </p:cNvSpPr>
+          <p:nvPr>
+            <p:ph type="sldNum" sz="quarter" idx="12"/>
+          </p:nvPr>
+        </p:nvSpPr>
+        <p:spPr/>
+        <p:txBody>
+          <a:bodyPr/>
+          <a:lstStyle/>
+          <a:p>
+            <a:fld id="{88450DA5-2674-45C9-A461-EAD2254577B9}" type="slidenum">
+              <a:rPr lang="ko-KR" altLang="en-US" smtClean="0"/>
+              <a:t>14</a:t>
+            </a:fld>
+            <a:endParaRPr lang="ko-KR" altLang="en-US" dirty="0"/>
+          </a:p>
+        </p:txBody>
+      </p:sp>
+    </p:spTree>
+    <p:extLst>
+      <p:ext uri="{BB962C8B-B14F-4D97-AF65-F5344CB8AC3E}">
+        <p14:creationId xmlns:p14="http://schemas.microsoft.com/office/powerpoint/2010/main" val="3193334873"/>
+      </p:ext>
+    </p:extLst>
+  </p:cSld>
+  <p:clrMapOvr>
+    <a:masterClrMapping/>
+  </p:clrMapOvr>
+  <p:timing>
+    <p:tnLst>
+      <p:par>
+        <p:cTn id="1" dur="indefinite" restart="never" nodeType="tmRoot"/>
+      </p:par>
+    </p:tnLst>
+  </p:timing>
+</p:sld>
+</file>
+
+<file path=ppt/slides/slide15.xml><?xml version="1.0" encoding="utf-8"?>
+<p:sld xmlns:a="http://schemas.openxmlformats.org/drawingml/2006/main" xmlns:r="http://schemas.openxmlformats.org/officeDocument/2006/relationships" xmlns:p="http://schemas.openxmlformats.org/presentationml/2006/main">
+  <p:cSld>
+    <p:spTree>
+      <p:nvGrpSpPr>
+        <p:cNvPr id="1" name=""/>
+        <p:cNvGrpSpPr/>
+        <p:nvPr/>
+      </p:nvGrpSpPr>
+      <p:grpSpPr>
+        <a:xfrm>
+          <a:off x="0" y="0"/>
+          <a:ext cx="0" cy="0"/>
+          <a:chOff x="0" y="0"/>
+          <a:chExt cx="0" cy="0"/>
+        </a:xfrm>
+      </p:grpSpPr>
+      <p:sp>
+        <p:nvSpPr>
+          <p:cNvPr id="2" name="제목 1"/>
+          <p:cNvSpPr>
+            <a:spLocks noGrp="1"/>
+          </p:cNvSpPr>
+          <p:nvPr>
+            <p:ph type="title"/>
+          </p:nvPr>
+        </p:nvSpPr>
+        <p:spPr/>
+        <p:txBody>
+          <a:bodyPr/>
+          <a:lstStyle/>
+          <a:p>
+            <a:r>
+              <a:rPr lang="ko-KR" altLang="en-US" dirty="0" smtClean="0"/>
+              <a:t>스토리보드</a:t>
+            </a:r>
+            <a:r>
+              <a:rPr lang="en-US" altLang="ko-KR" sz="2800" dirty="0" smtClean="0"/>
+              <a:t>_</a:t>
+            </a:r>
+            <a:r>
+              <a:rPr lang="ko-KR" altLang="en-US" sz="2800" dirty="0" smtClean="0"/>
+              <a:t>공모전 신청</a:t>
+            </a:r>
+            <a:endParaRPr lang="ko-KR" altLang="en-US" dirty="0"/>
+          </a:p>
+        </p:txBody>
+      </p:sp>
+      <p:sp>
+        <p:nvSpPr>
+          <p:cNvPr id="3" name="내용 개체 틀 2"/>
+          <p:cNvSpPr>
+            <a:spLocks noGrp="1"/>
+          </p:cNvSpPr>
+          <p:nvPr>
+            <p:ph idx="1"/>
+          </p:nvPr>
+        </p:nvSpPr>
+        <p:spPr/>
+        <p:txBody>
+          <a:bodyPr/>
+          <a:lstStyle/>
+          <a:p>
+            <a:r>
+              <a:rPr lang="ko-KR" altLang="en-US" dirty="0" smtClean="0"/>
+              <a:t>위의 방식으로 완성된 파티로</a:t>
+            </a:r>
+            <a:endParaRPr lang="ko-KR" altLang="en-US" dirty="0"/>
+          </a:p>
+        </p:txBody>
+      </p:sp>
+      <p:sp>
+        <p:nvSpPr>
+          <p:cNvPr id="5" name="바닥글 개체 틀 4"/>
+          <p:cNvSpPr>
+            <a:spLocks noGrp="1"/>
+          </p:cNvSpPr>
+          <p:nvPr>
+            <p:ph type="ftr" sz="quarter" idx="11"/>
+          </p:nvPr>
+        </p:nvSpPr>
+        <p:spPr/>
+        <p:txBody>
+          <a:bodyPr/>
+          <a:lstStyle/>
+          <a:p>
+            <a:r>
+              <a:rPr lang="en-US" altLang="ko-KR" dirty="0" smtClean="0"/>
+              <a:t>202034017 </a:t>
+            </a:r>
+            <a:r>
+              <a:rPr lang="ko-KR" altLang="en-US" dirty="0" smtClean="0"/>
+              <a:t>최영수 앱 기획 자료</a:t>
+            </a:r>
+            <a:endParaRPr lang="ko-KR" altLang="en-US" dirty="0"/>
+          </a:p>
+        </p:txBody>
+      </p:sp>
+      <p:sp>
+        <p:nvSpPr>
+          <p:cNvPr id="4" name="슬라이드 번호 개체 틀 3"/>
+          <p:cNvSpPr>
+            <a:spLocks noGrp="1"/>
+          </p:cNvSpPr>
+          <p:nvPr>
+            <p:ph type="sldNum" sz="quarter" idx="12"/>
+          </p:nvPr>
+        </p:nvSpPr>
+        <p:spPr/>
+        <p:txBody>
+          <a:bodyPr/>
+          <a:lstStyle/>
+          <a:p>
+            <a:fld id="{88450DA5-2674-45C9-A461-EAD2254577B9}" type="slidenum">
+              <a:rPr lang="ko-KR" altLang="en-US" smtClean="0"/>
+              <a:t>15</a:t>
+            </a:fld>
+            <a:endParaRPr lang="ko-KR" altLang="en-US" dirty="0"/>
+          </a:p>
+        </p:txBody>
+      </p:sp>
+    </p:spTree>
+    <p:extLst>
+      <p:ext uri="{BB962C8B-B14F-4D97-AF65-F5344CB8AC3E}">
+        <p14:creationId xmlns:p14="http://schemas.microsoft.com/office/powerpoint/2010/main" val="2633039434"/>
+      </p:ext>
+    </p:extLst>
+  </p:cSld>
+  <p:clrMapOvr>
+    <a:masterClrMapping/>
+  </p:clrMapOvr>
+  <p:timing>
+    <p:tnLst>
+      <p:par>
+        <p:cTn id="1" dur="indefinite" restart="never" nodeType="tmRoot"/>
+      </p:par>
+    </p:tnLst>
+  </p:timing>
+</p:sld>
+</file>
+
+<file path=ppt/slides/slide16.xml><?xml version="1.0" encoding="utf-8"?>
+<p:sld xmlns:a="http://schemas.openxmlformats.org/drawingml/2006/main" xmlns:r="http://schemas.openxmlformats.org/officeDocument/2006/relationships" xmlns:p="http://schemas.openxmlformats.org/presentationml/2006/main">
+  <p:cSld>
+    <p:spTree>
+      <p:nvGrpSpPr>
+        <p:cNvPr id="1" name=""/>
+        <p:cNvGrpSpPr/>
+        <p:nvPr/>
+      </p:nvGrpSpPr>
+      <p:grpSpPr>
+        <a:xfrm>
+          <a:off x="0" y="0"/>
+          <a:ext cx="0" cy="0"/>
+          <a:chOff x="0" y="0"/>
+          <a:chExt cx="0" cy="0"/>
+        </a:xfrm>
+      </p:grpSpPr>
+      <p:sp>
+        <p:nvSpPr>
+          <p:cNvPr id="2" name="제목 1"/>
+          <p:cNvSpPr>
+            <a:spLocks noGrp="1"/>
+          </p:cNvSpPr>
+          <p:nvPr>
+            <p:ph type="title"/>
+          </p:nvPr>
+        </p:nvSpPr>
+        <p:spPr/>
+        <p:txBody>
+          <a:bodyPr/>
+          <a:lstStyle/>
+          <a:p>
+            <a:r>
+              <a:rPr lang="ko-KR" altLang="en-US" dirty="0" smtClean="0"/>
+              <a:t>스토리보드</a:t>
+            </a:r>
+            <a:r>
+              <a:rPr lang="en-US" altLang="ko-KR" sz="2800" dirty="0" smtClean="0"/>
+              <a:t>_</a:t>
+            </a:r>
+            <a:r>
+              <a:rPr lang="ko-KR" altLang="en-US" sz="2800" dirty="0" smtClean="0"/>
+              <a:t>상호 평가</a:t>
+            </a:r>
+            <a:endParaRPr lang="ko-KR" altLang="en-US" dirty="0"/>
+          </a:p>
+        </p:txBody>
+      </p:sp>
+      <p:sp>
+        <p:nvSpPr>
+          <p:cNvPr id="3" name="내용 개체 틀 2"/>
+          <p:cNvSpPr>
+            <a:spLocks noGrp="1"/>
+          </p:cNvSpPr>
+          <p:nvPr>
+            <p:ph idx="1"/>
+          </p:nvPr>
+        </p:nvSpPr>
+        <p:spPr/>
+        <p:txBody>
+          <a:bodyPr/>
+          <a:lstStyle/>
+          <a:p>
+            <a:r>
+              <a:rPr lang="ko-KR" altLang="en-US" dirty="0" smtClean="0"/>
+              <a:t>공모전이 끝나고</a:t>
+            </a:r>
+            <a:r>
+              <a:rPr lang="en-US" altLang="ko-KR" dirty="0"/>
+              <a:t> </a:t>
+            </a:r>
+            <a:r>
+              <a:rPr lang="ko-KR" altLang="en-US" dirty="0" smtClean="0"/>
+              <a:t>팀장 </a:t>
+            </a:r>
+            <a:r>
+              <a:rPr lang="en-US" altLang="ko-KR" dirty="0" smtClean="0"/>
+              <a:t>A</a:t>
+            </a:r>
+            <a:r>
+              <a:rPr lang="ko-KR" altLang="en-US" dirty="0" smtClean="0"/>
+              <a:t>는</a:t>
+            </a:r>
+            <a:r>
+              <a:rPr lang="en-US" altLang="ko-KR" dirty="0" smtClean="0"/>
+              <a:t>~</a:t>
+            </a:r>
+            <a:endParaRPr lang="ko-KR" altLang="en-US" dirty="0"/>
+          </a:p>
+        </p:txBody>
+      </p:sp>
+      <p:sp>
+        <p:nvSpPr>
+          <p:cNvPr id="5" name="바닥글 개체 틀 4"/>
+          <p:cNvSpPr>
+            <a:spLocks noGrp="1"/>
+          </p:cNvSpPr>
+          <p:nvPr>
+            <p:ph type="ftr" sz="quarter" idx="11"/>
+          </p:nvPr>
+        </p:nvSpPr>
+        <p:spPr/>
+        <p:txBody>
+          <a:bodyPr/>
+          <a:lstStyle/>
+          <a:p>
+            <a:r>
+              <a:rPr lang="en-US" altLang="ko-KR" dirty="0" smtClean="0"/>
+              <a:t>202034017 </a:t>
+            </a:r>
+            <a:r>
+              <a:rPr lang="ko-KR" altLang="en-US" dirty="0" smtClean="0"/>
+              <a:t>최영수 앱 기획 자료</a:t>
+            </a:r>
+            <a:endParaRPr lang="ko-KR" altLang="en-US" dirty="0"/>
+          </a:p>
+        </p:txBody>
+      </p:sp>
+      <p:sp>
+        <p:nvSpPr>
+          <p:cNvPr id="4" name="슬라이드 번호 개체 틀 3"/>
+          <p:cNvSpPr>
+            <a:spLocks noGrp="1"/>
+          </p:cNvSpPr>
+          <p:nvPr>
+            <p:ph type="sldNum" sz="quarter" idx="12"/>
+          </p:nvPr>
+        </p:nvSpPr>
+        <p:spPr/>
+        <p:txBody>
+          <a:bodyPr/>
+          <a:lstStyle/>
+          <a:p>
+            <a:fld id="{88450DA5-2674-45C9-A461-EAD2254577B9}" type="slidenum">
+              <a:rPr lang="ko-KR" altLang="en-US" smtClean="0"/>
+              <a:t>16</a:t>
+            </a:fld>
+            <a:endParaRPr lang="ko-KR" altLang="en-US" dirty="0"/>
+          </a:p>
+        </p:txBody>
+      </p:sp>
+    </p:spTree>
+    <p:extLst>
+      <p:ext uri="{BB962C8B-B14F-4D97-AF65-F5344CB8AC3E}">
+        <p14:creationId xmlns:p14="http://schemas.microsoft.com/office/powerpoint/2010/main" val="199771779"/>
+      </p:ext>
+    </p:extLst>
+  </p:cSld>
+  <p:clrMapOvr>
+    <a:masterClrMapping/>
+  </p:clrMapOvr>
+  <p:timing>
+    <p:tnLst>
+      <p:par>
+        <p:cTn id="1" dur="indefinite" restart="never" nodeType="tmRoot"/>
+      </p:par>
+    </p:tnLst>
+  </p:timing>
+</p:sld>
+</file>
+
+<file path=ppt/slides/slide17.xml><?xml version="1.0" encoding="utf-8"?>
+<p:sld xmlns:a="http://schemas.openxmlformats.org/drawingml/2006/main" xmlns:r="http://schemas.openxmlformats.org/officeDocument/2006/relationships" xmlns:p="http://schemas.openxmlformats.org/presentationml/2006/main">
+  <p:cSld>
+    <p:spTree>
+      <p:nvGrpSpPr>
+        <p:cNvPr id="1" name=""/>
+        <p:cNvGrpSpPr/>
+        <p:nvPr/>
+      </p:nvGrpSpPr>
+      <p:grpSpPr>
+        <a:xfrm>
+          <a:off x="0" y="0"/>
+          <a:ext cx="0" cy="0"/>
+          <a:chOff x="0" y="0"/>
+          <a:chExt cx="0" cy="0"/>
+        </a:xfrm>
+      </p:grpSpPr>
+      <p:sp>
+        <p:nvSpPr>
+          <p:cNvPr id="2" name="제목 1"/>
+          <p:cNvSpPr>
+            <a:spLocks noGrp="1"/>
+          </p:cNvSpPr>
+          <p:nvPr>
+            <p:ph type="title"/>
+          </p:nvPr>
+        </p:nvSpPr>
+        <p:spPr/>
+        <p:txBody>
+          <a:bodyPr/>
+          <a:lstStyle/>
+          <a:p>
+            <a:r>
+              <a:rPr lang="ko-KR" altLang="en-US" dirty="0" smtClean="0"/>
+              <a:t>구현</a:t>
+            </a:r>
+            <a:r>
+              <a:rPr lang="en-US" altLang="ko-KR" sz="2800" dirty="0" smtClean="0"/>
+              <a:t>_</a:t>
+            </a:r>
+            <a:r>
+              <a:rPr lang="ko-KR" altLang="en-US" sz="2800" dirty="0" smtClean="0"/>
+              <a:t>기회와 위기</a:t>
+            </a:r>
+            <a:r>
+              <a:rPr lang="en-US" altLang="ko-KR" sz="2800" dirty="0" smtClean="0"/>
+              <a:t>, </a:t>
+            </a:r>
+            <a:r>
+              <a:rPr lang="ko-KR" altLang="en-US" sz="2800" dirty="0" smtClean="0"/>
+              <a:t>강점과 약점</a:t>
+            </a:r>
+            <a:endParaRPr lang="ko-KR" altLang="en-US" dirty="0"/>
+          </a:p>
+        </p:txBody>
+      </p:sp>
+      <p:sp>
+        <p:nvSpPr>
+          <p:cNvPr id="3" name="내용 개체 틀 2"/>
+          <p:cNvSpPr>
+            <a:spLocks noGrp="1"/>
+          </p:cNvSpPr>
+          <p:nvPr>
+            <p:ph idx="1"/>
+          </p:nvPr>
+        </p:nvSpPr>
+        <p:spPr/>
+        <p:txBody>
+          <a:bodyPr/>
+          <a:lstStyle/>
+          <a:p>
+            <a:r>
+              <a:rPr lang="ko-KR" altLang="en-US" dirty="0" smtClean="0"/>
+              <a:t>기회 </a:t>
+            </a:r>
+            <a:r>
+              <a:rPr lang="en-US" altLang="ko-KR" dirty="0" smtClean="0"/>
+              <a:t>: ~</a:t>
+            </a:r>
+          </a:p>
+          <a:p>
+            <a:r>
+              <a:rPr lang="ko-KR" altLang="en-US" dirty="0" smtClean="0"/>
+              <a:t>위기 </a:t>
+            </a:r>
+            <a:r>
+              <a:rPr lang="en-US" altLang="ko-KR" dirty="0" smtClean="0"/>
+              <a:t>: ~~</a:t>
+            </a:r>
+          </a:p>
+          <a:p>
+            <a:r>
+              <a:rPr lang="ko-KR" altLang="en-US" dirty="0" smtClean="0"/>
+              <a:t>강점 </a:t>
+            </a:r>
+            <a:r>
+              <a:rPr lang="en-US" altLang="ko-KR" dirty="0" smtClean="0"/>
+              <a:t>: ~~~</a:t>
+            </a:r>
+          </a:p>
+          <a:p>
+            <a:r>
+              <a:rPr lang="ko-KR" altLang="en-US" dirty="0" smtClean="0"/>
+              <a:t>약점 </a:t>
+            </a:r>
+            <a:r>
+              <a:rPr lang="en-US" altLang="ko-KR" dirty="0" smtClean="0"/>
+              <a:t>: ~~~~</a:t>
+            </a:r>
+          </a:p>
+          <a:p>
+            <a:r>
+              <a:rPr lang="ko-KR" altLang="en-US" dirty="0" smtClean="0"/>
+              <a:t>출처 포함하고</a:t>
+            </a:r>
+            <a:r>
+              <a:rPr lang="en-US" altLang="ko-KR" dirty="0" smtClean="0"/>
+              <a:t>, </a:t>
+            </a:r>
+            <a:r>
+              <a:rPr lang="ko-KR" altLang="en-US" dirty="0" smtClean="0"/>
+              <a:t>중점 내용이 짧게</a:t>
+            </a:r>
+            <a:r>
+              <a:rPr lang="en-US" altLang="ko-KR" dirty="0" smtClean="0"/>
+              <a:t>,</a:t>
+            </a:r>
+            <a:r>
+              <a:rPr lang="ko-KR" altLang="en-US" dirty="0" smtClean="0"/>
+              <a:t> 잘 보이게 정리</a:t>
+            </a:r>
+            <a:endParaRPr lang="en-US" altLang="ko-KR" dirty="0" smtClean="0"/>
+          </a:p>
+          <a:p>
+            <a:r>
+              <a:rPr lang="ko-KR" altLang="en-US" dirty="0" smtClean="0"/>
+              <a:t>칸 모자라면 </a:t>
+            </a:r>
+            <a:r>
+              <a:rPr lang="ko-KR" altLang="en-US" dirty="0" err="1" smtClean="0"/>
+              <a:t>기회위기</a:t>
+            </a:r>
+            <a:r>
+              <a:rPr lang="en-US" altLang="ko-KR" dirty="0" smtClean="0"/>
+              <a:t>/ </a:t>
+            </a:r>
+            <a:r>
+              <a:rPr lang="ko-KR" altLang="en-US" dirty="0" err="1" smtClean="0"/>
+              <a:t>강점약점</a:t>
+            </a:r>
+            <a:r>
+              <a:rPr lang="ko-KR" altLang="en-US" dirty="0" smtClean="0"/>
+              <a:t> </a:t>
+            </a:r>
+            <a:r>
+              <a:rPr lang="ko-KR" altLang="en-US" dirty="0" smtClean="0"/>
+              <a:t>파트로 나눠서 진행</a:t>
+            </a:r>
+            <a:endParaRPr lang="ko-KR" altLang="en-US" dirty="0"/>
+          </a:p>
+        </p:txBody>
+      </p:sp>
+      <p:sp>
+        <p:nvSpPr>
+          <p:cNvPr id="5" name="바닥글 개체 틀 4"/>
+          <p:cNvSpPr>
+            <a:spLocks noGrp="1"/>
+          </p:cNvSpPr>
+          <p:nvPr>
+            <p:ph type="ftr" sz="quarter" idx="11"/>
+          </p:nvPr>
+        </p:nvSpPr>
+        <p:spPr/>
+        <p:txBody>
+          <a:bodyPr/>
+          <a:lstStyle/>
+          <a:p>
+            <a:r>
+              <a:rPr lang="en-US" altLang="ko-KR" dirty="0" smtClean="0"/>
+              <a:t>202034017 </a:t>
+            </a:r>
+            <a:r>
+              <a:rPr lang="ko-KR" altLang="en-US" dirty="0" smtClean="0"/>
+              <a:t>최영수 앱 기획 자료</a:t>
+            </a:r>
+            <a:endParaRPr lang="ko-KR" altLang="en-US" dirty="0"/>
+          </a:p>
+        </p:txBody>
+      </p:sp>
+      <p:sp>
+        <p:nvSpPr>
+          <p:cNvPr id="4" name="슬라이드 번호 개체 틀 3"/>
+          <p:cNvSpPr>
+            <a:spLocks noGrp="1"/>
+          </p:cNvSpPr>
+          <p:nvPr>
+            <p:ph type="sldNum" sz="quarter" idx="12"/>
+          </p:nvPr>
+        </p:nvSpPr>
+        <p:spPr/>
+        <p:txBody>
+          <a:bodyPr/>
+          <a:lstStyle/>
+          <a:p>
+            <a:fld id="{88450DA5-2674-45C9-A461-EAD2254577B9}" type="slidenum">
+              <a:rPr lang="ko-KR" altLang="en-US" smtClean="0"/>
+              <a:t>17</a:t>
+            </a:fld>
+            <a:endParaRPr lang="ko-KR" altLang="en-US" dirty="0"/>
+          </a:p>
+        </p:txBody>
+      </p:sp>
+    </p:spTree>
+    <p:extLst>
+      <p:ext uri="{BB962C8B-B14F-4D97-AF65-F5344CB8AC3E}">
+        <p14:creationId xmlns:p14="http://schemas.microsoft.com/office/powerpoint/2010/main" val="1478083558"/>
+      </p:ext>
+    </p:extLst>
+  </p:cSld>
+  <p:clrMapOvr>
+    <a:masterClrMapping/>
+  </p:clrMapOvr>
+  <p:timing>
+    <p:tnLst>
+      <p:par>
+        <p:cTn id="1" dur="indefinite" restart="never" nodeType="tmRoot"/>
+      </p:par>
+    </p:tnLst>
+  </p:timing>
+</p:sld>
+</file>
+
+<file path=ppt/slides/slide18.xml><?xml version="1.0" encoding="utf-8"?>
 <p:sld xmlns:a="http://schemas.openxmlformats.org/drawingml/2006/main" xmlns:r="http://schemas.openxmlformats.org/officeDocument/2006/relationships" xmlns:p="http://schemas.openxmlformats.org/presentationml/2006/main">
   <p:cSld>
     <p:spTree>
@@ -8841,6 +10478,40 @@
           <a:bodyPr rtlCol="0" anchor="ctr"/>
           <a:lstStyle/>
           <a:p>
+            <a:pPr algn="ctr"/>
+            <a:r>
+              <a:rPr lang="ko-KR" altLang="en-US" sz="1600" dirty="0" smtClean="0">
+                <a:latin typeface="+mn-ea"/>
+              </a:rPr>
+              <a:t>기획서</a:t>
+            </a:r>
+            <a:r>
+              <a:rPr lang="ko-KR" altLang="en-US" sz="1600" dirty="0" smtClean="0">
+                <a:latin typeface="+mn-ea"/>
+              </a:rPr>
+              <a:t>를 바탕으로</a:t>
+            </a:r>
+            <a:endParaRPr lang="en-US" altLang="ko-KR" sz="1600" dirty="0" smtClean="0">
+              <a:latin typeface="+mn-ea"/>
+            </a:endParaRPr>
+          </a:p>
+          <a:p>
+            <a:pPr algn="ctr"/>
+            <a:r>
+              <a:rPr lang="ko-KR" altLang="en-US" dirty="0">
+                <a:solidFill>
+                  <a:srgbClr val="71DB29"/>
+                </a:solidFill>
+                <a:latin typeface="+mn-ea"/>
+              </a:rPr>
+              <a:t>창업 지원금</a:t>
+            </a:r>
+            <a:r>
+              <a:rPr lang="ko-KR" altLang="en-US" sz="1600" dirty="0" smtClean="0">
+                <a:latin typeface="+mn-ea"/>
+              </a:rPr>
+              <a:t>을 수령하자</a:t>
+            </a:r>
             <a:endParaRPr lang="ko-KR" altLang="en-US" sz="1600" dirty="0">
               <a:latin typeface="+mn-ea"/>
             </a:endParaRPr>
@@ -8895,7 +10566,41 @@
           <a:bodyPr rtlCol="0" anchor="ctr"/>
           <a:lstStyle/>
           <a:p>
-            <a:endParaRPr lang="ko-KR" altLang="en-US" sz="1600">
+            <a:pPr algn="ctr"/>
+            <a:r>
+              <a:rPr lang="ko-KR" altLang="en-US" sz="1600" dirty="0" smtClean="0">
+                <a:latin typeface="+mn-ea"/>
+              </a:rPr>
+              <a:t>능력 있는 </a:t>
+            </a:r>
+            <a:r>
+              <a:rPr lang="ko-KR" altLang="en-US" dirty="0">
+                <a:solidFill>
+                  <a:srgbClr val="71DB29"/>
+                </a:solidFill>
+                <a:latin typeface="+mn-ea"/>
+              </a:rPr>
+              <a:t>개발자</a:t>
+            </a:r>
+            <a:r>
+              <a:rPr lang="ko-KR" altLang="en-US" sz="1600" dirty="0" smtClean="0">
+                <a:latin typeface="+mn-ea"/>
+              </a:rPr>
+              <a:t>를</a:t>
+            </a:r>
+            <a:endParaRPr lang="en-US" altLang="ko-KR" sz="1600" dirty="0" smtClean="0">
+              <a:latin typeface="+mn-ea"/>
+            </a:endParaRPr>
+          </a:p>
+          <a:p>
+            <a:pPr algn="ctr"/>
+            <a:r>
+              <a:rPr lang="ko-KR" altLang="en-US" sz="1600" dirty="0" smtClean="0">
+                <a:latin typeface="+mn-ea"/>
+              </a:rPr>
+              <a:t>고용하자</a:t>
+            </a:r>
+            <a:endParaRPr lang="en-US" altLang="ko-KR" sz="1600" dirty="0" smtClean="0">
               <a:latin typeface="+mn-ea"/>
             </a:endParaRPr>
           </a:p>
@@ -8949,7 +10654,44 @@
           <a:bodyPr rtlCol="0" anchor="ctr"/>
           <a:lstStyle/>
           <a:p>
-            <a:endParaRPr lang="ko-KR" altLang="en-US" sz="1600">
+            <a:pPr algn="ctr"/>
+            <a:r>
+              <a:rPr lang="ko-KR" altLang="en-US" dirty="0" smtClean="0">
+                <a:solidFill>
+                  <a:srgbClr val="71DB29"/>
+                </a:solidFill>
+                <a:latin typeface="+mn-ea"/>
+              </a:rPr>
+              <a:t>흩어져 있는 </a:t>
+            </a:r>
+            <a:r>
+              <a:rPr lang="ko-KR" altLang="en-US" dirty="0" smtClean="0">
+                <a:solidFill>
+                  <a:srgbClr val="71DB29"/>
+                </a:solidFill>
+                <a:latin typeface="+mn-ea"/>
+              </a:rPr>
+              <a:t>이용자</a:t>
+            </a:r>
+            <a:r>
+              <a:rPr lang="ko-KR" altLang="en-US" sz="1600" dirty="0" smtClean="0">
+                <a:latin typeface="+mn-ea"/>
+              </a:rPr>
+              <a:t>를</a:t>
+            </a:r>
+            <a:endParaRPr lang="en-US" altLang="ko-KR" sz="1600" dirty="0" smtClean="0">
+              <a:latin typeface="+mn-ea"/>
+            </a:endParaRPr>
+          </a:p>
+          <a:p>
+            <a:pPr algn="ctr"/>
+            <a:r>
+              <a:rPr lang="ko-KR" altLang="en-US" sz="1600" dirty="0" smtClean="0">
+                <a:latin typeface="+mn-ea"/>
+              </a:rPr>
+              <a:t>한 곳으로 집결시키자</a:t>
+            </a:r>
+            <a:endParaRPr lang="ko-KR" altLang="en-US" sz="1600" dirty="0">
               <a:latin typeface="+mn-ea"/>
             </a:endParaRPr>
           </a:p>
@@ -9003,10 +10745,38 @@
           <a:bodyPr rtlCol="0" anchor="ctr"/>
           <a:lstStyle/>
           <a:p>
-            <a:endParaRPr lang="ko-KR" altLang="en-US" sz="1600">
+            <a:pPr algn="ctr"/>
+            <a:r>
+              <a:rPr lang="ko-KR" altLang="en-US" sz="1600" dirty="0" smtClean="0">
+                <a:latin typeface="+mn-ea"/>
+              </a:rPr>
+              <a:t>기존 방식보다 확연하게</a:t>
+            </a:r>
+            <a:endParaRPr lang="en-US" altLang="ko-KR" sz="1600" dirty="0" smtClean="0">
               <a:latin typeface="+mn-ea"/>
             </a:endParaRPr>
           </a:p>
+          <a:p>
+            <a:pPr algn="ctr"/>
+            <a:r>
+              <a:rPr lang="ko-KR" altLang="en-US" dirty="0">
+                <a:solidFill>
+                  <a:srgbClr val="71DB29"/>
+                </a:solidFill>
+                <a:latin typeface="+mn-ea"/>
+              </a:rPr>
+              <a:t>뛰어난 경험</a:t>
+            </a:r>
+            <a:r>
+              <a:rPr lang="ko-KR" altLang="en-US" sz="1600" dirty="0" smtClean="0">
+                <a:latin typeface="+mn-ea"/>
+              </a:rPr>
+              <a:t>을 제공하자</a:t>
+            </a:r>
+            <a:endParaRPr lang="ko-KR" altLang="en-US" sz="1600" dirty="0">
+              <a:latin typeface="+mn-ea"/>
+            </a:endParaRPr>
+          </a:p>
         </p:txBody>
       </p:sp>
       <p:sp>
@@ -9026,7 +10796,7 @@
           <a:p>
             <a:r>
               <a:rPr lang="ko-KR" altLang="en-US" dirty="0" smtClean="0"/>
-              <a:t>현황분석</a:t>
+              <a:t>구현</a:t>
             </a:r>
             <a:r>
               <a:rPr lang="en-US" altLang="ko-KR" sz="2800" dirty="0" smtClean="0"/>
@@ -9092,7 +10862,7 @@
           <a:p>
             <a:fld id="{88450DA5-2674-45C9-A461-EAD2254577B9}" type="slidenum">
               <a:rPr lang="ko-KR" altLang="en-US" smtClean="0"/>
-              <a:t>8</a:t>
+              <a:t>18</a:t>
             </a:fld>
             <a:endParaRPr lang="ko-KR" altLang="en-US" dirty="0"/>
           </a:p>
@@ -9340,220 +11110,66 @@
           <a:bodyPr rtlCol="0" anchor="ctr"/>
           <a:lstStyle/>
           <a:p>
-            <a:pPr>
+            <a:pPr algn="ctr">
               <a:lnSpc>
                 <a:spcPct val="150000"/>
               </a:lnSpc>
             </a:pPr>
             <a:r>
-              <a:rPr kumimoji="1" lang="en-US" altLang="ko-KR" sz="1200" dirty="0">
+              <a:rPr kumimoji="1" lang="en-US" altLang="ko-KR" sz="1400" b="1" dirty="0" smtClean="0">
                 <a:solidFill>
                   <a:schemeClr val="tx1">
                     <a:lumMod val="75000"/>
                     <a:lumOff val="25000"/>
                   </a:schemeClr>
                 </a:solidFill>
-                <a:latin typeface="Noto Sans KR" panose="020B0500000000000000" pitchFamily="34" charset="-127"/>
                 <a:ea typeface="Noto Sans KR" panose="020B0500000000000000" pitchFamily="34" charset="-127"/>
               </a:rPr>
-              <a:t>※ </a:t>
-            </a:r>
-            <a:r>
-              <a:rPr kumimoji="1" lang="ko-KR" altLang="en-US" sz="1200" dirty="0">
+              <a:t>※ SWOT </a:t>
+            </a:r>
+            <a:r>
+              <a:rPr kumimoji="1" lang="ko-KR" altLang="en-US" sz="1400" b="1" dirty="0" smtClean="0">
                 <a:solidFill>
                   <a:schemeClr val="tx1">
                     <a:lumMod val="75000"/>
                     <a:lumOff val="25000"/>
                   </a:schemeClr>
                 </a:solidFill>
-                <a:latin typeface="Noto Sans KR" panose="020B0500000000000000" pitchFamily="34" charset="-127"/>
                 <a:ea typeface="Noto Sans KR" panose="020B0500000000000000" pitchFamily="34" charset="-127"/>
               </a:rPr>
-              <a:t>작성 순서</a:t>
-            </a:r>
-            <a:endParaRPr kumimoji="1" lang="en-US" altLang="ko-KR" sz="1200" dirty="0">
+              <a:t>분석 결과 </a:t>
+            </a:r>
+            <a:r>
+              <a:rPr kumimoji="1" lang="en-US" altLang="ko-KR" sz="1400" b="1" dirty="0" smtClean="0">
+                <a:solidFill>
+                  <a:schemeClr val="tx1">
+                    <a:lumMod val="75000"/>
+                    <a:lumOff val="25000"/>
+                  </a:schemeClr>
+                </a:solidFill>
+                <a:ea typeface="Noto Sans KR" panose="020B0500000000000000" pitchFamily="34" charset="-127"/>
+              </a:rPr>
+              <a:t>&amp; </a:t>
+            </a:r>
+            <a:r>
+              <a:rPr kumimoji="1" lang="ko-KR" altLang="en-US" sz="1400" b="1" dirty="0" smtClean="0">
+                <a:solidFill>
+                  <a:schemeClr val="tx1">
+                    <a:lumMod val="75000"/>
+                    <a:lumOff val="25000"/>
+                  </a:schemeClr>
+                </a:solidFill>
+                <a:ea typeface="Noto Sans KR" panose="020B0500000000000000" pitchFamily="34" charset="-127"/>
+              </a:rPr>
+              <a:t>전략</a:t>
+            </a:r>
+            <a:endParaRPr kumimoji="1" lang="en-US" altLang="ko-KR" sz="1400" b="1" dirty="0">
               <a:solidFill>
                 <a:schemeClr val="tx1">
                   <a:lumMod val="75000"/>
                   <a:lumOff val="25000"/>
                 </a:schemeClr>
               </a:solidFill>
-              <a:latin typeface="Noto Sans KR" panose="020B0500000000000000" pitchFamily="34" charset="-127"/>
-              <a:ea typeface="Noto Sans KR" panose="020B0500000000000000" pitchFamily="34" charset="-127"/>
-            </a:endParaRPr>
-          </a:p>
-          <a:p>
-            <a:pPr>
-              <a:lnSpc>
-                <a:spcPct val="150000"/>
-              </a:lnSpc>
-            </a:pPr>
-            <a:r>
-              <a:rPr kumimoji="1" lang="ko-KR" altLang="en-US" sz="1200" dirty="0">
-                <a:solidFill>
-                  <a:schemeClr val="tx1">
-                    <a:lumMod val="75000"/>
-                    <a:lumOff val="25000"/>
-                  </a:schemeClr>
-                </a:solidFill>
-                <a:latin typeface="Noto Sans KR" panose="020B0500000000000000" pitchFamily="34" charset="-127"/>
-                <a:ea typeface="Noto Sans KR" panose="020B0500000000000000" pitchFamily="34" charset="-127"/>
-              </a:rPr>
-              <a:t>① 목적 및 목표 설정</a:t>
-            </a:r>
-            <a:endParaRPr kumimoji="1" lang="en-US" altLang="ko-KR" sz="1200" dirty="0">
-              <a:solidFill>
-                <a:schemeClr val="tx1">
-                  <a:lumMod val="75000"/>
-                  <a:lumOff val="25000"/>
-                </a:schemeClr>
-              </a:solidFill>
-              <a:latin typeface="Noto Sans KR" panose="020B0500000000000000" pitchFamily="34" charset="-127"/>
-              <a:ea typeface="Noto Sans KR" panose="020B0500000000000000" pitchFamily="34" charset="-127"/>
-            </a:endParaRPr>
-          </a:p>
-          <a:p>
-            <a:pPr>
-              <a:lnSpc>
-                <a:spcPct val="150000"/>
-              </a:lnSpc>
-            </a:pPr>
-            <a:r>
-              <a:rPr kumimoji="1" lang="ko-KR" altLang="en-US" sz="1200" dirty="0">
-                <a:solidFill>
-                  <a:schemeClr val="tx1">
-                    <a:lumMod val="75000"/>
-                    <a:lumOff val="25000"/>
-                  </a:schemeClr>
-                </a:solidFill>
-                <a:latin typeface="Noto Sans KR" panose="020B0500000000000000" pitchFamily="34" charset="-127"/>
-                <a:ea typeface="Noto Sans KR" panose="020B0500000000000000" pitchFamily="34" charset="-127"/>
-              </a:rPr>
-              <a:t>② 데이터 및 정보 수집</a:t>
-            </a:r>
-            <a:endParaRPr kumimoji="1" lang="en-US" altLang="ko-KR" sz="1200" dirty="0">
-              <a:solidFill>
-                <a:schemeClr val="tx1">
-                  <a:lumMod val="75000"/>
-                  <a:lumOff val="25000"/>
-                </a:schemeClr>
-              </a:solidFill>
-              <a:latin typeface="Noto Sans KR" panose="020B0500000000000000" pitchFamily="34" charset="-127"/>
-              <a:ea typeface="Noto Sans KR" panose="020B0500000000000000" pitchFamily="34" charset="-127"/>
-            </a:endParaRPr>
-          </a:p>
-          <a:p>
-            <a:pPr>
-              <a:lnSpc>
-                <a:spcPct val="150000"/>
-              </a:lnSpc>
-            </a:pPr>
-            <a:r>
-              <a:rPr kumimoji="1" lang="ko-KR" altLang="en-US" sz="1200" dirty="0">
-                <a:solidFill>
-                  <a:schemeClr val="tx1">
-                    <a:lumMod val="75000"/>
-                    <a:lumOff val="25000"/>
-                  </a:schemeClr>
-                </a:solidFill>
-                <a:latin typeface="Noto Sans KR" panose="020B0500000000000000" pitchFamily="34" charset="-127"/>
-                <a:ea typeface="Noto Sans KR" panose="020B0500000000000000" pitchFamily="34" charset="-127"/>
-              </a:rPr>
-              <a:t>③ 강점</a:t>
-            </a:r>
-            <a:r>
-              <a:rPr kumimoji="1" lang="en-US" altLang="ko-KR" sz="1200" dirty="0">
-                <a:solidFill>
-                  <a:schemeClr val="tx1">
-                    <a:lumMod val="75000"/>
-                    <a:lumOff val="25000"/>
-                  </a:schemeClr>
-                </a:solidFill>
-                <a:latin typeface="Noto Sans KR" panose="020B0500000000000000" pitchFamily="34" charset="-127"/>
-                <a:ea typeface="Noto Sans KR" panose="020B0500000000000000" pitchFamily="34" charset="-127"/>
-              </a:rPr>
-              <a:t>, </a:t>
-            </a:r>
-            <a:r>
-              <a:rPr kumimoji="1" lang="ko-KR" altLang="en-US" sz="1200" dirty="0">
-                <a:solidFill>
-                  <a:schemeClr val="tx1">
-                    <a:lumMod val="75000"/>
-                    <a:lumOff val="25000"/>
-                  </a:schemeClr>
-                </a:solidFill>
-                <a:latin typeface="Noto Sans KR" panose="020B0500000000000000" pitchFamily="34" charset="-127"/>
-                <a:ea typeface="Noto Sans KR" panose="020B0500000000000000" pitchFamily="34" charset="-127"/>
-              </a:rPr>
-              <a:t>약점</a:t>
-            </a:r>
-            <a:r>
-              <a:rPr kumimoji="1" lang="en-US" altLang="ko-KR" sz="1200" dirty="0">
-                <a:solidFill>
-                  <a:schemeClr val="tx1">
-                    <a:lumMod val="75000"/>
-                    <a:lumOff val="25000"/>
-                  </a:schemeClr>
-                </a:solidFill>
-                <a:latin typeface="Noto Sans KR" panose="020B0500000000000000" pitchFamily="34" charset="-127"/>
-                <a:ea typeface="Noto Sans KR" panose="020B0500000000000000" pitchFamily="34" charset="-127"/>
-              </a:rPr>
-              <a:t>, </a:t>
-            </a:r>
-            <a:r>
-              <a:rPr kumimoji="1" lang="ko-KR" altLang="en-US" sz="1200" dirty="0">
-                <a:solidFill>
-                  <a:schemeClr val="tx1">
-                    <a:lumMod val="75000"/>
-                    <a:lumOff val="25000"/>
-                  </a:schemeClr>
-                </a:solidFill>
-                <a:latin typeface="Noto Sans KR" panose="020B0500000000000000" pitchFamily="34" charset="-127"/>
-                <a:ea typeface="Noto Sans KR" panose="020B0500000000000000" pitchFamily="34" charset="-127"/>
-              </a:rPr>
-              <a:t>기회 및 위협 식별 </a:t>
-            </a:r>
-            <a:r>
-              <a:rPr kumimoji="1" lang="en-US" altLang="ko-KR" sz="1200" dirty="0">
-                <a:solidFill>
-                  <a:schemeClr val="tx1">
-                    <a:lumMod val="75000"/>
-                    <a:lumOff val="25000"/>
-                  </a:schemeClr>
-                </a:solidFill>
-                <a:latin typeface="Noto Sans KR" panose="020B0500000000000000" pitchFamily="34" charset="-127"/>
-                <a:ea typeface="Noto Sans KR" panose="020B0500000000000000" pitchFamily="34" charset="-127"/>
-              </a:rPr>
-              <a:t>-&gt; SWOT</a:t>
-            </a:r>
-          </a:p>
-          <a:p>
-            <a:pPr>
-              <a:lnSpc>
-                <a:spcPct val="150000"/>
-              </a:lnSpc>
-            </a:pPr>
-            <a:r>
-              <a:rPr kumimoji="1" lang="ko-KR" altLang="en-US" sz="1200" dirty="0">
-                <a:solidFill>
-                  <a:schemeClr val="tx1">
-                    <a:lumMod val="75000"/>
-                    <a:lumOff val="25000"/>
-                  </a:schemeClr>
-                </a:solidFill>
-                <a:latin typeface="Noto Sans KR" panose="020B0500000000000000" pitchFamily="34" charset="-127"/>
-                <a:ea typeface="Noto Sans KR" panose="020B0500000000000000" pitchFamily="34" charset="-127"/>
-              </a:rPr>
-              <a:t>④ 실행 전략 수립</a:t>
-            </a:r>
-            <a:endParaRPr kumimoji="1" lang="en-US" altLang="ko-KR" sz="1200" dirty="0">
-              <a:solidFill>
-                <a:schemeClr val="tx1">
-                  <a:lumMod val="75000"/>
-                  <a:lumOff val="25000"/>
-                </a:schemeClr>
-              </a:solidFill>
-              <a:latin typeface="Noto Sans KR" panose="020B0500000000000000" pitchFamily="34" charset="-127"/>
               <a:ea typeface="Noto Sans KR" panose="020B0500000000000000" pitchFamily="34" charset="-127"/>
             </a:endParaRPr>
           </a:p>
@@ -9916,8 +11532,7 @@
           </a:prstGeom>
           <a:solidFill>
             <a:schemeClr val="tx1">
-              <a:lumMod val="65000"/>
-              <a:lumOff val="35000"/>
+              <a:lumMod val="85000"/>
             </a:schemeClr>
           </a:solidFill>
         </p:spPr>
@@ -9996,8 +11611,7 @@
           </a:prstGeom>
           <a:solidFill>
             <a:schemeClr val="tx1">
-              <a:lumMod val="65000"/>
-              <a:lumOff val="35000"/>
+              <a:lumMod val="85000"/>
             </a:schemeClr>
           </a:solidFill>
         </p:spPr>
@@ -10076,8 +11690,7 @@
           </a:prstGeom>
           <a:solidFill>
             <a:schemeClr val="tx1">
-              <a:lumMod val="65000"/>
-              <a:lumOff val="35000"/>
+              <a:lumMod val="85000"/>
             </a:schemeClr>
           </a:solidFill>
         </p:spPr>
@@ -10156,8 +11769,7 @@
           </a:prstGeom>
           <a:solidFill>
             <a:schemeClr val="tx1">
-              <a:lumMod val="65000"/>
-              <a:lumOff val="35000"/>
+              <a:lumMod val="85000"/>
             </a:schemeClr>
           </a:solidFill>
         </p:spPr>
@@ -10260,20 +11872,12 @@
           <a:bodyPr rtlCol="0" anchor="ctr"/>
           <a:lstStyle/>
           <a:p>
-            <a:pPr marL="342900" indent="-342900">
-              <a:buAutoNum type="arabicPeriod"/>
-            </a:pPr>
+            <a:pPr algn="ctr"/>
             <a:r>
               <a:rPr lang="ko-KR" altLang="en-US" sz="1600" dirty="0" smtClean="0">
                 <a:latin typeface="+mn-ea"/>
               </a:rPr>
-              <a:t>앱 </a:t>
-            </a:r>
-            <a:r>
-              <a:rPr lang="ko-KR" altLang="en-US" sz="1600" smtClean="0">
-                <a:latin typeface="+mn-ea"/>
-              </a:rPr>
-              <a:t>기획 능력</a:t>
+              <a:t>앱 기획 능력</a:t>
             </a:r>
             <a:endParaRPr lang="ko-KR" altLang="en-US" sz="1600" dirty="0">
               <a:latin typeface="+mn-ea"/>
@@ -10329,7 +11933,14 @@
           <a:bodyPr rtlCol="0" anchor="ctr"/>
           <a:lstStyle/>
           <a:p>
-            <a:endParaRPr lang="ko-KR" altLang="en-US" sz="1600">
+            <a:pPr algn="ctr"/>
+            <a:r>
+              <a:rPr lang="ko-KR" altLang="en-US" sz="1600" dirty="0" smtClean="0">
+                <a:latin typeface="+mn-ea"/>
+              </a:rPr>
+              <a:t>개발 능력 부족</a:t>
+            </a:r>
+            <a:endParaRPr lang="ko-KR" altLang="en-US" sz="1600" dirty="0">
               <a:latin typeface="+mn-ea"/>
             </a:endParaRPr>
           </a:p>
@@ -10383,7 +11994,38 @@
           <a:bodyPr rtlCol="0" anchor="ctr"/>
           <a:lstStyle/>
           <a:p>
-            <a:endParaRPr lang="ko-KR" altLang="en-US" sz="1600">
+            <a:pPr algn="ctr"/>
+            <a:r>
+              <a:rPr lang="ko-KR" altLang="en-US" sz="1600" dirty="0" smtClean="0">
+                <a:latin typeface="+mn-ea"/>
+              </a:rPr>
+              <a:t>정부 창업</a:t>
+            </a:r>
+            <a:r>
+              <a:rPr lang="en-US" altLang="ko-KR" sz="1600" dirty="0">
+                <a:latin typeface="+mn-ea"/>
+              </a:rPr>
+              <a:t> </a:t>
+            </a:r>
+            <a:r>
+              <a:rPr lang="ko-KR" altLang="en-US" sz="1600" dirty="0" smtClean="0">
+                <a:latin typeface="+mn-ea"/>
+              </a:rPr>
+              <a:t>지원</a:t>
+            </a:r>
+            <a:endParaRPr lang="en-US" altLang="ko-KR" sz="1600" dirty="0" smtClean="0">
+              <a:latin typeface="+mn-ea"/>
+            </a:endParaRPr>
+          </a:p>
+          <a:p>
+            <a:pPr algn="ctr"/>
+            <a:r>
+              <a:rPr lang="ko-KR" altLang="en-US" sz="1600" dirty="0" smtClean="0">
+                <a:latin typeface="+mn-ea"/>
+              </a:rPr>
+              <a:t>예산 증가</a:t>
+            </a:r>
+            <a:endParaRPr lang="ko-KR" altLang="en-US" sz="1600" dirty="0">
               <a:latin typeface="+mn-ea"/>
             </a:endParaRPr>
           </a:p>
@@ -10437,7 +12079,14 @@
           <a:bodyPr rtlCol="0" anchor="ctr"/>
           <a:lstStyle/>
           <a:p>
-            <a:endParaRPr lang="ko-KR" altLang="en-US" sz="1600">
+            <a:pPr algn="ctr"/>
+            <a:r>
+              <a:rPr lang="ko-KR" altLang="en-US" sz="1600" dirty="0" smtClean="0">
+                <a:latin typeface="+mn-ea"/>
+              </a:rPr>
+              <a:t>소규모 이용자 수</a:t>
+            </a:r>
+            <a:endParaRPr lang="ko-KR" altLang="en-US" sz="1600" dirty="0">
               <a:latin typeface="+mn-ea"/>
             </a:endParaRPr>
           </a:p>
@@ -10447,6 +12096,1682 @@
     <p:extLst>
       <p:ext uri="{BB962C8B-B14F-4D97-AF65-F5344CB8AC3E}">
         <p14:creationId xmlns:p14="http://schemas.microsoft.com/office/powerpoint/2010/main" val="2671037020"/>
+      </p:ext>
+    </p:extLst>
+  </p:cSld>
+  <p:clrMapOvr>
+    <a:masterClrMapping/>
+  </p:clrMapOvr>
+  <p:timing>
+    <p:tnLst>
+      <p:par>
+        <p:cTn id="1" dur="indefinite" restart="never" nodeType="tmRoot"/>
+      </p:par>
+    </p:tnLst>
+  </p:timing>
+</p:sld>
+</file>
+
+<file path=ppt/slides/slide2.xml><?xml version="1.0" encoding="utf-8"?>
+<p:sld xmlns:a="http://schemas.openxmlformats.org/drawingml/2006/main" xmlns:r="http://schemas.openxmlformats.org/officeDocument/2006/relationships" xmlns:p="http://schemas.openxmlformats.org/presentationml/2006/main">
+  <p:cSld>
+    <p:bg>
+      <p:bgPr>
+        <a:solidFill>
+          <a:schemeClr val="bg1">
+            <a:tint val="95000"/>
+            <a:satMod val="170000"/>
+          </a:schemeClr>
+        </a:solidFill>
+        <a:effectLst/>
+      </p:bgPr>
+    </p:bg>
+    <p:spTree>
+      <p:nvGrpSpPr>
+        <p:cNvPr id="1" name=""/>
+        <p:cNvGrpSpPr/>
+        <p:nvPr/>
+      </p:nvGrpSpPr>
+      <p:grpSpPr>
+        <a:xfrm>
+          <a:off x="0" y="0"/>
+          <a:ext cx="0" cy="0"/>
+          <a:chOff x="0" y="0"/>
+          <a:chExt cx="0" cy="0"/>
+        </a:xfrm>
+      </p:grpSpPr>
+      <p:sp>
+        <p:nvSpPr>
+          <p:cNvPr id="2" name="제목 1"/>
+          <p:cNvSpPr>
+            <a:spLocks noGrp="1"/>
+          </p:cNvSpPr>
+          <p:nvPr>
+            <p:ph type="title"/>
+          </p:nvPr>
+        </p:nvSpPr>
+        <p:spPr/>
+        <p:txBody>
+          <a:bodyPr/>
+          <a:lstStyle/>
+          <a:p>
+            <a:r>
+              <a:rPr lang="ko-KR" altLang="en-US" dirty="0" smtClean="0"/>
+              <a:t>목차</a:t>
+            </a:r>
+            <a:endParaRPr lang="ko-KR" altLang="en-US" dirty="0"/>
+          </a:p>
+        </p:txBody>
+      </p:sp>
+      <p:sp>
+        <p:nvSpPr>
+          <p:cNvPr id="3" name="내용 개체 틀 2"/>
+          <p:cNvSpPr>
+            <a:spLocks noGrp="1"/>
+          </p:cNvSpPr>
+          <p:nvPr>
+            <p:ph idx="1"/>
+          </p:nvPr>
+        </p:nvSpPr>
+        <p:spPr/>
+        <p:txBody>
+          <a:bodyPr/>
+          <a:lstStyle/>
+          <a:p>
+            <a:pPr marL="514350" indent="-514350">
+              <a:buFont typeface="+mj-lt"/>
+              <a:buAutoNum type="arabicPeriod"/>
+            </a:pPr>
+            <a:r>
+              <a:rPr lang="ko-KR" altLang="en-US" dirty="0" smtClean="0"/>
+              <a:t>현황분석</a:t>
+            </a:r>
+            <a:endParaRPr lang="en-US" altLang="ko-KR" dirty="0" smtClean="0"/>
+          </a:p>
+          <a:p>
+            <a:pPr marL="514350" indent="-514350">
+              <a:buFont typeface="+mj-lt"/>
+              <a:buAutoNum type="arabicPeriod"/>
+            </a:pPr>
+            <a:r>
+              <a:rPr lang="ko-KR" altLang="en-US" dirty="0" smtClean="0"/>
+              <a:t>타겟 설정</a:t>
+            </a:r>
+            <a:endParaRPr lang="en-US" altLang="ko-KR" dirty="0" smtClean="0"/>
+          </a:p>
+          <a:p>
+            <a:pPr marL="514350" indent="-514350">
+              <a:buFont typeface="+mj-lt"/>
+              <a:buAutoNum type="arabicPeriod"/>
+            </a:pPr>
+            <a:r>
+              <a:rPr lang="ko-KR" altLang="en-US" dirty="0" smtClean="0"/>
+              <a:t>컨셉 도출</a:t>
+            </a:r>
+            <a:endParaRPr lang="en-US" altLang="ko-KR" dirty="0" smtClean="0"/>
+          </a:p>
+          <a:p>
+            <a:pPr marL="514350" indent="-514350">
+              <a:buFont typeface="+mj-lt"/>
+              <a:buAutoNum type="arabicPeriod"/>
+            </a:pPr>
+            <a:r>
+              <a:rPr lang="ko-KR" altLang="en-US" dirty="0" smtClean="0"/>
+              <a:t>스토리보드</a:t>
+            </a:r>
+            <a:endParaRPr lang="en-US" altLang="ko-KR" dirty="0" smtClean="0"/>
+          </a:p>
+          <a:p>
+            <a:pPr marL="514350" indent="-514350">
+              <a:buFont typeface="+mj-lt"/>
+              <a:buAutoNum type="arabicPeriod"/>
+            </a:pPr>
+            <a:r>
+              <a:rPr lang="ko-KR" altLang="en-US" dirty="0" smtClean="0"/>
+              <a:t>구현</a:t>
+            </a:r>
+            <a:endParaRPr lang="en-US" altLang="ko-KR" dirty="0" smtClean="0"/>
+          </a:p>
+          <a:p>
+            <a:pPr marL="514350" indent="-514350">
+              <a:buFont typeface="+mj-lt"/>
+              <a:buAutoNum type="arabicPeriod"/>
+            </a:pPr>
+            <a:r>
+              <a:rPr lang="ko-KR" altLang="en-US" dirty="0" smtClean="0"/>
+              <a:t>프로모션 계획</a:t>
+            </a:r>
+            <a:endParaRPr lang="en-US" altLang="ko-KR" dirty="0" smtClean="0"/>
+          </a:p>
+          <a:p>
+            <a:pPr marL="514350" indent="-514350">
+              <a:buFont typeface="+mj-lt"/>
+              <a:buAutoNum type="arabicPeriod"/>
+            </a:pPr>
+            <a:r>
+              <a:rPr lang="ko-KR" altLang="en-US" dirty="0" smtClean="0"/>
+              <a:t>향후 계획</a:t>
+            </a:r>
+            <a:endParaRPr lang="ko-KR" altLang="en-US" dirty="0"/>
+          </a:p>
+        </p:txBody>
+      </p:sp>
+      <p:sp>
+        <p:nvSpPr>
+          <p:cNvPr id="5" name="바닥글 개체 틀 4"/>
+          <p:cNvSpPr>
+            <a:spLocks noGrp="1"/>
+          </p:cNvSpPr>
+          <p:nvPr>
+            <p:ph type="ftr" sz="quarter" idx="11"/>
+          </p:nvPr>
+        </p:nvSpPr>
+        <p:spPr/>
+        <p:txBody>
+          <a:bodyPr/>
+          <a:lstStyle/>
+          <a:p>
+            <a:r>
+              <a:rPr lang="en-US" altLang="ko-KR" dirty="0" smtClean="0"/>
+              <a:t>202034017 </a:t>
+            </a:r>
+            <a:r>
+              <a:rPr lang="ko-KR" altLang="en-US" dirty="0" smtClean="0"/>
+              <a:t>최영수 앱 기획 자료</a:t>
+            </a:r>
+            <a:endParaRPr lang="ko-KR" altLang="en-US" dirty="0"/>
+          </a:p>
+        </p:txBody>
+      </p:sp>
+      <p:sp>
+        <p:nvSpPr>
+          <p:cNvPr id="4" name="슬라이드 번호 개체 틀 3"/>
+          <p:cNvSpPr>
+            <a:spLocks noGrp="1"/>
+          </p:cNvSpPr>
+          <p:nvPr>
+            <p:ph type="sldNum" sz="quarter" idx="12"/>
+          </p:nvPr>
+        </p:nvSpPr>
+        <p:spPr/>
+        <p:txBody>
+          <a:bodyPr/>
+          <a:lstStyle/>
+          <a:p>
+            <a:fld id="{88450DA5-2674-45C9-A461-EAD2254577B9}" type="slidenum">
+              <a:rPr lang="ko-KR" altLang="en-US" smtClean="0"/>
+              <a:t>2</a:t>
+            </a:fld>
+            <a:endParaRPr lang="ko-KR" altLang="en-US" dirty="0"/>
+          </a:p>
+        </p:txBody>
+      </p:sp>
+    </p:spTree>
+    <p:extLst>
+      <p:ext uri="{BB962C8B-B14F-4D97-AF65-F5344CB8AC3E}">
+        <p14:creationId xmlns:p14="http://schemas.microsoft.com/office/powerpoint/2010/main" val="2657829037"/>
+      </p:ext>
+    </p:extLst>
+  </p:cSld>
+  <p:clrMapOvr>
+    <a:masterClrMapping/>
+  </p:clrMapOvr>
+  <p:timing>
+    <p:tnLst>
+      <p:par>
+        <p:cTn id="1" dur="indefinite" restart="never" nodeType="tmRoot"/>
+      </p:par>
+    </p:tnLst>
+  </p:timing>
+</p:sld>
+</file>
+
+<file path=ppt/slides/slide3.xml><?xml version="1.0" encoding="utf-8"?>
+<p:sld xmlns:a="http://schemas.openxmlformats.org/drawingml/2006/main" xmlns:r="http://schemas.openxmlformats.org/officeDocument/2006/relationships" xmlns:p="http://schemas.openxmlformats.org/presentationml/2006/main">
+  <p:cSld>
+    <p:spTree>
+      <p:nvGrpSpPr>
+        <p:cNvPr id="1" name=""/>
+        <p:cNvGrpSpPr/>
+        <p:nvPr/>
+      </p:nvGrpSpPr>
+      <p:grpSpPr>
+        <a:xfrm>
+          <a:off x="0" y="0"/>
+          <a:ext cx="0" cy="0"/>
+          <a:chOff x="0" y="0"/>
+          <a:chExt cx="0" cy="0"/>
+        </a:xfrm>
+      </p:grpSpPr>
+      <p:sp>
+        <p:nvSpPr>
+          <p:cNvPr id="2" name="제목 1"/>
+          <p:cNvSpPr>
+            <a:spLocks noGrp="1"/>
+          </p:cNvSpPr>
+          <p:nvPr>
+            <p:ph type="title"/>
+          </p:nvPr>
+        </p:nvSpPr>
+        <p:spPr/>
+        <p:txBody>
+          <a:bodyPr/>
+          <a:lstStyle/>
+          <a:p>
+            <a:r>
+              <a:rPr lang="ko-KR" altLang="en-US" dirty="0" smtClean="0"/>
+              <a:t>챕터 제목</a:t>
+            </a:r>
+            <a:r>
+              <a:rPr lang="en-US" altLang="ko-KR" sz="2800" dirty="0" smtClean="0"/>
+              <a:t>_</a:t>
+            </a:r>
+            <a:r>
+              <a:rPr lang="ko-KR" altLang="en-US" sz="2800" dirty="0"/>
+              <a:t>소</a:t>
+            </a:r>
+            <a:r>
+              <a:rPr lang="ko-KR" altLang="en-US" sz="2800" dirty="0" smtClean="0"/>
+              <a:t>제목</a:t>
+            </a:r>
+            <a:endParaRPr lang="ko-KR" altLang="en-US" sz="2800" dirty="0"/>
+          </a:p>
+        </p:txBody>
+      </p:sp>
+      <p:sp>
+        <p:nvSpPr>
+          <p:cNvPr id="3" name="내용 개체 틀 2"/>
+          <p:cNvSpPr>
+            <a:spLocks noGrp="1"/>
+          </p:cNvSpPr>
+          <p:nvPr>
+            <p:ph idx="1"/>
+          </p:nvPr>
+        </p:nvSpPr>
+        <p:spPr/>
+        <p:txBody>
+          <a:bodyPr/>
+          <a:lstStyle/>
+          <a:p>
+            <a:r>
+              <a:rPr lang="ko-KR" altLang="en-US" dirty="0" smtClean="0"/>
+              <a:t>강조 </a:t>
+            </a:r>
+            <a:r>
+              <a:rPr lang="en-US" altLang="ko-KR" dirty="0" smtClean="0"/>
+              <a:t>X, </a:t>
+            </a:r>
+            <a:r>
+              <a:rPr lang="ko-KR" altLang="en-US" dirty="0" smtClean="0"/>
+              <a:t>주황 강조</a:t>
+            </a:r>
+            <a:r>
+              <a:rPr lang="en-US" altLang="ko-KR" dirty="0" smtClean="0"/>
+              <a:t>2 80% </a:t>
+            </a:r>
+            <a:r>
+              <a:rPr lang="ko-KR" altLang="en-US" dirty="0" smtClean="0"/>
+              <a:t>더 밝게</a:t>
+            </a:r>
+            <a:endParaRPr lang="en-US" altLang="ko-KR" dirty="0" smtClean="0"/>
+          </a:p>
+          <a:p>
+            <a:r>
+              <a:rPr lang="ko-KR" altLang="en-US" dirty="0" smtClean="0">
+                <a:solidFill>
+                  <a:schemeClr val="tx1"/>
+                </a:solidFill>
+              </a:rPr>
+              <a:t>강조 </a:t>
+            </a:r>
+            <a:r>
+              <a:rPr lang="en-US" altLang="ko-KR" dirty="0" smtClean="0">
+                <a:solidFill>
+                  <a:schemeClr val="tx1"/>
+                </a:solidFill>
+              </a:rPr>
+              <a:t>O, </a:t>
+            </a:r>
+            <a:r>
+              <a:rPr lang="ko-KR" altLang="en-US" dirty="0" smtClean="0">
+                <a:solidFill>
+                  <a:schemeClr val="tx1"/>
+                </a:solidFill>
+              </a:rPr>
+              <a:t>흰 색 텍스트 </a:t>
+            </a:r>
+            <a:r>
+              <a:rPr lang="en-US" altLang="ko-KR" dirty="0" smtClean="0">
+                <a:solidFill>
+                  <a:schemeClr val="tx1"/>
+                </a:solidFill>
+              </a:rPr>
+              <a:t>1</a:t>
+            </a:r>
+          </a:p>
+          <a:p>
+            <a:r>
+              <a:rPr lang="ko-KR" altLang="en-US" dirty="0" smtClean="0">
+                <a:solidFill>
+                  <a:srgbClr val="00B0F0"/>
+                </a:solidFill>
+              </a:rPr>
+              <a:t>기업 사용자</a:t>
+            </a:r>
+            <a:r>
+              <a:rPr lang="en-US" altLang="ko-KR" dirty="0" smtClean="0">
+                <a:solidFill>
+                  <a:srgbClr val="00B0F0"/>
+                </a:solidFill>
+              </a:rPr>
+              <a:t>, </a:t>
+            </a:r>
+            <a:r>
+              <a:rPr lang="ko-KR" altLang="en-US" dirty="0" smtClean="0">
+                <a:solidFill>
+                  <a:srgbClr val="00B0F0"/>
+                </a:solidFill>
+              </a:rPr>
+              <a:t>표준 색 연한 파랑</a:t>
+            </a:r>
+            <a:endParaRPr lang="en-US" altLang="ko-KR" dirty="0" smtClean="0">
+              <a:solidFill>
+                <a:srgbClr val="00B0F0"/>
+              </a:solidFill>
+            </a:endParaRPr>
+          </a:p>
+          <a:p>
+            <a:r>
+              <a:rPr lang="ko-KR" altLang="en-US" dirty="0" smtClean="0">
+                <a:solidFill>
+                  <a:srgbClr val="71DB29"/>
+                </a:solidFill>
+              </a:rPr>
+              <a:t>개인 사용자</a:t>
+            </a:r>
+            <a:r>
+              <a:rPr lang="en-US" altLang="ko-KR" dirty="0" smtClean="0">
+                <a:solidFill>
+                  <a:srgbClr val="71DB29"/>
+                </a:solidFill>
+              </a:rPr>
+              <a:t>-</a:t>
+            </a:r>
+            <a:r>
+              <a:rPr lang="ko-KR" altLang="en-US" dirty="0" smtClean="0">
+                <a:solidFill>
+                  <a:srgbClr val="71DB29"/>
+                </a:solidFill>
+              </a:rPr>
+              <a:t>팀장</a:t>
+            </a:r>
+            <a:r>
+              <a:rPr lang="en-US" altLang="ko-KR" dirty="0" smtClean="0">
+                <a:solidFill>
+                  <a:srgbClr val="71DB29"/>
+                </a:solidFill>
+              </a:rPr>
+              <a:t>, 113/219/41</a:t>
+            </a:r>
+          </a:p>
+          <a:p>
+            <a:r>
+              <a:rPr lang="ko-KR" altLang="en-US" dirty="0" smtClean="0">
+                <a:solidFill>
+                  <a:schemeClr val="accent6">
+                    <a:lumMod val="60000"/>
+                    <a:lumOff val="40000"/>
+                  </a:schemeClr>
+                </a:solidFill>
+              </a:rPr>
+              <a:t>개인 사용자</a:t>
+            </a:r>
+            <a:r>
+              <a:rPr lang="en-US" altLang="ko-KR" dirty="0" smtClean="0">
+                <a:solidFill>
+                  <a:schemeClr val="accent6">
+                    <a:lumMod val="60000"/>
+                    <a:lumOff val="40000"/>
+                  </a:schemeClr>
+                </a:solidFill>
+              </a:rPr>
+              <a:t>-</a:t>
+            </a:r>
+            <a:r>
+              <a:rPr lang="ko-KR" altLang="en-US" dirty="0" smtClean="0">
+                <a:solidFill>
+                  <a:schemeClr val="accent6">
+                    <a:lumMod val="60000"/>
+                    <a:lumOff val="40000"/>
+                  </a:schemeClr>
+                </a:solidFill>
+              </a:rPr>
+              <a:t>팀원</a:t>
+            </a:r>
+            <a:r>
+              <a:rPr lang="en-US" altLang="ko-KR" dirty="0" smtClean="0">
+                <a:solidFill>
+                  <a:schemeClr val="accent6">
+                    <a:lumMod val="60000"/>
+                    <a:lumOff val="40000"/>
+                  </a:schemeClr>
+                </a:solidFill>
+              </a:rPr>
+              <a:t>, </a:t>
+            </a:r>
+            <a:r>
+              <a:rPr lang="ko-KR" altLang="en-US" dirty="0" smtClean="0">
+                <a:solidFill>
+                  <a:schemeClr val="accent6">
+                    <a:lumMod val="60000"/>
+                    <a:lumOff val="40000"/>
+                  </a:schemeClr>
+                </a:solidFill>
+              </a:rPr>
+              <a:t>녹색 강조</a:t>
+            </a:r>
+            <a:r>
+              <a:rPr lang="en-US" altLang="ko-KR" dirty="0" smtClean="0">
+                <a:solidFill>
+                  <a:schemeClr val="accent6">
+                    <a:lumMod val="60000"/>
+                    <a:lumOff val="40000"/>
+                  </a:schemeClr>
+                </a:solidFill>
+              </a:rPr>
+              <a:t>6 40% </a:t>
+            </a:r>
+            <a:r>
+              <a:rPr lang="ko-KR" altLang="en-US" dirty="0" smtClean="0">
+                <a:solidFill>
+                  <a:schemeClr val="accent6">
+                    <a:lumMod val="60000"/>
+                    <a:lumOff val="40000"/>
+                  </a:schemeClr>
+                </a:solidFill>
+              </a:rPr>
+              <a:t>더 밝게</a:t>
+            </a:r>
+            <a:endParaRPr lang="en-US" altLang="ko-KR" dirty="0" smtClean="0">
+              <a:solidFill>
+                <a:schemeClr val="accent6">
+                  <a:lumMod val="60000"/>
+                  <a:lumOff val="40000"/>
+                </a:schemeClr>
+              </a:solidFill>
+            </a:endParaRPr>
+          </a:p>
+          <a:p>
+            <a:pPr marL="0" indent="0">
+              <a:buNone/>
+            </a:pPr>
+            <a:endParaRPr lang="en-US" altLang="ko-KR" dirty="0" smtClean="0">
+              <a:solidFill>
+                <a:schemeClr val="accent6">
+                  <a:lumMod val="60000"/>
+                  <a:lumOff val="40000"/>
+                </a:schemeClr>
+              </a:solidFill>
+            </a:endParaRPr>
+          </a:p>
+          <a:p>
+            <a:endParaRPr lang="en-US" altLang="ko-KR" dirty="0" smtClean="0"/>
+          </a:p>
+          <a:p>
+            <a:endParaRPr lang="ko-KR" altLang="en-US" dirty="0"/>
+          </a:p>
+        </p:txBody>
+      </p:sp>
+      <p:sp>
+        <p:nvSpPr>
+          <p:cNvPr id="5" name="바닥글 개체 틀 4"/>
+          <p:cNvSpPr>
+            <a:spLocks noGrp="1"/>
+          </p:cNvSpPr>
+          <p:nvPr>
+            <p:ph type="ftr" sz="quarter" idx="11"/>
+          </p:nvPr>
+        </p:nvSpPr>
+        <p:spPr/>
+        <p:txBody>
+          <a:bodyPr/>
+          <a:lstStyle/>
+          <a:p>
+            <a:r>
+              <a:rPr lang="en-US" altLang="ko-KR" dirty="0" smtClean="0"/>
+              <a:t>202034017 </a:t>
+            </a:r>
+            <a:r>
+              <a:rPr lang="ko-KR" altLang="en-US" dirty="0" smtClean="0"/>
+              <a:t>최영수 앱 기획 자료</a:t>
+            </a:r>
+            <a:endParaRPr lang="ko-KR" altLang="en-US" dirty="0"/>
+          </a:p>
+        </p:txBody>
+      </p:sp>
+      <p:sp>
+        <p:nvSpPr>
+          <p:cNvPr id="4" name="슬라이드 번호 개체 틀 3"/>
+          <p:cNvSpPr>
+            <a:spLocks noGrp="1"/>
+          </p:cNvSpPr>
+          <p:nvPr>
+            <p:ph type="sldNum" sz="quarter" idx="12"/>
+          </p:nvPr>
+        </p:nvSpPr>
+        <p:spPr/>
+        <p:txBody>
+          <a:bodyPr/>
+          <a:lstStyle/>
+          <a:p>
+            <a:fld id="{88450DA5-2674-45C9-A461-EAD2254577B9}" type="slidenum">
+              <a:rPr lang="ko-KR" altLang="en-US" smtClean="0"/>
+              <a:t>3</a:t>
+            </a:fld>
+            <a:endParaRPr lang="ko-KR" altLang="en-US" dirty="0"/>
+          </a:p>
+        </p:txBody>
+      </p:sp>
+    </p:spTree>
+    <p:extLst>
+      <p:ext uri="{BB962C8B-B14F-4D97-AF65-F5344CB8AC3E}">
+        <p14:creationId xmlns:p14="http://schemas.microsoft.com/office/powerpoint/2010/main" val="1001178248"/>
+      </p:ext>
+    </p:extLst>
+  </p:cSld>
+  <p:clrMapOvr>
+    <a:masterClrMapping/>
+  </p:clrMapOvr>
+  <p:timing>
+    <p:tnLst>
+      <p:par>
+        <p:cTn id="1" dur="indefinite" restart="never" nodeType="tmRoot"/>
+      </p:par>
+    </p:tnLst>
+  </p:timing>
+</p:sld>
+</file>
+
+<file path=ppt/slides/slide4.xml><?xml version="1.0" encoding="utf-8"?>
+<p:sld xmlns:a="http://schemas.openxmlformats.org/drawingml/2006/main" xmlns:r="http://schemas.openxmlformats.org/officeDocument/2006/relationships" xmlns:p="http://schemas.openxmlformats.org/presentationml/2006/main">
+  <p:cSld>
+    <p:spTree>
+      <p:nvGrpSpPr>
+        <p:cNvPr id="1" name=""/>
+        <p:cNvGrpSpPr/>
+        <p:nvPr/>
+      </p:nvGrpSpPr>
+      <p:grpSpPr>
+        <a:xfrm>
+          <a:off x="0" y="0"/>
+          <a:ext cx="0" cy="0"/>
+          <a:chOff x="0" y="0"/>
+          <a:chExt cx="0" cy="0"/>
+        </a:xfrm>
+      </p:grpSpPr>
+      <p:pic>
+        <p:nvPicPr>
+          <p:cNvPr id="6" name="그림 5"/>
+          <p:cNvPicPr>
+            <a:picLocks noChangeAspect="1"/>
+          </p:cNvPicPr>
+          <p:nvPr/>
+        </p:nvPicPr>
+        <p:blipFill>
+          <a:blip r:embed="rId3">
+            <a:extLst>
+              <a:ext uri="{BEBA8EAE-BF5A-486C-A8C5-ECC9F3942E4B}">
+                <a14:imgProps xmlns:a14="http://schemas.microsoft.com/office/drawing/2010/main">
+                  <a14:imgLayer r:embed="rId4">
+                    <a14:imgEffect>
+                      <a14:artisticBlur/>
+                    </a14:imgEffect>
+                    <a14:imgEffect>
+                      <a14:brightnessContrast bright="-70000"/>
+                    </a14:imgEffect>
+                  </a14:imgLayer>
+                </a14:imgProps>
+              </a:ext>
+              <a:ext uri="{28A0092B-C50C-407E-A947-70E740481C1C}">
+                <a14:useLocalDpi xmlns:a14="http://schemas.microsoft.com/office/drawing/2010/main" val="0"/>
+              </a:ext>
+            </a:extLst>
+          </a:blip>
+          <a:stretch>
+            <a:fillRect/>
+          </a:stretch>
+        </p:blipFill>
+        <p:spPr>
+          <a:xfrm>
+            <a:off x="952500" y="0"/>
+            <a:ext cx="10287000" cy="6858000"/>
+          </a:xfrm>
+          <a:prstGeom prst="rect">
+            <a:avLst/>
+          </a:prstGeom>
+          <a:noFill/>
+          <a:effectLst>
+            <a:softEdge rad="1270000"/>
+          </a:effectLst>
+        </p:spPr>
+      </p:pic>
+      <p:sp>
+        <p:nvSpPr>
+          <p:cNvPr id="2" name="제목 1"/>
+          <p:cNvSpPr>
+            <a:spLocks noGrp="1"/>
+          </p:cNvSpPr>
+          <p:nvPr>
+            <p:ph type="title"/>
+          </p:nvPr>
+        </p:nvSpPr>
+        <p:spPr/>
+        <p:txBody>
+          <a:bodyPr/>
+          <a:lstStyle/>
+          <a:p>
+            <a:r>
+              <a:rPr lang="ko-KR" altLang="en-US" dirty="0" smtClean="0"/>
+              <a:t>상황</a:t>
+            </a:r>
+            <a:r>
+              <a:rPr lang="ko-KR" altLang="en-US" dirty="0" smtClean="0">
+                <a:solidFill>
+                  <a:schemeClr val="accent4"/>
+                </a:solidFill>
+              </a:rPr>
+              <a:t>분석</a:t>
+            </a:r>
+            <a:r>
+              <a:rPr lang="en-US" altLang="ko-KR" sz="2800" dirty="0" smtClean="0">
+                <a:solidFill>
+                  <a:schemeClr val="accent4"/>
+                </a:solidFill>
+              </a:rPr>
+              <a:t>_</a:t>
+            </a:r>
+            <a:r>
+              <a:rPr lang="ko-KR" altLang="en-US" sz="2800" dirty="0" smtClean="0"/>
+              <a:t>현황 파악</a:t>
+            </a:r>
+            <a:endParaRPr lang="ko-KR" altLang="en-US" dirty="0">
+              <a:solidFill>
+                <a:schemeClr val="accent4"/>
+              </a:solidFill>
+            </a:endParaRPr>
+          </a:p>
+        </p:txBody>
+      </p:sp>
+      <p:sp>
+        <p:nvSpPr>
+          <p:cNvPr id="3" name="내용 개체 틀 2"/>
+          <p:cNvSpPr>
+            <a:spLocks noGrp="1"/>
+          </p:cNvSpPr>
+          <p:nvPr>
+            <p:ph idx="1"/>
+          </p:nvPr>
+        </p:nvSpPr>
+        <p:spPr/>
+        <p:txBody>
+          <a:bodyPr/>
+          <a:lstStyle/>
+          <a:p>
+            <a:r>
+              <a:rPr lang="ko-KR" altLang="en-US" b="1" dirty="0" smtClean="0"/>
+              <a:t>게임</a:t>
+            </a:r>
+            <a:r>
+              <a:rPr lang="en-US" altLang="ko-KR" b="1" dirty="0" smtClean="0"/>
+              <a:t>, </a:t>
+            </a:r>
+            <a:r>
+              <a:rPr lang="ko-KR" altLang="en-US" b="1" dirty="0" smtClean="0"/>
+              <a:t>앱 개발 현황</a:t>
+            </a:r>
+            <a:endParaRPr lang="en-US" altLang="ko-KR" b="1" dirty="0" smtClean="0"/>
+          </a:p>
+          <a:p>
+            <a:r>
+              <a:rPr lang="ko-KR" altLang="en-US" b="1" dirty="0" smtClean="0"/>
+              <a:t>공모전 팀 구하기 </a:t>
+            </a:r>
+            <a:r>
+              <a:rPr lang="ko-KR" altLang="en-US" b="1" dirty="0" smtClean="0"/>
+              <a:t>힘들다</a:t>
+            </a:r>
+            <a:endParaRPr lang="en-US" altLang="ko-KR" b="1" dirty="0" smtClean="0"/>
+          </a:p>
+          <a:p>
+            <a:r>
+              <a:rPr lang="ko-KR" altLang="en-US" b="1" dirty="0" smtClean="0"/>
+              <a:t>공모전 참가 팀에게 설문조사</a:t>
+            </a:r>
+            <a:endParaRPr lang="en-US" altLang="ko-KR" b="1" dirty="0" smtClean="0"/>
+          </a:p>
+          <a:p>
+            <a:pPr lvl="1"/>
+            <a:r>
+              <a:rPr lang="ko-KR" altLang="en-US" b="1" dirty="0" smtClean="0"/>
+              <a:t>어떤 방법으로 팀원을 </a:t>
+            </a:r>
+            <a:r>
+              <a:rPr lang="ko-KR" altLang="en-US" b="1" dirty="0" err="1" smtClean="0"/>
+              <a:t>모았나요</a:t>
+            </a:r>
+            <a:r>
+              <a:rPr lang="en-US" altLang="ko-KR" b="1" dirty="0" smtClean="0"/>
+              <a:t>?</a:t>
+            </a:r>
+          </a:p>
+          <a:p>
+            <a:r>
+              <a:rPr lang="ko-KR" altLang="en-US" dirty="0"/>
+              <a:t>공모전 관련 자료 </a:t>
+            </a:r>
+            <a:r>
+              <a:rPr lang="en-US" altLang="ko-KR" dirty="0"/>
+              <a:t>/ </a:t>
+            </a:r>
+            <a:r>
+              <a:rPr lang="ko-KR" altLang="en-US" dirty="0"/>
+              <a:t>이미지</a:t>
+            </a:r>
+            <a:endParaRPr lang="en-US" altLang="ko-KR" dirty="0"/>
+          </a:p>
+          <a:p>
+            <a:r>
+              <a:rPr lang="ko-KR" altLang="en-US" dirty="0"/>
+              <a:t>내용은 팀으로 참가하는 경우 팀원 구성 설문</a:t>
+            </a:r>
+            <a:r>
+              <a:rPr lang="en-US" altLang="ko-KR" dirty="0"/>
+              <a:t>? </a:t>
+            </a:r>
+            <a:r>
+              <a:rPr lang="ko-KR" altLang="en-US" dirty="0"/>
+              <a:t>있으면 좋겠는데</a:t>
+            </a:r>
+            <a:r>
+              <a:rPr lang="en-US" altLang="ko-KR" dirty="0"/>
+              <a:t>(</a:t>
+            </a:r>
+            <a:r>
+              <a:rPr lang="ko-KR" altLang="en-US" dirty="0"/>
+              <a:t>기존 팀 구성의 문제점</a:t>
+            </a:r>
+            <a:r>
+              <a:rPr lang="en-US" altLang="ko-KR" dirty="0"/>
+              <a:t>)</a:t>
+            </a:r>
+          </a:p>
+          <a:p>
+            <a:r>
+              <a:rPr lang="ko-KR" altLang="en-US" dirty="0"/>
+              <a:t>공모전 참가 조건 여러가지 예시</a:t>
+            </a:r>
+            <a:r>
+              <a:rPr lang="en-US" altLang="ko-KR" dirty="0"/>
+              <a:t>(</a:t>
+            </a:r>
+            <a:r>
+              <a:rPr lang="ko-KR" altLang="en-US" dirty="0"/>
+              <a:t>팀 구성에 대한 필요성을 주장</a:t>
+            </a:r>
+            <a:r>
+              <a:rPr lang="en-US" altLang="ko-KR" dirty="0" smtClean="0"/>
+              <a:t>)</a:t>
+            </a:r>
+            <a:endParaRPr lang="en-US" altLang="ko-KR" dirty="0"/>
+          </a:p>
+        </p:txBody>
+      </p:sp>
+      <p:sp>
+        <p:nvSpPr>
+          <p:cNvPr id="5" name="바닥글 개체 틀 4"/>
+          <p:cNvSpPr>
+            <a:spLocks noGrp="1"/>
+          </p:cNvSpPr>
+          <p:nvPr>
+            <p:ph type="ftr" sz="quarter" idx="11"/>
+          </p:nvPr>
+        </p:nvSpPr>
+        <p:spPr/>
+        <p:txBody>
+          <a:bodyPr/>
+          <a:lstStyle/>
+          <a:p>
+            <a:r>
+              <a:rPr lang="en-US" altLang="ko-KR" dirty="0" smtClean="0"/>
+              <a:t>202034017 </a:t>
+            </a:r>
+            <a:r>
+              <a:rPr lang="ko-KR" altLang="en-US" dirty="0" smtClean="0"/>
+              <a:t>최영수 앱 기획 자료</a:t>
+            </a:r>
+            <a:endParaRPr lang="ko-KR" altLang="en-US" dirty="0"/>
+          </a:p>
+        </p:txBody>
+      </p:sp>
+      <p:sp>
+        <p:nvSpPr>
+          <p:cNvPr id="4" name="슬라이드 번호 개체 틀 3"/>
+          <p:cNvSpPr>
+            <a:spLocks noGrp="1"/>
+          </p:cNvSpPr>
+          <p:nvPr>
+            <p:ph type="sldNum" sz="quarter" idx="12"/>
+          </p:nvPr>
+        </p:nvSpPr>
+        <p:spPr/>
+        <p:txBody>
+          <a:bodyPr/>
+          <a:lstStyle/>
+          <a:p>
+            <a:fld id="{88450DA5-2674-45C9-A461-EAD2254577B9}" type="slidenum">
+              <a:rPr lang="ko-KR" altLang="en-US" smtClean="0"/>
+              <a:t>4</a:t>
+            </a:fld>
+            <a:endParaRPr lang="ko-KR" altLang="en-US" dirty="0"/>
+          </a:p>
+        </p:txBody>
+      </p:sp>
+    </p:spTree>
+    <p:extLst>
+      <p:ext uri="{BB962C8B-B14F-4D97-AF65-F5344CB8AC3E}">
+        <p14:creationId xmlns:p14="http://schemas.microsoft.com/office/powerpoint/2010/main" val="1873782481"/>
+      </p:ext>
+    </p:extLst>
+  </p:cSld>
+  <p:clrMapOvr>
+    <a:masterClrMapping/>
+  </p:clrMapOvr>
+  <p:timing>
+    <p:tnLst>
+      <p:par>
+        <p:cTn id="1" dur="indefinite" restart="never" nodeType="tmRoot"/>
+      </p:par>
+    </p:tnLst>
+  </p:timing>
+</p:sld>
+</file>
+
+<file path=ppt/slides/slide5.xml><?xml version="1.0" encoding="utf-8"?>
+<p:sld xmlns:a="http://schemas.openxmlformats.org/drawingml/2006/main" xmlns:r="http://schemas.openxmlformats.org/officeDocument/2006/relationships" xmlns:p="http://schemas.openxmlformats.org/presentationml/2006/main">
+  <p:cSld>
+    <p:spTree>
+      <p:nvGrpSpPr>
+        <p:cNvPr id="1" name=""/>
+        <p:cNvGrpSpPr/>
+        <p:nvPr/>
+      </p:nvGrpSpPr>
+      <p:grpSpPr>
+        <a:xfrm>
+          <a:off x="0" y="0"/>
+          <a:ext cx="0" cy="0"/>
+          <a:chOff x="0" y="0"/>
+          <a:chExt cx="0" cy="0"/>
+        </a:xfrm>
+      </p:grpSpPr>
+      <p:sp>
+        <p:nvSpPr>
+          <p:cNvPr id="2" name="제목 1"/>
+          <p:cNvSpPr>
+            <a:spLocks noGrp="1"/>
+          </p:cNvSpPr>
+          <p:nvPr>
+            <p:ph type="title"/>
+          </p:nvPr>
+        </p:nvSpPr>
+        <p:spPr/>
+        <p:txBody>
+          <a:bodyPr/>
+          <a:lstStyle/>
+          <a:p>
+            <a:r>
+              <a:rPr lang="ko-KR" altLang="en-US" dirty="0" smtClean="0"/>
+              <a:t>상황</a:t>
+            </a:r>
+            <a:r>
+              <a:rPr lang="ko-KR" altLang="en-US" dirty="0" smtClean="0"/>
+              <a:t>분석</a:t>
+            </a:r>
+            <a:r>
+              <a:rPr lang="en-US" altLang="ko-KR" sz="2800" dirty="0" smtClean="0"/>
+              <a:t>_</a:t>
+            </a:r>
+            <a:r>
+              <a:rPr lang="ko-KR" altLang="en-US" sz="2800" dirty="0" smtClean="0"/>
+              <a:t>문제점 도출</a:t>
+            </a:r>
+            <a:endParaRPr lang="ko-KR" altLang="en-US" dirty="0"/>
+          </a:p>
+        </p:txBody>
+      </p:sp>
+      <p:sp>
+        <p:nvSpPr>
+          <p:cNvPr id="3" name="내용 개체 틀 2"/>
+          <p:cNvSpPr>
+            <a:spLocks noGrp="1"/>
+          </p:cNvSpPr>
+          <p:nvPr>
+            <p:ph idx="1"/>
+          </p:nvPr>
+        </p:nvSpPr>
+        <p:spPr/>
+        <p:txBody>
+          <a:bodyPr/>
+          <a:lstStyle/>
+          <a:p>
+            <a:r>
+              <a:rPr lang="ko-KR" altLang="en-US" dirty="0" smtClean="0"/>
+              <a:t>기존에는 이런 문제가 있다</a:t>
+            </a:r>
+            <a:endParaRPr lang="en-US" altLang="ko-KR" dirty="0" smtClean="0"/>
+          </a:p>
+          <a:p>
+            <a:endParaRPr lang="ko-KR" altLang="en-US" dirty="0"/>
+          </a:p>
+        </p:txBody>
+      </p:sp>
+      <p:sp>
+        <p:nvSpPr>
+          <p:cNvPr id="5" name="바닥글 개체 틀 4"/>
+          <p:cNvSpPr>
+            <a:spLocks noGrp="1"/>
+          </p:cNvSpPr>
+          <p:nvPr>
+            <p:ph type="ftr" sz="quarter" idx="11"/>
+          </p:nvPr>
+        </p:nvSpPr>
+        <p:spPr/>
+        <p:txBody>
+          <a:bodyPr/>
+          <a:lstStyle/>
+          <a:p>
+            <a:r>
+              <a:rPr lang="en-US" altLang="ko-KR" dirty="0" smtClean="0"/>
+              <a:t>202034017 </a:t>
+            </a:r>
+            <a:r>
+              <a:rPr lang="ko-KR" altLang="en-US" dirty="0" smtClean="0"/>
+              <a:t>최영수 앱 기획 자료</a:t>
+            </a:r>
+            <a:endParaRPr lang="ko-KR" altLang="en-US" dirty="0"/>
+          </a:p>
+        </p:txBody>
+      </p:sp>
+      <p:sp>
+        <p:nvSpPr>
+          <p:cNvPr id="4" name="슬라이드 번호 개체 틀 3"/>
+          <p:cNvSpPr>
+            <a:spLocks noGrp="1"/>
+          </p:cNvSpPr>
+          <p:nvPr>
+            <p:ph type="sldNum" sz="quarter" idx="12"/>
+          </p:nvPr>
+        </p:nvSpPr>
+        <p:spPr/>
+        <p:txBody>
+          <a:bodyPr/>
+          <a:lstStyle/>
+          <a:p>
+            <a:fld id="{88450DA5-2674-45C9-A461-EAD2254577B9}" type="slidenum">
+              <a:rPr lang="ko-KR" altLang="en-US" smtClean="0"/>
+              <a:t>5</a:t>
+            </a:fld>
+            <a:endParaRPr lang="ko-KR" altLang="en-US" dirty="0"/>
+          </a:p>
+        </p:txBody>
+      </p:sp>
+    </p:spTree>
+    <p:extLst>
+      <p:ext uri="{BB962C8B-B14F-4D97-AF65-F5344CB8AC3E}">
+        <p14:creationId xmlns:p14="http://schemas.microsoft.com/office/powerpoint/2010/main" val="4133685650"/>
+      </p:ext>
+    </p:extLst>
+  </p:cSld>
+  <p:clrMapOvr>
+    <a:masterClrMapping/>
+  </p:clrMapOvr>
+  <p:timing>
+    <p:tnLst>
+      <p:par>
+        <p:cTn id="1" dur="indefinite" restart="never" nodeType="tmRoot"/>
+      </p:par>
+    </p:tnLst>
+  </p:timing>
+</p:sld>
+</file>
+
+<file path=ppt/slides/slide6.xml><?xml version="1.0" encoding="utf-8"?>
+<p:sld xmlns:a="http://schemas.openxmlformats.org/drawingml/2006/main" xmlns:r="http://schemas.openxmlformats.org/officeDocument/2006/relationships" xmlns:p="http://schemas.openxmlformats.org/presentationml/2006/main">
+  <p:cSld>
+    <p:spTree>
+      <p:nvGrpSpPr>
+        <p:cNvPr id="1" name=""/>
+        <p:cNvGrpSpPr/>
+        <p:nvPr/>
+      </p:nvGrpSpPr>
+      <p:grpSpPr>
+        <a:xfrm>
+          <a:off x="0" y="0"/>
+          <a:ext cx="0" cy="0"/>
+          <a:chOff x="0" y="0"/>
+          <a:chExt cx="0" cy="0"/>
+        </a:xfrm>
+      </p:grpSpPr>
+      <p:sp>
+        <p:nvSpPr>
+          <p:cNvPr id="2" name="제목 1"/>
+          <p:cNvSpPr>
+            <a:spLocks noGrp="1"/>
+          </p:cNvSpPr>
+          <p:nvPr>
+            <p:ph type="title"/>
+          </p:nvPr>
+        </p:nvSpPr>
+        <p:spPr/>
+        <p:txBody>
+          <a:bodyPr/>
+          <a:lstStyle/>
+          <a:p>
+            <a:r>
+              <a:rPr lang="ko-KR" altLang="en-US" dirty="0"/>
+              <a:t>상</a:t>
+            </a:r>
+            <a:r>
+              <a:rPr lang="ko-KR" altLang="en-US" dirty="0" smtClean="0"/>
+              <a:t>황분석</a:t>
+            </a:r>
+            <a:r>
+              <a:rPr lang="en-US" altLang="ko-KR" sz="2800" dirty="0" smtClean="0"/>
+              <a:t>_</a:t>
+            </a:r>
+            <a:r>
+              <a:rPr lang="ko-KR" altLang="en-US" sz="2800" dirty="0" smtClean="0"/>
+              <a:t>문제점 원인 분석</a:t>
+            </a:r>
+            <a:endParaRPr lang="ko-KR" altLang="en-US" dirty="0"/>
+          </a:p>
+        </p:txBody>
+      </p:sp>
+      <p:sp>
+        <p:nvSpPr>
+          <p:cNvPr id="3" name="내용 개체 틀 2"/>
+          <p:cNvSpPr>
+            <a:spLocks noGrp="1"/>
+          </p:cNvSpPr>
+          <p:nvPr>
+            <p:ph idx="1"/>
+          </p:nvPr>
+        </p:nvSpPr>
+        <p:spPr/>
+        <p:txBody>
+          <a:bodyPr/>
+          <a:lstStyle/>
+          <a:p>
+            <a:r>
+              <a:rPr lang="ko-KR" altLang="en-US" dirty="0" smtClean="0"/>
+              <a:t>문제점의 원인을 나열</a:t>
+            </a:r>
+            <a:endParaRPr lang="en-US" altLang="ko-KR" dirty="0" smtClean="0"/>
+          </a:p>
+          <a:p>
+            <a:endParaRPr lang="ko-KR" altLang="en-US" dirty="0"/>
+          </a:p>
+        </p:txBody>
+      </p:sp>
+      <p:sp>
+        <p:nvSpPr>
+          <p:cNvPr id="5" name="바닥글 개체 틀 4"/>
+          <p:cNvSpPr>
+            <a:spLocks noGrp="1"/>
+          </p:cNvSpPr>
+          <p:nvPr>
+            <p:ph type="ftr" sz="quarter" idx="11"/>
+          </p:nvPr>
+        </p:nvSpPr>
+        <p:spPr/>
+        <p:txBody>
+          <a:bodyPr/>
+          <a:lstStyle/>
+          <a:p>
+            <a:r>
+              <a:rPr lang="en-US" altLang="ko-KR" dirty="0" smtClean="0"/>
+              <a:t>202034017 </a:t>
+            </a:r>
+            <a:r>
+              <a:rPr lang="ko-KR" altLang="en-US" dirty="0" smtClean="0"/>
+              <a:t>최영수 앱 기획 자료</a:t>
+            </a:r>
+            <a:endParaRPr lang="ko-KR" altLang="en-US" dirty="0"/>
+          </a:p>
+        </p:txBody>
+      </p:sp>
+      <p:sp>
+        <p:nvSpPr>
+          <p:cNvPr id="4" name="슬라이드 번호 개체 틀 3"/>
+          <p:cNvSpPr>
+            <a:spLocks noGrp="1"/>
+          </p:cNvSpPr>
+          <p:nvPr>
+            <p:ph type="sldNum" sz="quarter" idx="12"/>
+          </p:nvPr>
+        </p:nvSpPr>
+        <p:spPr/>
+        <p:txBody>
+          <a:bodyPr/>
+          <a:lstStyle/>
+          <a:p>
+            <a:fld id="{88450DA5-2674-45C9-A461-EAD2254577B9}" type="slidenum">
+              <a:rPr lang="ko-KR" altLang="en-US" smtClean="0"/>
+              <a:t>6</a:t>
+            </a:fld>
+            <a:endParaRPr lang="ko-KR" altLang="en-US" dirty="0"/>
+          </a:p>
+        </p:txBody>
+      </p:sp>
+    </p:spTree>
+    <p:extLst>
+      <p:ext uri="{BB962C8B-B14F-4D97-AF65-F5344CB8AC3E}">
+        <p14:creationId xmlns:p14="http://schemas.microsoft.com/office/powerpoint/2010/main" val="1352347356"/>
+      </p:ext>
+    </p:extLst>
+  </p:cSld>
+  <p:clrMapOvr>
+    <a:masterClrMapping/>
+  </p:clrMapOvr>
+  <p:timing>
+    <p:tnLst>
+      <p:par>
+        <p:cTn id="1" dur="indefinite" restart="never" nodeType="tmRoot"/>
+      </p:par>
+    </p:tnLst>
+  </p:timing>
+</p:sld>
+</file>
+
+<file path=ppt/slides/slide7.xml><?xml version="1.0" encoding="utf-8"?>
+<p:sld xmlns:a="http://schemas.openxmlformats.org/drawingml/2006/main" xmlns:r="http://schemas.openxmlformats.org/officeDocument/2006/relationships" xmlns:p="http://schemas.openxmlformats.org/presentationml/2006/main">
+  <p:cSld>
+    <p:spTree>
+      <p:nvGrpSpPr>
+        <p:cNvPr id="1" name=""/>
+        <p:cNvGrpSpPr/>
+        <p:nvPr/>
+      </p:nvGrpSpPr>
+      <p:grpSpPr>
+        <a:xfrm>
+          <a:off x="0" y="0"/>
+          <a:ext cx="0" cy="0"/>
+          <a:chOff x="0" y="0"/>
+          <a:chExt cx="0" cy="0"/>
+        </a:xfrm>
+      </p:grpSpPr>
+      <p:sp>
+        <p:nvSpPr>
+          <p:cNvPr id="2" name="제목 1"/>
+          <p:cNvSpPr>
+            <a:spLocks noGrp="1"/>
+          </p:cNvSpPr>
+          <p:nvPr>
+            <p:ph type="title"/>
+          </p:nvPr>
+        </p:nvSpPr>
+        <p:spPr/>
+        <p:txBody>
+          <a:bodyPr/>
+          <a:lstStyle/>
+          <a:p>
+            <a:r>
+              <a:rPr lang="ko-KR" altLang="en-US" dirty="0" smtClean="0"/>
+              <a:t>상황분석</a:t>
+            </a:r>
+            <a:r>
+              <a:rPr lang="en-US" altLang="ko-KR" sz="2800" dirty="0" smtClean="0"/>
+              <a:t>_</a:t>
+            </a:r>
+            <a:r>
+              <a:rPr lang="ko-KR" altLang="en-US" sz="2800" dirty="0" smtClean="0"/>
+              <a:t>유사 콘텐츠 분석</a:t>
+            </a:r>
+            <a:endParaRPr lang="ko-KR" altLang="en-US" dirty="0"/>
+          </a:p>
+        </p:txBody>
+      </p:sp>
+      <p:sp>
+        <p:nvSpPr>
+          <p:cNvPr id="3" name="내용 개체 틀 2"/>
+          <p:cNvSpPr>
+            <a:spLocks noGrp="1"/>
+          </p:cNvSpPr>
+          <p:nvPr>
+            <p:ph idx="1"/>
+          </p:nvPr>
+        </p:nvSpPr>
+        <p:spPr/>
+        <p:txBody>
+          <a:bodyPr/>
+          <a:lstStyle/>
+          <a:p>
+            <a:r>
+              <a:rPr lang="ko-KR" altLang="en-US" dirty="0" smtClean="0"/>
+              <a:t>문제 원인을 해결 못하는 </a:t>
+            </a:r>
+            <a:r>
+              <a:rPr lang="ko-KR" altLang="en-US" dirty="0" smtClean="0"/>
+              <a:t>유사 콘텐츠 예시</a:t>
+            </a:r>
+            <a:endParaRPr lang="ko-KR" altLang="en-US" dirty="0"/>
+          </a:p>
+        </p:txBody>
+      </p:sp>
+      <p:sp>
+        <p:nvSpPr>
+          <p:cNvPr id="5" name="바닥글 개체 틀 4"/>
+          <p:cNvSpPr>
+            <a:spLocks noGrp="1"/>
+          </p:cNvSpPr>
+          <p:nvPr>
+            <p:ph type="ftr" sz="quarter" idx="11"/>
+          </p:nvPr>
+        </p:nvSpPr>
+        <p:spPr/>
+        <p:txBody>
+          <a:bodyPr/>
+          <a:lstStyle/>
+          <a:p>
+            <a:r>
+              <a:rPr lang="en-US" altLang="ko-KR" dirty="0" smtClean="0"/>
+              <a:t>202034017 </a:t>
+            </a:r>
+            <a:r>
+              <a:rPr lang="ko-KR" altLang="en-US" dirty="0" smtClean="0"/>
+              <a:t>최영수 앱 기획 자료</a:t>
+            </a:r>
+            <a:endParaRPr lang="ko-KR" altLang="en-US" dirty="0"/>
+          </a:p>
+        </p:txBody>
+      </p:sp>
+      <p:sp>
+        <p:nvSpPr>
+          <p:cNvPr id="4" name="슬라이드 번호 개체 틀 3"/>
+          <p:cNvSpPr>
+            <a:spLocks noGrp="1"/>
+          </p:cNvSpPr>
+          <p:nvPr>
+            <p:ph type="sldNum" sz="quarter" idx="12"/>
+          </p:nvPr>
+        </p:nvSpPr>
+        <p:spPr/>
+        <p:txBody>
+          <a:bodyPr/>
+          <a:lstStyle/>
+          <a:p>
+            <a:fld id="{88450DA5-2674-45C9-A461-EAD2254577B9}" type="slidenum">
+              <a:rPr lang="ko-KR" altLang="en-US" smtClean="0"/>
+              <a:t>7</a:t>
+            </a:fld>
+            <a:endParaRPr lang="ko-KR" altLang="en-US" dirty="0"/>
+          </a:p>
+        </p:txBody>
+      </p:sp>
+    </p:spTree>
+    <p:extLst>
+      <p:ext uri="{BB962C8B-B14F-4D97-AF65-F5344CB8AC3E}">
+        <p14:creationId xmlns:p14="http://schemas.microsoft.com/office/powerpoint/2010/main" val="2071786568"/>
+      </p:ext>
+    </p:extLst>
+  </p:cSld>
+  <p:clrMapOvr>
+    <a:masterClrMapping/>
+  </p:clrMapOvr>
+  <p:timing>
+    <p:tnLst>
+      <p:par>
+        <p:cTn id="1" dur="indefinite" restart="never" nodeType="tmRoot"/>
+      </p:par>
+    </p:tnLst>
+  </p:timing>
+</p:sld>
+</file>
+
+<file path=ppt/slides/slide8.xml><?xml version="1.0" encoding="utf-8"?>
+<p:sld xmlns:a="http://schemas.openxmlformats.org/drawingml/2006/main" xmlns:r="http://schemas.openxmlformats.org/officeDocument/2006/relationships" xmlns:p="http://schemas.openxmlformats.org/presentationml/2006/main">
+  <p:cSld>
+    <p:spTree>
+      <p:nvGrpSpPr>
+        <p:cNvPr id="1" name=""/>
+        <p:cNvGrpSpPr/>
+        <p:nvPr/>
+      </p:nvGrpSpPr>
+      <p:grpSpPr>
+        <a:xfrm>
+          <a:off x="0" y="0"/>
+          <a:ext cx="0" cy="0"/>
+          <a:chOff x="0" y="0"/>
+          <a:chExt cx="0" cy="0"/>
+        </a:xfrm>
+      </p:grpSpPr>
+      <p:sp>
+        <p:nvSpPr>
+          <p:cNvPr id="2" name="제목 1"/>
+          <p:cNvSpPr>
+            <a:spLocks noGrp="1"/>
+          </p:cNvSpPr>
+          <p:nvPr>
+            <p:ph type="title"/>
+          </p:nvPr>
+        </p:nvSpPr>
+        <p:spPr/>
+        <p:txBody>
+          <a:bodyPr/>
+          <a:lstStyle/>
+          <a:p>
+            <a:r>
+              <a:rPr lang="ko-KR" altLang="en-US" dirty="0" smtClean="0"/>
+              <a:t>상황분석</a:t>
+            </a:r>
+            <a:r>
+              <a:rPr lang="en-US" altLang="ko-KR" sz="2800" dirty="0" smtClean="0"/>
+              <a:t>_</a:t>
+            </a:r>
+            <a:r>
+              <a:rPr lang="ko-KR" altLang="en-US" sz="2800" dirty="0" smtClean="0"/>
+              <a:t>해결 방안</a:t>
+            </a:r>
+            <a:endParaRPr lang="ko-KR" altLang="en-US" dirty="0"/>
+          </a:p>
+        </p:txBody>
+      </p:sp>
+      <p:sp>
+        <p:nvSpPr>
+          <p:cNvPr id="3" name="내용 개체 틀 2"/>
+          <p:cNvSpPr>
+            <a:spLocks noGrp="1"/>
+          </p:cNvSpPr>
+          <p:nvPr>
+            <p:ph idx="1"/>
+          </p:nvPr>
+        </p:nvSpPr>
+        <p:spPr/>
+        <p:txBody>
+          <a:bodyPr/>
+          <a:lstStyle/>
+          <a:p>
+            <a:r>
+              <a:rPr lang="ko-KR" altLang="en-US" dirty="0" smtClean="0"/>
+              <a:t>문제점</a:t>
+            </a:r>
+            <a:r>
+              <a:rPr lang="en-US" altLang="ko-KR" dirty="0" smtClean="0"/>
+              <a:t>, </a:t>
+            </a:r>
+            <a:r>
+              <a:rPr lang="ko-KR" altLang="en-US" dirty="0" smtClean="0"/>
+              <a:t>원인을 고칠 수 있는</a:t>
+            </a:r>
+            <a:r>
+              <a:rPr lang="en-US" altLang="ko-KR" dirty="0"/>
+              <a:t> </a:t>
+            </a:r>
+            <a:r>
+              <a:rPr lang="ko-KR" altLang="en-US" dirty="0" smtClean="0"/>
+              <a:t>아이디어 기획</a:t>
+            </a:r>
+            <a:endParaRPr lang="en-US" altLang="ko-KR" dirty="0" smtClean="0"/>
+          </a:p>
+          <a:p>
+            <a:r>
+              <a:rPr lang="ko-KR" altLang="en-US" dirty="0" smtClean="0"/>
+              <a:t>내가 이런 앱을 만들겠다</a:t>
+            </a:r>
+            <a:endParaRPr lang="ko-KR" altLang="en-US" dirty="0"/>
+          </a:p>
+        </p:txBody>
+      </p:sp>
+      <p:sp>
+        <p:nvSpPr>
+          <p:cNvPr id="5" name="바닥글 개체 틀 4"/>
+          <p:cNvSpPr>
+            <a:spLocks noGrp="1"/>
+          </p:cNvSpPr>
+          <p:nvPr>
+            <p:ph type="ftr" sz="quarter" idx="11"/>
+          </p:nvPr>
+        </p:nvSpPr>
+        <p:spPr/>
+        <p:txBody>
+          <a:bodyPr/>
+          <a:lstStyle/>
+          <a:p>
+            <a:r>
+              <a:rPr lang="en-US" altLang="ko-KR" dirty="0" smtClean="0"/>
+              <a:t>202034017 </a:t>
+            </a:r>
+            <a:r>
+              <a:rPr lang="ko-KR" altLang="en-US" dirty="0" smtClean="0"/>
+              <a:t>최영수 앱 기획 자료</a:t>
+            </a:r>
+            <a:endParaRPr lang="ko-KR" altLang="en-US" dirty="0"/>
+          </a:p>
+        </p:txBody>
+      </p:sp>
+      <p:sp>
+        <p:nvSpPr>
+          <p:cNvPr id="4" name="슬라이드 번호 개체 틀 3"/>
+          <p:cNvSpPr>
+            <a:spLocks noGrp="1"/>
+          </p:cNvSpPr>
+          <p:nvPr>
+            <p:ph type="sldNum" sz="quarter" idx="12"/>
+          </p:nvPr>
+        </p:nvSpPr>
+        <p:spPr/>
+        <p:txBody>
+          <a:bodyPr/>
+          <a:lstStyle/>
+          <a:p>
+            <a:fld id="{88450DA5-2674-45C9-A461-EAD2254577B9}" type="slidenum">
+              <a:rPr lang="ko-KR" altLang="en-US" smtClean="0"/>
+              <a:t>8</a:t>
+            </a:fld>
+            <a:endParaRPr lang="ko-KR" altLang="en-US" dirty="0"/>
+          </a:p>
+        </p:txBody>
+      </p:sp>
+    </p:spTree>
+    <p:extLst>
+      <p:ext uri="{BB962C8B-B14F-4D97-AF65-F5344CB8AC3E}">
+        <p14:creationId xmlns:p14="http://schemas.microsoft.com/office/powerpoint/2010/main" val="3941748232"/>
+      </p:ext>
+    </p:extLst>
+  </p:cSld>
+  <p:clrMapOvr>
+    <a:masterClrMapping/>
+  </p:clrMapOvr>
+  <p:timing>
+    <p:tnLst>
+      <p:par>
+        <p:cTn id="1" dur="indefinite" restart="never" nodeType="tmRoot"/>
+      </p:par>
+    </p:tnLst>
+  </p:timing>
+</p:sld>
+</file>
+
+<file path=ppt/slides/slide9.xml><?xml version="1.0" encoding="utf-8"?>
+<p:sld xmlns:a="http://schemas.openxmlformats.org/drawingml/2006/main" xmlns:r="http://schemas.openxmlformats.org/officeDocument/2006/relationships" xmlns:p="http://schemas.openxmlformats.org/presentationml/2006/main">
+  <p:cSld>
+    <p:spTree>
+      <p:nvGrpSpPr>
+        <p:cNvPr id="1" name=""/>
+        <p:cNvGrpSpPr/>
+        <p:nvPr/>
+      </p:nvGrpSpPr>
+      <p:grpSpPr>
+        <a:xfrm>
+          <a:off x="0" y="0"/>
+          <a:ext cx="0" cy="0"/>
+          <a:chOff x="0" y="0"/>
+          <a:chExt cx="0" cy="0"/>
+        </a:xfrm>
+      </p:grpSpPr>
+      <p:sp>
+        <p:nvSpPr>
+          <p:cNvPr id="2" name="제목 1"/>
+          <p:cNvSpPr>
+            <a:spLocks noGrp="1"/>
+          </p:cNvSpPr>
+          <p:nvPr>
+            <p:ph type="title"/>
+          </p:nvPr>
+        </p:nvSpPr>
+        <p:spPr/>
+        <p:txBody>
+          <a:bodyPr/>
+          <a:lstStyle/>
+          <a:p>
+            <a:r>
+              <a:rPr lang="ko-KR" altLang="en-US" dirty="0" smtClean="0"/>
+              <a:t>타겟 분석</a:t>
+            </a:r>
+            <a:r>
+              <a:rPr lang="en-US" altLang="ko-KR" sz="2800" dirty="0" smtClean="0"/>
+              <a:t>_</a:t>
+            </a:r>
+            <a:r>
+              <a:rPr lang="ko-KR" altLang="en-US" sz="2800" dirty="0" smtClean="0"/>
+              <a:t>주 타겟과 서브 타겟</a:t>
+            </a:r>
+            <a:endParaRPr lang="ko-KR" altLang="en-US" dirty="0"/>
+          </a:p>
+        </p:txBody>
+      </p:sp>
+      <p:sp>
+        <p:nvSpPr>
+          <p:cNvPr id="3" name="내용 개체 틀 2"/>
+          <p:cNvSpPr>
+            <a:spLocks noGrp="1"/>
+          </p:cNvSpPr>
+          <p:nvPr>
+            <p:ph idx="1"/>
+          </p:nvPr>
+        </p:nvSpPr>
+        <p:spPr/>
+        <p:txBody>
+          <a:bodyPr/>
+          <a:lstStyle/>
+          <a:p>
+            <a:r>
+              <a:rPr lang="ko-KR" altLang="en-US" dirty="0" smtClean="0"/>
+              <a:t>주 타겟 </a:t>
+            </a:r>
+            <a:r>
+              <a:rPr lang="en-US" altLang="ko-KR" dirty="0" smtClean="0"/>
+              <a:t>+ </a:t>
+            </a:r>
+            <a:r>
+              <a:rPr lang="ko-KR" altLang="en-US" dirty="0" smtClean="0"/>
+              <a:t>서브 타겟 서술</a:t>
+            </a:r>
+            <a:endParaRPr lang="en-US" altLang="ko-KR" dirty="0"/>
+          </a:p>
+          <a:p>
+            <a:r>
+              <a:rPr lang="ko-KR" altLang="en-US" dirty="0" smtClean="0"/>
+              <a:t>주 타겟</a:t>
+            </a:r>
+            <a:r>
+              <a:rPr lang="en-US" altLang="ko-KR" dirty="0" smtClean="0"/>
+              <a:t>: </a:t>
+            </a:r>
+            <a:r>
+              <a:rPr lang="ko-KR" altLang="en-US" dirty="0" smtClean="0"/>
+              <a:t>특정</a:t>
+            </a:r>
+            <a:r>
+              <a:rPr lang="en-US" altLang="ko-KR" dirty="0" smtClean="0"/>
+              <a:t> </a:t>
+            </a:r>
+            <a:r>
+              <a:rPr lang="ko-KR" altLang="en-US" dirty="0" smtClean="0"/>
+              <a:t>공모전에 참가하려는 소프트웨어 개발 관련 종사자 또는 관심이 있는 자</a:t>
+            </a:r>
+            <a:endParaRPr lang="en-US" altLang="ko-KR" dirty="0"/>
+          </a:p>
+          <a:p>
+            <a:r>
+              <a:rPr lang="ko-KR" altLang="en-US" dirty="0" smtClean="0"/>
+              <a:t>서브 타겟</a:t>
+            </a:r>
+            <a:r>
+              <a:rPr lang="en-US" altLang="ko-KR" dirty="0" smtClean="0"/>
+              <a:t>: </a:t>
+            </a:r>
+            <a:r>
+              <a:rPr lang="ko-KR" altLang="en-US" dirty="0" smtClean="0"/>
+              <a:t>어떤 공모전이 있는지 모르는 자 또는 어떤 공모전에 참가할 지 정하지 못한 자</a:t>
+            </a:r>
+            <a:endParaRPr lang="ko-KR" altLang="en-US" dirty="0"/>
+          </a:p>
+        </p:txBody>
+      </p:sp>
+      <p:sp>
+        <p:nvSpPr>
+          <p:cNvPr id="5" name="바닥글 개체 틀 4"/>
+          <p:cNvSpPr>
+            <a:spLocks noGrp="1"/>
+          </p:cNvSpPr>
+          <p:nvPr>
+            <p:ph type="ftr" sz="quarter" idx="11"/>
+          </p:nvPr>
+        </p:nvSpPr>
+        <p:spPr/>
+        <p:txBody>
+          <a:bodyPr/>
+          <a:lstStyle/>
+          <a:p>
+            <a:r>
+              <a:rPr lang="en-US" altLang="ko-KR" dirty="0" smtClean="0"/>
+              <a:t>202034017 </a:t>
+            </a:r>
+            <a:r>
+              <a:rPr lang="ko-KR" altLang="en-US" dirty="0" smtClean="0"/>
+              <a:t>최영수 앱 기획 자료</a:t>
+            </a:r>
+            <a:endParaRPr lang="ko-KR" altLang="en-US" dirty="0"/>
+          </a:p>
+        </p:txBody>
+      </p:sp>
+      <p:sp>
+        <p:nvSpPr>
+          <p:cNvPr id="4" name="슬라이드 번호 개체 틀 3"/>
+          <p:cNvSpPr>
+            <a:spLocks noGrp="1"/>
+          </p:cNvSpPr>
+          <p:nvPr>
+            <p:ph type="sldNum" sz="quarter" idx="12"/>
+          </p:nvPr>
+        </p:nvSpPr>
+        <p:spPr/>
+        <p:txBody>
+          <a:bodyPr/>
+          <a:lstStyle/>
+          <a:p>
+            <a:fld id="{88450DA5-2674-45C9-A461-EAD2254577B9}" type="slidenum">
+              <a:rPr lang="ko-KR" altLang="en-US" smtClean="0"/>
+              <a:t>9</a:t>
+            </a:fld>
+            <a:endParaRPr lang="ko-KR" altLang="en-US" dirty="0"/>
+          </a:p>
+        </p:txBody>
+      </p:sp>
+    </p:spTree>
+    <p:extLst>
+      <p:ext uri="{BB962C8B-B14F-4D97-AF65-F5344CB8AC3E}">
+        <p14:creationId xmlns:p14="http://schemas.microsoft.com/office/powerpoint/2010/main" val="3019526746"/>
       </p:ext>
     </p:extLst>
   </p:cSld>

--- a/대충 설계도.pptx
+++ b/대충 설계도.pptx
@@ -241,7 +241,7 @@
           <a:p>
             <a:fld id="{74C9A701-BECF-4E66-B1A9-0DDE51DF3C32}" type="datetimeFigureOut">
               <a:rPr lang="ko-KR" altLang="en-US" smtClean="0"/>
-              <a:t>2024-04-09</a:t>
+              <a:t>2024-04-19</a:t>
             </a:fld>
             <a:endParaRPr lang="ko-KR" altLang="en-US" dirty="0"/>
           </a:p>
@@ -406,7 +406,7 @@
           <a:p>
             <a:fld id="{AFF4EA0E-EAAE-4D3F-AFB4-8B0347A13ED6}" type="datetimeFigureOut">
               <a:rPr lang="ko-KR" altLang="en-US" smtClean="0"/>
-              <a:t>2024-04-09</a:t>
+              <a:t>2024-04-19</a:t>
             </a:fld>
             <a:endParaRPr lang="ko-KR" altLang="en-US" dirty="0"/>
           </a:p>
@@ -806,43 +806,43 @@
           <a:p>
             <a:pPr lvl="0"/>
             <a:r>
-              <a:rPr lang="ko-KR" altLang="ko-KR" dirty="0" smtClean="0"/>
+              <a:rPr lang="ko-KR" altLang="ko-KR" dirty="0"/>
               <a:t>어떤 팀원을 모집하는지 필터로 구분이 안됨</a:t>
             </a:r>
             <a:r>
-              <a:rPr lang="en-US" altLang="ko-KR" dirty="0" smtClean="0"/>
+              <a:rPr lang="en-US" altLang="ko-KR" dirty="0"/>
               <a:t>.</a:t>
             </a:r>
-            <a:endParaRPr lang="ko-KR" altLang="ko-KR" dirty="0" smtClean="0"/>
+            <a:endParaRPr lang="ko-KR" altLang="ko-KR" dirty="0"/>
           </a:p>
           <a:p>
             <a:pPr lvl="0"/>
             <a:r>
-              <a:rPr lang="ko-KR" altLang="ko-KR" dirty="0" smtClean="0"/>
+              <a:rPr lang="ko-KR" altLang="ko-KR" dirty="0"/>
               <a:t>신청한 팀원의 정보를 한번에 알아 볼 수 없음</a:t>
             </a:r>
             <a:r>
-              <a:rPr lang="en-US" altLang="ko-KR" dirty="0" smtClean="0"/>
+              <a:rPr lang="en-US" altLang="ko-KR" dirty="0"/>
               <a:t>.</a:t>
             </a:r>
-            <a:endParaRPr lang="ko-KR" altLang="ko-KR" dirty="0" smtClean="0"/>
+            <a:endParaRPr lang="ko-KR" altLang="ko-KR" dirty="0"/>
           </a:p>
           <a:p>
             <a:pPr lvl="0"/>
             <a:r>
-              <a:rPr lang="ko-KR" altLang="ko-KR" dirty="0" smtClean="0"/>
+              <a:rPr lang="ko-KR" altLang="ko-KR" dirty="0"/>
               <a:t>신청서를 따로 작성해야 함</a:t>
             </a:r>
             <a:r>
-              <a:rPr lang="en-US" altLang="ko-KR" dirty="0" smtClean="0"/>
+              <a:rPr lang="en-US" altLang="ko-KR" dirty="0"/>
               <a:t>.</a:t>
             </a:r>
-            <a:endParaRPr lang="ko-KR" altLang="ko-KR" dirty="0" smtClean="0"/>
+            <a:endParaRPr lang="ko-KR" altLang="ko-KR" dirty="0"/>
           </a:p>
           <a:p>
             <a:pPr lvl="0"/>
             <a:r>
-              <a:rPr lang="ko-KR" altLang="ko-KR" dirty="0" smtClean="0"/>
+              <a:rPr lang="ko-KR" altLang="ko-KR" dirty="0"/>
               <a:t>절대적인 사용자 수 적음</a:t>
             </a:r>
           </a:p>
@@ -3307,43 +3307,43 @@
           <a:p>
             <a:pPr lvl="0"/>
             <a:r>
-              <a:rPr lang="ko-KR" altLang="ko-KR" dirty="0" smtClean="0"/>
+              <a:rPr lang="ko-KR" altLang="ko-KR" dirty="0"/>
               <a:t>어떤 팀원을 모집하는지 필터로 구분이 안됨</a:t>
             </a:r>
             <a:r>
-              <a:rPr lang="en-US" altLang="ko-KR" dirty="0" smtClean="0"/>
+              <a:rPr lang="en-US" altLang="ko-KR" dirty="0"/>
               <a:t>.</a:t>
             </a:r>
-            <a:endParaRPr lang="ko-KR" altLang="ko-KR" dirty="0" smtClean="0"/>
+            <a:endParaRPr lang="ko-KR" altLang="ko-KR" dirty="0"/>
           </a:p>
           <a:p>
             <a:pPr lvl="0"/>
             <a:r>
-              <a:rPr lang="ko-KR" altLang="ko-KR" dirty="0" smtClean="0"/>
+              <a:rPr lang="ko-KR" altLang="ko-KR" dirty="0"/>
               <a:t>신청한 팀원의 정보를 한번에 알아 볼 수 없음</a:t>
             </a:r>
             <a:r>
-              <a:rPr lang="en-US" altLang="ko-KR" dirty="0" smtClean="0"/>
+              <a:rPr lang="en-US" altLang="ko-KR" dirty="0"/>
               <a:t>.</a:t>
             </a:r>
-            <a:endParaRPr lang="ko-KR" altLang="ko-KR" dirty="0" smtClean="0"/>
+            <a:endParaRPr lang="ko-KR" altLang="ko-KR" dirty="0"/>
           </a:p>
           <a:p>
             <a:pPr lvl="0"/>
             <a:r>
-              <a:rPr lang="ko-KR" altLang="ko-KR" dirty="0" smtClean="0"/>
+              <a:rPr lang="ko-KR" altLang="ko-KR" dirty="0"/>
               <a:t>신청서를 따로 작성해야 함</a:t>
             </a:r>
             <a:r>
-              <a:rPr lang="en-US" altLang="ko-KR" dirty="0" smtClean="0"/>
+              <a:rPr lang="en-US" altLang="ko-KR" dirty="0"/>
               <a:t>.</a:t>
             </a:r>
-            <a:endParaRPr lang="ko-KR" altLang="ko-KR" dirty="0" smtClean="0"/>
+            <a:endParaRPr lang="ko-KR" altLang="ko-KR" dirty="0"/>
           </a:p>
           <a:p>
             <a:pPr lvl="0"/>
             <a:r>
-              <a:rPr lang="ko-KR" altLang="ko-KR" dirty="0" smtClean="0"/>
+              <a:rPr lang="ko-KR" altLang="ko-KR" dirty="0"/>
               <a:t>절대적인 사용자 수 적음</a:t>
             </a:r>
           </a:p>
@@ -3598,7 +3598,7 @@
           <a:p>
             <a:fld id="{DF3A7121-52D7-45D7-83AA-4372C345CB62}" type="datetime1">
               <a:rPr lang="ko-KR" altLang="en-US" smtClean="0"/>
-              <a:t>2024-04-09</a:t>
+              <a:t>2024-04-19</a:t>
             </a:fld>
             <a:endParaRPr lang="ko-KR" altLang="en-US" dirty="0"/>
           </a:p>
@@ -3773,7 +3773,7 @@
           <a:p>
             <a:fld id="{92AA6529-A132-4E5C-83A0-D1099610F41A}" type="datetime1">
               <a:rPr lang="ko-KR" altLang="en-US" smtClean="0"/>
-              <a:t>2024-04-09</a:t>
+              <a:t>2024-04-19</a:t>
             </a:fld>
             <a:endParaRPr lang="ko-KR" altLang="en-US" dirty="0"/>
           </a:p>
@@ -3958,7 +3958,7 @@
           <a:p>
             <a:fld id="{239936F7-CC86-4EBF-89EF-4F8C3793C16C}" type="datetime1">
               <a:rPr lang="ko-KR" altLang="en-US" smtClean="0"/>
-              <a:t>2024-04-09</a:t>
+              <a:t>2024-04-19</a:t>
             </a:fld>
             <a:endParaRPr lang="ko-KR" altLang="en-US" dirty="0"/>
           </a:p>
@@ -4144,7 +4144,7 @@
           <a:p>
             <a:fld id="{8324B3F8-367B-44E7-A104-2C7D7A6AB900}" type="datetime1">
               <a:rPr lang="ko-KR" altLang="en-US" smtClean="0"/>
-              <a:t>2024-04-09</a:t>
+              <a:t>2024-04-19</a:t>
             </a:fld>
             <a:endParaRPr lang="ko-KR" altLang="en-US" dirty="0"/>
           </a:p>
@@ -4407,7 +4407,7 @@
           <a:p>
             <a:fld id="{F089C6E7-2034-4B02-851D-36DFC26C3E9E}" type="datetime1">
               <a:rPr lang="ko-KR" altLang="en-US" smtClean="0"/>
-              <a:t>2024-04-09</a:t>
+              <a:t>2024-04-19</a:t>
             </a:fld>
             <a:endParaRPr lang="ko-KR" altLang="en-US" dirty="0"/>
           </a:p>
@@ -4643,7 +4643,7 @@
           <a:p>
             <a:fld id="{8C5694B5-1083-4023-B860-A7D6B60AECB0}" type="datetime1">
               <a:rPr lang="ko-KR" altLang="en-US" smtClean="0"/>
-              <a:t>2024-04-09</a:t>
+              <a:t>2024-04-19</a:t>
             </a:fld>
             <a:endParaRPr lang="ko-KR" altLang="en-US" dirty="0"/>
           </a:p>
@@ -5014,7 +5014,7 @@
           <a:p>
             <a:fld id="{86AE655F-91EA-4219-9715-7A7BD09C898E}" type="datetime1">
               <a:rPr lang="ko-KR" altLang="en-US" smtClean="0"/>
-              <a:t>2024-04-09</a:t>
+              <a:t>2024-04-19</a:t>
             </a:fld>
             <a:endParaRPr lang="ko-KR" altLang="en-US" dirty="0"/>
           </a:p>
@@ -5138,7 +5138,7 @@
           <a:p>
             <a:fld id="{66A73425-252E-4438-9174-228309ED25A6}" type="datetime1">
               <a:rPr lang="ko-KR" altLang="en-US" smtClean="0"/>
-              <a:t>2024-04-09</a:t>
+              <a:t>2024-04-19</a:t>
             </a:fld>
             <a:endParaRPr lang="ko-KR" altLang="en-US" dirty="0"/>
           </a:p>
@@ -5240,7 +5240,7 @@
           <a:p>
             <a:fld id="{96C653CF-8C6C-4115-A6B7-E92A27B09C35}" type="datetime1">
               <a:rPr lang="ko-KR" altLang="en-US" smtClean="0"/>
-              <a:t>2024-04-09</a:t>
+              <a:t>2024-04-19</a:t>
             </a:fld>
             <a:endParaRPr lang="ko-KR" altLang="en-US" dirty="0"/>
           </a:p>
@@ -5522,7 +5522,7 @@
           <a:p>
             <a:fld id="{FA2959EF-7AC9-40C5-B2E3-812567DC8B97}" type="datetime1">
               <a:rPr lang="ko-KR" altLang="en-US" smtClean="0"/>
-              <a:t>2024-04-09</a:t>
+              <a:t>2024-04-19</a:t>
             </a:fld>
             <a:endParaRPr lang="ko-KR" altLang="en-US" dirty="0"/>
           </a:p>
@@ -5781,7 +5781,7 @@
           <a:p>
             <a:fld id="{8E4358F6-550B-4AB7-B8E8-E889E97A6024}" type="datetime1">
               <a:rPr lang="ko-KR" altLang="en-US" smtClean="0"/>
-              <a:t>2024-04-09</a:t>
+              <a:t>2024-04-19</a:t>
             </a:fld>
             <a:endParaRPr lang="ko-KR" altLang="en-US" dirty="0"/>
           </a:p>
@@ -6173,7 +6173,7 @@
           <a:p>
             <a:fld id="{82796CD8-19CA-4A88-B539-DF9B58F792E5}" type="datetime1">
               <a:rPr lang="ko-KR" altLang="en-US" smtClean="0"/>
-              <a:t>2024-04-09</a:t>
+              <a:t>2024-04-19</a:t>
             </a:fld>
             <a:endParaRPr lang="ko-KR" altLang="en-US" dirty="0"/>
           </a:p>
@@ -6585,10 +6585,9 @@
           <a:p>
             <a:pPr algn="ctr"/>
             <a:r>
-              <a:rPr lang="ko-KR" altLang="en-US" sz="1800" dirty="0" smtClean="0"/>
+              <a:rPr lang="ko-KR" altLang="en-US" sz="1800" dirty="0"/>
               <a:t>소제목</a:t>
             </a:r>
-            <a:endParaRPr lang="ko-KR" altLang="en-US" sz="1800" dirty="0"/>
           </a:p>
         </p:txBody>
       </p:sp>
@@ -6950,7 +6949,7 @@
             <a:p>
               <a:pPr marL="0" algn="ctr" defTabSz="914400" rtl="0" eaLnBrk="1" latinLnBrk="1" hangingPunct="1"/>
               <a:r>
-                <a:rPr lang="ko-KR" altLang="en-US" sz="1800" kern="1200" dirty="0" smtClean="0">
+                <a:rPr lang="ko-KR" altLang="en-US" sz="1800" kern="1200" dirty="0">
                   <a:solidFill>
                     <a:srgbClr val="FFFF00"/>
                   </a:solidFill>
@@ -6960,14 +6959,6 @@
                 </a:rPr>
                 <a:t>현황 분석</a:t>
               </a:r>
-              <a:endParaRPr lang="ko-KR" altLang="en-US" sz="1800" kern="1200" dirty="0">
-                <a:solidFill>
-                  <a:srgbClr val="FFFF00"/>
-                </a:solidFill>
-                <a:latin typeface="+mn-lt"/>
-                <a:ea typeface="+mn-ea"/>
-                <a:cs typeface="+mn-cs"/>
-              </a:endParaRPr>
             </a:p>
           </p:txBody>
         </p:sp>
@@ -7022,7 +7013,7 @@
             <a:p>
               <a:pPr algn="ctr"/>
               <a:r>
-                <a:rPr lang="ko-KR" altLang="en-US" sz="1800" kern="1200" dirty="0" smtClean="0">
+                <a:rPr lang="ko-KR" altLang="en-US" sz="1800" kern="1200" dirty="0">
                   <a:solidFill>
                     <a:schemeClr val="tx1">
                       <a:lumMod val="75000"/>
@@ -7034,16 +7025,6 @@
                 </a:rPr>
                 <a:t>타겟 설정</a:t>
               </a:r>
-              <a:endParaRPr lang="ko-KR" altLang="en-US" sz="1800" kern="1200" dirty="0">
-                <a:solidFill>
-                  <a:schemeClr val="tx1">
-                    <a:lumMod val="75000"/>
-                  </a:schemeClr>
-                </a:solidFill>
-                <a:latin typeface="+mn-lt"/>
-                <a:ea typeface="+mn-ea"/>
-                <a:cs typeface="+mn-cs"/>
-              </a:endParaRPr>
             </a:p>
           </p:txBody>
         </p:sp>
@@ -7098,7 +7079,7 @@
             <a:p>
               <a:pPr marL="0" algn="ctr" defTabSz="914400" rtl="0" eaLnBrk="1" latinLnBrk="1" hangingPunct="1"/>
               <a:r>
-                <a:rPr lang="ko-KR" altLang="en-US" sz="1800" kern="1200" dirty="0" smtClean="0">
+                <a:rPr lang="ko-KR" altLang="en-US" sz="1800" kern="1200" dirty="0">
                   <a:solidFill>
                     <a:schemeClr val="tx1">
                       <a:lumMod val="75000"/>
@@ -7110,16 +7091,6 @@
                 </a:rPr>
                 <a:t>스토리보드</a:t>
               </a:r>
-              <a:endParaRPr lang="ko-KR" altLang="en-US" sz="1800" kern="1200" dirty="0">
-                <a:solidFill>
-                  <a:schemeClr val="tx1">
-                    <a:lumMod val="75000"/>
-                  </a:schemeClr>
-                </a:solidFill>
-                <a:latin typeface="+mn-lt"/>
-                <a:ea typeface="+mn-ea"/>
-                <a:cs typeface="+mn-cs"/>
-              </a:endParaRPr>
             </a:p>
           </p:txBody>
         </p:sp>
@@ -7174,7 +7145,7 @@
             <a:p>
               <a:pPr algn="ctr"/>
               <a:r>
-                <a:rPr lang="ko-KR" altLang="en-US" dirty="0" smtClean="0">
+                <a:rPr lang="ko-KR" altLang="en-US" dirty="0">
                   <a:solidFill>
                     <a:schemeClr val="tx1">
                       <a:lumMod val="75000"/>
@@ -7183,13 +7154,6 @@
                 </a:rPr>
                 <a:t>컨셉 도출</a:t>
               </a:r>
-              <a:endParaRPr lang="ko-KR" altLang="en-US" dirty="0">
-                <a:solidFill>
-                  <a:schemeClr val="tx1">
-                    <a:lumMod val="75000"/>
-                  </a:schemeClr>
-                </a:solidFill>
-              </a:endParaRPr>
             </a:p>
           </p:txBody>
         </p:sp>
@@ -7244,7 +7208,7 @@
             <a:p>
               <a:pPr marL="0" algn="ctr" defTabSz="914400" rtl="0" eaLnBrk="1" latinLnBrk="1" hangingPunct="1"/>
               <a:r>
-                <a:rPr lang="ko-KR" altLang="en-US" sz="1800" kern="1200" dirty="0" smtClean="0">
+                <a:rPr lang="ko-KR" altLang="en-US" sz="1800" kern="1200" dirty="0">
                   <a:solidFill>
                     <a:schemeClr val="tx1">
                       <a:lumMod val="75000"/>
@@ -7256,16 +7220,6 @@
                 </a:rPr>
                 <a:t>향후 계획</a:t>
               </a:r>
-              <a:endParaRPr lang="ko-KR" altLang="en-US" sz="1800" kern="1200" dirty="0">
-                <a:solidFill>
-                  <a:schemeClr val="tx1">
-                    <a:lumMod val="75000"/>
-                  </a:schemeClr>
-                </a:solidFill>
-                <a:latin typeface="+mn-lt"/>
-                <a:ea typeface="+mn-ea"/>
-                <a:cs typeface="+mn-cs"/>
-              </a:endParaRPr>
             </a:p>
           </p:txBody>
         </p:sp>
@@ -7320,7 +7274,7 @@
             <a:p>
               <a:pPr marL="0" algn="ctr" defTabSz="914400" rtl="0" eaLnBrk="1" latinLnBrk="1" hangingPunct="1"/>
               <a:r>
-                <a:rPr lang="ko-KR" altLang="en-US" sz="1800" kern="1200" dirty="0" smtClean="0">
+                <a:rPr lang="ko-KR" altLang="en-US" sz="1800" kern="1200" dirty="0">
                   <a:solidFill>
                     <a:schemeClr val="tx1">
                       <a:lumMod val="75000"/>
@@ -7332,16 +7286,6 @@
                 </a:rPr>
                 <a:t>프로모션</a:t>
               </a:r>
-              <a:endParaRPr lang="ko-KR" altLang="en-US" sz="1800" kern="1200" dirty="0">
-                <a:solidFill>
-                  <a:schemeClr val="tx1">
-                    <a:lumMod val="75000"/>
-                  </a:schemeClr>
-                </a:solidFill>
-                <a:latin typeface="+mn-lt"/>
-                <a:ea typeface="+mn-ea"/>
-                <a:cs typeface="+mn-cs"/>
-              </a:endParaRPr>
             </a:p>
           </p:txBody>
         </p:sp>
@@ -7396,7 +7340,7 @@
             <a:p>
               <a:pPr marL="0" algn="ctr" defTabSz="914400" rtl="0" eaLnBrk="1" latinLnBrk="1" hangingPunct="1"/>
               <a:r>
-                <a:rPr lang="ko-KR" altLang="en-US" sz="1800" kern="1200" dirty="0" smtClean="0">
+                <a:rPr lang="ko-KR" altLang="en-US" sz="1800" kern="1200" dirty="0">
                   <a:solidFill>
                     <a:schemeClr val="tx1">
                       <a:lumMod val="75000"/>
@@ -7408,16 +7352,6 @@
                 </a:rPr>
                 <a:t>구현</a:t>
               </a:r>
-              <a:endParaRPr lang="ko-KR" altLang="en-US" sz="1800" kern="1200" dirty="0">
-                <a:solidFill>
-                  <a:schemeClr val="tx1">
-                    <a:lumMod val="75000"/>
-                  </a:schemeClr>
-                </a:solidFill>
-                <a:latin typeface="+mn-lt"/>
-                <a:ea typeface="+mn-ea"/>
-                <a:cs typeface="+mn-cs"/>
-              </a:endParaRPr>
             </a:p>
           </p:txBody>
         </p:sp>
@@ -7652,10 +7586,6 @@
                 </a:solidFill>
               </a:rPr>
               <a:t>공모전　팀　참가</a:t>
-            </a:r>
-            <a:r>
-              <a:rPr lang="en-US" altLang="ko-KR" sz="3200" dirty="0"/>
-              <a:t/>
             </a:r>
             <a:br>
               <a:rPr lang="en-US" altLang="ko-KR" sz="3200" dirty="0"/>
@@ -8081,10 +8011,9 @@
           <a:lstStyle/>
           <a:p>
             <a:r>
-              <a:rPr lang="ko-KR" altLang="en-US" dirty="0" smtClean="0"/>
+              <a:rPr lang="ko-KR" altLang="en-US" dirty="0"/>
               <a:t>문제점 도출</a:t>
             </a:r>
-            <a:endParaRPr lang="ko-KR" altLang="en-US" dirty="0"/>
           </a:p>
         </p:txBody>
       </p:sp>
@@ -8200,7 +8129,7 @@
           <a:p>
             <a:pPr algn="ctr"/>
             <a:r>
-              <a:rPr lang="ko-KR" altLang="en-US" sz="1600" dirty="0" smtClean="0">
+              <a:rPr lang="ko-KR" altLang="en-US" sz="1600" dirty="0">
                 <a:solidFill>
                   <a:schemeClr val="bg1">
                     <a:lumMod val="75000"/>
@@ -8210,7 +8139,7 @@
               </a:rPr>
               <a:t>내 팀에는 디자이너가</a:t>
             </a:r>
-            <a:endParaRPr lang="en-US" altLang="ko-KR" sz="1600" dirty="0" smtClean="0">
+            <a:endParaRPr lang="en-US" altLang="ko-KR" sz="1600" dirty="0">
               <a:solidFill>
                 <a:schemeClr val="bg1">
                   <a:lumMod val="75000"/>
@@ -8222,7 +8151,7 @@
           <a:p>
             <a:pPr algn="ctr"/>
             <a:r>
-              <a:rPr lang="ko-KR" altLang="en-US" sz="1600" dirty="0" smtClean="0">
+              <a:rPr lang="ko-KR" altLang="en-US" sz="1600" dirty="0">
                 <a:solidFill>
                   <a:schemeClr val="bg1">
                     <a:lumMod val="75000"/>
@@ -8233,7 +8162,7 @@
               <a:t>필요해</a:t>
             </a:r>
             <a:r>
-              <a:rPr lang="en-US" altLang="ko-KR" sz="1600" dirty="0" smtClean="0">
+              <a:rPr lang="en-US" altLang="ko-KR" sz="1600" dirty="0">
                 <a:solidFill>
                   <a:schemeClr val="bg1">
                     <a:lumMod val="75000"/>
@@ -8244,7 +8173,7 @@
               <a:t>!</a:t>
             </a:r>
             <a:r>
-              <a:rPr lang="ko-KR" altLang="en-US" sz="1600" dirty="0" smtClean="0">
+              <a:rPr lang="ko-KR" altLang="en-US" sz="1600" dirty="0">
                 <a:solidFill>
                   <a:schemeClr val="bg1">
                     <a:lumMod val="75000"/>
@@ -8254,7 +8183,7 @@
               </a:rPr>
               <a:t> </a:t>
             </a:r>
-            <a:endParaRPr lang="en-US" altLang="ko-KR" sz="1600" dirty="0" smtClean="0">
+            <a:endParaRPr lang="en-US" altLang="ko-KR" sz="1600" dirty="0">
               <a:solidFill>
                 <a:schemeClr val="bg1">
                   <a:lumMod val="75000"/>
@@ -8330,7 +8259,7 @@
             <a:p>
               <a:pPr marL="0" algn="ctr" defTabSz="914400" rtl="0" eaLnBrk="1" latinLnBrk="1" hangingPunct="1"/>
               <a:r>
-                <a:rPr lang="ko-KR" altLang="en-US" sz="1800" kern="1200" dirty="0" smtClean="0">
+                <a:rPr lang="ko-KR" altLang="en-US" sz="1800" kern="1200" dirty="0">
                   <a:solidFill>
                     <a:srgbClr val="FFFF00"/>
                   </a:solidFill>
@@ -8341,7 +8270,7 @@
                 <a:t>현황</a:t>
               </a:r>
               <a:r>
-                <a:rPr lang="ko-KR" altLang="en-US" sz="1800" kern="1200" dirty="0" smtClean="0">
+                <a:rPr lang="ko-KR" altLang="en-US" sz="1800" kern="1200" dirty="0">
                   <a:solidFill>
                     <a:schemeClr val="tx1">
                       <a:lumMod val="75000"/>
@@ -8354,7 +8283,7 @@
                 <a:t> </a:t>
               </a:r>
               <a:r>
-                <a:rPr lang="ko-KR" altLang="en-US" sz="1800" kern="1200" dirty="0" smtClean="0">
+                <a:rPr lang="ko-KR" altLang="en-US" sz="1800" kern="1200" dirty="0">
                   <a:solidFill>
                     <a:srgbClr val="FFFF00"/>
                   </a:solidFill>
@@ -8364,14 +8293,6 @@
                 </a:rPr>
                 <a:t>분석</a:t>
               </a:r>
-              <a:endParaRPr lang="ko-KR" altLang="en-US" sz="1800" kern="1200" dirty="0">
-                <a:solidFill>
-                  <a:srgbClr val="FFFF00"/>
-                </a:solidFill>
-                <a:latin typeface="+mn-lt"/>
-                <a:ea typeface="+mn-ea"/>
-                <a:cs typeface="+mn-cs"/>
-              </a:endParaRPr>
             </a:p>
           </p:txBody>
         </p:sp>
@@ -8426,7 +8347,7 @@
             <a:p>
               <a:pPr algn="ctr"/>
               <a:r>
-                <a:rPr lang="ko-KR" altLang="en-US" sz="1800" kern="1200" dirty="0" smtClean="0">
+                <a:rPr lang="ko-KR" altLang="en-US" sz="1800" kern="1200" dirty="0">
                   <a:solidFill>
                     <a:schemeClr val="tx1">
                       <a:lumMod val="75000"/>
@@ -8438,16 +8359,6 @@
                 </a:rPr>
                 <a:t>타겟 설정</a:t>
               </a:r>
-              <a:endParaRPr lang="ko-KR" altLang="en-US" sz="1800" kern="1200" dirty="0">
-                <a:solidFill>
-                  <a:schemeClr val="tx1">
-                    <a:lumMod val="75000"/>
-                  </a:schemeClr>
-                </a:solidFill>
-                <a:latin typeface="+mn-lt"/>
-                <a:ea typeface="+mn-ea"/>
-                <a:cs typeface="+mn-cs"/>
-              </a:endParaRPr>
             </a:p>
           </p:txBody>
         </p:sp>
@@ -8502,7 +8413,7 @@
             <a:p>
               <a:pPr marL="0" algn="ctr" defTabSz="914400" rtl="0" eaLnBrk="1" latinLnBrk="1" hangingPunct="1"/>
               <a:r>
-                <a:rPr lang="ko-KR" altLang="en-US" sz="1800" kern="1200" dirty="0" smtClean="0">
+                <a:rPr lang="ko-KR" altLang="en-US" sz="1800" kern="1200" dirty="0">
                   <a:solidFill>
                     <a:schemeClr val="tx1">
                       <a:lumMod val="75000"/>
@@ -8514,16 +8425,6 @@
                 </a:rPr>
                 <a:t>스토리보드</a:t>
               </a:r>
-              <a:endParaRPr lang="ko-KR" altLang="en-US" sz="1800" kern="1200" dirty="0">
-                <a:solidFill>
-                  <a:schemeClr val="tx1">
-                    <a:lumMod val="75000"/>
-                  </a:schemeClr>
-                </a:solidFill>
-                <a:latin typeface="+mn-lt"/>
-                <a:ea typeface="+mn-ea"/>
-                <a:cs typeface="+mn-cs"/>
-              </a:endParaRPr>
             </a:p>
           </p:txBody>
         </p:sp>
@@ -8578,7 +8479,7 @@
             <a:p>
               <a:pPr algn="ctr"/>
               <a:r>
-                <a:rPr lang="ko-KR" altLang="en-US" dirty="0" smtClean="0">
+                <a:rPr lang="ko-KR" altLang="en-US" dirty="0">
                   <a:solidFill>
                     <a:schemeClr val="tx1">
                       <a:lumMod val="75000"/>
@@ -8587,13 +8488,6 @@
                 </a:rPr>
                 <a:t>컨셉 도출</a:t>
               </a:r>
-              <a:endParaRPr lang="ko-KR" altLang="en-US" dirty="0">
-                <a:solidFill>
-                  <a:schemeClr val="tx1">
-                    <a:lumMod val="75000"/>
-                  </a:schemeClr>
-                </a:solidFill>
-              </a:endParaRPr>
             </a:p>
           </p:txBody>
         </p:sp>
@@ -8648,7 +8542,7 @@
             <a:p>
               <a:pPr marL="0" algn="ctr" defTabSz="914400" rtl="0" eaLnBrk="1" latinLnBrk="1" hangingPunct="1"/>
               <a:r>
-                <a:rPr lang="ko-KR" altLang="en-US" sz="1800" kern="1200" dirty="0" smtClean="0">
+                <a:rPr lang="ko-KR" altLang="en-US" sz="1800" kern="1200" dirty="0">
                   <a:solidFill>
                     <a:schemeClr val="tx1">
                       <a:lumMod val="75000"/>
@@ -8660,16 +8554,6 @@
                 </a:rPr>
                 <a:t>향후 계획</a:t>
               </a:r>
-              <a:endParaRPr lang="ko-KR" altLang="en-US" sz="1800" kern="1200" dirty="0">
-                <a:solidFill>
-                  <a:schemeClr val="tx1">
-                    <a:lumMod val="75000"/>
-                  </a:schemeClr>
-                </a:solidFill>
-                <a:latin typeface="+mn-lt"/>
-                <a:ea typeface="+mn-ea"/>
-                <a:cs typeface="+mn-cs"/>
-              </a:endParaRPr>
             </a:p>
           </p:txBody>
         </p:sp>
@@ -8724,7 +8608,7 @@
             <a:p>
               <a:pPr marL="0" algn="ctr" defTabSz="914400" rtl="0" eaLnBrk="1" latinLnBrk="1" hangingPunct="1"/>
               <a:r>
-                <a:rPr lang="ko-KR" altLang="en-US" sz="1800" kern="1200" dirty="0" smtClean="0">
+                <a:rPr lang="ko-KR" altLang="en-US" sz="1800" kern="1200" dirty="0">
                   <a:solidFill>
                     <a:schemeClr val="tx1">
                       <a:lumMod val="75000"/>
@@ -8736,16 +8620,6 @@
                 </a:rPr>
                 <a:t>프로모션</a:t>
               </a:r>
-              <a:endParaRPr lang="ko-KR" altLang="en-US" sz="1800" kern="1200" dirty="0">
-                <a:solidFill>
-                  <a:schemeClr val="tx1">
-                    <a:lumMod val="75000"/>
-                  </a:schemeClr>
-                </a:solidFill>
-                <a:latin typeface="+mn-lt"/>
-                <a:ea typeface="+mn-ea"/>
-                <a:cs typeface="+mn-cs"/>
-              </a:endParaRPr>
             </a:p>
           </p:txBody>
         </p:sp>
@@ -8800,7 +8674,7 @@
             <a:p>
               <a:pPr marL="0" algn="ctr" defTabSz="914400" rtl="0" eaLnBrk="1" latinLnBrk="1" hangingPunct="1"/>
               <a:r>
-                <a:rPr lang="ko-KR" altLang="en-US" sz="1800" kern="1200" dirty="0" smtClean="0">
+                <a:rPr lang="ko-KR" altLang="en-US" sz="1800" kern="1200" dirty="0">
                   <a:solidFill>
                     <a:schemeClr val="tx1">
                       <a:lumMod val="75000"/>
@@ -8812,16 +8686,6 @@
                 </a:rPr>
                 <a:t>구현</a:t>
               </a:r>
-              <a:endParaRPr lang="ko-KR" altLang="en-US" sz="1800" kern="1200" dirty="0">
-                <a:solidFill>
-                  <a:schemeClr val="tx1">
-                    <a:lumMod val="75000"/>
-                  </a:schemeClr>
-                </a:solidFill>
-                <a:latin typeface="+mn-lt"/>
-                <a:ea typeface="+mn-ea"/>
-                <a:cs typeface="+mn-cs"/>
-              </a:endParaRPr>
             </a:p>
           </p:txBody>
         </p:sp>
@@ -8874,7 +8738,7 @@
           <a:p>
             <a:pPr algn="ctr"/>
             <a:r>
-              <a:rPr lang="ko-KR" altLang="en-US" dirty="0" smtClean="0">
+              <a:rPr lang="ko-KR" altLang="en-US" dirty="0">
                 <a:solidFill>
                   <a:srgbClr val="71DB1F"/>
                 </a:solidFill>
@@ -8882,7 +8746,7 @@
               <a:t>팀장 </a:t>
             </a:r>
             <a:r>
-              <a:rPr lang="en-US" altLang="ko-KR" dirty="0" smtClean="0">
+              <a:rPr lang="en-US" altLang="ko-KR" dirty="0">
                 <a:solidFill>
                   <a:srgbClr val="71DB1F"/>
                 </a:solidFill>
@@ -8954,7 +8818,7 @@
           <a:p>
             <a:pPr algn="ctr"/>
             <a:r>
-              <a:rPr lang="en-US" altLang="ko-KR" sz="1600" dirty="0" smtClean="0">
+              <a:rPr lang="en-US" altLang="ko-KR" sz="1600" dirty="0">
                 <a:solidFill>
                   <a:schemeClr val="bg1">
                     <a:lumMod val="75000"/>
@@ -8965,7 +8829,7 @@
               <a:t>5</a:t>
             </a:r>
             <a:r>
-              <a:rPr lang="ko-KR" altLang="en-US" sz="1600" dirty="0" smtClean="0">
+              <a:rPr lang="ko-KR" altLang="en-US" sz="1600" dirty="0">
                 <a:solidFill>
                   <a:schemeClr val="bg1">
                     <a:lumMod val="75000"/>
@@ -8975,7 +8839,7 @@
               </a:rPr>
               <a:t>명의 디자이너가 신청했는데</a:t>
             </a:r>
-            <a:endParaRPr lang="en-US" altLang="ko-KR" sz="1600" dirty="0" smtClean="0">
+            <a:endParaRPr lang="en-US" altLang="ko-KR" sz="1600" dirty="0">
               <a:solidFill>
                 <a:schemeClr val="bg1">
                   <a:lumMod val="75000"/>
@@ -8987,7 +8851,7 @@
           <a:p>
             <a:pPr algn="ctr"/>
             <a:r>
-              <a:rPr lang="ko-KR" altLang="en-US" sz="1600" dirty="0" smtClean="0">
+              <a:rPr lang="ko-KR" altLang="en-US" sz="1600" dirty="0">
                 <a:solidFill>
                   <a:schemeClr val="bg1">
                     <a:lumMod val="75000"/>
@@ -8998,7 +8862,7 @@
               <a:t>어떤 사람을 뽑아야 하지</a:t>
             </a:r>
             <a:r>
-              <a:rPr lang="en-US" altLang="ko-KR" sz="1600" dirty="0" smtClean="0">
+              <a:rPr lang="en-US" altLang="ko-KR" sz="1600" dirty="0">
                 <a:solidFill>
                   <a:schemeClr val="bg1">
                     <a:lumMod val="75000"/>
@@ -9114,7 +8978,7 @@
           <a:p>
             <a:pPr algn="ctr"/>
             <a:r>
-              <a:rPr lang="ko-KR" altLang="en-US" sz="1600" dirty="0" smtClean="0">
+              <a:rPr lang="ko-KR" altLang="en-US" sz="1600" dirty="0">
                 <a:solidFill>
                   <a:schemeClr val="bg1">
                     <a:lumMod val="75000"/>
@@ -9124,7 +8988,7 @@
               </a:rPr>
               <a:t>어떤 사람이 우리 팀의 컨셉에</a:t>
             </a:r>
-            <a:endParaRPr lang="en-US" altLang="ko-KR" sz="1600" dirty="0" smtClean="0">
+            <a:endParaRPr lang="en-US" altLang="ko-KR" sz="1600" dirty="0">
               <a:solidFill>
                 <a:schemeClr val="bg1">
                   <a:lumMod val="75000"/>
@@ -9136,7 +9000,7 @@
           <a:p>
             <a:pPr algn="ctr"/>
             <a:r>
-              <a:rPr lang="ko-KR" altLang="en-US" sz="1600" dirty="0" smtClean="0">
+              <a:rPr lang="ko-KR" altLang="en-US" sz="1600" dirty="0">
                 <a:solidFill>
                   <a:schemeClr val="bg1">
                     <a:lumMod val="75000"/>
@@ -9147,7 +9011,7 @@
               <a:t>더 어울릴지 모르겠어</a:t>
             </a:r>
             <a:r>
-              <a:rPr lang="en-US" altLang="ko-KR" sz="1600" dirty="0" smtClean="0">
+              <a:rPr lang="en-US" altLang="ko-KR" sz="1600" dirty="0">
                 <a:solidFill>
                   <a:schemeClr val="bg1">
                     <a:lumMod val="75000"/>
@@ -9253,10 +9117,9 @@
           <a:lstStyle/>
           <a:p>
             <a:r>
-              <a:rPr lang="ko-KR" altLang="en-US" dirty="0" smtClean="0"/>
+              <a:rPr lang="ko-KR" altLang="en-US" dirty="0"/>
               <a:t>문제점 원인 분석</a:t>
             </a:r>
-            <a:endParaRPr lang="ko-KR" altLang="en-US" dirty="0"/>
           </a:p>
         </p:txBody>
       </p:sp>
@@ -9279,26 +9142,25 @@
               <a:buNone/>
             </a:pPr>
             <a:r>
-              <a:rPr lang="ko-KR" altLang="en-US" dirty="0" smtClean="0"/>
+              <a:rPr lang="ko-KR" altLang="en-US" dirty="0"/>
               <a:t>인맥을 이용한 팀 모집 방식 말고도 여러 문제점이 있음</a:t>
             </a:r>
-            <a:endParaRPr lang="en-US" altLang="ko-KR" dirty="0" smtClean="0"/>
+            <a:endParaRPr lang="en-US" altLang="ko-KR" dirty="0"/>
           </a:p>
           <a:p>
             <a:pPr marL="0" indent="0">
               <a:buNone/>
             </a:pPr>
-            <a:endParaRPr lang="en-US" altLang="ko-KR" dirty="0" smtClean="0"/>
+            <a:endParaRPr lang="en-US" altLang="ko-KR" dirty="0"/>
           </a:p>
           <a:p>
             <a:pPr marL="0" indent="0">
               <a:buNone/>
             </a:pPr>
             <a:r>
-              <a:rPr lang="ko-KR" altLang="en-US" dirty="0" smtClean="0"/>
+              <a:rPr lang="ko-KR" altLang="en-US" dirty="0"/>
               <a:t>그런 문제점에는 이런 원인이 있음</a:t>
             </a:r>
-            <a:endParaRPr lang="ko-KR" altLang="en-US" dirty="0"/>
           </a:p>
         </p:txBody>
       </p:sp>
@@ -9416,7 +9278,7 @@
             <a:p>
               <a:pPr marL="0" algn="ctr" defTabSz="914400" rtl="0" eaLnBrk="1" latinLnBrk="1" hangingPunct="1"/>
               <a:r>
-                <a:rPr lang="ko-KR" altLang="en-US" sz="1800" kern="1200" dirty="0" smtClean="0">
+                <a:rPr lang="ko-KR" altLang="en-US" sz="1800" kern="1200" dirty="0">
                   <a:solidFill>
                     <a:srgbClr val="FFFF00"/>
                   </a:solidFill>
@@ -9426,14 +9288,6 @@
                 </a:rPr>
                 <a:t>현황 분석</a:t>
               </a:r>
-              <a:endParaRPr lang="ko-KR" altLang="en-US" sz="1800" kern="1200" dirty="0">
-                <a:solidFill>
-                  <a:srgbClr val="FFFF00"/>
-                </a:solidFill>
-                <a:latin typeface="+mn-lt"/>
-                <a:ea typeface="+mn-ea"/>
-                <a:cs typeface="+mn-cs"/>
-              </a:endParaRPr>
             </a:p>
           </p:txBody>
         </p:sp>
@@ -9488,7 +9342,7 @@
             <a:p>
               <a:pPr algn="ctr"/>
               <a:r>
-                <a:rPr lang="ko-KR" altLang="en-US" sz="1800" kern="1200" dirty="0" smtClean="0">
+                <a:rPr lang="ko-KR" altLang="en-US" sz="1800" kern="1200" dirty="0">
                   <a:solidFill>
                     <a:schemeClr val="tx1">
                       <a:lumMod val="75000"/>
@@ -9500,16 +9354,6 @@
                 </a:rPr>
                 <a:t>타겟 설정</a:t>
               </a:r>
-              <a:endParaRPr lang="ko-KR" altLang="en-US" sz="1800" kern="1200" dirty="0">
-                <a:solidFill>
-                  <a:schemeClr val="tx1">
-                    <a:lumMod val="75000"/>
-                  </a:schemeClr>
-                </a:solidFill>
-                <a:latin typeface="+mn-lt"/>
-                <a:ea typeface="+mn-ea"/>
-                <a:cs typeface="+mn-cs"/>
-              </a:endParaRPr>
             </a:p>
           </p:txBody>
         </p:sp>
@@ -9564,7 +9408,7 @@
             <a:p>
               <a:pPr marL="0" algn="ctr" defTabSz="914400" rtl="0" eaLnBrk="1" latinLnBrk="1" hangingPunct="1"/>
               <a:r>
-                <a:rPr lang="ko-KR" altLang="en-US" sz="1800" kern="1200" dirty="0" smtClean="0">
+                <a:rPr lang="ko-KR" altLang="en-US" sz="1800" kern="1200" dirty="0">
                   <a:solidFill>
                     <a:schemeClr val="tx1">
                       <a:lumMod val="75000"/>
@@ -9576,16 +9420,6 @@
                 </a:rPr>
                 <a:t>스토리보드</a:t>
               </a:r>
-              <a:endParaRPr lang="ko-KR" altLang="en-US" sz="1800" kern="1200" dirty="0">
-                <a:solidFill>
-                  <a:schemeClr val="tx1">
-                    <a:lumMod val="75000"/>
-                  </a:schemeClr>
-                </a:solidFill>
-                <a:latin typeface="+mn-lt"/>
-                <a:ea typeface="+mn-ea"/>
-                <a:cs typeface="+mn-cs"/>
-              </a:endParaRPr>
             </a:p>
           </p:txBody>
         </p:sp>
@@ -9640,7 +9474,7 @@
             <a:p>
               <a:pPr algn="ctr"/>
               <a:r>
-                <a:rPr lang="ko-KR" altLang="en-US" dirty="0" smtClean="0">
+                <a:rPr lang="ko-KR" altLang="en-US" dirty="0">
                   <a:solidFill>
                     <a:schemeClr val="tx1">
                       <a:lumMod val="75000"/>
@@ -9649,13 +9483,6 @@
                 </a:rPr>
                 <a:t>컨셉 도출</a:t>
               </a:r>
-              <a:endParaRPr lang="ko-KR" altLang="en-US" dirty="0">
-                <a:solidFill>
-                  <a:schemeClr val="tx1">
-                    <a:lumMod val="75000"/>
-                  </a:schemeClr>
-                </a:solidFill>
-              </a:endParaRPr>
             </a:p>
           </p:txBody>
         </p:sp>
@@ -9710,7 +9537,7 @@
             <a:p>
               <a:pPr marL="0" algn="ctr" defTabSz="914400" rtl="0" eaLnBrk="1" latinLnBrk="1" hangingPunct="1"/>
               <a:r>
-                <a:rPr lang="ko-KR" altLang="en-US" sz="1800" kern="1200" dirty="0" smtClean="0">
+                <a:rPr lang="ko-KR" altLang="en-US" sz="1800" kern="1200" dirty="0">
                   <a:solidFill>
                     <a:schemeClr val="tx1">
                       <a:lumMod val="75000"/>
@@ -9722,16 +9549,6 @@
                 </a:rPr>
                 <a:t>향후 계획</a:t>
               </a:r>
-              <a:endParaRPr lang="ko-KR" altLang="en-US" sz="1800" kern="1200" dirty="0">
-                <a:solidFill>
-                  <a:schemeClr val="tx1">
-                    <a:lumMod val="75000"/>
-                  </a:schemeClr>
-                </a:solidFill>
-                <a:latin typeface="+mn-lt"/>
-                <a:ea typeface="+mn-ea"/>
-                <a:cs typeface="+mn-cs"/>
-              </a:endParaRPr>
             </a:p>
           </p:txBody>
         </p:sp>
@@ -9786,7 +9603,7 @@
             <a:p>
               <a:pPr marL="0" algn="ctr" defTabSz="914400" rtl="0" eaLnBrk="1" latinLnBrk="1" hangingPunct="1"/>
               <a:r>
-                <a:rPr lang="ko-KR" altLang="en-US" sz="1800" kern="1200" dirty="0" smtClean="0">
+                <a:rPr lang="ko-KR" altLang="en-US" sz="1800" kern="1200" dirty="0">
                   <a:solidFill>
                     <a:schemeClr val="tx1">
                       <a:lumMod val="75000"/>
@@ -9798,16 +9615,6 @@
                 </a:rPr>
                 <a:t>프로모션</a:t>
               </a:r>
-              <a:endParaRPr lang="ko-KR" altLang="en-US" sz="1800" kern="1200" dirty="0">
-                <a:solidFill>
-                  <a:schemeClr val="tx1">
-                    <a:lumMod val="75000"/>
-                  </a:schemeClr>
-                </a:solidFill>
-                <a:latin typeface="+mn-lt"/>
-                <a:ea typeface="+mn-ea"/>
-                <a:cs typeface="+mn-cs"/>
-              </a:endParaRPr>
             </a:p>
           </p:txBody>
         </p:sp>
@@ -9862,7 +9669,7 @@
             <a:p>
               <a:pPr marL="0" algn="ctr" defTabSz="914400" rtl="0" eaLnBrk="1" latinLnBrk="1" hangingPunct="1"/>
               <a:r>
-                <a:rPr lang="ko-KR" altLang="en-US" sz="1800" kern="1200" dirty="0" smtClean="0">
+                <a:rPr lang="ko-KR" altLang="en-US" sz="1800" kern="1200" dirty="0">
                   <a:solidFill>
                     <a:schemeClr val="tx1">
                       <a:lumMod val="75000"/>
@@ -9874,16 +9681,6 @@
                 </a:rPr>
                 <a:t>구현</a:t>
               </a:r>
-              <a:endParaRPr lang="ko-KR" altLang="en-US" sz="1800" kern="1200" dirty="0">
-                <a:solidFill>
-                  <a:schemeClr val="tx1">
-                    <a:lumMod val="75000"/>
-                  </a:schemeClr>
-                </a:solidFill>
-                <a:latin typeface="+mn-lt"/>
-                <a:ea typeface="+mn-ea"/>
-                <a:cs typeface="+mn-cs"/>
-              </a:endParaRPr>
             </a:p>
           </p:txBody>
         </p:sp>
@@ -9936,10 +9733,9 @@
           <a:lstStyle/>
           <a:p>
             <a:r>
-              <a:rPr lang="ko-KR" altLang="en-US" dirty="0" smtClean="0"/>
+              <a:rPr lang="ko-KR" altLang="en-US" dirty="0"/>
               <a:t>콘텐츠 분석</a:t>
             </a:r>
-            <a:endParaRPr lang="ko-KR" altLang="en-US" dirty="0"/>
           </a:p>
         </p:txBody>
       </p:sp>
@@ -10079,7 +9875,7 @@
             <a:p>
               <a:pPr marL="0" algn="ctr" defTabSz="914400" rtl="0" eaLnBrk="1" latinLnBrk="1" hangingPunct="1"/>
               <a:r>
-                <a:rPr lang="ko-KR" altLang="en-US" sz="1800" kern="1200" dirty="0" smtClean="0">
+                <a:rPr lang="ko-KR" altLang="en-US" sz="1800" kern="1200" dirty="0">
                   <a:solidFill>
                     <a:srgbClr val="FFFF00"/>
                   </a:solidFill>
@@ -10089,14 +9885,6 @@
                 </a:rPr>
                 <a:t>현황 분석</a:t>
               </a:r>
-              <a:endParaRPr lang="ko-KR" altLang="en-US" sz="1800" kern="1200" dirty="0">
-                <a:solidFill>
-                  <a:srgbClr val="FFFF00"/>
-                </a:solidFill>
-                <a:latin typeface="+mn-lt"/>
-                <a:ea typeface="+mn-ea"/>
-                <a:cs typeface="+mn-cs"/>
-              </a:endParaRPr>
             </a:p>
           </p:txBody>
         </p:sp>
@@ -10151,7 +9939,7 @@
             <a:p>
               <a:pPr algn="ctr"/>
               <a:r>
-                <a:rPr lang="ko-KR" altLang="en-US" sz="1800" kern="1200" dirty="0" smtClean="0">
+                <a:rPr lang="ko-KR" altLang="en-US" sz="1800" kern="1200" dirty="0">
                   <a:solidFill>
                     <a:schemeClr val="tx1">
                       <a:lumMod val="75000"/>
@@ -10163,16 +9951,6 @@
                 </a:rPr>
                 <a:t>타겟 설정</a:t>
               </a:r>
-              <a:endParaRPr lang="ko-KR" altLang="en-US" sz="1800" kern="1200" dirty="0">
-                <a:solidFill>
-                  <a:schemeClr val="tx1">
-                    <a:lumMod val="75000"/>
-                  </a:schemeClr>
-                </a:solidFill>
-                <a:latin typeface="+mn-lt"/>
-                <a:ea typeface="+mn-ea"/>
-                <a:cs typeface="+mn-cs"/>
-              </a:endParaRPr>
             </a:p>
           </p:txBody>
         </p:sp>
@@ -10227,7 +10005,7 @@
             <a:p>
               <a:pPr marL="0" algn="ctr" defTabSz="914400" rtl="0" eaLnBrk="1" latinLnBrk="1" hangingPunct="1"/>
               <a:r>
-                <a:rPr lang="ko-KR" altLang="en-US" sz="1800" kern="1200" dirty="0" smtClean="0">
+                <a:rPr lang="ko-KR" altLang="en-US" sz="1800" kern="1200" dirty="0">
                   <a:solidFill>
                     <a:schemeClr val="tx1">
                       <a:lumMod val="75000"/>
@@ -10239,16 +10017,6 @@
                 </a:rPr>
                 <a:t>스토리보드</a:t>
               </a:r>
-              <a:endParaRPr lang="ko-KR" altLang="en-US" sz="1800" kern="1200" dirty="0">
-                <a:solidFill>
-                  <a:schemeClr val="tx1">
-                    <a:lumMod val="75000"/>
-                  </a:schemeClr>
-                </a:solidFill>
-                <a:latin typeface="+mn-lt"/>
-                <a:ea typeface="+mn-ea"/>
-                <a:cs typeface="+mn-cs"/>
-              </a:endParaRPr>
             </a:p>
           </p:txBody>
         </p:sp>
@@ -10303,7 +10071,7 @@
             <a:p>
               <a:pPr algn="ctr"/>
               <a:r>
-                <a:rPr lang="ko-KR" altLang="en-US" dirty="0" smtClean="0">
+                <a:rPr lang="ko-KR" altLang="en-US" dirty="0">
                   <a:solidFill>
                     <a:schemeClr val="tx1">
                       <a:lumMod val="75000"/>
@@ -10312,13 +10080,6 @@
                 </a:rPr>
                 <a:t>컨셉 도출</a:t>
               </a:r>
-              <a:endParaRPr lang="ko-KR" altLang="en-US" dirty="0">
-                <a:solidFill>
-                  <a:schemeClr val="tx1">
-                    <a:lumMod val="75000"/>
-                  </a:schemeClr>
-                </a:solidFill>
-              </a:endParaRPr>
             </a:p>
           </p:txBody>
         </p:sp>
@@ -10373,7 +10134,7 @@
             <a:p>
               <a:pPr marL="0" algn="ctr" defTabSz="914400" rtl="0" eaLnBrk="1" latinLnBrk="1" hangingPunct="1"/>
               <a:r>
-                <a:rPr lang="ko-KR" altLang="en-US" sz="1800" kern="1200" dirty="0" smtClean="0">
+                <a:rPr lang="ko-KR" altLang="en-US" sz="1800" kern="1200" dirty="0">
                   <a:solidFill>
                     <a:schemeClr val="tx1">
                       <a:lumMod val="75000"/>
@@ -10385,16 +10146,6 @@
                 </a:rPr>
                 <a:t>향후 계획</a:t>
               </a:r>
-              <a:endParaRPr lang="ko-KR" altLang="en-US" sz="1800" kern="1200" dirty="0">
-                <a:solidFill>
-                  <a:schemeClr val="tx1">
-                    <a:lumMod val="75000"/>
-                  </a:schemeClr>
-                </a:solidFill>
-                <a:latin typeface="+mn-lt"/>
-                <a:ea typeface="+mn-ea"/>
-                <a:cs typeface="+mn-cs"/>
-              </a:endParaRPr>
             </a:p>
           </p:txBody>
         </p:sp>
@@ -10449,7 +10200,7 @@
             <a:p>
               <a:pPr marL="0" algn="ctr" defTabSz="914400" rtl="0" eaLnBrk="1" latinLnBrk="1" hangingPunct="1"/>
               <a:r>
-                <a:rPr lang="ko-KR" altLang="en-US" sz="1800" kern="1200" dirty="0" smtClean="0">
+                <a:rPr lang="ko-KR" altLang="en-US" sz="1800" kern="1200" dirty="0">
                   <a:solidFill>
                     <a:schemeClr val="tx1">
                       <a:lumMod val="75000"/>
@@ -10461,16 +10212,6 @@
                 </a:rPr>
                 <a:t>프로모션</a:t>
               </a:r>
-              <a:endParaRPr lang="ko-KR" altLang="en-US" sz="1800" kern="1200" dirty="0">
-                <a:solidFill>
-                  <a:schemeClr val="tx1">
-                    <a:lumMod val="75000"/>
-                  </a:schemeClr>
-                </a:solidFill>
-                <a:latin typeface="+mn-lt"/>
-                <a:ea typeface="+mn-ea"/>
-                <a:cs typeface="+mn-cs"/>
-              </a:endParaRPr>
             </a:p>
           </p:txBody>
         </p:sp>
@@ -10525,7 +10266,7 @@
             <a:p>
               <a:pPr marL="0" algn="ctr" defTabSz="914400" rtl="0" eaLnBrk="1" latinLnBrk="1" hangingPunct="1"/>
               <a:r>
-                <a:rPr lang="ko-KR" altLang="en-US" sz="1800" kern="1200" dirty="0" smtClean="0">
+                <a:rPr lang="ko-KR" altLang="en-US" sz="1800" kern="1200" dirty="0">
                   <a:solidFill>
                     <a:schemeClr val="tx1">
                       <a:lumMod val="75000"/>
@@ -10537,16 +10278,6 @@
                 </a:rPr>
                 <a:t>구현</a:t>
               </a:r>
-              <a:endParaRPr lang="ko-KR" altLang="en-US" sz="1800" kern="1200" dirty="0">
-                <a:solidFill>
-                  <a:schemeClr val="tx1">
-                    <a:lumMod val="75000"/>
-                  </a:schemeClr>
-                </a:solidFill>
-                <a:latin typeface="+mn-lt"/>
-                <a:ea typeface="+mn-ea"/>
-                <a:cs typeface="+mn-cs"/>
-              </a:endParaRPr>
             </a:p>
           </p:txBody>
         </p:sp>
@@ -10599,10 +10330,9 @@
           <a:lstStyle/>
           <a:p>
             <a:r>
-              <a:rPr lang="ko-KR" altLang="en-US" dirty="0" smtClean="0"/>
+              <a:rPr lang="ko-KR" altLang="en-US" dirty="0"/>
               <a:t>해결 방안</a:t>
             </a:r>
-            <a:endParaRPr lang="ko-KR" altLang="en-US" dirty="0"/>
           </a:p>
         </p:txBody>
       </p:sp>
@@ -10765,7 +10495,7 @@
             <a:p>
               <a:pPr marL="0" algn="ctr" defTabSz="914400" rtl="0" eaLnBrk="1" latinLnBrk="1" hangingPunct="1"/>
               <a:r>
-                <a:rPr lang="ko-KR" altLang="en-US" sz="1800" kern="1200" dirty="0" smtClean="0">
+                <a:rPr lang="ko-KR" altLang="en-US" sz="1800" kern="1200" dirty="0">
                   <a:solidFill>
                     <a:srgbClr val="FFFF00"/>
                   </a:solidFill>
@@ -10775,14 +10505,6 @@
                 </a:rPr>
                 <a:t>현황 분석</a:t>
               </a:r>
-              <a:endParaRPr lang="ko-KR" altLang="en-US" sz="1800" kern="1200" dirty="0">
-                <a:solidFill>
-                  <a:srgbClr val="FFFF00"/>
-                </a:solidFill>
-                <a:latin typeface="+mn-lt"/>
-                <a:ea typeface="+mn-ea"/>
-                <a:cs typeface="+mn-cs"/>
-              </a:endParaRPr>
             </a:p>
           </p:txBody>
         </p:sp>
@@ -10837,7 +10559,7 @@
             <a:p>
               <a:pPr algn="ctr"/>
               <a:r>
-                <a:rPr lang="ko-KR" altLang="en-US" sz="1800" kern="1200" dirty="0" smtClean="0">
+                <a:rPr lang="ko-KR" altLang="en-US" sz="1800" kern="1200" dirty="0">
                   <a:solidFill>
                     <a:schemeClr val="tx1">
                       <a:lumMod val="75000"/>
@@ -10849,16 +10571,6 @@
                 </a:rPr>
                 <a:t>타겟 설정</a:t>
               </a:r>
-              <a:endParaRPr lang="ko-KR" altLang="en-US" sz="1800" kern="1200" dirty="0">
-                <a:solidFill>
-                  <a:schemeClr val="tx1">
-                    <a:lumMod val="75000"/>
-                  </a:schemeClr>
-                </a:solidFill>
-                <a:latin typeface="+mn-lt"/>
-                <a:ea typeface="+mn-ea"/>
-                <a:cs typeface="+mn-cs"/>
-              </a:endParaRPr>
             </a:p>
           </p:txBody>
         </p:sp>
@@ -10913,7 +10625,7 @@
             <a:p>
               <a:pPr marL="0" algn="ctr" defTabSz="914400" rtl="0" eaLnBrk="1" latinLnBrk="1" hangingPunct="1"/>
               <a:r>
-                <a:rPr lang="ko-KR" altLang="en-US" sz="1800" kern="1200" dirty="0" smtClean="0">
+                <a:rPr lang="ko-KR" altLang="en-US" sz="1800" kern="1200" dirty="0">
                   <a:solidFill>
                     <a:schemeClr val="tx1">
                       <a:lumMod val="75000"/>
@@ -10925,16 +10637,6 @@
                 </a:rPr>
                 <a:t>스토리보드</a:t>
               </a:r>
-              <a:endParaRPr lang="ko-KR" altLang="en-US" sz="1800" kern="1200" dirty="0">
-                <a:solidFill>
-                  <a:schemeClr val="tx1">
-                    <a:lumMod val="75000"/>
-                  </a:schemeClr>
-                </a:solidFill>
-                <a:latin typeface="+mn-lt"/>
-                <a:ea typeface="+mn-ea"/>
-                <a:cs typeface="+mn-cs"/>
-              </a:endParaRPr>
             </a:p>
           </p:txBody>
         </p:sp>
@@ -10989,7 +10691,7 @@
             <a:p>
               <a:pPr algn="ctr"/>
               <a:r>
-                <a:rPr lang="ko-KR" altLang="en-US" dirty="0" smtClean="0">
+                <a:rPr lang="ko-KR" altLang="en-US" dirty="0">
                   <a:solidFill>
                     <a:schemeClr val="tx1">
                       <a:lumMod val="75000"/>
@@ -10998,13 +10700,6 @@
                 </a:rPr>
                 <a:t>컨셉 도출</a:t>
               </a:r>
-              <a:endParaRPr lang="ko-KR" altLang="en-US" dirty="0">
-                <a:solidFill>
-                  <a:schemeClr val="tx1">
-                    <a:lumMod val="75000"/>
-                  </a:schemeClr>
-                </a:solidFill>
-              </a:endParaRPr>
             </a:p>
           </p:txBody>
         </p:sp>
@@ -11059,7 +10754,7 @@
             <a:p>
               <a:pPr marL="0" algn="ctr" defTabSz="914400" rtl="0" eaLnBrk="1" latinLnBrk="1" hangingPunct="1"/>
               <a:r>
-                <a:rPr lang="ko-KR" altLang="en-US" sz="1800" kern="1200" dirty="0" smtClean="0">
+                <a:rPr lang="ko-KR" altLang="en-US" sz="1800" kern="1200" dirty="0">
                   <a:solidFill>
                     <a:schemeClr val="tx1">
                       <a:lumMod val="75000"/>
@@ -11071,16 +10766,6 @@
                 </a:rPr>
                 <a:t>향후 계획</a:t>
               </a:r>
-              <a:endParaRPr lang="ko-KR" altLang="en-US" sz="1800" kern="1200" dirty="0">
-                <a:solidFill>
-                  <a:schemeClr val="tx1">
-                    <a:lumMod val="75000"/>
-                  </a:schemeClr>
-                </a:solidFill>
-                <a:latin typeface="+mn-lt"/>
-                <a:ea typeface="+mn-ea"/>
-                <a:cs typeface="+mn-cs"/>
-              </a:endParaRPr>
             </a:p>
           </p:txBody>
         </p:sp>
@@ -11135,7 +10820,7 @@
             <a:p>
               <a:pPr marL="0" algn="ctr" defTabSz="914400" rtl="0" eaLnBrk="1" latinLnBrk="1" hangingPunct="1"/>
               <a:r>
-                <a:rPr lang="ko-KR" altLang="en-US" sz="1800" kern="1200" dirty="0" smtClean="0">
+                <a:rPr lang="ko-KR" altLang="en-US" sz="1800" kern="1200" dirty="0">
                   <a:solidFill>
                     <a:schemeClr val="tx1">
                       <a:lumMod val="75000"/>
@@ -11147,16 +10832,6 @@
                 </a:rPr>
                 <a:t>프로모션</a:t>
               </a:r>
-              <a:endParaRPr lang="ko-KR" altLang="en-US" sz="1800" kern="1200" dirty="0">
-                <a:solidFill>
-                  <a:schemeClr val="tx1">
-                    <a:lumMod val="75000"/>
-                  </a:schemeClr>
-                </a:solidFill>
-                <a:latin typeface="+mn-lt"/>
-                <a:ea typeface="+mn-ea"/>
-                <a:cs typeface="+mn-cs"/>
-              </a:endParaRPr>
             </a:p>
           </p:txBody>
         </p:sp>
@@ -11211,7 +10886,7 @@
             <a:p>
               <a:pPr marL="0" algn="ctr" defTabSz="914400" rtl="0" eaLnBrk="1" latinLnBrk="1" hangingPunct="1"/>
               <a:r>
-                <a:rPr lang="ko-KR" altLang="en-US" sz="1800" kern="1200" dirty="0" smtClean="0">
+                <a:rPr lang="ko-KR" altLang="en-US" sz="1800" kern="1200" dirty="0">
                   <a:solidFill>
                     <a:schemeClr val="tx1">
                       <a:lumMod val="75000"/>
@@ -11223,16 +10898,6 @@
                 </a:rPr>
                 <a:t>구현</a:t>
               </a:r>
-              <a:endParaRPr lang="ko-KR" altLang="en-US" sz="1800" kern="1200" dirty="0">
-                <a:solidFill>
-                  <a:schemeClr val="tx1">
-                    <a:lumMod val="75000"/>
-                  </a:schemeClr>
-                </a:solidFill>
-                <a:latin typeface="+mn-lt"/>
-                <a:ea typeface="+mn-ea"/>
-                <a:cs typeface="+mn-cs"/>
-              </a:endParaRPr>
             </a:p>
           </p:txBody>
         </p:sp>
@@ -11290,18 +10955,17 @@
           <a:lstStyle/>
           <a:p>
             <a:r>
-              <a:rPr lang="ko-KR" altLang="en-US" dirty="0" smtClean="0"/>
+              <a:rPr lang="ko-KR" altLang="en-US" dirty="0"/>
               <a:t>주 타겟</a:t>
             </a:r>
             <a:r>
-              <a:rPr lang="en-US" altLang="ko-KR" dirty="0" smtClean="0"/>
+              <a:rPr lang="en-US" altLang="ko-KR" dirty="0"/>
               <a:t>&amp;</a:t>
             </a:r>
             <a:r>
-              <a:rPr lang="ko-KR" altLang="en-US" dirty="0" smtClean="0"/>
+              <a:rPr lang="ko-KR" altLang="en-US" dirty="0"/>
               <a:t>서브 타겟</a:t>
             </a:r>
-            <a:endParaRPr lang="ko-KR" altLang="en-US" dirty="0"/>
           </a:p>
         </p:txBody>
       </p:sp>
@@ -11487,7 +11151,7 @@
             <a:p>
               <a:pPr marL="0" algn="ctr" defTabSz="914400" rtl="0" eaLnBrk="1" latinLnBrk="1" hangingPunct="1"/>
               <a:r>
-                <a:rPr lang="ko-KR" altLang="en-US" sz="1800" kern="1200" dirty="0" smtClean="0">
+                <a:rPr lang="ko-KR" altLang="en-US" sz="1800" kern="1200" dirty="0">
                   <a:solidFill>
                     <a:schemeClr val="tx1">
                       <a:lumMod val="75000"/>
@@ -11499,16 +11163,6 @@
                 </a:rPr>
                 <a:t>현황 분석</a:t>
               </a:r>
-              <a:endParaRPr lang="ko-KR" altLang="en-US" sz="1800" kern="1200" dirty="0">
-                <a:solidFill>
-                  <a:schemeClr val="tx1">
-                    <a:lumMod val="75000"/>
-                  </a:schemeClr>
-                </a:solidFill>
-                <a:latin typeface="+mn-lt"/>
-                <a:ea typeface="+mn-ea"/>
-                <a:cs typeface="+mn-cs"/>
-              </a:endParaRPr>
             </a:p>
           </p:txBody>
         </p:sp>
@@ -11563,7 +11217,7 @@
             <a:p>
               <a:pPr algn="ctr"/>
               <a:r>
-                <a:rPr lang="ko-KR" altLang="en-US" sz="1800" kern="1200" dirty="0" smtClean="0">
+                <a:rPr lang="ko-KR" altLang="en-US" sz="1800" kern="1200" dirty="0">
                   <a:solidFill>
                     <a:srgbClr val="FFFF00"/>
                   </a:solidFill>
@@ -11573,14 +11227,6 @@
                 </a:rPr>
                 <a:t>타겟 설정</a:t>
               </a:r>
-              <a:endParaRPr lang="ko-KR" altLang="en-US" sz="1800" kern="1200" dirty="0">
-                <a:solidFill>
-                  <a:srgbClr val="FFFF00"/>
-                </a:solidFill>
-                <a:latin typeface="+mn-lt"/>
-                <a:ea typeface="+mn-ea"/>
-                <a:cs typeface="+mn-cs"/>
-              </a:endParaRPr>
             </a:p>
           </p:txBody>
         </p:sp>
@@ -11635,7 +11281,7 @@
             <a:p>
               <a:pPr marL="0" algn="ctr" defTabSz="914400" rtl="0" eaLnBrk="1" latinLnBrk="1" hangingPunct="1"/>
               <a:r>
-                <a:rPr lang="ko-KR" altLang="en-US" sz="1800" kern="1200" dirty="0" smtClean="0">
+                <a:rPr lang="ko-KR" altLang="en-US" sz="1800" kern="1200" dirty="0">
                   <a:solidFill>
                     <a:schemeClr val="tx1">
                       <a:lumMod val="75000"/>
@@ -11647,16 +11293,6 @@
                 </a:rPr>
                 <a:t>스토리보드</a:t>
               </a:r>
-              <a:endParaRPr lang="ko-KR" altLang="en-US" sz="1800" kern="1200" dirty="0">
-                <a:solidFill>
-                  <a:schemeClr val="tx1">
-                    <a:lumMod val="75000"/>
-                  </a:schemeClr>
-                </a:solidFill>
-                <a:latin typeface="+mn-lt"/>
-                <a:ea typeface="+mn-ea"/>
-                <a:cs typeface="+mn-cs"/>
-              </a:endParaRPr>
             </a:p>
           </p:txBody>
         </p:sp>
@@ -11711,7 +11347,7 @@
             <a:p>
               <a:pPr algn="ctr"/>
               <a:r>
-                <a:rPr lang="ko-KR" altLang="en-US" dirty="0" smtClean="0">
+                <a:rPr lang="ko-KR" altLang="en-US" dirty="0">
                   <a:solidFill>
                     <a:schemeClr val="tx1">
                       <a:lumMod val="75000"/>
@@ -11720,13 +11356,6 @@
                 </a:rPr>
                 <a:t>컨셉 도출</a:t>
               </a:r>
-              <a:endParaRPr lang="ko-KR" altLang="en-US" dirty="0">
-                <a:solidFill>
-                  <a:schemeClr val="tx1">
-                    <a:lumMod val="75000"/>
-                  </a:schemeClr>
-                </a:solidFill>
-              </a:endParaRPr>
             </a:p>
           </p:txBody>
         </p:sp>
@@ -11781,7 +11410,7 @@
             <a:p>
               <a:pPr marL="0" algn="ctr" defTabSz="914400" rtl="0" eaLnBrk="1" latinLnBrk="1" hangingPunct="1"/>
               <a:r>
-                <a:rPr lang="ko-KR" altLang="en-US" sz="1800" kern="1200" dirty="0" smtClean="0">
+                <a:rPr lang="ko-KR" altLang="en-US" sz="1800" kern="1200" dirty="0">
                   <a:solidFill>
                     <a:schemeClr val="tx1">
                       <a:lumMod val="75000"/>
@@ -11793,16 +11422,6 @@
                 </a:rPr>
                 <a:t>향후 계획</a:t>
               </a:r>
-              <a:endParaRPr lang="ko-KR" altLang="en-US" sz="1800" kern="1200" dirty="0">
-                <a:solidFill>
-                  <a:schemeClr val="tx1">
-                    <a:lumMod val="75000"/>
-                  </a:schemeClr>
-                </a:solidFill>
-                <a:latin typeface="+mn-lt"/>
-                <a:ea typeface="+mn-ea"/>
-                <a:cs typeface="+mn-cs"/>
-              </a:endParaRPr>
             </a:p>
           </p:txBody>
         </p:sp>
@@ -11857,7 +11476,7 @@
             <a:p>
               <a:pPr marL="0" algn="ctr" defTabSz="914400" rtl="0" eaLnBrk="1" latinLnBrk="1" hangingPunct="1"/>
               <a:r>
-                <a:rPr lang="ko-KR" altLang="en-US" sz="1800" kern="1200" dirty="0" smtClean="0">
+                <a:rPr lang="ko-KR" altLang="en-US" sz="1800" kern="1200" dirty="0">
                   <a:solidFill>
                     <a:schemeClr val="tx1">
                       <a:lumMod val="75000"/>
@@ -11869,16 +11488,6 @@
                 </a:rPr>
                 <a:t>프로모션</a:t>
               </a:r>
-              <a:endParaRPr lang="ko-KR" altLang="en-US" sz="1800" kern="1200" dirty="0">
-                <a:solidFill>
-                  <a:schemeClr val="tx1">
-                    <a:lumMod val="75000"/>
-                  </a:schemeClr>
-                </a:solidFill>
-                <a:latin typeface="+mn-lt"/>
-                <a:ea typeface="+mn-ea"/>
-                <a:cs typeface="+mn-cs"/>
-              </a:endParaRPr>
             </a:p>
           </p:txBody>
         </p:sp>
@@ -11933,7 +11542,7 @@
             <a:p>
               <a:pPr marL="0" algn="ctr" defTabSz="914400" rtl="0" eaLnBrk="1" latinLnBrk="1" hangingPunct="1"/>
               <a:r>
-                <a:rPr lang="ko-KR" altLang="en-US" sz="1800" kern="1200" dirty="0" smtClean="0">
+                <a:rPr lang="ko-KR" altLang="en-US" sz="1800" kern="1200" dirty="0">
                   <a:solidFill>
                     <a:schemeClr val="tx1">
                       <a:lumMod val="75000"/>
@@ -11945,16 +11554,6 @@
                 </a:rPr>
                 <a:t>구현</a:t>
               </a:r>
-              <a:endParaRPr lang="ko-KR" altLang="en-US" sz="1800" kern="1200" dirty="0">
-                <a:solidFill>
-                  <a:schemeClr val="tx1">
-                    <a:lumMod val="75000"/>
-                  </a:schemeClr>
-                </a:solidFill>
-                <a:latin typeface="+mn-lt"/>
-                <a:ea typeface="+mn-ea"/>
-                <a:cs typeface="+mn-cs"/>
-              </a:endParaRPr>
             </a:p>
           </p:txBody>
         </p:sp>
@@ -12012,7 +11611,7 @@
           <a:lstStyle/>
           <a:p>
             <a:r>
-              <a:rPr lang="ko-KR" altLang="en-US" smtClean="0"/>
+              <a:rPr lang="ko-KR" altLang="en-US"/>
               <a:t>앱 이름</a:t>
             </a:r>
             <a:endParaRPr lang="ko-KR" altLang="en-US" dirty="0"/>
@@ -12162,7 +11761,7 @@
             <a:p>
               <a:pPr marL="0" algn="ctr" defTabSz="914400" rtl="0" eaLnBrk="1" latinLnBrk="1" hangingPunct="1"/>
               <a:r>
-                <a:rPr lang="ko-KR" altLang="en-US" sz="1800" kern="1200" dirty="0" smtClean="0">
+                <a:rPr lang="ko-KR" altLang="en-US" sz="1800" kern="1200" dirty="0">
                   <a:solidFill>
                     <a:schemeClr val="tx1">
                       <a:lumMod val="75000"/>
@@ -12174,16 +11773,6 @@
                 </a:rPr>
                 <a:t>현황 분석</a:t>
               </a:r>
-              <a:endParaRPr lang="ko-KR" altLang="en-US" sz="1800" kern="1200" dirty="0">
-                <a:solidFill>
-                  <a:schemeClr val="tx1">
-                    <a:lumMod val="75000"/>
-                  </a:schemeClr>
-                </a:solidFill>
-                <a:latin typeface="+mn-lt"/>
-                <a:ea typeface="+mn-ea"/>
-                <a:cs typeface="+mn-cs"/>
-              </a:endParaRPr>
             </a:p>
           </p:txBody>
         </p:sp>
@@ -12238,7 +11827,7 @@
             <a:p>
               <a:pPr algn="ctr"/>
               <a:r>
-                <a:rPr lang="ko-KR" altLang="en-US" sz="1800" kern="1200" dirty="0" smtClean="0">
+                <a:rPr lang="ko-KR" altLang="en-US" sz="1800" kern="1200" dirty="0">
                   <a:solidFill>
                     <a:schemeClr val="tx1">
                       <a:lumMod val="75000"/>
@@ -12250,16 +11839,6 @@
                 </a:rPr>
                 <a:t>타겟 설정</a:t>
               </a:r>
-              <a:endParaRPr lang="ko-KR" altLang="en-US" sz="1800" kern="1200" dirty="0">
-                <a:solidFill>
-                  <a:schemeClr val="tx1">
-                    <a:lumMod val="75000"/>
-                  </a:schemeClr>
-                </a:solidFill>
-                <a:latin typeface="+mn-lt"/>
-                <a:ea typeface="+mn-ea"/>
-                <a:cs typeface="+mn-cs"/>
-              </a:endParaRPr>
             </a:p>
           </p:txBody>
         </p:sp>
@@ -12314,7 +11893,7 @@
             <a:p>
               <a:pPr marL="0" algn="ctr" defTabSz="914400" rtl="0" eaLnBrk="1" latinLnBrk="1" hangingPunct="1"/>
               <a:r>
-                <a:rPr lang="ko-KR" altLang="en-US" sz="1800" kern="1200" dirty="0" smtClean="0">
+                <a:rPr lang="ko-KR" altLang="en-US" sz="1800" kern="1200" dirty="0">
                   <a:solidFill>
                     <a:schemeClr val="tx1">
                       <a:lumMod val="75000"/>
@@ -12326,16 +11905,6 @@
                 </a:rPr>
                 <a:t>스토리보드</a:t>
               </a:r>
-              <a:endParaRPr lang="ko-KR" altLang="en-US" sz="1800" kern="1200" dirty="0">
-                <a:solidFill>
-                  <a:schemeClr val="tx1">
-                    <a:lumMod val="75000"/>
-                  </a:schemeClr>
-                </a:solidFill>
-                <a:latin typeface="+mn-lt"/>
-                <a:ea typeface="+mn-ea"/>
-                <a:cs typeface="+mn-cs"/>
-              </a:endParaRPr>
             </a:p>
           </p:txBody>
         </p:sp>
@@ -12390,18 +11959,13 @@
             <a:p>
               <a:pPr algn="ctr"/>
               <a:r>
-                <a:rPr lang="ko-KR" altLang="en-US" dirty="0" smtClean="0">
+                <a:rPr lang="ko-KR" altLang="en-US" dirty="0">
                   <a:solidFill>
                     <a:srgbClr val="FFFF00"/>
                   </a:solidFill>
                 </a:rPr>
                 <a:t>컨셉 도출</a:t>
               </a:r>
-              <a:endParaRPr lang="ko-KR" altLang="en-US" dirty="0">
-                <a:solidFill>
-                  <a:srgbClr val="FFFF00"/>
-                </a:solidFill>
-              </a:endParaRPr>
             </a:p>
           </p:txBody>
         </p:sp>
@@ -12456,7 +12020,7 @@
             <a:p>
               <a:pPr marL="0" algn="ctr" defTabSz="914400" rtl="0" eaLnBrk="1" latinLnBrk="1" hangingPunct="1"/>
               <a:r>
-                <a:rPr lang="ko-KR" altLang="en-US" sz="1800" kern="1200" dirty="0" smtClean="0">
+                <a:rPr lang="ko-KR" altLang="en-US" sz="1800" kern="1200" dirty="0">
                   <a:solidFill>
                     <a:schemeClr val="tx1">
                       <a:lumMod val="75000"/>
@@ -12468,16 +12032,6 @@
                 </a:rPr>
                 <a:t>향후 계획</a:t>
               </a:r>
-              <a:endParaRPr lang="ko-KR" altLang="en-US" sz="1800" kern="1200" dirty="0">
-                <a:solidFill>
-                  <a:schemeClr val="tx1">
-                    <a:lumMod val="75000"/>
-                  </a:schemeClr>
-                </a:solidFill>
-                <a:latin typeface="+mn-lt"/>
-                <a:ea typeface="+mn-ea"/>
-                <a:cs typeface="+mn-cs"/>
-              </a:endParaRPr>
             </a:p>
           </p:txBody>
         </p:sp>
@@ -12532,7 +12086,7 @@
             <a:p>
               <a:pPr marL="0" algn="ctr" defTabSz="914400" rtl="0" eaLnBrk="1" latinLnBrk="1" hangingPunct="1"/>
               <a:r>
-                <a:rPr lang="ko-KR" altLang="en-US" sz="1800" kern="1200" dirty="0" smtClean="0">
+                <a:rPr lang="ko-KR" altLang="en-US" sz="1800" kern="1200" dirty="0">
                   <a:solidFill>
                     <a:schemeClr val="tx1">
                       <a:lumMod val="75000"/>
@@ -12544,16 +12098,6 @@
                 </a:rPr>
                 <a:t>프로모션</a:t>
               </a:r>
-              <a:endParaRPr lang="ko-KR" altLang="en-US" sz="1800" kern="1200" dirty="0">
-                <a:solidFill>
-                  <a:schemeClr val="tx1">
-                    <a:lumMod val="75000"/>
-                  </a:schemeClr>
-                </a:solidFill>
-                <a:latin typeface="+mn-lt"/>
-                <a:ea typeface="+mn-ea"/>
-                <a:cs typeface="+mn-cs"/>
-              </a:endParaRPr>
             </a:p>
           </p:txBody>
         </p:sp>
@@ -12608,7 +12152,7 @@
             <a:p>
               <a:pPr marL="0" algn="ctr" defTabSz="914400" rtl="0" eaLnBrk="1" latinLnBrk="1" hangingPunct="1"/>
               <a:r>
-                <a:rPr lang="ko-KR" altLang="en-US" sz="1800" kern="1200" dirty="0" smtClean="0">
+                <a:rPr lang="ko-KR" altLang="en-US" sz="1800" kern="1200" dirty="0">
                   <a:solidFill>
                     <a:schemeClr val="tx1">
                       <a:lumMod val="75000"/>
@@ -12620,16 +12164,6 @@
                 </a:rPr>
                 <a:t>구현</a:t>
               </a:r>
-              <a:endParaRPr lang="ko-KR" altLang="en-US" sz="1800" kern="1200" dirty="0">
-                <a:solidFill>
-                  <a:schemeClr val="tx1">
-                    <a:lumMod val="75000"/>
-                  </a:schemeClr>
-                </a:solidFill>
-                <a:latin typeface="+mn-lt"/>
-                <a:ea typeface="+mn-ea"/>
-                <a:cs typeface="+mn-cs"/>
-              </a:endParaRPr>
             </a:p>
           </p:txBody>
         </p:sp>
@@ -12674,7 +12208,7 @@
             <p:ph idx="1"/>
             <p:extLst>
               <p:ext uri="{D42A27DB-BD31-4B8C-83A1-F6EECF244321}">
-                <p14:modId xmlns:p14="http://schemas.microsoft.com/office/powerpoint/2010/main" val="2349248054"/>
+                <p14:modId xmlns:p14="http://schemas.microsoft.com/office/powerpoint/2010/main" val="2207512241"/>
               </p:ext>
             </p:extLst>
           </p:nvPr>
@@ -15838,7 +15372,7 @@
           <a:lstStyle/>
           <a:p>
             <a:r>
-              <a:rPr lang="ko-KR" altLang="en-US" dirty="0" smtClean="0"/>
+              <a:rPr lang="ko-KR" altLang="en-US" dirty="0"/>
               <a:t>비즈니스 모델 캔버스</a:t>
             </a:r>
             <a:endParaRPr lang="ko-KR" altLang="en-US" sz="2800" dirty="0"/>
@@ -16033,7 +15567,7 @@
             <a:p>
               <a:pPr marL="0" algn="ctr" defTabSz="914400" rtl="0" eaLnBrk="1" latinLnBrk="1" hangingPunct="1"/>
               <a:r>
-                <a:rPr lang="ko-KR" altLang="en-US" sz="1800" kern="1200" dirty="0" smtClean="0">
+                <a:rPr lang="ko-KR" altLang="en-US" sz="1800" kern="1200" dirty="0">
                   <a:solidFill>
                     <a:schemeClr val="tx1">
                       <a:lumMod val="75000"/>
@@ -16045,16 +15579,6 @@
                 </a:rPr>
                 <a:t>현황 분석</a:t>
               </a:r>
-              <a:endParaRPr lang="ko-KR" altLang="en-US" sz="1800" kern="1200" dirty="0">
-                <a:solidFill>
-                  <a:schemeClr val="tx1">
-                    <a:lumMod val="75000"/>
-                  </a:schemeClr>
-                </a:solidFill>
-                <a:latin typeface="+mn-lt"/>
-                <a:ea typeface="+mn-ea"/>
-                <a:cs typeface="+mn-cs"/>
-              </a:endParaRPr>
             </a:p>
           </p:txBody>
         </p:sp>
@@ -16109,7 +15633,7 @@
             <a:p>
               <a:pPr algn="ctr"/>
               <a:r>
-                <a:rPr lang="ko-KR" altLang="en-US" sz="1800" kern="1200" dirty="0" smtClean="0">
+                <a:rPr lang="ko-KR" altLang="en-US" sz="1800" kern="1200" dirty="0">
                   <a:solidFill>
                     <a:schemeClr val="tx1">
                       <a:lumMod val="75000"/>
@@ -16121,16 +15645,6 @@
                 </a:rPr>
                 <a:t>타겟 설정</a:t>
               </a:r>
-              <a:endParaRPr lang="ko-KR" altLang="en-US" sz="1800" kern="1200" dirty="0">
-                <a:solidFill>
-                  <a:schemeClr val="tx1">
-                    <a:lumMod val="75000"/>
-                  </a:schemeClr>
-                </a:solidFill>
-                <a:latin typeface="+mn-lt"/>
-                <a:ea typeface="+mn-ea"/>
-                <a:cs typeface="+mn-cs"/>
-              </a:endParaRPr>
             </a:p>
           </p:txBody>
         </p:sp>
@@ -16185,7 +15699,7 @@
             <a:p>
               <a:pPr marL="0" algn="ctr" defTabSz="914400" rtl="0" eaLnBrk="1" latinLnBrk="1" hangingPunct="1"/>
               <a:r>
-                <a:rPr lang="ko-KR" altLang="en-US" sz="1800" kern="1200" dirty="0" smtClean="0">
+                <a:rPr lang="ko-KR" altLang="en-US" sz="1800" kern="1200" dirty="0">
                   <a:solidFill>
                     <a:schemeClr val="tx1">
                       <a:lumMod val="75000"/>
@@ -16197,16 +15711,6 @@
                 </a:rPr>
                 <a:t>스토리보드</a:t>
               </a:r>
-              <a:endParaRPr lang="ko-KR" altLang="en-US" sz="1800" kern="1200" dirty="0">
-                <a:solidFill>
-                  <a:schemeClr val="tx1">
-                    <a:lumMod val="75000"/>
-                  </a:schemeClr>
-                </a:solidFill>
-                <a:latin typeface="+mn-lt"/>
-                <a:ea typeface="+mn-ea"/>
-                <a:cs typeface="+mn-cs"/>
-              </a:endParaRPr>
             </a:p>
           </p:txBody>
         </p:sp>
@@ -16261,18 +15765,13 @@
             <a:p>
               <a:pPr algn="ctr"/>
               <a:r>
-                <a:rPr lang="ko-KR" altLang="en-US" dirty="0" smtClean="0">
+                <a:rPr lang="ko-KR" altLang="en-US" dirty="0">
                   <a:solidFill>
                     <a:srgbClr val="FFFF00"/>
                   </a:solidFill>
                 </a:rPr>
                 <a:t>컨셉 도출</a:t>
               </a:r>
-              <a:endParaRPr lang="ko-KR" altLang="en-US" dirty="0">
-                <a:solidFill>
-                  <a:srgbClr val="FFFF00"/>
-                </a:solidFill>
-              </a:endParaRPr>
             </a:p>
           </p:txBody>
         </p:sp>
@@ -16327,7 +15826,7 @@
             <a:p>
               <a:pPr marL="0" algn="ctr" defTabSz="914400" rtl="0" eaLnBrk="1" latinLnBrk="1" hangingPunct="1"/>
               <a:r>
-                <a:rPr lang="ko-KR" altLang="en-US" sz="1800" kern="1200" dirty="0" smtClean="0">
+                <a:rPr lang="ko-KR" altLang="en-US" sz="1800" kern="1200" dirty="0">
                   <a:solidFill>
                     <a:schemeClr val="tx1">
                       <a:lumMod val="75000"/>
@@ -16339,16 +15838,6 @@
                 </a:rPr>
                 <a:t>향후 계획</a:t>
               </a:r>
-              <a:endParaRPr lang="ko-KR" altLang="en-US" sz="1800" kern="1200" dirty="0">
-                <a:solidFill>
-                  <a:schemeClr val="tx1">
-                    <a:lumMod val="75000"/>
-                  </a:schemeClr>
-                </a:solidFill>
-                <a:latin typeface="+mn-lt"/>
-                <a:ea typeface="+mn-ea"/>
-                <a:cs typeface="+mn-cs"/>
-              </a:endParaRPr>
             </a:p>
           </p:txBody>
         </p:sp>
@@ -16403,7 +15892,7 @@
             <a:p>
               <a:pPr marL="0" algn="ctr" defTabSz="914400" rtl="0" eaLnBrk="1" latinLnBrk="1" hangingPunct="1"/>
               <a:r>
-                <a:rPr lang="ko-KR" altLang="en-US" sz="1800" kern="1200" dirty="0" smtClean="0">
+                <a:rPr lang="ko-KR" altLang="en-US" sz="1800" kern="1200" dirty="0">
                   <a:solidFill>
                     <a:schemeClr val="tx1">
                       <a:lumMod val="75000"/>
@@ -16415,16 +15904,6 @@
                 </a:rPr>
                 <a:t>프로모션</a:t>
               </a:r>
-              <a:endParaRPr lang="ko-KR" altLang="en-US" sz="1800" kern="1200" dirty="0">
-                <a:solidFill>
-                  <a:schemeClr val="tx1">
-                    <a:lumMod val="75000"/>
-                  </a:schemeClr>
-                </a:solidFill>
-                <a:latin typeface="+mn-lt"/>
-                <a:ea typeface="+mn-ea"/>
-                <a:cs typeface="+mn-cs"/>
-              </a:endParaRPr>
             </a:p>
           </p:txBody>
         </p:sp>
@@ -16479,7 +15958,7 @@
             <a:p>
               <a:pPr marL="0" algn="ctr" defTabSz="914400" rtl="0" eaLnBrk="1" latinLnBrk="1" hangingPunct="1"/>
               <a:r>
-                <a:rPr lang="ko-KR" altLang="en-US" sz="1800" kern="1200" dirty="0" smtClean="0">
+                <a:rPr lang="ko-KR" altLang="en-US" sz="1800" kern="1200" dirty="0">
                   <a:solidFill>
                     <a:schemeClr val="tx1">
                       <a:lumMod val="75000"/>
@@ -16491,16 +15970,6 @@
                 </a:rPr>
                 <a:t>구현</a:t>
               </a:r>
-              <a:endParaRPr lang="ko-KR" altLang="en-US" sz="1800" kern="1200" dirty="0">
-                <a:solidFill>
-                  <a:schemeClr val="tx1">
-                    <a:lumMod val="75000"/>
-                  </a:schemeClr>
-                </a:solidFill>
-                <a:latin typeface="+mn-lt"/>
-                <a:ea typeface="+mn-ea"/>
-                <a:cs typeface="+mn-cs"/>
-              </a:endParaRPr>
             </a:p>
           </p:txBody>
         </p:sp>
@@ -16607,10 +16076,9 @@
           <a:lstStyle/>
           <a:p>
             <a:r>
-              <a:rPr lang="ko-KR" altLang="en-US" dirty="0" smtClean="0"/>
+              <a:rPr lang="ko-KR" altLang="en-US" dirty="0"/>
               <a:t>메인 화면</a:t>
             </a:r>
-            <a:endParaRPr lang="ko-KR" altLang="en-US" dirty="0"/>
           </a:p>
         </p:txBody>
       </p:sp>
@@ -16893,7 +16361,7 @@
             <a:p>
               <a:pPr marL="0" algn="ctr" defTabSz="914400" rtl="0" eaLnBrk="1" latinLnBrk="1" hangingPunct="1"/>
               <a:r>
-                <a:rPr lang="ko-KR" altLang="en-US" sz="1800" kern="1200" dirty="0" smtClean="0">
+                <a:rPr lang="ko-KR" altLang="en-US" sz="1800" kern="1200" dirty="0">
                   <a:solidFill>
                     <a:schemeClr val="tx1">
                       <a:lumMod val="75000"/>
@@ -16905,16 +16373,6 @@
                 </a:rPr>
                 <a:t>현황 분석</a:t>
               </a:r>
-              <a:endParaRPr lang="ko-KR" altLang="en-US" sz="1800" kern="1200" dirty="0">
-                <a:solidFill>
-                  <a:schemeClr val="tx1">
-                    <a:lumMod val="75000"/>
-                  </a:schemeClr>
-                </a:solidFill>
-                <a:latin typeface="+mn-lt"/>
-                <a:ea typeface="+mn-ea"/>
-                <a:cs typeface="+mn-cs"/>
-              </a:endParaRPr>
             </a:p>
           </p:txBody>
         </p:sp>
@@ -16969,7 +16427,7 @@
             <a:p>
               <a:pPr algn="ctr"/>
               <a:r>
-                <a:rPr lang="ko-KR" altLang="en-US" sz="1800" kern="1200" dirty="0" smtClean="0">
+                <a:rPr lang="ko-KR" altLang="en-US" sz="1800" kern="1200" dirty="0">
                   <a:solidFill>
                     <a:schemeClr val="tx1">
                       <a:lumMod val="75000"/>
@@ -16981,16 +16439,6 @@
                 </a:rPr>
                 <a:t>타겟 설정</a:t>
               </a:r>
-              <a:endParaRPr lang="ko-KR" altLang="en-US" sz="1800" kern="1200" dirty="0">
-                <a:solidFill>
-                  <a:schemeClr val="tx1">
-                    <a:lumMod val="75000"/>
-                  </a:schemeClr>
-                </a:solidFill>
-                <a:latin typeface="+mn-lt"/>
-                <a:ea typeface="+mn-ea"/>
-                <a:cs typeface="+mn-cs"/>
-              </a:endParaRPr>
             </a:p>
           </p:txBody>
         </p:sp>
@@ -17045,7 +16493,7 @@
             <a:p>
               <a:pPr marL="0" algn="ctr" defTabSz="914400" rtl="0" eaLnBrk="1" latinLnBrk="1" hangingPunct="1"/>
               <a:r>
-                <a:rPr lang="ko-KR" altLang="en-US" sz="1800" kern="1200" dirty="0" smtClean="0">
+                <a:rPr lang="ko-KR" altLang="en-US" sz="1800" kern="1200" dirty="0">
                   <a:solidFill>
                     <a:srgbClr val="FFFF00"/>
                   </a:solidFill>
@@ -17055,14 +16503,6 @@
                 </a:rPr>
                 <a:t>스토리보드</a:t>
               </a:r>
-              <a:endParaRPr lang="ko-KR" altLang="en-US" sz="1800" kern="1200" dirty="0">
-                <a:solidFill>
-                  <a:srgbClr val="FFFF00"/>
-                </a:solidFill>
-                <a:latin typeface="+mn-lt"/>
-                <a:ea typeface="+mn-ea"/>
-                <a:cs typeface="+mn-cs"/>
-              </a:endParaRPr>
             </a:p>
           </p:txBody>
         </p:sp>
@@ -17117,7 +16557,7 @@
             <a:p>
               <a:pPr algn="ctr"/>
               <a:r>
-                <a:rPr lang="ko-KR" altLang="en-US" dirty="0" smtClean="0">
+                <a:rPr lang="ko-KR" altLang="en-US" dirty="0">
                   <a:solidFill>
                     <a:schemeClr val="tx1">
                       <a:lumMod val="75000"/>
@@ -17126,13 +16566,6 @@
                 </a:rPr>
                 <a:t>컨셉 도출</a:t>
               </a:r>
-              <a:endParaRPr lang="ko-KR" altLang="en-US" dirty="0">
-                <a:solidFill>
-                  <a:schemeClr val="tx1">
-                    <a:lumMod val="75000"/>
-                  </a:schemeClr>
-                </a:solidFill>
-              </a:endParaRPr>
             </a:p>
           </p:txBody>
         </p:sp>
@@ -17187,7 +16620,7 @@
             <a:p>
               <a:pPr marL="0" algn="ctr" defTabSz="914400" rtl="0" eaLnBrk="1" latinLnBrk="1" hangingPunct="1"/>
               <a:r>
-                <a:rPr lang="ko-KR" altLang="en-US" sz="1800" kern="1200" dirty="0" smtClean="0">
+                <a:rPr lang="ko-KR" altLang="en-US" sz="1800" kern="1200" dirty="0">
                   <a:solidFill>
                     <a:schemeClr val="tx1">
                       <a:lumMod val="75000"/>
@@ -17199,16 +16632,6 @@
                 </a:rPr>
                 <a:t>향후 계획</a:t>
               </a:r>
-              <a:endParaRPr lang="ko-KR" altLang="en-US" sz="1800" kern="1200" dirty="0">
-                <a:solidFill>
-                  <a:schemeClr val="tx1">
-                    <a:lumMod val="75000"/>
-                  </a:schemeClr>
-                </a:solidFill>
-                <a:latin typeface="+mn-lt"/>
-                <a:ea typeface="+mn-ea"/>
-                <a:cs typeface="+mn-cs"/>
-              </a:endParaRPr>
             </a:p>
           </p:txBody>
         </p:sp>
@@ -17263,7 +16686,7 @@
             <a:p>
               <a:pPr marL="0" algn="ctr" defTabSz="914400" rtl="0" eaLnBrk="1" latinLnBrk="1" hangingPunct="1"/>
               <a:r>
-                <a:rPr lang="ko-KR" altLang="en-US" sz="1800" kern="1200" dirty="0" smtClean="0">
+                <a:rPr lang="ko-KR" altLang="en-US" sz="1800" kern="1200" dirty="0">
                   <a:solidFill>
                     <a:schemeClr val="tx1">
                       <a:lumMod val="75000"/>
@@ -17275,16 +16698,6 @@
                 </a:rPr>
                 <a:t>프로모션</a:t>
               </a:r>
-              <a:endParaRPr lang="ko-KR" altLang="en-US" sz="1800" kern="1200" dirty="0">
-                <a:solidFill>
-                  <a:schemeClr val="tx1">
-                    <a:lumMod val="75000"/>
-                  </a:schemeClr>
-                </a:solidFill>
-                <a:latin typeface="+mn-lt"/>
-                <a:ea typeface="+mn-ea"/>
-                <a:cs typeface="+mn-cs"/>
-              </a:endParaRPr>
             </a:p>
           </p:txBody>
         </p:sp>
@@ -17339,7 +16752,7 @@
             <a:p>
               <a:pPr marL="0" algn="ctr" defTabSz="914400" rtl="0" eaLnBrk="1" latinLnBrk="1" hangingPunct="1"/>
               <a:r>
-                <a:rPr lang="ko-KR" altLang="en-US" sz="1800" kern="1200" dirty="0" smtClean="0">
+                <a:rPr lang="ko-KR" altLang="en-US" sz="1800" kern="1200" dirty="0">
                   <a:solidFill>
                     <a:schemeClr val="tx1">
                       <a:lumMod val="75000"/>
@@ -17351,16 +16764,6 @@
                 </a:rPr>
                 <a:t>구현</a:t>
               </a:r>
-              <a:endParaRPr lang="ko-KR" altLang="en-US" sz="1800" kern="1200" dirty="0">
-                <a:solidFill>
-                  <a:schemeClr val="tx1">
-                    <a:lumMod val="75000"/>
-                  </a:schemeClr>
-                </a:solidFill>
-                <a:latin typeface="+mn-lt"/>
-                <a:ea typeface="+mn-ea"/>
-                <a:cs typeface="+mn-cs"/>
-              </a:endParaRPr>
             </a:p>
           </p:txBody>
         </p:sp>
@@ -17418,10 +16821,9 @@
           <a:lstStyle/>
           <a:p>
             <a:r>
-              <a:rPr lang="ko-KR" altLang="en-US" dirty="0" smtClean="0"/>
+              <a:rPr lang="ko-KR" altLang="en-US" dirty="0"/>
               <a:t>팀원 구인</a:t>
             </a:r>
-            <a:endParaRPr lang="ko-KR" altLang="en-US" dirty="0"/>
           </a:p>
         </p:txBody>
       </p:sp>
@@ -17539,7 +16941,7 @@
             <a:p>
               <a:pPr marL="0" algn="ctr" defTabSz="914400" rtl="0" eaLnBrk="1" latinLnBrk="1" hangingPunct="1"/>
               <a:r>
-                <a:rPr lang="ko-KR" altLang="en-US" sz="1800" kern="1200" dirty="0" smtClean="0">
+                <a:rPr lang="ko-KR" altLang="en-US" sz="1800" kern="1200" dirty="0">
                   <a:solidFill>
                     <a:schemeClr val="tx1">
                       <a:lumMod val="75000"/>
@@ -17551,16 +16953,6 @@
                 </a:rPr>
                 <a:t>현황 분석</a:t>
               </a:r>
-              <a:endParaRPr lang="ko-KR" altLang="en-US" sz="1800" kern="1200" dirty="0">
-                <a:solidFill>
-                  <a:schemeClr val="tx1">
-                    <a:lumMod val="75000"/>
-                  </a:schemeClr>
-                </a:solidFill>
-                <a:latin typeface="+mn-lt"/>
-                <a:ea typeface="+mn-ea"/>
-                <a:cs typeface="+mn-cs"/>
-              </a:endParaRPr>
             </a:p>
           </p:txBody>
         </p:sp>
@@ -17615,7 +17007,7 @@
             <a:p>
               <a:pPr algn="ctr"/>
               <a:r>
-                <a:rPr lang="ko-KR" altLang="en-US" sz="1800" kern="1200" dirty="0" smtClean="0">
+                <a:rPr lang="ko-KR" altLang="en-US" sz="1800" kern="1200" dirty="0">
                   <a:solidFill>
                     <a:schemeClr val="tx1">
                       <a:lumMod val="75000"/>
@@ -17627,16 +17019,6 @@
                 </a:rPr>
                 <a:t>타겟 설정</a:t>
               </a:r>
-              <a:endParaRPr lang="ko-KR" altLang="en-US" sz="1800" kern="1200" dirty="0">
-                <a:solidFill>
-                  <a:schemeClr val="tx1">
-                    <a:lumMod val="75000"/>
-                  </a:schemeClr>
-                </a:solidFill>
-                <a:latin typeface="+mn-lt"/>
-                <a:ea typeface="+mn-ea"/>
-                <a:cs typeface="+mn-cs"/>
-              </a:endParaRPr>
             </a:p>
           </p:txBody>
         </p:sp>
@@ -17691,7 +17073,7 @@
             <a:p>
               <a:pPr marL="0" algn="ctr" defTabSz="914400" rtl="0" eaLnBrk="1" latinLnBrk="1" hangingPunct="1"/>
               <a:r>
-                <a:rPr lang="ko-KR" altLang="en-US" sz="1800" kern="1200" dirty="0" smtClean="0">
+                <a:rPr lang="ko-KR" altLang="en-US" sz="1800" kern="1200" dirty="0">
                   <a:solidFill>
                     <a:srgbClr val="FFFF00"/>
                   </a:solidFill>
@@ -17701,14 +17083,6 @@
                 </a:rPr>
                 <a:t>스토리보드</a:t>
               </a:r>
-              <a:endParaRPr lang="ko-KR" altLang="en-US" sz="1800" kern="1200" dirty="0">
-                <a:solidFill>
-                  <a:srgbClr val="FFFF00"/>
-                </a:solidFill>
-                <a:latin typeface="+mn-lt"/>
-                <a:ea typeface="+mn-ea"/>
-                <a:cs typeface="+mn-cs"/>
-              </a:endParaRPr>
             </a:p>
           </p:txBody>
         </p:sp>
@@ -17763,7 +17137,7 @@
             <a:p>
               <a:pPr algn="ctr"/>
               <a:r>
-                <a:rPr lang="ko-KR" altLang="en-US" dirty="0" smtClean="0">
+                <a:rPr lang="ko-KR" altLang="en-US" dirty="0">
                   <a:solidFill>
                     <a:schemeClr val="tx1">
                       <a:lumMod val="75000"/>
@@ -17772,13 +17146,6 @@
                 </a:rPr>
                 <a:t>컨셉 도출</a:t>
               </a:r>
-              <a:endParaRPr lang="ko-KR" altLang="en-US" dirty="0">
-                <a:solidFill>
-                  <a:schemeClr val="tx1">
-                    <a:lumMod val="75000"/>
-                  </a:schemeClr>
-                </a:solidFill>
-              </a:endParaRPr>
             </a:p>
           </p:txBody>
         </p:sp>
@@ -17833,7 +17200,7 @@
             <a:p>
               <a:pPr marL="0" algn="ctr" defTabSz="914400" rtl="0" eaLnBrk="1" latinLnBrk="1" hangingPunct="1"/>
               <a:r>
-                <a:rPr lang="ko-KR" altLang="en-US" sz="1800" kern="1200" dirty="0" smtClean="0">
+                <a:rPr lang="ko-KR" altLang="en-US" sz="1800" kern="1200" dirty="0">
                   <a:solidFill>
                     <a:schemeClr val="tx1">
                       <a:lumMod val="75000"/>
@@ -17845,16 +17212,6 @@
                 </a:rPr>
                 <a:t>향후 계획</a:t>
               </a:r>
-              <a:endParaRPr lang="ko-KR" altLang="en-US" sz="1800" kern="1200" dirty="0">
-                <a:solidFill>
-                  <a:schemeClr val="tx1">
-                    <a:lumMod val="75000"/>
-                  </a:schemeClr>
-                </a:solidFill>
-                <a:latin typeface="+mn-lt"/>
-                <a:ea typeface="+mn-ea"/>
-                <a:cs typeface="+mn-cs"/>
-              </a:endParaRPr>
             </a:p>
           </p:txBody>
         </p:sp>
@@ -17909,7 +17266,7 @@
             <a:p>
               <a:pPr marL="0" algn="ctr" defTabSz="914400" rtl="0" eaLnBrk="1" latinLnBrk="1" hangingPunct="1"/>
               <a:r>
-                <a:rPr lang="ko-KR" altLang="en-US" sz="1800" kern="1200" dirty="0" smtClean="0">
+                <a:rPr lang="ko-KR" altLang="en-US" sz="1800" kern="1200" dirty="0">
                   <a:solidFill>
                     <a:schemeClr val="tx1">
                       <a:lumMod val="75000"/>
@@ -17921,16 +17278,6 @@
                 </a:rPr>
                 <a:t>프로모션</a:t>
               </a:r>
-              <a:endParaRPr lang="ko-KR" altLang="en-US" sz="1800" kern="1200" dirty="0">
-                <a:solidFill>
-                  <a:schemeClr val="tx1">
-                    <a:lumMod val="75000"/>
-                  </a:schemeClr>
-                </a:solidFill>
-                <a:latin typeface="+mn-lt"/>
-                <a:ea typeface="+mn-ea"/>
-                <a:cs typeface="+mn-cs"/>
-              </a:endParaRPr>
             </a:p>
           </p:txBody>
         </p:sp>
@@ -17985,7 +17332,7 @@
             <a:p>
               <a:pPr marL="0" algn="ctr" defTabSz="914400" rtl="0" eaLnBrk="1" latinLnBrk="1" hangingPunct="1"/>
               <a:r>
-                <a:rPr lang="ko-KR" altLang="en-US" sz="1800" kern="1200" dirty="0" smtClean="0">
+                <a:rPr lang="ko-KR" altLang="en-US" sz="1800" kern="1200" dirty="0">
                   <a:solidFill>
                     <a:schemeClr val="tx1">
                       <a:lumMod val="75000"/>
@@ -17997,16 +17344,6 @@
                 </a:rPr>
                 <a:t>구현</a:t>
               </a:r>
-              <a:endParaRPr lang="ko-KR" altLang="en-US" sz="1800" kern="1200" dirty="0">
-                <a:solidFill>
-                  <a:schemeClr val="tx1">
-                    <a:lumMod val="75000"/>
-                  </a:schemeClr>
-                </a:solidFill>
-                <a:latin typeface="+mn-lt"/>
-                <a:ea typeface="+mn-ea"/>
-                <a:cs typeface="+mn-cs"/>
-              </a:endParaRPr>
             </a:p>
           </p:txBody>
         </p:sp>
@@ -18127,7 +17464,7 @@
           <a:p>
             <a:pPr algn="ctr"/>
             <a:r>
-              <a:rPr lang="ko-KR" altLang="en-US" sz="1600" dirty="0" smtClean="0">
+              <a:rPr lang="ko-KR" altLang="en-US" sz="1600" dirty="0">
                 <a:solidFill>
                   <a:schemeClr val="bg1">
                     <a:lumMod val="75000"/>
@@ -18137,7 +17474,7 @@
               </a:rPr>
               <a:t>내 팀에는 디자이너가</a:t>
             </a:r>
-            <a:endParaRPr lang="en-US" altLang="ko-KR" sz="1600" dirty="0" smtClean="0">
+            <a:endParaRPr lang="en-US" altLang="ko-KR" sz="1600" dirty="0">
               <a:solidFill>
                 <a:schemeClr val="bg1">
                   <a:lumMod val="75000"/>
@@ -18149,7 +17486,7 @@
           <a:p>
             <a:pPr algn="ctr"/>
             <a:r>
-              <a:rPr lang="ko-KR" altLang="en-US" sz="1600" dirty="0" smtClean="0">
+              <a:rPr lang="ko-KR" altLang="en-US" sz="1600" dirty="0">
                 <a:solidFill>
                   <a:schemeClr val="bg1">
                     <a:lumMod val="75000"/>
@@ -18160,7 +17497,7 @@
               <a:t>필요해</a:t>
             </a:r>
             <a:r>
-              <a:rPr lang="en-US" altLang="ko-KR" sz="1600" dirty="0" smtClean="0">
+              <a:rPr lang="en-US" altLang="ko-KR" sz="1600" dirty="0">
                 <a:solidFill>
                   <a:schemeClr val="bg1">
                     <a:lumMod val="75000"/>
@@ -18171,7 +17508,7 @@
               <a:t>!</a:t>
             </a:r>
             <a:r>
-              <a:rPr lang="ko-KR" altLang="en-US" sz="1600" dirty="0" smtClean="0">
+              <a:rPr lang="ko-KR" altLang="en-US" sz="1600" dirty="0">
                 <a:solidFill>
                   <a:schemeClr val="bg1">
                     <a:lumMod val="75000"/>
@@ -18181,7 +17518,7 @@
               </a:rPr>
               <a:t> </a:t>
             </a:r>
-            <a:endParaRPr lang="en-US" altLang="ko-KR" sz="1600" dirty="0" smtClean="0">
+            <a:endParaRPr lang="en-US" altLang="ko-KR" sz="1600" dirty="0">
               <a:solidFill>
                 <a:schemeClr val="bg1">
                   <a:lumMod val="75000"/>
@@ -18240,7 +17577,7 @@
           <a:p>
             <a:pPr algn="ctr"/>
             <a:r>
-              <a:rPr lang="ko-KR" altLang="en-US" dirty="0" smtClean="0">
+              <a:rPr lang="ko-KR" altLang="en-US" dirty="0">
                 <a:solidFill>
                   <a:srgbClr val="71DB1F"/>
                 </a:solidFill>
@@ -18248,7 +17585,7 @@
               <a:t>팀장 </a:t>
             </a:r>
             <a:r>
-              <a:rPr lang="en-US" altLang="ko-KR" dirty="0" smtClean="0">
+              <a:rPr lang="en-US" altLang="ko-KR" dirty="0">
                 <a:solidFill>
                   <a:srgbClr val="71DB1F"/>
                 </a:solidFill>
@@ -18320,7 +17657,7 @@
           <a:p>
             <a:pPr algn="ctr"/>
             <a:r>
-              <a:rPr lang="en-US" altLang="ko-KR" sz="1600" dirty="0" smtClean="0">
+              <a:rPr lang="en-US" altLang="ko-KR" sz="1600" dirty="0">
                 <a:solidFill>
                   <a:schemeClr val="bg1">
                     <a:lumMod val="75000"/>
@@ -18331,7 +17668,7 @@
               <a:t>5</a:t>
             </a:r>
             <a:r>
-              <a:rPr lang="ko-KR" altLang="en-US" sz="1600" dirty="0" smtClean="0">
+              <a:rPr lang="ko-KR" altLang="en-US" sz="1600" dirty="0">
                 <a:solidFill>
                   <a:schemeClr val="bg1">
                     <a:lumMod val="75000"/>
@@ -18341,7 +17678,7 @@
               </a:rPr>
               <a:t>명의 디자이너가 신청했는데</a:t>
             </a:r>
-            <a:endParaRPr lang="en-US" altLang="ko-KR" sz="1600" dirty="0" smtClean="0">
+            <a:endParaRPr lang="en-US" altLang="ko-KR" sz="1600" dirty="0">
               <a:solidFill>
                 <a:schemeClr val="bg1">
                   <a:lumMod val="75000"/>
@@ -18353,7 +17690,7 @@
           <a:p>
             <a:pPr algn="ctr"/>
             <a:r>
-              <a:rPr lang="ko-KR" altLang="en-US" sz="1600" dirty="0" smtClean="0">
+              <a:rPr lang="ko-KR" altLang="en-US" sz="1600" dirty="0">
                 <a:solidFill>
                   <a:schemeClr val="bg1">
                     <a:lumMod val="75000"/>
@@ -18364,7 +17701,7 @@
               <a:t>어떤 사람을 뽑아야 하지</a:t>
             </a:r>
             <a:r>
-              <a:rPr lang="en-US" altLang="ko-KR" sz="1600" dirty="0" smtClean="0">
+              <a:rPr lang="en-US" altLang="ko-KR" sz="1600" dirty="0">
                 <a:solidFill>
                   <a:schemeClr val="bg1">
                     <a:lumMod val="75000"/>
@@ -18480,7 +17817,7 @@
           <a:p>
             <a:pPr algn="ctr"/>
             <a:r>
-              <a:rPr lang="ko-KR" altLang="en-US" sz="1600" dirty="0" smtClean="0">
+              <a:rPr lang="ko-KR" altLang="en-US" sz="1600" dirty="0">
                 <a:solidFill>
                   <a:schemeClr val="bg1">
                     <a:lumMod val="75000"/>
@@ -18490,7 +17827,7 @@
               </a:rPr>
               <a:t>어떤 사람이 우리 팀의 컨셉에</a:t>
             </a:r>
-            <a:endParaRPr lang="en-US" altLang="ko-KR" sz="1600" dirty="0" smtClean="0">
+            <a:endParaRPr lang="en-US" altLang="ko-KR" sz="1600" dirty="0">
               <a:solidFill>
                 <a:schemeClr val="bg1">
                   <a:lumMod val="75000"/>
@@ -18502,7 +17839,7 @@
           <a:p>
             <a:pPr algn="ctr"/>
             <a:r>
-              <a:rPr lang="ko-KR" altLang="en-US" sz="1600" dirty="0" smtClean="0">
+              <a:rPr lang="ko-KR" altLang="en-US" sz="1600" dirty="0">
                 <a:solidFill>
                   <a:schemeClr val="bg1">
                     <a:lumMod val="75000"/>
@@ -18513,7 +17850,7 @@
               <a:t>더 어울릴지 모르겠어</a:t>
             </a:r>
             <a:r>
-              <a:rPr lang="en-US" altLang="ko-KR" sz="1600" dirty="0" smtClean="0">
+              <a:rPr lang="en-US" altLang="ko-KR" sz="1600" dirty="0">
                 <a:solidFill>
                   <a:schemeClr val="bg1">
                     <a:lumMod val="75000"/>
@@ -18659,14 +17996,6 @@
               </a:rPr>
               <a:t>인스턴스</a:t>
             </a:r>
-            <a:r>
-              <a:rPr lang="en-US" altLang="ko-KR" dirty="0">
-                <a:latin typeface="함초롬돋움" panose="020B0604000101010101" pitchFamily="50" charset="-127"/>
-                <a:ea typeface="함초롬돋움" panose="020B0604000101010101" pitchFamily="50" charset="-127"/>
-                <a:cs typeface="함초롬돋움" panose="020B0604000101010101" pitchFamily="50" charset="-127"/>
-              </a:rPr>
-              <a:t/>
-            </a:r>
             <a:br>
               <a:rPr lang="en-US" altLang="ko-KR" dirty="0">
                 <a:latin typeface="함초롬돋움" panose="020B0604000101010101" pitchFamily="50" charset="-127"/>
@@ -18969,10 +18298,9 @@
           <a:lstStyle/>
           <a:p>
             <a:r>
-              <a:rPr lang="ko-KR" altLang="en-US" dirty="0" smtClean="0"/>
+              <a:rPr lang="ko-KR" altLang="en-US" dirty="0"/>
               <a:t>파티 참가</a:t>
             </a:r>
-            <a:endParaRPr lang="ko-KR" altLang="en-US" dirty="0"/>
           </a:p>
         </p:txBody>
       </p:sp>
@@ -19129,7 +18457,7 @@
             <a:p>
               <a:pPr marL="0" algn="ctr" defTabSz="914400" rtl="0" eaLnBrk="1" latinLnBrk="1" hangingPunct="1"/>
               <a:r>
-                <a:rPr lang="ko-KR" altLang="en-US" sz="1800" kern="1200" dirty="0" smtClean="0">
+                <a:rPr lang="ko-KR" altLang="en-US" sz="1800" kern="1200" dirty="0">
                   <a:solidFill>
                     <a:schemeClr val="tx1">
                       <a:lumMod val="75000"/>
@@ -19141,16 +18469,6 @@
                 </a:rPr>
                 <a:t>현황 분석</a:t>
               </a:r>
-              <a:endParaRPr lang="ko-KR" altLang="en-US" sz="1800" kern="1200" dirty="0">
-                <a:solidFill>
-                  <a:schemeClr val="tx1">
-                    <a:lumMod val="75000"/>
-                  </a:schemeClr>
-                </a:solidFill>
-                <a:latin typeface="+mn-lt"/>
-                <a:ea typeface="+mn-ea"/>
-                <a:cs typeface="+mn-cs"/>
-              </a:endParaRPr>
             </a:p>
           </p:txBody>
         </p:sp>
@@ -19205,7 +18523,7 @@
             <a:p>
               <a:pPr algn="ctr"/>
               <a:r>
-                <a:rPr lang="ko-KR" altLang="en-US" sz="1800" kern="1200" dirty="0" smtClean="0">
+                <a:rPr lang="ko-KR" altLang="en-US" sz="1800" kern="1200" dirty="0">
                   <a:solidFill>
                     <a:schemeClr val="tx1">
                       <a:lumMod val="75000"/>
@@ -19217,16 +18535,6 @@
                 </a:rPr>
                 <a:t>타겟 설정</a:t>
               </a:r>
-              <a:endParaRPr lang="ko-KR" altLang="en-US" sz="1800" kern="1200" dirty="0">
-                <a:solidFill>
-                  <a:schemeClr val="tx1">
-                    <a:lumMod val="75000"/>
-                  </a:schemeClr>
-                </a:solidFill>
-                <a:latin typeface="+mn-lt"/>
-                <a:ea typeface="+mn-ea"/>
-                <a:cs typeface="+mn-cs"/>
-              </a:endParaRPr>
             </a:p>
           </p:txBody>
         </p:sp>
@@ -19281,7 +18589,7 @@
             <a:p>
               <a:pPr marL="0" algn="ctr" defTabSz="914400" rtl="0" eaLnBrk="1" latinLnBrk="1" hangingPunct="1"/>
               <a:r>
-                <a:rPr lang="ko-KR" altLang="en-US" sz="1800" kern="1200" dirty="0" smtClean="0">
+                <a:rPr lang="ko-KR" altLang="en-US" sz="1800" kern="1200" dirty="0">
                   <a:solidFill>
                     <a:srgbClr val="FFFF00"/>
                   </a:solidFill>
@@ -19291,14 +18599,6 @@
                 </a:rPr>
                 <a:t>스토리보드</a:t>
               </a:r>
-              <a:endParaRPr lang="ko-KR" altLang="en-US" sz="1800" kern="1200" dirty="0">
-                <a:solidFill>
-                  <a:srgbClr val="FFFF00"/>
-                </a:solidFill>
-                <a:latin typeface="+mn-lt"/>
-                <a:ea typeface="+mn-ea"/>
-                <a:cs typeface="+mn-cs"/>
-              </a:endParaRPr>
             </a:p>
           </p:txBody>
         </p:sp>
@@ -19353,7 +18653,7 @@
             <a:p>
               <a:pPr algn="ctr"/>
               <a:r>
-                <a:rPr lang="ko-KR" altLang="en-US" dirty="0" smtClean="0">
+                <a:rPr lang="ko-KR" altLang="en-US" dirty="0">
                   <a:solidFill>
                     <a:schemeClr val="tx1">
                       <a:lumMod val="75000"/>
@@ -19362,13 +18662,6 @@
                 </a:rPr>
                 <a:t>컨셉 도출</a:t>
               </a:r>
-              <a:endParaRPr lang="ko-KR" altLang="en-US" dirty="0">
-                <a:solidFill>
-                  <a:schemeClr val="tx1">
-                    <a:lumMod val="75000"/>
-                  </a:schemeClr>
-                </a:solidFill>
-              </a:endParaRPr>
             </a:p>
           </p:txBody>
         </p:sp>
@@ -19423,7 +18716,7 @@
             <a:p>
               <a:pPr marL="0" algn="ctr" defTabSz="914400" rtl="0" eaLnBrk="1" latinLnBrk="1" hangingPunct="1"/>
               <a:r>
-                <a:rPr lang="ko-KR" altLang="en-US" sz="1800" kern="1200" dirty="0" smtClean="0">
+                <a:rPr lang="ko-KR" altLang="en-US" sz="1800" kern="1200" dirty="0">
                   <a:solidFill>
                     <a:schemeClr val="tx1">
                       <a:lumMod val="75000"/>
@@ -19435,16 +18728,6 @@
                 </a:rPr>
                 <a:t>향후 계획</a:t>
               </a:r>
-              <a:endParaRPr lang="ko-KR" altLang="en-US" sz="1800" kern="1200" dirty="0">
-                <a:solidFill>
-                  <a:schemeClr val="tx1">
-                    <a:lumMod val="75000"/>
-                  </a:schemeClr>
-                </a:solidFill>
-                <a:latin typeface="+mn-lt"/>
-                <a:ea typeface="+mn-ea"/>
-                <a:cs typeface="+mn-cs"/>
-              </a:endParaRPr>
             </a:p>
           </p:txBody>
         </p:sp>
@@ -19499,7 +18782,7 @@
             <a:p>
               <a:pPr marL="0" algn="ctr" defTabSz="914400" rtl="0" eaLnBrk="1" latinLnBrk="1" hangingPunct="1"/>
               <a:r>
-                <a:rPr lang="ko-KR" altLang="en-US" sz="1800" kern="1200" dirty="0" smtClean="0">
+                <a:rPr lang="ko-KR" altLang="en-US" sz="1800" kern="1200" dirty="0">
                   <a:solidFill>
                     <a:schemeClr val="tx1">
                       <a:lumMod val="75000"/>
@@ -19511,16 +18794,6 @@
                 </a:rPr>
                 <a:t>프로모션</a:t>
               </a:r>
-              <a:endParaRPr lang="ko-KR" altLang="en-US" sz="1800" kern="1200" dirty="0">
-                <a:solidFill>
-                  <a:schemeClr val="tx1">
-                    <a:lumMod val="75000"/>
-                  </a:schemeClr>
-                </a:solidFill>
-                <a:latin typeface="+mn-lt"/>
-                <a:ea typeface="+mn-ea"/>
-                <a:cs typeface="+mn-cs"/>
-              </a:endParaRPr>
             </a:p>
           </p:txBody>
         </p:sp>
@@ -19575,7 +18848,7 @@
             <a:p>
               <a:pPr marL="0" algn="ctr" defTabSz="914400" rtl="0" eaLnBrk="1" latinLnBrk="1" hangingPunct="1"/>
               <a:r>
-                <a:rPr lang="ko-KR" altLang="en-US" sz="1800" kern="1200" dirty="0" smtClean="0">
+                <a:rPr lang="ko-KR" altLang="en-US" sz="1800" kern="1200" dirty="0">
                   <a:solidFill>
                     <a:schemeClr val="tx1">
                       <a:lumMod val="75000"/>
@@ -19587,16 +18860,6 @@
                 </a:rPr>
                 <a:t>구현</a:t>
               </a:r>
-              <a:endParaRPr lang="ko-KR" altLang="en-US" sz="1800" kern="1200" dirty="0">
-                <a:solidFill>
-                  <a:schemeClr val="tx1">
-                    <a:lumMod val="75000"/>
-                  </a:schemeClr>
-                </a:solidFill>
-                <a:latin typeface="+mn-lt"/>
-                <a:ea typeface="+mn-ea"/>
-                <a:cs typeface="+mn-cs"/>
-              </a:endParaRPr>
             </a:p>
           </p:txBody>
         </p:sp>
@@ -19654,10 +18917,9 @@
           <a:lstStyle/>
           <a:p>
             <a:r>
-              <a:rPr lang="ko-KR" altLang="en-US" dirty="0" smtClean="0"/>
+              <a:rPr lang="ko-KR" altLang="en-US" dirty="0"/>
               <a:t>공모전 신청</a:t>
             </a:r>
-            <a:endParaRPr lang="ko-KR" altLang="en-US" dirty="0"/>
           </a:p>
         </p:txBody>
       </p:sp>
@@ -19797,7 +19059,7 @@
             <a:p>
               <a:pPr marL="0" algn="ctr" defTabSz="914400" rtl="0" eaLnBrk="1" latinLnBrk="1" hangingPunct="1"/>
               <a:r>
-                <a:rPr lang="ko-KR" altLang="en-US" sz="1800" kern="1200" dirty="0" smtClean="0">
+                <a:rPr lang="ko-KR" altLang="en-US" sz="1800" kern="1200" dirty="0">
                   <a:solidFill>
                     <a:schemeClr val="tx1">
                       <a:lumMod val="75000"/>
@@ -19809,16 +19071,6 @@
                 </a:rPr>
                 <a:t>현황 분석</a:t>
               </a:r>
-              <a:endParaRPr lang="ko-KR" altLang="en-US" sz="1800" kern="1200" dirty="0">
-                <a:solidFill>
-                  <a:schemeClr val="tx1">
-                    <a:lumMod val="75000"/>
-                  </a:schemeClr>
-                </a:solidFill>
-                <a:latin typeface="+mn-lt"/>
-                <a:ea typeface="+mn-ea"/>
-                <a:cs typeface="+mn-cs"/>
-              </a:endParaRPr>
             </a:p>
           </p:txBody>
         </p:sp>
@@ -19873,7 +19125,7 @@
             <a:p>
               <a:pPr algn="ctr"/>
               <a:r>
-                <a:rPr lang="ko-KR" altLang="en-US" sz="1800" kern="1200" dirty="0" smtClean="0">
+                <a:rPr lang="ko-KR" altLang="en-US" sz="1800" kern="1200" dirty="0">
                   <a:solidFill>
                     <a:schemeClr val="tx1">
                       <a:lumMod val="75000"/>
@@ -19885,16 +19137,6 @@
                 </a:rPr>
                 <a:t>타겟 설정</a:t>
               </a:r>
-              <a:endParaRPr lang="ko-KR" altLang="en-US" sz="1800" kern="1200" dirty="0">
-                <a:solidFill>
-                  <a:schemeClr val="tx1">
-                    <a:lumMod val="75000"/>
-                  </a:schemeClr>
-                </a:solidFill>
-                <a:latin typeface="+mn-lt"/>
-                <a:ea typeface="+mn-ea"/>
-                <a:cs typeface="+mn-cs"/>
-              </a:endParaRPr>
             </a:p>
           </p:txBody>
         </p:sp>
@@ -19949,7 +19191,7 @@
             <a:p>
               <a:pPr marL="0" algn="ctr" defTabSz="914400" rtl="0" eaLnBrk="1" latinLnBrk="1" hangingPunct="1"/>
               <a:r>
-                <a:rPr lang="ko-KR" altLang="en-US" sz="1800" kern="1200" dirty="0" smtClean="0">
+                <a:rPr lang="ko-KR" altLang="en-US" sz="1800" kern="1200" dirty="0">
                   <a:solidFill>
                     <a:srgbClr val="FFFF00"/>
                   </a:solidFill>
@@ -19959,14 +19201,6 @@
                 </a:rPr>
                 <a:t>스토리보드</a:t>
               </a:r>
-              <a:endParaRPr lang="ko-KR" altLang="en-US" sz="1800" kern="1200" dirty="0">
-                <a:solidFill>
-                  <a:srgbClr val="FFFF00"/>
-                </a:solidFill>
-                <a:latin typeface="+mn-lt"/>
-                <a:ea typeface="+mn-ea"/>
-                <a:cs typeface="+mn-cs"/>
-              </a:endParaRPr>
             </a:p>
           </p:txBody>
         </p:sp>
@@ -20021,7 +19255,7 @@
             <a:p>
               <a:pPr algn="ctr"/>
               <a:r>
-                <a:rPr lang="ko-KR" altLang="en-US" dirty="0" smtClean="0">
+                <a:rPr lang="ko-KR" altLang="en-US" dirty="0">
                   <a:solidFill>
                     <a:schemeClr val="tx1">
                       <a:lumMod val="75000"/>
@@ -20030,13 +19264,6 @@
                 </a:rPr>
                 <a:t>컨셉 도출</a:t>
               </a:r>
-              <a:endParaRPr lang="ko-KR" altLang="en-US" dirty="0">
-                <a:solidFill>
-                  <a:schemeClr val="tx1">
-                    <a:lumMod val="75000"/>
-                  </a:schemeClr>
-                </a:solidFill>
-              </a:endParaRPr>
             </a:p>
           </p:txBody>
         </p:sp>
@@ -20091,7 +19318,7 @@
             <a:p>
               <a:pPr marL="0" algn="ctr" defTabSz="914400" rtl="0" eaLnBrk="1" latinLnBrk="1" hangingPunct="1"/>
               <a:r>
-                <a:rPr lang="ko-KR" altLang="en-US" sz="1800" kern="1200" dirty="0" smtClean="0">
+                <a:rPr lang="ko-KR" altLang="en-US" sz="1800" kern="1200" dirty="0">
                   <a:solidFill>
                     <a:schemeClr val="tx1">
                       <a:lumMod val="75000"/>
@@ -20103,16 +19330,6 @@
                 </a:rPr>
                 <a:t>향후 계획</a:t>
               </a:r>
-              <a:endParaRPr lang="ko-KR" altLang="en-US" sz="1800" kern="1200" dirty="0">
-                <a:solidFill>
-                  <a:schemeClr val="tx1">
-                    <a:lumMod val="75000"/>
-                  </a:schemeClr>
-                </a:solidFill>
-                <a:latin typeface="+mn-lt"/>
-                <a:ea typeface="+mn-ea"/>
-                <a:cs typeface="+mn-cs"/>
-              </a:endParaRPr>
             </a:p>
           </p:txBody>
         </p:sp>
@@ -20167,7 +19384,7 @@
             <a:p>
               <a:pPr marL="0" algn="ctr" defTabSz="914400" rtl="0" eaLnBrk="1" latinLnBrk="1" hangingPunct="1"/>
               <a:r>
-                <a:rPr lang="ko-KR" altLang="en-US" sz="1800" kern="1200" dirty="0" smtClean="0">
+                <a:rPr lang="ko-KR" altLang="en-US" sz="1800" kern="1200" dirty="0">
                   <a:solidFill>
                     <a:schemeClr val="tx1">
                       <a:lumMod val="75000"/>
@@ -20179,16 +19396,6 @@
                 </a:rPr>
                 <a:t>프로모션</a:t>
               </a:r>
-              <a:endParaRPr lang="ko-KR" altLang="en-US" sz="1800" kern="1200" dirty="0">
-                <a:solidFill>
-                  <a:schemeClr val="tx1">
-                    <a:lumMod val="75000"/>
-                  </a:schemeClr>
-                </a:solidFill>
-                <a:latin typeface="+mn-lt"/>
-                <a:ea typeface="+mn-ea"/>
-                <a:cs typeface="+mn-cs"/>
-              </a:endParaRPr>
             </a:p>
           </p:txBody>
         </p:sp>
@@ -20243,7 +19450,7 @@
             <a:p>
               <a:pPr marL="0" algn="ctr" defTabSz="914400" rtl="0" eaLnBrk="1" latinLnBrk="1" hangingPunct="1"/>
               <a:r>
-                <a:rPr lang="ko-KR" altLang="en-US" sz="1800" kern="1200" dirty="0" smtClean="0">
+                <a:rPr lang="ko-KR" altLang="en-US" sz="1800" kern="1200" dirty="0">
                   <a:solidFill>
                     <a:schemeClr val="tx1">
                       <a:lumMod val="75000"/>
@@ -20255,16 +19462,6 @@
                 </a:rPr>
                 <a:t>구현</a:t>
               </a:r>
-              <a:endParaRPr lang="ko-KR" altLang="en-US" sz="1800" kern="1200" dirty="0">
-                <a:solidFill>
-                  <a:schemeClr val="tx1">
-                    <a:lumMod val="75000"/>
-                  </a:schemeClr>
-                </a:solidFill>
-                <a:latin typeface="+mn-lt"/>
-                <a:ea typeface="+mn-ea"/>
-                <a:cs typeface="+mn-cs"/>
-              </a:endParaRPr>
             </a:p>
           </p:txBody>
         </p:sp>
@@ -20322,7 +19519,7 @@
           <a:lstStyle/>
           <a:p>
             <a:r>
-              <a:rPr lang="ko-KR" altLang="en-US" smtClean="0"/>
+              <a:rPr lang="ko-KR" altLang="en-US"/>
               <a:t>상호 평가</a:t>
             </a:r>
             <a:endParaRPr lang="ko-KR" altLang="en-US" dirty="0"/>
@@ -20486,7 +19683,7 @@
             <a:p>
               <a:pPr marL="0" algn="ctr" defTabSz="914400" rtl="0" eaLnBrk="1" latinLnBrk="1" hangingPunct="1"/>
               <a:r>
-                <a:rPr lang="ko-KR" altLang="en-US" sz="1800" kern="1200" dirty="0" smtClean="0">
+                <a:rPr lang="ko-KR" altLang="en-US" sz="1800" kern="1200" dirty="0">
                   <a:solidFill>
                     <a:schemeClr val="tx1">
                       <a:lumMod val="75000"/>
@@ -20498,16 +19695,6 @@
                 </a:rPr>
                 <a:t>현황 분석</a:t>
               </a:r>
-              <a:endParaRPr lang="ko-KR" altLang="en-US" sz="1800" kern="1200" dirty="0">
-                <a:solidFill>
-                  <a:schemeClr val="tx1">
-                    <a:lumMod val="75000"/>
-                  </a:schemeClr>
-                </a:solidFill>
-                <a:latin typeface="+mn-lt"/>
-                <a:ea typeface="+mn-ea"/>
-                <a:cs typeface="+mn-cs"/>
-              </a:endParaRPr>
             </a:p>
           </p:txBody>
         </p:sp>
@@ -20562,7 +19749,7 @@
             <a:p>
               <a:pPr algn="ctr"/>
               <a:r>
-                <a:rPr lang="ko-KR" altLang="en-US" sz="1800" kern="1200" dirty="0" smtClean="0">
+                <a:rPr lang="ko-KR" altLang="en-US" sz="1800" kern="1200" dirty="0">
                   <a:solidFill>
                     <a:schemeClr val="tx1">
                       <a:lumMod val="75000"/>
@@ -20574,16 +19761,6 @@
                 </a:rPr>
                 <a:t>타겟 설정</a:t>
               </a:r>
-              <a:endParaRPr lang="ko-KR" altLang="en-US" sz="1800" kern="1200" dirty="0">
-                <a:solidFill>
-                  <a:schemeClr val="tx1">
-                    <a:lumMod val="75000"/>
-                  </a:schemeClr>
-                </a:solidFill>
-                <a:latin typeface="+mn-lt"/>
-                <a:ea typeface="+mn-ea"/>
-                <a:cs typeface="+mn-cs"/>
-              </a:endParaRPr>
             </a:p>
           </p:txBody>
         </p:sp>
@@ -20638,7 +19815,7 @@
             <a:p>
               <a:pPr marL="0" algn="ctr" defTabSz="914400" rtl="0" eaLnBrk="1" latinLnBrk="1" hangingPunct="1"/>
               <a:r>
-                <a:rPr lang="ko-KR" altLang="en-US" sz="1800" kern="1200" dirty="0" smtClean="0">
+                <a:rPr lang="ko-KR" altLang="en-US" sz="1800" kern="1200" dirty="0">
                   <a:solidFill>
                     <a:srgbClr val="FFFF00"/>
                   </a:solidFill>
@@ -20648,14 +19825,6 @@
                 </a:rPr>
                 <a:t>스토리보드</a:t>
               </a:r>
-              <a:endParaRPr lang="ko-KR" altLang="en-US" sz="1800" kern="1200" dirty="0">
-                <a:solidFill>
-                  <a:srgbClr val="FFFF00"/>
-                </a:solidFill>
-                <a:latin typeface="+mn-lt"/>
-                <a:ea typeface="+mn-ea"/>
-                <a:cs typeface="+mn-cs"/>
-              </a:endParaRPr>
             </a:p>
           </p:txBody>
         </p:sp>
@@ -20710,7 +19879,7 @@
             <a:p>
               <a:pPr algn="ctr"/>
               <a:r>
-                <a:rPr lang="ko-KR" altLang="en-US" dirty="0" smtClean="0">
+                <a:rPr lang="ko-KR" altLang="en-US" dirty="0">
                   <a:solidFill>
                     <a:schemeClr val="tx1">
                       <a:lumMod val="75000"/>
@@ -20719,13 +19888,6 @@
                 </a:rPr>
                 <a:t>컨셉 도출</a:t>
               </a:r>
-              <a:endParaRPr lang="ko-KR" altLang="en-US" dirty="0">
-                <a:solidFill>
-                  <a:schemeClr val="tx1">
-                    <a:lumMod val="75000"/>
-                  </a:schemeClr>
-                </a:solidFill>
-              </a:endParaRPr>
             </a:p>
           </p:txBody>
         </p:sp>
@@ -20780,7 +19942,7 @@
             <a:p>
               <a:pPr marL="0" algn="ctr" defTabSz="914400" rtl="0" eaLnBrk="1" latinLnBrk="1" hangingPunct="1"/>
               <a:r>
-                <a:rPr lang="ko-KR" altLang="en-US" sz="1800" kern="1200" dirty="0" smtClean="0">
+                <a:rPr lang="ko-KR" altLang="en-US" sz="1800" kern="1200" dirty="0">
                   <a:solidFill>
                     <a:schemeClr val="tx1">
                       <a:lumMod val="75000"/>
@@ -20792,16 +19954,6 @@
                 </a:rPr>
                 <a:t>향후 계획</a:t>
               </a:r>
-              <a:endParaRPr lang="ko-KR" altLang="en-US" sz="1800" kern="1200" dirty="0">
-                <a:solidFill>
-                  <a:schemeClr val="tx1">
-                    <a:lumMod val="75000"/>
-                  </a:schemeClr>
-                </a:solidFill>
-                <a:latin typeface="+mn-lt"/>
-                <a:ea typeface="+mn-ea"/>
-                <a:cs typeface="+mn-cs"/>
-              </a:endParaRPr>
             </a:p>
           </p:txBody>
         </p:sp>
@@ -20856,7 +20008,7 @@
             <a:p>
               <a:pPr marL="0" algn="ctr" defTabSz="914400" rtl="0" eaLnBrk="1" latinLnBrk="1" hangingPunct="1"/>
               <a:r>
-                <a:rPr lang="ko-KR" altLang="en-US" sz="1800" kern="1200" dirty="0" smtClean="0">
+                <a:rPr lang="ko-KR" altLang="en-US" sz="1800" kern="1200" dirty="0">
                   <a:solidFill>
                     <a:schemeClr val="tx1">
                       <a:lumMod val="75000"/>
@@ -20868,16 +20020,6 @@
                 </a:rPr>
                 <a:t>프로모션</a:t>
               </a:r>
-              <a:endParaRPr lang="ko-KR" altLang="en-US" sz="1800" kern="1200" dirty="0">
-                <a:solidFill>
-                  <a:schemeClr val="tx1">
-                    <a:lumMod val="75000"/>
-                  </a:schemeClr>
-                </a:solidFill>
-                <a:latin typeface="+mn-lt"/>
-                <a:ea typeface="+mn-ea"/>
-                <a:cs typeface="+mn-cs"/>
-              </a:endParaRPr>
             </a:p>
           </p:txBody>
         </p:sp>
@@ -20932,7 +20074,7 @@
             <a:p>
               <a:pPr marL="0" algn="ctr" defTabSz="914400" rtl="0" eaLnBrk="1" latinLnBrk="1" hangingPunct="1"/>
               <a:r>
-                <a:rPr lang="ko-KR" altLang="en-US" sz="1800" kern="1200" dirty="0" smtClean="0">
+                <a:rPr lang="ko-KR" altLang="en-US" sz="1800" kern="1200" dirty="0">
                   <a:solidFill>
                     <a:schemeClr val="tx1">
                       <a:lumMod val="75000"/>
@@ -20944,16 +20086,6 @@
                 </a:rPr>
                 <a:t>구현</a:t>
               </a:r>
-              <a:endParaRPr lang="ko-KR" altLang="en-US" sz="1800" kern="1200" dirty="0">
-                <a:solidFill>
-                  <a:schemeClr val="tx1">
-                    <a:lumMod val="75000"/>
-                  </a:schemeClr>
-                </a:solidFill>
-                <a:latin typeface="+mn-lt"/>
-                <a:ea typeface="+mn-ea"/>
-                <a:cs typeface="+mn-cs"/>
-              </a:endParaRPr>
             </a:p>
           </p:txBody>
         </p:sp>
@@ -21011,14 +20143,13 @@
           <a:lstStyle/>
           <a:p>
             <a:r>
-              <a:rPr lang="en-US" altLang="ko-KR" dirty="0" smtClean="0"/>
+              <a:rPr lang="en-US" altLang="ko-KR" dirty="0"/>
               <a:t>SWOT </a:t>
             </a:r>
             <a:r>
-              <a:rPr lang="ko-KR" altLang="en-US" dirty="0" smtClean="0"/>
+              <a:rPr lang="ko-KR" altLang="en-US" dirty="0"/>
               <a:t>분석</a:t>
             </a:r>
-            <a:endParaRPr lang="ko-KR" altLang="en-US" dirty="0"/>
           </a:p>
         </p:txBody>
       </p:sp>
@@ -21237,7 +20368,7 @@
             <a:p>
               <a:pPr marL="0" algn="ctr" defTabSz="914400" rtl="0" eaLnBrk="1" latinLnBrk="1" hangingPunct="1"/>
               <a:r>
-                <a:rPr lang="ko-KR" altLang="en-US" sz="1800" kern="1200" dirty="0" smtClean="0">
+                <a:rPr lang="ko-KR" altLang="en-US" sz="1800" kern="1200" dirty="0">
                   <a:solidFill>
                     <a:schemeClr val="tx1">
                       <a:lumMod val="75000"/>
@@ -21249,16 +20380,6 @@
                 </a:rPr>
                 <a:t>현황 분석</a:t>
               </a:r>
-              <a:endParaRPr lang="ko-KR" altLang="en-US" sz="1800" kern="1200" dirty="0">
-                <a:solidFill>
-                  <a:schemeClr val="tx1">
-                    <a:lumMod val="75000"/>
-                  </a:schemeClr>
-                </a:solidFill>
-                <a:latin typeface="+mn-lt"/>
-                <a:ea typeface="+mn-ea"/>
-                <a:cs typeface="+mn-cs"/>
-              </a:endParaRPr>
             </a:p>
           </p:txBody>
         </p:sp>
@@ -21313,7 +20434,7 @@
             <a:p>
               <a:pPr algn="ctr"/>
               <a:r>
-                <a:rPr lang="ko-KR" altLang="en-US" sz="1800" kern="1200" dirty="0" smtClean="0">
+                <a:rPr lang="ko-KR" altLang="en-US" sz="1800" kern="1200" dirty="0">
                   <a:solidFill>
                     <a:schemeClr val="tx1">
                       <a:lumMod val="75000"/>
@@ -21325,16 +20446,6 @@
                 </a:rPr>
                 <a:t>타겟 설정</a:t>
               </a:r>
-              <a:endParaRPr lang="ko-KR" altLang="en-US" sz="1800" kern="1200" dirty="0">
-                <a:solidFill>
-                  <a:schemeClr val="tx1">
-                    <a:lumMod val="75000"/>
-                  </a:schemeClr>
-                </a:solidFill>
-                <a:latin typeface="+mn-lt"/>
-                <a:ea typeface="+mn-ea"/>
-                <a:cs typeface="+mn-cs"/>
-              </a:endParaRPr>
             </a:p>
           </p:txBody>
         </p:sp>
@@ -21389,7 +20500,7 @@
             <a:p>
               <a:pPr marL="0" algn="ctr" defTabSz="914400" rtl="0" eaLnBrk="1" latinLnBrk="1" hangingPunct="1"/>
               <a:r>
-                <a:rPr lang="ko-KR" altLang="en-US" sz="1800" kern="1200" dirty="0" smtClean="0">
+                <a:rPr lang="ko-KR" altLang="en-US" sz="1800" kern="1200" dirty="0">
                   <a:solidFill>
                     <a:schemeClr val="tx1">
                       <a:lumMod val="75000"/>
@@ -21401,16 +20512,6 @@
                 </a:rPr>
                 <a:t>스토리보드</a:t>
               </a:r>
-              <a:endParaRPr lang="ko-KR" altLang="en-US" sz="1800" kern="1200" dirty="0">
-                <a:solidFill>
-                  <a:schemeClr val="tx1">
-                    <a:lumMod val="75000"/>
-                  </a:schemeClr>
-                </a:solidFill>
-                <a:latin typeface="+mn-lt"/>
-                <a:ea typeface="+mn-ea"/>
-                <a:cs typeface="+mn-cs"/>
-              </a:endParaRPr>
             </a:p>
           </p:txBody>
         </p:sp>
@@ -21465,7 +20566,7 @@
             <a:p>
               <a:pPr algn="ctr"/>
               <a:r>
-                <a:rPr lang="ko-KR" altLang="en-US" dirty="0" smtClean="0">
+                <a:rPr lang="ko-KR" altLang="en-US" dirty="0">
                   <a:solidFill>
                     <a:schemeClr val="tx1">
                       <a:lumMod val="75000"/>
@@ -21474,13 +20575,6 @@
                 </a:rPr>
                 <a:t>컨셉 도출</a:t>
               </a:r>
-              <a:endParaRPr lang="ko-KR" altLang="en-US" dirty="0">
-                <a:solidFill>
-                  <a:schemeClr val="tx1">
-                    <a:lumMod val="75000"/>
-                  </a:schemeClr>
-                </a:solidFill>
-              </a:endParaRPr>
             </a:p>
           </p:txBody>
         </p:sp>
@@ -21535,7 +20629,7 @@
             <a:p>
               <a:pPr marL="0" algn="ctr" defTabSz="914400" rtl="0" eaLnBrk="1" latinLnBrk="1" hangingPunct="1"/>
               <a:r>
-                <a:rPr lang="ko-KR" altLang="en-US" sz="1800" kern="1200" dirty="0" smtClean="0">
+                <a:rPr lang="ko-KR" altLang="en-US" sz="1800" kern="1200" dirty="0">
                   <a:solidFill>
                     <a:schemeClr val="tx1">
                       <a:lumMod val="75000"/>
@@ -21547,16 +20641,6 @@
                 </a:rPr>
                 <a:t>향후 계획</a:t>
               </a:r>
-              <a:endParaRPr lang="ko-KR" altLang="en-US" sz="1800" kern="1200" dirty="0">
-                <a:solidFill>
-                  <a:schemeClr val="tx1">
-                    <a:lumMod val="75000"/>
-                  </a:schemeClr>
-                </a:solidFill>
-                <a:latin typeface="+mn-lt"/>
-                <a:ea typeface="+mn-ea"/>
-                <a:cs typeface="+mn-cs"/>
-              </a:endParaRPr>
             </a:p>
           </p:txBody>
         </p:sp>
@@ -21611,7 +20695,7 @@
             <a:p>
               <a:pPr marL="0" algn="ctr" defTabSz="914400" rtl="0" eaLnBrk="1" latinLnBrk="1" hangingPunct="1"/>
               <a:r>
-                <a:rPr lang="ko-KR" altLang="en-US" sz="1800" kern="1200" dirty="0" smtClean="0">
+                <a:rPr lang="ko-KR" altLang="en-US" sz="1800" kern="1200" dirty="0">
                   <a:solidFill>
                     <a:schemeClr val="tx1">
                       <a:lumMod val="75000"/>
@@ -21623,16 +20707,6 @@
                 </a:rPr>
                 <a:t>프로모션</a:t>
               </a:r>
-              <a:endParaRPr lang="ko-KR" altLang="en-US" sz="1800" kern="1200" dirty="0">
-                <a:solidFill>
-                  <a:schemeClr val="tx1">
-                    <a:lumMod val="75000"/>
-                  </a:schemeClr>
-                </a:solidFill>
-                <a:latin typeface="+mn-lt"/>
-                <a:ea typeface="+mn-ea"/>
-                <a:cs typeface="+mn-cs"/>
-              </a:endParaRPr>
             </a:p>
           </p:txBody>
         </p:sp>
@@ -21687,7 +20761,7 @@
             <a:p>
               <a:pPr marL="0" algn="ctr" defTabSz="914400" rtl="0" eaLnBrk="1" latinLnBrk="1" hangingPunct="1"/>
               <a:r>
-                <a:rPr lang="ko-KR" altLang="en-US" sz="1800" kern="1200" dirty="0" smtClean="0">
+                <a:rPr lang="ko-KR" altLang="en-US" sz="1800" kern="1200" dirty="0">
                   <a:solidFill>
                     <a:srgbClr val="FFFF00"/>
                   </a:solidFill>
@@ -21697,14 +20771,6 @@
                 </a:rPr>
                 <a:t>구현</a:t>
               </a:r>
-              <a:endParaRPr lang="ko-KR" altLang="en-US" sz="1800" kern="1200" dirty="0">
-                <a:solidFill>
-                  <a:srgbClr val="FFFF00"/>
-                </a:solidFill>
-                <a:latin typeface="+mn-lt"/>
-                <a:ea typeface="+mn-ea"/>
-                <a:cs typeface="+mn-cs"/>
-              </a:endParaRPr>
             </a:p>
           </p:txBody>
         </p:sp>
@@ -25536,7 +24602,7 @@
             <a:p>
               <a:pPr marL="0" algn="ctr" defTabSz="914400" rtl="0" eaLnBrk="1" latinLnBrk="1" hangingPunct="1"/>
               <a:r>
-                <a:rPr lang="ko-KR" altLang="en-US" sz="1800" kern="1200" dirty="0" smtClean="0">
+                <a:rPr lang="ko-KR" altLang="en-US" sz="1800" kern="1200" dirty="0">
                   <a:solidFill>
                     <a:schemeClr val="tx1">
                       <a:lumMod val="75000"/>
@@ -25548,16 +24614,6 @@
                 </a:rPr>
                 <a:t>현황 분석</a:t>
               </a:r>
-              <a:endParaRPr lang="ko-KR" altLang="en-US" sz="1800" kern="1200" dirty="0">
-                <a:solidFill>
-                  <a:schemeClr val="tx1">
-                    <a:lumMod val="75000"/>
-                  </a:schemeClr>
-                </a:solidFill>
-                <a:latin typeface="+mn-lt"/>
-                <a:ea typeface="+mn-ea"/>
-                <a:cs typeface="+mn-cs"/>
-              </a:endParaRPr>
             </a:p>
           </p:txBody>
         </p:sp>
@@ -25612,7 +24668,7 @@
             <a:p>
               <a:pPr algn="ctr"/>
               <a:r>
-                <a:rPr lang="ko-KR" altLang="en-US" sz="1800" kern="1200" dirty="0" smtClean="0">
+                <a:rPr lang="ko-KR" altLang="en-US" sz="1800" kern="1200" dirty="0">
                   <a:solidFill>
                     <a:schemeClr val="tx1">
                       <a:lumMod val="75000"/>
@@ -25624,16 +24680,6 @@
                 </a:rPr>
                 <a:t>타겟 설정</a:t>
               </a:r>
-              <a:endParaRPr lang="ko-KR" altLang="en-US" sz="1800" kern="1200" dirty="0">
-                <a:solidFill>
-                  <a:schemeClr val="tx1">
-                    <a:lumMod val="75000"/>
-                  </a:schemeClr>
-                </a:solidFill>
-                <a:latin typeface="+mn-lt"/>
-                <a:ea typeface="+mn-ea"/>
-                <a:cs typeface="+mn-cs"/>
-              </a:endParaRPr>
             </a:p>
           </p:txBody>
         </p:sp>
@@ -25688,7 +24734,7 @@
             <a:p>
               <a:pPr marL="0" algn="ctr" defTabSz="914400" rtl="0" eaLnBrk="1" latinLnBrk="1" hangingPunct="1"/>
               <a:r>
-                <a:rPr lang="ko-KR" altLang="en-US" sz="1800" kern="1200" dirty="0" smtClean="0">
+                <a:rPr lang="ko-KR" altLang="en-US" sz="1800" kern="1200" dirty="0">
                   <a:solidFill>
                     <a:schemeClr val="tx1">
                       <a:lumMod val="75000"/>
@@ -25700,16 +24746,6 @@
                 </a:rPr>
                 <a:t>스토리보드</a:t>
               </a:r>
-              <a:endParaRPr lang="ko-KR" altLang="en-US" sz="1800" kern="1200" dirty="0">
-                <a:solidFill>
-                  <a:schemeClr val="tx1">
-                    <a:lumMod val="75000"/>
-                  </a:schemeClr>
-                </a:solidFill>
-                <a:latin typeface="+mn-lt"/>
-                <a:ea typeface="+mn-ea"/>
-                <a:cs typeface="+mn-cs"/>
-              </a:endParaRPr>
             </a:p>
           </p:txBody>
         </p:sp>
@@ -25764,7 +24800,7 @@
             <a:p>
               <a:pPr algn="ctr"/>
               <a:r>
-                <a:rPr lang="ko-KR" altLang="en-US" dirty="0" smtClean="0">
+                <a:rPr lang="ko-KR" altLang="en-US" dirty="0">
                   <a:solidFill>
                     <a:schemeClr val="tx1">
                       <a:lumMod val="75000"/>
@@ -25773,13 +24809,6 @@
                 </a:rPr>
                 <a:t>컨셉 도출</a:t>
               </a:r>
-              <a:endParaRPr lang="ko-KR" altLang="en-US" dirty="0">
-                <a:solidFill>
-                  <a:schemeClr val="tx1">
-                    <a:lumMod val="75000"/>
-                  </a:schemeClr>
-                </a:solidFill>
-              </a:endParaRPr>
             </a:p>
           </p:txBody>
         </p:sp>
@@ -25834,7 +24863,7 @@
             <a:p>
               <a:pPr marL="0" algn="ctr" defTabSz="914400" rtl="0" eaLnBrk="1" latinLnBrk="1" hangingPunct="1"/>
               <a:r>
-                <a:rPr lang="ko-KR" altLang="en-US" sz="1800" kern="1200" dirty="0" smtClean="0">
+                <a:rPr lang="ko-KR" altLang="en-US" sz="1800" kern="1200" dirty="0">
                   <a:solidFill>
                     <a:schemeClr val="tx1">
                       <a:lumMod val="75000"/>
@@ -25846,16 +24875,6 @@
                 </a:rPr>
                 <a:t>향후 계획</a:t>
               </a:r>
-              <a:endParaRPr lang="ko-KR" altLang="en-US" sz="1800" kern="1200" dirty="0">
-                <a:solidFill>
-                  <a:schemeClr val="tx1">
-                    <a:lumMod val="75000"/>
-                  </a:schemeClr>
-                </a:solidFill>
-                <a:latin typeface="+mn-lt"/>
-                <a:ea typeface="+mn-ea"/>
-                <a:cs typeface="+mn-cs"/>
-              </a:endParaRPr>
             </a:p>
           </p:txBody>
         </p:sp>
@@ -25910,7 +24929,7 @@
             <a:p>
               <a:pPr marL="0" algn="ctr" defTabSz="914400" rtl="0" eaLnBrk="1" latinLnBrk="1" hangingPunct="1"/>
               <a:r>
-                <a:rPr lang="ko-KR" altLang="en-US" sz="1800" kern="1200" dirty="0" smtClean="0">
+                <a:rPr lang="ko-KR" altLang="en-US" sz="1800" kern="1200" dirty="0">
                   <a:solidFill>
                     <a:schemeClr val="tx1">
                       <a:lumMod val="75000"/>
@@ -25922,16 +24941,6 @@
                 </a:rPr>
                 <a:t>프로모션</a:t>
               </a:r>
-              <a:endParaRPr lang="ko-KR" altLang="en-US" sz="1800" kern="1200" dirty="0">
-                <a:solidFill>
-                  <a:schemeClr val="tx1">
-                    <a:lumMod val="75000"/>
-                  </a:schemeClr>
-                </a:solidFill>
-                <a:latin typeface="+mn-lt"/>
-                <a:ea typeface="+mn-ea"/>
-                <a:cs typeface="+mn-cs"/>
-              </a:endParaRPr>
             </a:p>
           </p:txBody>
         </p:sp>
@@ -25986,7 +24995,7 @@
             <a:p>
               <a:pPr marL="0" algn="ctr" defTabSz="914400" rtl="0" eaLnBrk="1" latinLnBrk="1" hangingPunct="1"/>
               <a:r>
-                <a:rPr lang="ko-KR" altLang="en-US" sz="1800" kern="1200" dirty="0" smtClean="0">
+                <a:rPr lang="ko-KR" altLang="en-US" sz="1800" kern="1200" dirty="0">
                   <a:solidFill>
                     <a:srgbClr val="FFFF00"/>
                   </a:solidFill>
@@ -25996,14 +25005,6 @@
                 </a:rPr>
                 <a:t>구현</a:t>
               </a:r>
-              <a:endParaRPr lang="ko-KR" altLang="en-US" sz="1800" kern="1200" dirty="0">
-                <a:solidFill>
-                  <a:srgbClr val="FFFF00"/>
-                </a:solidFill>
-                <a:latin typeface="+mn-lt"/>
-                <a:ea typeface="+mn-ea"/>
-                <a:cs typeface="+mn-cs"/>
-              </a:endParaRPr>
             </a:p>
           </p:txBody>
         </p:sp>
@@ -26031,14 +25032,13 @@
           <a:lstStyle/>
           <a:p>
             <a:r>
-              <a:rPr lang="en-US" altLang="ko-KR" dirty="0" smtClean="0"/>
+              <a:rPr lang="en-US" altLang="ko-KR" dirty="0"/>
               <a:t>SWOT </a:t>
             </a:r>
             <a:r>
-              <a:rPr lang="ko-KR" altLang="en-US" dirty="0" smtClean="0"/>
+              <a:rPr lang="ko-KR" altLang="en-US" dirty="0"/>
               <a:t>분석</a:t>
             </a:r>
-            <a:endParaRPr lang="ko-KR" altLang="en-US" dirty="0"/>
           </a:p>
         </p:txBody>
       </p:sp>
@@ -26420,14 +25420,13 @@
           <a:lstStyle/>
           <a:p>
             <a:r>
-              <a:rPr lang="en-US" altLang="ko-KR" dirty="0" smtClean="0"/>
+              <a:rPr lang="en-US" altLang="ko-KR" dirty="0"/>
               <a:t>SWOT </a:t>
             </a:r>
             <a:r>
-              <a:rPr lang="ko-KR" altLang="en-US" dirty="0" smtClean="0"/>
+              <a:rPr lang="ko-KR" altLang="en-US" dirty="0"/>
               <a:t>분석 전략</a:t>
             </a:r>
-            <a:endParaRPr lang="ko-KR" altLang="en-US" dirty="0"/>
           </a:p>
         </p:txBody>
       </p:sp>
@@ -27652,7 +26651,7 @@
             <a:p>
               <a:pPr marL="0" algn="ctr" defTabSz="914400" rtl="0" eaLnBrk="1" latinLnBrk="1" hangingPunct="1"/>
               <a:r>
-                <a:rPr lang="ko-KR" altLang="en-US" sz="1800" kern="1200" dirty="0" smtClean="0">
+                <a:rPr lang="ko-KR" altLang="en-US" sz="1800" kern="1200" dirty="0">
                   <a:solidFill>
                     <a:schemeClr val="tx1">
                       <a:lumMod val="75000"/>
@@ -27664,16 +26663,6 @@
                 </a:rPr>
                 <a:t>현황 분석</a:t>
               </a:r>
-              <a:endParaRPr lang="ko-KR" altLang="en-US" sz="1800" kern="1200" dirty="0">
-                <a:solidFill>
-                  <a:schemeClr val="tx1">
-                    <a:lumMod val="75000"/>
-                  </a:schemeClr>
-                </a:solidFill>
-                <a:latin typeface="+mn-lt"/>
-                <a:ea typeface="+mn-ea"/>
-                <a:cs typeface="+mn-cs"/>
-              </a:endParaRPr>
             </a:p>
           </p:txBody>
         </p:sp>
@@ -27728,7 +26717,7 @@
             <a:p>
               <a:pPr algn="ctr"/>
               <a:r>
-                <a:rPr lang="ko-KR" altLang="en-US" sz="1800" kern="1200" dirty="0" smtClean="0">
+                <a:rPr lang="ko-KR" altLang="en-US" sz="1800" kern="1200" dirty="0">
                   <a:solidFill>
                     <a:schemeClr val="tx1">
                       <a:lumMod val="75000"/>
@@ -27740,16 +26729,6 @@
                 </a:rPr>
                 <a:t>타겟 설정</a:t>
               </a:r>
-              <a:endParaRPr lang="ko-KR" altLang="en-US" sz="1800" kern="1200" dirty="0">
-                <a:solidFill>
-                  <a:schemeClr val="tx1">
-                    <a:lumMod val="75000"/>
-                  </a:schemeClr>
-                </a:solidFill>
-                <a:latin typeface="+mn-lt"/>
-                <a:ea typeface="+mn-ea"/>
-                <a:cs typeface="+mn-cs"/>
-              </a:endParaRPr>
             </a:p>
           </p:txBody>
         </p:sp>
@@ -27804,7 +26783,7 @@
             <a:p>
               <a:pPr marL="0" algn="ctr" defTabSz="914400" rtl="0" eaLnBrk="1" latinLnBrk="1" hangingPunct="1"/>
               <a:r>
-                <a:rPr lang="ko-KR" altLang="en-US" sz="1800" kern="1200" dirty="0" smtClean="0">
+                <a:rPr lang="ko-KR" altLang="en-US" sz="1800" kern="1200" dirty="0">
                   <a:solidFill>
                     <a:schemeClr val="tx1">
                       <a:lumMod val="75000"/>
@@ -27816,16 +26795,6 @@
                 </a:rPr>
                 <a:t>스토리보드</a:t>
               </a:r>
-              <a:endParaRPr lang="ko-KR" altLang="en-US" sz="1800" kern="1200" dirty="0">
-                <a:solidFill>
-                  <a:schemeClr val="tx1">
-                    <a:lumMod val="75000"/>
-                  </a:schemeClr>
-                </a:solidFill>
-                <a:latin typeface="+mn-lt"/>
-                <a:ea typeface="+mn-ea"/>
-                <a:cs typeface="+mn-cs"/>
-              </a:endParaRPr>
             </a:p>
           </p:txBody>
         </p:sp>
@@ -27880,7 +26849,7 @@
             <a:p>
               <a:pPr algn="ctr"/>
               <a:r>
-                <a:rPr lang="ko-KR" altLang="en-US" dirty="0" smtClean="0">
+                <a:rPr lang="ko-KR" altLang="en-US" dirty="0">
                   <a:solidFill>
                     <a:schemeClr val="tx1">
                       <a:lumMod val="75000"/>
@@ -27889,13 +26858,6 @@
                 </a:rPr>
                 <a:t>컨셉 도출</a:t>
               </a:r>
-              <a:endParaRPr lang="ko-KR" altLang="en-US" dirty="0">
-                <a:solidFill>
-                  <a:schemeClr val="tx1">
-                    <a:lumMod val="75000"/>
-                  </a:schemeClr>
-                </a:solidFill>
-              </a:endParaRPr>
             </a:p>
           </p:txBody>
         </p:sp>
@@ -27950,7 +26912,7 @@
             <a:p>
               <a:pPr marL="0" algn="ctr" defTabSz="914400" rtl="0" eaLnBrk="1" latinLnBrk="1" hangingPunct="1"/>
               <a:r>
-                <a:rPr lang="ko-KR" altLang="en-US" sz="1800" kern="1200" dirty="0" smtClean="0">
+                <a:rPr lang="ko-KR" altLang="en-US" sz="1800" kern="1200" dirty="0">
                   <a:solidFill>
                     <a:schemeClr val="tx1">
                       <a:lumMod val="75000"/>
@@ -27962,16 +26924,6 @@
                 </a:rPr>
                 <a:t>향후 계획</a:t>
               </a:r>
-              <a:endParaRPr lang="ko-KR" altLang="en-US" sz="1800" kern="1200" dirty="0">
-                <a:solidFill>
-                  <a:schemeClr val="tx1">
-                    <a:lumMod val="75000"/>
-                  </a:schemeClr>
-                </a:solidFill>
-                <a:latin typeface="+mn-lt"/>
-                <a:ea typeface="+mn-ea"/>
-                <a:cs typeface="+mn-cs"/>
-              </a:endParaRPr>
             </a:p>
           </p:txBody>
         </p:sp>
@@ -28026,7 +26978,7 @@
             <a:p>
               <a:pPr marL="0" algn="ctr" defTabSz="914400" rtl="0" eaLnBrk="1" latinLnBrk="1" hangingPunct="1"/>
               <a:r>
-                <a:rPr lang="ko-KR" altLang="en-US" sz="1800" kern="1200" dirty="0" smtClean="0">
+                <a:rPr lang="ko-KR" altLang="en-US" sz="1800" kern="1200" dirty="0">
                   <a:solidFill>
                     <a:schemeClr val="tx1">
                       <a:lumMod val="75000"/>
@@ -28038,16 +26990,6 @@
                 </a:rPr>
                 <a:t>프로모션</a:t>
               </a:r>
-              <a:endParaRPr lang="ko-KR" altLang="en-US" sz="1800" kern="1200" dirty="0">
-                <a:solidFill>
-                  <a:schemeClr val="tx1">
-                    <a:lumMod val="75000"/>
-                  </a:schemeClr>
-                </a:solidFill>
-                <a:latin typeface="+mn-lt"/>
-                <a:ea typeface="+mn-ea"/>
-                <a:cs typeface="+mn-cs"/>
-              </a:endParaRPr>
             </a:p>
           </p:txBody>
         </p:sp>
@@ -28102,7 +27044,7 @@
             <a:p>
               <a:pPr marL="0" algn="ctr" defTabSz="914400" rtl="0" eaLnBrk="1" latinLnBrk="1" hangingPunct="1"/>
               <a:r>
-                <a:rPr lang="ko-KR" altLang="en-US" sz="1800" kern="1200" dirty="0" smtClean="0">
+                <a:rPr lang="ko-KR" altLang="en-US" sz="1800" kern="1200" dirty="0">
                   <a:solidFill>
                     <a:srgbClr val="FFFF00"/>
                   </a:solidFill>
@@ -28112,14 +27054,6 @@
                 </a:rPr>
                 <a:t>구현</a:t>
               </a:r>
-              <a:endParaRPr lang="ko-KR" altLang="en-US" sz="1800" kern="1200" dirty="0">
-                <a:solidFill>
-                  <a:srgbClr val="FFFF00"/>
-                </a:solidFill>
-                <a:latin typeface="+mn-lt"/>
-                <a:ea typeface="+mn-ea"/>
-                <a:cs typeface="+mn-cs"/>
-              </a:endParaRPr>
             </a:p>
           </p:txBody>
         </p:sp>
@@ -28177,7 +27111,7 @@
           <a:lstStyle/>
           <a:p>
             <a:r>
-              <a:rPr lang="en-US" altLang="ko-KR" dirty="0" smtClean="0"/>
+              <a:rPr lang="en-US" altLang="ko-KR" dirty="0"/>
               <a:t>????</a:t>
             </a:r>
             <a:endParaRPr lang="ko-KR" altLang="en-US" dirty="0"/>
@@ -28200,10 +27134,10 @@
           <a:lstStyle/>
           <a:p>
             <a:r>
-              <a:rPr lang="ko-KR" altLang="en-US" dirty="0" smtClean="0"/>
+              <a:rPr lang="ko-KR" altLang="en-US" dirty="0"/>
               <a:t>내용</a:t>
             </a:r>
-            <a:endParaRPr lang="en-US" altLang="ko-KR" dirty="0" smtClean="0"/>
+            <a:endParaRPr lang="en-US" altLang="ko-KR" dirty="0"/>
           </a:p>
           <a:p>
             <a:endParaRPr lang="ko-KR" altLang="en-US" dirty="0"/>
@@ -28324,7 +27258,7 @@
             <a:p>
               <a:pPr marL="0" algn="ctr" defTabSz="914400" rtl="0" eaLnBrk="1" latinLnBrk="1" hangingPunct="1"/>
               <a:r>
-                <a:rPr lang="ko-KR" altLang="en-US" sz="1800" kern="1200" dirty="0" smtClean="0">
+                <a:rPr lang="ko-KR" altLang="en-US" sz="1800" kern="1200" dirty="0">
                   <a:solidFill>
                     <a:schemeClr val="tx1">
                       <a:lumMod val="75000"/>
@@ -28336,16 +27270,6 @@
                 </a:rPr>
                 <a:t>현황 분석</a:t>
               </a:r>
-              <a:endParaRPr lang="ko-KR" altLang="en-US" sz="1800" kern="1200" dirty="0">
-                <a:solidFill>
-                  <a:schemeClr val="tx1">
-                    <a:lumMod val="75000"/>
-                  </a:schemeClr>
-                </a:solidFill>
-                <a:latin typeface="+mn-lt"/>
-                <a:ea typeface="+mn-ea"/>
-                <a:cs typeface="+mn-cs"/>
-              </a:endParaRPr>
             </a:p>
           </p:txBody>
         </p:sp>
@@ -28400,7 +27324,7 @@
             <a:p>
               <a:pPr algn="ctr"/>
               <a:r>
-                <a:rPr lang="ko-KR" altLang="en-US" sz="1800" kern="1200" dirty="0" smtClean="0">
+                <a:rPr lang="ko-KR" altLang="en-US" sz="1800" kern="1200" dirty="0">
                   <a:solidFill>
                     <a:schemeClr val="tx1">
                       <a:lumMod val="75000"/>
@@ -28412,16 +27336,6 @@
                 </a:rPr>
                 <a:t>타겟 설정</a:t>
               </a:r>
-              <a:endParaRPr lang="ko-KR" altLang="en-US" sz="1800" kern="1200" dirty="0">
-                <a:solidFill>
-                  <a:schemeClr val="tx1">
-                    <a:lumMod val="75000"/>
-                  </a:schemeClr>
-                </a:solidFill>
-                <a:latin typeface="+mn-lt"/>
-                <a:ea typeface="+mn-ea"/>
-                <a:cs typeface="+mn-cs"/>
-              </a:endParaRPr>
             </a:p>
           </p:txBody>
         </p:sp>
@@ -28476,7 +27390,7 @@
             <a:p>
               <a:pPr marL="0" algn="ctr" defTabSz="914400" rtl="0" eaLnBrk="1" latinLnBrk="1" hangingPunct="1"/>
               <a:r>
-                <a:rPr lang="ko-KR" altLang="en-US" sz="1800" kern="1200" dirty="0" smtClean="0">
+                <a:rPr lang="ko-KR" altLang="en-US" sz="1800" kern="1200" dirty="0">
                   <a:solidFill>
                     <a:schemeClr val="tx1">
                       <a:lumMod val="75000"/>
@@ -28488,16 +27402,6 @@
                 </a:rPr>
                 <a:t>스토리보드</a:t>
               </a:r>
-              <a:endParaRPr lang="ko-KR" altLang="en-US" sz="1800" kern="1200" dirty="0">
-                <a:solidFill>
-                  <a:schemeClr val="tx1">
-                    <a:lumMod val="75000"/>
-                  </a:schemeClr>
-                </a:solidFill>
-                <a:latin typeface="+mn-lt"/>
-                <a:ea typeface="+mn-ea"/>
-                <a:cs typeface="+mn-cs"/>
-              </a:endParaRPr>
             </a:p>
           </p:txBody>
         </p:sp>
@@ -28552,7 +27456,7 @@
             <a:p>
               <a:pPr algn="ctr"/>
               <a:r>
-                <a:rPr lang="ko-KR" altLang="en-US" dirty="0" smtClean="0">
+                <a:rPr lang="ko-KR" altLang="en-US" dirty="0">
                   <a:solidFill>
                     <a:schemeClr val="tx1">
                       <a:lumMod val="75000"/>
@@ -28561,13 +27465,6 @@
                 </a:rPr>
                 <a:t>컨셉 도출</a:t>
               </a:r>
-              <a:endParaRPr lang="ko-KR" altLang="en-US" dirty="0">
-                <a:solidFill>
-                  <a:schemeClr val="tx1">
-                    <a:lumMod val="75000"/>
-                  </a:schemeClr>
-                </a:solidFill>
-              </a:endParaRPr>
             </a:p>
           </p:txBody>
         </p:sp>
@@ -28622,7 +27519,7 @@
             <a:p>
               <a:pPr marL="0" algn="ctr" defTabSz="914400" rtl="0" eaLnBrk="1" latinLnBrk="1" hangingPunct="1"/>
               <a:r>
-                <a:rPr lang="ko-KR" altLang="en-US" sz="1800" kern="1200" dirty="0" smtClean="0">
+                <a:rPr lang="ko-KR" altLang="en-US" sz="1800" kern="1200" dirty="0">
                   <a:solidFill>
                     <a:schemeClr val="tx1">
                       <a:lumMod val="75000"/>
@@ -28634,16 +27531,6 @@
                 </a:rPr>
                 <a:t>향후 계획</a:t>
               </a:r>
-              <a:endParaRPr lang="ko-KR" altLang="en-US" sz="1800" kern="1200" dirty="0">
-                <a:solidFill>
-                  <a:schemeClr val="tx1">
-                    <a:lumMod val="75000"/>
-                  </a:schemeClr>
-                </a:solidFill>
-                <a:latin typeface="+mn-lt"/>
-                <a:ea typeface="+mn-ea"/>
-                <a:cs typeface="+mn-cs"/>
-              </a:endParaRPr>
             </a:p>
           </p:txBody>
         </p:sp>
@@ -28698,7 +27585,7 @@
             <a:p>
               <a:pPr marL="0" algn="ctr" defTabSz="914400" rtl="0" eaLnBrk="1" latinLnBrk="1" hangingPunct="1"/>
               <a:r>
-                <a:rPr lang="ko-KR" altLang="en-US" sz="1800" kern="1200" dirty="0" smtClean="0">
+                <a:rPr lang="ko-KR" altLang="en-US" sz="1800" kern="1200" dirty="0">
                   <a:solidFill>
                     <a:srgbClr val="FFFF00"/>
                   </a:solidFill>
@@ -28708,14 +27595,6 @@
                 </a:rPr>
                 <a:t>프로모션</a:t>
               </a:r>
-              <a:endParaRPr lang="ko-KR" altLang="en-US" sz="1800" kern="1200" dirty="0">
-                <a:solidFill>
-                  <a:srgbClr val="FFFF00"/>
-                </a:solidFill>
-                <a:latin typeface="+mn-lt"/>
-                <a:ea typeface="+mn-ea"/>
-                <a:cs typeface="+mn-cs"/>
-              </a:endParaRPr>
             </a:p>
           </p:txBody>
         </p:sp>
@@ -28770,7 +27649,7 @@
             <a:p>
               <a:pPr marL="0" algn="ctr" defTabSz="914400" rtl="0" eaLnBrk="1" latinLnBrk="1" hangingPunct="1"/>
               <a:r>
-                <a:rPr lang="ko-KR" altLang="en-US" sz="1800" kern="1200" dirty="0" smtClean="0">
+                <a:rPr lang="ko-KR" altLang="en-US" sz="1800" kern="1200" dirty="0">
                   <a:solidFill>
                     <a:schemeClr val="tx1">
                       <a:lumMod val="75000"/>
@@ -28782,16 +27661,6 @@
                 </a:rPr>
                 <a:t>구현</a:t>
               </a:r>
-              <a:endParaRPr lang="ko-KR" altLang="en-US" sz="1800" kern="1200" dirty="0">
-                <a:solidFill>
-                  <a:schemeClr val="tx1">
-                    <a:lumMod val="75000"/>
-                  </a:schemeClr>
-                </a:solidFill>
-                <a:latin typeface="+mn-lt"/>
-                <a:ea typeface="+mn-ea"/>
-                <a:cs typeface="+mn-cs"/>
-              </a:endParaRPr>
             </a:p>
           </p:txBody>
         </p:sp>
@@ -28849,7 +27718,7 @@
           <a:lstStyle/>
           <a:p>
             <a:r>
-              <a:rPr lang="en-US" altLang="ko-KR" dirty="0" smtClean="0"/>
+              <a:rPr lang="en-US" altLang="ko-KR" dirty="0"/>
               <a:t>???</a:t>
             </a:r>
             <a:endParaRPr lang="ko-KR" altLang="en-US" dirty="0"/>
@@ -28872,10 +27741,9 @@
           <a:lstStyle/>
           <a:p>
             <a:r>
-              <a:rPr lang="ko-KR" altLang="en-US" dirty="0" smtClean="0"/>
+              <a:rPr lang="ko-KR" altLang="en-US" dirty="0"/>
               <a:t>내용</a:t>
             </a:r>
-            <a:endParaRPr lang="ko-KR" altLang="en-US" dirty="0"/>
           </a:p>
         </p:txBody>
       </p:sp>
@@ -28993,7 +27861,7 @@
             <a:p>
               <a:pPr marL="0" algn="ctr" defTabSz="914400" rtl="0" eaLnBrk="1" latinLnBrk="1" hangingPunct="1"/>
               <a:r>
-                <a:rPr lang="ko-KR" altLang="en-US" sz="1800" kern="1200" dirty="0" smtClean="0">
+                <a:rPr lang="ko-KR" altLang="en-US" sz="1800" kern="1200" dirty="0">
                   <a:solidFill>
                     <a:schemeClr val="tx1">
                       <a:lumMod val="75000"/>
@@ -29005,16 +27873,6 @@
                 </a:rPr>
                 <a:t>현황 분석</a:t>
               </a:r>
-              <a:endParaRPr lang="ko-KR" altLang="en-US" sz="1800" kern="1200" dirty="0">
-                <a:solidFill>
-                  <a:schemeClr val="tx1">
-                    <a:lumMod val="75000"/>
-                  </a:schemeClr>
-                </a:solidFill>
-                <a:latin typeface="+mn-lt"/>
-                <a:ea typeface="+mn-ea"/>
-                <a:cs typeface="+mn-cs"/>
-              </a:endParaRPr>
             </a:p>
           </p:txBody>
         </p:sp>
@@ -29069,7 +27927,7 @@
             <a:p>
               <a:pPr algn="ctr"/>
               <a:r>
-                <a:rPr lang="ko-KR" altLang="en-US" sz="1800" kern="1200" dirty="0" smtClean="0">
+                <a:rPr lang="ko-KR" altLang="en-US" sz="1800" kern="1200" dirty="0">
                   <a:solidFill>
                     <a:schemeClr val="tx1">
                       <a:lumMod val="75000"/>
@@ -29081,16 +27939,6 @@
                 </a:rPr>
                 <a:t>타겟 설정</a:t>
               </a:r>
-              <a:endParaRPr lang="ko-KR" altLang="en-US" sz="1800" kern="1200" dirty="0">
-                <a:solidFill>
-                  <a:schemeClr val="tx1">
-                    <a:lumMod val="75000"/>
-                  </a:schemeClr>
-                </a:solidFill>
-                <a:latin typeface="+mn-lt"/>
-                <a:ea typeface="+mn-ea"/>
-                <a:cs typeface="+mn-cs"/>
-              </a:endParaRPr>
             </a:p>
           </p:txBody>
         </p:sp>
@@ -29145,7 +27993,7 @@
             <a:p>
               <a:pPr marL="0" algn="ctr" defTabSz="914400" rtl="0" eaLnBrk="1" latinLnBrk="1" hangingPunct="1"/>
               <a:r>
-                <a:rPr lang="ko-KR" altLang="en-US" sz="1800" kern="1200" dirty="0" smtClean="0">
+                <a:rPr lang="ko-KR" altLang="en-US" sz="1800" kern="1200" dirty="0">
                   <a:solidFill>
                     <a:schemeClr val="tx1">
                       <a:lumMod val="75000"/>
@@ -29157,16 +28005,6 @@
                 </a:rPr>
                 <a:t>스토리보드</a:t>
               </a:r>
-              <a:endParaRPr lang="ko-KR" altLang="en-US" sz="1800" kern="1200" dirty="0">
-                <a:solidFill>
-                  <a:schemeClr val="tx1">
-                    <a:lumMod val="75000"/>
-                  </a:schemeClr>
-                </a:solidFill>
-                <a:latin typeface="+mn-lt"/>
-                <a:ea typeface="+mn-ea"/>
-                <a:cs typeface="+mn-cs"/>
-              </a:endParaRPr>
             </a:p>
           </p:txBody>
         </p:sp>
@@ -29221,7 +28059,7 @@
             <a:p>
               <a:pPr algn="ctr"/>
               <a:r>
-                <a:rPr lang="ko-KR" altLang="en-US" dirty="0" smtClean="0">
+                <a:rPr lang="ko-KR" altLang="en-US" dirty="0">
                   <a:solidFill>
                     <a:schemeClr val="tx1">
                       <a:lumMod val="75000"/>
@@ -29230,13 +28068,6 @@
                 </a:rPr>
                 <a:t>컨셉 도출</a:t>
               </a:r>
-              <a:endParaRPr lang="ko-KR" altLang="en-US" dirty="0">
-                <a:solidFill>
-                  <a:schemeClr val="tx1">
-                    <a:lumMod val="75000"/>
-                  </a:schemeClr>
-                </a:solidFill>
-              </a:endParaRPr>
             </a:p>
           </p:txBody>
         </p:sp>
@@ -29291,7 +28122,7 @@
             <a:p>
               <a:pPr marL="0" algn="ctr" defTabSz="914400" rtl="0" eaLnBrk="1" latinLnBrk="1" hangingPunct="1"/>
               <a:r>
-                <a:rPr lang="ko-KR" altLang="en-US" sz="1800" kern="1200" dirty="0" smtClean="0">
+                <a:rPr lang="ko-KR" altLang="en-US" sz="1800" kern="1200" dirty="0">
                   <a:solidFill>
                     <a:srgbClr val="FFFF00"/>
                   </a:solidFill>
@@ -29301,14 +28132,6 @@
                 </a:rPr>
                 <a:t>향후 계획</a:t>
               </a:r>
-              <a:endParaRPr lang="ko-KR" altLang="en-US" sz="1800" kern="1200" dirty="0">
-                <a:solidFill>
-                  <a:srgbClr val="FFFF00"/>
-                </a:solidFill>
-                <a:latin typeface="+mn-lt"/>
-                <a:ea typeface="+mn-ea"/>
-                <a:cs typeface="+mn-cs"/>
-              </a:endParaRPr>
             </a:p>
           </p:txBody>
         </p:sp>
@@ -29363,7 +28186,7 @@
             <a:p>
               <a:pPr marL="0" algn="ctr" defTabSz="914400" rtl="0" eaLnBrk="1" latinLnBrk="1" hangingPunct="1"/>
               <a:r>
-                <a:rPr lang="ko-KR" altLang="en-US" sz="1800" kern="1200" dirty="0" smtClean="0">
+                <a:rPr lang="ko-KR" altLang="en-US" sz="1800" kern="1200" dirty="0">
                   <a:solidFill>
                     <a:schemeClr val="tx1">
                       <a:lumMod val="75000"/>
@@ -29375,16 +28198,6 @@
                 </a:rPr>
                 <a:t>프로모션</a:t>
               </a:r>
-              <a:endParaRPr lang="ko-KR" altLang="en-US" sz="1800" kern="1200" dirty="0">
-                <a:solidFill>
-                  <a:schemeClr val="tx1">
-                    <a:lumMod val="75000"/>
-                  </a:schemeClr>
-                </a:solidFill>
-                <a:latin typeface="+mn-lt"/>
-                <a:ea typeface="+mn-ea"/>
-                <a:cs typeface="+mn-cs"/>
-              </a:endParaRPr>
             </a:p>
           </p:txBody>
         </p:sp>
@@ -29439,7 +28252,7 @@
             <a:p>
               <a:pPr marL="0" algn="ctr" defTabSz="914400" rtl="0" eaLnBrk="1" latinLnBrk="1" hangingPunct="1"/>
               <a:r>
-                <a:rPr lang="ko-KR" altLang="en-US" sz="1800" kern="1200" dirty="0" smtClean="0">
+                <a:rPr lang="ko-KR" altLang="en-US" sz="1800" kern="1200" dirty="0">
                   <a:solidFill>
                     <a:schemeClr val="tx1">
                       <a:lumMod val="75000"/>
@@ -29451,16 +28264,6 @@
                 </a:rPr>
                 <a:t>구현</a:t>
               </a:r>
-              <a:endParaRPr lang="ko-KR" altLang="en-US" sz="1800" kern="1200" dirty="0">
-                <a:solidFill>
-                  <a:schemeClr val="tx1">
-                    <a:lumMod val="75000"/>
-                  </a:schemeClr>
-                </a:solidFill>
-                <a:latin typeface="+mn-lt"/>
-                <a:ea typeface="+mn-ea"/>
-                <a:cs typeface="+mn-cs"/>
-              </a:endParaRPr>
             </a:p>
           </p:txBody>
         </p:sp>
@@ -30023,40 +28826,39 @@
           <a:lstStyle/>
           <a:p>
             <a:r>
-              <a:rPr lang="ko-KR" altLang="en-US" dirty="0" smtClean="0"/>
+              <a:rPr lang="ko-KR" altLang="en-US" dirty="0"/>
               <a:t>공모전이 뭔지</a:t>
             </a:r>
             <a:r>
-              <a:rPr lang="en-US" altLang="ko-KR" dirty="0" smtClean="0"/>
+              <a:rPr lang="en-US" altLang="ko-KR" dirty="0"/>
               <a:t>(</a:t>
             </a:r>
             <a:r>
-              <a:rPr lang="ko-KR" altLang="en-US" dirty="0" smtClean="0"/>
+              <a:rPr lang="ko-KR" altLang="en-US" dirty="0"/>
               <a:t>일반적인 배경</a:t>
             </a:r>
             <a:r>
-              <a:rPr lang="en-US" altLang="ko-KR" dirty="0" smtClean="0"/>
+              <a:rPr lang="en-US" altLang="ko-KR" dirty="0"/>
               <a:t>)</a:t>
             </a:r>
             <a:r>
-              <a:rPr lang="ko-KR" altLang="en-US" dirty="0" smtClean="0"/>
+              <a:rPr lang="ko-KR" altLang="en-US" dirty="0"/>
               <a:t>부터 들어가기</a:t>
             </a:r>
-            <a:endParaRPr lang="en-US" altLang="ko-KR" dirty="0" smtClean="0"/>
-          </a:p>
-          <a:p>
-            <a:r>
-              <a:rPr lang="ko-KR" altLang="en-US" dirty="0" smtClean="0"/>
+            <a:endParaRPr lang="en-US" altLang="ko-KR" dirty="0"/>
+          </a:p>
+          <a:p>
+            <a:r>
+              <a:rPr lang="ko-KR" altLang="en-US" dirty="0"/>
               <a:t>이 앱이 왜 필요한지에 대한 배경 설정</a:t>
             </a:r>
-            <a:endParaRPr lang="en-US" altLang="ko-KR" dirty="0" smtClean="0"/>
-          </a:p>
-          <a:p>
-            <a:r>
-              <a:rPr lang="ko-KR" altLang="en-US" dirty="0" smtClean="0"/>
+            <a:endParaRPr lang="en-US" altLang="ko-KR" dirty="0"/>
+          </a:p>
+          <a:p>
+            <a:r>
+              <a:rPr lang="ko-KR" altLang="en-US" dirty="0"/>
               <a:t>시대별 요약 등</a:t>
             </a:r>
-            <a:endParaRPr lang="ko-KR" altLang="en-US" dirty="0"/>
           </a:p>
         </p:txBody>
       </p:sp>
@@ -30076,11 +28878,11 @@
           <a:lstStyle/>
           <a:p>
             <a:r>
-              <a:rPr lang="en-US" altLang="ko-KR" smtClean="0"/>
+              <a:rPr lang="en-US" altLang="ko-KR"/>
               <a:t>202034017 </a:t>
             </a:r>
             <a:r>
-              <a:rPr lang="ko-KR" altLang="en-US" smtClean="0"/>
+              <a:rPr lang="ko-KR" altLang="en-US"/>
               <a:t>최영수 앱 기획 자료</a:t>
             </a:r>
             <a:endParaRPr lang="ko-KR" altLang="en-US" dirty="0"/>
@@ -30175,7 +28977,7 @@
             <a:p>
               <a:pPr marL="0" algn="ctr" defTabSz="914400" rtl="0" eaLnBrk="1" latinLnBrk="1" hangingPunct="1"/>
               <a:r>
-                <a:rPr lang="ko-KR" altLang="en-US" sz="1800" kern="1200" dirty="0" smtClean="0">
+                <a:rPr lang="ko-KR" altLang="en-US" sz="1800" kern="1200" dirty="0">
                   <a:solidFill>
                     <a:schemeClr val="tx1">
                       <a:lumMod val="75000"/>
@@ -30187,16 +28989,6 @@
                 </a:rPr>
                 <a:t>현황 분석</a:t>
               </a:r>
-              <a:endParaRPr lang="ko-KR" altLang="en-US" sz="1800" kern="1200" dirty="0">
-                <a:solidFill>
-                  <a:schemeClr val="tx1">
-                    <a:lumMod val="75000"/>
-                  </a:schemeClr>
-                </a:solidFill>
-                <a:latin typeface="+mn-lt"/>
-                <a:ea typeface="+mn-ea"/>
-                <a:cs typeface="+mn-cs"/>
-              </a:endParaRPr>
             </a:p>
           </p:txBody>
         </p:sp>
@@ -30251,7 +29043,7 @@
             <a:p>
               <a:pPr algn="ctr"/>
               <a:r>
-                <a:rPr lang="ko-KR" altLang="en-US" sz="1800" kern="1200" dirty="0" smtClean="0">
+                <a:rPr lang="ko-KR" altLang="en-US" sz="1800" kern="1200" dirty="0">
                   <a:solidFill>
                     <a:schemeClr val="tx1">
                       <a:lumMod val="75000"/>
@@ -30263,16 +29055,6 @@
                 </a:rPr>
                 <a:t>타겟 설정</a:t>
               </a:r>
-              <a:endParaRPr lang="ko-KR" altLang="en-US" sz="1800" kern="1200" dirty="0">
-                <a:solidFill>
-                  <a:schemeClr val="tx1">
-                    <a:lumMod val="75000"/>
-                  </a:schemeClr>
-                </a:solidFill>
-                <a:latin typeface="+mn-lt"/>
-                <a:ea typeface="+mn-ea"/>
-                <a:cs typeface="+mn-cs"/>
-              </a:endParaRPr>
             </a:p>
           </p:txBody>
         </p:sp>
@@ -30327,7 +29109,7 @@
             <a:p>
               <a:pPr marL="0" algn="ctr" defTabSz="914400" rtl="0" eaLnBrk="1" latinLnBrk="1" hangingPunct="1"/>
               <a:r>
-                <a:rPr lang="ko-KR" altLang="en-US" sz="1800" kern="1200" dirty="0" smtClean="0">
+                <a:rPr lang="ko-KR" altLang="en-US" sz="1800" kern="1200" dirty="0">
                   <a:solidFill>
                     <a:schemeClr val="tx1">
                       <a:lumMod val="75000"/>
@@ -30339,16 +29121,6 @@
                 </a:rPr>
                 <a:t>스토리보드</a:t>
               </a:r>
-              <a:endParaRPr lang="ko-KR" altLang="en-US" sz="1800" kern="1200" dirty="0">
-                <a:solidFill>
-                  <a:schemeClr val="tx1">
-                    <a:lumMod val="75000"/>
-                  </a:schemeClr>
-                </a:solidFill>
-                <a:latin typeface="+mn-lt"/>
-                <a:ea typeface="+mn-ea"/>
-                <a:cs typeface="+mn-cs"/>
-              </a:endParaRPr>
             </a:p>
           </p:txBody>
         </p:sp>
@@ -30403,7 +29175,7 @@
             <a:p>
               <a:pPr algn="ctr"/>
               <a:r>
-                <a:rPr lang="ko-KR" altLang="en-US" dirty="0" smtClean="0">
+                <a:rPr lang="ko-KR" altLang="en-US" dirty="0">
                   <a:solidFill>
                     <a:schemeClr val="tx1">
                       <a:lumMod val="75000"/>
@@ -30412,13 +29184,6 @@
                 </a:rPr>
                 <a:t>컨셉 도출</a:t>
               </a:r>
-              <a:endParaRPr lang="ko-KR" altLang="en-US" dirty="0">
-                <a:solidFill>
-                  <a:schemeClr val="tx1">
-                    <a:lumMod val="75000"/>
-                  </a:schemeClr>
-                </a:solidFill>
-              </a:endParaRPr>
             </a:p>
           </p:txBody>
         </p:sp>
@@ -30473,7 +29238,7 @@
             <a:p>
               <a:pPr marL="0" algn="ctr" defTabSz="914400" rtl="0" eaLnBrk="1" latinLnBrk="1" hangingPunct="1"/>
               <a:r>
-                <a:rPr lang="ko-KR" altLang="en-US" sz="1800" kern="1200" dirty="0" smtClean="0">
+                <a:rPr lang="ko-KR" altLang="en-US" sz="1800" kern="1200" dirty="0">
                   <a:solidFill>
                     <a:schemeClr val="tx1">
                       <a:lumMod val="75000"/>
@@ -30485,16 +29250,6 @@
                 </a:rPr>
                 <a:t>향후 계획</a:t>
               </a:r>
-              <a:endParaRPr lang="ko-KR" altLang="en-US" sz="1800" kern="1200" dirty="0">
-                <a:solidFill>
-                  <a:schemeClr val="tx1">
-                    <a:lumMod val="75000"/>
-                  </a:schemeClr>
-                </a:solidFill>
-                <a:latin typeface="+mn-lt"/>
-                <a:ea typeface="+mn-ea"/>
-                <a:cs typeface="+mn-cs"/>
-              </a:endParaRPr>
             </a:p>
           </p:txBody>
         </p:sp>
@@ -30549,7 +29304,7 @@
             <a:p>
               <a:pPr marL="0" algn="ctr" defTabSz="914400" rtl="0" eaLnBrk="1" latinLnBrk="1" hangingPunct="1"/>
               <a:r>
-                <a:rPr lang="ko-KR" altLang="en-US" sz="1800" kern="1200" dirty="0" smtClean="0">
+                <a:rPr lang="ko-KR" altLang="en-US" sz="1800" kern="1200" dirty="0">
                   <a:solidFill>
                     <a:schemeClr val="tx1">
                       <a:lumMod val="75000"/>
@@ -30561,16 +29316,6 @@
                 </a:rPr>
                 <a:t>프로모션</a:t>
               </a:r>
-              <a:endParaRPr lang="ko-KR" altLang="en-US" sz="1800" kern="1200" dirty="0">
-                <a:solidFill>
-                  <a:schemeClr val="tx1">
-                    <a:lumMod val="75000"/>
-                  </a:schemeClr>
-                </a:solidFill>
-                <a:latin typeface="+mn-lt"/>
-                <a:ea typeface="+mn-ea"/>
-                <a:cs typeface="+mn-cs"/>
-              </a:endParaRPr>
             </a:p>
           </p:txBody>
         </p:sp>
@@ -30625,7 +29370,7 @@
             <a:p>
               <a:pPr marL="0" algn="ctr" defTabSz="914400" rtl="0" eaLnBrk="1" latinLnBrk="1" hangingPunct="1"/>
               <a:r>
-                <a:rPr lang="ko-KR" altLang="en-US" sz="1800" kern="1200" dirty="0" smtClean="0">
+                <a:rPr lang="ko-KR" altLang="en-US" sz="1800" kern="1200" dirty="0">
                   <a:solidFill>
                     <a:schemeClr val="tx1">
                       <a:lumMod val="75000"/>
@@ -30637,16 +29382,6 @@
                 </a:rPr>
                 <a:t>구현</a:t>
               </a:r>
-              <a:endParaRPr lang="ko-KR" altLang="en-US" sz="1800" kern="1200" dirty="0">
-                <a:solidFill>
-                  <a:schemeClr val="tx1">
-                    <a:lumMod val="75000"/>
-                  </a:schemeClr>
-                </a:solidFill>
-                <a:latin typeface="+mn-lt"/>
-                <a:ea typeface="+mn-ea"/>
-                <a:cs typeface="+mn-cs"/>
-              </a:endParaRPr>
             </a:p>
           </p:txBody>
         </p:sp>
@@ -30661,13 +29396,6 @@
   <p:clrMapOvr>
     <a:masterClrMapping/>
   </p:clrMapOvr>
-  <p:timing>
-    <p:tnLst>
-      <p:par>
-        <p:cTn id="1" dur="indefinite" restart="never" nodeType="tmRoot"/>
-      </p:par>
-    </p:tnLst>
-  </p:timing>
 </p:sld>
 </file>
 
@@ -31191,13 +29919,6 @@
   <p:clrMapOvr>
     <a:masterClrMapping/>
   </p:clrMapOvr>
-  <p:timing>
-    <p:tnLst>
-      <p:par>
-        <p:cTn id="1" dur="indefinite" restart="never" nodeType="tmRoot"/>
-      </p:par>
-    </p:tnLst>
-  </p:timing>
 </p:sld>
 </file>
 
@@ -31497,7 +30218,7 @@
             <a:p>
               <a:pPr marL="0" algn="ctr" defTabSz="914400" rtl="0" eaLnBrk="1" latinLnBrk="1" hangingPunct="1"/>
               <a:r>
-                <a:rPr lang="ko-KR" altLang="en-US" sz="1800" kern="1200" dirty="0" smtClean="0">
+                <a:rPr lang="ko-KR" altLang="en-US" sz="1800" kern="1200" dirty="0">
                   <a:solidFill>
                     <a:srgbClr val="FFFF00"/>
                   </a:solidFill>
@@ -31507,14 +30228,6 @@
                 </a:rPr>
                 <a:t>현황 분석</a:t>
               </a:r>
-              <a:endParaRPr lang="ko-KR" altLang="en-US" sz="1800" kern="1200" dirty="0">
-                <a:solidFill>
-                  <a:srgbClr val="FFFF00"/>
-                </a:solidFill>
-                <a:latin typeface="+mn-lt"/>
-                <a:ea typeface="+mn-ea"/>
-                <a:cs typeface="+mn-cs"/>
-              </a:endParaRPr>
             </a:p>
           </p:txBody>
         </p:sp>
@@ -31569,7 +30282,7 @@
             <a:p>
               <a:pPr algn="ctr"/>
               <a:r>
-                <a:rPr lang="ko-KR" altLang="en-US" sz="1800" kern="1200" dirty="0" smtClean="0">
+                <a:rPr lang="ko-KR" altLang="en-US" sz="1800" kern="1200" dirty="0">
                   <a:solidFill>
                     <a:schemeClr val="tx1">
                       <a:lumMod val="75000"/>
@@ -31581,16 +30294,6 @@
                 </a:rPr>
                 <a:t>타겟 설정</a:t>
               </a:r>
-              <a:endParaRPr lang="ko-KR" altLang="en-US" sz="1800" kern="1200" dirty="0">
-                <a:solidFill>
-                  <a:schemeClr val="tx1">
-                    <a:lumMod val="75000"/>
-                  </a:schemeClr>
-                </a:solidFill>
-                <a:latin typeface="+mn-lt"/>
-                <a:ea typeface="+mn-ea"/>
-                <a:cs typeface="+mn-cs"/>
-              </a:endParaRPr>
             </a:p>
           </p:txBody>
         </p:sp>
@@ -31645,7 +30348,7 @@
             <a:p>
               <a:pPr marL="0" algn="ctr" defTabSz="914400" rtl="0" eaLnBrk="1" latinLnBrk="1" hangingPunct="1"/>
               <a:r>
-                <a:rPr lang="ko-KR" altLang="en-US" sz="1800" kern="1200" dirty="0" smtClean="0">
+                <a:rPr lang="ko-KR" altLang="en-US" sz="1800" kern="1200" dirty="0">
                   <a:solidFill>
                     <a:schemeClr val="tx1">
                       <a:lumMod val="75000"/>
@@ -31657,16 +30360,6 @@
                 </a:rPr>
                 <a:t>스토리보드</a:t>
               </a:r>
-              <a:endParaRPr lang="ko-KR" altLang="en-US" sz="1800" kern="1200" dirty="0">
-                <a:solidFill>
-                  <a:schemeClr val="tx1">
-                    <a:lumMod val="75000"/>
-                  </a:schemeClr>
-                </a:solidFill>
-                <a:latin typeface="+mn-lt"/>
-                <a:ea typeface="+mn-ea"/>
-                <a:cs typeface="+mn-cs"/>
-              </a:endParaRPr>
             </a:p>
           </p:txBody>
         </p:sp>
@@ -31721,7 +30414,7 @@
             <a:p>
               <a:pPr algn="ctr"/>
               <a:r>
-                <a:rPr lang="ko-KR" altLang="en-US" dirty="0" smtClean="0">
+                <a:rPr lang="ko-KR" altLang="en-US" dirty="0">
                   <a:solidFill>
                     <a:schemeClr val="tx1">
                       <a:lumMod val="75000"/>
@@ -31730,13 +30423,6 @@
                 </a:rPr>
                 <a:t>컨셉 도출</a:t>
               </a:r>
-              <a:endParaRPr lang="ko-KR" altLang="en-US" dirty="0">
-                <a:solidFill>
-                  <a:schemeClr val="tx1">
-                    <a:lumMod val="75000"/>
-                  </a:schemeClr>
-                </a:solidFill>
-              </a:endParaRPr>
             </a:p>
           </p:txBody>
         </p:sp>
@@ -31791,7 +30477,7 @@
             <a:p>
               <a:pPr marL="0" algn="ctr" defTabSz="914400" rtl="0" eaLnBrk="1" latinLnBrk="1" hangingPunct="1"/>
               <a:r>
-                <a:rPr lang="ko-KR" altLang="en-US" sz="1800" kern="1200" dirty="0" smtClean="0">
+                <a:rPr lang="ko-KR" altLang="en-US" sz="1800" kern="1200" dirty="0">
                   <a:solidFill>
                     <a:schemeClr val="tx1">
                       <a:lumMod val="75000"/>
@@ -31803,16 +30489,6 @@
                 </a:rPr>
                 <a:t>향후 계획</a:t>
               </a:r>
-              <a:endParaRPr lang="ko-KR" altLang="en-US" sz="1800" kern="1200" dirty="0">
-                <a:solidFill>
-                  <a:schemeClr val="tx1">
-                    <a:lumMod val="75000"/>
-                  </a:schemeClr>
-                </a:solidFill>
-                <a:latin typeface="+mn-lt"/>
-                <a:ea typeface="+mn-ea"/>
-                <a:cs typeface="+mn-cs"/>
-              </a:endParaRPr>
             </a:p>
           </p:txBody>
         </p:sp>
@@ -31867,7 +30543,7 @@
             <a:p>
               <a:pPr marL="0" algn="ctr" defTabSz="914400" rtl="0" eaLnBrk="1" latinLnBrk="1" hangingPunct="1"/>
               <a:r>
-                <a:rPr lang="ko-KR" altLang="en-US" sz="1800" kern="1200" dirty="0" smtClean="0">
+                <a:rPr lang="ko-KR" altLang="en-US" sz="1800" kern="1200" dirty="0">
                   <a:solidFill>
                     <a:schemeClr val="tx1">
                       <a:lumMod val="75000"/>
@@ -31879,16 +30555,6 @@
                 </a:rPr>
                 <a:t>프로모션</a:t>
               </a:r>
-              <a:endParaRPr lang="ko-KR" altLang="en-US" sz="1800" kern="1200" dirty="0">
-                <a:solidFill>
-                  <a:schemeClr val="tx1">
-                    <a:lumMod val="75000"/>
-                  </a:schemeClr>
-                </a:solidFill>
-                <a:latin typeface="+mn-lt"/>
-                <a:ea typeface="+mn-ea"/>
-                <a:cs typeface="+mn-cs"/>
-              </a:endParaRPr>
             </a:p>
           </p:txBody>
         </p:sp>
@@ -31943,7 +30609,7 @@
             <a:p>
               <a:pPr marL="0" algn="ctr" defTabSz="914400" rtl="0" eaLnBrk="1" latinLnBrk="1" hangingPunct="1"/>
               <a:r>
-                <a:rPr lang="ko-KR" altLang="en-US" sz="1800" kern="1200" dirty="0" smtClean="0">
+                <a:rPr lang="ko-KR" altLang="en-US" sz="1800" kern="1200" dirty="0">
                   <a:solidFill>
                     <a:schemeClr val="tx1">
                       <a:lumMod val="75000"/>
@@ -31955,16 +30621,6 @@
                 </a:rPr>
                 <a:t>구현</a:t>
               </a:r>
-              <a:endParaRPr lang="ko-KR" altLang="en-US" sz="1800" kern="1200" dirty="0">
-                <a:solidFill>
-                  <a:schemeClr val="tx1">
-                    <a:lumMod val="75000"/>
-                  </a:schemeClr>
-                </a:solidFill>
-                <a:latin typeface="+mn-lt"/>
-                <a:ea typeface="+mn-ea"/>
-                <a:cs typeface="+mn-cs"/>
-              </a:endParaRPr>
             </a:p>
           </p:txBody>
         </p:sp>
@@ -31985,10 +30641,9 @@
           <a:lstStyle/>
           <a:p>
             <a:r>
-              <a:rPr lang="ko-KR" altLang="en-US" dirty="0" smtClean="0"/>
+              <a:rPr lang="ko-KR" altLang="en-US" dirty="0"/>
               <a:t>상황 분석</a:t>
             </a:r>
-            <a:endParaRPr lang="ko-KR" altLang="en-US" dirty="0"/>
           </a:p>
         </p:txBody>
       </p:sp>
@@ -32002,13 +30657,6 @@
   <p:clrMapOvr>
     <a:masterClrMapping/>
   </p:clrMapOvr>
-  <p:timing>
-    <p:tnLst>
-      <p:par>
-        <p:cTn id="1" dur="indefinite" restart="never" nodeType="tmRoot"/>
-      </p:par>
-    </p:tnLst>
-  </p:timing>
 </p:sld>
 </file>
 
@@ -32064,23 +30712,7 @@
                   <a:schemeClr val="accent4"/>
                 </a:solidFill>
               </a:rPr>
-              <a:t>참가한　</a:t>
-            </a:r>
-            <a:r>
-              <a:rPr lang="ko-KR" altLang="en-US" sz="4400" dirty="0" smtClean="0">
-                <a:solidFill>
-                  <a:schemeClr val="accent4"/>
-                </a:solidFill>
-              </a:rPr>
-              <a:t>경험이</a:t>
-            </a:r>
-            <a:r>
-              <a:rPr lang="ko-KR" altLang="en-US" sz="4400" dirty="0">
-                <a:solidFill>
-                  <a:schemeClr val="accent4"/>
-                </a:solidFill>
-              </a:rPr>
-              <a:t>　</a:t>
+              <a:t>참가한　경험이　</a:t>
             </a:r>
             <a:r>
               <a:rPr lang="ko-KR" altLang="en-US" sz="4400" dirty="0"/>
@@ -32392,14 +31024,6 @@
   <p:clrMapOvr>
     <a:masterClrMapping/>
   </p:clrMapOvr>
-  <mc:AlternateContent xmlns:mc="http://schemas.openxmlformats.org/markup-compatibility/2006">
-    <mc:Choice xmlns:p14="http://schemas.microsoft.com/office/powerpoint/2010/main" Requires="p14">
-      <p:transition spd="slow" p14:dur="2000"/>
-    </mc:Choice>
-    <mc:Fallback>
-      <p:transition spd="slow"/>
-    </mc:Fallback>
-  </mc:AlternateContent>
 </p:sld>
 </file>
 
@@ -32438,10 +31062,9 @@
           <a:lstStyle/>
           <a:p>
             <a:r>
-              <a:rPr lang="ko-KR" altLang="en-US" dirty="0" smtClean="0"/>
+              <a:rPr lang="ko-KR" altLang="en-US" dirty="0"/>
               <a:t>문제점 도출</a:t>
             </a:r>
-            <a:endParaRPr lang="ko-KR" altLang="en-US" dirty="0"/>
           </a:p>
         </p:txBody>
       </p:sp>
@@ -33058,7 +31681,7 @@
             <a:p>
               <a:pPr marL="0" algn="ctr" defTabSz="914400" rtl="0" eaLnBrk="1" latinLnBrk="1" hangingPunct="1"/>
               <a:r>
-                <a:rPr lang="ko-KR" altLang="en-US" sz="1800" kern="1200" dirty="0" smtClean="0">
+                <a:rPr lang="ko-KR" altLang="en-US" sz="1800" kern="1200" dirty="0">
                   <a:solidFill>
                     <a:srgbClr val="FFFF00"/>
                   </a:solidFill>
@@ -33068,14 +31691,6 @@
                 </a:rPr>
                 <a:t>현황 분석</a:t>
               </a:r>
-              <a:endParaRPr lang="ko-KR" altLang="en-US" sz="1800" kern="1200" dirty="0">
-                <a:solidFill>
-                  <a:srgbClr val="FFFF00"/>
-                </a:solidFill>
-                <a:latin typeface="+mn-lt"/>
-                <a:ea typeface="+mn-ea"/>
-                <a:cs typeface="+mn-cs"/>
-              </a:endParaRPr>
             </a:p>
           </p:txBody>
         </p:sp>
@@ -33130,7 +31745,7 @@
             <a:p>
               <a:pPr algn="ctr"/>
               <a:r>
-                <a:rPr lang="ko-KR" altLang="en-US" sz="1800" kern="1200" dirty="0" smtClean="0">
+                <a:rPr lang="ko-KR" altLang="en-US" sz="1800" kern="1200" dirty="0">
                   <a:solidFill>
                     <a:schemeClr val="tx1">
                       <a:lumMod val="75000"/>
@@ -33142,16 +31757,6 @@
                 </a:rPr>
                 <a:t>타겟 설정</a:t>
               </a:r>
-              <a:endParaRPr lang="ko-KR" altLang="en-US" sz="1800" kern="1200" dirty="0">
-                <a:solidFill>
-                  <a:schemeClr val="tx1">
-                    <a:lumMod val="75000"/>
-                  </a:schemeClr>
-                </a:solidFill>
-                <a:latin typeface="+mn-lt"/>
-                <a:ea typeface="+mn-ea"/>
-                <a:cs typeface="+mn-cs"/>
-              </a:endParaRPr>
             </a:p>
           </p:txBody>
         </p:sp>
@@ -33206,7 +31811,7 @@
             <a:p>
               <a:pPr marL="0" algn="ctr" defTabSz="914400" rtl="0" eaLnBrk="1" latinLnBrk="1" hangingPunct="1"/>
               <a:r>
-                <a:rPr lang="ko-KR" altLang="en-US" sz="1800" kern="1200" dirty="0" smtClean="0">
+                <a:rPr lang="ko-KR" altLang="en-US" sz="1800" kern="1200" dirty="0">
                   <a:solidFill>
                     <a:schemeClr val="tx1">
                       <a:lumMod val="75000"/>
@@ -33218,16 +31823,6 @@
                 </a:rPr>
                 <a:t>스토리보드</a:t>
               </a:r>
-              <a:endParaRPr lang="ko-KR" altLang="en-US" sz="1800" kern="1200" dirty="0">
-                <a:solidFill>
-                  <a:schemeClr val="tx1">
-                    <a:lumMod val="75000"/>
-                  </a:schemeClr>
-                </a:solidFill>
-                <a:latin typeface="+mn-lt"/>
-                <a:ea typeface="+mn-ea"/>
-                <a:cs typeface="+mn-cs"/>
-              </a:endParaRPr>
             </a:p>
           </p:txBody>
         </p:sp>
@@ -33282,7 +31877,7 @@
             <a:p>
               <a:pPr algn="ctr"/>
               <a:r>
-                <a:rPr lang="ko-KR" altLang="en-US" dirty="0" smtClean="0">
+                <a:rPr lang="ko-KR" altLang="en-US" dirty="0">
                   <a:solidFill>
                     <a:schemeClr val="tx1">
                       <a:lumMod val="75000"/>
@@ -33291,13 +31886,6 @@
                 </a:rPr>
                 <a:t>컨셉 도출</a:t>
               </a:r>
-              <a:endParaRPr lang="ko-KR" altLang="en-US" dirty="0">
-                <a:solidFill>
-                  <a:schemeClr val="tx1">
-                    <a:lumMod val="75000"/>
-                  </a:schemeClr>
-                </a:solidFill>
-              </a:endParaRPr>
             </a:p>
           </p:txBody>
         </p:sp>
@@ -33352,7 +31940,7 @@
             <a:p>
               <a:pPr marL="0" algn="ctr" defTabSz="914400" rtl="0" eaLnBrk="1" latinLnBrk="1" hangingPunct="1"/>
               <a:r>
-                <a:rPr lang="ko-KR" altLang="en-US" sz="1800" kern="1200" dirty="0" smtClean="0">
+                <a:rPr lang="ko-KR" altLang="en-US" sz="1800" kern="1200" dirty="0">
                   <a:solidFill>
                     <a:schemeClr val="tx1">
                       <a:lumMod val="75000"/>
@@ -33364,16 +31952,6 @@
                 </a:rPr>
                 <a:t>향후 계획</a:t>
               </a:r>
-              <a:endParaRPr lang="ko-KR" altLang="en-US" sz="1800" kern="1200" dirty="0">
-                <a:solidFill>
-                  <a:schemeClr val="tx1">
-                    <a:lumMod val="75000"/>
-                  </a:schemeClr>
-                </a:solidFill>
-                <a:latin typeface="+mn-lt"/>
-                <a:ea typeface="+mn-ea"/>
-                <a:cs typeface="+mn-cs"/>
-              </a:endParaRPr>
             </a:p>
           </p:txBody>
         </p:sp>
@@ -33428,7 +32006,7 @@
             <a:p>
               <a:pPr marL="0" algn="ctr" defTabSz="914400" rtl="0" eaLnBrk="1" latinLnBrk="1" hangingPunct="1"/>
               <a:r>
-                <a:rPr lang="ko-KR" altLang="en-US" sz="1800" kern="1200" dirty="0" smtClean="0">
+                <a:rPr lang="ko-KR" altLang="en-US" sz="1800" kern="1200" dirty="0">
                   <a:solidFill>
                     <a:schemeClr val="tx1">
                       <a:lumMod val="75000"/>
@@ -33440,16 +32018,6 @@
                 </a:rPr>
                 <a:t>프로모션</a:t>
               </a:r>
-              <a:endParaRPr lang="ko-KR" altLang="en-US" sz="1800" kern="1200" dirty="0">
-                <a:solidFill>
-                  <a:schemeClr val="tx1">
-                    <a:lumMod val="75000"/>
-                  </a:schemeClr>
-                </a:solidFill>
-                <a:latin typeface="+mn-lt"/>
-                <a:ea typeface="+mn-ea"/>
-                <a:cs typeface="+mn-cs"/>
-              </a:endParaRPr>
             </a:p>
           </p:txBody>
         </p:sp>
@@ -33504,7 +32072,7 @@
             <a:p>
               <a:pPr marL="0" algn="ctr" defTabSz="914400" rtl="0" eaLnBrk="1" latinLnBrk="1" hangingPunct="1"/>
               <a:r>
-                <a:rPr lang="ko-KR" altLang="en-US" sz="1800" kern="1200" dirty="0" smtClean="0">
+                <a:rPr lang="ko-KR" altLang="en-US" sz="1800" kern="1200" dirty="0">
                   <a:solidFill>
                     <a:schemeClr val="tx1">
                       <a:lumMod val="75000"/>
@@ -33516,16 +32084,6 @@
                 </a:rPr>
                 <a:t>구현</a:t>
               </a:r>
-              <a:endParaRPr lang="ko-KR" altLang="en-US" sz="1800" kern="1200" dirty="0">
-                <a:solidFill>
-                  <a:schemeClr val="tx1">
-                    <a:lumMod val="75000"/>
-                  </a:schemeClr>
-                </a:solidFill>
-                <a:latin typeface="+mn-lt"/>
-                <a:ea typeface="+mn-ea"/>
-                <a:cs typeface="+mn-cs"/>
-              </a:endParaRPr>
             </a:p>
           </p:txBody>
         </p:sp>
@@ -33540,14 +32098,6 @@
   <p:clrMapOvr>
     <a:masterClrMapping/>
   </p:clrMapOvr>
-  <mc:AlternateContent xmlns:mc="http://schemas.openxmlformats.org/markup-compatibility/2006">
-    <mc:Choice xmlns:p14="http://schemas.microsoft.com/office/powerpoint/2010/main" Requires="p14">
-      <p:transition spd="slow" p14:dur="2000"/>
-    </mc:Choice>
-    <mc:Fallback>
-      <p:transition spd="slow"/>
-    </mc:Fallback>
-  </mc:AlternateContent>
   <p:timing>
     <p:tnLst>
       <p:par>
@@ -33726,10 +32276,9 @@
           <a:lstStyle/>
           <a:p>
             <a:r>
-              <a:rPr lang="ko-KR" altLang="en-US" dirty="0" smtClean="0"/>
+              <a:rPr lang="ko-KR" altLang="en-US" dirty="0"/>
               <a:t>문제점 도출</a:t>
             </a:r>
-            <a:endParaRPr lang="ko-KR" altLang="en-US" dirty="0"/>
           </a:p>
         </p:txBody>
       </p:sp>
@@ -33847,7 +32396,7 @@
             <a:p>
               <a:pPr marL="0" algn="ctr" defTabSz="914400" rtl="0" eaLnBrk="1" latinLnBrk="1" hangingPunct="1"/>
               <a:r>
-                <a:rPr lang="ko-KR" altLang="en-US" sz="1800" kern="1200" dirty="0" smtClean="0">
+                <a:rPr lang="ko-KR" altLang="en-US" sz="1800" kern="1200" dirty="0">
                   <a:solidFill>
                     <a:srgbClr val="FFFF00"/>
                   </a:solidFill>
@@ -33857,14 +32406,6 @@
                 </a:rPr>
                 <a:t>현황 분석</a:t>
               </a:r>
-              <a:endParaRPr lang="ko-KR" altLang="en-US" sz="1800" kern="1200" dirty="0">
-                <a:solidFill>
-                  <a:srgbClr val="FFFF00"/>
-                </a:solidFill>
-                <a:latin typeface="+mn-lt"/>
-                <a:ea typeface="+mn-ea"/>
-                <a:cs typeface="+mn-cs"/>
-              </a:endParaRPr>
             </a:p>
           </p:txBody>
         </p:sp>
@@ -33919,7 +32460,7 @@
             <a:p>
               <a:pPr algn="ctr"/>
               <a:r>
-                <a:rPr lang="ko-KR" altLang="en-US" sz="1800" kern="1200" dirty="0" smtClean="0">
+                <a:rPr lang="ko-KR" altLang="en-US" sz="1800" kern="1200" dirty="0">
                   <a:solidFill>
                     <a:schemeClr val="tx1">
                       <a:lumMod val="75000"/>
@@ -33931,16 +32472,6 @@
                 </a:rPr>
                 <a:t>타겟 설정</a:t>
               </a:r>
-              <a:endParaRPr lang="ko-KR" altLang="en-US" sz="1800" kern="1200" dirty="0">
-                <a:solidFill>
-                  <a:schemeClr val="tx1">
-                    <a:lumMod val="75000"/>
-                  </a:schemeClr>
-                </a:solidFill>
-                <a:latin typeface="+mn-lt"/>
-                <a:ea typeface="+mn-ea"/>
-                <a:cs typeface="+mn-cs"/>
-              </a:endParaRPr>
             </a:p>
           </p:txBody>
         </p:sp>
@@ -33995,7 +32526,7 @@
             <a:p>
               <a:pPr marL="0" algn="ctr" defTabSz="914400" rtl="0" eaLnBrk="1" latinLnBrk="1" hangingPunct="1"/>
               <a:r>
-                <a:rPr lang="ko-KR" altLang="en-US" sz="1800" kern="1200" dirty="0" smtClean="0">
+                <a:rPr lang="ko-KR" altLang="en-US" sz="1800" kern="1200" dirty="0">
                   <a:solidFill>
                     <a:schemeClr val="tx1">
                       <a:lumMod val="75000"/>
@@ -34007,16 +32538,6 @@
                 </a:rPr>
                 <a:t>스토리보드</a:t>
               </a:r>
-              <a:endParaRPr lang="ko-KR" altLang="en-US" sz="1800" kern="1200" dirty="0">
-                <a:solidFill>
-                  <a:schemeClr val="tx1">
-                    <a:lumMod val="75000"/>
-                  </a:schemeClr>
-                </a:solidFill>
-                <a:latin typeface="+mn-lt"/>
-                <a:ea typeface="+mn-ea"/>
-                <a:cs typeface="+mn-cs"/>
-              </a:endParaRPr>
             </a:p>
           </p:txBody>
         </p:sp>
@@ -34071,7 +32592,7 @@
             <a:p>
               <a:pPr algn="ctr"/>
               <a:r>
-                <a:rPr lang="ko-KR" altLang="en-US" dirty="0" smtClean="0">
+                <a:rPr lang="ko-KR" altLang="en-US" dirty="0">
                   <a:solidFill>
                     <a:schemeClr val="tx1">
                       <a:lumMod val="75000"/>
@@ -34080,13 +32601,6 @@
                 </a:rPr>
                 <a:t>컨셉 도출</a:t>
               </a:r>
-              <a:endParaRPr lang="ko-KR" altLang="en-US" dirty="0">
-                <a:solidFill>
-                  <a:schemeClr val="tx1">
-                    <a:lumMod val="75000"/>
-                  </a:schemeClr>
-                </a:solidFill>
-              </a:endParaRPr>
             </a:p>
           </p:txBody>
         </p:sp>
@@ -34141,7 +32655,7 @@
             <a:p>
               <a:pPr marL="0" algn="ctr" defTabSz="914400" rtl="0" eaLnBrk="1" latinLnBrk="1" hangingPunct="1"/>
               <a:r>
-                <a:rPr lang="ko-KR" altLang="en-US" sz="1800" kern="1200" dirty="0" smtClean="0">
+                <a:rPr lang="ko-KR" altLang="en-US" sz="1800" kern="1200" dirty="0">
                   <a:solidFill>
                     <a:schemeClr val="tx1">
                       <a:lumMod val="75000"/>
@@ -34153,16 +32667,6 @@
                 </a:rPr>
                 <a:t>향후 계획</a:t>
               </a:r>
-              <a:endParaRPr lang="ko-KR" altLang="en-US" sz="1800" kern="1200" dirty="0">
-                <a:solidFill>
-                  <a:schemeClr val="tx1">
-                    <a:lumMod val="75000"/>
-                  </a:schemeClr>
-                </a:solidFill>
-                <a:latin typeface="+mn-lt"/>
-                <a:ea typeface="+mn-ea"/>
-                <a:cs typeface="+mn-cs"/>
-              </a:endParaRPr>
             </a:p>
           </p:txBody>
         </p:sp>
@@ -34217,7 +32721,7 @@
             <a:p>
               <a:pPr marL="0" algn="ctr" defTabSz="914400" rtl="0" eaLnBrk="1" latinLnBrk="1" hangingPunct="1"/>
               <a:r>
-                <a:rPr lang="ko-KR" altLang="en-US" sz="1800" kern="1200" dirty="0" smtClean="0">
+                <a:rPr lang="ko-KR" altLang="en-US" sz="1800" kern="1200" dirty="0">
                   <a:solidFill>
                     <a:schemeClr val="tx1">
                       <a:lumMod val="75000"/>
@@ -34229,16 +32733,6 @@
                 </a:rPr>
                 <a:t>프로모션</a:t>
               </a:r>
-              <a:endParaRPr lang="ko-KR" altLang="en-US" sz="1800" kern="1200" dirty="0">
-                <a:solidFill>
-                  <a:schemeClr val="tx1">
-                    <a:lumMod val="75000"/>
-                  </a:schemeClr>
-                </a:solidFill>
-                <a:latin typeface="+mn-lt"/>
-                <a:ea typeface="+mn-ea"/>
-                <a:cs typeface="+mn-cs"/>
-              </a:endParaRPr>
             </a:p>
           </p:txBody>
         </p:sp>
@@ -34293,7 +32787,7 @@
             <a:p>
               <a:pPr marL="0" algn="ctr" defTabSz="914400" rtl="0" eaLnBrk="1" latinLnBrk="1" hangingPunct="1"/>
               <a:r>
-                <a:rPr lang="ko-KR" altLang="en-US" sz="1800" kern="1200" dirty="0" smtClean="0">
+                <a:rPr lang="ko-KR" altLang="en-US" sz="1800" kern="1200" dirty="0">
                   <a:solidFill>
                     <a:schemeClr val="tx1">
                       <a:lumMod val="75000"/>
@@ -34305,16 +32799,6 @@
                 </a:rPr>
                 <a:t>구현</a:t>
               </a:r>
-              <a:endParaRPr lang="ko-KR" altLang="en-US" sz="1800" kern="1200" dirty="0">
-                <a:solidFill>
-                  <a:schemeClr val="tx1">
-                    <a:lumMod val="75000"/>
-                  </a:schemeClr>
-                </a:solidFill>
-                <a:latin typeface="+mn-lt"/>
-                <a:ea typeface="+mn-ea"/>
-                <a:cs typeface="+mn-cs"/>
-              </a:endParaRPr>
             </a:p>
           </p:txBody>
         </p:sp>
@@ -34486,18 +32970,13 @@
           <a:p>
             <a:pPr algn="ctr"/>
             <a:r>
-              <a:rPr lang="ko-KR" altLang="en-US" sz="2400" dirty="0" smtClean="0">
+              <a:rPr lang="ko-KR" altLang="en-US" sz="2400" dirty="0">
                 <a:solidFill>
                   <a:srgbClr val="00B0F0"/>
                 </a:solidFill>
               </a:rPr>
               <a:t>검색 필터</a:t>
             </a:r>
-            <a:endParaRPr lang="ko-KR" altLang="en-US" sz="2400" dirty="0">
-              <a:solidFill>
-                <a:srgbClr val="00B0F0"/>
-              </a:solidFill>
-            </a:endParaRPr>
           </a:p>
         </p:txBody>
       </p:sp>
@@ -34524,7 +33003,7 @@
           <a:p>
             <a:pPr algn="ctr"/>
             <a:r>
-              <a:rPr lang="ko-KR" altLang="en-US" sz="1600" dirty="0" smtClean="0">
+              <a:rPr lang="ko-KR" altLang="en-US" sz="1600" dirty="0">
                 <a:solidFill>
                   <a:srgbClr val="00B0F0"/>
                 </a:solidFill>
@@ -34532,7 +33011,7 @@
               <a:t>필요한 역할</a:t>
             </a:r>
             <a:r>
-              <a:rPr lang="en-US" altLang="ko-KR" sz="1600" dirty="0" smtClean="0">
+              <a:rPr lang="en-US" altLang="ko-KR" sz="1600" dirty="0">
                 <a:solidFill>
                   <a:srgbClr val="00B0F0"/>
                 </a:solidFill>
@@ -34543,18 +33022,13 @@
           <a:p>
             <a:pPr algn="ctr"/>
             <a:r>
-              <a:rPr lang="ko-KR" altLang="en-US" sz="1600" dirty="0" smtClean="0">
+              <a:rPr lang="ko-KR" altLang="en-US" sz="1600" dirty="0">
                 <a:solidFill>
                   <a:srgbClr val="00B0F0"/>
                 </a:solidFill>
               </a:rPr>
               <a:t>나갈 공모전 등 검색 필터의 부재</a:t>
             </a:r>
-            <a:endParaRPr lang="ko-KR" altLang="en-US" sz="1600" dirty="0">
-              <a:solidFill>
-                <a:srgbClr val="00B0F0"/>
-              </a:solidFill>
-            </a:endParaRPr>
           </a:p>
         </p:txBody>
       </p:sp>
@@ -34581,18 +33055,13 @@
           <a:p>
             <a:pPr algn="ctr"/>
             <a:r>
-              <a:rPr lang="ko-KR" altLang="en-US" sz="2400" dirty="0" smtClean="0">
+              <a:rPr lang="ko-KR" altLang="en-US" sz="2400" dirty="0">
                 <a:solidFill>
                   <a:srgbClr val="00B0F0"/>
                 </a:solidFill>
               </a:rPr>
               <a:t>팀원 정보 열람</a:t>
             </a:r>
-            <a:endParaRPr lang="ko-KR" altLang="en-US" sz="2400" dirty="0">
-              <a:solidFill>
-                <a:srgbClr val="00B0F0"/>
-              </a:solidFill>
-            </a:endParaRPr>
           </a:p>
         </p:txBody>
       </p:sp>
@@ -34619,14 +33088,14 @@
           <a:p>
             <a:pPr algn="ctr"/>
             <a:r>
-              <a:rPr lang="ko-KR" altLang="en-US" sz="1600" dirty="0" smtClean="0">
+              <a:rPr lang="ko-KR" altLang="en-US" sz="1600" dirty="0">
                 <a:solidFill>
                   <a:srgbClr val="00B0F0"/>
                 </a:solidFill>
               </a:rPr>
               <a:t>팀과 팀원의</a:t>
             </a:r>
-            <a:endParaRPr lang="en-US" altLang="ko-KR" sz="1600" dirty="0" smtClean="0">
+            <a:endParaRPr lang="en-US" altLang="ko-KR" sz="1600" dirty="0">
               <a:solidFill>
                 <a:srgbClr val="00B0F0"/>
               </a:solidFill>
@@ -34635,14 +33104,14 @@
           <a:p>
             <a:pPr algn="ctr"/>
             <a:r>
-              <a:rPr lang="ko-KR" altLang="en-US" sz="1600" dirty="0" smtClean="0">
+              <a:rPr lang="ko-KR" altLang="en-US" sz="1600" dirty="0">
                 <a:solidFill>
                   <a:srgbClr val="00B0F0"/>
                 </a:solidFill>
               </a:rPr>
               <a:t>상호 정보 공유가</a:t>
             </a:r>
-            <a:endParaRPr lang="en-US" altLang="ko-KR" sz="1600" dirty="0" smtClean="0">
+            <a:endParaRPr lang="en-US" altLang="ko-KR" sz="1600" dirty="0">
               <a:solidFill>
                 <a:srgbClr val="00B0F0"/>
               </a:solidFill>
@@ -34651,14 +33120,14 @@
           <a:p>
             <a:pPr algn="ctr"/>
             <a:r>
-              <a:rPr lang="ko-KR" altLang="en-US" sz="1600" dirty="0" smtClean="0">
+              <a:rPr lang="ko-KR" altLang="en-US" sz="1600" dirty="0">
                 <a:solidFill>
                   <a:srgbClr val="00B0F0"/>
                 </a:solidFill>
               </a:rPr>
               <a:t>힘들다</a:t>
             </a:r>
-            <a:endParaRPr lang="en-US" altLang="ko-KR" sz="1600" dirty="0" smtClean="0">
+            <a:endParaRPr lang="en-US" altLang="ko-KR" sz="1600" dirty="0">
               <a:solidFill>
                 <a:srgbClr val="00B0F0"/>
               </a:solidFill>
@@ -34689,18 +33158,13 @@
           <a:p>
             <a:pPr algn="ctr"/>
             <a:r>
-              <a:rPr lang="ko-KR" altLang="en-US" sz="2400" dirty="0" smtClean="0">
+              <a:rPr lang="ko-KR" altLang="en-US" sz="2400" dirty="0">
                 <a:solidFill>
                   <a:srgbClr val="00B0F0"/>
                 </a:solidFill>
               </a:rPr>
               <a:t>복잡한 신청 방식</a:t>
             </a:r>
-            <a:endParaRPr lang="ko-KR" altLang="en-US" sz="2400" dirty="0">
-              <a:solidFill>
-                <a:srgbClr val="00B0F0"/>
-              </a:solidFill>
-            </a:endParaRPr>
           </a:p>
         </p:txBody>
       </p:sp>
@@ -34727,7 +33191,7 @@
           <a:p>
             <a:pPr algn="ctr"/>
             <a:r>
-              <a:rPr lang="ko-KR" altLang="en-US" sz="1600" dirty="0" smtClean="0">
+              <a:rPr lang="ko-KR" altLang="en-US" sz="1600" dirty="0">
                 <a:solidFill>
                   <a:srgbClr val="00B0F0"/>
                 </a:solidFill>
@@ -34735,7 +33199,7 @@
               <a:t>공모전에 신청하려면 외부 홈페이지</a:t>
             </a:r>
             <a:r>
-              <a:rPr lang="en-US" altLang="ko-KR" sz="1600" dirty="0" smtClean="0">
+              <a:rPr lang="en-US" altLang="ko-KR" sz="1600" dirty="0">
                 <a:solidFill>
                   <a:srgbClr val="00B0F0"/>
                 </a:solidFill>
@@ -34743,7 +33207,7 @@
               <a:t>/</a:t>
             </a:r>
             <a:r>
-              <a:rPr lang="ko-KR" altLang="en-US" sz="1600" dirty="0" smtClean="0">
+              <a:rPr lang="ko-KR" altLang="en-US" sz="1600" dirty="0">
                 <a:solidFill>
                   <a:srgbClr val="00B0F0"/>
                 </a:solidFill>
@@ -34751,14 +33215,14 @@
               <a:t>메일에 만든 서류를 </a:t>
             </a:r>
             <a:r>
-              <a:rPr lang="ko-KR" altLang="en-US" sz="1600" dirty="0" err="1" smtClean="0">
+              <a:rPr lang="ko-KR" altLang="en-US" sz="1600" dirty="0" err="1">
                 <a:solidFill>
                   <a:srgbClr val="00B0F0"/>
                 </a:solidFill>
               </a:rPr>
               <a:t>제출해야됨</a:t>
             </a:r>
-            <a:endParaRPr lang="en-US" altLang="ko-KR" sz="1600" dirty="0" smtClean="0">
+            <a:endParaRPr lang="en-US" altLang="ko-KR" sz="1600" dirty="0">
               <a:solidFill>
                 <a:srgbClr val="00B0F0"/>
               </a:solidFill>
@@ -34866,13 +33330,6 @@
   <p:clrMapOvr>
     <a:masterClrMapping/>
   </p:clrMapOvr>
-  <p:timing>
-    <p:tnLst>
-      <p:par>
-        <p:cTn id="1" dur="indefinite" restart="never" nodeType="tmRoot"/>
-      </p:par>
-    </p:tnLst>
-  </p:timing>
 </p:sld>
 </file>
 
